--- a/lci_surgery.pptx
+++ b/lci_surgery.pptx
@@ -3546,7 +3546,7 @@
       </p:sp>
       <p:pic>
         <p:nvPicPr>
-          <p:cNvPr descr="images/Eso_IL_AnastArtboard%202@4x.png" id="0" name="Picture 1"/>
+          <p:cNvPr descr="https://deidt7p41jzcy.cloudfront.net/Eso_MIE_McKeownArtboard.png" id="0" name="Picture 1"/>
           <p:cNvPicPr>
             <a:picLocks noGrp="1" noChangeAspect="1"/>
           </p:cNvPicPr>
@@ -4186,7 +4186,7 @@
             <a:pPr lvl="0"/>
             <a:r>
               <a:rPr/>
-              <a:t>Locally Advanced Tumors (T3 or N+) after the completion of preoperative therapy. Preoperative therapy is generally some combination of chemotherapy and radiation.</a:t>
+              <a:t>Locally Advanced Tumors (T3 or N+) after preoperative therapy.</a:t>
             </a:r>
           </a:p>
         </p:txBody>
@@ -5740,6 +5740,13 @@
         <p:txBody>
           <a:bodyPr/>
           <a:lstStyle/>
+          <a:p>
+            <a:pPr lvl="0"/>
+            <a:r>
+              <a:rPr/>
+              <a:t>Small incisions in the abdomen and chest</a:t>
+            </a:r>
+          </a:p>
           <a:p>
             <a:pPr lvl="0" indent="0" marL="0">
               <a:buNone/>

--- a/lci_surgery.pptx
+++ b/lci_surgery.pptx
@@ -3546,7 +3546,7 @@
       </p:sp>
       <p:pic>
         <p:nvPicPr>
-          <p:cNvPr descr="https://deidt7p41jzcy.cloudfront.net/Eso_MIE_McKeownArtboard.png" id="0" name="Picture 1"/>
+          <p:cNvPr descr="https://deidt7p41jzcy.cloudfront.net/Eso_IvorLewis_Anastomosis.png" id="0" name="Picture 1"/>
           <p:cNvPicPr>
             <a:picLocks noGrp="1" noChangeAspect="1"/>
           </p:cNvPicPr>
@@ -3646,36 +3646,31 @@
           </a:p>
         </p:txBody>
       </p:sp>
-      <p:pic>
-        <p:nvPicPr>
-          <p:cNvPr descr="images/Eso_LeakArtboard%202@4x.png" id="0" name="Picture 1"/>
-          <p:cNvPicPr>
-            <a:picLocks noGrp="1" noChangeAspect="1"/>
-          </p:cNvPicPr>
-          <p:nvPr/>
-        </p:nvPicPr>
-        <p:blipFill>
-          <a:blip r:embed="rId2"/>
-          <a:stretch>
-            <a:fillRect/>
-          </a:stretch>
-        </p:blipFill>
-        <p:spPr bwMode="auto">
-          <a:xfrm>
-            <a:off x="5016500" y="1193800"/>
-            <a:ext cx="3302000" cy="3390900"/>
-          </a:xfrm>
-          <a:prstGeom prst="rect">
-            <a:avLst/>
-          </a:prstGeom>
-          <a:noFill/>
-          <a:ln w="9525">
-            <a:noFill/>
-            <a:headEnd/>
-            <a:tailEnd/>
-          </a:ln>
-        </p:spPr>
-      </p:pic>
+      <p:sp>
+        <p:nvSpPr>
+          <p:cNvPr id="4" name="Content Placeholder 3"/>
+          <p:cNvSpPr>
+            <a:spLocks noGrp="1"/>
+          </p:cNvSpPr>
+          <p:nvPr>
+            <p:ph idx="2" sz="half"/>
+          </p:nvPr>
+        </p:nvSpPr>
+        <p:spPr/>
+        <p:txBody>
+          <a:bodyPr/>
+          <a:lstStyle/>
+          <a:p>
+            <a:pPr lvl="0" indent="0" marL="0">
+              <a:buNone/>
+            </a:pPr>
+            <a:r>
+              <a:rPr/>
+              <a:t>https://deidt7p41jzcy.cloudfront.net/Eso_IvorLewis_Leak.png</a:t>
+            </a:r>
+          </a:p>
+        </p:txBody>
+      </p:sp>
     </p:spTree>
   </p:cSld>
 </p:sld>
@@ -3820,36 +3815,6 @@
           </a:p>
         </p:txBody>
       </p:sp>
-      <p:pic>
-        <p:nvPicPr>
-          <p:cNvPr descr="images/Eso_LungsArtboard%202@4x.png" id="0" name="Picture 1"/>
-          <p:cNvPicPr>
-            <a:picLocks noGrp="1" noChangeAspect="1"/>
-          </p:cNvPicPr>
-          <p:nvPr/>
-        </p:nvPicPr>
-        <p:blipFill>
-          <a:blip r:embed="rId2"/>
-          <a:stretch>
-            <a:fillRect/>
-          </a:stretch>
-        </p:blipFill>
-        <p:spPr bwMode="auto">
-          <a:xfrm>
-            <a:off x="5016500" y="1193800"/>
-            <a:ext cx="3302000" cy="3390900"/>
-          </a:xfrm>
-          <a:prstGeom prst="rect">
-            <a:avLst/>
-          </a:prstGeom>
-          <a:noFill/>
-          <a:ln w="9525">
-            <a:noFill/>
-            <a:headEnd/>
-            <a:tailEnd/>
-          </a:ln>
-        </p:spPr>
-      </p:pic>
     </p:spTree>
   </p:cSld>
 </p:sld>

--- a/lci_surgery.pptx
+++ b/lci_surgery.pptx
@@ -40,6 +40,7 @@
     <p:sldId id="288" r:id="rId34"/>
     <p:sldId id="289" r:id="rId35"/>
     <p:sldId id="290" r:id="rId36"/>
+    <p:sldId id="291" r:id="rId37"/>
   </p:sldIdLst>
   <p:sldSz cx="9144000" cy="5143500" type="screen16x9"/>
   <p:notesSz cx="6858000" cy="9144000"/>
@@ -3249,14 +3250,14 @@
             </a:pPr>
             <a:r>
               <a:rPr/>
-              <a:t>For those patients, we need to remove the whole esophagus</a:t>
+              <a:t>For patients with tumors in the upper esophagus, we need to remove more of the esophagus</a:t>
             </a:r>
           </a:p>
         </p:txBody>
       </p:sp>
       <p:pic>
         <p:nvPicPr>
-          <p:cNvPr descr="https://deidt7p41jzcy.cloudfront.net/Eso_ResectionTotalArtboard.png" id="0" name="Picture 1"/>
+          <p:cNvPr descr="https://deidt7p41jzcy.cloudfront.net/Eso_ProxTumorArtboard.png" id="0" name="Picture 1"/>
           <p:cNvPicPr>
             <a:picLocks noGrp="1" noChangeAspect="1"/>
           </p:cNvPicPr>
@@ -3326,7 +3327,7 @@
             </a:pPr>
             <a:r>
               <a:rPr/>
-              <a:t>Minimally-invasive McKeown Esophagectomy</a:t>
+              <a:t>Total Esophagectomy</a:t>
             </a:r>
           </a:p>
         </p:txBody>
@@ -3351,14 +3352,14 @@
             </a:pPr>
             <a:r>
               <a:rPr/>
-              <a:t>In this case, a connection between the esophagus and the stomach is made in the neck.</a:t>
+              <a:t>For those patients, we need to remove the whole esophagus</a:t>
             </a:r>
           </a:p>
         </p:txBody>
       </p:sp>
       <p:pic>
         <p:nvPicPr>
-          <p:cNvPr descr="https://deidt7p41jzcy.cloudfront.net/Eso_MIE_McKeownArtboard.png" id="0" name="Picture 1"/>
+          <p:cNvPr descr="https://deidt7p41jzcy.cloudfront.net/Eso_ResectionTotalArtboard.png" id="0" name="Picture 1"/>
           <p:cNvPicPr>
             <a:picLocks noGrp="1" noChangeAspect="1"/>
           </p:cNvPicPr>
@@ -3428,7 +3429,7 @@
             </a:pPr>
             <a:r>
               <a:rPr/>
-              <a:t>Risks of Surgery</a:t>
+              <a:t>Minimally-invasive McKeown Esophagectomy</a:t>
             </a:r>
           </a:p>
         </p:txBody>
@@ -3440,7 +3441,7 @@
             <a:spLocks noGrp="1"/>
           </p:cNvSpPr>
           <p:nvPr>
-            <p:ph idx="1"/>
+            <p:ph idx="1" sz="half"/>
           </p:nvPr>
         </p:nvSpPr>
         <p:spPr/>
@@ -3453,25 +3454,41 @@
             </a:pPr>
             <a:r>
               <a:rPr/>
-              <a:t>An esophagectomy is a substantial operation, and in some cases there can be postoperative complications. We’re going to talk about two of these complications and what you can do to reduce your risk of complications:</a:t>
-            </a:r>
-          </a:p>
-          <a:p>
-            <a:pPr lvl="0"/>
-            <a:r>
-              <a:rPr/>
-              <a:t>Anastomotic leak</a:t>
-            </a:r>
-          </a:p>
-          <a:p>
-            <a:pPr lvl="0"/>
-            <a:r>
-              <a:rPr/>
-              <a:t>Pneumonia</a:t>
-            </a:r>
-          </a:p>
-        </p:txBody>
-      </p:sp>
+              <a:t>In this case, a connection between the esophagus and the stomach is made in the neck.</a:t>
+            </a:r>
+          </a:p>
+        </p:txBody>
+      </p:sp>
+      <p:pic>
+        <p:nvPicPr>
+          <p:cNvPr descr="https://deidt7p41jzcy.cloudfront.net/Eso_MIE_McKeownArtboard.png" id="0" name="Picture 1"/>
+          <p:cNvPicPr>
+            <a:picLocks noGrp="1" noChangeAspect="1"/>
+          </p:cNvPicPr>
+          <p:nvPr/>
+        </p:nvPicPr>
+        <p:blipFill>
+          <a:blip r:embed="rId2"/>
+          <a:stretch>
+            <a:fillRect/>
+          </a:stretch>
+        </p:blipFill>
+        <p:spPr bwMode="auto">
+          <a:xfrm>
+            <a:off x="5016500" y="1193800"/>
+            <a:ext cx="3302000" cy="3390900"/>
+          </a:xfrm>
+          <a:prstGeom prst="rect">
+            <a:avLst/>
+          </a:prstGeom>
+          <a:noFill/>
+          <a:ln w="9525">
+            <a:noFill/>
+            <a:headEnd/>
+            <a:tailEnd/>
+          </a:ln>
+        </p:spPr>
+      </p:pic>
     </p:spTree>
   </p:cSld>
 </p:sld>
@@ -3514,6 +3531,92 @@
             </a:pPr>
             <a:r>
               <a:rPr/>
+              <a:t>Risks of Surgery</a:t>
+            </a:r>
+          </a:p>
+        </p:txBody>
+      </p:sp>
+      <p:sp>
+        <p:nvSpPr>
+          <p:cNvPr id="3" name="Content Placeholder 2"/>
+          <p:cNvSpPr>
+            <a:spLocks noGrp="1"/>
+          </p:cNvSpPr>
+          <p:nvPr>
+            <p:ph idx="1"/>
+          </p:nvPr>
+        </p:nvSpPr>
+        <p:spPr/>
+        <p:txBody>
+          <a:bodyPr/>
+          <a:lstStyle/>
+          <a:p>
+            <a:pPr lvl="0" indent="0" marL="0">
+              <a:buNone/>
+            </a:pPr>
+            <a:r>
+              <a:rPr/>
+              <a:t>An esophagectomy is a substantial operation, and in some cases there can be postoperative complications. We’re going to talk about two of these complications and what you can do to reduce your risk of complications:</a:t>
+            </a:r>
+          </a:p>
+          <a:p>
+            <a:pPr lvl="0"/>
+            <a:r>
+              <a:rPr/>
+              <a:t>Anastomotic leak</a:t>
+            </a:r>
+          </a:p>
+          <a:p>
+            <a:pPr lvl="0"/>
+            <a:r>
+              <a:rPr/>
+              <a:t>Pneumonia</a:t>
+            </a:r>
+          </a:p>
+        </p:txBody>
+      </p:sp>
+    </p:spTree>
+  </p:cSld>
+</p:sld>
+</file>
+
+<file path=ppt/slides/slide14.xml><?xml version="1.0" encoding="utf-8"?>
+<p:sld xmlns:a="http://schemas.openxmlformats.org/drawingml/2006/main" xmlns:r="http://schemas.openxmlformats.org/officeDocument/2006/relationships" xmlns:p="http://schemas.openxmlformats.org/presentationml/2006/main">
+  <p:cSld>
+    <p:spTree>
+      <p:nvGrpSpPr>
+        <p:cNvPr id="1" name=""/>
+        <p:cNvGrpSpPr/>
+        <p:nvPr/>
+      </p:nvGrpSpPr>
+      <p:grpSpPr>
+        <a:xfrm>
+          <a:off x="0" y="0"/>
+          <a:ext cx="0" cy="0"/>
+          <a:chOff x="0" y="0"/>
+          <a:chExt cx="0" cy="0"/>
+        </a:xfrm>
+      </p:grpSpPr>
+      <p:sp>
+        <p:nvSpPr>
+          <p:cNvPr id="2" name="Title 1"/>
+          <p:cNvSpPr>
+            <a:spLocks noGrp="1"/>
+          </p:cNvSpPr>
+          <p:nvPr>
+            <p:ph type="title"/>
+          </p:nvPr>
+        </p:nvSpPr>
+        <p:spPr/>
+        <p:txBody>
+          <a:bodyPr/>
+          <a:lstStyle/>
+          <a:p>
+            <a:pPr lvl="0" indent="0" marL="0">
+              <a:buNone/>
+            </a:pPr>
+            <a:r>
+              <a:rPr/>
               <a:t>Anastomotic Leak</a:t>
             </a:r>
           </a:p>
@@ -3539,7 +3642,7 @@
             </a:pPr>
             <a:r>
               <a:rPr/>
-              <a:t>The anastomosis is surigcal connection between the esophagus and the stomach.</a:t>
+              <a:t>The anastomosis is surgical connection between the esophagus and the stomach.</a:t>
             </a:r>
           </a:p>
         </p:txBody>
@@ -3579,103 +3682,6 @@
 </p:sld>
 </file>
 
-<file path=ppt/slides/slide14.xml><?xml version="1.0" encoding="utf-8"?>
-<p:sld xmlns:a="http://schemas.openxmlformats.org/drawingml/2006/main" xmlns:r="http://schemas.openxmlformats.org/officeDocument/2006/relationships" xmlns:p="http://schemas.openxmlformats.org/presentationml/2006/main">
-  <p:cSld>
-    <p:spTree>
-      <p:nvGrpSpPr>
-        <p:cNvPr id="1" name=""/>
-        <p:cNvGrpSpPr/>
-        <p:nvPr/>
-      </p:nvGrpSpPr>
-      <p:grpSpPr>
-        <a:xfrm>
-          <a:off x="0" y="0"/>
-          <a:ext cx="0" cy="0"/>
-          <a:chOff x="0" y="0"/>
-          <a:chExt cx="0" cy="0"/>
-        </a:xfrm>
-      </p:grpSpPr>
-      <p:sp>
-        <p:nvSpPr>
-          <p:cNvPr id="2" name="Title 1"/>
-          <p:cNvSpPr>
-            <a:spLocks noGrp="1"/>
-          </p:cNvSpPr>
-          <p:nvPr>
-            <p:ph type="title"/>
-          </p:nvPr>
-        </p:nvSpPr>
-        <p:spPr/>
-        <p:txBody>
-          <a:bodyPr/>
-          <a:lstStyle/>
-          <a:p>
-            <a:pPr lvl="0" indent="0" marL="0">
-              <a:buNone/>
-            </a:pPr>
-            <a:r>
-              <a:rPr/>
-              <a:t>Anastomotic Leak</a:t>
-            </a:r>
-          </a:p>
-        </p:txBody>
-      </p:sp>
-      <p:sp>
-        <p:nvSpPr>
-          <p:cNvPr id="3" name="Content Placeholder 2"/>
-          <p:cNvSpPr>
-            <a:spLocks noGrp="1"/>
-          </p:cNvSpPr>
-          <p:nvPr>
-            <p:ph idx="1" sz="half"/>
-          </p:nvPr>
-        </p:nvSpPr>
-        <p:spPr/>
-        <p:txBody>
-          <a:bodyPr/>
-          <a:lstStyle/>
-          <a:p>
-            <a:pPr lvl="0" indent="0" marL="0">
-              <a:buNone/>
-            </a:pPr>
-            <a:r>
-              <a:rPr/>
-              <a:t>If anastomosis does not heal properly, this can cause a leakage of fluid from the esophagus, called an anastomotic leak. If this happens, an infection can occur in the mediastinum, which is the space near the heart between the lungs.</a:t>
-            </a:r>
-          </a:p>
-        </p:txBody>
-      </p:sp>
-      <p:sp>
-        <p:nvSpPr>
-          <p:cNvPr id="4" name="Content Placeholder 3"/>
-          <p:cNvSpPr>
-            <a:spLocks noGrp="1"/>
-          </p:cNvSpPr>
-          <p:nvPr>
-            <p:ph idx="2" sz="half"/>
-          </p:nvPr>
-        </p:nvSpPr>
-        <p:spPr/>
-        <p:txBody>
-          <a:bodyPr/>
-          <a:lstStyle/>
-          <a:p>
-            <a:pPr lvl="0" indent="0" marL="0">
-              <a:buNone/>
-            </a:pPr>
-            <a:r>
-              <a:rPr/>
-              <a:t>https://deidt7p41jzcy.cloudfront.net/Eso_IvorLewis_Leak.png</a:t>
-            </a:r>
-          </a:p>
-        </p:txBody>
-      </p:sp>
-    </p:spTree>
-  </p:cSld>
-</p:sld>
-</file>
-
 <file path=ppt/slides/slide15.xml><?xml version="1.0" encoding="utf-8"?>
 <p:sld xmlns:a="http://schemas.openxmlformats.org/drawingml/2006/main" xmlns:r="http://schemas.openxmlformats.org/officeDocument/2006/relationships" xmlns:p="http://schemas.openxmlformats.org/presentationml/2006/main">
   <p:cSld>
@@ -3725,7 +3731,7 @@
             <a:spLocks noGrp="1"/>
           </p:cNvSpPr>
           <p:nvPr>
-            <p:ph idx="1"/>
+            <p:ph idx="1" sz="half"/>
           </p:nvPr>
         </p:nvSpPr>
         <p:spPr/>
@@ -3738,7 +3744,32 @@
             </a:pPr>
             <a:r>
               <a:rPr/>
-              <a:t>In some cases, the leak will heal on its own, but other cases may require additional procedures or even surgery. The risk of leak depends upon the operation performed but also depends upon the experience of the surgeon. At the end of this video we have a link to a video about how to choose a hospital and a surgeon, which talks further about the risks of a leak.</a:t>
+              <a:t>If anastomosis does not heal properly, this can cause a leakage of fluid from the esophagus, called an anastomotic leak. If this happens, an infection can occur in the mediastinum, which is the space near the heart between the lungs.</a:t>
+            </a:r>
+          </a:p>
+        </p:txBody>
+      </p:sp>
+      <p:sp>
+        <p:nvSpPr>
+          <p:cNvPr id="4" name="Content Placeholder 3"/>
+          <p:cNvSpPr>
+            <a:spLocks noGrp="1"/>
+          </p:cNvSpPr>
+          <p:nvPr>
+            <p:ph idx="2" sz="half"/>
+          </p:nvPr>
+        </p:nvSpPr>
+        <p:spPr/>
+        <p:txBody>
+          <a:bodyPr/>
+          <a:lstStyle/>
+          <a:p>
+            <a:pPr lvl="0" indent="0" marL="0">
+              <a:buNone/>
+            </a:pPr>
+            <a:r>
+              <a:rPr/>
+              <a:t>https://deidt7p41jzcy.cloudfront.net/Eso_IvorLewis_Leak.png</a:t>
             </a:r>
           </a:p>
         </p:txBody>
@@ -3785,7 +3816,7 @@
             </a:pPr>
             <a:r>
               <a:rPr/>
-              <a:t>Pneumonia</a:t>
+              <a:t>Anastomotic Leak</a:t>
             </a:r>
           </a:p>
         </p:txBody>
@@ -3797,7 +3828,7 @@
             <a:spLocks noGrp="1"/>
           </p:cNvSpPr>
           <p:nvPr>
-            <p:ph idx="1" sz="half"/>
+            <p:ph idx="1"/>
           </p:nvPr>
         </p:nvSpPr>
         <p:spPr/>
@@ -3810,7 +3841,7 @@
             </a:pPr>
             <a:r>
               <a:rPr/>
-              <a:t>Pneumonia is another complication which can occurs in about 10-15% of patients after esophagectomy. Pneumonia requires treatment with antibiotics and frequently requires a longer hospitalization.</a:t>
+              <a:t>In some cases, the leak will heal on its own, but other cases may require additional procedures or even surgery. The risk of leak depends upon the operation performed but also depends upon the experience of the surgeon. At the end of this video we have a link to a video about how to choose a hospital and a surgeon, which talks further about the risks of a leak.</a:t>
             </a:r>
           </a:p>
         </p:txBody>
@@ -3857,7 +3888,7 @@
             </a:pPr>
             <a:r>
               <a:rPr/>
-              <a:t>Preventing Pneumonia</a:t>
+              <a:t>Pneumonia</a:t>
             </a:r>
           </a:p>
         </p:txBody>
@@ -3869,7 +3900,7 @@
             <a:spLocks noGrp="1"/>
           </p:cNvSpPr>
           <p:nvPr>
-            <p:ph idx="1"/>
+            <p:ph idx="1" sz="half"/>
           </p:nvPr>
         </p:nvSpPr>
         <p:spPr/>
@@ -3882,39 +3913,7 @@
             </a:pPr>
             <a:r>
               <a:rPr/>
-              <a:t>In normal circumstances, secretions from the mouth and throat aren’t able to enter the lungs because we clear our throat and if secretions do get into our airway, we tend to cough and keep those secretions out of our lungs. This happens constantly without our thinking about it.</a:t>
-            </a:r>
-          </a:p>
-          <a:p>
-            <a:pPr lvl="0" indent="0" marL="0">
-              <a:buNone/>
-            </a:pPr>
-            <a:r>
-              <a:rPr/>
-              <a:t>After esophagectomy, however, there is a tendency for secretions to enter the airway, and if you can’t clear them, there is a risk that pneumonia will set in.</a:t>
-            </a:r>
-          </a:p>
-          <a:p>
-            <a:pPr lvl="0" indent="0" marL="0">
-              <a:buNone/>
-            </a:pPr>
-            <a:r>
-              <a:rPr/>
-              <a:t>There are two important ways that pneumonia can be prevented:</a:t>
-            </a:r>
-          </a:p>
-          <a:p>
-            <a:pPr lvl="0"/>
-            <a:r>
-              <a:rPr/>
-              <a:t>Deep breathing</a:t>
-            </a:r>
-          </a:p>
-          <a:p>
-            <a:pPr lvl="0"/>
-            <a:r>
-              <a:rPr/>
-              <a:t>Walking</a:t>
+              <a:t>Pneumonia is another complication which can occurs in about 10-15% of patients after esophagectomy. Pneumonia requires treatment with antibiotics and frequently requires a longer hospitalization.</a:t>
             </a:r>
           </a:p>
         </p:txBody>
@@ -3961,7 +3960,7 @@
             </a:pPr>
             <a:r>
               <a:rPr/>
-              <a:t>Deep breathing and coughing</a:t>
+              <a:t>Preventing Pneumonia</a:t>
             </a:r>
           </a:p>
         </p:txBody>
@@ -3986,7 +3985,39 @@
             </a:pPr>
             <a:r>
               <a:rPr/>
-              <a:t>After surgery, it’s important to breathe deeply to help your lungs recover after surgery. Deep breathing make the cough more effective and helps clear secretions. After surgery, deep breathing and coughing can be uncomfortable, so controlling your discomfort will be an important part of your recovery.</a:t>
+              <a:t>In normal circumstances, secretions from the mouth and throat aren’t able to enter the lungs because we clear our throat and if secretions do get into our airway, we tend to cough and keep those secretions out of our lungs. This happens constantly without our thinking about it.</a:t>
+            </a:r>
+          </a:p>
+          <a:p>
+            <a:pPr lvl="0" indent="0" marL="0">
+              <a:buNone/>
+            </a:pPr>
+            <a:r>
+              <a:rPr/>
+              <a:t>After esophagectomy, however, there is a tendency for secretions to enter the airway, and if you can’t clear them, there is a risk that pneumonia will set in.</a:t>
+            </a:r>
+          </a:p>
+          <a:p>
+            <a:pPr lvl="0" indent="0" marL="0">
+              <a:buNone/>
+            </a:pPr>
+            <a:r>
+              <a:rPr/>
+              <a:t>There are two important ways that pneumonia can be prevented:</a:t>
+            </a:r>
+          </a:p>
+          <a:p>
+            <a:pPr lvl="0"/>
+            <a:r>
+              <a:rPr/>
+              <a:t>Deep breathing</a:t>
+            </a:r>
+          </a:p>
+          <a:p>
+            <a:pPr lvl="0"/>
+            <a:r>
+              <a:rPr/>
+              <a:t>Walking</a:t>
             </a:r>
           </a:p>
         </p:txBody>
@@ -4033,7 +4064,7 @@
             </a:pPr>
             <a:r>
               <a:rPr/>
-              <a:t>Walking</a:t>
+              <a:t>Deep breathing and coughing</a:t>
             </a:r>
           </a:p>
         </p:txBody>
@@ -4058,7 +4089,7 @@
             </a:pPr>
             <a:r>
               <a:rPr/>
-              <a:t>Walking after surgery is also an important way to help your lungs recover as well. When we walk, it’s easier for our lungs to function, and again, it makes the cough more frequently.</a:t>
+              <a:t>After surgery, it’s important to breathe deeply to help your lungs recover after surgery. Deep breathing make the cough more effective and helps clear secretions. After surgery, deep breathing and coughing can be uncomfortable, so controlling your discomfort will be an important part of your recovery.</a:t>
             </a:r>
           </a:p>
         </p:txBody>
@@ -4198,7 +4229,7 @@
             </a:pPr>
             <a:r>
               <a:rPr/>
-              <a:t>Preventing Pneumonia</a:t>
+              <a:t>Walking</a:t>
             </a:r>
           </a:p>
         </p:txBody>
@@ -4223,7 +4254,7 @@
             </a:pPr>
             <a:r>
               <a:rPr/>
-              <a:t>How can we prevent pneumonia? Believe it or not, I can tell who is more likely to develop pneumonia after surgery when I first meet them and shake their hand. Someone with a firm handshake has a lower risk of pneumonia. We think this is because someone with a firm handshake has good muscle tone, and someone with good muscle tone probably has good function of the muscles between the ribs so that they have a nice strong cough and can prevent pneumonia.</a:t>
+              <a:t>Walking after surgery is also an important way to help your lungs recover as well. When we walk, it’s easier for our lungs to function, and again, it makes the cough more frequently.</a:t>
             </a:r>
           </a:p>
         </p:txBody>
@@ -4270,7 +4301,7 @@
             </a:pPr>
             <a:r>
               <a:rPr/>
-              <a:t>Strength</a:t>
+              <a:t>Preventing Pneumonia</a:t>
             </a:r>
           </a:p>
         </p:txBody>
@@ -4295,7 +4326,16 @@
             </a:pPr>
             <a:r>
               <a:rPr/>
-              <a:t>In our clinic, we actually measure out patient’s strength with a hand-held strength gauge called a dynamometer. Based upon these measurements, we can identify patients who may be at risk of pneumonia.</a:t>
+              <a:t>How can we prevent pneumonia? Believe it or not, we can tell who is more likely to develop pneumonia after surgery simply by measuring their grip strength.</a:t>
+            </a:r>
+          </a:p>
+          <a:p>
+            <a:pPr lvl="0" indent="0" marL="0">
+              <a:buNone/>
+            </a:pPr>
+            <a:r>
+              <a:rPr/>
+              <a:t>We think this is because someone with a strong grip has good muscle function of the muscles between the ribs so that they have a nice strong cough and can prevent pneumonia.</a:t>
             </a:r>
           </a:p>
         </p:txBody>
@@ -4342,7 +4382,7 @@
             </a:pPr>
             <a:r>
               <a:rPr/>
-              <a:t>Patient Strength and Esophagectomy Outcomes</a:t>
+              <a:t>Strength</a:t>
             </a:r>
           </a:p>
         </p:txBody>
@@ -4367,7 +4407,7 @@
             </a:pPr>
             <a:r>
               <a:rPr/>
-              <a:t>About half of our patients have good strength, shown in green. A quarter are have low strength, shown in red Another quarter are in the middle, shown in yellow</a:t>
+              <a:t>In our clinic, we actually measure out patient’s strength with a hand-held strength gauge called a dynamometer. Based upon these measurements, we can identify patients who may be at risk of pneumonia.</a:t>
             </a:r>
           </a:p>
         </p:txBody>
@@ -4378,6 +4418,78 @@
 </file>
 
 <file path=ppt/slides/slide23.xml><?xml version="1.0" encoding="utf-8"?>
+<p:sld xmlns:a="http://schemas.openxmlformats.org/drawingml/2006/main" xmlns:r="http://schemas.openxmlformats.org/officeDocument/2006/relationships" xmlns:p="http://schemas.openxmlformats.org/presentationml/2006/main">
+  <p:cSld>
+    <p:spTree>
+      <p:nvGrpSpPr>
+        <p:cNvPr id="1" name=""/>
+        <p:cNvGrpSpPr/>
+        <p:nvPr/>
+      </p:nvGrpSpPr>
+      <p:grpSpPr>
+        <a:xfrm>
+          <a:off x="0" y="0"/>
+          <a:ext cx="0" cy="0"/>
+          <a:chOff x="0" y="0"/>
+          <a:chExt cx="0" cy="0"/>
+        </a:xfrm>
+      </p:grpSpPr>
+      <p:sp>
+        <p:nvSpPr>
+          <p:cNvPr id="2" name="Title 1"/>
+          <p:cNvSpPr>
+            <a:spLocks noGrp="1"/>
+          </p:cNvSpPr>
+          <p:nvPr>
+            <p:ph type="title"/>
+          </p:nvPr>
+        </p:nvSpPr>
+        <p:spPr/>
+        <p:txBody>
+          <a:bodyPr/>
+          <a:lstStyle/>
+          <a:p>
+            <a:pPr lvl="0" indent="0" marL="0">
+              <a:buNone/>
+            </a:pPr>
+            <a:r>
+              <a:rPr/>
+              <a:t>Patient Strength and Esophagectomy Outcomes</a:t>
+            </a:r>
+          </a:p>
+        </p:txBody>
+      </p:sp>
+      <p:sp>
+        <p:nvSpPr>
+          <p:cNvPr id="3" name="Content Placeholder 2"/>
+          <p:cNvSpPr>
+            <a:spLocks noGrp="1"/>
+          </p:cNvSpPr>
+          <p:nvPr>
+            <p:ph idx="1"/>
+          </p:nvPr>
+        </p:nvSpPr>
+        <p:spPr/>
+        <p:txBody>
+          <a:bodyPr/>
+          <a:lstStyle/>
+          <a:p>
+            <a:pPr lvl="0" indent="0" marL="0">
+              <a:buNone/>
+            </a:pPr>
+            <a:r>
+              <a:rPr/>
+              <a:t>About half of our patients have good strength, shown in green. A quarter are have low strength, shown in red Another quarter are in the middle, shown in yellow</a:t>
+            </a:r>
+          </a:p>
+        </p:txBody>
+      </p:sp>
+    </p:spTree>
+  </p:cSld>
+</p:sld>
+</file>
+
+<file path=ppt/slides/slide24.xml><?xml version="1.0" encoding="utf-8"?>
 <p:sld xmlns:a="http://schemas.openxmlformats.org/drawingml/2006/main" xmlns:r="http://schemas.openxmlformats.org/officeDocument/2006/relationships" xmlns:p="http://schemas.openxmlformats.org/presentationml/2006/main">
   <p:cSld>
     <p:spTree>
@@ -4429,7 +4541,7 @@
 </p:sld>
 </file>
 
-<file path=ppt/slides/slide24.xml><?xml version="1.0" encoding="utf-8"?>
+<file path=ppt/slides/slide25.xml><?xml version="1.0" encoding="utf-8"?>
 <p:sld xmlns:a="http://schemas.openxmlformats.org/drawingml/2006/main" xmlns:r="http://schemas.openxmlformats.org/officeDocument/2006/relationships" xmlns:p="http://schemas.openxmlformats.org/presentationml/2006/main">
   <p:cSld>
     <p:spTree>
@@ -4501,7 +4613,7 @@
 </p:sld>
 </file>
 
-<file path=ppt/slides/slide25.xml><?xml version="1.0" encoding="utf-8"?>
+<file path=ppt/slides/slide26.xml><?xml version="1.0" encoding="utf-8"?>
 <p:sld xmlns:a="http://schemas.openxmlformats.org/drawingml/2006/main" xmlns:r="http://schemas.openxmlformats.org/officeDocument/2006/relationships" xmlns:p="http://schemas.openxmlformats.org/presentationml/2006/main">
   <p:cSld>
     <p:spTree>
@@ -4553,7 +4665,7 @@
 </p:sld>
 </file>
 
-<file path=ppt/slides/slide26.xml><?xml version="1.0" encoding="utf-8"?>
+<file path=ppt/slides/slide27.xml><?xml version="1.0" encoding="utf-8"?>
 <p:sld xmlns:a="http://schemas.openxmlformats.org/drawingml/2006/main" xmlns:r="http://schemas.openxmlformats.org/officeDocument/2006/relationships" xmlns:p="http://schemas.openxmlformats.org/presentationml/2006/main">
   <p:cSld>
     <p:spTree>
@@ -4605,7 +4717,7 @@
 </p:sld>
 </file>
 
-<file path=ppt/slides/slide27.xml><?xml version="1.0" encoding="utf-8"?>
+<file path=ppt/slides/slide28.xml><?xml version="1.0" encoding="utf-8"?>
 <p:sld xmlns:a="http://schemas.openxmlformats.org/drawingml/2006/main" xmlns:r="http://schemas.openxmlformats.org/officeDocument/2006/relationships" xmlns:p="http://schemas.openxmlformats.org/presentationml/2006/main">
   <p:cSld>
     <p:spTree>
@@ -4661,7 +4773,7 @@
 </p:sld>
 </file>
 
-<file path=ppt/slides/slide28.xml><?xml version="1.0" encoding="utf-8"?>
+<file path=ppt/slides/slide29.xml><?xml version="1.0" encoding="utf-8"?>
 <p:sld xmlns:a="http://schemas.openxmlformats.org/drawingml/2006/main" xmlns:r="http://schemas.openxmlformats.org/officeDocument/2006/relationships" xmlns:p="http://schemas.openxmlformats.org/presentationml/2006/main">
   <p:cSld>
     <p:spTree>
@@ -4696,108 +4808,6 @@
           <a:xfrm>
             <a:off x="1181100" y="1193800"/>
             <a:ext cx="6781800" cy="3390900"/>
-          </a:xfrm>
-          <a:prstGeom prst="rect">
-            <a:avLst/>
-          </a:prstGeom>
-          <a:noFill/>
-          <a:ln w="9525">
-            <a:noFill/>
-            <a:headEnd/>
-            <a:tailEnd/>
-          </a:ln>
-        </p:spPr>
-      </p:pic>
-    </p:spTree>
-  </p:cSld>
-</p:sld>
-</file>
-
-<file path=ppt/slides/slide29.xml><?xml version="1.0" encoding="utf-8"?>
-<p:sld xmlns:a="http://schemas.openxmlformats.org/drawingml/2006/main" xmlns:r="http://schemas.openxmlformats.org/officeDocument/2006/relationships" xmlns:p="http://schemas.openxmlformats.org/presentationml/2006/main">
-  <p:cSld>
-    <p:spTree>
-      <p:nvGrpSpPr>
-        <p:cNvPr id="1" name=""/>
-        <p:cNvGrpSpPr/>
-        <p:nvPr/>
-      </p:nvGrpSpPr>
-      <p:grpSpPr>
-        <a:xfrm>
-          <a:off x="0" y="0"/>
-          <a:ext cx="0" cy="0"/>
-          <a:chOff x="0" y="0"/>
-          <a:chExt cx="0" cy="0"/>
-        </a:xfrm>
-      </p:grpSpPr>
-      <p:sp>
-        <p:nvSpPr>
-          <p:cNvPr id="2" name="Title 1"/>
-          <p:cNvSpPr>
-            <a:spLocks noGrp="1"/>
-          </p:cNvSpPr>
-          <p:nvPr>
-            <p:ph type="title"/>
-          </p:nvPr>
-        </p:nvSpPr>
-        <p:spPr/>
-        <p:txBody>
-          <a:bodyPr/>
-          <a:lstStyle/>
-          <a:p>
-            <a:pPr lvl="0" indent="0" marL="0">
-              <a:buNone/>
-            </a:pPr>
-            <a:r>
-              <a:rPr/>
-              <a:t>Muscle Strength and Risk after Esophagectomy</a:t>
-            </a:r>
-          </a:p>
-        </p:txBody>
-      </p:sp>
-      <p:sp>
-        <p:nvSpPr>
-          <p:cNvPr id="3" name="Content Placeholder 2"/>
-          <p:cNvSpPr>
-            <a:spLocks noGrp="1"/>
-          </p:cNvSpPr>
-          <p:nvPr>
-            <p:ph idx="1" sz="half"/>
-          </p:nvPr>
-        </p:nvSpPr>
-        <p:spPr/>
-        <p:txBody>
-          <a:bodyPr/>
-          <a:lstStyle/>
-          <a:p>
-            <a:pPr lvl="0" indent="0" marL="0">
-              <a:buNone/>
-            </a:pPr>
-            <a:r>
-              <a:rPr/>
-              <a:t>The results of our research suggest a simple answer: The risk of pneumonia is related to a patient’s muscle strength.]</a:t>
-            </a:r>
-          </a:p>
-        </p:txBody>
-      </p:sp>
-      <p:pic>
-        <p:nvPicPr>
-          <p:cNvPr descr="images/emancipation-156066_1280.png" id="0" name="Picture 1"/>
-          <p:cNvPicPr>
-            <a:picLocks noGrp="1" noChangeAspect="1"/>
-          </p:cNvPicPr>
-          <p:nvPr/>
-        </p:nvPicPr>
-        <p:blipFill>
-          <a:blip r:embed="rId2"/>
-          <a:stretch>
-            <a:fillRect/>
-          </a:stretch>
-        </p:blipFill>
-        <p:spPr bwMode="auto">
-          <a:xfrm>
-            <a:off x="5372100" y="1193800"/>
-            <a:ext cx="2590800" cy="3390900"/>
           </a:xfrm>
           <a:prstGeom prst="rect">
             <a:avLst/>
@@ -4948,6 +4958,108 @@
       </p:grpSpPr>
       <p:sp>
         <p:nvSpPr>
+          <p:cNvPr id="2" name="Title 1"/>
+          <p:cNvSpPr>
+            <a:spLocks noGrp="1"/>
+          </p:cNvSpPr>
+          <p:nvPr>
+            <p:ph type="title"/>
+          </p:nvPr>
+        </p:nvSpPr>
+        <p:spPr/>
+        <p:txBody>
+          <a:bodyPr/>
+          <a:lstStyle/>
+          <a:p>
+            <a:pPr lvl="0" indent="0" marL="0">
+              <a:buNone/>
+            </a:pPr>
+            <a:r>
+              <a:rPr/>
+              <a:t>Muscle Strength and Risk after Esophagectomy</a:t>
+            </a:r>
+          </a:p>
+        </p:txBody>
+      </p:sp>
+      <p:sp>
+        <p:nvSpPr>
+          <p:cNvPr id="3" name="Content Placeholder 2"/>
+          <p:cNvSpPr>
+            <a:spLocks noGrp="1"/>
+          </p:cNvSpPr>
+          <p:nvPr>
+            <p:ph idx="1" sz="half"/>
+          </p:nvPr>
+        </p:nvSpPr>
+        <p:spPr/>
+        <p:txBody>
+          <a:bodyPr/>
+          <a:lstStyle/>
+          <a:p>
+            <a:pPr lvl="0" indent="0" marL="0">
+              <a:buNone/>
+            </a:pPr>
+            <a:r>
+              <a:rPr/>
+              <a:t>The results of our research suggest a simple answer: The risk of pneumonia is related to a patient’s muscle strength.</a:t>
+            </a:r>
+          </a:p>
+        </p:txBody>
+      </p:sp>
+      <p:pic>
+        <p:nvPicPr>
+          <p:cNvPr descr="images/emancipation-156066_1280.png" id="0" name="Picture 1"/>
+          <p:cNvPicPr>
+            <a:picLocks noGrp="1" noChangeAspect="1"/>
+          </p:cNvPicPr>
+          <p:nvPr/>
+        </p:nvPicPr>
+        <p:blipFill>
+          <a:blip r:embed="rId2"/>
+          <a:stretch>
+            <a:fillRect/>
+          </a:stretch>
+        </p:blipFill>
+        <p:spPr bwMode="auto">
+          <a:xfrm>
+            <a:off x="5372100" y="1193800"/>
+            <a:ext cx="2590800" cy="3390900"/>
+          </a:xfrm>
+          <a:prstGeom prst="rect">
+            <a:avLst/>
+          </a:prstGeom>
+          <a:noFill/>
+          <a:ln w="9525">
+            <a:noFill/>
+            <a:headEnd/>
+            <a:tailEnd/>
+          </a:ln>
+        </p:spPr>
+      </p:pic>
+    </p:spTree>
+  </p:cSld>
+</p:sld>
+</file>
+
+<file path=ppt/slides/slide31.xml><?xml version="1.0" encoding="utf-8"?>
+<p:sld xmlns:a="http://schemas.openxmlformats.org/drawingml/2006/main" xmlns:r="http://schemas.openxmlformats.org/officeDocument/2006/relationships" xmlns:p="http://schemas.openxmlformats.org/presentationml/2006/main">
+  <p:cSld>
+    <p:spTree>
+      <p:nvGrpSpPr>
+        <p:cNvPr id="1" name=""/>
+        <p:cNvGrpSpPr/>
+        <p:nvPr/>
+      </p:nvGrpSpPr>
+      <p:grpSpPr>
+        <a:xfrm>
+          <a:off x="0" y="0"/>
+          <a:ext cx="0" cy="0"/>
+          <a:chOff x="0" y="0"/>
+          <a:chExt cx="0" cy="0"/>
+        </a:xfrm>
+      </p:grpSpPr>
+      <p:sp>
+        <p:nvSpPr>
           <p:cNvPr id="3" name="Content Placeholder 2"/>
           <p:cNvSpPr>
             <a:spLocks noGrp="1"/>
@@ -5006,67 +5118,6 @@
 </p:sld>
 </file>
 
-<file path=ppt/slides/slide31.xml><?xml version="1.0" encoding="utf-8"?>
-<p:sld xmlns:a="http://schemas.openxmlformats.org/drawingml/2006/main" xmlns:r="http://schemas.openxmlformats.org/officeDocument/2006/relationships" xmlns:p="http://schemas.openxmlformats.org/presentationml/2006/main">
-  <p:cSld>
-    <p:spTree>
-      <p:nvGrpSpPr>
-        <p:cNvPr id="1" name=""/>
-        <p:cNvGrpSpPr/>
-        <p:nvPr/>
-      </p:nvGrpSpPr>
-      <p:grpSpPr>
-        <a:xfrm>
-          <a:off x="0" y="0"/>
-          <a:ext cx="0" cy="0"/>
-          <a:chOff x="0" y="0"/>
-          <a:chExt cx="0" cy="0"/>
-        </a:xfrm>
-      </p:grpSpPr>
-      <p:sp>
-        <p:nvSpPr>
-          <p:cNvPr id="3" name="Content Placeholder 2"/>
-          <p:cNvSpPr>
-            <a:spLocks noGrp="1"/>
-          </p:cNvSpPr>
-          <p:nvPr>
-            <p:ph idx="1"/>
-          </p:nvPr>
-        </p:nvSpPr>
-        <p:spPr/>
-        <p:txBody>
-          <a:bodyPr/>
-          <a:lstStyle/>
-          <a:p>
-            <a:pPr lvl="0" indent="0" marL="0">
-              <a:buNone/>
-            </a:pPr>
-            <a:r>
-              <a:rPr/>
-              <a:t>The good news is that you can increase your muscle strength before surgery in two very simple ways:</a:t>
-            </a:r>
-          </a:p>
-          <a:p>
-            <a:pPr lvl="0"/>
-            <a:r>
-              <a:rPr/>
-              <a:t>Good nutrition with adequate intake of protein</a:t>
-            </a:r>
-          </a:p>
-          <a:p>
-            <a:pPr lvl="0"/>
-            <a:r>
-              <a:rPr/>
-              <a:t>Exercise</a:t>
-            </a:r>
-          </a:p>
-        </p:txBody>
-      </p:sp>
-    </p:spTree>
-  </p:cSld>
-</p:sld>
-</file>
-
 <file path=ppt/slides/slide32.xml><?xml version="1.0" encoding="utf-8"?>
 <p:sld xmlns:a="http://schemas.openxmlformats.org/drawingml/2006/main" xmlns:r="http://schemas.openxmlformats.org/officeDocument/2006/relationships" xmlns:p="http://schemas.openxmlformats.org/presentationml/2006/main">
   <p:cSld>
@@ -5086,12 +5137,12 @@
       </p:grpSpPr>
       <p:sp>
         <p:nvSpPr>
-          <p:cNvPr id="2" name="Title 1"/>
-          <p:cNvSpPr>
-            <a:spLocks noGrp="1"/>
-          </p:cNvSpPr>
-          <p:nvPr>
-            <p:ph type="title"/>
+          <p:cNvPr id="3" name="Content Placeholder 2"/>
+          <p:cNvSpPr>
+            <a:spLocks noGrp="1"/>
+          </p:cNvSpPr>
+          <p:nvPr>
+            <p:ph idx="1"/>
           </p:nvPr>
         </p:nvSpPr>
         <p:spPr/>
@@ -5104,41 +5155,21 @@
             </a:pPr>
             <a:r>
               <a:rPr/>
-              <a:t>Good News</a:t>
-            </a:r>
-          </a:p>
-        </p:txBody>
-      </p:sp>
-      <p:sp>
-        <p:nvSpPr>
-          <p:cNvPr id="3" name="Content Placeholder 2"/>
-          <p:cNvSpPr>
-            <a:spLocks noGrp="1"/>
-          </p:cNvSpPr>
-          <p:nvPr>
-            <p:ph idx="1"/>
-          </p:nvPr>
-        </p:nvSpPr>
-        <p:spPr/>
-        <p:txBody>
-          <a:bodyPr/>
-          <a:lstStyle/>
-          <a:p>
-            <a:pPr lvl="0" indent="0" marL="0">
-              <a:buNone/>
-            </a:pPr>
-            <a:r>
-              <a:rPr/>
-              <a:t>with proper nutrition and exercise, you can increase your muscle strength, and we have good reason to believe this will reduce your risk of complications after esophagectomy.</a:t>
-            </a:r>
-          </a:p>
-          <a:p>
-            <a:pPr lvl="0" indent="0" marL="0">
-              <a:buNone/>
-            </a:pPr>
-            <a:r>
-              <a:rPr/>
-              <a:t>When you meet with your surgery team, be sure to ask them about pain control after surgery and how you can increase your muscle strength.</a:t>
+              <a:t>The good news is that you can increase your muscle strength before surgery in two very simple ways:</a:t>
+            </a:r>
+          </a:p>
+          <a:p>
+            <a:pPr lvl="0"/>
+            <a:r>
+              <a:rPr/>
+              <a:t>Good nutrition with adequate intake of protein</a:t>
+            </a:r>
+          </a:p>
+          <a:p>
+            <a:pPr lvl="0"/>
+            <a:r>
+              <a:rPr/>
+              <a:t>Exercise</a:t>
             </a:r>
           </a:p>
         </p:txBody>
@@ -5167,6 +5198,31 @@
       </p:grpSpPr>
       <p:sp>
         <p:nvSpPr>
+          <p:cNvPr id="2" name="Title 1"/>
+          <p:cNvSpPr>
+            <a:spLocks noGrp="1"/>
+          </p:cNvSpPr>
+          <p:nvPr>
+            <p:ph type="title"/>
+          </p:nvPr>
+        </p:nvSpPr>
+        <p:spPr/>
+        <p:txBody>
+          <a:bodyPr/>
+          <a:lstStyle/>
+          <a:p>
+            <a:pPr lvl="0" indent="0" marL="0">
+              <a:buNone/>
+            </a:pPr>
+            <a:r>
+              <a:rPr/>
+              <a:t>Good News</a:t>
+            </a:r>
+          </a:p>
+        </p:txBody>
+      </p:sp>
+      <p:sp>
+        <p:nvSpPr>
           <p:cNvPr id="3" name="Content Placeholder 2"/>
           <p:cNvSpPr>
             <a:spLocks noGrp="1"/>
@@ -5185,7 +5241,7 @@
             </a:pPr>
             <a:r>
               <a:rPr/>
-              <a:t>In the next video in our series, you will learn about how to choose a hospital and a surgeon for esophageal surgery:</a:t>
+              <a:t>with proper nutrition and exercise, you can increase your muscle strength, and we have good reason to believe this will reduce your risk of complications after esophagectomy.</a:t>
             </a:r>
           </a:p>
           <a:p>
@@ -5193,10 +5249,8 @@
               <a:buNone/>
             </a:pPr>
             <a:r>
-              <a:rPr>
-                <a:hlinkClick r:id="rId2"/>
-              </a:rPr>
-              <a:t>Choosing a Hospital and Surgeon for Esophagectomy</a:t>
+              <a:rPr/>
+              <a:t>When you meet with your surgery team, be sure to ask them about pain control after surgery and how you can increase your muscle strength.</a:t>
             </a:r>
           </a:p>
         </p:txBody>
@@ -5243,7 +5297,7 @@
             </a:pPr>
             <a:r>
               <a:rPr/>
-              <a:t>We hope you have found this video helpful. This videos and others like it are designed to</a:t>
+              <a:t>In the next video in our series, you will learn about how to choose a hospital and a surgeon for esophageal surgery:</a:t>
             </a:r>
           </a:p>
           <a:p>
@@ -5251,26 +5305,10 @@
               <a:buNone/>
             </a:pPr>
             <a:r>
-              <a:rPr/>
-              <a:t>educate patients and families about esophageal cancer</a:t>
-            </a:r>
-          </a:p>
-          <a:p>
-            <a:pPr lvl="0" indent="0" marL="0">
-              <a:buNone/>
-            </a:pPr>
-            <a:r>
-              <a:rPr/>
-              <a:t>and equip them for their discussions with their esophageal cancer care team.</a:t>
-            </a:r>
-          </a:p>
-          <a:p>
-            <a:pPr lvl="0" indent="0" marL="0">
-              <a:buNone/>
-            </a:pPr>
-            <a:r>
-              <a:rPr/>
-              <a:t>As always, these videos are no substitute for expert medical advice.</a:t>
+              <a:rPr>
+                <a:hlinkClick r:id="rId2"/>
+              </a:rPr>
+              <a:t>Choosing a Hospital and Surgeon for Esophagectomy</a:t>
             </a:r>
           </a:p>
         </p:txBody>
@@ -5281,6 +5319,80 @@
 </file>
 
 <file path=ppt/slides/slide35.xml><?xml version="1.0" encoding="utf-8"?>
+<p:sld xmlns:a="http://schemas.openxmlformats.org/drawingml/2006/main" xmlns:r="http://schemas.openxmlformats.org/officeDocument/2006/relationships" xmlns:p="http://schemas.openxmlformats.org/presentationml/2006/main">
+  <p:cSld>
+    <p:spTree>
+      <p:nvGrpSpPr>
+        <p:cNvPr id="1" name=""/>
+        <p:cNvGrpSpPr/>
+        <p:nvPr/>
+      </p:nvGrpSpPr>
+      <p:grpSpPr>
+        <a:xfrm>
+          <a:off x="0" y="0"/>
+          <a:ext cx="0" cy="0"/>
+          <a:chOff x="0" y="0"/>
+          <a:chExt cx="0" cy="0"/>
+        </a:xfrm>
+      </p:grpSpPr>
+      <p:sp>
+        <p:nvSpPr>
+          <p:cNvPr id="3" name="Content Placeholder 2"/>
+          <p:cNvSpPr>
+            <a:spLocks noGrp="1"/>
+          </p:cNvSpPr>
+          <p:nvPr>
+            <p:ph idx="1"/>
+          </p:nvPr>
+        </p:nvSpPr>
+        <p:spPr/>
+        <p:txBody>
+          <a:bodyPr/>
+          <a:lstStyle/>
+          <a:p>
+            <a:pPr lvl="0" indent="0" marL="0">
+              <a:buNone/>
+            </a:pPr>
+            <a:r>
+              <a:rPr/>
+              <a:t>We hope you have found this video helpful. This videos and others like it are designed to</a:t>
+            </a:r>
+          </a:p>
+          <a:p>
+            <a:pPr lvl="0" indent="0" marL="0">
+              <a:buNone/>
+            </a:pPr>
+            <a:r>
+              <a:rPr/>
+              <a:t>educate patients and families about esophageal cancer</a:t>
+            </a:r>
+          </a:p>
+          <a:p>
+            <a:pPr lvl="0" indent="0" marL="0">
+              <a:buNone/>
+            </a:pPr>
+            <a:r>
+              <a:rPr/>
+              <a:t>and equip them for their discussions with their esophageal cancer care team.</a:t>
+            </a:r>
+          </a:p>
+          <a:p>
+            <a:pPr lvl="0" indent="0" marL="0">
+              <a:buNone/>
+            </a:pPr>
+            <a:r>
+              <a:rPr/>
+              <a:t>As always, these videos are no substitute for expert medical advice.</a:t>
+            </a:r>
+          </a:p>
+        </p:txBody>
+      </p:sp>
+    </p:spTree>
+  </p:cSld>
+</p:sld>
+</file>
+
+<file path=ppt/slides/slide36.xml><?xml version="1.0" encoding="utf-8"?>
 <p:sld xmlns:a="http://schemas.openxmlformats.org/drawingml/2006/main" xmlns:r="http://schemas.openxmlformats.org/officeDocument/2006/relationships" xmlns:p="http://schemas.openxmlformats.org/presentationml/2006/main">
   <p:cSld>
     <p:spTree>
@@ -5713,18 +5825,14 @@
             </a:r>
           </a:p>
           <a:p>
-            <a:pPr lvl="0" indent="0" marL="0">
-              <a:buNone/>
-            </a:pPr>
-            <a:r>
-              <a:rPr/>
-              <a:t>Mininally-invasive esophagectomy uses small incisions in the abdomen and chest. A surgical telescope and special instruments are used to perform the operations. This operation is a more recent innovation and can be used in many cases instead of an open approach.</a:t>
-            </a:r>
-          </a:p>
-          <a:p>
-            <a:pPr lvl="0" indent="0" marL="0">
-              <a:buNone/>
-            </a:pPr>
+            <a:pPr lvl="0"/>
+            <a:r>
+              <a:rPr/>
+              <a:t>Surgical telescope and instruments inserged</a:t>
+            </a:r>
+          </a:p>
+          <a:p>
+            <a:pPr lvl="0"/>
             <a:r>
               <a:rPr/>
               <a:t>The smaller incisions mean faster recovery and less discomfort</a:t>
@@ -5836,7 +5944,7 @@
       </p:sp>
       <p:pic>
         <p:nvPicPr>
-          <p:cNvPr descr="https://deidt7p41jzcy.cloudfront.net/IvorLewisArtboard.png" id="0" name="Picture 1"/>
+          <p:cNvPr descr="https://deidt7p41jzcy.cloudfront.net/MIE_IvorLewisArtboard.png" id="0" name="Picture 1"/>
           <p:cNvPicPr>
             <a:picLocks noGrp="1" noChangeAspect="1"/>
           </p:cNvPicPr>
@@ -5906,7 +6014,7 @@
             </a:pPr>
             <a:r>
               <a:rPr/>
-              <a:t>Total Esophagectomy</a:t>
+              <a:t>Open Ivor Lewis</a:t>
             </a:r>
           </a:p>
         </p:txBody>
@@ -5931,14 +6039,14 @@
             </a:pPr>
             <a:r>
               <a:rPr/>
-              <a:t>For patients with tumors in the upper esophagus, we need to remove more of the esophagus</a:t>
+              <a:t>In some cases, an open approach is still necessary.</a:t>
             </a:r>
           </a:p>
         </p:txBody>
       </p:sp>
       <p:pic>
         <p:nvPicPr>
-          <p:cNvPr descr="https://deidt7p41jzcy.cloudfront.net/Eso_ProxTumorArtboard.png" id="0" name="Picture 1"/>
+          <p:cNvPr descr="https://deidt7p41jzcy.cloudfront.net/IvorLewisArtboard.png" id="0" name="Picture 1"/>
           <p:cNvPicPr>
             <a:picLocks noGrp="1" noChangeAspect="1"/>
           </p:cNvPicPr>

--- a/lci_surgery.pptx
+++ b/lci_surgery.pptx
@@ -41,6 +41,13 @@
     <p:sldId id="289" r:id="rId35"/>
     <p:sldId id="290" r:id="rId36"/>
     <p:sldId id="291" r:id="rId37"/>
+    <p:sldId id="292" r:id="rId38"/>
+    <p:sldId id="293" r:id="rId39"/>
+    <p:sldId id="294" r:id="rId40"/>
+    <p:sldId id="295" r:id="rId41"/>
+    <p:sldId id="296" r:id="rId42"/>
+    <p:sldId id="297" r:id="rId43"/>
+    <p:sldId id="298" r:id="rId44"/>
   </p:sldIdLst>
   <p:sldSz cx="9144000" cy="5143500" type="screen16x9"/>
   <p:notesSz cx="6858000" cy="9144000"/>
@@ -5244,15 +5251,6 @@
               <a:t>with proper nutrition and exercise, you can increase your muscle strength, and we have good reason to believe this will reduce your risk of complications after esophagectomy.</a:t>
             </a:r>
           </a:p>
-          <a:p>
-            <a:pPr lvl="0" indent="0" marL="0">
-              <a:buNone/>
-            </a:pPr>
-            <a:r>
-              <a:rPr/>
-              <a:t>When you meet with your surgery team, be sure to ask them about pain control after surgery and how you can increase your muscle strength.</a:t>
-            </a:r>
-          </a:p>
         </p:txBody>
       </p:sp>
     </p:spTree>
@@ -5279,12 +5277,37 @@
       </p:grpSpPr>
       <p:sp>
         <p:nvSpPr>
+          <p:cNvPr id="2" name="Title 1"/>
+          <p:cNvSpPr>
+            <a:spLocks noGrp="1"/>
+          </p:cNvSpPr>
+          <p:nvPr>
+            <p:ph type="title"/>
+          </p:nvPr>
+        </p:nvSpPr>
+        <p:spPr/>
+        <p:txBody>
+          <a:bodyPr/>
+          <a:lstStyle/>
+          <a:p>
+            <a:pPr lvl="0" indent="0" marL="0">
+              <a:buNone/>
+            </a:pPr>
+            <a:r>
+              <a:rPr/>
+              <a:t>Minimally-invasive Esophagectomy</a:t>
+            </a:r>
+          </a:p>
+        </p:txBody>
+      </p:sp>
+      <p:sp>
+        <p:nvSpPr>
           <p:cNvPr id="3" name="Content Placeholder 2"/>
           <p:cNvSpPr>
             <a:spLocks noGrp="1"/>
           </p:cNvSpPr>
           <p:nvPr>
-            <p:ph idx="1"/>
+            <p:ph idx="1" sz="half"/>
           </p:nvPr>
         </p:nvSpPr>
         <p:spPr/>
@@ -5297,18 +5320,32 @@
             </a:pPr>
             <a:r>
               <a:rPr/>
-              <a:t>In the next video in our series, you will learn about how to choose a hospital and a surgeon for esophageal surgery:</a:t>
-            </a:r>
-          </a:p>
+              <a:t>https://deidt7p41jzcy.cloudfront.net/mie_abd.png</a:t>
+            </a:r>
+          </a:p>
+        </p:txBody>
+      </p:sp>
+      <p:sp>
+        <p:nvSpPr>
+          <p:cNvPr id="4" name="Content Placeholder 3"/>
+          <p:cNvSpPr>
+            <a:spLocks noGrp="1"/>
+          </p:cNvSpPr>
+          <p:nvPr>
+            <p:ph idx="2" sz="half"/>
+          </p:nvPr>
+        </p:nvSpPr>
+        <p:spPr/>
+        <p:txBody>
+          <a:bodyPr/>
+          <a:lstStyle/>
           <a:p>
             <a:pPr lvl="0" indent="0" marL="0">
               <a:buNone/>
             </a:pPr>
             <a:r>
-              <a:rPr>
-                <a:hlinkClick r:id="rId2"/>
-              </a:rPr>
-              <a:t>Choosing a Hospital and Surgeon for Esophagectomy</a:t>
+              <a:rPr/>
+              <a:t>https://deidt7p41jzcy.cloudfront.net/mie_chest.png</a:t>
             </a:r>
           </a:p>
         </p:txBody>
@@ -5337,6 +5374,31 @@
       </p:grpSpPr>
       <p:sp>
         <p:nvSpPr>
+          <p:cNvPr id="2" name="Title 1"/>
+          <p:cNvSpPr>
+            <a:spLocks noGrp="1"/>
+          </p:cNvSpPr>
+          <p:nvPr>
+            <p:ph type="title"/>
+          </p:nvPr>
+        </p:nvSpPr>
+        <p:spPr/>
+        <p:txBody>
+          <a:bodyPr/>
+          <a:lstStyle/>
+          <a:p>
+            <a:pPr lvl="0" indent="0" marL="0">
+              <a:buNone/>
+            </a:pPr>
+            <a:r>
+              <a:rPr/>
+              <a:t>Risks of Surgery</a:t>
+            </a:r>
+          </a:p>
+        </p:txBody>
+      </p:sp>
+      <p:sp>
+        <p:nvSpPr>
           <p:cNvPr id="3" name="Content Placeholder 2"/>
           <p:cNvSpPr>
             <a:spLocks noGrp="1"/>
@@ -5355,34 +5417,42 @@
             </a:pPr>
             <a:r>
               <a:rPr/>
-              <a:t>We hope you have found this video helpful. This videos and others like it are designed to</a:t>
-            </a:r>
-          </a:p>
-          <a:p>
-            <a:pPr lvl="0" indent="0" marL="0">
-              <a:buNone/>
-            </a:pPr>
-            <a:r>
-              <a:rPr/>
-              <a:t>educate patients and families about esophageal cancer</a:t>
-            </a:r>
-          </a:p>
-          <a:p>
-            <a:pPr lvl="0" indent="0" marL="0">
-              <a:buNone/>
-            </a:pPr>
-            <a:r>
-              <a:rPr/>
-              <a:t>and equip them for their discussions with their esophageal cancer care team.</a:t>
-            </a:r>
-          </a:p>
-          <a:p>
-            <a:pPr lvl="0" indent="0" marL="0">
-              <a:buNone/>
-            </a:pPr>
-            <a:r>
-              <a:rPr/>
-              <a:t>As always, these videos are no substitute for expert medical advice.</a:t>
+              <a:t>Risks related to anesthesia</a:t>
+            </a:r>
+          </a:p>
+          <a:p>
+            <a:pPr lvl="0"/>
+            <a:r>
+              <a:rPr/>
+              <a:t>Heart attack (5%)</a:t>
+            </a:r>
+          </a:p>
+          <a:p>
+            <a:pPr lvl="0"/>
+            <a:r>
+              <a:rPr/>
+              <a:t>Irregular heart rhythm (15%)</a:t>
+            </a:r>
+          </a:p>
+          <a:p>
+            <a:pPr lvl="0"/>
+            <a:r>
+              <a:rPr/>
+              <a:t>Pneumonia (10%)</a:t>
+            </a:r>
+          </a:p>
+          <a:p>
+            <a:pPr lvl="0"/>
+            <a:r>
+              <a:rPr/>
+              <a:t>Blood clots in legs (&lt;5%)</a:t>
+            </a:r>
+          </a:p>
+          <a:p>
+            <a:pPr lvl="0"/>
+            <a:r>
+              <a:rPr/>
+              <a:t>Pulmonary embolism (2%)</a:t>
             </a:r>
           </a:p>
         </p:txBody>
@@ -5411,6 +5481,31 @@
       </p:grpSpPr>
       <p:sp>
         <p:nvSpPr>
+          <p:cNvPr id="2" name="Title 1"/>
+          <p:cNvSpPr>
+            <a:spLocks noGrp="1"/>
+          </p:cNvSpPr>
+          <p:nvPr>
+            <p:ph type="title"/>
+          </p:nvPr>
+        </p:nvSpPr>
+        <p:spPr/>
+        <p:txBody>
+          <a:bodyPr/>
+          <a:lstStyle/>
+          <a:p>
+            <a:pPr lvl="0" indent="0" marL="0">
+              <a:buNone/>
+            </a:pPr>
+            <a:r>
+              <a:rPr/>
+              <a:t>Risks of Surgery</a:t>
+            </a:r>
+          </a:p>
+        </p:txBody>
+      </p:sp>
+      <p:sp>
+        <p:nvSpPr>
           <p:cNvPr id="3" name="Content Placeholder 2"/>
           <p:cNvSpPr>
             <a:spLocks noGrp="1"/>
@@ -5429,7 +5524,468 @@
             </a:pPr>
             <a:r>
               <a:rPr/>
-              <a:t>Feel free to leave a comment or a question, or if you have suggestions for future videos.</a:t>
+              <a:t>Risks related to Surgery</a:t>
+            </a:r>
+          </a:p>
+          <a:p>
+            <a:pPr lvl="0"/>
+            <a:r>
+              <a:rPr/>
+              <a:t>Anastomotic leak (5%)</a:t>
+            </a:r>
+          </a:p>
+          <a:p>
+            <a:pPr lvl="0"/>
+            <a:r>
+              <a:rPr/>
+              <a:t>Stricture at anastomosis (15%)</a:t>
+            </a:r>
+          </a:p>
+          <a:p>
+            <a:pPr lvl="0"/>
+            <a:r>
+              <a:rPr/>
+              <a:t>Death within 90 days of surgyer</a:t>
+            </a:r>
+          </a:p>
+          <a:p>
+            <a:pPr lvl="1"/>
+            <a:r>
+              <a:rPr/>
+              <a:t>Low risk patients 2%</a:t>
+            </a:r>
+          </a:p>
+          <a:p>
+            <a:pPr lvl="1"/>
+            <a:r>
+              <a:rPr/>
+              <a:t>Intermediate risk 10%</a:t>
+            </a:r>
+          </a:p>
+          <a:p>
+            <a:pPr lvl="1"/>
+            <a:r>
+              <a:rPr/>
+              <a:t>High risk 30%</a:t>
+            </a:r>
+          </a:p>
+        </p:txBody>
+      </p:sp>
+    </p:spTree>
+  </p:cSld>
+</p:sld>
+</file>
+
+<file path=ppt/slides/slide37.xml><?xml version="1.0" encoding="utf-8"?>
+<p:sld xmlns:a="http://schemas.openxmlformats.org/drawingml/2006/main" xmlns:r="http://schemas.openxmlformats.org/officeDocument/2006/relationships" xmlns:p="http://schemas.openxmlformats.org/presentationml/2006/main">
+  <p:cSld>
+    <p:spTree>
+      <p:nvGrpSpPr>
+        <p:cNvPr id="1" name=""/>
+        <p:cNvGrpSpPr/>
+        <p:nvPr/>
+      </p:nvGrpSpPr>
+      <p:grpSpPr>
+        <a:xfrm>
+          <a:off x="0" y="0"/>
+          <a:ext cx="0" cy="0"/>
+          <a:chOff x="0" y="0"/>
+          <a:chExt cx="0" cy="0"/>
+        </a:xfrm>
+      </p:grpSpPr>
+      <p:sp>
+        <p:nvSpPr>
+          <p:cNvPr id="2" name="Title 1"/>
+          <p:cNvSpPr>
+            <a:spLocks noGrp="1"/>
+          </p:cNvSpPr>
+          <p:nvPr>
+            <p:ph type="title"/>
+          </p:nvPr>
+        </p:nvSpPr>
+        <p:spPr/>
+        <p:txBody>
+          <a:bodyPr/>
+          <a:lstStyle/>
+          <a:p>
+            <a:pPr lvl="0" indent="0" marL="0">
+              <a:buNone/>
+            </a:pPr>
+            <a:r>
+              <a:rPr/>
+              <a:t>Risks of Surgery</a:t>
+            </a:r>
+          </a:p>
+        </p:txBody>
+      </p:sp>
+      <p:graphicFrame>
+        <p:nvGraphicFramePr>
+          <p:cNvPr id="6" name="Content Placeholder 5"/>
+          <p:cNvGraphicFramePr>
+            <a:graphicFrameLocks noGrp="1"/>
+          </p:cNvGraphicFramePr>
+          <p:nvPr>
+            <p:ph idx="1"/>
+          </p:nvPr>
+        </p:nvGraphicFramePr>
+        <p:xfrm>
+          <a:off x="457200" y="1193800"/>
+          <a:ext cx="8229600" cy="2882900"/>
+        </p:xfrm>
+        <a:graphic>
+          <a:graphicData uri="http://schemas.openxmlformats.org/drawingml/2006/table">
+            <a:tbl>
+              <a:tblPr firstRow="1" bandRow="1">
+                <a:tableStyleId>{5C22544A-7EE6-4342-B048-85BDC9FD1C3A}</a:tableStyleId>
+              </a:tblPr>
+              <a:tblGrid>
+                <a:gridCol w="2743200"/>
+                <a:gridCol w="2743200"/>
+                <a:gridCol w="2743200"/>
+              </a:tblGrid>
+              <a:tr h="0">
+                <a:tc>
+                  <a:txBody>
+                    <a:bodyPr/>
+                    <a:lstStyle/>
+                    <a:p>
+                      <a:endParaRPr/>
+                    </a:p>
+                  </a:txBody>
+                  <a:tcPr/>
+                </a:tc>
+                <a:tc>
+                  <a:txBody>
+                    <a:bodyPr/>
+                    <a:lstStyle/>
+                    <a:p>
+                      <a:pPr lvl="0" indent="0" marL="0" algn="ctr">
+                        <a:buNone/>
+                      </a:pPr>
+                      <a:r>
+                        <a:rPr/>
+                        <a:t>Age &lt;75</a:t>
+                      </a:r>
+                    </a:p>
+                  </a:txBody>
+                  <a:tcPr/>
+                </a:tc>
+                <a:tc>
+                  <a:txBody>
+                    <a:bodyPr/>
+                    <a:lstStyle/>
+                    <a:p>
+                      <a:pPr lvl="0" indent="0" marL="0" algn="ctr">
+                        <a:buNone/>
+                      </a:pPr>
+                      <a:r>
+                        <a:rPr/>
+                        <a:t>Age &gt;75</a:t>
+                      </a:r>
+                    </a:p>
+                  </a:txBody>
+                  <a:tcPr/>
+                </a:tc>
+              </a:tr>
+              <a:tr h="0">
+                <a:tc>
+                  <a:txBody>
+                    <a:bodyPr/>
+                    <a:lstStyle/>
+                    <a:p>
+                      <a:pPr lvl="0" indent="0" marL="0">
+                        <a:buNone/>
+                      </a:pPr>
+                      <a:r>
+                        <a:rPr/>
+                        <a:t>Normal Muscle (75%)</a:t>
+                      </a:r>
+                    </a:p>
+                  </a:txBody>
+                </a:tc>
+                <a:tc>
+                  <a:txBody>
+                    <a:bodyPr/>
+                    <a:lstStyle/>
+                    <a:p>
+                      <a:pPr lvl="0" indent="0" marL="0" algn="ctr">
+                        <a:buNone/>
+                      </a:pPr>
+                      <a:r>
+                        <a:rPr/>
+                        <a:t>2%</a:t>
+                      </a:r>
+                    </a:p>
+                  </a:txBody>
+                </a:tc>
+                <a:tc>
+                  <a:txBody>
+                    <a:bodyPr/>
+                    <a:lstStyle/>
+                    <a:p>
+                      <a:pPr lvl="0" indent="0" marL="0" algn="ctr">
+                        <a:buNone/>
+                      </a:pPr>
+                      <a:r>
+                        <a:rPr/>
+                        <a:t>10%</a:t>
+                      </a:r>
+                    </a:p>
+                  </a:txBody>
+                </a:tc>
+              </a:tr>
+              <a:tr h="0">
+                <a:tc>
+                  <a:txBody>
+                    <a:bodyPr/>
+                    <a:lstStyle/>
+                    <a:p>
+                      <a:pPr lvl="0" indent="0" marL="0">
+                        <a:buNone/>
+                      </a:pPr>
+                      <a:r>
+                        <a:rPr/>
+                        <a:t>Low Muscle (25%)</a:t>
+                      </a:r>
+                    </a:p>
+                  </a:txBody>
+                </a:tc>
+                <a:tc>
+                  <a:txBody>
+                    <a:bodyPr/>
+                    <a:lstStyle/>
+                    <a:p>
+                      <a:pPr lvl="0" indent="0" marL="0" algn="ctr">
+                        <a:buNone/>
+                      </a:pPr>
+                      <a:r>
+                        <a:rPr/>
+                        <a:t>10%</a:t>
+                      </a:r>
+                    </a:p>
+                  </a:txBody>
+                </a:tc>
+                <a:tc>
+                  <a:txBody>
+                    <a:bodyPr/>
+                    <a:lstStyle/>
+                    <a:p>
+                      <a:pPr lvl="0" indent="0" marL="0" algn="ctr">
+                        <a:buNone/>
+                      </a:pPr>
+                      <a:r>
+                        <a:rPr/>
+                        <a:t>30%</a:t>
+                      </a:r>
+                    </a:p>
+                  </a:txBody>
+                </a:tc>
+              </a:tr>
+            </a:tbl>
+          </a:graphicData>
+        </a:graphic>
+      </p:graphicFrame>
+      <p:sp>
+        <p:nvSpPr>
+          <p:cNvPr id="1" name="TextBox 3"/>
+          <p:cNvSpPr txBox="1"/>
+          <p:nvPr/>
+        </p:nvSpPr>
+        <p:spPr>
+          <a:xfrm>
+            <a:off x="457200" y="4076700"/>
+            <a:ext cx="8229600" cy="508000"/>
+          </a:xfrm>
+          <a:prstGeom prst="rect">
+            <a:avLst/>
+          </a:prstGeom>
+          <a:noFill/>
+        </p:spPr>
+        <p:txBody>
+          <a:bodyPr/>
+          <a:lstStyle/>
+          <a:p>
+            <a:pPr lvl="0" indent="0" marL="0" algn="ctr">
+              <a:buNone/>
+            </a:pPr>
+            <a:r>
+              <a:rPr/>
+              <a:t>Risks of Death within 90 Days of Surgery</a:t>
+            </a:r>
+          </a:p>
+        </p:txBody>
+      </p:sp>
+    </p:spTree>
+  </p:cSld>
+</p:sld>
+</file>
+
+<file path=ppt/slides/slide38.xml><?xml version="1.0" encoding="utf-8"?>
+<p:sld xmlns:a="http://schemas.openxmlformats.org/drawingml/2006/main" xmlns:r="http://schemas.openxmlformats.org/officeDocument/2006/relationships" xmlns:p="http://schemas.openxmlformats.org/presentationml/2006/main">
+  <p:cSld>
+    <p:spTree>
+      <p:nvGrpSpPr>
+        <p:cNvPr id="1" name=""/>
+        <p:cNvGrpSpPr/>
+        <p:nvPr/>
+      </p:nvGrpSpPr>
+      <p:grpSpPr>
+        <a:xfrm>
+          <a:off x="0" y="0"/>
+          <a:ext cx="0" cy="0"/>
+          <a:chOff x="0" y="0"/>
+          <a:chExt cx="0" cy="0"/>
+        </a:xfrm>
+      </p:grpSpPr>
+      <p:sp>
+        <p:nvSpPr>
+          <p:cNvPr id="2" name="Title 1"/>
+          <p:cNvSpPr>
+            <a:spLocks noGrp="1"/>
+          </p:cNvSpPr>
+          <p:nvPr>
+            <p:ph type="title"/>
+          </p:nvPr>
+        </p:nvSpPr>
+        <p:spPr/>
+        <p:txBody>
+          <a:bodyPr/>
+          <a:lstStyle/>
+          <a:p>
+            <a:pPr lvl="0" indent="0" marL="0">
+              <a:buNone/>
+            </a:pPr>
+            <a:r>
+              <a:rPr/>
+              <a:t>Day Prior to Surgery</a:t>
+            </a:r>
+          </a:p>
+        </p:txBody>
+      </p:sp>
+      <p:sp>
+        <p:nvSpPr>
+          <p:cNvPr id="3" name="Content Placeholder 2"/>
+          <p:cNvSpPr>
+            <a:spLocks noGrp="1"/>
+          </p:cNvSpPr>
+          <p:nvPr>
+            <p:ph idx="1"/>
+          </p:nvPr>
+        </p:nvSpPr>
+        <p:spPr/>
+        <p:txBody>
+          <a:bodyPr/>
+          <a:lstStyle/>
+          <a:p>
+            <a:pPr lvl="0"/>
+            <a:r>
+              <a:rPr/>
+              <a:t>Clear liquids for 24 hours prior to surgery</a:t>
+            </a:r>
+          </a:p>
+          <a:p>
+            <a:pPr lvl="0"/>
+            <a:r>
+              <a:rPr/>
+              <a:t>Check with Pre-op nurse regarding medicines day prior to surgery</a:t>
+            </a:r>
+          </a:p>
+          <a:p>
+            <a:pPr lvl="0"/>
+            <a:r>
+              <a:rPr/>
+              <a:t>No tube feedings the night before surgery</a:t>
+            </a:r>
+          </a:p>
+        </p:txBody>
+      </p:sp>
+    </p:spTree>
+  </p:cSld>
+</p:sld>
+</file>
+
+<file path=ppt/slides/slide39.xml><?xml version="1.0" encoding="utf-8"?>
+<p:sld xmlns:a="http://schemas.openxmlformats.org/drawingml/2006/main" xmlns:r="http://schemas.openxmlformats.org/officeDocument/2006/relationships" xmlns:p="http://schemas.openxmlformats.org/presentationml/2006/main">
+  <p:cSld>
+    <p:spTree>
+      <p:nvGrpSpPr>
+        <p:cNvPr id="1" name=""/>
+        <p:cNvGrpSpPr/>
+        <p:nvPr/>
+      </p:nvGrpSpPr>
+      <p:grpSpPr>
+        <a:xfrm>
+          <a:off x="0" y="0"/>
+          <a:ext cx="0" cy="0"/>
+          <a:chOff x="0" y="0"/>
+          <a:chExt cx="0" cy="0"/>
+        </a:xfrm>
+      </p:grpSpPr>
+      <p:sp>
+        <p:nvSpPr>
+          <p:cNvPr id="2" name="Title 1"/>
+          <p:cNvSpPr>
+            <a:spLocks noGrp="1"/>
+          </p:cNvSpPr>
+          <p:nvPr>
+            <p:ph type="title"/>
+          </p:nvPr>
+        </p:nvSpPr>
+        <p:spPr/>
+        <p:txBody>
+          <a:bodyPr/>
+          <a:lstStyle/>
+          <a:p>
+            <a:pPr lvl="0" indent="0" marL="0">
+              <a:buNone/>
+            </a:pPr>
+            <a:r>
+              <a:rPr/>
+              <a:t>Day of Surgery</a:t>
+            </a:r>
+          </a:p>
+        </p:txBody>
+      </p:sp>
+      <p:sp>
+        <p:nvSpPr>
+          <p:cNvPr id="3" name="Content Placeholder 2"/>
+          <p:cNvSpPr>
+            <a:spLocks noGrp="1"/>
+          </p:cNvSpPr>
+          <p:nvPr>
+            <p:ph idx="1"/>
+          </p:nvPr>
+        </p:nvSpPr>
+        <p:spPr/>
+        <p:txBody>
+          <a:bodyPr/>
+          <a:lstStyle/>
+          <a:p>
+            <a:pPr lvl="0"/>
+            <a:r>
+              <a:rPr/>
+              <a:t>Arrive at 5am – nothing to eat or drink after midnight.</a:t>
+            </a:r>
+          </a:p>
+          <a:p>
+            <a:pPr lvl="0"/>
+            <a:r>
+              <a:rPr/>
+              <a:t>OK to take medicines with a sip of water (or coffee) but no cream. Surgery may be cancelled if you take even a sip of cream or milk the morning of surgery.</a:t>
+            </a:r>
+          </a:p>
+          <a:p>
+            <a:pPr lvl="0"/>
+            <a:r>
+              <a:rPr/>
+              <a:t>Waiting room on 5th floor</a:t>
+            </a:r>
+          </a:p>
+          <a:p>
+            <a:pPr lvl="0"/>
+            <a:r>
+              <a:rPr/>
+              <a:t>Post-operative care in STICU (11th floor)</a:t>
             </a:r>
           </a:p>
         </p:txBody>
@@ -5544,6 +6100,326 @@
           </a:ln>
         </p:spPr>
       </p:pic>
+    </p:spTree>
+  </p:cSld>
+</p:sld>
+</file>
+
+<file path=ppt/slides/slide40.xml><?xml version="1.0" encoding="utf-8"?>
+<p:sld xmlns:a="http://schemas.openxmlformats.org/drawingml/2006/main" xmlns:r="http://schemas.openxmlformats.org/officeDocument/2006/relationships" xmlns:p="http://schemas.openxmlformats.org/presentationml/2006/main">
+  <p:cSld>
+    <p:spTree>
+      <p:nvGrpSpPr>
+        <p:cNvPr id="1" name=""/>
+        <p:cNvGrpSpPr/>
+        <p:nvPr/>
+      </p:nvGrpSpPr>
+      <p:grpSpPr>
+        <a:xfrm>
+          <a:off x="0" y="0"/>
+          <a:ext cx="0" cy="0"/>
+          <a:chOff x="0" y="0"/>
+          <a:chExt cx="0" cy="0"/>
+        </a:xfrm>
+      </p:grpSpPr>
+      <p:sp>
+        <p:nvSpPr>
+          <p:cNvPr id="2" name="Title 1"/>
+          <p:cNvSpPr>
+            <a:spLocks noGrp="1"/>
+          </p:cNvSpPr>
+          <p:nvPr>
+            <p:ph type="title"/>
+          </p:nvPr>
+        </p:nvSpPr>
+        <p:spPr/>
+        <p:txBody>
+          <a:bodyPr/>
+          <a:lstStyle/>
+          <a:p>
+            <a:pPr lvl="0" indent="0" marL="0">
+              <a:buNone/>
+            </a:pPr>
+            <a:r>
+              <a:rPr/>
+              <a:t>Anesthesia</a:t>
+            </a:r>
+          </a:p>
+        </p:txBody>
+      </p:sp>
+      <p:sp>
+        <p:nvSpPr>
+          <p:cNvPr id="3" name="Content Placeholder 2"/>
+          <p:cNvSpPr>
+            <a:spLocks noGrp="1"/>
+          </p:cNvSpPr>
+          <p:nvPr>
+            <p:ph idx="1"/>
+          </p:nvPr>
+        </p:nvSpPr>
+        <p:spPr/>
+        <p:txBody>
+          <a:bodyPr/>
+          <a:lstStyle/>
+          <a:p>
+            <a:pPr lvl="0" indent="0" marL="0">
+              <a:buNone/>
+            </a:pPr>
+            <a:r>
+              <a:rPr/>
+              <a:t>Epidural catheter for pain control</a:t>
+            </a:r>
+          </a:p>
+          <a:p>
+            <a:pPr lvl="0"/>
+            <a:r>
+              <a:rPr/>
+              <a:t>Remains in place for 2-5 days</a:t>
+            </a:r>
+          </a:p>
+          <a:p>
+            <a:pPr lvl="0"/>
+            <a:r>
+              <a:rPr/>
+              <a:t>Dose can be adjusted as needed</a:t>
+            </a:r>
+          </a:p>
+          <a:p>
+            <a:pPr lvl="0"/>
+            <a:r>
+              <a:rPr/>
+              <a:t>Can make it more difficult to empty the bladder</a:t>
+            </a:r>
+          </a:p>
+          <a:p>
+            <a:pPr lvl="0"/>
+            <a:r>
+              <a:rPr/>
+              <a:t>May require foley (bladder) catheter to stay in place until epidural</a:t>
+            </a:r>
+          </a:p>
+        </p:txBody>
+      </p:sp>
+    </p:spTree>
+  </p:cSld>
+</p:sld>
+</file>
+
+<file path=ppt/slides/slide41.xml><?xml version="1.0" encoding="utf-8"?>
+<p:sld xmlns:a="http://schemas.openxmlformats.org/drawingml/2006/main" xmlns:r="http://schemas.openxmlformats.org/officeDocument/2006/relationships" xmlns:p="http://schemas.openxmlformats.org/presentationml/2006/main">
+  <p:cSld>
+    <p:spTree>
+      <p:nvGrpSpPr>
+        <p:cNvPr id="1" name=""/>
+        <p:cNvGrpSpPr/>
+        <p:nvPr/>
+      </p:nvGrpSpPr>
+      <p:grpSpPr>
+        <a:xfrm>
+          <a:off x="0" y="0"/>
+          <a:ext cx="0" cy="0"/>
+          <a:chOff x="0" y="0"/>
+          <a:chExt cx="0" cy="0"/>
+        </a:xfrm>
+      </p:grpSpPr>
+      <p:sp>
+        <p:nvSpPr>
+          <p:cNvPr id="2" name="Title 1"/>
+          <p:cNvSpPr>
+            <a:spLocks noGrp="1"/>
+          </p:cNvSpPr>
+          <p:nvPr>
+            <p:ph type="title"/>
+          </p:nvPr>
+        </p:nvSpPr>
+        <p:spPr/>
+        <p:txBody>
+          <a:bodyPr/>
+          <a:lstStyle/>
+          <a:p>
+            <a:pPr lvl="0" indent="0" marL="0">
+              <a:buNone/>
+            </a:pPr>
+            <a:r>
+              <a:rPr/>
+              <a:t>Intensive Care Unit (1-2 days)</a:t>
+            </a:r>
+          </a:p>
+        </p:txBody>
+      </p:sp>
+      <p:sp>
+        <p:nvSpPr>
+          <p:cNvPr id="3" name="Content Placeholder 2"/>
+          <p:cNvSpPr>
+            <a:spLocks noGrp="1"/>
+          </p:cNvSpPr>
+          <p:nvPr>
+            <p:ph idx="1"/>
+          </p:nvPr>
+        </p:nvSpPr>
+        <p:spPr/>
+        <p:txBody>
+          <a:bodyPr/>
+          <a:lstStyle/>
+          <a:p>
+            <a:pPr lvl="0" indent="0" marL="0">
+              <a:buNone/>
+            </a:pPr>
+            <a:r>
+              <a:rPr/>
+              <a:t>Multiple lines and tubes:</a:t>
+            </a:r>
+          </a:p>
+          <a:p>
+            <a:pPr lvl="0"/>
+            <a:r>
+              <a:rPr/>
+              <a:t>NG tube in nose (stays in 2-7 days)</a:t>
+            </a:r>
+          </a:p>
+          <a:p>
+            <a:pPr lvl="0"/>
+            <a:r>
+              <a:rPr/>
+              <a:t>Catheter in bladder (2-5 days)</a:t>
+            </a:r>
+          </a:p>
+          <a:p>
+            <a:pPr lvl="0"/>
+            <a:r>
+              <a:rPr/>
+              <a:t>Chest tube right chest (2-4 days)</a:t>
+            </a:r>
+          </a:p>
+          <a:p>
+            <a:pPr lvl="0"/>
+            <a:r>
+              <a:rPr/>
+              <a:t>Abdominal drains (2 or 3)</a:t>
+            </a:r>
+          </a:p>
+        </p:txBody>
+      </p:sp>
+    </p:spTree>
+  </p:cSld>
+</p:sld>
+</file>
+
+<file path=ppt/slides/slide42.xml><?xml version="1.0" encoding="utf-8"?>
+<p:sld xmlns:a="http://schemas.openxmlformats.org/drawingml/2006/main" xmlns:r="http://schemas.openxmlformats.org/officeDocument/2006/relationships" xmlns:p="http://schemas.openxmlformats.org/presentationml/2006/main">
+  <p:cSld>
+    <p:spTree>
+      <p:nvGrpSpPr>
+        <p:cNvPr id="1" name=""/>
+        <p:cNvGrpSpPr/>
+        <p:nvPr/>
+      </p:nvGrpSpPr>
+      <p:grpSpPr>
+        <a:xfrm>
+          <a:off x="0" y="0"/>
+          <a:ext cx="0" cy="0"/>
+          <a:chOff x="0" y="0"/>
+          <a:chExt cx="0" cy="0"/>
+        </a:xfrm>
+      </p:grpSpPr>
+      <p:sp>
+        <p:nvSpPr>
+          <p:cNvPr id="2" name="Title 1"/>
+          <p:cNvSpPr>
+            <a:spLocks noGrp="1"/>
+          </p:cNvSpPr>
+          <p:nvPr>
+            <p:ph type="title"/>
+          </p:nvPr>
+        </p:nvSpPr>
+        <p:spPr/>
+        <p:txBody>
+          <a:bodyPr/>
+          <a:lstStyle/>
+          <a:p>
+            <a:pPr lvl="0" indent="0" marL="0">
+              <a:buNone/>
+            </a:pPr>
+            <a:r>
+              <a:rPr/>
+              <a:t>ICU</a:t>
+            </a:r>
+          </a:p>
+        </p:txBody>
+      </p:sp>
+      <p:sp>
+        <p:nvSpPr>
+          <p:cNvPr id="3" name="Content Placeholder 2"/>
+          <p:cNvSpPr>
+            <a:spLocks noGrp="1"/>
+          </p:cNvSpPr>
+          <p:nvPr>
+            <p:ph idx="1"/>
+          </p:nvPr>
+        </p:nvSpPr>
+        <p:spPr/>
+        <p:txBody>
+          <a:bodyPr/>
+          <a:lstStyle/>
+          <a:p>
+            <a:pPr lvl="0"/>
+            <a:r>
+              <a:rPr/>
+              <a:t>Catheter in bladder removed → check to make certain the bladder empties properly</a:t>
+            </a:r>
+          </a:p>
+          <a:p>
+            <a:pPr lvl="0"/>
+            <a:r>
+              <a:rPr/>
+              <a:t>Chest tube removed (day 2-4) → follow-up chest x-ray</a:t>
+            </a:r>
+          </a:p>
+          <a:p>
+            <a:pPr lvl="0"/>
+            <a:r>
+              <a:rPr/>
+              <a:t>Fluid emptied from drains every few hours</a:t>
+            </a:r>
+          </a:p>
+          <a:p>
+            <a:pPr lvl="0"/>
+            <a:r>
+              <a:rPr/>
+              <a:t>Start tube feedings by feeding</a:t>
+            </a:r>
+          </a:p>
+          <a:p>
+            <a:pPr lvl="0"/>
+            <a:r>
+              <a:rPr/>
+              <a:t>Feeding jejunostomy (stays in 8 weeks()</a:t>
+            </a:r>
+          </a:p>
+        </p:txBody>
+      </p:sp>
+    </p:spTree>
+  </p:cSld>
+</p:sld>
+</file>
+
+<file path=ppt/slides/slide43.xml><?xml version="1.0" encoding="utf-8"?>
+<p:sld xmlns:a="http://schemas.openxmlformats.org/drawingml/2006/main" xmlns:r="http://schemas.openxmlformats.org/officeDocument/2006/relationships" xmlns:p="http://schemas.openxmlformats.org/presentationml/2006/main">
+  <p:cSld>
+    <p:spTree>
+      <p:nvGrpSpPr>
+        <p:cNvPr id="1" name=""/>
+        <p:cNvGrpSpPr/>
+        <p:nvPr/>
+      </p:nvGrpSpPr>
+      <p:grpSpPr>
+        <a:xfrm>
+          <a:off x="0" y="0"/>
+          <a:ext cx="0" cy="0"/>
+          <a:chOff x="0" y="0"/>
+          <a:chExt cx="0" cy="0"/>
+        </a:xfrm>
+      </p:grpSpPr>
     </p:spTree>
   </p:cSld>
 </p:sld>

--- a/lci_surgery.pptx
+++ b/lci_surgery.pptx
@@ -36,18 +36,6 @@
     <p:sldId id="284" r:id="rId30"/>
     <p:sldId id="285" r:id="rId31"/>
     <p:sldId id="286" r:id="rId32"/>
-    <p:sldId id="287" r:id="rId33"/>
-    <p:sldId id="288" r:id="rId34"/>
-    <p:sldId id="289" r:id="rId35"/>
-    <p:sldId id="290" r:id="rId36"/>
-    <p:sldId id="291" r:id="rId37"/>
-    <p:sldId id="292" r:id="rId38"/>
-    <p:sldId id="293" r:id="rId39"/>
-    <p:sldId id="294" r:id="rId40"/>
-    <p:sldId id="295" r:id="rId41"/>
-    <p:sldId id="296" r:id="rId42"/>
-    <p:sldId id="297" r:id="rId43"/>
-    <p:sldId id="298" r:id="rId44"/>
   </p:sldIdLst>
   <p:sldSz cx="9144000" cy="5143500" type="screen16x9"/>
   <p:notesSz cx="6858000" cy="9144000"/>
@@ -3756,1164 +3744,9 @@
           </a:p>
         </p:txBody>
       </p:sp>
-      <p:sp>
-        <p:nvSpPr>
-          <p:cNvPr id="4" name="Content Placeholder 3"/>
-          <p:cNvSpPr>
-            <a:spLocks noGrp="1"/>
-          </p:cNvSpPr>
-          <p:nvPr>
-            <p:ph idx="2" sz="half"/>
-          </p:nvPr>
-        </p:nvSpPr>
-        <p:spPr/>
-        <p:txBody>
-          <a:bodyPr/>
-          <a:lstStyle/>
-          <a:p>
-            <a:pPr lvl="0" indent="0" marL="0">
-              <a:buNone/>
-            </a:pPr>
-            <a:r>
-              <a:rPr/>
-              <a:t>https://deidt7p41jzcy.cloudfront.net/Eso_IvorLewis_Leak.png</a:t>
-            </a:r>
-          </a:p>
-        </p:txBody>
-      </p:sp>
-    </p:spTree>
-  </p:cSld>
-</p:sld>
-</file>
-
-<file path=ppt/slides/slide16.xml><?xml version="1.0" encoding="utf-8"?>
-<p:sld xmlns:a="http://schemas.openxmlformats.org/drawingml/2006/main" xmlns:r="http://schemas.openxmlformats.org/officeDocument/2006/relationships" xmlns:p="http://schemas.openxmlformats.org/presentationml/2006/main">
-  <p:cSld>
-    <p:spTree>
-      <p:nvGrpSpPr>
-        <p:cNvPr id="1" name=""/>
-        <p:cNvGrpSpPr/>
-        <p:nvPr/>
-      </p:nvGrpSpPr>
-      <p:grpSpPr>
-        <a:xfrm>
-          <a:off x="0" y="0"/>
-          <a:ext cx="0" cy="0"/>
-          <a:chOff x="0" y="0"/>
-          <a:chExt cx="0" cy="0"/>
-        </a:xfrm>
-      </p:grpSpPr>
-      <p:sp>
-        <p:nvSpPr>
-          <p:cNvPr id="2" name="Title 1"/>
-          <p:cNvSpPr>
-            <a:spLocks noGrp="1"/>
-          </p:cNvSpPr>
-          <p:nvPr>
-            <p:ph type="title"/>
-          </p:nvPr>
-        </p:nvSpPr>
-        <p:spPr/>
-        <p:txBody>
-          <a:bodyPr/>
-          <a:lstStyle/>
-          <a:p>
-            <a:pPr lvl="0" indent="0" marL="0">
-              <a:buNone/>
-            </a:pPr>
-            <a:r>
-              <a:rPr/>
-              <a:t>Anastomotic Leak</a:t>
-            </a:r>
-          </a:p>
-        </p:txBody>
-      </p:sp>
-      <p:sp>
-        <p:nvSpPr>
-          <p:cNvPr id="3" name="Content Placeholder 2"/>
-          <p:cNvSpPr>
-            <a:spLocks noGrp="1"/>
-          </p:cNvSpPr>
-          <p:nvPr>
-            <p:ph idx="1"/>
-          </p:nvPr>
-        </p:nvSpPr>
-        <p:spPr/>
-        <p:txBody>
-          <a:bodyPr/>
-          <a:lstStyle/>
-          <a:p>
-            <a:pPr lvl="0" indent="0" marL="0">
-              <a:buNone/>
-            </a:pPr>
-            <a:r>
-              <a:rPr/>
-              <a:t>In some cases, the leak will heal on its own, but other cases may require additional procedures or even surgery. The risk of leak depends upon the operation performed but also depends upon the experience of the surgeon. At the end of this video we have a link to a video about how to choose a hospital and a surgeon, which talks further about the risks of a leak.</a:t>
-            </a:r>
-          </a:p>
-        </p:txBody>
-      </p:sp>
-    </p:spTree>
-  </p:cSld>
-</p:sld>
-</file>
-
-<file path=ppt/slides/slide17.xml><?xml version="1.0" encoding="utf-8"?>
-<p:sld xmlns:a="http://schemas.openxmlformats.org/drawingml/2006/main" xmlns:r="http://schemas.openxmlformats.org/officeDocument/2006/relationships" xmlns:p="http://schemas.openxmlformats.org/presentationml/2006/main">
-  <p:cSld>
-    <p:spTree>
-      <p:nvGrpSpPr>
-        <p:cNvPr id="1" name=""/>
-        <p:cNvGrpSpPr/>
-        <p:nvPr/>
-      </p:nvGrpSpPr>
-      <p:grpSpPr>
-        <a:xfrm>
-          <a:off x="0" y="0"/>
-          <a:ext cx="0" cy="0"/>
-          <a:chOff x="0" y="0"/>
-          <a:chExt cx="0" cy="0"/>
-        </a:xfrm>
-      </p:grpSpPr>
-      <p:sp>
-        <p:nvSpPr>
-          <p:cNvPr id="2" name="Title 1"/>
-          <p:cNvSpPr>
-            <a:spLocks noGrp="1"/>
-          </p:cNvSpPr>
-          <p:nvPr>
-            <p:ph type="title"/>
-          </p:nvPr>
-        </p:nvSpPr>
-        <p:spPr/>
-        <p:txBody>
-          <a:bodyPr/>
-          <a:lstStyle/>
-          <a:p>
-            <a:pPr lvl="0" indent="0" marL="0">
-              <a:buNone/>
-            </a:pPr>
-            <a:r>
-              <a:rPr/>
-              <a:t>Pneumonia</a:t>
-            </a:r>
-          </a:p>
-        </p:txBody>
-      </p:sp>
-      <p:sp>
-        <p:nvSpPr>
-          <p:cNvPr id="3" name="Content Placeholder 2"/>
-          <p:cNvSpPr>
-            <a:spLocks noGrp="1"/>
-          </p:cNvSpPr>
-          <p:nvPr>
-            <p:ph idx="1" sz="half"/>
-          </p:nvPr>
-        </p:nvSpPr>
-        <p:spPr/>
-        <p:txBody>
-          <a:bodyPr/>
-          <a:lstStyle/>
-          <a:p>
-            <a:pPr lvl="0" indent="0" marL="0">
-              <a:buNone/>
-            </a:pPr>
-            <a:r>
-              <a:rPr/>
-              <a:t>Pneumonia is another complication which can occurs in about 10-15% of patients after esophagectomy. Pneumonia requires treatment with antibiotics and frequently requires a longer hospitalization.</a:t>
-            </a:r>
-          </a:p>
-        </p:txBody>
-      </p:sp>
-    </p:spTree>
-  </p:cSld>
-</p:sld>
-</file>
-
-<file path=ppt/slides/slide18.xml><?xml version="1.0" encoding="utf-8"?>
-<p:sld xmlns:a="http://schemas.openxmlformats.org/drawingml/2006/main" xmlns:r="http://schemas.openxmlformats.org/officeDocument/2006/relationships" xmlns:p="http://schemas.openxmlformats.org/presentationml/2006/main">
-  <p:cSld>
-    <p:spTree>
-      <p:nvGrpSpPr>
-        <p:cNvPr id="1" name=""/>
-        <p:cNvGrpSpPr/>
-        <p:nvPr/>
-      </p:nvGrpSpPr>
-      <p:grpSpPr>
-        <a:xfrm>
-          <a:off x="0" y="0"/>
-          <a:ext cx="0" cy="0"/>
-          <a:chOff x="0" y="0"/>
-          <a:chExt cx="0" cy="0"/>
-        </a:xfrm>
-      </p:grpSpPr>
-      <p:sp>
-        <p:nvSpPr>
-          <p:cNvPr id="2" name="Title 1"/>
-          <p:cNvSpPr>
-            <a:spLocks noGrp="1"/>
-          </p:cNvSpPr>
-          <p:nvPr>
-            <p:ph type="title"/>
-          </p:nvPr>
-        </p:nvSpPr>
-        <p:spPr/>
-        <p:txBody>
-          <a:bodyPr/>
-          <a:lstStyle/>
-          <a:p>
-            <a:pPr lvl="0" indent="0" marL="0">
-              <a:buNone/>
-            </a:pPr>
-            <a:r>
-              <a:rPr/>
-              <a:t>Preventing Pneumonia</a:t>
-            </a:r>
-          </a:p>
-        </p:txBody>
-      </p:sp>
-      <p:sp>
-        <p:nvSpPr>
-          <p:cNvPr id="3" name="Content Placeholder 2"/>
-          <p:cNvSpPr>
-            <a:spLocks noGrp="1"/>
-          </p:cNvSpPr>
-          <p:nvPr>
-            <p:ph idx="1"/>
-          </p:nvPr>
-        </p:nvSpPr>
-        <p:spPr/>
-        <p:txBody>
-          <a:bodyPr/>
-          <a:lstStyle/>
-          <a:p>
-            <a:pPr lvl="0" indent="0" marL="0">
-              <a:buNone/>
-            </a:pPr>
-            <a:r>
-              <a:rPr/>
-              <a:t>In normal circumstances, secretions from the mouth and throat aren’t able to enter the lungs because we clear our throat and if secretions do get into our airway, we tend to cough and keep those secretions out of our lungs. This happens constantly without our thinking about it.</a:t>
-            </a:r>
-          </a:p>
-          <a:p>
-            <a:pPr lvl="0" indent="0" marL="0">
-              <a:buNone/>
-            </a:pPr>
-            <a:r>
-              <a:rPr/>
-              <a:t>After esophagectomy, however, there is a tendency for secretions to enter the airway, and if you can’t clear them, there is a risk that pneumonia will set in.</a:t>
-            </a:r>
-          </a:p>
-          <a:p>
-            <a:pPr lvl="0" indent="0" marL="0">
-              <a:buNone/>
-            </a:pPr>
-            <a:r>
-              <a:rPr/>
-              <a:t>There are two important ways that pneumonia can be prevented:</a:t>
-            </a:r>
-          </a:p>
-          <a:p>
-            <a:pPr lvl="0"/>
-            <a:r>
-              <a:rPr/>
-              <a:t>Deep breathing</a:t>
-            </a:r>
-          </a:p>
-          <a:p>
-            <a:pPr lvl="0"/>
-            <a:r>
-              <a:rPr/>
-              <a:t>Walking</a:t>
-            </a:r>
-          </a:p>
-        </p:txBody>
-      </p:sp>
-    </p:spTree>
-  </p:cSld>
-</p:sld>
-</file>
-
-<file path=ppt/slides/slide19.xml><?xml version="1.0" encoding="utf-8"?>
-<p:sld xmlns:a="http://schemas.openxmlformats.org/drawingml/2006/main" xmlns:r="http://schemas.openxmlformats.org/officeDocument/2006/relationships" xmlns:p="http://schemas.openxmlformats.org/presentationml/2006/main">
-  <p:cSld>
-    <p:spTree>
-      <p:nvGrpSpPr>
-        <p:cNvPr id="1" name=""/>
-        <p:cNvGrpSpPr/>
-        <p:nvPr/>
-      </p:nvGrpSpPr>
-      <p:grpSpPr>
-        <a:xfrm>
-          <a:off x="0" y="0"/>
-          <a:ext cx="0" cy="0"/>
-          <a:chOff x="0" y="0"/>
-          <a:chExt cx="0" cy="0"/>
-        </a:xfrm>
-      </p:grpSpPr>
-      <p:sp>
-        <p:nvSpPr>
-          <p:cNvPr id="2" name="Title 1"/>
-          <p:cNvSpPr>
-            <a:spLocks noGrp="1"/>
-          </p:cNvSpPr>
-          <p:nvPr>
-            <p:ph type="title"/>
-          </p:nvPr>
-        </p:nvSpPr>
-        <p:spPr/>
-        <p:txBody>
-          <a:bodyPr/>
-          <a:lstStyle/>
-          <a:p>
-            <a:pPr lvl="0" indent="0" marL="0">
-              <a:buNone/>
-            </a:pPr>
-            <a:r>
-              <a:rPr/>
-              <a:t>Deep breathing and coughing</a:t>
-            </a:r>
-          </a:p>
-        </p:txBody>
-      </p:sp>
-      <p:sp>
-        <p:nvSpPr>
-          <p:cNvPr id="3" name="Content Placeholder 2"/>
-          <p:cNvSpPr>
-            <a:spLocks noGrp="1"/>
-          </p:cNvSpPr>
-          <p:nvPr>
-            <p:ph idx="1"/>
-          </p:nvPr>
-        </p:nvSpPr>
-        <p:spPr/>
-        <p:txBody>
-          <a:bodyPr/>
-          <a:lstStyle/>
-          <a:p>
-            <a:pPr lvl="0" indent="0" marL="0">
-              <a:buNone/>
-            </a:pPr>
-            <a:r>
-              <a:rPr/>
-              <a:t>After surgery, it’s important to breathe deeply to help your lungs recover after surgery. Deep breathing make the cough more effective and helps clear secretions. After surgery, deep breathing and coughing can be uncomfortable, so controlling your discomfort will be an important part of your recovery.</a:t>
-            </a:r>
-          </a:p>
-        </p:txBody>
-      </p:sp>
-    </p:spTree>
-  </p:cSld>
-</p:sld>
-</file>
-
-<file path=ppt/slides/slide2.xml><?xml version="1.0" encoding="utf-8"?>
-<p:sld xmlns:a="http://schemas.openxmlformats.org/drawingml/2006/main" xmlns:r="http://schemas.openxmlformats.org/officeDocument/2006/relationships" xmlns:p="http://schemas.openxmlformats.org/presentationml/2006/main">
-  <p:cSld>
-    <p:spTree>
-      <p:nvGrpSpPr>
-        <p:cNvPr id="1" name=""/>
-        <p:cNvGrpSpPr/>
-        <p:nvPr/>
-      </p:nvGrpSpPr>
-      <p:grpSpPr>
-        <a:xfrm>
-          <a:off x="0" y="0"/>
-          <a:ext cx="0" cy="0"/>
-          <a:chOff x="0" y="0"/>
-          <a:chExt cx="0" cy="0"/>
-        </a:xfrm>
-      </p:grpSpPr>
-      <p:sp>
-        <p:nvSpPr>
-          <p:cNvPr id="2" name="Title 1"/>
-          <p:cNvSpPr>
-            <a:spLocks noGrp="1"/>
-          </p:cNvSpPr>
-          <p:nvPr>
-            <p:ph type="title"/>
-          </p:nvPr>
-        </p:nvSpPr>
-        <p:spPr/>
-        <p:txBody>
-          <a:bodyPr/>
-          <a:lstStyle/>
-          <a:p>
-            <a:pPr lvl="0" indent="0" marL="0">
-              <a:buNone/>
-            </a:pPr>
-            <a:r>
-              <a:rPr/>
-              <a:t>Surgery for Esophageal Cancer</a:t>
-            </a:r>
-          </a:p>
-        </p:txBody>
-      </p:sp>
-      <p:sp>
-        <p:nvSpPr>
-          <p:cNvPr id="3" name="Content Placeholder 2"/>
-          <p:cNvSpPr>
-            <a:spLocks noGrp="1"/>
-          </p:cNvSpPr>
-          <p:nvPr>
-            <p:ph idx="1"/>
-          </p:nvPr>
-        </p:nvSpPr>
-        <p:spPr/>
-        <p:txBody>
-          <a:bodyPr/>
-          <a:lstStyle/>
-          <a:p>
-            <a:pPr lvl="0" indent="0" marL="0">
-              <a:buNone/>
-            </a:pPr>
-            <a:r>
-              <a:rPr/>
-              <a:t>Surgery for esophageal cancer is generally performed in several situations:</a:t>
-            </a:r>
-          </a:p>
-          <a:p>
-            <a:pPr lvl="0"/>
-            <a:r>
-              <a:rPr/>
-              <a:t>Superficial Tumors (T1) that can’t be completely removed by endoscopy</a:t>
-            </a:r>
-          </a:p>
-          <a:p>
-            <a:pPr lvl="0"/>
-            <a:r>
-              <a:rPr/>
-              <a:t>Localized Tumors (T2N0)</a:t>
-            </a:r>
-          </a:p>
-          <a:p>
-            <a:pPr lvl="0"/>
-            <a:r>
-              <a:rPr/>
-              <a:t>Locally Advanced Tumors (T3 or N+) after preoperative therapy.</a:t>
-            </a:r>
-          </a:p>
-        </p:txBody>
-      </p:sp>
-    </p:spTree>
-  </p:cSld>
-</p:sld>
-</file>
-
-<file path=ppt/slides/slide20.xml><?xml version="1.0" encoding="utf-8"?>
-<p:sld xmlns:a="http://schemas.openxmlformats.org/drawingml/2006/main" xmlns:r="http://schemas.openxmlformats.org/officeDocument/2006/relationships" xmlns:p="http://schemas.openxmlformats.org/presentationml/2006/main">
-  <p:cSld>
-    <p:spTree>
-      <p:nvGrpSpPr>
-        <p:cNvPr id="1" name=""/>
-        <p:cNvGrpSpPr/>
-        <p:nvPr/>
-      </p:nvGrpSpPr>
-      <p:grpSpPr>
-        <a:xfrm>
-          <a:off x="0" y="0"/>
-          <a:ext cx="0" cy="0"/>
-          <a:chOff x="0" y="0"/>
-          <a:chExt cx="0" cy="0"/>
-        </a:xfrm>
-      </p:grpSpPr>
-      <p:sp>
-        <p:nvSpPr>
-          <p:cNvPr id="2" name="Title 1"/>
-          <p:cNvSpPr>
-            <a:spLocks noGrp="1"/>
-          </p:cNvSpPr>
-          <p:nvPr>
-            <p:ph type="title"/>
-          </p:nvPr>
-        </p:nvSpPr>
-        <p:spPr/>
-        <p:txBody>
-          <a:bodyPr/>
-          <a:lstStyle/>
-          <a:p>
-            <a:pPr lvl="0" indent="0" marL="0">
-              <a:buNone/>
-            </a:pPr>
-            <a:r>
-              <a:rPr/>
-              <a:t>Walking</a:t>
-            </a:r>
-          </a:p>
-        </p:txBody>
-      </p:sp>
-      <p:sp>
-        <p:nvSpPr>
-          <p:cNvPr id="3" name="Content Placeholder 2"/>
-          <p:cNvSpPr>
-            <a:spLocks noGrp="1"/>
-          </p:cNvSpPr>
-          <p:nvPr>
-            <p:ph idx="1"/>
-          </p:nvPr>
-        </p:nvSpPr>
-        <p:spPr/>
-        <p:txBody>
-          <a:bodyPr/>
-          <a:lstStyle/>
-          <a:p>
-            <a:pPr lvl="0" indent="0" marL="0">
-              <a:buNone/>
-            </a:pPr>
-            <a:r>
-              <a:rPr/>
-              <a:t>Walking after surgery is also an important way to help your lungs recover as well. When we walk, it’s easier for our lungs to function, and again, it makes the cough more frequently.</a:t>
-            </a:r>
-          </a:p>
-        </p:txBody>
-      </p:sp>
-    </p:spTree>
-  </p:cSld>
-</p:sld>
-</file>
-
-<file path=ppt/slides/slide21.xml><?xml version="1.0" encoding="utf-8"?>
-<p:sld xmlns:a="http://schemas.openxmlformats.org/drawingml/2006/main" xmlns:r="http://schemas.openxmlformats.org/officeDocument/2006/relationships" xmlns:p="http://schemas.openxmlformats.org/presentationml/2006/main">
-  <p:cSld>
-    <p:spTree>
-      <p:nvGrpSpPr>
-        <p:cNvPr id="1" name=""/>
-        <p:cNvGrpSpPr/>
-        <p:nvPr/>
-      </p:nvGrpSpPr>
-      <p:grpSpPr>
-        <a:xfrm>
-          <a:off x="0" y="0"/>
-          <a:ext cx="0" cy="0"/>
-          <a:chOff x="0" y="0"/>
-          <a:chExt cx="0" cy="0"/>
-        </a:xfrm>
-      </p:grpSpPr>
-      <p:sp>
-        <p:nvSpPr>
-          <p:cNvPr id="2" name="Title 1"/>
-          <p:cNvSpPr>
-            <a:spLocks noGrp="1"/>
-          </p:cNvSpPr>
-          <p:nvPr>
-            <p:ph type="title"/>
-          </p:nvPr>
-        </p:nvSpPr>
-        <p:spPr/>
-        <p:txBody>
-          <a:bodyPr/>
-          <a:lstStyle/>
-          <a:p>
-            <a:pPr lvl="0" indent="0" marL="0">
-              <a:buNone/>
-            </a:pPr>
-            <a:r>
-              <a:rPr/>
-              <a:t>Preventing Pneumonia</a:t>
-            </a:r>
-          </a:p>
-        </p:txBody>
-      </p:sp>
-      <p:sp>
-        <p:nvSpPr>
-          <p:cNvPr id="3" name="Content Placeholder 2"/>
-          <p:cNvSpPr>
-            <a:spLocks noGrp="1"/>
-          </p:cNvSpPr>
-          <p:nvPr>
-            <p:ph idx="1"/>
-          </p:nvPr>
-        </p:nvSpPr>
-        <p:spPr/>
-        <p:txBody>
-          <a:bodyPr/>
-          <a:lstStyle/>
-          <a:p>
-            <a:pPr lvl="0" indent="0" marL="0">
-              <a:buNone/>
-            </a:pPr>
-            <a:r>
-              <a:rPr/>
-              <a:t>How can we prevent pneumonia? Believe it or not, we can tell who is more likely to develop pneumonia after surgery simply by measuring their grip strength.</a:t>
-            </a:r>
-          </a:p>
-          <a:p>
-            <a:pPr lvl="0" indent="0" marL="0">
-              <a:buNone/>
-            </a:pPr>
-            <a:r>
-              <a:rPr/>
-              <a:t>We think this is because someone with a strong grip has good muscle function of the muscles between the ribs so that they have a nice strong cough and can prevent pneumonia.</a:t>
-            </a:r>
-          </a:p>
-        </p:txBody>
-      </p:sp>
-    </p:spTree>
-  </p:cSld>
-</p:sld>
-</file>
-
-<file path=ppt/slides/slide22.xml><?xml version="1.0" encoding="utf-8"?>
-<p:sld xmlns:a="http://schemas.openxmlformats.org/drawingml/2006/main" xmlns:r="http://schemas.openxmlformats.org/officeDocument/2006/relationships" xmlns:p="http://schemas.openxmlformats.org/presentationml/2006/main">
-  <p:cSld>
-    <p:spTree>
-      <p:nvGrpSpPr>
-        <p:cNvPr id="1" name=""/>
-        <p:cNvGrpSpPr/>
-        <p:nvPr/>
-      </p:nvGrpSpPr>
-      <p:grpSpPr>
-        <a:xfrm>
-          <a:off x="0" y="0"/>
-          <a:ext cx="0" cy="0"/>
-          <a:chOff x="0" y="0"/>
-          <a:chExt cx="0" cy="0"/>
-        </a:xfrm>
-      </p:grpSpPr>
-      <p:sp>
-        <p:nvSpPr>
-          <p:cNvPr id="2" name="Title 1"/>
-          <p:cNvSpPr>
-            <a:spLocks noGrp="1"/>
-          </p:cNvSpPr>
-          <p:nvPr>
-            <p:ph type="title"/>
-          </p:nvPr>
-        </p:nvSpPr>
-        <p:spPr/>
-        <p:txBody>
-          <a:bodyPr/>
-          <a:lstStyle/>
-          <a:p>
-            <a:pPr lvl="0" indent="0" marL="0">
-              <a:buNone/>
-            </a:pPr>
-            <a:r>
-              <a:rPr/>
-              <a:t>Strength</a:t>
-            </a:r>
-          </a:p>
-        </p:txBody>
-      </p:sp>
-      <p:sp>
-        <p:nvSpPr>
-          <p:cNvPr id="3" name="Content Placeholder 2"/>
-          <p:cNvSpPr>
-            <a:spLocks noGrp="1"/>
-          </p:cNvSpPr>
-          <p:nvPr>
-            <p:ph idx="1"/>
-          </p:nvPr>
-        </p:nvSpPr>
-        <p:spPr/>
-        <p:txBody>
-          <a:bodyPr/>
-          <a:lstStyle/>
-          <a:p>
-            <a:pPr lvl="0" indent="0" marL="0">
-              <a:buNone/>
-            </a:pPr>
-            <a:r>
-              <a:rPr/>
-              <a:t>In our clinic, we actually measure out patient’s strength with a hand-held strength gauge called a dynamometer. Based upon these measurements, we can identify patients who may be at risk of pneumonia.</a:t>
-            </a:r>
-          </a:p>
-        </p:txBody>
-      </p:sp>
-    </p:spTree>
-  </p:cSld>
-</p:sld>
-</file>
-
-<file path=ppt/slides/slide23.xml><?xml version="1.0" encoding="utf-8"?>
-<p:sld xmlns:a="http://schemas.openxmlformats.org/drawingml/2006/main" xmlns:r="http://schemas.openxmlformats.org/officeDocument/2006/relationships" xmlns:p="http://schemas.openxmlformats.org/presentationml/2006/main">
-  <p:cSld>
-    <p:spTree>
-      <p:nvGrpSpPr>
-        <p:cNvPr id="1" name=""/>
-        <p:cNvGrpSpPr/>
-        <p:nvPr/>
-      </p:nvGrpSpPr>
-      <p:grpSpPr>
-        <a:xfrm>
-          <a:off x="0" y="0"/>
-          <a:ext cx="0" cy="0"/>
-          <a:chOff x="0" y="0"/>
-          <a:chExt cx="0" cy="0"/>
-        </a:xfrm>
-      </p:grpSpPr>
-      <p:sp>
-        <p:nvSpPr>
-          <p:cNvPr id="2" name="Title 1"/>
-          <p:cNvSpPr>
-            <a:spLocks noGrp="1"/>
-          </p:cNvSpPr>
-          <p:nvPr>
-            <p:ph type="title"/>
-          </p:nvPr>
-        </p:nvSpPr>
-        <p:spPr/>
-        <p:txBody>
-          <a:bodyPr/>
-          <a:lstStyle/>
-          <a:p>
-            <a:pPr lvl="0" indent="0" marL="0">
-              <a:buNone/>
-            </a:pPr>
-            <a:r>
-              <a:rPr/>
-              <a:t>Patient Strength and Esophagectomy Outcomes</a:t>
-            </a:r>
-          </a:p>
-        </p:txBody>
-      </p:sp>
-      <p:sp>
-        <p:nvSpPr>
-          <p:cNvPr id="3" name="Content Placeholder 2"/>
-          <p:cNvSpPr>
-            <a:spLocks noGrp="1"/>
-          </p:cNvSpPr>
-          <p:nvPr>
-            <p:ph idx="1"/>
-          </p:nvPr>
-        </p:nvSpPr>
-        <p:spPr/>
-        <p:txBody>
-          <a:bodyPr/>
-          <a:lstStyle/>
-          <a:p>
-            <a:pPr lvl="0" indent="0" marL="0">
-              <a:buNone/>
-            </a:pPr>
-            <a:r>
-              <a:rPr/>
-              <a:t>About half of our patients have good strength, shown in green. A quarter are have low strength, shown in red Another quarter are in the middle, shown in yellow</a:t>
-            </a:r>
-          </a:p>
-        </p:txBody>
-      </p:sp>
-    </p:spTree>
-  </p:cSld>
-</p:sld>
-</file>
-
-<file path=ppt/slides/slide24.xml><?xml version="1.0" encoding="utf-8"?>
-<p:sld xmlns:a="http://schemas.openxmlformats.org/drawingml/2006/main" xmlns:r="http://schemas.openxmlformats.org/officeDocument/2006/relationships" xmlns:p="http://schemas.openxmlformats.org/presentationml/2006/main">
-  <p:cSld>
-    <p:spTree>
-      <p:nvGrpSpPr>
-        <p:cNvPr id="1" name=""/>
-        <p:cNvGrpSpPr/>
-        <p:nvPr/>
-      </p:nvGrpSpPr>
-      <p:grpSpPr>
-        <a:xfrm>
-          <a:off x="0" y="0"/>
-          <a:ext cx="0" cy="0"/>
-          <a:chOff x="0" y="0"/>
-          <a:chExt cx="0" cy="0"/>
-        </a:xfrm>
-      </p:grpSpPr>
       <p:pic>
         <p:nvPicPr>
-          <p:cNvPr descr="lci_surgery_files/figure-pptx/pie-1.png" id="0" name="Picture 1"/>
-          <p:cNvPicPr>
-            <a:picLocks noGrp="1" noChangeAspect="1"/>
-          </p:cNvPicPr>
-          <p:nvPr/>
-        </p:nvPicPr>
-        <p:blipFill>
-          <a:blip r:embed="rId2"/>
-          <a:stretch>
-            <a:fillRect/>
-          </a:stretch>
-        </p:blipFill>
-        <p:spPr bwMode="auto">
-          <a:xfrm>
-            <a:off x="1181100" y="1193800"/>
-            <a:ext cx="6781800" cy="3390900"/>
-          </a:xfrm>
-          <a:prstGeom prst="rect">
-            <a:avLst/>
-          </a:prstGeom>
-          <a:noFill/>
-          <a:ln w="9525">
-            <a:noFill/>
-            <a:headEnd/>
-            <a:tailEnd/>
-          </a:ln>
-        </p:spPr>
-      </p:pic>
-    </p:spTree>
-  </p:cSld>
-</p:sld>
-</file>
-
-<file path=ppt/slides/slide25.xml><?xml version="1.0" encoding="utf-8"?>
-<p:sld xmlns:a="http://schemas.openxmlformats.org/drawingml/2006/main" xmlns:r="http://schemas.openxmlformats.org/officeDocument/2006/relationships" xmlns:p="http://schemas.openxmlformats.org/presentationml/2006/main">
-  <p:cSld>
-    <p:spTree>
-      <p:nvGrpSpPr>
-        <p:cNvPr id="1" name=""/>
-        <p:cNvGrpSpPr/>
-        <p:nvPr/>
-      </p:nvGrpSpPr>
-      <p:grpSpPr>
-        <a:xfrm>
-          <a:off x="0" y="0"/>
-          <a:ext cx="0" cy="0"/>
-          <a:chOff x="0" y="0"/>
-          <a:chExt cx="0" cy="0"/>
-        </a:xfrm>
-      </p:grpSpPr>
-      <p:sp>
-        <p:nvSpPr>
-          <p:cNvPr id="2" name="Title 1"/>
-          <p:cNvSpPr>
-            <a:spLocks noGrp="1"/>
-          </p:cNvSpPr>
-          <p:nvPr>
-            <p:ph type="title"/>
-          </p:nvPr>
-        </p:nvSpPr>
-        <p:spPr/>
-        <p:txBody>
-          <a:bodyPr/>
-          <a:lstStyle/>
-          <a:p>
-            <a:pPr lvl="0" indent="0" marL="0">
-              <a:buNone/>
-            </a:pPr>
-            <a:r>
-              <a:rPr/>
-              <a:t>Pneumonia</a:t>
-            </a:r>
-          </a:p>
-        </p:txBody>
-      </p:sp>
-      <p:sp>
-        <p:nvSpPr>
-          <p:cNvPr id="3" name="Content Placeholder 2"/>
-          <p:cNvSpPr>
-            <a:spLocks noGrp="1"/>
-          </p:cNvSpPr>
-          <p:nvPr>
-            <p:ph idx="1"/>
-          </p:nvPr>
-        </p:nvSpPr>
-        <p:spPr/>
-        <p:txBody>
-          <a:bodyPr/>
-          <a:lstStyle/>
-          <a:p>
-            <a:pPr lvl="0" indent="0" marL="0">
-              <a:buNone/>
-            </a:pPr>
-            <a:r>
-              <a:rPr/>
-              <a:t>Overall, the risk of pneumonia is about 10% in our patients who undergo esophagectomy. 90% of patients never experience pneumonia, but 10% will have pneumonia after surgery.</a:t>
-            </a:r>
-          </a:p>
-        </p:txBody>
-      </p:sp>
-    </p:spTree>
-  </p:cSld>
-</p:sld>
-</file>
-
-<file path=ppt/slides/slide26.xml><?xml version="1.0" encoding="utf-8"?>
-<p:sld xmlns:a="http://schemas.openxmlformats.org/drawingml/2006/main" xmlns:r="http://schemas.openxmlformats.org/officeDocument/2006/relationships" xmlns:p="http://schemas.openxmlformats.org/presentationml/2006/main">
-  <p:cSld>
-    <p:spTree>
-      <p:nvGrpSpPr>
-        <p:cNvPr id="1" name=""/>
-        <p:cNvGrpSpPr/>
-        <p:nvPr/>
-      </p:nvGrpSpPr>
-      <p:grpSpPr>
-        <a:xfrm>
-          <a:off x="0" y="0"/>
-          <a:ext cx="0" cy="0"/>
-          <a:chOff x="0" y="0"/>
-          <a:chExt cx="0" cy="0"/>
-        </a:xfrm>
-      </p:grpSpPr>
-      <p:pic>
-        <p:nvPicPr>
-          <p:cNvPr descr="lci_surgery_files/figure-pptx/unnamed-chunk-1-1.png" id="0" name="Picture 1"/>
-          <p:cNvPicPr>
-            <a:picLocks noGrp="1" noChangeAspect="1"/>
-          </p:cNvPicPr>
-          <p:nvPr/>
-        </p:nvPicPr>
-        <p:blipFill>
-          <a:blip r:embed="rId2"/>
-          <a:stretch>
-            <a:fillRect/>
-          </a:stretch>
-        </p:blipFill>
-        <p:spPr bwMode="auto">
-          <a:xfrm>
-            <a:off x="1181100" y="1193800"/>
-            <a:ext cx="6781800" cy="3390900"/>
-          </a:xfrm>
-          <a:prstGeom prst="rect">
-            <a:avLst/>
-          </a:prstGeom>
-          <a:noFill/>
-          <a:ln w="9525">
-            <a:noFill/>
-            <a:headEnd/>
-            <a:tailEnd/>
-          </a:ln>
-        </p:spPr>
-      </p:pic>
-    </p:spTree>
-  </p:cSld>
-</p:sld>
-</file>
-
-<file path=ppt/slides/slide27.xml><?xml version="1.0" encoding="utf-8"?>
-<p:sld xmlns:a="http://schemas.openxmlformats.org/drawingml/2006/main" xmlns:r="http://schemas.openxmlformats.org/officeDocument/2006/relationships" xmlns:p="http://schemas.openxmlformats.org/presentationml/2006/main">
-  <p:cSld>
-    <p:spTree>
-      <p:nvGrpSpPr>
-        <p:cNvPr id="1" name=""/>
-        <p:cNvGrpSpPr/>
-        <p:nvPr/>
-      </p:nvGrpSpPr>
-      <p:grpSpPr>
-        <a:xfrm>
-          <a:off x="0" y="0"/>
-          <a:ext cx="0" cy="0"/>
-          <a:chOff x="0" y="0"/>
-          <a:chExt cx="0" cy="0"/>
-        </a:xfrm>
-      </p:grpSpPr>
-      <p:pic>
-        <p:nvPicPr>
-          <p:cNvPr descr="lci_surgery_files/figure-pptx/pneumonia_figoverall-1.png" id="0" name="Picture 1"/>
-          <p:cNvPicPr>
-            <a:picLocks noGrp="1" noChangeAspect="1"/>
-          </p:cNvPicPr>
-          <p:nvPr/>
-        </p:nvPicPr>
-        <p:blipFill>
-          <a:blip r:embed="rId2"/>
-          <a:stretch>
-            <a:fillRect/>
-          </a:stretch>
-        </p:blipFill>
-        <p:spPr bwMode="auto">
-          <a:xfrm>
-            <a:off x="2311400" y="1193800"/>
-            <a:ext cx="4521200" cy="3390900"/>
-          </a:xfrm>
-          <a:prstGeom prst="rect">
-            <a:avLst/>
-          </a:prstGeom>
-          <a:noFill/>
-          <a:ln w="9525">
-            <a:noFill/>
-            <a:headEnd/>
-            <a:tailEnd/>
-          </a:ln>
-        </p:spPr>
-      </p:pic>
-    </p:spTree>
-  </p:cSld>
-</p:sld>
-</file>
-
-<file path=ppt/slides/slide28.xml><?xml version="1.0" encoding="utf-8"?>
-<p:sld xmlns:a="http://schemas.openxmlformats.org/drawingml/2006/main" xmlns:r="http://schemas.openxmlformats.org/officeDocument/2006/relationships" xmlns:p="http://schemas.openxmlformats.org/presentationml/2006/main">
-  <p:cSld>
-    <p:spTree>
-      <p:nvGrpSpPr>
-        <p:cNvPr id="1" name=""/>
-        <p:cNvGrpSpPr/>
-        <p:nvPr/>
-      </p:nvGrpSpPr>
-      <p:grpSpPr>
-        <a:xfrm>
-          <a:off x="0" y="0"/>
-          <a:ext cx="0" cy="0"/>
-          <a:chOff x="0" y="0"/>
-          <a:chExt cx="0" cy="0"/>
-        </a:xfrm>
-      </p:grpSpPr>
-      <p:sp>
-        <p:nvSpPr>
-          <p:cNvPr id="3" name="Content Placeholder 2"/>
-          <p:cNvSpPr>
-            <a:spLocks noGrp="1"/>
-          </p:cNvSpPr>
-          <p:nvPr>
-            <p:ph idx="1"/>
-          </p:nvPr>
-        </p:nvSpPr>
-        <p:spPr/>
-        <p:txBody>
-          <a:bodyPr/>
-          <a:lstStyle/>
-          <a:p>
-            <a:pPr lvl="0" indent="0" marL="0">
-              <a:buNone/>
-            </a:pPr>
-            <a:r>
-              <a:rPr/>
-              <a:t>However the risk of pneumonia is not the same for everyone. Even though the average risk is 10%, the risk is much higher for our patients with low muscle strength and much lower for patients with good muscle strength.</a:t>
-            </a:r>
-          </a:p>
-          <a:p>
-            <a:pPr lvl="0" indent="0" marL="0">
-              <a:buNone/>
-            </a:pPr>
-            <a:r>
-              <a:rPr/>
-              <a:t>For the half of our patients with good muscle strength, the risk of pneumonia is about 5%. On the other hand, the risk of pneumonia is 20% in the quarter of our patients who have low muscle strength.</a:t>
-            </a:r>
-          </a:p>
-        </p:txBody>
-      </p:sp>
-    </p:spTree>
-  </p:cSld>
-</p:sld>
-</file>
-
-<file path=ppt/slides/slide29.xml><?xml version="1.0" encoding="utf-8"?>
-<p:sld xmlns:a="http://schemas.openxmlformats.org/drawingml/2006/main" xmlns:r="http://schemas.openxmlformats.org/officeDocument/2006/relationships" xmlns:p="http://schemas.openxmlformats.org/presentationml/2006/main">
-  <p:cSld>
-    <p:spTree>
-      <p:nvGrpSpPr>
-        <p:cNvPr id="1" name=""/>
-        <p:cNvGrpSpPr/>
-        <p:nvPr/>
-      </p:nvGrpSpPr>
-      <p:grpSpPr>
-        <a:xfrm>
-          <a:off x="0" y="0"/>
-          <a:ext cx="0" cy="0"/>
-          <a:chOff x="0" y="0"/>
-          <a:chExt cx="0" cy="0"/>
-        </a:xfrm>
-      </p:grpSpPr>
-      <p:pic>
-        <p:nvPicPr>
-          <p:cNvPr descr="lci_surgery_files/figure-pptx/pneumonia_fig2b-1.png" id="0" name="Picture 1"/>
-          <p:cNvPicPr>
-            <a:picLocks noGrp="1" noChangeAspect="1"/>
-          </p:cNvPicPr>
-          <p:nvPr/>
-        </p:nvPicPr>
-        <p:blipFill>
-          <a:blip r:embed="rId2"/>
-          <a:stretch>
-            <a:fillRect/>
-          </a:stretch>
-        </p:blipFill>
-        <p:spPr bwMode="auto">
-          <a:xfrm>
-            <a:off x="1181100" y="1193800"/>
-            <a:ext cx="6781800" cy="3390900"/>
-          </a:xfrm>
-          <a:prstGeom prst="rect">
-            <a:avLst/>
-          </a:prstGeom>
-          <a:noFill/>
-          <a:ln w="9525">
-            <a:noFill/>
-            <a:headEnd/>
-            <a:tailEnd/>
-          </a:ln>
-        </p:spPr>
-      </p:pic>
-    </p:spTree>
-  </p:cSld>
-</p:sld>
-</file>
-
-<file path=ppt/slides/slide3.xml><?xml version="1.0" encoding="utf-8"?>
-<p:sld xmlns:a="http://schemas.openxmlformats.org/drawingml/2006/main" xmlns:r="http://schemas.openxmlformats.org/officeDocument/2006/relationships" xmlns:p="http://schemas.openxmlformats.org/presentationml/2006/main">
-  <p:cSld>
-    <p:spTree>
-      <p:nvGrpSpPr>
-        <p:cNvPr id="1" name=""/>
-        <p:cNvGrpSpPr/>
-        <p:nvPr/>
-      </p:nvGrpSpPr>
-      <p:grpSpPr>
-        <a:xfrm>
-          <a:off x="0" y="0"/>
-          <a:ext cx="0" cy="0"/>
-          <a:chOff x="0" y="0"/>
-          <a:chExt cx="0" cy="0"/>
-        </a:xfrm>
-      </p:grpSpPr>
-      <p:sp>
-        <p:nvSpPr>
-          <p:cNvPr id="2" name="Title 1"/>
-          <p:cNvSpPr>
-            <a:spLocks noGrp="1"/>
-          </p:cNvSpPr>
-          <p:nvPr>
-            <p:ph type="title"/>
-          </p:nvPr>
-        </p:nvSpPr>
-        <p:spPr/>
-        <p:txBody>
-          <a:bodyPr/>
-          <a:lstStyle/>
-          <a:p>
-            <a:pPr lvl="0" indent="0" marL="0">
-              <a:buNone/>
-            </a:pPr>
-            <a:r>
-              <a:rPr/>
-              <a:t>Goals of Surgery</a:t>
-            </a:r>
-          </a:p>
-        </p:txBody>
-      </p:sp>
-      <p:sp>
-        <p:nvSpPr>
-          <p:cNvPr id="3" name="Content Placeholder 2"/>
-          <p:cNvSpPr>
-            <a:spLocks noGrp="1"/>
-          </p:cNvSpPr>
-          <p:nvPr>
-            <p:ph idx="1" sz="half"/>
-          </p:nvPr>
-        </p:nvSpPr>
-        <p:spPr/>
-        <p:txBody>
-          <a:bodyPr/>
-          <a:lstStyle/>
-          <a:p>
-            <a:pPr lvl="0"/>
-            <a:r>
-              <a:rPr/>
-              <a:t>Remove tumor from esophagus</a:t>
-            </a:r>
-          </a:p>
-          <a:p>
-            <a:pPr lvl="0"/>
-            <a:r>
-              <a:rPr/>
-              <a:t>Remove surrounding lymph nodes</a:t>
-            </a:r>
-          </a:p>
-          <a:p>
-            <a:pPr lvl="0"/>
-            <a:r>
-              <a:rPr/>
-              <a:t>Create a new esophagus</a:t>
-            </a:r>
-          </a:p>
-        </p:txBody>
-      </p:sp>
-      <p:pic>
-        <p:nvPicPr>
-          <p:cNvPr descr="https://deidt7p41jzcy.cloudfront.net/Eso_Resection1_ai.png" id="0" name="Picture 1"/>
+          <p:cNvPr descr="https://deidt7p41jzcy.cloudfront.net/Eso_IvorLewis_Leak.png" id="0" name="Picture 1"/>
           <p:cNvPicPr>
             <a:picLocks noGrp="1" noChangeAspect="1"/>
           </p:cNvPicPr>
@@ -4946,7 +3779,7 @@
 </p:sld>
 </file>
 
-<file path=ppt/slides/slide30.xml><?xml version="1.0" encoding="utf-8"?>
+<file path=ppt/slides/slide16.xml><?xml version="1.0" encoding="utf-8"?>
 <p:sld xmlns:a="http://schemas.openxmlformats.org/drawingml/2006/main" xmlns:r="http://schemas.openxmlformats.org/officeDocument/2006/relationships" xmlns:p="http://schemas.openxmlformats.org/presentationml/2006/main">
   <p:cSld>
     <p:spTree>
@@ -4983,7 +3816,7 @@
             </a:pPr>
             <a:r>
               <a:rPr/>
-              <a:t>Muscle Strength and Risk after Esophagectomy</a:t>
+              <a:t>Anastomotic Leak</a:t>
             </a:r>
           </a:p>
         </p:txBody>
@@ -4995,6 +3828,87 @@
             <a:spLocks noGrp="1"/>
           </p:cNvSpPr>
           <p:nvPr>
+            <p:ph idx="1"/>
+          </p:nvPr>
+        </p:nvSpPr>
+        <p:spPr/>
+        <p:txBody>
+          <a:bodyPr/>
+          <a:lstStyle/>
+          <a:p>
+            <a:pPr lvl="0" indent="0" marL="0">
+              <a:buNone/>
+            </a:pPr>
+            <a:r>
+              <a:rPr/>
+              <a:t>In some cases, the leak will heal on its own, but other cases may require additional procedures or even surgery.</a:t>
+            </a:r>
+          </a:p>
+          <a:p>
+            <a:pPr lvl="0" indent="0" marL="0">
+              <a:buNone/>
+            </a:pPr>
+            <a:r>
+              <a:rPr/>
+              <a:t>The risk of leak depends upon the operation performed but also depends upon the experience of the surgeon.</a:t>
+            </a:r>
+          </a:p>
+        </p:txBody>
+      </p:sp>
+    </p:spTree>
+  </p:cSld>
+</p:sld>
+</file>
+
+<file path=ppt/slides/slide17.xml><?xml version="1.0" encoding="utf-8"?>
+<p:sld xmlns:a="http://schemas.openxmlformats.org/drawingml/2006/main" xmlns:r="http://schemas.openxmlformats.org/officeDocument/2006/relationships" xmlns:p="http://schemas.openxmlformats.org/presentationml/2006/main">
+  <p:cSld>
+    <p:spTree>
+      <p:nvGrpSpPr>
+        <p:cNvPr id="1" name=""/>
+        <p:cNvGrpSpPr/>
+        <p:nvPr/>
+      </p:nvGrpSpPr>
+      <p:grpSpPr>
+        <a:xfrm>
+          <a:off x="0" y="0"/>
+          <a:ext cx="0" cy="0"/>
+          <a:chOff x="0" y="0"/>
+          <a:chExt cx="0" cy="0"/>
+        </a:xfrm>
+      </p:grpSpPr>
+      <p:sp>
+        <p:nvSpPr>
+          <p:cNvPr id="2" name="Title 1"/>
+          <p:cNvSpPr>
+            <a:spLocks noGrp="1"/>
+          </p:cNvSpPr>
+          <p:nvPr>
+            <p:ph type="title"/>
+          </p:nvPr>
+        </p:nvSpPr>
+        <p:spPr/>
+        <p:txBody>
+          <a:bodyPr/>
+          <a:lstStyle/>
+          <a:p>
+            <a:pPr lvl="0" indent="0" marL="0">
+              <a:buNone/>
+            </a:pPr>
+            <a:r>
+              <a:rPr/>
+              <a:t>Pneumonia</a:t>
+            </a:r>
+          </a:p>
+        </p:txBody>
+      </p:sp>
+      <p:sp>
+        <p:nvSpPr>
+          <p:cNvPr id="3" name="Content Placeholder 2"/>
+          <p:cNvSpPr>
+            <a:spLocks noGrp="1"/>
+          </p:cNvSpPr>
+          <p:nvPr>
             <p:ph idx="1" sz="half"/>
           </p:nvPr>
         </p:nvSpPr>
@@ -5008,14 +3922,174 @@
             </a:pPr>
             <a:r>
               <a:rPr/>
-              <a:t>The results of our research suggest a simple answer: The risk of pneumonia is related to a patient’s muscle strength.</a:t>
+              <a:t>Pneumonia can occurs in about 10-15% of patients after esophagectomy.</a:t>
+            </a:r>
+          </a:p>
+          <a:p>
+            <a:pPr lvl="0" indent="0" marL="0">
+              <a:buNone/>
+            </a:pPr>
+            <a:r>
+              <a:rPr/>
+              <a:t>Pneumonia requires treatment with antibiotics and frequently requires a longer hospitalization.</a:t>
+            </a:r>
+          </a:p>
+        </p:txBody>
+      </p:sp>
+    </p:spTree>
+  </p:cSld>
+</p:sld>
+</file>
+
+<file path=ppt/slides/slide18.xml><?xml version="1.0" encoding="utf-8"?>
+<p:sld xmlns:a="http://schemas.openxmlformats.org/drawingml/2006/main" xmlns:r="http://schemas.openxmlformats.org/officeDocument/2006/relationships" xmlns:p="http://schemas.openxmlformats.org/presentationml/2006/main">
+  <p:cSld>
+    <p:spTree>
+      <p:nvGrpSpPr>
+        <p:cNvPr id="1" name=""/>
+        <p:cNvGrpSpPr/>
+        <p:nvPr/>
+      </p:nvGrpSpPr>
+      <p:grpSpPr>
+        <a:xfrm>
+          <a:off x="0" y="0"/>
+          <a:ext cx="0" cy="0"/>
+          <a:chOff x="0" y="0"/>
+          <a:chExt cx="0" cy="0"/>
+        </a:xfrm>
+      </p:grpSpPr>
+      <p:sp>
+        <p:nvSpPr>
+          <p:cNvPr id="2" name="Title 1"/>
+          <p:cNvSpPr>
+            <a:spLocks noGrp="1"/>
+          </p:cNvSpPr>
+          <p:nvPr>
+            <p:ph type="title"/>
+          </p:nvPr>
+        </p:nvSpPr>
+        <p:spPr/>
+        <p:txBody>
+          <a:bodyPr/>
+          <a:lstStyle/>
+          <a:p>
+            <a:pPr lvl="0" indent="0" marL="0">
+              <a:buNone/>
+            </a:pPr>
+            <a:r>
+              <a:rPr/>
+              <a:t>Preventing Pneumonia</a:t>
+            </a:r>
+          </a:p>
+        </p:txBody>
+      </p:sp>
+      <p:sp>
+        <p:nvSpPr>
+          <p:cNvPr id="3" name="Content Placeholder 2"/>
+          <p:cNvSpPr>
+            <a:spLocks noGrp="1"/>
+          </p:cNvSpPr>
+          <p:nvPr>
+            <p:ph idx="1"/>
+          </p:nvPr>
+        </p:nvSpPr>
+        <p:spPr/>
+        <p:txBody>
+          <a:bodyPr/>
+          <a:lstStyle/>
+          <a:p>
+            <a:pPr lvl="0" indent="0" marL="0">
+              <a:buNone/>
+            </a:pPr>
+            <a:r>
+              <a:rPr/>
+              <a:t>In normal circumstances, secretions from the mouth and throat aren’t able to enter the lungs because we clear our throat and if secretions do get into our airway, we tend to cough and keep those secretions out of our lungs. This happens constantly without our thinking about it.</a:t>
+            </a:r>
+          </a:p>
+          <a:p>
+            <a:pPr lvl="0" indent="0" marL="0">
+              <a:buNone/>
+            </a:pPr>
+            <a:r>
+              <a:rPr/>
+              <a:t>After esophagectomy, however, there is a tendency for secretions to enter the airway, and if you can’t clear them, there is a risk that pneumonia will set in.</a:t>
+            </a:r>
+          </a:p>
+          <a:p>
+            <a:pPr lvl="0" indent="0" marL="0">
+              <a:buNone/>
+            </a:pPr>
+            <a:r>
+              <a:rPr/>
+              <a:t>There are two important ways that pneumonia can be prevented:</a:t>
+            </a:r>
+          </a:p>
+          <a:p>
+            <a:pPr lvl="0"/>
+            <a:r>
+              <a:rPr/>
+              <a:t>Deep breathing</a:t>
+            </a:r>
+          </a:p>
+          <a:p>
+            <a:pPr lvl="0"/>
+            <a:r>
+              <a:rPr/>
+              <a:t>Walking</a:t>
+            </a:r>
+          </a:p>
+        </p:txBody>
+      </p:sp>
+    </p:spTree>
+  </p:cSld>
+</p:sld>
+</file>
+
+<file path=ppt/slides/slide19.xml><?xml version="1.0" encoding="utf-8"?>
+<p:sld xmlns:a="http://schemas.openxmlformats.org/drawingml/2006/main" xmlns:r="http://schemas.openxmlformats.org/officeDocument/2006/relationships" xmlns:p="http://schemas.openxmlformats.org/presentationml/2006/main">
+  <p:cSld>
+    <p:spTree>
+      <p:nvGrpSpPr>
+        <p:cNvPr id="1" name=""/>
+        <p:cNvGrpSpPr/>
+        <p:nvPr/>
+      </p:nvGrpSpPr>
+      <p:grpSpPr>
+        <a:xfrm>
+          <a:off x="0" y="0"/>
+          <a:ext cx="0" cy="0"/>
+          <a:chOff x="0" y="0"/>
+          <a:chExt cx="0" cy="0"/>
+        </a:xfrm>
+      </p:grpSpPr>
+      <p:sp>
+        <p:nvSpPr>
+          <p:cNvPr id="2" name="Title 1"/>
+          <p:cNvSpPr>
+            <a:spLocks noGrp="1"/>
+          </p:cNvSpPr>
+          <p:nvPr>
+            <p:ph type="title"/>
+          </p:nvPr>
+        </p:nvSpPr>
+        <p:spPr/>
+        <p:txBody>
+          <a:bodyPr/>
+          <a:lstStyle/>
+          <a:p>
+            <a:pPr lvl="0" indent="0" marL="0">
+              <a:buNone/>
+            </a:pPr>
+            <a:r>
+              <a:rPr/>
+              <a:t>Minimally-invasive Esophagectomy</a:t>
             </a:r>
           </a:p>
         </p:txBody>
       </p:sp>
       <p:pic>
         <p:nvPicPr>
-          <p:cNvPr descr="images/emancipation-156066_1280.png" id="0" name="Picture 1"/>
+          <p:cNvPr descr="https://deidt7p41jzcy.cloudfront.net/mie_abd.png" id="0" name="Picture 1"/>
           <p:cNvPicPr>
             <a:picLocks noGrp="1" noChangeAspect="1"/>
           </p:cNvPicPr>
@@ -5029,8 +4103,38 @@
         </p:blipFill>
         <p:spPr bwMode="auto">
           <a:xfrm>
-            <a:off x="5372100" y="1193800"/>
-            <a:ext cx="2590800" cy="3390900"/>
+            <a:off x="457200" y="1371600"/>
+            <a:ext cx="4038600" cy="3022600"/>
+          </a:xfrm>
+          <a:prstGeom prst="rect">
+            <a:avLst/>
+          </a:prstGeom>
+          <a:noFill/>
+          <a:ln w="9525">
+            <a:noFill/>
+            <a:headEnd/>
+            <a:tailEnd/>
+          </a:ln>
+        </p:spPr>
+      </p:pic>
+      <p:pic>
+        <p:nvPicPr>
+          <p:cNvPr descr="https://deidt7p41jzcy.cloudfront.net/mie_chest.png" id="0" name="Picture 1"/>
+          <p:cNvPicPr>
+            <a:picLocks noGrp="1" noChangeAspect="1"/>
+          </p:cNvPicPr>
+          <p:nvPr/>
+        </p:nvPicPr>
+        <p:blipFill>
+          <a:blip r:embed="rId3"/>
+          <a:stretch>
+            <a:fillRect/>
+          </a:stretch>
+        </p:blipFill>
+        <p:spPr bwMode="auto">
+          <a:xfrm>
+            <a:off x="4648200" y="1371600"/>
+            <a:ext cx="4038600" cy="3022600"/>
           </a:xfrm>
           <a:prstGeom prst="rect">
             <a:avLst/>
@@ -5048,7 +4152,7 @@
 </p:sld>
 </file>
 
-<file path=ppt/slides/slide31.xml><?xml version="1.0" encoding="utf-8"?>
+<file path=ppt/slides/slide2.xml><?xml version="1.0" encoding="utf-8"?>
 <p:sld xmlns:a="http://schemas.openxmlformats.org/drawingml/2006/main" xmlns:r="http://schemas.openxmlformats.org/officeDocument/2006/relationships" xmlns:p="http://schemas.openxmlformats.org/presentationml/2006/main">
   <p:cSld>
     <p:spTree>
@@ -5067,12 +4171,37 @@
       </p:grpSpPr>
       <p:sp>
         <p:nvSpPr>
+          <p:cNvPr id="2" name="Title 1"/>
+          <p:cNvSpPr>
+            <a:spLocks noGrp="1"/>
+          </p:cNvSpPr>
+          <p:nvPr>
+            <p:ph type="title"/>
+          </p:nvPr>
+        </p:nvSpPr>
+        <p:spPr/>
+        <p:txBody>
+          <a:bodyPr/>
+          <a:lstStyle/>
+          <a:p>
+            <a:pPr lvl="0" indent="0" marL="0">
+              <a:buNone/>
+            </a:pPr>
+            <a:r>
+              <a:rPr/>
+              <a:t>Surgery for Esophageal Cancer</a:t>
+            </a:r>
+          </a:p>
+        </p:txBody>
+      </p:sp>
+      <p:sp>
+        <p:nvSpPr>
           <p:cNvPr id="3" name="Content Placeholder 2"/>
           <p:cNvSpPr>
             <a:spLocks noGrp="1"/>
           </p:cNvSpPr>
           <p:nvPr>
-            <p:ph idx="1" sz="half"/>
+            <p:ph idx="1"/>
           </p:nvPr>
         </p:nvSpPr>
         <p:spPr/>
@@ -5085,47 +4214,38 @@
             </a:pPr>
             <a:r>
               <a:rPr/>
-              <a:t>Now this doesn’t mean that you need to look like this to prevent pneumonia after your esophagectomy]</a:t>
-            </a:r>
-          </a:p>
-        </p:txBody>
-      </p:sp>
-      <p:pic>
-        <p:nvPicPr>
-          <p:cNvPr descr="images/man-461195_1920.jpg" id="0" name="Picture 1"/>
-          <p:cNvPicPr>
-            <a:picLocks noGrp="1" noChangeAspect="1"/>
-          </p:cNvPicPr>
-          <p:nvPr/>
-        </p:nvPicPr>
-        <p:blipFill>
-          <a:blip r:embed="rId2"/>
-          <a:stretch>
-            <a:fillRect/>
-          </a:stretch>
-        </p:blipFill>
-        <p:spPr bwMode="auto">
-          <a:xfrm>
-            <a:off x="4648200" y="1536700"/>
-            <a:ext cx="4038600" cy="2705100"/>
-          </a:xfrm>
-          <a:prstGeom prst="rect">
-            <a:avLst/>
-          </a:prstGeom>
-          <a:noFill/>
-          <a:ln w="9525">
-            <a:noFill/>
-            <a:headEnd/>
-            <a:tailEnd/>
-          </a:ln>
-        </p:spPr>
-      </p:pic>
+              <a:t>Surgery for esophageal cancer is generally performed in several situations:</a:t>
+            </a:r>
+          </a:p>
+          <a:p>
+            <a:pPr lvl="0"/>
+            <a:r>
+              <a:rPr/>
+              <a:t>Superficial Tumors (T1) that can’t be completely removed by endoscopy</a:t>
+            </a:r>
+          </a:p>
+          <a:p>
+            <a:pPr lvl="0"/>
+            <a:r>
+              <a:rPr/>
+              <a:t>Localized Tumors (T2N0)</a:t>
+            </a:r>
+          </a:p>
+          <a:p>
+            <a:pPr lvl="0"/>
+            <a:r>
+              <a:rPr/>
+              <a:t>Locally Advanced Tumors (T3 or N+) after preoperative therapy.</a:t>
+            </a:r>
+          </a:p>
+        </p:txBody>
+      </p:sp>
     </p:spTree>
   </p:cSld>
 </p:sld>
 </file>
 
-<file path=ppt/slides/slide32.xml><?xml version="1.0" encoding="utf-8"?>
+<file path=ppt/slides/slide20.xml><?xml version="1.0" encoding="utf-8"?>
 <p:sld xmlns:a="http://schemas.openxmlformats.org/drawingml/2006/main" xmlns:r="http://schemas.openxmlformats.org/officeDocument/2006/relationships" xmlns:p="http://schemas.openxmlformats.org/presentationml/2006/main">
   <p:cSld>
     <p:spTree>
@@ -5144,6 +4264,31 @@
       </p:grpSpPr>
       <p:sp>
         <p:nvSpPr>
+          <p:cNvPr id="2" name="Title 1"/>
+          <p:cNvSpPr>
+            <a:spLocks noGrp="1"/>
+          </p:cNvSpPr>
+          <p:nvPr>
+            <p:ph type="title"/>
+          </p:nvPr>
+        </p:nvSpPr>
+        <p:spPr/>
+        <p:txBody>
+          <a:bodyPr/>
+          <a:lstStyle/>
+          <a:p>
+            <a:pPr lvl="0" indent="0" marL="0">
+              <a:buNone/>
+            </a:pPr>
+            <a:r>
+              <a:rPr/>
+              <a:t>Risks of Surgery</a:t>
+            </a:r>
+          </a:p>
+        </p:txBody>
+      </p:sp>
+      <p:sp>
+        <p:nvSpPr>
           <p:cNvPr id="3" name="Content Placeholder 2"/>
           <p:cNvSpPr>
             <a:spLocks noGrp="1"/>
@@ -5162,21 +4307,42 @@
             </a:pPr>
             <a:r>
               <a:rPr/>
-              <a:t>The good news is that you can increase your muscle strength before surgery in two very simple ways:</a:t>
+              <a:t>Risks related to anesthesia</a:t>
             </a:r>
           </a:p>
           <a:p>
             <a:pPr lvl="0"/>
             <a:r>
               <a:rPr/>
-              <a:t>Good nutrition with adequate intake of protein</a:t>
+              <a:t>Heart attack (5%)</a:t>
             </a:r>
           </a:p>
           <a:p>
             <a:pPr lvl="0"/>
             <a:r>
               <a:rPr/>
-              <a:t>Exercise</a:t>
+              <a:t>Irregular heart rhythm (15%)</a:t>
+            </a:r>
+          </a:p>
+          <a:p>
+            <a:pPr lvl="0"/>
+            <a:r>
+              <a:rPr/>
+              <a:t>Pneumonia (10%)</a:t>
+            </a:r>
+          </a:p>
+          <a:p>
+            <a:pPr lvl="0"/>
+            <a:r>
+              <a:rPr/>
+              <a:t>Blood clots in legs (&lt;5%)</a:t>
+            </a:r>
+          </a:p>
+          <a:p>
+            <a:pPr lvl="0"/>
+            <a:r>
+              <a:rPr/>
+              <a:t>Pulmonary embolism (2%)</a:t>
             </a:r>
           </a:p>
         </p:txBody>
@@ -5186,7 +4352,7 @@
 </p:sld>
 </file>
 
-<file path=ppt/slides/slide33.xml><?xml version="1.0" encoding="utf-8"?>
+<file path=ppt/slides/slide21.xml><?xml version="1.0" encoding="utf-8"?>
 <p:sld xmlns:a="http://schemas.openxmlformats.org/drawingml/2006/main" xmlns:r="http://schemas.openxmlformats.org/officeDocument/2006/relationships" xmlns:p="http://schemas.openxmlformats.org/presentationml/2006/main">
   <p:cSld>
     <p:spTree>
@@ -5223,7 +4389,7 @@
             </a:pPr>
             <a:r>
               <a:rPr/>
-              <a:t>Good News</a:t>
+              <a:t>Risks of Surgery</a:t>
             </a:r>
           </a:p>
         </p:txBody>
@@ -5248,7 +4414,49 @@
             </a:pPr>
             <a:r>
               <a:rPr/>
-              <a:t>with proper nutrition and exercise, you can increase your muscle strength, and we have good reason to believe this will reduce your risk of complications after esophagectomy.</a:t>
+              <a:t>Risks related to Surgery</a:t>
+            </a:r>
+          </a:p>
+          <a:p>
+            <a:pPr lvl="0"/>
+            <a:r>
+              <a:rPr/>
+              <a:t>Anastomotic leak (5%)</a:t>
+            </a:r>
+          </a:p>
+          <a:p>
+            <a:pPr lvl="0"/>
+            <a:r>
+              <a:rPr/>
+              <a:t>Stricture at anastomosis (15%)</a:t>
+            </a:r>
+          </a:p>
+          <a:p>
+            <a:pPr lvl="0"/>
+            <a:r>
+              <a:rPr/>
+              <a:t>Death within 90 days of surgery</a:t>
+            </a:r>
+          </a:p>
+          <a:p>
+            <a:pPr lvl="1"/>
+            <a:r>
+              <a:rPr/>
+              <a:t>Low risk patients = 2%</a:t>
+            </a:r>
+          </a:p>
+          <a:p>
+            <a:pPr lvl="1"/>
+            <a:r>
+              <a:rPr/>
+              <a:t>Intermediate risk = 10%</a:t>
+            </a:r>
+          </a:p>
+          <a:p>
+            <a:pPr lvl="1"/>
+            <a:r>
+              <a:rPr/>
+              <a:t>High risk = 30%</a:t>
             </a:r>
           </a:p>
         </p:txBody>
@@ -5258,325 +4466,7 @@
 </p:sld>
 </file>
 
-<file path=ppt/slides/slide34.xml><?xml version="1.0" encoding="utf-8"?>
-<p:sld xmlns:a="http://schemas.openxmlformats.org/drawingml/2006/main" xmlns:r="http://schemas.openxmlformats.org/officeDocument/2006/relationships" xmlns:p="http://schemas.openxmlformats.org/presentationml/2006/main">
-  <p:cSld>
-    <p:spTree>
-      <p:nvGrpSpPr>
-        <p:cNvPr id="1" name=""/>
-        <p:cNvGrpSpPr/>
-        <p:nvPr/>
-      </p:nvGrpSpPr>
-      <p:grpSpPr>
-        <a:xfrm>
-          <a:off x="0" y="0"/>
-          <a:ext cx="0" cy="0"/>
-          <a:chOff x="0" y="0"/>
-          <a:chExt cx="0" cy="0"/>
-        </a:xfrm>
-      </p:grpSpPr>
-      <p:sp>
-        <p:nvSpPr>
-          <p:cNvPr id="2" name="Title 1"/>
-          <p:cNvSpPr>
-            <a:spLocks noGrp="1"/>
-          </p:cNvSpPr>
-          <p:nvPr>
-            <p:ph type="title"/>
-          </p:nvPr>
-        </p:nvSpPr>
-        <p:spPr/>
-        <p:txBody>
-          <a:bodyPr/>
-          <a:lstStyle/>
-          <a:p>
-            <a:pPr lvl="0" indent="0" marL="0">
-              <a:buNone/>
-            </a:pPr>
-            <a:r>
-              <a:rPr/>
-              <a:t>Minimally-invasive Esophagectomy</a:t>
-            </a:r>
-          </a:p>
-        </p:txBody>
-      </p:sp>
-      <p:sp>
-        <p:nvSpPr>
-          <p:cNvPr id="3" name="Content Placeholder 2"/>
-          <p:cNvSpPr>
-            <a:spLocks noGrp="1"/>
-          </p:cNvSpPr>
-          <p:nvPr>
-            <p:ph idx="1" sz="half"/>
-          </p:nvPr>
-        </p:nvSpPr>
-        <p:spPr/>
-        <p:txBody>
-          <a:bodyPr/>
-          <a:lstStyle/>
-          <a:p>
-            <a:pPr lvl="0" indent="0" marL="0">
-              <a:buNone/>
-            </a:pPr>
-            <a:r>
-              <a:rPr/>
-              <a:t>https://deidt7p41jzcy.cloudfront.net/mie_abd.png</a:t>
-            </a:r>
-          </a:p>
-        </p:txBody>
-      </p:sp>
-      <p:sp>
-        <p:nvSpPr>
-          <p:cNvPr id="4" name="Content Placeholder 3"/>
-          <p:cNvSpPr>
-            <a:spLocks noGrp="1"/>
-          </p:cNvSpPr>
-          <p:nvPr>
-            <p:ph idx="2" sz="half"/>
-          </p:nvPr>
-        </p:nvSpPr>
-        <p:spPr/>
-        <p:txBody>
-          <a:bodyPr/>
-          <a:lstStyle/>
-          <a:p>
-            <a:pPr lvl="0" indent="0" marL="0">
-              <a:buNone/>
-            </a:pPr>
-            <a:r>
-              <a:rPr/>
-              <a:t>https://deidt7p41jzcy.cloudfront.net/mie_chest.png</a:t>
-            </a:r>
-          </a:p>
-        </p:txBody>
-      </p:sp>
-    </p:spTree>
-  </p:cSld>
-</p:sld>
-</file>
-
-<file path=ppt/slides/slide35.xml><?xml version="1.0" encoding="utf-8"?>
-<p:sld xmlns:a="http://schemas.openxmlformats.org/drawingml/2006/main" xmlns:r="http://schemas.openxmlformats.org/officeDocument/2006/relationships" xmlns:p="http://schemas.openxmlformats.org/presentationml/2006/main">
-  <p:cSld>
-    <p:spTree>
-      <p:nvGrpSpPr>
-        <p:cNvPr id="1" name=""/>
-        <p:cNvGrpSpPr/>
-        <p:nvPr/>
-      </p:nvGrpSpPr>
-      <p:grpSpPr>
-        <a:xfrm>
-          <a:off x="0" y="0"/>
-          <a:ext cx="0" cy="0"/>
-          <a:chOff x="0" y="0"/>
-          <a:chExt cx="0" cy="0"/>
-        </a:xfrm>
-      </p:grpSpPr>
-      <p:sp>
-        <p:nvSpPr>
-          <p:cNvPr id="2" name="Title 1"/>
-          <p:cNvSpPr>
-            <a:spLocks noGrp="1"/>
-          </p:cNvSpPr>
-          <p:nvPr>
-            <p:ph type="title"/>
-          </p:nvPr>
-        </p:nvSpPr>
-        <p:spPr/>
-        <p:txBody>
-          <a:bodyPr/>
-          <a:lstStyle/>
-          <a:p>
-            <a:pPr lvl="0" indent="0" marL="0">
-              <a:buNone/>
-            </a:pPr>
-            <a:r>
-              <a:rPr/>
-              <a:t>Risks of Surgery</a:t>
-            </a:r>
-          </a:p>
-        </p:txBody>
-      </p:sp>
-      <p:sp>
-        <p:nvSpPr>
-          <p:cNvPr id="3" name="Content Placeholder 2"/>
-          <p:cNvSpPr>
-            <a:spLocks noGrp="1"/>
-          </p:cNvSpPr>
-          <p:nvPr>
-            <p:ph idx="1"/>
-          </p:nvPr>
-        </p:nvSpPr>
-        <p:spPr/>
-        <p:txBody>
-          <a:bodyPr/>
-          <a:lstStyle/>
-          <a:p>
-            <a:pPr lvl="0" indent="0" marL="0">
-              <a:buNone/>
-            </a:pPr>
-            <a:r>
-              <a:rPr/>
-              <a:t>Risks related to anesthesia</a:t>
-            </a:r>
-          </a:p>
-          <a:p>
-            <a:pPr lvl="0"/>
-            <a:r>
-              <a:rPr/>
-              <a:t>Heart attack (5%)</a:t>
-            </a:r>
-          </a:p>
-          <a:p>
-            <a:pPr lvl="0"/>
-            <a:r>
-              <a:rPr/>
-              <a:t>Irregular heart rhythm (15%)</a:t>
-            </a:r>
-          </a:p>
-          <a:p>
-            <a:pPr lvl="0"/>
-            <a:r>
-              <a:rPr/>
-              <a:t>Pneumonia (10%)</a:t>
-            </a:r>
-          </a:p>
-          <a:p>
-            <a:pPr lvl="0"/>
-            <a:r>
-              <a:rPr/>
-              <a:t>Blood clots in legs (&lt;5%)</a:t>
-            </a:r>
-          </a:p>
-          <a:p>
-            <a:pPr lvl="0"/>
-            <a:r>
-              <a:rPr/>
-              <a:t>Pulmonary embolism (2%)</a:t>
-            </a:r>
-          </a:p>
-        </p:txBody>
-      </p:sp>
-    </p:spTree>
-  </p:cSld>
-</p:sld>
-</file>
-
-<file path=ppt/slides/slide36.xml><?xml version="1.0" encoding="utf-8"?>
-<p:sld xmlns:a="http://schemas.openxmlformats.org/drawingml/2006/main" xmlns:r="http://schemas.openxmlformats.org/officeDocument/2006/relationships" xmlns:p="http://schemas.openxmlformats.org/presentationml/2006/main">
-  <p:cSld>
-    <p:spTree>
-      <p:nvGrpSpPr>
-        <p:cNvPr id="1" name=""/>
-        <p:cNvGrpSpPr/>
-        <p:nvPr/>
-      </p:nvGrpSpPr>
-      <p:grpSpPr>
-        <a:xfrm>
-          <a:off x="0" y="0"/>
-          <a:ext cx="0" cy="0"/>
-          <a:chOff x="0" y="0"/>
-          <a:chExt cx="0" cy="0"/>
-        </a:xfrm>
-      </p:grpSpPr>
-      <p:sp>
-        <p:nvSpPr>
-          <p:cNvPr id="2" name="Title 1"/>
-          <p:cNvSpPr>
-            <a:spLocks noGrp="1"/>
-          </p:cNvSpPr>
-          <p:nvPr>
-            <p:ph type="title"/>
-          </p:nvPr>
-        </p:nvSpPr>
-        <p:spPr/>
-        <p:txBody>
-          <a:bodyPr/>
-          <a:lstStyle/>
-          <a:p>
-            <a:pPr lvl="0" indent="0" marL="0">
-              <a:buNone/>
-            </a:pPr>
-            <a:r>
-              <a:rPr/>
-              <a:t>Risks of Surgery</a:t>
-            </a:r>
-          </a:p>
-        </p:txBody>
-      </p:sp>
-      <p:sp>
-        <p:nvSpPr>
-          <p:cNvPr id="3" name="Content Placeholder 2"/>
-          <p:cNvSpPr>
-            <a:spLocks noGrp="1"/>
-          </p:cNvSpPr>
-          <p:nvPr>
-            <p:ph idx="1"/>
-          </p:nvPr>
-        </p:nvSpPr>
-        <p:spPr/>
-        <p:txBody>
-          <a:bodyPr/>
-          <a:lstStyle/>
-          <a:p>
-            <a:pPr lvl="0" indent="0" marL="0">
-              <a:buNone/>
-            </a:pPr>
-            <a:r>
-              <a:rPr/>
-              <a:t>Risks related to Surgery</a:t>
-            </a:r>
-          </a:p>
-          <a:p>
-            <a:pPr lvl="0"/>
-            <a:r>
-              <a:rPr/>
-              <a:t>Anastomotic leak (5%)</a:t>
-            </a:r>
-          </a:p>
-          <a:p>
-            <a:pPr lvl="0"/>
-            <a:r>
-              <a:rPr/>
-              <a:t>Stricture at anastomosis (15%)</a:t>
-            </a:r>
-          </a:p>
-          <a:p>
-            <a:pPr lvl="0"/>
-            <a:r>
-              <a:rPr/>
-              <a:t>Death within 90 days of surgyer</a:t>
-            </a:r>
-          </a:p>
-          <a:p>
-            <a:pPr lvl="1"/>
-            <a:r>
-              <a:rPr/>
-              <a:t>Low risk patients 2%</a:t>
-            </a:r>
-          </a:p>
-          <a:p>
-            <a:pPr lvl="1"/>
-            <a:r>
-              <a:rPr/>
-              <a:t>Intermediate risk 10%</a:t>
-            </a:r>
-          </a:p>
-          <a:p>
-            <a:pPr lvl="1"/>
-            <a:r>
-              <a:rPr/>
-              <a:t>High risk 30%</a:t>
-            </a:r>
-          </a:p>
-        </p:txBody>
-      </p:sp>
-    </p:spTree>
-  </p:cSld>
-</p:sld>
-</file>
-
-<file path=ppt/slides/slide37.xml><?xml version="1.0" encoding="utf-8"?>
+<file path=ppt/slides/slide22.xml><?xml version="1.0" encoding="utf-8"?>
 <p:sld xmlns:a="http://schemas.openxmlformats.org/drawingml/2006/main" xmlns:r="http://schemas.openxmlformats.org/officeDocument/2006/relationships" xmlns:p="http://schemas.openxmlformats.org/presentationml/2006/main">
   <p:cSld>
     <p:spTree>
@@ -5820,7 +4710,7 @@
 </p:sld>
 </file>
 
-<file path=ppt/slides/slide38.xml><?xml version="1.0" encoding="utf-8"?>
+<file path=ppt/slides/slide23.xml><?xml version="1.0" encoding="utf-8"?>
 <p:sld xmlns:a="http://schemas.openxmlformats.org/drawingml/2006/main" xmlns:r="http://schemas.openxmlformats.org/officeDocument/2006/relationships" xmlns:p="http://schemas.openxmlformats.org/presentationml/2006/main">
   <p:cSld>
     <p:spTree>
@@ -5904,7 +4794,7 @@
 </p:sld>
 </file>
 
-<file path=ppt/slides/slide39.xml><?xml version="1.0" encoding="utf-8"?>
+<file path=ppt/slides/slide24.xml><?xml version="1.0" encoding="utf-8"?>
 <p:sld xmlns:a="http://schemas.openxmlformats.org/drawingml/2006/main" xmlns:r="http://schemas.openxmlformats.org/officeDocument/2006/relationships" xmlns:p="http://schemas.openxmlformats.org/presentationml/2006/main">
   <p:cSld>
     <p:spTree>
@@ -5971,7 +4861,14 @@
             <a:pPr lvl="0"/>
             <a:r>
               <a:rPr/>
-              <a:t>OK to take medicines with a sip of water (or coffee) but no cream. Surgery may be cancelled if you take even a sip of cream or milk the morning of surgery.</a:t>
+              <a:t>OK to take medicines with a sip of water (or coffee) but no cream.</a:t>
+            </a:r>
+          </a:p>
+          <a:p>
+            <a:pPr lvl="0"/>
+            <a:r>
+              <a:rPr/>
+              <a:t>Surgery may be cancelled if you take even a sip of cream or milk the morning of surgery.</a:t>
             </a:r>
           </a:p>
           <a:p>
@@ -5995,7 +4892,7 @@
 </p:sld>
 </file>
 
-<file path=ppt/slides/slide4.xml><?xml version="1.0" encoding="utf-8"?>
+<file path=ppt/slides/slide25.xml><?xml version="1.0" encoding="utf-8"?>
 <p:sld xmlns:a="http://schemas.openxmlformats.org/drawingml/2006/main" xmlns:r="http://schemas.openxmlformats.org/officeDocument/2006/relationships" xmlns:p="http://schemas.openxmlformats.org/presentationml/2006/main">
   <p:cSld>
     <p:spTree>
@@ -6032,7 +4929,7 @@
             </a:pPr>
             <a:r>
               <a:rPr/>
-              <a:t>Resection</a:t>
+              <a:t>Anesthesia</a:t>
             </a:r>
           </a:p>
         </p:txBody>
@@ -6044,6 +4941,304 @@
             <a:spLocks noGrp="1"/>
           </p:cNvSpPr>
           <p:nvPr>
+            <p:ph idx="1"/>
+          </p:nvPr>
+        </p:nvSpPr>
+        <p:spPr/>
+        <p:txBody>
+          <a:bodyPr/>
+          <a:lstStyle/>
+          <a:p>
+            <a:pPr lvl="0" indent="0" marL="0">
+              <a:buNone/>
+            </a:pPr>
+            <a:r>
+              <a:rPr/>
+              <a:t>Epidural catheter for pain control</a:t>
+            </a:r>
+          </a:p>
+          <a:p>
+            <a:pPr lvl="0"/>
+            <a:r>
+              <a:rPr/>
+              <a:t>Remains in place for 2-5 days</a:t>
+            </a:r>
+          </a:p>
+          <a:p>
+            <a:pPr lvl="0"/>
+            <a:r>
+              <a:rPr/>
+              <a:t>Dose can be adjusted as needed</a:t>
+            </a:r>
+          </a:p>
+          <a:p>
+            <a:pPr lvl="0"/>
+            <a:r>
+              <a:rPr/>
+              <a:t>Can make it more difficult to empty the bladder</a:t>
+            </a:r>
+          </a:p>
+          <a:p>
+            <a:pPr lvl="0"/>
+            <a:r>
+              <a:rPr/>
+              <a:t>May require foley (bladder) catheter to stay in place until epidural</a:t>
+            </a:r>
+          </a:p>
+        </p:txBody>
+      </p:sp>
+    </p:spTree>
+  </p:cSld>
+</p:sld>
+</file>
+
+<file path=ppt/slides/slide26.xml><?xml version="1.0" encoding="utf-8"?>
+<p:sld xmlns:a="http://schemas.openxmlformats.org/drawingml/2006/main" xmlns:r="http://schemas.openxmlformats.org/officeDocument/2006/relationships" xmlns:p="http://schemas.openxmlformats.org/presentationml/2006/main">
+  <p:cSld>
+    <p:spTree>
+      <p:nvGrpSpPr>
+        <p:cNvPr id="1" name=""/>
+        <p:cNvGrpSpPr/>
+        <p:nvPr/>
+      </p:nvGrpSpPr>
+      <p:grpSpPr>
+        <a:xfrm>
+          <a:off x="0" y="0"/>
+          <a:ext cx="0" cy="0"/>
+          <a:chOff x="0" y="0"/>
+          <a:chExt cx="0" cy="0"/>
+        </a:xfrm>
+      </p:grpSpPr>
+      <p:sp>
+        <p:nvSpPr>
+          <p:cNvPr id="2" name="Title 1"/>
+          <p:cNvSpPr>
+            <a:spLocks noGrp="1"/>
+          </p:cNvSpPr>
+          <p:nvPr>
+            <p:ph type="title"/>
+          </p:nvPr>
+        </p:nvSpPr>
+        <p:spPr/>
+        <p:txBody>
+          <a:bodyPr/>
+          <a:lstStyle/>
+          <a:p>
+            <a:pPr lvl="0" indent="0" marL="0">
+              <a:buNone/>
+            </a:pPr>
+            <a:r>
+              <a:rPr/>
+              <a:t>Intensive Care Unit (1-2 days)</a:t>
+            </a:r>
+          </a:p>
+        </p:txBody>
+      </p:sp>
+      <p:sp>
+        <p:nvSpPr>
+          <p:cNvPr id="3" name="Content Placeholder 2"/>
+          <p:cNvSpPr>
+            <a:spLocks noGrp="1"/>
+          </p:cNvSpPr>
+          <p:nvPr>
+            <p:ph idx="1"/>
+          </p:nvPr>
+        </p:nvSpPr>
+        <p:spPr/>
+        <p:txBody>
+          <a:bodyPr/>
+          <a:lstStyle/>
+          <a:p>
+            <a:pPr lvl="0" indent="0" marL="0">
+              <a:buNone/>
+            </a:pPr>
+            <a:r>
+              <a:rPr/>
+              <a:t>Multiple lines and tubes:</a:t>
+            </a:r>
+          </a:p>
+          <a:p>
+            <a:pPr lvl="0"/>
+            <a:r>
+              <a:rPr/>
+              <a:t>NG tube in nose (stays in 2-7 days)</a:t>
+            </a:r>
+          </a:p>
+          <a:p>
+            <a:pPr lvl="0"/>
+            <a:r>
+              <a:rPr/>
+              <a:t>Catheter in bladder (2-5 days)</a:t>
+            </a:r>
+          </a:p>
+          <a:p>
+            <a:pPr lvl="0"/>
+            <a:r>
+              <a:rPr/>
+              <a:t>Chest tube right chest (2-4 days)</a:t>
+            </a:r>
+          </a:p>
+          <a:p>
+            <a:pPr lvl="0"/>
+            <a:r>
+              <a:rPr/>
+              <a:t>Abdominal drains (2 or 3)</a:t>
+            </a:r>
+          </a:p>
+        </p:txBody>
+      </p:sp>
+    </p:spTree>
+  </p:cSld>
+</p:sld>
+</file>
+
+<file path=ppt/slides/slide27.xml><?xml version="1.0" encoding="utf-8"?>
+<p:sld xmlns:a="http://schemas.openxmlformats.org/drawingml/2006/main" xmlns:r="http://schemas.openxmlformats.org/officeDocument/2006/relationships" xmlns:p="http://schemas.openxmlformats.org/presentationml/2006/main">
+  <p:cSld>
+    <p:spTree>
+      <p:nvGrpSpPr>
+        <p:cNvPr id="1" name=""/>
+        <p:cNvGrpSpPr/>
+        <p:nvPr/>
+      </p:nvGrpSpPr>
+      <p:grpSpPr>
+        <a:xfrm>
+          <a:off x="0" y="0"/>
+          <a:ext cx="0" cy="0"/>
+          <a:chOff x="0" y="0"/>
+          <a:chExt cx="0" cy="0"/>
+        </a:xfrm>
+      </p:grpSpPr>
+      <p:sp>
+        <p:nvSpPr>
+          <p:cNvPr id="2" name="Title 1"/>
+          <p:cNvSpPr>
+            <a:spLocks noGrp="1"/>
+          </p:cNvSpPr>
+          <p:nvPr>
+            <p:ph type="title"/>
+          </p:nvPr>
+        </p:nvSpPr>
+        <p:spPr/>
+        <p:txBody>
+          <a:bodyPr/>
+          <a:lstStyle/>
+          <a:p>
+            <a:pPr lvl="0" indent="0" marL="0">
+              <a:buNone/>
+            </a:pPr>
+            <a:r>
+              <a:rPr/>
+              <a:t>ICU</a:t>
+            </a:r>
+          </a:p>
+        </p:txBody>
+      </p:sp>
+      <p:sp>
+        <p:nvSpPr>
+          <p:cNvPr id="3" name="Content Placeholder 2"/>
+          <p:cNvSpPr>
+            <a:spLocks noGrp="1"/>
+          </p:cNvSpPr>
+          <p:nvPr>
+            <p:ph idx="1"/>
+          </p:nvPr>
+        </p:nvSpPr>
+        <p:spPr/>
+        <p:txBody>
+          <a:bodyPr/>
+          <a:lstStyle/>
+          <a:p>
+            <a:pPr lvl="0"/>
+            <a:r>
+              <a:rPr/>
+              <a:t>Catheter in bladder removed → make certain the bladder empties properly</a:t>
+            </a:r>
+          </a:p>
+          <a:p>
+            <a:pPr lvl="0"/>
+            <a:r>
+              <a:rPr/>
+              <a:t>Chest tube removed (day 2-4) → follow-up chest x-ray</a:t>
+            </a:r>
+          </a:p>
+          <a:p>
+            <a:pPr lvl="0"/>
+            <a:r>
+              <a:rPr/>
+              <a:t>Fluid emptied from drains every few hours</a:t>
+            </a:r>
+          </a:p>
+          <a:p>
+            <a:pPr lvl="0"/>
+            <a:r>
+              <a:rPr/>
+              <a:t>Start tube feedings by feeding</a:t>
+            </a:r>
+          </a:p>
+          <a:p>
+            <a:pPr lvl="0"/>
+            <a:r>
+              <a:rPr/>
+              <a:t>Feeding jejunostomy (stays in 8 weeks)</a:t>
+            </a:r>
+          </a:p>
+        </p:txBody>
+      </p:sp>
+    </p:spTree>
+  </p:cSld>
+</p:sld>
+</file>
+
+<file path=ppt/slides/slide28.xml><?xml version="1.0" encoding="utf-8"?>
+<p:sld xmlns:a="http://schemas.openxmlformats.org/drawingml/2006/main" xmlns:r="http://schemas.openxmlformats.org/officeDocument/2006/relationships" xmlns:p="http://schemas.openxmlformats.org/presentationml/2006/main">
+  <p:cSld>
+    <p:spTree>
+      <p:nvGrpSpPr>
+        <p:cNvPr id="1" name=""/>
+        <p:cNvGrpSpPr/>
+        <p:nvPr/>
+      </p:nvGrpSpPr>
+      <p:grpSpPr>
+        <a:xfrm>
+          <a:off x="0" y="0"/>
+          <a:ext cx="0" cy="0"/>
+          <a:chOff x="0" y="0"/>
+          <a:chExt cx="0" cy="0"/>
+        </a:xfrm>
+      </p:grpSpPr>
+      <p:sp>
+        <p:nvSpPr>
+          <p:cNvPr id="2" name="Title 1"/>
+          <p:cNvSpPr>
+            <a:spLocks noGrp="1"/>
+          </p:cNvSpPr>
+          <p:nvPr>
+            <p:ph type="title"/>
+          </p:nvPr>
+        </p:nvSpPr>
+        <p:spPr/>
+        <p:txBody>
+          <a:bodyPr/>
+          <a:lstStyle/>
+          <a:p>
+            <a:pPr lvl="0" indent="0" marL="0">
+              <a:buNone/>
+            </a:pPr>
+            <a:r>
+              <a:rPr/>
+              <a:t>Feeding Jejunostomy</a:t>
+            </a:r>
+          </a:p>
+        </p:txBody>
+      </p:sp>
+      <p:sp>
+        <p:nvSpPr>
+          <p:cNvPr id="3" name="Content Placeholder 2"/>
+          <p:cNvSpPr>
+            <a:spLocks noGrp="1"/>
+          </p:cNvSpPr>
+          <p:nvPr>
             <p:ph idx="1" sz="half"/>
           </p:nvPr>
         </p:nvSpPr>
@@ -6052,27 +5247,243 @@
           <a:bodyPr/>
           <a:lstStyle/>
           <a:p>
-            <a:pPr lvl="0" indent="0" marL="0">
-              <a:buNone/>
-            </a:pPr>
-            <a:r>
-              <a:rPr/>
-              <a:t>The </a:t>
-            </a:r>
-            <a:r>
-              <a:rPr i="1"/>
-              <a:t>Ivor Lewis</a:t>
-            </a:r>
-            <a:r>
-              <a:rPr/>
-              <a:t> esophagectomy, shown here, removes the lower 2/3 of the esophagus, the tumor, and the surrounding lymph nodes.</a:t>
+            <a:pPr lvl="0"/>
+            <a:r>
+              <a:rPr/>
+              <a:t>Feeding tube placed in small intestine</a:t>
+            </a:r>
+          </a:p>
+          <a:p>
+            <a:pPr lvl="0"/>
+            <a:r>
+              <a:rPr/>
+              <a:t>Pump feedings require 16 hours (overnight)</a:t>
+            </a:r>
+          </a:p>
+          <a:p>
+            <a:pPr lvl="0"/>
+            <a:r>
+              <a:rPr/>
+              <a:t>Run from 6pm to 10am</a:t>
             </a:r>
           </a:p>
         </p:txBody>
       </p:sp>
       <p:pic>
         <p:nvPicPr>
-          <p:cNvPr descr="https://deidt7p41jzcy.cloudfront.net/Eso_Resection2_ai.png" id="0" name="Picture 1"/>
+          <p:cNvPr descr="https://deidt7p41jzcy.cloudfront.net/jtubevideo_qr.png" id="0" name="Picture 1"/>
+          <p:cNvPicPr>
+            <a:picLocks noGrp="1" noChangeAspect="1"/>
+          </p:cNvPicPr>
+          <p:nvPr/>
+        </p:nvPicPr>
+        <p:blipFill>
+          <a:blip r:embed="rId2"/>
+          <a:stretch>
+            <a:fillRect/>
+          </a:stretch>
+        </p:blipFill>
+        <p:spPr bwMode="auto">
+          <a:xfrm>
+            <a:off x="4978400" y="1193800"/>
+            <a:ext cx="3390900" cy="3390900"/>
+          </a:xfrm>
+          <a:prstGeom prst="rect">
+            <a:avLst/>
+          </a:prstGeom>
+          <a:noFill/>
+          <a:ln w="9525">
+            <a:noFill/>
+            <a:headEnd/>
+            <a:tailEnd/>
+          </a:ln>
+        </p:spPr>
+      </p:pic>
+    </p:spTree>
+  </p:cSld>
+</p:sld>
+</file>
+
+<file path=ppt/slides/slide29.xml><?xml version="1.0" encoding="utf-8"?>
+<p:sld xmlns:a="http://schemas.openxmlformats.org/drawingml/2006/main" xmlns:r="http://schemas.openxmlformats.org/officeDocument/2006/relationships" xmlns:p="http://schemas.openxmlformats.org/presentationml/2006/main">
+  <p:cSld>
+    <p:spTree>
+      <p:nvGrpSpPr>
+        <p:cNvPr id="1" name=""/>
+        <p:cNvGrpSpPr/>
+        <p:nvPr/>
+      </p:nvGrpSpPr>
+      <p:grpSpPr>
+        <a:xfrm>
+          <a:off x="0" y="0"/>
+          <a:ext cx="0" cy="0"/>
+          <a:chOff x="0" y="0"/>
+          <a:chExt cx="0" cy="0"/>
+        </a:xfrm>
+      </p:grpSpPr>
+      <p:sp>
+        <p:nvSpPr>
+          <p:cNvPr id="2" name="Title 1"/>
+          <p:cNvSpPr>
+            <a:spLocks noGrp="1"/>
+          </p:cNvSpPr>
+          <p:nvPr>
+            <p:ph type="title"/>
+          </p:nvPr>
+        </p:nvSpPr>
+        <p:spPr/>
+        <p:txBody>
+          <a:bodyPr/>
+          <a:lstStyle/>
+          <a:p>
+            <a:pPr lvl="0" indent="0" marL="0">
+              <a:buNone/>
+            </a:pPr>
+            <a:r>
+              <a:rPr/>
+              <a:t>Activity</a:t>
+            </a:r>
+          </a:p>
+        </p:txBody>
+      </p:sp>
+      <p:sp>
+        <p:nvSpPr>
+          <p:cNvPr id="3" name="Content Placeholder 2"/>
+          <p:cNvSpPr>
+            <a:spLocks noGrp="1"/>
+          </p:cNvSpPr>
+          <p:nvPr>
+            <p:ph idx="1"/>
+          </p:nvPr>
+        </p:nvSpPr>
+        <p:spPr/>
+        <p:txBody>
+          <a:bodyPr/>
+          <a:lstStyle/>
+          <a:p>
+            <a:pPr lvl="0"/>
+            <a:r>
+              <a:rPr/>
+              <a:t>Up in chair most of the day</a:t>
+            </a:r>
+          </a:p>
+          <a:p>
+            <a:pPr lvl="0"/>
+            <a:r>
+              <a:rPr/>
+              <a:t>Walking in hallway with help from nurse/Physical Therapist</a:t>
+            </a:r>
+          </a:p>
+          <a:p>
+            <a:pPr lvl="0"/>
+            <a:r>
+              <a:rPr/>
+              <a:t>Goals:</a:t>
+            </a:r>
+          </a:p>
+          <a:p>
+            <a:pPr lvl="1"/>
+            <a:r>
+              <a:rPr/>
+              <a:t>Improve lung function</a:t>
+            </a:r>
+          </a:p>
+          <a:p>
+            <a:pPr lvl="1"/>
+            <a:r>
+              <a:rPr/>
+              <a:t>Prevent muscle loss</a:t>
+            </a:r>
+          </a:p>
+        </p:txBody>
+      </p:sp>
+    </p:spTree>
+  </p:cSld>
+</p:sld>
+</file>
+
+<file path=ppt/slides/slide3.xml><?xml version="1.0" encoding="utf-8"?>
+<p:sld xmlns:a="http://schemas.openxmlformats.org/drawingml/2006/main" xmlns:r="http://schemas.openxmlformats.org/officeDocument/2006/relationships" xmlns:p="http://schemas.openxmlformats.org/presentationml/2006/main">
+  <p:cSld>
+    <p:spTree>
+      <p:nvGrpSpPr>
+        <p:cNvPr id="1" name=""/>
+        <p:cNvGrpSpPr/>
+        <p:nvPr/>
+      </p:nvGrpSpPr>
+      <p:grpSpPr>
+        <a:xfrm>
+          <a:off x="0" y="0"/>
+          <a:ext cx="0" cy="0"/>
+          <a:chOff x="0" y="0"/>
+          <a:chExt cx="0" cy="0"/>
+        </a:xfrm>
+      </p:grpSpPr>
+      <p:sp>
+        <p:nvSpPr>
+          <p:cNvPr id="2" name="Title 1"/>
+          <p:cNvSpPr>
+            <a:spLocks noGrp="1"/>
+          </p:cNvSpPr>
+          <p:nvPr>
+            <p:ph type="title"/>
+          </p:nvPr>
+        </p:nvSpPr>
+        <p:spPr/>
+        <p:txBody>
+          <a:bodyPr/>
+          <a:lstStyle/>
+          <a:p>
+            <a:pPr lvl="0" indent="0" marL="0">
+              <a:buNone/>
+            </a:pPr>
+            <a:r>
+              <a:rPr/>
+              <a:t>Goals of Surgery</a:t>
+            </a:r>
+          </a:p>
+        </p:txBody>
+      </p:sp>
+      <p:sp>
+        <p:nvSpPr>
+          <p:cNvPr id="3" name="Content Placeholder 2"/>
+          <p:cNvSpPr>
+            <a:spLocks noGrp="1"/>
+          </p:cNvSpPr>
+          <p:nvPr>
+            <p:ph idx="1" sz="half"/>
+          </p:nvPr>
+        </p:nvSpPr>
+        <p:spPr/>
+        <p:txBody>
+          <a:bodyPr/>
+          <a:lstStyle/>
+          <a:p>
+            <a:pPr lvl="0"/>
+            <a:r>
+              <a:rPr/>
+              <a:t>Remove tumor from esophagus</a:t>
+            </a:r>
+          </a:p>
+          <a:p>
+            <a:pPr lvl="0"/>
+            <a:r>
+              <a:rPr/>
+              <a:t>Remove surrounding lymph nodes</a:t>
+            </a:r>
+          </a:p>
+          <a:p>
+            <a:pPr lvl="0"/>
+            <a:r>
+              <a:rPr/>
+              <a:t>Create a new esophagus</a:t>
+            </a:r>
+          </a:p>
+        </p:txBody>
+      </p:sp>
+      <p:pic>
+        <p:nvPicPr>
+          <p:cNvPr descr="https://deidt7p41jzcy.cloudfront.net/Eso_Resection1_ai.png" id="0" name="Picture 1"/>
           <p:cNvPicPr>
             <a:picLocks noGrp="1" noChangeAspect="1"/>
           </p:cNvPicPr>
@@ -6105,7 +5516,7 @@
 </p:sld>
 </file>
 
-<file path=ppt/slides/slide40.xml><?xml version="1.0" encoding="utf-8"?>
+<file path=ppt/slides/slide30.xml><?xml version="1.0" encoding="utf-8"?>
 <p:sld xmlns:a="http://schemas.openxmlformats.org/drawingml/2006/main" xmlns:r="http://schemas.openxmlformats.org/officeDocument/2006/relationships" xmlns:p="http://schemas.openxmlformats.org/presentationml/2006/main">
   <p:cSld>
     <p:spTree>
@@ -6142,7 +5553,7 @@
             </a:pPr>
             <a:r>
               <a:rPr/>
-              <a:t>Anesthesia</a:t>
+              <a:t>Discharge</a:t>
             </a:r>
           </a:p>
         </p:txBody>
@@ -6167,35 +5578,35 @@
             </a:pPr>
             <a:r>
               <a:rPr/>
-              <a:t>Epidural catheter for pain control</a:t>
+              <a:t>Goal: Ready to leave hospital day #6/7 after surgery</a:t>
             </a:r>
           </a:p>
           <a:p>
             <a:pPr lvl="0"/>
             <a:r>
               <a:rPr/>
-              <a:t>Remains in place for 2-5 days</a:t>
+              <a:t>Tube feeds at night (6pm to 10am)</a:t>
             </a:r>
           </a:p>
           <a:p>
             <a:pPr lvl="0"/>
             <a:r>
               <a:rPr/>
-              <a:t>Dose can be adjusted as needed</a:t>
-            </a:r>
-          </a:p>
-          <a:p>
-            <a:pPr lvl="0"/>
-            <a:r>
-              <a:rPr/>
-              <a:t>Can make it more difficult to empty the bladder</a:t>
-            </a:r>
-          </a:p>
-          <a:p>
-            <a:pPr lvl="0"/>
-            <a:r>
-              <a:rPr/>
-              <a:t>May require foley (bladder) catheter to stay in place until epidural</a:t>
+              <a:t>Protein shakes by mouth (70% of patients)</a:t>
+            </a:r>
+          </a:p>
+          <a:p>
+            <a:pPr lvl="1"/>
+            <a:r>
+              <a:rPr/>
+              <a:t>4oz every 2 hours</a:t>
+            </a:r>
+          </a:p>
+          <a:p>
+            <a:pPr lvl="1"/>
+            <a:r>
+              <a:rPr/>
+              <a:t>Water by mouth 2 oz at a time Water through feeding tube (8oz 4x/day)</a:t>
             </a:r>
           </a:p>
         </p:txBody>
@@ -6205,7 +5616,7 @@
 </p:sld>
 </file>
 
-<file path=ppt/slides/slide41.xml><?xml version="1.0" encoding="utf-8"?>
+<file path=ppt/slides/slide31.xml><?xml version="1.0" encoding="utf-8"?>
 <p:sld xmlns:a="http://schemas.openxmlformats.org/drawingml/2006/main" xmlns:r="http://schemas.openxmlformats.org/officeDocument/2006/relationships" xmlns:p="http://schemas.openxmlformats.org/presentationml/2006/main">
   <p:cSld>
     <p:spTree>
@@ -6222,90 +5633,12 @@
           <a:chExt cx="0" cy="0"/>
         </a:xfrm>
       </p:grpSpPr>
-      <p:sp>
-        <p:nvSpPr>
-          <p:cNvPr id="2" name="Title 1"/>
-          <p:cNvSpPr>
-            <a:spLocks noGrp="1"/>
-          </p:cNvSpPr>
-          <p:nvPr>
-            <p:ph type="title"/>
-          </p:nvPr>
-        </p:nvSpPr>
-        <p:spPr/>
-        <p:txBody>
-          <a:bodyPr/>
-          <a:lstStyle/>
-          <a:p>
-            <a:pPr lvl="0" indent="0" marL="0">
-              <a:buNone/>
-            </a:pPr>
-            <a:r>
-              <a:rPr/>
-              <a:t>Intensive Care Unit (1-2 days)</a:t>
-            </a:r>
-          </a:p>
-        </p:txBody>
-      </p:sp>
-      <p:sp>
-        <p:nvSpPr>
-          <p:cNvPr id="3" name="Content Placeholder 2"/>
-          <p:cNvSpPr>
-            <a:spLocks noGrp="1"/>
-          </p:cNvSpPr>
-          <p:nvPr>
-            <p:ph idx="1"/>
-          </p:nvPr>
-        </p:nvSpPr>
-        <p:spPr/>
-        <p:txBody>
-          <a:bodyPr/>
-          <a:lstStyle/>
-          <a:p>
-            <a:pPr lvl="0" indent="0" marL="0">
-              <a:buNone/>
-            </a:pPr>
-            <a:r>
-              <a:rPr/>
-              <a:t>Multiple lines and tubes:</a:t>
-            </a:r>
-          </a:p>
-          <a:p>
-            <a:pPr lvl="0"/>
-            <a:r>
-              <a:rPr/>
-              <a:t>NG tube in nose (stays in 2-7 days)</a:t>
-            </a:r>
-          </a:p>
-          <a:p>
-            <a:pPr lvl="0"/>
-            <a:r>
-              <a:rPr/>
-              <a:t>Catheter in bladder (2-5 days)</a:t>
-            </a:r>
-          </a:p>
-          <a:p>
-            <a:pPr lvl="0"/>
-            <a:r>
-              <a:rPr/>
-              <a:t>Chest tube right chest (2-4 days)</a:t>
-            </a:r>
-          </a:p>
-          <a:p>
-            <a:pPr lvl="0"/>
-            <a:r>
-              <a:rPr/>
-              <a:t>Abdominal drains (2 or 3)</a:t>
-            </a:r>
-          </a:p>
-        </p:txBody>
-      </p:sp>
     </p:spTree>
   </p:cSld>
 </p:sld>
 </file>
 
-<file path=ppt/slides/slide42.xml><?xml version="1.0" encoding="utf-8"?>
+<file path=ppt/slides/slide4.xml><?xml version="1.0" encoding="utf-8"?>
 <p:sld xmlns:a="http://schemas.openxmlformats.org/drawingml/2006/main" xmlns:r="http://schemas.openxmlformats.org/officeDocument/2006/relationships" xmlns:p="http://schemas.openxmlformats.org/presentationml/2006/main">
   <p:cSld>
     <p:spTree>
@@ -6342,7 +5675,7 @@
             </a:pPr>
             <a:r>
               <a:rPr/>
-              <a:t>ICU</a:t>
+              <a:t>Resection</a:t>
             </a:r>
           </a:p>
         </p:txBody>
@@ -6354,72 +5687,62 @@
             <a:spLocks noGrp="1"/>
           </p:cNvSpPr>
           <p:nvPr>
-            <p:ph idx="1"/>
-          </p:nvPr>
-        </p:nvSpPr>
-        <p:spPr/>
-        <p:txBody>
-          <a:bodyPr/>
-          <a:lstStyle/>
-          <a:p>
-            <a:pPr lvl="0"/>
-            <a:r>
-              <a:rPr/>
-              <a:t>Catheter in bladder removed → check to make certain the bladder empties properly</a:t>
-            </a:r>
-          </a:p>
-          <a:p>
-            <a:pPr lvl="0"/>
-            <a:r>
-              <a:rPr/>
-              <a:t>Chest tube removed (day 2-4) → follow-up chest x-ray</a:t>
-            </a:r>
-          </a:p>
-          <a:p>
-            <a:pPr lvl="0"/>
-            <a:r>
-              <a:rPr/>
-              <a:t>Fluid emptied from drains every few hours</a:t>
-            </a:r>
-          </a:p>
-          <a:p>
-            <a:pPr lvl="0"/>
-            <a:r>
-              <a:rPr/>
-              <a:t>Start tube feedings by feeding</a:t>
-            </a:r>
-          </a:p>
-          <a:p>
-            <a:pPr lvl="0"/>
-            <a:r>
-              <a:rPr/>
-              <a:t>Feeding jejunostomy (stays in 8 weeks()</a:t>
-            </a:r>
-          </a:p>
-        </p:txBody>
-      </p:sp>
-    </p:spTree>
-  </p:cSld>
-</p:sld>
-</file>
-
-<file path=ppt/slides/slide43.xml><?xml version="1.0" encoding="utf-8"?>
-<p:sld xmlns:a="http://schemas.openxmlformats.org/drawingml/2006/main" xmlns:r="http://schemas.openxmlformats.org/officeDocument/2006/relationships" xmlns:p="http://schemas.openxmlformats.org/presentationml/2006/main">
-  <p:cSld>
-    <p:spTree>
-      <p:nvGrpSpPr>
-        <p:cNvPr id="1" name=""/>
-        <p:cNvGrpSpPr/>
-        <p:nvPr/>
-      </p:nvGrpSpPr>
-      <p:grpSpPr>
-        <a:xfrm>
-          <a:off x="0" y="0"/>
-          <a:ext cx="0" cy="0"/>
-          <a:chOff x="0" y="0"/>
-          <a:chExt cx="0" cy="0"/>
-        </a:xfrm>
-      </p:grpSpPr>
+            <p:ph idx="1" sz="half"/>
+          </p:nvPr>
+        </p:nvSpPr>
+        <p:spPr/>
+        <p:txBody>
+          <a:bodyPr/>
+          <a:lstStyle/>
+          <a:p>
+            <a:pPr lvl="0" indent="0" marL="0">
+              <a:buNone/>
+            </a:pPr>
+            <a:r>
+              <a:rPr/>
+              <a:t>The </a:t>
+            </a:r>
+            <a:r>
+              <a:rPr i="1"/>
+              <a:t>Ivor Lewis</a:t>
+            </a:r>
+            <a:r>
+              <a:rPr/>
+              <a:t> esophagectomy, shown here, removes the lower 2/3 of the esophagus, the tumor, and the surrounding lymph nodes.</a:t>
+            </a:r>
+          </a:p>
+        </p:txBody>
+      </p:sp>
+      <p:pic>
+        <p:nvPicPr>
+          <p:cNvPr descr="https://deidt7p41jzcy.cloudfront.net/Eso_Resection2_ai.png" id="0" name="Picture 1"/>
+          <p:cNvPicPr>
+            <a:picLocks noGrp="1" noChangeAspect="1"/>
+          </p:cNvPicPr>
+          <p:nvPr/>
+        </p:nvPicPr>
+        <p:blipFill>
+          <a:blip r:embed="rId2"/>
+          <a:stretch>
+            <a:fillRect/>
+          </a:stretch>
+        </p:blipFill>
+        <p:spPr bwMode="auto">
+          <a:xfrm>
+            <a:off x="5016500" y="1193800"/>
+            <a:ext cx="3302000" cy="3390900"/>
+          </a:xfrm>
+          <a:prstGeom prst="rect">
+            <a:avLst/>
+          </a:prstGeom>
+          <a:noFill/>
+          <a:ln w="9525">
+            <a:noFill/>
+            <a:headEnd/>
+            <a:tailEnd/>
+          </a:ln>
+        </p:spPr>
+      </p:pic>
     </p:spTree>
   </p:cSld>
 </p:sld>
@@ -6679,43 +6002,61 @@
           </a:p>
         </p:txBody>
       </p:sp>
-      <p:sp>
-        <p:nvSpPr>
-          <p:cNvPr id="3" name="Content Placeholder 2"/>
-          <p:cNvSpPr>
-            <a:spLocks noGrp="1"/>
-          </p:cNvSpPr>
-          <p:nvPr>
-            <p:ph idx="1" sz="half"/>
-          </p:nvPr>
-        </p:nvSpPr>
-        <p:spPr/>
-        <p:txBody>
-          <a:bodyPr/>
-          <a:lstStyle/>
-          <a:p>
-            <a:pPr lvl="0"/>
-            <a:r>
-              <a:rPr/>
-              <a:t>Small incisions in the abdomen and chest</a:t>
-            </a:r>
-          </a:p>
-          <a:p>
-            <a:pPr lvl="0"/>
-            <a:r>
-              <a:rPr/>
-              <a:t>Surgical telescope and instruments inserged</a:t>
-            </a:r>
-          </a:p>
-          <a:p>
-            <a:pPr lvl="0"/>
-            <a:r>
-              <a:rPr/>
-              <a:t>The smaller incisions mean faster recovery and less discomfort</a:t>
-            </a:r>
-          </a:p>
-        </p:txBody>
-      </p:sp>
+      <mc:AlternateContent xmlns:mc="http://schemas.openxmlformats.org/markup-compatibility/2006">
+        <mc:Choice xmlns:a14="http://schemas.microsoft.com/office/drawing/2010/main" Requires="a14">
+          <p:sp>
+            <p:nvSpPr>
+              <p:cNvPr id="3" name="Content Placeholder 2"/>
+              <p:cNvSpPr>
+                <a:spLocks noGrp="1"/>
+              </p:cNvSpPr>
+              <p:nvPr>
+                <p:ph idx="1" sz="half"/>
+              </p:nvPr>
+            </p:nvSpPr>
+            <p:spPr/>
+            <p:txBody>
+              <a:bodyPr/>
+              <a:lstStyle/>
+              <a:p>
+                <a:pPr lvl="0"/>
+                <a:r>
+                  <a:rPr/>
+                  <a:t>Small incisions abdomen and chest</a:t>
+                </a:r>
+              </a:p>
+              <a:p>
+                <a:pPr lvl="0"/>
+                <a:r>
+                  <a:rPr/>
+                  <a:t>Surgical telescope and instruments</a:t>
+                </a:r>
+              </a:p>
+              <a:p>
+                <a:pPr lvl="0"/>
+                <a:r>
+                  <a:rPr/>
+                  <a:t>Smaller incisions </a:t>
+                </a:r>
+                <a14:m>
+                  <m:oMath xmlns:m="http://schemas.openxmlformats.org/officeDocument/2006/math">
+                    <m:r>
+                      <m:rPr>
+                        <m:sty m:val="p"/>
+                      </m:rPr>
+                      <m:t>→</m:t>
+                    </m:r>
+                  </m:oMath>
+                </a14:m>
+                <a:r>
+                  <a:rPr/>
+                  <a:t> faster recovery and less discomfort</a:t>
+                </a:r>
+              </a:p>
+            </p:txBody>
+          </p:sp>
+        </mc:Choice>
+      </mc:AlternateContent>
       <p:pic>
         <p:nvPicPr>
           <p:cNvPr descr="https://deidt7p41jzcy.cloudfront.net/MIE_IvorLewisArtboard.png" id="0" name="Picture 1"/>

--- a/lci_surgery.pptx
+++ b/lci_surgery.pptx
@@ -332,7 +332,7 @@
           <a:p>
             <a:fld id="{241EB5C9-1307-BA42-ABA2-0BC069CD8E7F}" type="datetimeFigureOut">
               <a:rPr lang="en-US" smtClean="0"/>
-              <a:t>1/2/22</a:t>
+              <a:t>11/14/24</a:t>
             </a:fld>
             <a:endParaRPr lang="en-US"/>
           </a:p>
@@ -500,7 +500,7 @@
           <a:p>
             <a:fld id="{241EB5C9-1307-BA42-ABA2-0BC069CD8E7F}" type="datetimeFigureOut">
               <a:rPr lang="en-US" smtClean="0"/>
-              <a:t>1/2/22</a:t>
+              <a:t>11/14/24</a:t>
             </a:fld>
             <a:endParaRPr lang="en-US"/>
           </a:p>
@@ -678,7 +678,7 @@
           <a:p>
             <a:fld id="{241EB5C9-1307-BA42-ABA2-0BC069CD8E7F}" type="datetimeFigureOut">
               <a:rPr lang="en-US" smtClean="0"/>
-              <a:t>1/2/22</a:t>
+              <a:t>11/14/24</a:t>
             </a:fld>
             <a:endParaRPr lang="en-US"/>
           </a:p>
@@ -730,6 +730,315 @@
     <p:extLst>
       <p:ext uri="{BB962C8B-B14F-4D97-AF65-F5344CB8AC3E}">
         <p14:creationId xmlns:p14="http://schemas.microsoft.com/office/powerpoint/2010/main" val="2581529045"/>
+      </p:ext>
+    </p:extLst>
+  </p:cSld>
+  <p:clrMapOvr>
+    <a:masterClrMapping/>
+  </p:clrMapOvr>
+</p:sldLayout>
+</file>
+
+<file path=ppt/slideLayouts/slideLayout12.xml><?xml version="1.0" encoding="utf-8"?>
+<p:sldLayout xmlns:a="http://schemas.openxmlformats.org/drawingml/2006/main" xmlns:r="http://schemas.openxmlformats.org/officeDocument/2006/relationships" xmlns:p="http://schemas.openxmlformats.org/presentationml/2006/main" type="vertTitleAndTx" preserve="1">
+  <p:cSld name="1_Vertical Title and Text">
+    <p:spTree>
+      <p:nvGrpSpPr>
+        <p:cNvPr id="1" name=""/>
+        <p:cNvGrpSpPr/>
+        <p:nvPr/>
+      </p:nvGrpSpPr>
+      <p:grpSpPr>
+        <a:xfrm>
+          <a:off x="0" y="0"/>
+          <a:ext cx="0" cy="0"/>
+          <a:chOff x="0" y="0"/>
+          <a:chExt cx="0" cy="0"/>
+        </a:xfrm>
+      </p:grpSpPr>
+      <p:sp>
+        <p:nvSpPr>
+          <p:cNvPr id="2" name="Vertical Title 1"/>
+          <p:cNvSpPr>
+            <a:spLocks noGrp="1"/>
+          </p:cNvSpPr>
+          <p:nvPr>
+            <p:ph type="title" orient="vert"/>
+          </p:nvPr>
+        </p:nvSpPr>
+        <p:spPr>
+          <a:xfrm>
+            <a:off x="6629400" y="205979"/>
+            <a:ext cx="2057400" cy="4388644"/>
+          </a:xfrm>
+        </p:spPr>
+        <p:txBody>
+          <a:bodyPr vert="eaVert"/>
+          <a:lstStyle/>
+          <a:p>
+            <a:r>
+              <a:rPr lang="en-US"/>
+              <a:t>Click to edit Master title style</a:t>
+            </a:r>
+          </a:p>
+        </p:txBody>
+      </p:sp>
+      <p:sp>
+        <p:nvSpPr>
+          <p:cNvPr id="3" name="Vertical Text Placeholder 2"/>
+          <p:cNvSpPr>
+            <a:spLocks noGrp="1"/>
+          </p:cNvSpPr>
+          <p:nvPr>
+            <p:ph type="body" orient="vert" idx="1"/>
+          </p:nvPr>
+        </p:nvSpPr>
+        <p:spPr>
+          <a:xfrm>
+            <a:off x="457200" y="205979"/>
+            <a:ext cx="6019800" cy="4388644"/>
+          </a:xfrm>
+        </p:spPr>
+        <p:txBody>
+          <a:bodyPr vert="eaVert"/>
+          <a:lstStyle/>
+          <a:p>
+            <a:pPr lvl="0"/>
+            <a:r>
+              <a:rPr lang="en-US"/>
+              <a:t>Click to edit Master text styles</a:t>
+            </a:r>
+          </a:p>
+          <a:p>
+            <a:pPr lvl="1"/>
+            <a:r>
+              <a:rPr lang="en-US"/>
+              <a:t>Second level</a:t>
+            </a:r>
+          </a:p>
+          <a:p>
+            <a:pPr lvl="2"/>
+            <a:r>
+              <a:rPr lang="en-US"/>
+              <a:t>Third level</a:t>
+            </a:r>
+          </a:p>
+          <a:p>
+            <a:pPr lvl="3"/>
+            <a:r>
+              <a:rPr lang="en-US"/>
+              <a:t>Fourth level</a:t>
+            </a:r>
+          </a:p>
+          <a:p>
+            <a:pPr lvl="4"/>
+            <a:r>
+              <a:rPr lang="en-US"/>
+              <a:t>Fifth level</a:t>
+            </a:r>
+          </a:p>
+        </p:txBody>
+      </p:sp>
+      <p:sp>
+        <p:nvSpPr>
+          <p:cNvPr id="4" name="Date Placeholder 3"/>
+          <p:cNvSpPr>
+            <a:spLocks noGrp="1"/>
+          </p:cNvSpPr>
+          <p:nvPr>
+            <p:ph type="dt" sz="half" idx="10"/>
+          </p:nvPr>
+        </p:nvSpPr>
+        <p:spPr/>
+        <p:txBody>
+          <a:bodyPr/>
+          <a:lstStyle/>
+          <a:p>
+            <a:fld id="{241EB5C9-1307-BA42-ABA2-0BC069CD8E7F}" type="datetimeFigureOut">
+              <a:rPr lang="en-US" smtClean="0"/>
+              <a:t>11/14/24</a:t>
+            </a:fld>
+            <a:endParaRPr lang="en-US"/>
+          </a:p>
+        </p:txBody>
+      </p:sp>
+      <p:sp>
+        <p:nvSpPr>
+          <p:cNvPr id="5" name="Footer Placeholder 4"/>
+          <p:cNvSpPr>
+            <a:spLocks noGrp="1"/>
+          </p:cNvSpPr>
+          <p:nvPr>
+            <p:ph type="ftr" sz="quarter" idx="11"/>
+          </p:nvPr>
+        </p:nvSpPr>
+        <p:spPr/>
+        <p:txBody>
+          <a:bodyPr/>
+          <a:lstStyle/>
+          <a:p>
+            <a:endParaRPr lang="en-US"/>
+          </a:p>
+        </p:txBody>
+      </p:sp>
+      <p:sp>
+        <p:nvSpPr>
+          <p:cNvPr id="6" name="Slide Number Placeholder 5"/>
+          <p:cNvSpPr>
+            <a:spLocks noGrp="1"/>
+          </p:cNvSpPr>
+          <p:nvPr>
+            <p:ph type="sldNum" sz="quarter" idx="12"/>
+          </p:nvPr>
+        </p:nvSpPr>
+        <p:spPr/>
+        <p:txBody>
+          <a:bodyPr/>
+          <a:lstStyle/>
+          <a:p>
+            <a:fld id="{C5EF2332-01BF-834F-8236-50238282D533}" type="slidenum">
+              <a:rPr lang="en-US" smtClean="0"/>
+              <a:t>‹#›</a:t>
+            </a:fld>
+            <a:endParaRPr lang="en-US"/>
+          </a:p>
+        </p:txBody>
+      </p:sp>
+      <p:graphicFrame>
+        <p:nvGraphicFramePr>
+          <p:cNvPr id="7" name="Table 6">
+            <a:extLst>
+              <a:ext uri="{FF2B5EF4-FFF2-40B4-BE49-F238E27FC236}">
+                <a16:creationId xmlns:a16="http://schemas.microsoft.com/office/drawing/2014/main" id="{40E5F148-B214-9ED5-96D2-C8C952B333EC}"/>
+              </a:ext>
+            </a:extLst>
+          </p:cNvPr>
+          <p:cNvGraphicFramePr>
+            <a:graphicFrameLocks noGrp="1"/>
+          </p:cNvGraphicFramePr>
+          <p:nvPr userDrawn="1">
+            <p:extLst>
+              <p:ext uri="{D42A27DB-BD31-4B8C-83A1-F6EECF244321}">
+                <p14:modId xmlns:p14="http://schemas.microsoft.com/office/powerpoint/2010/main" val="1121345573"/>
+              </p:ext>
+            </p:extLst>
+          </p:nvPr>
+        </p:nvGraphicFramePr>
+        <p:xfrm>
+          <a:off x="1524000" y="539750"/>
+          <a:ext cx="6096000" cy="914400"/>
+        </p:xfrm>
+        <a:graphic>
+          <a:graphicData uri="http://schemas.openxmlformats.org/drawingml/2006/table">
+            <a:tbl>
+              <a:tblPr firstRow="1" bandRow="1">
+                <a:tableStyleId>{69012ECD-51FC-41F1-AA8D-1B2483CD663E}</a:tableStyleId>
+              </a:tblPr>
+              <a:tblGrid>
+                <a:gridCol w="2032000">
+                  <a:extLst>
+                    <a:ext uri="{9D8B030D-6E8A-4147-A177-3AD203B41FA5}">
+                      <a16:colId xmlns:a16="http://schemas.microsoft.com/office/drawing/2014/main" val="271011269"/>
+                    </a:ext>
+                  </a:extLst>
+                </a:gridCol>
+                <a:gridCol w="2032000">
+                  <a:extLst>
+                    <a:ext uri="{9D8B030D-6E8A-4147-A177-3AD203B41FA5}">
+                      <a16:colId xmlns:a16="http://schemas.microsoft.com/office/drawing/2014/main" val="2080703046"/>
+                    </a:ext>
+                  </a:extLst>
+                </a:gridCol>
+                <a:gridCol w="2032000">
+                  <a:extLst>
+                    <a:ext uri="{9D8B030D-6E8A-4147-A177-3AD203B41FA5}">
+                      <a16:colId xmlns:a16="http://schemas.microsoft.com/office/drawing/2014/main" val="1138284043"/>
+                    </a:ext>
+                  </a:extLst>
+                </a:gridCol>
+              </a:tblGrid>
+              <a:tr h="370840">
+                <a:tc>
+                  <a:txBody>
+                    <a:bodyPr/>
+                    <a:lstStyle/>
+                    <a:p>
+                      <a:endParaRPr lang="en-US" sz="2400" dirty="0"/>
+                    </a:p>
+                  </a:txBody>
+                  <a:tcPr/>
+                </a:tc>
+                <a:tc>
+                  <a:txBody>
+                    <a:bodyPr/>
+                    <a:lstStyle/>
+                    <a:p>
+                      <a:endParaRPr lang="en-US" sz="2400" dirty="0"/>
+                    </a:p>
+                  </a:txBody>
+                  <a:tcPr/>
+                </a:tc>
+                <a:tc>
+                  <a:txBody>
+                    <a:bodyPr/>
+                    <a:lstStyle/>
+                    <a:p>
+                      <a:endParaRPr lang="en-US" sz="2400"/>
+                    </a:p>
+                  </a:txBody>
+                  <a:tcPr/>
+                </a:tc>
+                <a:extLst>
+                  <a:ext uri="{0D108BD9-81ED-4DB2-BD59-A6C34878D82A}">
+                    <a16:rowId xmlns:a16="http://schemas.microsoft.com/office/drawing/2014/main" val="769229322"/>
+                  </a:ext>
+                </a:extLst>
+              </a:tr>
+              <a:tr h="370840">
+                <a:tc>
+                  <a:txBody>
+                    <a:bodyPr/>
+                    <a:lstStyle/>
+                    <a:p>
+                      <a:endParaRPr lang="en-US" sz="2400"/>
+                    </a:p>
+                  </a:txBody>
+                  <a:tcPr/>
+                </a:tc>
+                <a:tc>
+                  <a:txBody>
+                    <a:bodyPr/>
+                    <a:lstStyle/>
+                    <a:p>
+                      <a:endParaRPr lang="en-US" sz="2400" dirty="0"/>
+                    </a:p>
+                  </a:txBody>
+                  <a:tcPr/>
+                </a:tc>
+                <a:tc>
+                  <a:txBody>
+                    <a:bodyPr/>
+                    <a:lstStyle/>
+                    <a:p>
+                      <a:endParaRPr lang="en-US" sz="2400" dirty="0"/>
+                    </a:p>
+                  </a:txBody>
+                  <a:tcPr/>
+                </a:tc>
+                <a:extLst>
+                  <a:ext uri="{0D108BD9-81ED-4DB2-BD59-A6C34878D82A}">
+                    <a16:rowId xmlns:a16="http://schemas.microsoft.com/office/drawing/2014/main" val="184196425"/>
+                  </a:ext>
+                </a:extLst>
+              </a:tr>
+            </a:tbl>
+          </a:graphicData>
+        </a:graphic>
+      </p:graphicFrame>
+    </p:spTree>
+    <p:extLst>
+      <p:ext uri="{BB962C8B-B14F-4D97-AF65-F5344CB8AC3E}">
+        <p14:creationId xmlns:p14="http://schemas.microsoft.com/office/powerpoint/2010/main" val="2939788966"/>
       </p:ext>
     </p:extLst>
   </p:cSld>
@@ -791,39 +1100,49 @@
         <p:spPr/>
         <p:txBody>
           <a:bodyPr/>
-          <a:lstStyle/>
+          <a:lstStyle>
+            <a:lvl1pPr>
+              <a:defRPr sz="2800"/>
+            </a:lvl1pPr>
+            <a:lvl2pPr>
+              <a:defRPr sz="2800"/>
+            </a:lvl2pPr>
+            <a:lvl3pPr>
+              <a:defRPr sz="2400"/>
+            </a:lvl3pPr>
+          </a:lstStyle>
           <a:p>
             <a:pPr lvl="0"/>
             <a:r>
-              <a:rPr lang="en-US"/>
+              <a:rPr lang="en-US" dirty="0"/>
               <a:t>Click to edit Master text styles</a:t>
             </a:r>
           </a:p>
           <a:p>
             <a:pPr lvl="1"/>
             <a:r>
-              <a:rPr lang="en-US"/>
+              <a:rPr lang="en-US" dirty="0"/>
               <a:t>Second level</a:t>
             </a:r>
           </a:p>
           <a:p>
             <a:pPr lvl="2"/>
             <a:r>
-              <a:rPr lang="en-US"/>
+              <a:rPr lang="en-US" dirty="0"/>
               <a:t>Third level</a:t>
             </a:r>
           </a:p>
           <a:p>
             <a:pPr lvl="3"/>
             <a:r>
-              <a:rPr lang="en-US"/>
+              <a:rPr lang="en-US" dirty="0"/>
               <a:t>Fourth level</a:t>
             </a:r>
           </a:p>
           <a:p>
             <a:pPr lvl="4"/>
             <a:r>
-              <a:rPr lang="en-US"/>
+              <a:rPr lang="en-US" dirty="0"/>
               <a:t>Fifth level</a:t>
             </a:r>
           </a:p>
@@ -846,7 +1165,7 @@
           <a:p>
             <a:fld id="{241EB5C9-1307-BA42-ABA2-0BC069CD8E7F}" type="datetimeFigureOut">
               <a:rPr lang="en-US" smtClean="0"/>
-              <a:t>1/2/22</a:t>
+              <a:t>11/14/24</a:t>
             </a:fld>
             <a:endParaRPr lang="en-US"/>
           </a:p>
@@ -904,6 +1223,22 @@
   <p:clrMapOvr>
     <a:masterClrMapping/>
   </p:clrMapOvr>
+  <p:extLst>
+    <p:ext uri="{DCECCB84-F9BA-43D5-87BE-67443E8EF086}">
+      <p15:sldGuideLst xmlns:p15="http://schemas.microsoft.com/office/powerpoint/2012/main">
+        <p15:guide id="1" orient="horz" pos="1620" userDrawn="1">
+          <p15:clr>
+            <a:srgbClr val="FBAE40"/>
+          </p15:clr>
+        </p15:guide>
+        <p15:guide id="2" pos="2880" userDrawn="1">
+          <p15:clr>
+            <a:srgbClr val="FBAE40"/>
+          </p15:clr>
+        </p15:guide>
+      </p15:sldGuideLst>
+    </p:ext>
+  </p:extLst>
 </p:sldLayout>
 </file>
 
@@ -1091,7 +1426,7 @@
           <a:p>
             <a:fld id="{241EB5C9-1307-BA42-ABA2-0BC069CD8E7F}" type="datetimeFigureOut">
               <a:rPr lang="en-US" smtClean="0"/>
-              <a:t>1/2/22</a:t>
+              <a:t>11/14/24</a:t>
             </a:fld>
             <a:endParaRPr lang="en-US"/>
           </a:p>
@@ -1211,7 +1546,7 @@
           <a:bodyPr/>
           <a:lstStyle>
             <a:lvl1pPr>
-              <a:defRPr sz="2100"/>
+              <a:defRPr sz="2400"/>
             </a:lvl1pPr>
             <a:lvl2pPr>
               <a:defRPr sz="1800"/>
@@ -1241,35 +1576,35 @@
           <a:p>
             <a:pPr lvl="0"/>
             <a:r>
-              <a:rPr lang="en-US"/>
+              <a:rPr lang="en-US" dirty="0"/>
               <a:t>Click to edit Master text styles</a:t>
             </a:r>
           </a:p>
           <a:p>
             <a:pPr lvl="1"/>
             <a:r>
-              <a:rPr lang="en-US"/>
+              <a:rPr lang="en-US" dirty="0"/>
               <a:t>Second level</a:t>
             </a:r>
           </a:p>
           <a:p>
             <a:pPr lvl="2"/>
             <a:r>
-              <a:rPr lang="en-US"/>
+              <a:rPr lang="en-US" dirty="0"/>
               <a:t>Third level</a:t>
             </a:r>
           </a:p>
           <a:p>
             <a:pPr lvl="3"/>
             <a:r>
-              <a:rPr lang="en-US"/>
+              <a:rPr lang="en-US" dirty="0"/>
               <a:t>Fourth level</a:t>
             </a:r>
           </a:p>
           <a:p>
             <a:pPr lvl="4"/>
             <a:r>
-              <a:rPr lang="en-US"/>
+              <a:rPr lang="en-US" dirty="0"/>
               <a:t>Fifth level</a:t>
             </a:r>
           </a:p>
@@ -1295,7 +1630,7 @@
           <a:bodyPr/>
           <a:lstStyle>
             <a:lvl1pPr>
-              <a:defRPr sz="2100"/>
+              <a:defRPr sz="2400"/>
             </a:lvl1pPr>
             <a:lvl2pPr>
               <a:defRPr sz="1800"/>
@@ -1325,35 +1660,35 @@
           <a:p>
             <a:pPr lvl="0"/>
             <a:r>
-              <a:rPr lang="en-US"/>
+              <a:rPr lang="en-US" dirty="0"/>
               <a:t>Click to edit Master text styles</a:t>
             </a:r>
           </a:p>
           <a:p>
             <a:pPr lvl="1"/>
             <a:r>
-              <a:rPr lang="en-US"/>
+              <a:rPr lang="en-US" dirty="0"/>
               <a:t>Second level</a:t>
             </a:r>
           </a:p>
           <a:p>
             <a:pPr lvl="2"/>
             <a:r>
-              <a:rPr lang="en-US"/>
+              <a:rPr lang="en-US" dirty="0"/>
               <a:t>Third level</a:t>
             </a:r>
           </a:p>
           <a:p>
             <a:pPr lvl="3"/>
             <a:r>
-              <a:rPr lang="en-US"/>
+              <a:rPr lang="en-US" dirty="0"/>
               <a:t>Fourth level</a:t>
             </a:r>
           </a:p>
           <a:p>
             <a:pPr lvl="4"/>
             <a:r>
-              <a:rPr lang="en-US"/>
+              <a:rPr lang="en-US" dirty="0"/>
               <a:t>Fifth level</a:t>
             </a:r>
           </a:p>
@@ -1376,7 +1711,7 @@
           <a:p>
             <a:fld id="{241EB5C9-1307-BA42-ABA2-0BC069CD8E7F}" type="datetimeFigureOut">
               <a:rPr lang="en-US" smtClean="0"/>
-              <a:t>1/2/22</a:t>
+              <a:t>11/14/24</a:t>
             </a:fld>
             <a:endParaRPr lang="en-US"/>
           </a:p>
@@ -1795,7 +2130,7 @@
           <a:p>
             <a:fld id="{241EB5C9-1307-BA42-ABA2-0BC069CD8E7F}" type="datetimeFigureOut">
               <a:rPr lang="en-US" smtClean="0"/>
-              <a:t>1/2/22</a:t>
+              <a:t>11/14/24</a:t>
             </a:fld>
             <a:endParaRPr lang="en-US"/>
           </a:p>
@@ -1912,7 +2247,7 @@
           <a:p>
             <a:fld id="{241EB5C9-1307-BA42-ABA2-0BC069CD8E7F}" type="datetimeFigureOut">
               <a:rPr lang="en-US" smtClean="0"/>
-              <a:t>1/2/22</a:t>
+              <a:t>11/14/24</a:t>
             </a:fld>
             <a:endParaRPr lang="en-US"/>
           </a:p>
@@ -2007,7 +2342,7 @@
           <a:p>
             <a:fld id="{241EB5C9-1307-BA42-ABA2-0BC069CD8E7F}" type="datetimeFigureOut">
               <a:rPr lang="en-US" smtClean="0"/>
-              <a:t>1/2/22</a:t>
+              <a:t>11/14/24</a:t>
             </a:fld>
             <a:endParaRPr lang="en-US"/>
           </a:p>
@@ -2282,7 +2617,7 @@
           <a:p>
             <a:fld id="{241EB5C9-1307-BA42-ABA2-0BC069CD8E7F}" type="datetimeFigureOut">
               <a:rPr lang="en-US" smtClean="0"/>
-              <a:t>1/2/22</a:t>
+              <a:t>11/14/24</a:t>
             </a:fld>
             <a:endParaRPr lang="en-US"/>
           </a:p>
@@ -2534,7 +2869,7 @@
           <a:p>
             <a:fld id="{241EB5C9-1307-BA42-ABA2-0BC069CD8E7F}" type="datetimeFigureOut">
               <a:rPr lang="en-US" smtClean="0"/>
-              <a:t>1/2/22</a:t>
+              <a:t>11/14/24</a:t>
             </a:fld>
             <a:endParaRPr lang="en-US"/>
           </a:p>
@@ -2745,7 +3080,7 @@
           <a:p>
             <a:fld id="{241EB5C9-1307-BA42-ABA2-0BC069CD8E7F}" type="datetimeFigureOut">
               <a:rPr lang="en-US" smtClean="0"/>
-              <a:t>1/2/22</a:t>
+              <a:t>11/14/24</a:t>
             </a:fld>
             <a:endParaRPr lang="en-US"/>
           </a:p>
@@ -2849,6 +3184,7 @@
     <p:sldLayoutId id="2147483657" r:id="rId9"/>
     <p:sldLayoutId id="2147483658" r:id="rId10"/>
     <p:sldLayoutId id="2147483659" r:id="rId11"/>
+    <p:sldLayoutId id="2147483660" r:id="rId12"/>
   </p:sldLayoutIdLst>
   <p:txStyles>
     <p:titleStyle>
@@ -4526,7 +4862,7 @@
           <a:graphicData uri="http://schemas.openxmlformats.org/drawingml/2006/table">
             <a:tbl>
               <a:tblPr firstRow="1" bandRow="1">
-                <a:tableStyleId>{5C22544A-7EE6-4342-B048-85BDC9FD1C3A}</a:tableStyleId>
+                <a:tableStyleId>{69012ECD-51FC-41F1-AA8D-1B2483CD663E}</a:tableStyleId>
               </a:tblPr>
               <a:tblGrid>
                 <a:gridCol w="2743200"/>

--- a/lci_surgery.pptx
+++ b/lci_surgery.pptx
@@ -36,6 +36,12 @@
     <p:sldId id="284" r:id="rId30"/>
     <p:sldId id="285" r:id="rId31"/>
     <p:sldId id="286" r:id="rId32"/>
+    <p:sldId id="287" r:id="rId33"/>
+    <p:sldId id="288" r:id="rId34"/>
+    <p:sldId id="289" r:id="rId35"/>
+    <p:sldId id="290" r:id="rId36"/>
+    <p:sldId id="291" r:id="rId37"/>
+    <p:sldId id="292" r:id="rId38"/>
   </p:sldIdLst>
   <p:sldSz cx="9144000" cy="5143500" type="screen16x9"/>
   <p:notesSz cx="6858000" cy="9144000"/>
@@ -5677,7 +5683,7 @@
             </a:pPr>
             <a:r>
               <a:rPr/>
-              <a:t>Activity</a:t>
+              <a:t>Feeding Jejunostomy - Typical Regimen</a:t>
             </a:r>
           </a:p>
         </p:txBody>
@@ -5697,38 +5703,21 @@
           <a:bodyPr/>
           <a:lstStyle/>
           <a:p>
-            <a:pPr lvl="0"/>
-            <a:r>
-              <a:rPr/>
-              <a:t>Up in chair most of the day</a:t>
-            </a:r>
-          </a:p>
-          <a:p>
-            <a:pPr lvl="0"/>
-            <a:r>
-              <a:rPr/>
-              <a:t>Walking in hallway with help from nurse/Physical Therapist</a:t>
-            </a:r>
-          </a:p>
-          <a:p>
-            <a:pPr lvl="0"/>
-            <a:r>
-              <a:rPr/>
-              <a:t>Goals:</a:t>
-            </a:r>
-          </a:p>
-          <a:p>
-            <a:pPr lvl="1"/>
-            <a:r>
-              <a:rPr/>
-              <a:t>Improve lung function</a:t>
-            </a:r>
-          </a:p>
-          <a:p>
-            <a:pPr lvl="1"/>
-            <a:r>
-              <a:rPr/>
-              <a:t>Prevent muscle loss</a:t>
+            <a:pPr lvl="0" indent="0" marL="0">
+              <a:buNone/>
+            </a:pPr>
+            <a:r>
+              <a:rPr/>
+              <a:t>/ / - Men: 75mL/hour x 16 hours (6pm to 10am) - Women: 60mL/hour x 16 hours (6pm to 10am) - Water 240ml (8oz) via syringe 4x/day</a:t>
+            </a:r>
+          </a:p>
+          <a:p>
+            <a:pPr lvl="0" indent="0" marL="0">
+              <a:buNone/>
+            </a:pPr>
+            <a:r>
+              <a:rPr/>
+              <a:t>The hospital nurses will teach you how to use the feeding tube pump once you leave the ICU.</a:t>
             </a:r>
           </a:p>
         </p:txBody>
@@ -5889,7 +5878,7 @@
             </a:pPr>
             <a:r>
               <a:rPr/>
-              <a:t>Discharge</a:t>
+              <a:t>Feeding Jejunostomy - Diabetes</a:t>
             </a:r>
           </a:p>
         </p:txBody>
@@ -5914,35 +5903,44 @@
             </a:pPr>
             <a:r>
               <a:rPr/>
-              <a:t>Goal: Ready to leave hospital day #6/7 after surgery</a:t>
+              <a:t>Jejunostomy feeding tend to elevate blood sugars: Insulin may be required</a:t>
+            </a:r>
+          </a:p>
+          <a:p>
+            <a:pPr lvl="0" indent="0" marL="0">
+              <a:buNone/>
+            </a:pPr>
+            <a:r>
+              <a:rPr/>
+              <a:t>Typical pattern</a:t>
             </a:r>
           </a:p>
           <a:p>
             <a:pPr lvl="0"/>
             <a:r>
               <a:rPr/>
-              <a:t>Tube feeds at night (6pm to 10am)</a:t>
+              <a:t>Jejunostomy feeds 6pm to 10am</a:t>
             </a:r>
           </a:p>
           <a:p>
             <a:pPr lvl="0"/>
             <a:r>
               <a:rPr/>
-              <a:t>Protein shakes by mouth (70% of patients)</a:t>
-            </a:r>
-          </a:p>
-          <a:p>
-            <a:pPr lvl="1"/>
-            <a:r>
-              <a:rPr/>
-              <a:t>4oz every 2 hours</a:t>
-            </a:r>
-          </a:p>
-          <a:p>
-            <a:pPr lvl="1"/>
-            <a:r>
-              <a:rPr/>
-              <a:t>Water by mouth 2 oz at a time Water through feeding tube (8oz 4x/day)</a:t>
+              <a:t>Insulin at 6pm (70/30)</a:t>
+            </a:r>
+          </a:p>
+          <a:p>
+            <a:pPr lvl="0"/>
+            <a:r>
+              <a:rPr/>
+              <a:t>Insulin at MN (70/30)</a:t>
+            </a:r>
+          </a:p>
+          <a:p>
+            <a:pPr lvl="0"/>
+            <a:r>
+              <a:rPr/>
+              <a:t>No insulin if feedings are not run</a:t>
             </a:r>
           </a:p>
         </p:txBody>
@@ -5953,6 +5951,577 @@
 </file>
 
 <file path=ppt/slides/slide31.xml><?xml version="1.0" encoding="utf-8"?>
+<p:sld xmlns:a="http://schemas.openxmlformats.org/drawingml/2006/main" xmlns:r="http://schemas.openxmlformats.org/officeDocument/2006/relationships" xmlns:p="http://schemas.openxmlformats.org/presentationml/2006/main">
+  <p:cSld>
+    <p:spTree>
+      <p:nvGrpSpPr>
+        <p:cNvPr id="1" name=""/>
+        <p:cNvGrpSpPr/>
+        <p:nvPr/>
+      </p:nvGrpSpPr>
+      <p:grpSpPr>
+        <a:xfrm>
+          <a:off x="0" y="0"/>
+          <a:ext cx="0" cy="0"/>
+          <a:chOff x="0" y="0"/>
+          <a:chExt cx="0" cy="0"/>
+        </a:xfrm>
+      </p:grpSpPr>
+      <p:sp>
+        <p:nvSpPr>
+          <p:cNvPr id="2" name="Title 1"/>
+          <p:cNvSpPr>
+            <a:spLocks noGrp="1"/>
+          </p:cNvSpPr>
+          <p:nvPr>
+            <p:ph type="title"/>
+          </p:nvPr>
+        </p:nvSpPr>
+        <p:spPr/>
+        <p:txBody>
+          <a:bodyPr/>
+          <a:lstStyle/>
+          <a:p>
+            <a:pPr lvl="0" indent="0" marL="0">
+              <a:buNone/>
+            </a:pPr>
+            <a:r>
+              <a:rPr/>
+              <a:t>Activity</a:t>
+            </a:r>
+          </a:p>
+        </p:txBody>
+      </p:sp>
+      <p:sp>
+        <p:nvSpPr>
+          <p:cNvPr id="3" name="Content Placeholder 2"/>
+          <p:cNvSpPr>
+            <a:spLocks noGrp="1"/>
+          </p:cNvSpPr>
+          <p:nvPr>
+            <p:ph idx="1"/>
+          </p:nvPr>
+        </p:nvSpPr>
+        <p:spPr/>
+        <p:txBody>
+          <a:bodyPr/>
+          <a:lstStyle/>
+          <a:p>
+            <a:pPr lvl="0"/>
+            <a:r>
+              <a:rPr/>
+              <a:t>Up in chair most of the day</a:t>
+            </a:r>
+          </a:p>
+          <a:p>
+            <a:pPr lvl="0"/>
+            <a:r>
+              <a:rPr/>
+              <a:t>Walking in hallway with help from nurse/Physical Therapist</a:t>
+            </a:r>
+          </a:p>
+          <a:p>
+            <a:pPr lvl="0"/>
+            <a:r>
+              <a:rPr/>
+              <a:t>Goals:</a:t>
+            </a:r>
+          </a:p>
+          <a:p>
+            <a:pPr lvl="1"/>
+            <a:r>
+              <a:rPr/>
+              <a:t>Improve lung function</a:t>
+            </a:r>
+          </a:p>
+          <a:p>
+            <a:pPr lvl="1"/>
+            <a:r>
+              <a:rPr/>
+              <a:t>Prevent muscle loss</a:t>
+            </a:r>
+          </a:p>
+        </p:txBody>
+      </p:sp>
+    </p:spTree>
+  </p:cSld>
+</p:sld>
+</file>
+
+<file path=ppt/slides/slide32.xml><?xml version="1.0" encoding="utf-8"?>
+<p:sld xmlns:a="http://schemas.openxmlformats.org/drawingml/2006/main" xmlns:r="http://schemas.openxmlformats.org/officeDocument/2006/relationships" xmlns:p="http://schemas.openxmlformats.org/presentationml/2006/main">
+  <p:cSld>
+    <p:spTree>
+      <p:nvGrpSpPr>
+        <p:cNvPr id="1" name=""/>
+        <p:cNvGrpSpPr/>
+        <p:nvPr/>
+      </p:nvGrpSpPr>
+      <p:grpSpPr>
+        <a:xfrm>
+          <a:off x="0" y="0"/>
+          <a:ext cx="0" cy="0"/>
+          <a:chOff x="0" y="0"/>
+          <a:chExt cx="0" cy="0"/>
+        </a:xfrm>
+      </p:grpSpPr>
+      <p:sp>
+        <p:nvSpPr>
+          <p:cNvPr id="2" name="Title 1"/>
+          <p:cNvSpPr>
+            <a:spLocks noGrp="1"/>
+          </p:cNvSpPr>
+          <p:nvPr>
+            <p:ph type="title"/>
+          </p:nvPr>
+        </p:nvSpPr>
+        <p:spPr/>
+        <p:txBody>
+          <a:bodyPr/>
+          <a:lstStyle/>
+          <a:p>
+            <a:pPr lvl="0" indent="0" marL="0">
+              <a:buNone/>
+            </a:pPr>
+            <a:r>
+              <a:rPr/>
+              <a:t>Nasogastric Tubes</a:t>
+            </a:r>
+          </a:p>
+        </p:txBody>
+      </p:sp>
+      <p:sp>
+        <p:nvSpPr>
+          <p:cNvPr id="3" name="Content Placeholder 2"/>
+          <p:cNvSpPr>
+            <a:spLocks noGrp="1"/>
+          </p:cNvSpPr>
+          <p:nvPr>
+            <p:ph idx="1"/>
+          </p:nvPr>
+        </p:nvSpPr>
+        <p:spPr/>
+        <p:txBody>
+          <a:bodyPr/>
+          <a:lstStyle/>
+          <a:p>
+            <a:pPr lvl="0" indent="0" marL="0">
+              <a:buNone/>
+            </a:pPr>
+            <a:r>
+              <a:rPr/>
+              <a:t>A nasogastric tube is placed trough the nose into the stomach at the time surgery to remove fluid from the stomach and allow healing.</a:t>
+            </a:r>
+          </a:p>
+          <a:p>
+            <a:pPr lvl="0" indent="0" marL="0">
+              <a:buNone/>
+            </a:pPr>
+            <a:r>
+              <a:rPr/>
+              <a:t>An x-ray is done on the 2nd to 4th day after surgery to determine when the nasogastric tube can be removed.</a:t>
+            </a:r>
+          </a:p>
+          <a:p>
+            <a:pPr lvl="0" indent="0" marL="0">
+              <a:buNone/>
+            </a:pPr>
+            <a:r>
+              <a:rPr/>
+              <a:t>You will lay on a flat x-ray table, which will then be tilted to the standing position. Dye will then be injected into the tube and x-rays taken. If the stomach is emptying properly, the nasogastric tube will be removed.</a:t>
+            </a:r>
+          </a:p>
+        </p:txBody>
+      </p:sp>
+    </p:spTree>
+  </p:cSld>
+</p:sld>
+</file>
+
+<file path=ppt/slides/slide33.xml><?xml version="1.0" encoding="utf-8"?>
+<p:sld xmlns:a="http://schemas.openxmlformats.org/drawingml/2006/main" xmlns:r="http://schemas.openxmlformats.org/officeDocument/2006/relationships" xmlns:p="http://schemas.openxmlformats.org/presentationml/2006/main">
+  <p:cSld>
+    <p:spTree>
+      <p:nvGrpSpPr>
+        <p:cNvPr id="1" name=""/>
+        <p:cNvGrpSpPr/>
+        <p:nvPr/>
+      </p:nvGrpSpPr>
+      <p:grpSpPr>
+        <a:xfrm>
+          <a:off x="0" y="0"/>
+          <a:ext cx="0" cy="0"/>
+          <a:chOff x="0" y="0"/>
+          <a:chExt cx="0" cy="0"/>
+        </a:xfrm>
+      </p:grpSpPr>
+      <p:sp>
+        <p:nvSpPr>
+          <p:cNvPr id="2" name="Title 1"/>
+          <p:cNvSpPr>
+            <a:spLocks noGrp="1"/>
+          </p:cNvSpPr>
+          <p:nvPr>
+            <p:ph type="title"/>
+          </p:nvPr>
+        </p:nvSpPr>
+        <p:spPr/>
+        <p:txBody>
+          <a:bodyPr/>
+          <a:lstStyle/>
+          <a:p>
+            <a:pPr lvl="0" indent="0" marL="0">
+              <a:buNone/>
+            </a:pPr>
+            <a:r>
+              <a:rPr/>
+              <a:t>Modified Barium Swallow</a:t>
+            </a:r>
+          </a:p>
+        </p:txBody>
+      </p:sp>
+      <p:sp>
+        <p:nvSpPr>
+          <p:cNvPr id="3" name="Content Placeholder 2"/>
+          <p:cNvSpPr>
+            <a:spLocks noGrp="1"/>
+          </p:cNvSpPr>
+          <p:nvPr>
+            <p:ph idx="1"/>
+          </p:nvPr>
+        </p:nvSpPr>
+        <p:spPr/>
+        <p:txBody>
+          <a:bodyPr/>
+          <a:lstStyle/>
+          <a:p>
+            <a:pPr lvl="0" indent="0" marL="0">
+              <a:buNone/>
+            </a:pPr>
+            <a:r>
+              <a:rPr/>
+              <a:t>Once the nasogastric tube has been removed, a barium swallow study will be performed in radiology.</a:t>
+            </a:r>
+          </a:p>
+          <a:p>
+            <a:pPr lvl="0" indent="0" marL="0">
+              <a:buNone/>
+            </a:pPr>
+            <a:r>
+              <a:rPr/>
+              <a:t>You will be asked a drink a white chalky liquid (barium) while x-rays are taken.</a:t>
+            </a:r>
+          </a:p>
+          <a:p>
+            <a:pPr lvl="0" indent="0" marL="0">
+              <a:buNone/>
+            </a:pPr>
+            <a:r>
+              <a:rPr/>
+              <a:t>This test shows whether the swallowing muscles are working properly.</a:t>
+            </a:r>
+          </a:p>
+          <a:p>
+            <a:pPr lvl="0" indent="0" marL="0">
+              <a:buNone/>
+            </a:pPr>
+            <a:r>
+              <a:rPr/>
+              <a:t>70% of patients have good swallowling function and are started on 1oz of water every hour</a:t>
+            </a:r>
+          </a:p>
+        </p:txBody>
+      </p:sp>
+    </p:spTree>
+  </p:cSld>
+</p:sld>
+</file>
+
+<file path=ppt/slides/slide34.xml><?xml version="1.0" encoding="utf-8"?>
+<p:sld xmlns:a="http://schemas.openxmlformats.org/drawingml/2006/main" xmlns:r="http://schemas.openxmlformats.org/officeDocument/2006/relationships" xmlns:p="http://schemas.openxmlformats.org/presentationml/2006/main">
+  <p:cSld>
+    <p:spTree>
+      <p:nvGrpSpPr>
+        <p:cNvPr id="1" name=""/>
+        <p:cNvGrpSpPr/>
+        <p:nvPr/>
+      </p:nvGrpSpPr>
+      <p:grpSpPr>
+        <a:xfrm>
+          <a:off x="0" y="0"/>
+          <a:ext cx="0" cy="0"/>
+          <a:chOff x="0" y="0"/>
+          <a:chExt cx="0" cy="0"/>
+        </a:xfrm>
+      </p:grpSpPr>
+      <p:sp>
+        <p:nvSpPr>
+          <p:cNvPr id="2" name="Title 1"/>
+          <p:cNvSpPr>
+            <a:spLocks noGrp="1"/>
+          </p:cNvSpPr>
+          <p:nvPr>
+            <p:ph type="title"/>
+          </p:nvPr>
+        </p:nvSpPr>
+        <p:spPr/>
+        <p:txBody>
+          <a:bodyPr/>
+          <a:lstStyle/>
+          <a:p>
+            <a:pPr lvl="0" indent="0" marL="0">
+              <a:buNone/>
+            </a:pPr>
+            <a:r>
+              <a:rPr/>
+              <a:t>Protein Shakes</a:t>
+            </a:r>
+          </a:p>
+        </p:txBody>
+      </p:sp>
+      <p:sp>
+        <p:nvSpPr>
+          <p:cNvPr id="3" name="Content Placeholder 2"/>
+          <p:cNvSpPr>
+            <a:spLocks noGrp="1"/>
+          </p:cNvSpPr>
+          <p:nvPr>
+            <p:ph idx="1"/>
+          </p:nvPr>
+        </p:nvSpPr>
+        <p:spPr/>
+        <p:txBody>
+          <a:bodyPr/>
+          <a:lstStyle/>
+          <a:p>
+            <a:pPr lvl="0" indent="0" marL="0">
+              <a:buNone/>
+            </a:pPr>
+            <a:br/>
+            <a:br/>
+            <a:r>
+              <a:rPr/>
+              <a:t>- Protein shakes are started once you are tolerating water by mouth</a:t>
+            </a:r>
+          </a:p>
+          <a:p>
+            <a:pPr lvl="0" indent="0" marL="0">
+              <a:buNone/>
+            </a:pPr>
+            <a:br/>
+            <a:br/>
+            <a:r>
+              <a:rPr/>
+              <a:t>- 2 oz per hour to start</a:t>
+            </a:r>
+            <a:br/>
+            <a:br/>
+            <a:r>
+              <a:rPr/>
+              <a:t>- 4 oz per hour as tolerated</a:t>
+            </a:r>
+          </a:p>
+        </p:txBody>
+      </p:sp>
+    </p:spTree>
+  </p:cSld>
+</p:sld>
+</file>
+
+<file path=ppt/slides/slide35.xml><?xml version="1.0" encoding="utf-8"?>
+<p:sld xmlns:a="http://schemas.openxmlformats.org/drawingml/2006/main" xmlns:r="http://schemas.openxmlformats.org/officeDocument/2006/relationships" xmlns:p="http://schemas.openxmlformats.org/presentationml/2006/main">
+  <p:cSld>
+    <p:spTree>
+      <p:nvGrpSpPr>
+        <p:cNvPr id="1" name=""/>
+        <p:cNvGrpSpPr/>
+        <p:nvPr/>
+      </p:nvGrpSpPr>
+      <p:grpSpPr>
+        <a:xfrm>
+          <a:off x="0" y="0"/>
+          <a:ext cx="0" cy="0"/>
+          <a:chOff x="0" y="0"/>
+          <a:chExt cx="0" cy="0"/>
+        </a:xfrm>
+      </p:grpSpPr>
+      <p:sp>
+        <p:nvSpPr>
+          <p:cNvPr id="2" name="Title 1"/>
+          <p:cNvSpPr>
+            <a:spLocks noGrp="1"/>
+          </p:cNvSpPr>
+          <p:nvPr>
+            <p:ph type="title"/>
+          </p:nvPr>
+        </p:nvSpPr>
+        <p:spPr/>
+        <p:txBody>
+          <a:bodyPr/>
+          <a:lstStyle/>
+          <a:p>
+            <a:pPr lvl="0" indent="0" marL="0">
+              <a:buNone/>
+            </a:pPr>
+            <a:r>
+              <a:rPr/>
+              <a:t>Nutrition at Home</a:t>
+            </a:r>
+          </a:p>
+        </p:txBody>
+      </p:sp>
+      <p:sp>
+        <p:nvSpPr>
+          <p:cNvPr id="3" name="Content Placeholder 2"/>
+          <p:cNvSpPr>
+            <a:spLocks noGrp="1"/>
+          </p:cNvSpPr>
+          <p:nvPr>
+            <p:ph idx="1"/>
+          </p:nvPr>
+        </p:nvSpPr>
+        <p:spPr/>
+        <p:txBody>
+          <a:bodyPr/>
+          <a:lstStyle/>
+          <a:p>
+            <a:pPr lvl="0" indent="0" marL="0">
+              <a:buNone/>
+            </a:pPr>
+            <a:r>
+              <a:rPr/>
+              <a:t>Most patients go home with:</a:t>
+            </a:r>
+          </a:p>
+          <a:p>
+            <a:pPr lvl="0"/>
+            <a:r>
+              <a:rPr/>
+              <a:t>Protein shakes by mouth 4oz at a time</a:t>
+            </a:r>
+          </a:p>
+          <a:p>
+            <a:pPr lvl="0"/>
+            <a:r>
+              <a:rPr/>
+              <a:t>Tube feeds at night (4-5 cartons)</a:t>
+            </a:r>
+          </a:p>
+          <a:p>
+            <a:pPr lvl="0"/>
+            <a:r>
+              <a:rPr/>
+              <a:t>Water through the feeding tube 8oz 4 times per day</a:t>
+            </a:r>
+          </a:p>
+        </p:txBody>
+      </p:sp>
+    </p:spTree>
+  </p:cSld>
+</p:sld>
+</file>
+
+<file path=ppt/slides/slide36.xml><?xml version="1.0" encoding="utf-8"?>
+<p:sld xmlns:a="http://schemas.openxmlformats.org/drawingml/2006/main" xmlns:r="http://schemas.openxmlformats.org/officeDocument/2006/relationships" xmlns:p="http://schemas.openxmlformats.org/presentationml/2006/main">
+  <p:cSld>
+    <p:spTree>
+      <p:nvGrpSpPr>
+        <p:cNvPr id="1" name=""/>
+        <p:cNvGrpSpPr/>
+        <p:nvPr/>
+      </p:nvGrpSpPr>
+      <p:grpSpPr>
+        <a:xfrm>
+          <a:off x="0" y="0"/>
+          <a:ext cx="0" cy="0"/>
+          <a:chOff x="0" y="0"/>
+          <a:chExt cx="0" cy="0"/>
+        </a:xfrm>
+      </p:grpSpPr>
+      <p:sp>
+        <p:nvSpPr>
+          <p:cNvPr id="2" name="Title 1"/>
+          <p:cNvSpPr>
+            <a:spLocks noGrp="1"/>
+          </p:cNvSpPr>
+          <p:nvPr>
+            <p:ph type="title"/>
+          </p:nvPr>
+        </p:nvSpPr>
+        <p:spPr/>
+        <p:txBody>
+          <a:bodyPr/>
+          <a:lstStyle/>
+          <a:p>
+            <a:pPr lvl="0" indent="0" marL="0">
+              <a:buNone/>
+            </a:pPr>
+            <a:r>
+              <a:rPr/>
+              <a:t>Discharge</a:t>
+            </a:r>
+          </a:p>
+        </p:txBody>
+      </p:sp>
+      <p:sp>
+        <p:nvSpPr>
+          <p:cNvPr id="3" name="Content Placeholder 2"/>
+          <p:cNvSpPr>
+            <a:spLocks noGrp="1"/>
+          </p:cNvSpPr>
+          <p:nvPr>
+            <p:ph idx="1"/>
+          </p:nvPr>
+        </p:nvSpPr>
+        <p:spPr/>
+        <p:txBody>
+          <a:bodyPr/>
+          <a:lstStyle/>
+          <a:p>
+            <a:pPr lvl="0" indent="0" marL="0">
+              <a:buNone/>
+            </a:pPr>
+            <a:r>
+              <a:rPr/>
+              <a:t>Goal: Ready to leave hospital day #6/7 after surgery</a:t>
+            </a:r>
+          </a:p>
+          <a:p>
+            <a:pPr lvl="0"/>
+            <a:r>
+              <a:rPr/>
+              <a:t>Tube feeds at night (6pm to 10am)</a:t>
+            </a:r>
+          </a:p>
+          <a:p>
+            <a:pPr lvl="0"/>
+            <a:r>
+              <a:rPr/>
+              <a:t>Protein shakes by mouth (70% of patients)</a:t>
+            </a:r>
+          </a:p>
+          <a:p>
+            <a:pPr lvl="1"/>
+            <a:r>
+              <a:rPr/>
+              <a:t>4oz every 2 hours</a:t>
+            </a:r>
+          </a:p>
+          <a:p>
+            <a:pPr lvl="1"/>
+            <a:r>
+              <a:rPr/>
+              <a:t>Water by mouth 2 oz at a time Water through feeding tube (8oz 4x/day)</a:t>
+            </a:r>
+          </a:p>
+        </p:txBody>
+      </p:sp>
+    </p:spTree>
+  </p:cSld>
+</p:sld>
+</file>
+
+<file path=ppt/slides/slide37.xml><?xml version="1.0" encoding="utf-8"?>
 <p:sld xmlns:a="http://schemas.openxmlformats.org/drawingml/2006/main" xmlns:r="http://schemas.openxmlformats.org/officeDocument/2006/relationships" xmlns:p="http://schemas.openxmlformats.org/presentationml/2006/main">
   <p:cSld>
     <p:spTree>

--- a/lci_surgery.pptx
+++ b/lci_surgery.pptx
@@ -42,6 +42,12 @@
     <p:sldId id="290" r:id="rId36"/>
     <p:sldId id="291" r:id="rId37"/>
     <p:sldId id="292" r:id="rId38"/>
+    <p:sldId id="293" r:id="rId39"/>
+    <p:sldId id="294" r:id="rId40"/>
+    <p:sldId id="295" r:id="rId41"/>
+    <p:sldId id="296" r:id="rId42"/>
+    <p:sldId id="297" r:id="rId43"/>
+    <p:sldId id="298" r:id="rId44"/>
   </p:sldIdLst>
   <p:sldSz cx="9144000" cy="5143500" type="screen16x9"/>
   <p:notesSz cx="6858000" cy="9144000"/>
@@ -5708,7 +5714,28 @@
             </a:pPr>
             <a:r>
               <a:rPr/>
-              <a:t>/ / - Men: 75mL/hour x 16 hours (6pm to 10am) - Women: 60mL/hour x 16 hours (6pm to 10am) - Water 240ml (8oz) via syringe 4x/day</a:t>
+              <a:t>/ /</a:t>
+            </a:r>
+          </a:p>
+          <a:p>
+            <a:pPr lvl="0"/>
+            <a:r>
+              <a:rPr/>
+              <a:t>Men: 75mL/hour x 16 hours (6pm to 10am)</a:t>
+            </a:r>
+          </a:p>
+          <a:p>
+            <a:pPr lvl="0"/>
+            <a:r>
+              <a:rPr/>
+              <a:t>Women: 60mL/hour x 16 hours (6pm to 10am)</a:t>
+            </a:r>
+          </a:p>
+          <a:p>
+            <a:pPr lvl="0"/>
+            <a:r>
+              <a:rPr/>
+              <a:t>Water 240ml (8oz) via syringe 4x/day</a:t>
             </a:r>
           </a:p>
           <a:p>
@@ -6294,31 +6321,28 @@
           <a:bodyPr/>
           <a:lstStyle/>
           <a:p>
-            <a:pPr lvl="0" indent="0" marL="0">
-              <a:buNone/>
-            </a:pPr>
+            <a:pPr lvl="0"/>
+            <a:r>
+              <a:rPr/>
+              <a:t>Protein shakes are started once you are tolerating water by mouth</a:t>
+            </a:r>
             <a:br/>
             <a:br/>
-            <a:r>
-              <a:rPr/>
-              <a:t>- Protein shakes are started once you are tolerating water by mouth</a:t>
-            </a:r>
-          </a:p>
-          <a:p>
-            <a:pPr lvl="0" indent="0" marL="0">
-              <a:buNone/>
-            </a:pPr>
+          </a:p>
+          <a:p>
+            <a:pPr lvl="0"/>
+            <a:r>
+              <a:rPr/>
+              <a:t>2 oz per hour to start</a:t>
+            </a:r>
             <a:br/>
             <a:br/>
-            <a:r>
-              <a:rPr/>
-              <a:t>- 2 oz per hour to start</a:t>
-            </a:r>
-            <a:br/>
-            <a:br/>
-            <a:r>
-              <a:rPr/>
-              <a:t>- 4 oz per hour as tolerated</a:t>
+          </a:p>
+          <a:p>
+            <a:pPr lvl="0"/>
+            <a:r>
+              <a:rPr/>
+              <a:t>4 oz per hour as tolerated</a:t>
             </a:r>
           </a:p>
         </p:txBody>
@@ -6365,7 +6389,7 @@
             </a:pPr>
             <a:r>
               <a:rPr/>
-              <a:t>Nutrition at Home</a:t>
+              <a:t>Discharge</a:t>
             </a:r>
           </a:p>
         </p:txBody>
@@ -6390,28 +6414,35 @@
             </a:pPr>
             <a:r>
               <a:rPr/>
-              <a:t>Most patients go home with:</a:t>
-            </a:r>
-          </a:p>
-          <a:p>
-            <a:pPr lvl="0"/>
-            <a:r>
-              <a:rPr/>
-              <a:t>Protein shakes by mouth 4oz at a time</a:t>
-            </a:r>
-          </a:p>
-          <a:p>
-            <a:pPr lvl="0"/>
-            <a:r>
-              <a:rPr/>
-              <a:t>Tube feeds at night (4-5 cartons)</a:t>
-            </a:r>
-          </a:p>
-          <a:p>
-            <a:pPr lvl="0"/>
-            <a:r>
-              <a:rPr/>
-              <a:t>Water through the feeding tube 8oz 4 times per day</a:t>
+              <a:t>Goal: Ready to leave hospital day #6/7 after surgery</a:t>
+            </a:r>
+          </a:p>
+          <a:p>
+            <a:pPr lvl="0"/>
+            <a:r>
+              <a:rPr/>
+              <a:t>Tube feeds at night (6pm to 10am)</a:t>
+            </a:r>
+          </a:p>
+          <a:p>
+            <a:pPr lvl="0"/>
+            <a:r>
+              <a:rPr/>
+              <a:t>Protein shakes by mouth (70% of patients)</a:t>
+            </a:r>
+          </a:p>
+          <a:p>
+            <a:pPr lvl="1"/>
+            <a:r>
+              <a:rPr/>
+              <a:t>4oz every 2 hours</a:t>
+            </a:r>
+          </a:p>
+          <a:p>
+            <a:pPr lvl="1"/>
+            <a:r>
+              <a:rPr/>
+              <a:t>Water by mouth 2 oz at a time Water through feeding tube (8oz 4x/day)</a:t>
             </a:r>
           </a:p>
         </p:txBody>
@@ -6458,7 +6489,7 @@
             </a:pPr>
             <a:r>
               <a:rPr/>
-              <a:t>Discharge</a:t>
+              <a:t>Nutrition at Home</a:t>
             </a:r>
           </a:p>
         </p:txBody>
@@ -6483,35 +6514,28 @@
             </a:pPr>
             <a:r>
               <a:rPr/>
-              <a:t>Goal: Ready to leave hospital day #6/7 after surgery</a:t>
-            </a:r>
-          </a:p>
-          <a:p>
-            <a:pPr lvl="0"/>
-            <a:r>
-              <a:rPr/>
-              <a:t>Tube feeds at night (6pm to 10am)</a:t>
-            </a:r>
-          </a:p>
-          <a:p>
-            <a:pPr lvl="0"/>
-            <a:r>
-              <a:rPr/>
-              <a:t>Protein shakes by mouth (70% of patients)</a:t>
-            </a:r>
-          </a:p>
-          <a:p>
-            <a:pPr lvl="1"/>
-            <a:r>
-              <a:rPr/>
-              <a:t>4oz every 2 hours</a:t>
-            </a:r>
-          </a:p>
-          <a:p>
-            <a:pPr lvl="1"/>
-            <a:r>
-              <a:rPr/>
-              <a:t>Water by mouth 2 oz at a time Water through feeding tube (8oz 4x/day)</a:t>
+              <a:t>Most patients go home with:</a:t>
+            </a:r>
+          </a:p>
+          <a:p>
+            <a:pPr lvl="0"/>
+            <a:r>
+              <a:rPr/>
+              <a:t>Protein shakes by mouth 4oz at a time</a:t>
+            </a:r>
+          </a:p>
+          <a:p>
+            <a:pPr lvl="0"/>
+            <a:r>
+              <a:rPr/>
+              <a:t>Tube feeds at night (4-5 cartons)</a:t>
+            </a:r>
+          </a:p>
+          <a:p>
+            <a:pPr lvl="0"/>
+            <a:r>
+              <a:rPr/>
+              <a:t>Water through the feeding tube 8oz 4 times per day</a:t>
             </a:r>
           </a:p>
         </p:txBody>
@@ -6538,6 +6562,281 @@
           <a:chExt cx="0" cy="0"/>
         </a:xfrm>
       </p:grpSpPr>
+      <p:sp>
+        <p:nvSpPr>
+          <p:cNvPr id="2" name="Title 1"/>
+          <p:cNvSpPr>
+            <a:spLocks noGrp="1"/>
+          </p:cNvSpPr>
+          <p:nvPr>
+            <p:ph type="title"/>
+          </p:nvPr>
+        </p:nvSpPr>
+        <p:spPr/>
+        <p:txBody>
+          <a:bodyPr/>
+          <a:lstStyle/>
+          <a:p>
+            <a:pPr lvl="0" indent="0" marL="0">
+              <a:buNone/>
+            </a:pPr>
+            <a:r>
+              <a:rPr/>
+              <a:t>Medicines at Home</a:t>
+            </a:r>
+          </a:p>
+        </p:txBody>
+      </p:sp>
+      <p:sp>
+        <p:nvSpPr>
+          <p:cNvPr id="3" name="Content Placeholder 2"/>
+          <p:cNvSpPr>
+            <a:spLocks noGrp="1"/>
+          </p:cNvSpPr>
+          <p:nvPr>
+            <p:ph idx="1"/>
+          </p:nvPr>
+        </p:nvSpPr>
+        <p:spPr/>
+        <p:txBody>
+          <a:bodyPr/>
+          <a:lstStyle/>
+          <a:p>
+            <a:pPr lvl="0"/>
+            <a:r>
+              <a:rPr/>
+              <a:t>Proton pump inhibitor (omeprazole, pantoprazole) for one year</a:t>
+            </a:r>
+          </a:p>
+          <a:p>
+            <a:pPr lvl="0"/>
+            <a:r>
+              <a:rPr/>
+              <a:t>Reglan (metoclopramide) - help stomach empty: 6 weeks</a:t>
+            </a:r>
+          </a:p>
+          <a:p>
+            <a:pPr lvl="0"/>
+            <a:r>
+              <a:rPr/>
+              <a:t>Lopressor (metoprolol) - helps prevent atrial fibrillation: 2 weeks</a:t>
+            </a:r>
+          </a:p>
+        </p:txBody>
+      </p:sp>
+    </p:spTree>
+  </p:cSld>
+</p:sld>
+</file>
+
+<file path=ppt/slides/slide38.xml><?xml version="1.0" encoding="utf-8"?>
+<p:sld xmlns:a="http://schemas.openxmlformats.org/drawingml/2006/main" xmlns:r="http://schemas.openxmlformats.org/officeDocument/2006/relationships" xmlns:p="http://schemas.openxmlformats.org/presentationml/2006/main">
+  <p:cSld>
+    <p:spTree>
+      <p:nvGrpSpPr>
+        <p:cNvPr id="1" name=""/>
+        <p:cNvGrpSpPr/>
+        <p:nvPr/>
+      </p:nvGrpSpPr>
+      <p:grpSpPr>
+        <a:xfrm>
+          <a:off x="0" y="0"/>
+          <a:ext cx="0" cy="0"/>
+          <a:chOff x="0" y="0"/>
+          <a:chExt cx="0" cy="0"/>
+        </a:xfrm>
+      </p:grpSpPr>
+      <p:sp>
+        <p:nvSpPr>
+          <p:cNvPr id="2" name="Title 1"/>
+          <p:cNvSpPr>
+            <a:spLocks noGrp="1"/>
+          </p:cNvSpPr>
+          <p:nvPr>
+            <p:ph type="title"/>
+          </p:nvPr>
+        </p:nvSpPr>
+        <p:spPr/>
+        <p:txBody>
+          <a:bodyPr/>
+          <a:lstStyle/>
+          <a:p>
+            <a:pPr lvl="0" indent="0" marL="0">
+              <a:buNone/>
+            </a:pPr>
+            <a:r>
+              <a:rPr/>
+              <a:t>Pain Medicines at Home</a:t>
+            </a:r>
+          </a:p>
+        </p:txBody>
+      </p:sp>
+      <p:sp>
+        <p:nvSpPr>
+          <p:cNvPr id="3" name="Content Placeholder 2"/>
+          <p:cNvSpPr>
+            <a:spLocks noGrp="1"/>
+          </p:cNvSpPr>
+          <p:nvPr>
+            <p:ph idx="1"/>
+          </p:nvPr>
+        </p:nvSpPr>
+        <p:spPr/>
+        <p:txBody>
+          <a:bodyPr/>
+          <a:lstStyle/>
+          <a:p>
+            <a:pPr lvl="0"/>
+            <a:r>
+              <a:rPr/>
+              <a:t>Acetaminophen 1000mg every 6 hours</a:t>
+            </a:r>
+          </a:p>
+          <a:p>
+            <a:pPr lvl="0"/>
+            <a:r>
+              <a:rPr/>
+              <a:t>Gabapentin 300mg every 8 hours</a:t>
+            </a:r>
+          </a:p>
+          <a:p>
+            <a:pPr lvl="0"/>
+            <a:r>
+              <a:rPr/>
+              <a:t>Oxycodone 5mg every 6 hours</a:t>
+            </a:r>
+          </a:p>
+          <a:p>
+            <a:pPr lvl="0" indent="0" marL="0">
+              <a:buNone/>
+            </a:pPr>
+            <a:r>
+              <a:rPr/>
+              <a:t>In most cases, oxycodone is no longer needed by 6 weeks after surgery</a:t>
+            </a:r>
+          </a:p>
+        </p:txBody>
+      </p:sp>
+    </p:spTree>
+  </p:cSld>
+</p:sld>
+</file>
+
+<file path=ppt/slides/slide39.xml><?xml version="1.0" encoding="utf-8"?>
+<p:sld xmlns:a="http://schemas.openxmlformats.org/drawingml/2006/main" xmlns:r="http://schemas.openxmlformats.org/officeDocument/2006/relationships" xmlns:p="http://schemas.openxmlformats.org/presentationml/2006/main">
+  <p:cSld>
+    <p:spTree>
+      <p:nvGrpSpPr>
+        <p:cNvPr id="1" name=""/>
+        <p:cNvGrpSpPr/>
+        <p:nvPr/>
+      </p:nvGrpSpPr>
+      <p:grpSpPr>
+        <a:xfrm>
+          <a:off x="0" y="0"/>
+          <a:ext cx="0" cy="0"/>
+          <a:chOff x="0" y="0"/>
+          <a:chExt cx="0" cy="0"/>
+        </a:xfrm>
+      </p:grpSpPr>
+      <p:sp>
+        <p:nvSpPr>
+          <p:cNvPr id="2" name="Title 1"/>
+          <p:cNvSpPr>
+            <a:spLocks noGrp="1"/>
+          </p:cNvSpPr>
+          <p:nvPr>
+            <p:ph type="title"/>
+          </p:nvPr>
+        </p:nvSpPr>
+        <p:spPr/>
+        <p:txBody>
+          <a:bodyPr/>
+          <a:lstStyle/>
+          <a:p>
+            <a:pPr lvl="0" indent="0" marL="0">
+              <a:buNone/>
+            </a:pPr>
+            <a:r>
+              <a:rPr/>
+              <a:t>Sleeping</a:t>
+            </a:r>
+          </a:p>
+        </p:txBody>
+      </p:sp>
+      <p:sp>
+        <p:nvSpPr>
+          <p:cNvPr id="3" name="Content Placeholder 2"/>
+          <p:cNvSpPr>
+            <a:spLocks noGrp="1"/>
+          </p:cNvSpPr>
+          <p:nvPr>
+            <p:ph idx="1" sz="half"/>
+          </p:nvPr>
+        </p:nvSpPr>
+        <p:spPr/>
+        <p:txBody>
+          <a:bodyPr/>
+          <a:lstStyle/>
+          <a:p>
+            <a:pPr lvl="0" indent="0" marL="0">
+              <a:buNone/>
+            </a:pPr>
+            <a:r>
+              <a:rPr/>
+              <a:t>Reflux can occur the first few weeks/months after surgery</a:t>
+            </a:r>
+          </a:p>
+          <a:p>
+            <a:pPr lvl="0" indent="0" marL="0">
+              <a:buNone/>
+            </a:pPr>
+            <a:r>
+              <a:rPr/>
+              <a:t>This improves over the first few months</a:t>
+            </a:r>
+          </a:p>
+          <a:p>
+            <a:pPr lvl="0" indent="0" marL="0">
+              <a:buNone/>
+            </a:pPr>
+            <a:r>
+              <a:rPr/>
+              <a:t>A wedge pillow can be helpful for sleep</a:t>
+            </a:r>
+          </a:p>
+        </p:txBody>
+      </p:sp>
+      <p:pic>
+        <p:nvPicPr>
+          <p:cNvPr descr="https://deidt7p41jzcy.cloudfront.net/wedge_pillow_comm.jpg" id="0" name="Picture 1"/>
+          <p:cNvPicPr>
+            <a:picLocks noGrp="1" noChangeAspect="1"/>
+          </p:cNvPicPr>
+          <p:nvPr/>
+        </p:nvPicPr>
+        <p:blipFill>
+          <a:blip r:embed="rId2"/>
+          <a:stretch>
+            <a:fillRect/>
+          </a:stretch>
+        </p:blipFill>
+        <p:spPr bwMode="auto">
+          <a:xfrm>
+            <a:off x="4978400" y="1193800"/>
+            <a:ext cx="3390900" cy="3390900"/>
+          </a:xfrm>
+          <a:prstGeom prst="rect">
+            <a:avLst/>
+          </a:prstGeom>
+          <a:noFill/>
+          <a:ln w="9525">
+            <a:noFill/>
+            <a:headEnd/>
+            <a:tailEnd/>
+          </a:ln>
+        </p:spPr>
+      </p:pic>
     </p:spTree>
   </p:cSld>
 </p:sld>
@@ -6648,6 +6947,374 @@
           </a:ln>
         </p:spPr>
       </p:pic>
+    </p:spTree>
+  </p:cSld>
+</p:sld>
+</file>
+
+<file path=ppt/slides/slide40.xml><?xml version="1.0" encoding="utf-8"?>
+<p:sld xmlns:a="http://schemas.openxmlformats.org/drawingml/2006/main" xmlns:r="http://schemas.openxmlformats.org/officeDocument/2006/relationships" xmlns:p="http://schemas.openxmlformats.org/presentationml/2006/main">
+  <p:cSld>
+    <p:spTree>
+      <p:nvGrpSpPr>
+        <p:cNvPr id="1" name=""/>
+        <p:cNvGrpSpPr/>
+        <p:nvPr/>
+      </p:nvGrpSpPr>
+      <p:grpSpPr>
+        <a:xfrm>
+          <a:off x="0" y="0"/>
+          <a:ext cx="0" cy="0"/>
+          <a:chOff x="0" y="0"/>
+          <a:chExt cx="0" cy="0"/>
+        </a:xfrm>
+      </p:grpSpPr>
+      <p:sp>
+        <p:nvSpPr>
+          <p:cNvPr id="2" name="Title 1"/>
+          <p:cNvSpPr>
+            <a:spLocks noGrp="1"/>
+          </p:cNvSpPr>
+          <p:nvPr>
+            <p:ph type="title"/>
+          </p:nvPr>
+        </p:nvSpPr>
+        <p:spPr/>
+        <p:txBody>
+          <a:bodyPr/>
+          <a:lstStyle/>
+          <a:p>
+            <a:pPr lvl="0" indent="0" marL="0">
+              <a:buNone/>
+            </a:pPr>
+            <a:r>
+              <a:rPr/>
+              <a:t>Postoperative Visit</a:t>
+            </a:r>
+          </a:p>
+        </p:txBody>
+      </p:sp>
+      <p:sp>
+        <p:nvSpPr>
+          <p:cNvPr id="3" name="Content Placeholder 2"/>
+          <p:cNvSpPr>
+            <a:spLocks noGrp="1"/>
+          </p:cNvSpPr>
+          <p:nvPr>
+            <p:ph idx="1"/>
+          </p:nvPr>
+        </p:nvSpPr>
+        <p:spPr/>
+        <p:txBody>
+          <a:bodyPr/>
+          <a:lstStyle/>
+          <a:p>
+            <a:pPr lvl="0" indent="0" marL="0">
+              <a:buNone/>
+            </a:pPr>
+            <a:r>
+              <a:rPr/>
+              <a:t>You will be seen in the office 7-10 days after discharge</a:t>
+            </a:r>
+          </a:p>
+          <a:p>
+            <a:pPr lvl="0"/>
+            <a:r>
+              <a:rPr/>
+              <a:t>Adjust medicines</a:t>
+            </a:r>
+          </a:p>
+          <a:p>
+            <a:pPr lvl="0"/>
+            <a:r>
+              <a:rPr/>
+              <a:t>Remove staples</a:t>
+            </a:r>
+          </a:p>
+          <a:p>
+            <a:pPr lvl="0"/>
+            <a:r>
+              <a:rPr/>
+              <a:t>Remove drains (if needed)</a:t>
+            </a:r>
+          </a:p>
+        </p:txBody>
+      </p:sp>
+    </p:spTree>
+  </p:cSld>
+</p:sld>
+</file>
+
+<file path=ppt/slides/slide41.xml><?xml version="1.0" encoding="utf-8"?>
+<p:sld xmlns:a="http://schemas.openxmlformats.org/drawingml/2006/main" xmlns:r="http://schemas.openxmlformats.org/officeDocument/2006/relationships" xmlns:p="http://schemas.openxmlformats.org/presentationml/2006/main">
+  <p:cSld>
+    <p:spTree>
+      <p:nvGrpSpPr>
+        <p:cNvPr id="1" name=""/>
+        <p:cNvGrpSpPr/>
+        <p:nvPr/>
+      </p:nvGrpSpPr>
+      <p:grpSpPr>
+        <a:xfrm>
+          <a:off x="0" y="0"/>
+          <a:ext cx="0" cy="0"/>
+          <a:chOff x="0" y="0"/>
+          <a:chExt cx="0" cy="0"/>
+        </a:xfrm>
+      </p:grpSpPr>
+      <p:sp>
+        <p:nvSpPr>
+          <p:cNvPr id="2" name="Title 1"/>
+          <p:cNvSpPr>
+            <a:spLocks noGrp="1"/>
+          </p:cNvSpPr>
+          <p:nvPr>
+            <p:ph type="title"/>
+          </p:nvPr>
+        </p:nvSpPr>
+        <p:spPr/>
+        <p:txBody>
+          <a:bodyPr/>
+          <a:lstStyle/>
+          <a:p>
+            <a:pPr lvl="0" indent="0" marL="0">
+              <a:buNone/>
+            </a:pPr>
+            <a:r>
+              <a:rPr/>
+              <a:t>Jejunostomy Removal</a:t>
+            </a:r>
+          </a:p>
+        </p:txBody>
+      </p:sp>
+      <p:sp>
+        <p:nvSpPr>
+          <p:cNvPr id="3" name="Content Placeholder 2"/>
+          <p:cNvSpPr>
+            <a:spLocks noGrp="1"/>
+          </p:cNvSpPr>
+          <p:nvPr>
+            <p:ph idx="1"/>
+          </p:nvPr>
+        </p:nvSpPr>
+        <p:spPr/>
+        <p:txBody>
+          <a:bodyPr/>
+          <a:lstStyle/>
+          <a:p>
+            <a:pPr lvl="0" indent="0" marL="0">
+              <a:buNone/>
+            </a:pPr>
+            <a:r>
+              <a:rPr/>
+              <a:t>Jejunostomy tube is removed in the office once you can take in enough nutrients by mouth (usually 8 weeks after surgery)</a:t>
+            </a:r>
+          </a:p>
+          <a:p>
+            <a:pPr lvl="0" indent="0" marL="0">
+              <a:buNone/>
+            </a:pPr>
+            <a:r>
+              <a:rPr/>
+              <a:t>Depending upon this tube, then may take 30 minutes and some local anesthethic to loosen up the tube for removal.</a:t>
+            </a:r>
+          </a:p>
+        </p:txBody>
+      </p:sp>
+    </p:spTree>
+  </p:cSld>
+</p:sld>
+</file>
+
+<file path=ppt/slides/slide42.xml><?xml version="1.0" encoding="utf-8"?>
+<p:sld xmlns:a="http://schemas.openxmlformats.org/drawingml/2006/main" xmlns:r="http://schemas.openxmlformats.org/officeDocument/2006/relationships" xmlns:p="http://schemas.openxmlformats.org/presentationml/2006/main">
+  <p:cSld>
+    <p:spTree>
+      <p:nvGrpSpPr>
+        <p:cNvPr id="1" name=""/>
+        <p:cNvGrpSpPr/>
+        <p:nvPr/>
+      </p:nvGrpSpPr>
+      <p:grpSpPr>
+        <a:xfrm>
+          <a:off x="0" y="0"/>
+          <a:ext cx="0" cy="0"/>
+          <a:chOff x="0" y="0"/>
+          <a:chExt cx="0" cy="0"/>
+        </a:xfrm>
+      </p:grpSpPr>
+      <p:sp>
+        <p:nvSpPr>
+          <p:cNvPr id="2" name="Title 1"/>
+          <p:cNvSpPr>
+            <a:spLocks noGrp="1"/>
+          </p:cNvSpPr>
+          <p:nvPr>
+            <p:ph type="title"/>
+          </p:nvPr>
+        </p:nvSpPr>
+        <p:spPr/>
+        <p:txBody>
+          <a:bodyPr/>
+          <a:lstStyle/>
+          <a:p>
+            <a:pPr lvl="0" indent="0" marL="0">
+              <a:buNone/>
+            </a:pPr>
+            <a:r>
+              <a:rPr/>
+              <a:t>Nutritional Monitoring</a:t>
+            </a:r>
+          </a:p>
+        </p:txBody>
+      </p:sp>
+      <p:sp>
+        <p:nvSpPr>
+          <p:cNvPr id="3" name="Content Placeholder 2"/>
+          <p:cNvSpPr>
+            <a:spLocks noGrp="1"/>
+          </p:cNvSpPr>
+          <p:nvPr>
+            <p:ph idx="1"/>
+          </p:nvPr>
+        </p:nvSpPr>
+        <p:spPr/>
+        <p:txBody>
+          <a:bodyPr/>
+          <a:lstStyle/>
+          <a:p>
+            <a:pPr lvl="0" indent="0" marL="0">
+              <a:buNone/>
+            </a:pPr>
+            <a:r>
+              <a:rPr/>
+              <a:t>After surgery, you may have some difficulty absorbing some nutrients:</a:t>
+            </a:r>
+          </a:p>
+          <a:p>
+            <a:pPr lvl="0"/>
+            <a:r>
+              <a:rPr/>
+              <a:t>Iron</a:t>
+            </a:r>
+          </a:p>
+          <a:p>
+            <a:pPr lvl="0"/>
+            <a:r>
+              <a:rPr/>
+              <a:t>Vitamin B12</a:t>
+            </a:r>
+          </a:p>
+          <a:p>
+            <a:pPr lvl="0"/>
+            <a:r>
+              <a:rPr/>
+              <a:t>Vitamin D</a:t>
+            </a:r>
+          </a:p>
+          <a:p>
+            <a:pPr lvl="0" indent="0" marL="0">
+              <a:buNone/>
+            </a:pPr>
+            <a:r>
+              <a:rPr/>
+              <a:t>About 3 months after the jejunostomy tube is removed, we will check blood levels of iron (ferritin), Vitamin B12, and Vitamin D.</a:t>
+            </a:r>
+          </a:p>
+          <a:p>
+            <a:pPr lvl="0" indent="0" marL="0">
+              <a:buNone/>
+            </a:pPr>
+            <a:r>
+              <a:rPr/>
+              <a:t>Vitamin or iron replacements can be ordered by your primary care physician, medical oncologist, or surgery.</a:t>
+            </a:r>
+          </a:p>
+          <a:p>
+            <a:pPr lvl="0" indent="0" marL="0">
+              <a:buNone/>
+            </a:pPr>
+            <a:r>
+              <a:rPr/>
+              <a:t>If levels are low, repeat testing in several months may be needed.</a:t>
+            </a:r>
+          </a:p>
+        </p:txBody>
+      </p:sp>
+    </p:spTree>
+  </p:cSld>
+</p:sld>
+</file>
+
+<file path=ppt/slides/slide43.xml><?xml version="1.0" encoding="utf-8"?>
+<p:sld xmlns:a="http://schemas.openxmlformats.org/drawingml/2006/main" xmlns:r="http://schemas.openxmlformats.org/officeDocument/2006/relationships" xmlns:p="http://schemas.openxmlformats.org/presentationml/2006/main">
+  <p:cSld>
+    <p:spTree>
+      <p:nvGrpSpPr>
+        <p:cNvPr id="1" name=""/>
+        <p:cNvGrpSpPr/>
+        <p:nvPr/>
+      </p:nvGrpSpPr>
+      <p:grpSpPr>
+        <a:xfrm>
+          <a:off x="0" y="0"/>
+          <a:ext cx="0" cy="0"/>
+          <a:chOff x="0" y="0"/>
+          <a:chExt cx="0" cy="0"/>
+        </a:xfrm>
+      </p:grpSpPr>
+      <p:sp>
+        <p:nvSpPr>
+          <p:cNvPr id="2" name="Title 1"/>
+          <p:cNvSpPr>
+            <a:spLocks noGrp="1"/>
+          </p:cNvSpPr>
+          <p:nvPr>
+            <p:ph type="title"/>
+          </p:nvPr>
+        </p:nvSpPr>
+        <p:spPr/>
+        <p:txBody>
+          <a:bodyPr/>
+          <a:lstStyle/>
+          <a:p>
+            <a:pPr lvl="0" indent="0" marL="0">
+              <a:buNone/>
+            </a:pPr>
+            <a:r>
+              <a:rPr/>
+              <a:t>Nutrition</a:t>
+            </a:r>
+          </a:p>
+        </p:txBody>
+      </p:sp>
+      <p:sp>
+        <p:nvSpPr>
+          <p:cNvPr id="3" name="Content Placeholder 2"/>
+          <p:cNvSpPr>
+            <a:spLocks noGrp="1"/>
+          </p:cNvSpPr>
+          <p:nvPr>
+            <p:ph idx="1"/>
+          </p:nvPr>
+        </p:nvSpPr>
+        <p:spPr/>
+        <p:txBody>
+          <a:bodyPr/>
+          <a:lstStyle/>
+          <a:p>
+            <a:pPr lvl="0" indent="0" marL="0">
+              <a:buNone/>
+            </a:pPr>
+            <a:r>
+              <a:rPr>
+                <a:hlinkClick r:id="rId2"/>
+              </a:rPr>
+              <a:t>Nutrition Slideshow</a:t>
+            </a:r>
+          </a:p>
+        </p:txBody>
+      </p:sp>
     </p:spTree>
   </p:cSld>
 </p:sld>

--- a/lci_surgery.pptx
+++ b/lci_surgery.pptx
@@ -48,6 +48,7 @@
     <p:sldId id="296" r:id="rId42"/>
     <p:sldId id="297" r:id="rId43"/>
     <p:sldId id="298" r:id="rId44"/>
+    <p:sldId id="299" r:id="rId45"/>
   </p:sldIdLst>
   <p:sldSz cx="9144000" cy="5143500" type="screen16x9"/>
   <p:notesSz cx="6858000" cy="9144000"/>
@@ -4087,7 +4088,28 @@
             </a:pPr>
             <a:r>
               <a:rPr/>
-              <a:t>If anastomosis does not heal properly, this can cause a leakage of fluid from the esophagus, called an anastomotic leak. If this happens, an infection can occur in the mediastinum, which is the space near the heart between the lungs.</a:t>
+              <a:t>If anastomosis does not heal properly:</a:t>
+            </a:r>
+          </a:p>
+          <a:p>
+            <a:pPr lvl="0"/>
+            <a:r>
+              <a:rPr/>
+              <a:t>Leakage of fluid from the esophagus</a:t>
+            </a:r>
+          </a:p>
+          <a:p>
+            <a:pPr lvl="0"/>
+            <a:r>
+              <a:rPr/>
+              <a:t>Infection in the space between the lungs</a:t>
+            </a:r>
+          </a:p>
+          <a:p>
+            <a:pPr lvl="0"/>
+            <a:r>
+              <a:rPr/>
+              <a:t>Requires additional time in the hospital</a:t>
             </a:r>
           </a:p>
         </p:txBody>
@@ -4176,33 +4198,75 @@
             <a:spLocks noGrp="1"/>
           </p:cNvSpPr>
           <p:nvPr>
-            <p:ph idx="1"/>
-          </p:nvPr>
-        </p:nvSpPr>
-        <p:spPr/>
-        <p:txBody>
-          <a:bodyPr/>
-          <a:lstStyle/>
-          <a:p>
-            <a:pPr lvl="0" indent="0" marL="0">
-              <a:buNone/>
-            </a:pPr>
-            <a:r>
-              <a:rPr/>
-              <a:t>In some cases, the leak will heal on its own, but other cases may require additional procedures or even surgery.</a:t>
-            </a:r>
-          </a:p>
-          <a:p>
-            <a:pPr lvl="0" indent="0" marL="0">
-              <a:buNone/>
-            </a:pPr>
-            <a:r>
-              <a:rPr/>
-              <a:t>The risk of leak depends upon the operation performed but also depends upon the experience of the surgeon.</a:t>
-            </a:r>
-          </a:p>
-        </p:txBody>
-      </p:sp>
+            <p:ph idx="1" sz="half"/>
+          </p:nvPr>
+        </p:nvSpPr>
+        <p:spPr/>
+        <p:txBody>
+          <a:bodyPr/>
+          <a:lstStyle/>
+          <a:p>
+            <a:pPr lvl="0" indent="0" marL="0">
+              <a:buNone/>
+            </a:pPr>
+            <a:r>
+              <a:rPr/>
+              <a:t>If an anastomotic leak does occur:</a:t>
+            </a:r>
+          </a:p>
+          <a:p>
+            <a:pPr lvl="0"/>
+            <a:r>
+              <a:rPr/>
+              <a:t>Some leaks will seal on their own</a:t>
+            </a:r>
+          </a:p>
+          <a:p>
+            <a:pPr lvl="0"/>
+            <a:r>
+              <a:rPr/>
+              <a:t>A stent may be required to help healing</a:t>
+            </a:r>
+          </a:p>
+          <a:p>
+            <a:pPr lvl="0"/>
+            <a:r>
+              <a:rPr/>
+              <a:t>Occasionally additional surgey is required</a:t>
+            </a:r>
+          </a:p>
+        </p:txBody>
+      </p:sp>
+      <p:pic>
+        <p:nvPicPr>
+          <p:cNvPr descr="https://deidt7p41jzcy.cloudfront.net/Eso_IvorLewis_Leak.png" id="0" name="Picture 1"/>
+          <p:cNvPicPr>
+            <a:picLocks noGrp="1" noChangeAspect="1"/>
+          </p:cNvPicPr>
+          <p:nvPr/>
+        </p:nvPicPr>
+        <p:blipFill>
+          <a:blip r:embed="rId2"/>
+          <a:stretch>
+            <a:fillRect/>
+          </a:stretch>
+        </p:blipFill>
+        <p:spPr bwMode="auto">
+          <a:xfrm>
+            <a:off x="5016500" y="1193800"/>
+            <a:ext cx="3302000" cy="3390900"/>
+          </a:xfrm>
+          <a:prstGeom prst="rect">
+            <a:avLst/>
+          </a:prstGeom>
+          <a:noFill/>
+          <a:ln w="9525">
+            <a:noFill/>
+            <a:headEnd/>
+            <a:tailEnd/>
+          </a:ln>
+        </p:spPr>
+      </p:pic>
     </p:spTree>
   </p:cSld>
 </p:sld>
@@ -4245,7 +4309,7 @@
             </a:pPr>
             <a:r>
               <a:rPr/>
-              <a:t>Pneumonia</a:t>
+              <a:t>Anastomotic Leak</a:t>
             </a:r>
           </a:p>
         </p:txBody>
@@ -4270,20 +4334,62 @@
             </a:pPr>
             <a:r>
               <a:rPr/>
-              <a:t>Pneumonia can occurs in about 10-15% of patients after esophagectomy.</a:t>
-            </a:r>
-          </a:p>
-          <a:p>
-            <a:pPr lvl="0" indent="0" marL="0">
-              <a:buNone/>
-            </a:pPr>
-            <a:r>
-              <a:rPr/>
-              <a:t>Pneumonia requires treatment with antibiotics and frequently requires a longer hospitalization.</a:t>
-            </a:r>
-          </a:p>
-        </p:txBody>
-      </p:sp>
+              <a:t>Risk of a leak depends upon:</a:t>
+            </a:r>
+          </a:p>
+          <a:p>
+            <a:pPr lvl="0"/>
+            <a:r>
+              <a:rPr/>
+              <a:t>Type of operation performed</a:t>
+            </a:r>
+          </a:p>
+          <a:p>
+            <a:pPr lvl="0"/>
+            <a:r>
+              <a:rPr/>
+              <a:t>Overall nutritional status of patient</a:t>
+            </a:r>
+          </a:p>
+          <a:p>
+            <a:pPr lvl="0"/>
+            <a:r>
+              <a:rPr/>
+              <a:t>Experience of the surgeon</a:t>
+            </a:r>
+          </a:p>
+        </p:txBody>
+      </p:sp>
+      <p:pic>
+        <p:nvPicPr>
+          <p:cNvPr descr="https://deidt7p41jzcy.cloudfront.net/Eso_IvorLewis_Leak.png" id="0" name="Picture 1"/>
+          <p:cNvPicPr>
+            <a:picLocks noGrp="1" noChangeAspect="1"/>
+          </p:cNvPicPr>
+          <p:nvPr/>
+        </p:nvPicPr>
+        <p:blipFill>
+          <a:blip r:embed="rId2"/>
+          <a:stretch>
+            <a:fillRect/>
+          </a:stretch>
+        </p:blipFill>
+        <p:spPr bwMode="auto">
+          <a:xfrm>
+            <a:off x="5016500" y="1193800"/>
+            <a:ext cx="3302000" cy="3390900"/>
+          </a:xfrm>
+          <a:prstGeom prst="rect">
+            <a:avLst/>
+          </a:prstGeom>
+          <a:noFill/>
+          <a:ln w="9525">
+            <a:noFill/>
+            <a:headEnd/>
+            <a:tailEnd/>
+          </a:ln>
+        </p:spPr>
+      </p:pic>
     </p:spTree>
   </p:cSld>
 </p:sld>
@@ -4326,7 +4432,7 @@
             </a:pPr>
             <a:r>
               <a:rPr/>
-              <a:t>Preventing Pneumonia</a:t>
+              <a:t>Pneumonia</a:t>
             </a:r>
           </a:p>
         </p:txBody>
@@ -4338,62 +4444,278 @@
             <a:spLocks noGrp="1"/>
           </p:cNvSpPr>
           <p:nvPr>
-            <p:ph idx="1"/>
-          </p:nvPr>
-        </p:nvSpPr>
-        <p:spPr/>
-        <p:txBody>
-          <a:bodyPr/>
-          <a:lstStyle/>
-          <a:p>
-            <a:pPr lvl="0" indent="0" marL="0">
-              <a:buNone/>
-            </a:pPr>
-            <a:r>
-              <a:rPr/>
-              <a:t>In normal circumstances, secretions from the mouth and throat aren’t able to enter the lungs because we clear our throat and if secretions do get into our airway, we tend to cough and keep those secretions out of our lungs. This happens constantly without our thinking about it.</a:t>
-            </a:r>
-          </a:p>
-          <a:p>
-            <a:pPr lvl="0" indent="0" marL="0">
-              <a:buNone/>
-            </a:pPr>
-            <a:r>
-              <a:rPr/>
-              <a:t>After esophagectomy, however, there is a tendency for secretions to enter the airway, and if you can’t clear them, there is a risk that pneumonia will set in.</a:t>
-            </a:r>
-          </a:p>
-          <a:p>
-            <a:pPr lvl="0" indent="0" marL="0">
-              <a:buNone/>
-            </a:pPr>
-            <a:r>
-              <a:rPr/>
-              <a:t>There are two important ways that pneumonia can be prevented:</a:t>
-            </a:r>
-          </a:p>
-          <a:p>
-            <a:pPr lvl="0"/>
-            <a:r>
-              <a:rPr/>
-              <a:t>Deep breathing</a:t>
-            </a:r>
-          </a:p>
-          <a:p>
-            <a:pPr lvl="0"/>
-            <a:r>
-              <a:rPr/>
-              <a:t>Walking</a:t>
-            </a:r>
-          </a:p>
-        </p:txBody>
-      </p:sp>
+            <p:ph idx="1" sz="half"/>
+          </p:nvPr>
+        </p:nvSpPr>
+        <p:spPr/>
+        <p:txBody>
+          <a:bodyPr/>
+          <a:lstStyle/>
+          <a:p>
+            <a:pPr lvl="0" indent="0" marL="0">
+              <a:buNone/>
+            </a:pPr>
+            <a:r>
+              <a:rPr/>
+              <a:t>Pneumonia can occurs in about 10-15% of patients after esophagectomy.</a:t>
+            </a:r>
+          </a:p>
+          <a:p>
+            <a:pPr lvl="0" indent="0" marL="0">
+              <a:buNone/>
+            </a:pPr>
+            <a:r>
+              <a:rPr/>
+              <a:t>Pneumonia requires treatment with antibiotics and frequently requires a longer hospitalization.</a:t>
+            </a:r>
+          </a:p>
+        </p:txBody>
+      </p:sp>
+      <p:pic>
+        <p:nvPicPr>
+          <p:cNvPr descr="https://deidt7p41jzcy.cloudfront.net/Eso_LungsArtboard.png" id="0" name="Picture 1"/>
+          <p:cNvPicPr>
+            <a:picLocks noGrp="1" noChangeAspect="1"/>
+          </p:cNvPicPr>
+          <p:nvPr/>
+        </p:nvPicPr>
+        <p:blipFill>
+          <a:blip r:embed="rId2"/>
+          <a:stretch>
+            <a:fillRect/>
+          </a:stretch>
+        </p:blipFill>
+        <p:spPr bwMode="auto">
+          <a:xfrm>
+            <a:off x="5016500" y="1193800"/>
+            <a:ext cx="3302000" cy="3390900"/>
+          </a:xfrm>
+          <a:prstGeom prst="rect">
+            <a:avLst/>
+          </a:prstGeom>
+          <a:noFill/>
+          <a:ln w="9525">
+            <a:noFill/>
+            <a:headEnd/>
+            <a:tailEnd/>
+          </a:ln>
+        </p:spPr>
+      </p:pic>
     </p:spTree>
   </p:cSld>
 </p:sld>
 </file>
 
 <file path=ppt/slides/slide19.xml><?xml version="1.0" encoding="utf-8"?>
+<p:sld xmlns:a="http://schemas.openxmlformats.org/drawingml/2006/main" xmlns:r="http://schemas.openxmlformats.org/officeDocument/2006/relationships" xmlns:p="http://schemas.openxmlformats.org/presentationml/2006/main">
+  <p:cSld>
+    <p:spTree>
+      <p:nvGrpSpPr>
+        <p:cNvPr id="1" name=""/>
+        <p:cNvGrpSpPr/>
+        <p:nvPr/>
+      </p:nvGrpSpPr>
+      <p:grpSpPr>
+        <a:xfrm>
+          <a:off x="0" y="0"/>
+          <a:ext cx="0" cy="0"/>
+          <a:chOff x="0" y="0"/>
+          <a:chExt cx="0" cy="0"/>
+        </a:xfrm>
+      </p:grpSpPr>
+      <p:sp>
+        <p:nvSpPr>
+          <p:cNvPr id="2" name="Title 1"/>
+          <p:cNvSpPr>
+            <a:spLocks noGrp="1"/>
+          </p:cNvSpPr>
+          <p:nvPr>
+            <p:ph type="title"/>
+          </p:nvPr>
+        </p:nvSpPr>
+        <p:spPr/>
+        <p:txBody>
+          <a:bodyPr/>
+          <a:lstStyle/>
+          <a:p>
+            <a:pPr lvl="0" indent="0" marL="0">
+              <a:buNone/>
+            </a:pPr>
+            <a:r>
+              <a:rPr/>
+              <a:t>Preventing Pneumonia</a:t>
+            </a:r>
+          </a:p>
+        </p:txBody>
+      </p:sp>
+      <p:sp>
+        <p:nvSpPr>
+          <p:cNvPr id="3" name="Content Placeholder 2"/>
+          <p:cNvSpPr>
+            <a:spLocks noGrp="1"/>
+          </p:cNvSpPr>
+          <p:nvPr>
+            <p:ph idx="1"/>
+          </p:nvPr>
+        </p:nvSpPr>
+        <p:spPr/>
+        <p:txBody>
+          <a:bodyPr/>
+          <a:lstStyle/>
+          <a:p>
+            <a:pPr lvl="0" indent="0" marL="0">
+              <a:buNone/>
+            </a:pPr>
+            <a:r>
+              <a:rPr/>
+              <a:t>There are several ways to help prevent pneumonia after surgery:</a:t>
+            </a:r>
+          </a:p>
+          <a:p>
+            <a:pPr lvl="0"/>
+            <a:r>
+              <a:rPr/>
+              <a:t>Deep breathing</a:t>
+            </a:r>
+          </a:p>
+          <a:p>
+            <a:pPr lvl="0"/>
+            <a:r>
+              <a:rPr/>
+              <a:t>Coughing</a:t>
+            </a:r>
+          </a:p>
+          <a:p>
+            <a:pPr lvl="0"/>
+            <a:r>
+              <a:rPr/>
+              <a:t>Walking</a:t>
+            </a:r>
+          </a:p>
+          <a:p>
+            <a:pPr lvl="0" indent="0" marL="0">
+              <a:buNone/>
+            </a:pPr>
+            <a:r>
+              <a:rPr/>
+              <a:t>After surgery, this means:</a:t>
+            </a:r>
+          </a:p>
+          <a:p>
+            <a:pPr lvl="0"/>
+            <a:r>
+              <a:rPr/>
+              <a:t>Sitting in a chair most of the day</a:t>
+            </a:r>
+          </a:p>
+          <a:p>
+            <a:pPr lvl="0"/>
+            <a:r>
+              <a:rPr/>
+              <a:t>Walking in the halls as soon as possible</a:t>
+            </a:r>
+          </a:p>
+        </p:txBody>
+      </p:sp>
+    </p:spTree>
+  </p:cSld>
+</p:sld>
+</file>
+
+<file path=ppt/slides/slide2.xml><?xml version="1.0" encoding="utf-8"?>
+<p:sld xmlns:a="http://schemas.openxmlformats.org/drawingml/2006/main" xmlns:r="http://schemas.openxmlformats.org/officeDocument/2006/relationships" xmlns:p="http://schemas.openxmlformats.org/presentationml/2006/main">
+  <p:cSld>
+    <p:spTree>
+      <p:nvGrpSpPr>
+        <p:cNvPr id="1" name=""/>
+        <p:cNvGrpSpPr/>
+        <p:nvPr/>
+      </p:nvGrpSpPr>
+      <p:grpSpPr>
+        <a:xfrm>
+          <a:off x="0" y="0"/>
+          <a:ext cx="0" cy="0"/>
+          <a:chOff x="0" y="0"/>
+          <a:chExt cx="0" cy="0"/>
+        </a:xfrm>
+      </p:grpSpPr>
+      <p:sp>
+        <p:nvSpPr>
+          <p:cNvPr id="2" name="Title 1"/>
+          <p:cNvSpPr>
+            <a:spLocks noGrp="1"/>
+          </p:cNvSpPr>
+          <p:nvPr>
+            <p:ph type="title"/>
+          </p:nvPr>
+        </p:nvSpPr>
+        <p:spPr/>
+        <p:txBody>
+          <a:bodyPr/>
+          <a:lstStyle/>
+          <a:p>
+            <a:pPr lvl="0" indent="0" marL="0">
+              <a:buNone/>
+            </a:pPr>
+            <a:r>
+              <a:rPr/>
+              <a:t>Surgery for Esophageal Cancer</a:t>
+            </a:r>
+          </a:p>
+        </p:txBody>
+      </p:sp>
+      <p:sp>
+        <p:nvSpPr>
+          <p:cNvPr id="3" name="Content Placeholder 2"/>
+          <p:cNvSpPr>
+            <a:spLocks noGrp="1"/>
+          </p:cNvSpPr>
+          <p:nvPr>
+            <p:ph idx="1"/>
+          </p:nvPr>
+        </p:nvSpPr>
+        <p:spPr/>
+        <p:txBody>
+          <a:bodyPr/>
+          <a:lstStyle/>
+          <a:p>
+            <a:pPr lvl="0" indent="0" marL="0">
+              <a:buNone/>
+            </a:pPr>
+            <a:r>
+              <a:rPr/>
+              <a:t>Surgery for esophageal cancer is generally performed in several situations:</a:t>
+            </a:r>
+          </a:p>
+          <a:p>
+            <a:pPr lvl="0"/>
+            <a:r>
+              <a:rPr/>
+              <a:t>Superficial Tumors (T1) that can’t be completely removed by endoscopy</a:t>
+            </a:r>
+          </a:p>
+          <a:p>
+            <a:pPr lvl="0"/>
+            <a:r>
+              <a:rPr/>
+              <a:t>Localized Tumors (T2N0)</a:t>
+            </a:r>
+          </a:p>
+          <a:p>
+            <a:pPr lvl="0"/>
+            <a:r>
+              <a:rPr/>
+              <a:t>Locally Advanced Tumors (T3 or N+) after preoperative therapy.</a:t>
+            </a:r>
+          </a:p>
+        </p:txBody>
+      </p:sp>
+    </p:spTree>
+  </p:cSld>
+</p:sld>
+</file>
+
+<file path=ppt/slides/slide20.xml><?xml version="1.0" encoding="utf-8"?>
 <p:sld xmlns:a="http://schemas.openxmlformats.org/drawingml/2006/main" xmlns:r="http://schemas.openxmlformats.org/officeDocument/2006/relationships" xmlns:p="http://schemas.openxmlformats.org/presentationml/2006/main">
   <p:cSld>
     <p:spTree>
@@ -4500,206 +4822,6 @@
 </p:sld>
 </file>
 
-<file path=ppt/slides/slide2.xml><?xml version="1.0" encoding="utf-8"?>
-<p:sld xmlns:a="http://schemas.openxmlformats.org/drawingml/2006/main" xmlns:r="http://schemas.openxmlformats.org/officeDocument/2006/relationships" xmlns:p="http://schemas.openxmlformats.org/presentationml/2006/main">
-  <p:cSld>
-    <p:spTree>
-      <p:nvGrpSpPr>
-        <p:cNvPr id="1" name=""/>
-        <p:cNvGrpSpPr/>
-        <p:nvPr/>
-      </p:nvGrpSpPr>
-      <p:grpSpPr>
-        <a:xfrm>
-          <a:off x="0" y="0"/>
-          <a:ext cx="0" cy="0"/>
-          <a:chOff x="0" y="0"/>
-          <a:chExt cx="0" cy="0"/>
-        </a:xfrm>
-      </p:grpSpPr>
-      <p:sp>
-        <p:nvSpPr>
-          <p:cNvPr id="2" name="Title 1"/>
-          <p:cNvSpPr>
-            <a:spLocks noGrp="1"/>
-          </p:cNvSpPr>
-          <p:nvPr>
-            <p:ph type="title"/>
-          </p:nvPr>
-        </p:nvSpPr>
-        <p:spPr/>
-        <p:txBody>
-          <a:bodyPr/>
-          <a:lstStyle/>
-          <a:p>
-            <a:pPr lvl="0" indent="0" marL="0">
-              <a:buNone/>
-            </a:pPr>
-            <a:r>
-              <a:rPr/>
-              <a:t>Surgery for Esophageal Cancer</a:t>
-            </a:r>
-          </a:p>
-        </p:txBody>
-      </p:sp>
-      <p:sp>
-        <p:nvSpPr>
-          <p:cNvPr id="3" name="Content Placeholder 2"/>
-          <p:cNvSpPr>
-            <a:spLocks noGrp="1"/>
-          </p:cNvSpPr>
-          <p:nvPr>
-            <p:ph idx="1"/>
-          </p:nvPr>
-        </p:nvSpPr>
-        <p:spPr/>
-        <p:txBody>
-          <a:bodyPr/>
-          <a:lstStyle/>
-          <a:p>
-            <a:pPr lvl="0" indent="0" marL="0">
-              <a:buNone/>
-            </a:pPr>
-            <a:r>
-              <a:rPr/>
-              <a:t>Surgery for esophageal cancer is generally performed in several situations:</a:t>
-            </a:r>
-          </a:p>
-          <a:p>
-            <a:pPr lvl="0"/>
-            <a:r>
-              <a:rPr/>
-              <a:t>Superficial Tumors (T1) that can’t be completely removed by endoscopy</a:t>
-            </a:r>
-          </a:p>
-          <a:p>
-            <a:pPr lvl="0"/>
-            <a:r>
-              <a:rPr/>
-              <a:t>Localized Tumors (T2N0)</a:t>
-            </a:r>
-          </a:p>
-          <a:p>
-            <a:pPr lvl="0"/>
-            <a:r>
-              <a:rPr/>
-              <a:t>Locally Advanced Tumors (T3 or N+) after preoperative therapy.</a:t>
-            </a:r>
-          </a:p>
-        </p:txBody>
-      </p:sp>
-    </p:spTree>
-  </p:cSld>
-</p:sld>
-</file>
-
-<file path=ppt/slides/slide20.xml><?xml version="1.0" encoding="utf-8"?>
-<p:sld xmlns:a="http://schemas.openxmlformats.org/drawingml/2006/main" xmlns:r="http://schemas.openxmlformats.org/officeDocument/2006/relationships" xmlns:p="http://schemas.openxmlformats.org/presentationml/2006/main">
-  <p:cSld>
-    <p:spTree>
-      <p:nvGrpSpPr>
-        <p:cNvPr id="1" name=""/>
-        <p:cNvGrpSpPr/>
-        <p:nvPr/>
-      </p:nvGrpSpPr>
-      <p:grpSpPr>
-        <a:xfrm>
-          <a:off x="0" y="0"/>
-          <a:ext cx="0" cy="0"/>
-          <a:chOff x="0" y="0"/>
-          <a:chExt cx="0" cy="0"/>
-        </a:xfrm>
-      </p:grpSpPr>
-      <p:sp>
-        <p:nvSpPr>
-          <p:cNvPr id="2" name="Title 1"/>
-          <p:cNvSpPr>
-            <a:spLocks noGrp="1"/>
-          </p:cNvSpPr>
-          <p:nvPr>
-            <p:ph type="title"/>
-          </p:nvPr>
-        </p:nvSpPr>
-        <p:spPr/>
-        <p:txBody>
-          <a:bodyPr/>
-          <a:lstStyle/>
-          <a:p>
-            <a:pPr lvl="0" indent="0" marL="0">
-              <a:buNone/>
-            </a:pPr>
-            <a:r>
-              <a:rPr/>
-              <a:t>Risks of Surgery</a:t>
-            </a:r>
-          </a:p>
-        </p:txBody>
-      </p:sp>
-      <p:sp>
-        <p:nvSpPr>
-          <p:cNvPr id="3" name="Content Placeholder 2"/>
-          <p:cNvSpPr>
-            <a:spLocks noGrp="1"/>
-          </p:cNvSpPr>
-          <p:nvPr>
-            <p:ph idx="1"/>
-          </p:nvPr>
-        </p:nvSpPr>
-        <p:spPr/>
-        <p:txBody>
-          <a:bodyPr/>
-          <a:lstStyle/>
-          <a:p>
-            <a:pPr lvl="0" indent="0" marL="0">
-              <a:buNone/>
-            </a:pPr>
-            <a:r>
-              <a:rPr/>
-              <a:t>Risks related to anesthesia</a:t>
-            </a:r>
-          </a:p>
-          <a:p>
-            <a:pPr lvl="0"/>
-            <a:r>
-              <a:rPr/>
-              <a:t>Heart attack (5%)</a:t>
-            </a:r>
-          </a:p>
-          <a:p>
-            <a:pPr lvl="0"/>
-            <a:r>
-              <a:rPr/>
-              <a:t>Irregular heart rhythm (15%)</a:t>
-            </a:r>
-          </a:p>
-          <a:p>
-            <a:pPr lvl="0"/>
-            <a:r>
-              <a:rPr/>
-              <a:t>Pneumonia (10%)</a:t>
-            </a:r>
-          </a:p>
-          <a:p>
-            <a:pPr lvl="0"/>
-            <a:r>
-              <a:rPr/>
-              <a:t>Blood clots in legs (&lt;5%)</a:t>
-            </a:r>
-          </a:p>
-          <a:p>
-            <a:pPr lvl="0"/>
-            <a:r>
-              <a:rPr/>
-              <a:t>Pulmonary embolism (2%)</a:t>
-            </a:r>
-          </a:p>
-        </p:txBody>
-      </p:sp>
-    </p:spTree>
-  </p:cSld>
-</p:sld>
-</file>
-
 <file path=ppt/slides/slide21.xml><?xml version="1.0" encoding="utf-8"?>
 <p:sld xmlns:a="http://schemas.openxmlformats.org/drawingml/2006/main" xmlns:r="http://schemas.openxmlformats.org/officeDocument/2006/relationships" xmlns:p="http://schemas.openxmlformats.org/presentationml/2006/main">
   <p:cSld>
@@ -4762,49 +4884,42 @@
             </a:pPr>
             <a:r>
               <a:rPr/>
-              <a:t>Risks related to Surgery</a:t>
-            </a:r>
-          </a:p>
-          <a:p>
-            <a:pPr lvl="0"/>
-            <a:r>
-              <a:rPr/>
-              <a:t>Anastomotic leak (5%)</a:t>
-            </a:r>
-          </a:p>
-          <a:p>
-            <a:pPr lvl="0"/>
-            <a:r>
-              <a:rPr/>
-              <a:t>Stricture at anastomosis (15%)</a:t>
-            </a:r>
-          </a:p>
-          <a:p>
-            <a:pPr lvl="0"/>
-            <a:r>
-              <a:rPr/>
-              <a:t>Death within 90 days of surgery</a:t>
-            </a:r>
-          </a:p>
-          <a:p>
-            <a:pPr lvl="1"/>
-            <a:r>
-              <a:rPr/>
-              <a:t>Low risk patients = 2%</a:t>
-            </a:r>
-          </a:p>
-          <a:p>
-            <a:pPr lvl="1"/>
-            <a:r>
-              <a:rPr/>
-              <a:t>Intermediate risk = 10%</a:t>
-            </a:r>
-          </a:p>
-          <a:p>
-            <a:pPr lvl="1"/>
-            <a:r>
-              <a:rPr/>
-              <a:t>High risk = 30%</a:t>
+              <a:t>Risks related to anesthesia</a:t>
+            </a:r>
+          </a:p>
+          <a:p>
+            <a:pPr lvl="0"/>
+            <a:r>
+              <a:rPr/>
+              <a:t>Heart attack (5%)</a:t>
+            </a:r>
+          </a:p>
+          <a:p>
+            <a:pPr lvl="0"/>
+            <a:r>
+              <a:rPr/>
+              <a:t>Irregular heart rhythm (15%)</a:t>
+            </a:r>
+          </a:p>
+          <a:p>
+            <a:pPr lvl="0"/>
+            <a:r>
+              <a:rPr/>
+              <a:t>Pneumonia (10%)</a:t>
+            </a:r>
+          </a:p>
+          <a:p>
+            <a:pPr lvl="0"/>
+            <a:r>
+              <a:rPr/>
+              <a:t>Blood clots in legs (&lt;5%)</a:t>
+            </a:r>
+          </a:p>
+          <a:p>
+            <a:pPr lvl="0"/>
+            <a:r>
+              <a:rPr/>
+              <a:t>Pulmonary embolism (2%)</a:t>
             </a:r>
           </a:p>
         </p:txBody>
@@ -4815,6 +4930,120 @@
 </file>
 
 <file path=ppt/slides/slide22.xml><?xml version="1.0" encoding="utf-8"?>
+<p:sld xmlns:a="http://schemas.openxmlformats.org/drawingml/2006/main" xmlns:r="http://schemas.openxmlformats.org/officeDocument/2006/relationships" xmlns:p="http://schemas.openxmlformats.org/presentationml/2006/main">
+  <p:cSld>
+    <p:spTree>
+      <p:nvGrpSpPr>
+        <p:cNvPr id="1" name=""/>
+        <p:cNvGrpSpPr/>
+        <p:nvPr/>
+      </p:nvGrpSpPr>
+      <p:grpSpPr>
+        <a:xfrm>
+          <a:off x="0" y="0"/>
+          <a:ext cx="0" cy="0"/>
+          <a:chOff x="0" y="0"/>
+          <a:chExt cx="0" cy="0"/>
+        </a:xfrm>
+      </p:grpSpPr>
+      <p:sp>
+        <p:nvSpPr>
+          <p:cNvPr id="2" name="Title 1"/>
+          <p:cNvSpPr>
+            <a:spLocks noGrp="1"/>
+          </p:cNvSpPr>
+          <p:nvPr>
+            <p:ph type="title"/>
+          </p:nvPr>
+        </p:nvSpPr>
+        <p:spPr/>
+        <p:txBody>
+          <a:bodyPr/>
+          <a:lstStyle/>
+          <a:p>
+            <a:pPr lvl="0" indent="0" marL="0">
+              <a:buNone/>
+            </a:pPr>
+            <a:r>
+              <a:rPr/>
+              <a:t>Risks of Surgery</a:t>
+            </a:r>
+          </a:p>
+        </p:txBody>
+      </p:sp>
+      <p:sp>
+        <p:nvSpPr>
+          <p:cNvPr id="3" name="Content Placeholder 2"/>
+          <p:cNvSpPr>
+            <a:spLocks noGrp="1"/>
+          </p:cNvSpPr>
+          <p:nvPr>
+            <p:ph idx="1"/>
+          </p:nvPr>
+        </p:nvSpPr>
+        <p:spPr/>
+        <p:txBody>
+          <a:bodyPr/>
+          <a:lstStyle/>
+          <a:p>
+            <a:pPr lvl="0" indent="0" marL="0">
+              <a:buNone/>
+            </a:pPr>
+            <a:r>
+              <a:rPr/>
+              <a:t>Risks related to Surgery</a:t>
+            </a:r>
+          </a:p>
+          <a:p>
+            <a:pPr lvl="0"/>
+            <a:r>
+              <a:rPr/>
+              <a:t>Anastomotic leak (5%)</a:t>
+            </a:r>
+          </a:p>
+          <a:p>
+            <a:pPr lvl="0"/>
+            <a:r>
+              <a:rPr/>
+              <a:t>Stricture at anastomosis (15%)</a:t>
+            </a:r>
+          </a:p>
+          <a:p>
+            <a:pPr lvl="0"/>
+            <a:r>
+              <a:rPr/>
+              <a:t>Death within 90 days of surgery</a:t>
+            </a:r>
+          </a:p>
+          <a:p>
+            <a:pPr lvl="1"/>
+            <a:r>
+              <a:rPr/>
+              <a:t>Low risk patients = 2%</a:t>
+            </a:r>
+          </a:p>
+          <a:p>
+            <a:pPr lvl="1"/>
+            <a:r>
+              <a:rPr/>
+              <a:t>Intermediate risk = 10%</a:t>
+            </a:r>
+          </a:p>
+          <a:p>
+            <a:pPr lvl="1"/>
+            <a:r>
+              <a:rPr/>
+              <a:t>High risk = 30%</a:t>
+            </a:r>
+          </a:p>
+        </p:txBody>
+      </p:sp>
+    </p:spTree>
+  </p:cSld>
+</p:sld>
+</file>
+
+<file path=ppt/slides/slide23.xml><?xml version="1.0" encoding="utf-8"?>
 <p:sld xmlns:a="http://schemas.openxmlformats.org/drawingml/2006/main" xmlns:r="http://schemas.openxmlformats.org/officeDocument/2006/relationships" xmlns:p="http://schemas.openxmlformats.org/presentationml/2006/main">
   <p:cSld>
     <p:spTree>
@@ -5058,90 +5287,6 @@
 </p:sld>
 </file>
 
-<file path=ppt/slides/slide23.xml><?xml version="1.0" encoding="utf-8"?>
-<p:sld xmlns:a="http://schemas.openxmlformats.org/drawingml/2006/main" xmlns:r="http://schemas.openxmlformats.org/officeDocument/2006/relationships" xmlns:p="http://schemas.openxmlformats.org/presentationml/2006/main">
-  <p:cSld>
-    <p:spTree>
-      <p:nvGrpSpPr>
-        <p:cNvPr id="1" name=""/>
-        <p:cNvGrpSpPr/>
-        <p:nvPr/>
-      </p:nvGrpSpPr>
-      <p:grpSpPr>
-        <a:xfrm>
-          <a:off x="0" y="0"/>
-          <a:ext cx="0" cy="0"/>
-          <a:chOff x="0" y="0"/>
-          <a:chExt cx="0" cy="0"/>
-        </a:xfrm>
-      </p:grpSpPr>
-      <p:sp>
-        <p:nvSpPr>
-          <p:cNvPr id="2" name="Title 1"/>
-          <p:cNvSpPr>
-            <a:spLocks noGrp="1"/>
-          </p:cNvSpPr>
-          <p:nvPr>
-            <p:ph type="title"/>
-          </p:nvPr>
-        </p:nvSpPr>
-        <p:spPr/>
-        <p:txBody>
-          <a:bodyPr/>
-          <a:lstStyle/>
-          <a:p>
-            <a:pPr lvl="0" indent="0" marL="0">
-              <a:buNone/>
-            </a:pPr>
-            <a:r>
-              <a:rPr/>
-              <a:t>Day Prior to Surgery</a:t>
-            </a:r>
-          </a:p>
-        </p:txBody>
-      </p:sp>
-      <p:sp>
-        <p:nvSpPr>
-          <p:cNvPr id="3" name="Content Placeholder 2"/>
-          <p:cNvSpPr>
-            <a:spLocks noGrp="1"/>
-          </p:cNvSpPr>
-          <p:nvPr>
-            <p:ph idx="1"/>
-          </p:nvPr>
-        </p:nvSpPr>
-        <p:spPr/>
-        <p:txBody>
-          <a:bodyPr/>
-          <a:lstStyle/>
-          <a:p>
-            <a:pPr lvl="0"/>
-            <a:r>
-              <a:rPr/>
-              <a:t>Clear liquids for 24 hours prior to surgery</a:t>
-            </a:r>
-          </a:p>
-          <a:p>
-            <a:pPr lvl="0"/>
-            <a:r>
-              <a:rPr/>
-              <a:t>Check with Pre-op nurse regarding medicines day prior to surgery</a:t>
-            </a:r>
-          </a:p>
-          <a:p>
-            <a:pPr lvl="0"/>
-            <a:r>
-              <a:rPr/>
-              <a:t>No tube feedings the night before surgery</a:t>
-            </a:r>
-          </a:p>
-        </p:txBody>
-      </p:sp>
-    </p:spTree>
-  </p:cSld>
-</p:sld>
-</file>
-
 <file path=ppt/slides/slide24.xml><?xml version="1.0" encoding="utf-8"?>
 <p:sld xmlns:a="http://schemas.openxmlformats.org/drawingml/2006/main" xmlns:r="http://schemas.openxmlformats.org/officeDocument/2006/relationships" xmlns:p="http://schemas.openxmlformats.org/presentationml/2006/main">
   <p:cSld>
@@ -5179,7 +5324,7 @@
             </a:pPr>
             <a:r>
               <a:rPr/>
-              <a:t>Day of Surgery</a:t>
+              <a:t>Day Prior to Surgery</a:t>
             </a:r>
           </a:p>
         </p:txBody>
@@ -5202,35 +5347,21 @@
             <a:pPr lvl="0"/>
             <a:r>
               <a:rPr/>
-              <a:t>Arrive at 5am – nothing to eat or drink after midnight.</a:t>
-            </a:r>
-          </a:p>
-          <a:p>
-            <a:pPr lvl="0"/>
-            <a:r>
-              <a:rPr/>
-              <a:t>OK to take medicines with a sip of water (or coffee) but no cream.</a:t>
-            </a:r>
-          </a:p>
-          <a:p>
-            <a:pPr lvl="0"/>
-            <a:r>
-              <a:rPr/>
-              <a:t>Surgery may be cancelled if you take even a sip of cream or milk the morning of surgery.</a:t>
-            </a:r>
-          </a:p>
-          <a:p>
-            <a:pPr lvl="0"/>
-            <a:r>
-              <a:rPr/>
-              <a:t>Waiting room on 5th floor</a:t>
-            </a:r>
-          </a:p>
-          <a:p>
-            <a:pPr lvl="0"/>
-            <a:r>
-              <a:rPr/>
-              <a:t>Post-operative care in STICU (11th floor)</a:t>
+              <a:t>Clear liquids for 24 hours prior to surgery</a:t>
+            </a:r>
+          </a:p>
+          <a:p>
+            <a:pPr lvl="0"/>
+            <a:r>
+              <a:rPr/>
+              <a:t>Check with Pre-op nurse regarding medicines day prior to surgery</a:t>
+            </a:r>
+          </a:p>
+          <a:p>
+            <a:pPr lvl="0"/>
+            <a:r>
+              <a:rPr/>
+              <a:t>No tube feedings the night before surgery</a:t>
             </a:r>
           </a:p>
         </p:txBody>
@@ -5277,7 +5408,7 @@
             </a:pPr>
             <a:r>
               <a:rPr/>
-              <a:t>Anesthesia</a:t>
+              <a:t>Day of Surgery</a:t>
             </a:r>
           </a:p>
         </p:txBody>
@@ -5297,40 +5428,38 @@
           <a:bodyPr/>
           <a:lstStyle/>
           <a:p>
-            <a:pPr lvl="0" indent="0" marL="0">
-              <a:buNone/>
-            </a:pPr>
-            <a:r>
-              <a:rPr/>
-              <a:t>Epidural catheter for pain control</a:t>
-            </a:r>
-          </a:p>
-          <a:p>
-            <a:pPr lvl="0"/>
-            <a:r>
-              <a:rPr/>
-              <a:t>Remains in place for 2-5 days</a:t>
-            </a:r>
-          </a:p>
-          <a:p>
-            <a:pPr lvl="0"/>
-            <a:r>
-              <a:rPr/>
-              <a:t>Dose can be adjusted as needed</a:t>
-            </a:r>
-          </a:p>
-          <a:p>
-            <a:pPr lvl="0"/>
-            <a:r>
-              <a:rPr/>
-              <a:t>Can make it more difficult to empty the bladder</a:t>
-            </a:r>
-          </a:p>
-          <a:p>
-            <a:pPr lvl="0"/>
-            <a:r>
-              <a:rPr/>
-              <a:t>May require foley (bladder) catheter to stay in place until epidural</a:t>
+            <a:pPr lvl="0"/>
+            <a:r>
+              <a:rPr/>
+              <a:t>Arrive at 5am – nothing to eat or drink after midnight.</a:t>
+            </a:r>
+          </a:p>
+          <a:p>
+            <a:pPr lvl="0"/>
+            <a:r>
+              <a:rPr/>
+              <a:t>OK to take medicines with a sip of water (or coffee) but no cream.</a:t>
+            </a:r>
+          </a:p>
+          <a:p>
+            <a:pPr lvl="0"/>
+            <a:r>
+              <a:rPr/>
+              <a:t>Surgery will be cancelled if you have cream or milk in the morning.</a:t>
+            </a:r>
+          </a:p>
+          <a:p>
+            <a:pPr lvl="0"/>
+            <a:r>
+              <a:rPr/>
+              <a:t>Waiting room for family and friends on 5th floor</a:t>
+            </a:r>
+          </a:p>
+          <a:p>
+            <a:pPr lvl="0"/>
+            <a:r>
+              <a:rPr/>
+              <a:t>Post-operative care in STICU (11th floor)</a:t>
             </a:r>
           </a:p>
         </p:txBody>
@@ -5377,7 +5506,7 @@
             </a:pPr>
             <a:r>
               <a:rPr/>
-              <a:t>Intensive Care Unit (1-2 days)</a:t>
+              <a:t>Anesthesia</a:t>
             </a:r>
           </a:p>
         </p:txBody>
@@ -5402,35 +5531,35 @@
             </a:pPr>
             <a:r>
               <a:rPr/>
-              <a:t>Multiple lines and tubes:</a:t>
-            </a:r>
-          </a:p>
-          <a:p>
-            <a:pPr lvl="0"/>
-            <a:r>
-              <a:rPr/>
-              <a:t>NG tube in nose (stays in 2-7 days)</a:t>
-            </a:r>
-          </a:p>
-          <a:p>
-            <a:pPr lvl="0"/>
-            <a:r>
-              <a:rPr/>
-              <a:t>Catheter in bladder (2-5 days)</a:t>
-            </a:r>
-          </a:p>
-          <a:p>
-            <a:pPr lvl="0"/>
-            <a:r>
-              <a:rPr/>
-              <a:t>Chest tube right chest (2-4 days)</a:t>
-            </a:r>
-          </a:p>
-          <a:p>
-            <a:pPr lvl="0"/>
-            <a:r>
-              <a:rPr/>
-              <a:t>Abdominal drains (2 or 3)</a:t>
+              <a:t>Epidural catheter for pain control</a:t>
+            </a:r>
+          </a:p>
+          <a:p>
+            <a:pPr lvl="0"/>
+            <a:r>
+              <a:rPr/>
+              <a:t>Remains in place for 2-5 days</a:t>
+            </a:r>
+          </a:p>
+          <a:p>
+            <a:pPr lvl="0"/>
+            <a:r>
+              <a:rPr/>
+              <a:t>Dose can be adjusted as needed</a:t>
+            </a:r>
+          </a:p>
+          <a:p>
+            <a:pPr lvl="0"/>
+            <a:r>
+              <a:rPr/>
+              <a:t>Can make it more difficult to empty the bladder</a:t>
+            </a:r>
+          </a:p>
+          <a:p>
+            <a:pPr lvl="0"/>
+            <a:r>
+              <a:rPr/>
+              <a:t>May require foley (bladder) catheter to stay in place until epidural</a:t>
             </a:r>
           </a:p>
         </p:txBody>
@@ -5477,7 +5606,7 @@
             </a:pPr>
             <a:r>
               <a:rPr/>
-              <a:t>ICU</a:t>
+              <a:t>Intensive Care Unit (1-2 days)</a:t>
             </a:r>
           </a:p>
         </p:txBody>
@@ -5497,38 +5626,40 @@
           <a:bodyPr/>
           <a:lstStyle/>
           <a:p>
-            <a:pPr lvl="0"/>
-            <a:r>
-              <a:rPr/>
-              <a:t>Catheter in bladder removed → make certain the bladder empties properly</a:t>
-            </a:r>
-          </a:p>
-          <a:p>
-            <a:pPr lvl="0"/>
-            <a:r>
-              <a:rPr/>
-              <a:t>Chest tube removed (day 2-4) → follow-up chest x-ray</a:t>
-            </a:r>
-          </a:p>
-          <a:p>
-            <a:pPr lvl="0"/>
-            <a:r>
-              <a:rPr/>
-              <a:t>Fluid emptied from drains every few hours</a:t>
-            </a:r>
-          </a:p>
-          <a:p>
-            <a:pPr lvl="0"/>
-            <a:r>
-              <a:rPr/>
-              <a:t>Start tube feedings by feeding</a:t>
-            </a:r>
-          </a:p>
-          <a:p>
-            <a:pPr lvl="0"/>
-            <a:r>
-              <a:rPr/>
-              <a:t>Feeding jejunostomy (stays in 8 weeks)</a:t>
+            <a:pPr lvl="0" indent="0" marL="0">
+              <a:buNone/>
+            </a:pPr>
+            <a:r>
+              <a:rPr/>
+              <a:t>Multiple lines and tubes:</a:t>
+            </a:r>
+          </a:p>
+          <a:p>
+            <a:pPr lvl="0"/>
+            <a:r>
+              <a:rPr/>
+              <a:t>NG tube in nose (stays in 2-7 days)</a:t>
+            </a:r>
+          </a:p>
+          <a:p>
+            <a:pPr lvl="0"/>
+            <a:r>
+              <a:rPr/>
+              <a:t>Catheter in bladder (2-5 days)</a:t>
+            </a:r>
+          </a:p>
+          <a:p>
+            <a:pPr lvl="0"/>
+            <a:r>
+              <a:rPr/>
+              <a:t>Chest tube right chest (2-4 days)</a:t>
+            </a:r>
+          </a:p>
+          <a:p>
+            <a:pPr lvl="0"/>
+            <a:r>
+              <a:rPr/>
+              <a:t>Abdominal drains (2 or 3)</a:t>
             </a:r>
           </a:p>
         </p:txBody>
@@ -5539,6 +5670,104 @@
 </file>
 
 <file path=ppt/slides/slide28.xml><?xml version="1.0" encoding="utf-8"?>
+<p:sld xmlns:a="http://schemas.openxmlformats.org/drawingml/2006/main" xmlns:r="http://schemas.openxmlformats.org/officeDocument/2006/relationships" xmlns:p="http://schemas.openxmlformats.org/presentationml/2006/main">
+  <p:cSld>
+    <p:spTree>
+      <p:nvGrpSpPr>
+        <p:cNvPr id="1" name=""/>
+        <p:cNvGrpSpPr/>
+        <p:nvPr/>
+      </p:nvGrpSpPr>
+      <p:grpSpPr>
+        <a:xfrm>
+          <a:off x="0" y="0"/>
+          <a:ext cx="0" cy="0"/>
+          <a:chOff x="0" y="0"/>
+          <a:chExt cx="0" cy="0"/>
+        </a:xfrm>
+      </p:grpSpPr>
+      <p:sp>
+        <p:nvSpPr>
+          <p:cNvPr id="2" name="Title 1"/>
+          <p:cNvSpPr>
+            <a:spLocks noGrp="1"/>
+          </p:cNvSpPr>
+          <p:nvPr>
+            <p:ph type="title"/>
+          </p:nvPr>
+        </p:nvSpPr>
+        <p:spPr/>
+        <p:txBody>
+          <a:bodyPr/>
+          <a:lstStyle/>
+          <a:p>
+            <a:pPr lvl="0" indent="0" marL="0">
+              <a:buNone/>
+            </a:pPr>
+            <a:r>
+              <a:rPr/>
+              <a:t>ICU</a:t>
+            </a:r>
+          </a:p>
+        </p:txBody>
+      </p:sp>
+      <p:sp>
+        <p:nvSpPr>
+          <p:cNvPr id="3" name="Content Placeholder 2"/>
+          <p:cNvSpPr>
+            <a:spLocks noGrp="1"/>
+          </p:cNvSpPr>
+          <p:nvPr>
+            <p:ph idx="1"/>
+          </p:nvPr>
+        </p:nvSpPr>
+        <p:spPr/>
+        <p:txBody>
+          <a:bodyPr/>
+          <a:lstStyle/>
+          <a:p>
+            <a:pPr lvl="0"/>
+            <a:r>
+              <a:rPr/>
+              <a:t>Catheter in bladder removed → make certain the bladder empties properly</a:t>
+            </a:r>
+          </a:p>
+          <a:p>
+            <a:pPr lvl="0"/>
+            <a:r>
+              <a:rPr/>
+              <a:t>Chest tube removed (day 2-4) → follow-up chest x-ray</a:t>
+            </a:r>
+          </a:p>
+          <a:p>
+            <a:pPr lvl="0"/>
+            <a:r>
+              <a:rPr/>
+              <a:t>Fluid emptied from drains every few hours</a:t>
+            </a:r>
+          </a:p>
+          <a:p>
+            <a:pPr lvl="0"/>
+            <a:r>
+              <a:rPr/>
+              <a:t>Start tube feedings by feeding</a:t>
+            </a:r>
+          </a:p>
+          <a:p>
+            <a:pPr lvl="0"/>
+            <a:r>
+              <a:rPr/>
+              <a:t>Feeding jejunostomy (stays in 8 weeks)</a:t>
+            </a:r>
+          </a:p>
+        </p:txBody>
+      </p:sp>
+    </p:spTree>
+  </p:cSld>
+</p:sld>
+</file>
+
+<file path=ppt/slides/slide29.xml><?xml version="1.0" encoding="utf-8"?>
 <p:sld xmlns:a="http://schemas.openxmlformats.org/drawingml/2006/main" xmlns:r="http://schemas.openxmlformats.org/officeDocument/2006/relationships" xmlns:p="http://schemas.openxmlformats.org/presentationml/2006/main">
   <p:cSld>
     <p:spTree>
@@ -5647,108 +5876,6 @@
           </a:ln>
         </p:spPr>
       </p:pic>
-    </p:spTree>
-  </p:cSld>
-</p:sld>
-</file>
-
-<file path=ppt/slides/slide29.xml><?xml version="1.0" encoding="utf-8"?>
-<p:sld xmlns:a="http://schemas.openxmlformats.org/drawingml/2006/main" xmlns:r="http://schemas.openxmlformats.org/officeDocument/2006/relationships" xmlns:p="http://schemas.openxmlformats.org/presentationml/2006/main">
-  <p:cSld>
-    <p:spTree>
-      <p:nvGrpSpPr>
-        <p:cNvPr id="1" name=""/>
-        <p:cNvGrpSpPr/>
-        <p:nvPr/>
-      </p:nvGrpSpPr>
-      <p:grpSpPr>
-        <a:xfrm>
-          <a:off x="0" y="0"/>
-          <a:ext cx="0" cy="0"/>
-          <a:chOff x="0" y="0"/>
-          <a:chExt cx="0" cy="0"/>
-        </a:xfrm>
-      </p:grpSpPr>
-      <p:sp>
-        <p:nvSpPr>
-          <p:cNvPr id="2" name="Title 1"/>
-          <p:cNvSpPr>
-            <a:spLocks noGrp="1"/>
-          </p:cNvSpPr>
-          <p:nvPr>
-            <p:ph type="title"/>
-          </p:nvPr>
-        </p:nvSpPr>
-        <p:spPr/>
-        <p:txBody>
-          <a:bodyPr/>
-          <a:lstStyle/>
-          <a:p>
-            <a:pPr lvl="0" indent="0" marL="0">
-              <a:buNone/>
-            </a:pPr>
-            <a:r>
-              <a:rPr/>
-              <a:t>Feeding Jejunostomy - Typical Regimen</a:t>
-            </a:r>
-          </a:p>
-        </p:txBody>
-      </p:sp>
-      <p:sp>
-        <p:nvSpPr>
-          <p:cNvPr id="3" name="Content Placeholder 2"/>
-          <p:cNvSpPr>
-            <a:spLocks noGrp="1"/>
-          </p:cNvSpPr>
-          <p:nvPr>
-            <p:ph idx="1"/>
-          </p:nvPr>
-        </p:nvSpPr>
-        <p:spPr/>
-        <p:txBody>
-          <a:bodyPr/>
-          <a:lstStyle/>
-          <a:p>
-            <a:pPr lvl="0" indent="0" marL="0">
-              <a:buNone/>
-            </a:pPr>
-            <a:r>
-              <a:rPr/>
-              <a:t>/ /</a:t>
-            </a:r>
-          </a:p>
-          <a:p>
-            <a:pPr lvl="0"/>
-            <a:r>
-              <a:rPr/>
-              <a:t>Men: 75mL/hour x 16 hours (6pm to 10am)</a:t>
-            </a:r>
-          </a:p>
-          <a:p>
-            <a:pPr lvl="0"/>
-            <a:r>
-              <a:rPr/>
-              <a:t>Women: 60mL/hour x 16 hours (6pm to 10am)</a:t>
-            </a:r>
-          </a:p>
-          <a:p>
-            <a:pPr lvl="0"/>
-            <a:r>
-              <a:rPr/>
-              <a:t>Water 240ml (8oz) via syringe 4x/day</a:t>
-            </a:r>
-          </a:p>
-          <a:p>
-            <a:pPr lvl="0" indent="0" marL="0">
-              <a:buNone/>
-            </a:pPr>
-            <a:r>
-              <a:rPr/>
-              <a:t>The hospital nurses will teach you how to use the feeding tube pump once you leave the ICU.</a:t>
-            </a:r>
-          </a:p>
-        </p:txBody>
-      </p:sp>
     </p:spTree>
   </p:cSld>
 </p:sld>
@@ -5905,7 +6032,7 @@
             </a:pPr>
             <a:r>
               <a:rPr/>
-              <a:t>Feeding Jejunostomy - Diabetes</a:t>
+              <a:t>Feeding Jejunostomy - Typical Regimen</a:t>
             </a:r>
           </a:p>
         </p:txBody>
@@ -5928,46 +6055,52 @@
             <a:pPr lvl="0" indent="0" marL="0">
               <a:buNone/>
             </a:pPr>
-            <a:r>
-              <a:rPr/>
-              <a:t>Jejunostomy feeding tend to elevate blood sugars: Insulin may be required</a:t>
-            </a:r>
-          </a:p>
-          <a:p>
-            <a:pPr lvl="0" indent="0" marL="0">
-              <a:buNone/>
-            </a:pPr>
-            <a:r>
-              <a:rPr/>
-              <a:t>Typical pattern</a:t>
-            </a:r>
-          </a:p>
-          <a:p>
-            <a:pPr lvl="0"/>
-            <a:r>
-              <a:rPr/>
-              <a:t>Jejunostomy feeds 6pm to 10am</a:t>
-            </a:r>
-          </a:p>
-          <a:p>
-            <a:pPr lvl="0"/>
-            <a:r>
-              <a:rPr/>
-              <a:t>Insulin at 6pm (70/30)</a:t>
-            </a:r>
-          </a:p>
-          <a:p>
-            <a:pPr lvl="0"/>
-            <a:r>
-              <a:rPr/>
-              <a:t>Insulin at MN (70/30)</a:t>
-            </a:r>
-          </a:p>
-          <a:p>
-            <a:pPr lvl="0"/>
-            <a:r>
-              <a:rPr/>
-              <a:t>No insulin if feedings are not run</a:t>
+            <a:br/>
+          </a:p>
+          <a:p>
+            <a:pPr lvl="0"/>
+            <a:r>
+              <a:rPr/>
+              <a:t>Jejunostomy tube feeds for 16 hours (6pm to 10am)</a:t>
+            </a:r>
+          </a:p>
+          <a:p>
+            <a:pPr lvl="1"/>
+            <a:r>
+              <a:rPr/>
+              <a:t>Men: 75mL/hour x 16 hours = 5 cartons</a:t>
+            </a:r>
+          </a:p>
+          <a:p>
+            <a:pPr lvl="1"/>
+            <a:r>
+              <a:rPr/>
+              <a:t>Women: 60mL/hour x 16 hours = 4 cartons</a:t>
+            </a:r>
+          </a:p>
+          <a:p>
+            <a:pPr lvl="0"/>
+            <a:r>
+              <a:rPr/>
+              <a:t>Water 240ml (8oz) via syringe 4x/day</a:t>
+            </a:r>
+          </a:p>
+          <a:p>
+            <a:pPr lvl="0" indent="0" marL="0">
+              <a:buNone/>
+            </a:pPr>
+            <a:r>
+              <a:rPr/>
+              <a:t>Hospital nurses will teach you how to use the feeding tube pump</a:t>
+            </a:r>
+          </a:p>
+          <a:p>
+            <a:pPr lvl="0" indent="0" marL="0">
+              <a:buNone/>
+            </a:pPr>
+            <a:r>
+              <a:rPr/>
+              <a:t>We want to make sure you can manage the pump before going home</a:t>
             </a:r>
           </a:p>
         </p:txBody>
@@ -6014,7 +6147,7 @@
             </a:pPr>
             <a:r>
               <a:rPr/>
-              <a:t>Activity</a:t>
+              <a:t>Feeding Jejunostomy - Diabetes</a:t>
             </a:r>
           </a:p>
         </p:txBody>
@@ -6034,38 +6167,50 @@
           <a:bodyPr/>
           <a:lstStyle/>
           <a:p>
-            <a:pPr lvl="0"/>
-            <a:r>
-              <a:rPr/>
-              <a:t>Up in chair most of the day</a:t>
-            </a:r>
-          </a:p>
-          <a:p>
-            <a:pPr lvl="0"/>
-            <a:r>
-              <a:rPr/>
-              <a:t>Walking in hallway with help from nurse/Physical Therapist</a:t>
-            </a:r>
-          </a:p>
-          <a:p>
-            <a:pPr lvl="0"/>
-            <a:r>
-              <a:rPr/>
-              <a:t>Goals:</a:t>
-            </a:r>
-          </a:p>
-          <a:p>
-            <a:pPr lvl="1"/>
-            <a:r>
-              <a:rPr/>
-              <a:t>Improve lung function</a:t>
-            </a:r>
-          </a:p>
-          <a:p>
-            <a:pPr lvl="1"/>
-            <a:r>
-              <a:rPr/>
-              <a:t>Prevent muscle loss</a:t>
+            <a:pPr lvl="0" indent="0" marL="0">
+              <a:buNone/>
+            </a:pPr>
+            <a:br/>
+            <a:r>
+              <a:rPr/>
+              <a:t>Jejunostomy feeding tend to elevate blood sugars: Insulin may be required</a:t>
+            </a:r>
+          </a:p>
+          <a:p>
+            <a:pPr lvl="0" indent="0" marL="0">
+              <a:buNone/>
+            </a:pPr>
+            <a:r>
+              <a:rPr/>
+              <a:t>Typical pattern:</a:t>
+            </a:r>
+          </a:p>
+          <a:p>
+            <a:pPr lvl="0"/>
+            <a:r>
+              <a:rPr/>
+              <a:t>Jejunostomy feeds 6pm to 10am</a:t>
+            </a:r>
+          </a:p>
+          <a:p>
+            <a:pPr lvl="0"/>
+            <a:r>
+              <a:rPr/>
+              <a:t>Insulin at 6pm (70/30)</a:t>
+            </a:r>
+          </a:p>
+          <a:p>
+            <a:pPr lvl="0"/>
+            <a:r>
+              <a:rPr/>
+              <a:t>Insulin at MN (70/30)</a:t>
+            </a:r>
+          </a:p>
+          <a:p>
+            <a:pPr lvl="0"/>
+            <a:r>
+              <a:rPr/>
+              <a:t>No insulin if feedings are not run</a:t>
             </a:r>
           </a:p>
         </p:txBody>
@@ -6112,7 +6257,7 @@
             </a:pPr>
             <a:r>
               <a:rPr/>
-              <a:t>Nasogastric Tubes</a:t>
+              <a:t>Activity</a:t>
             </a:r>
           </a:p>
         </p:txBody>
@@ -6132,30 +6277,38 @@
           <a:bodyPr/>
           <a:lstStyle/>
           <a:p>
-            <a:pPr lvl="0" indent="0" marL="0">
-              <a:buNone/>
-            </a:pPr>
-            <a:r>
-              <a:rPr/>
-              <a:t>A nasogastric tube is placed trough the nose into the stomach at the time surgery to remove fluid from the stomach and allow healing.</a:t>
-            </a:r>
-          </a:p>
-          <a:p>
-            <a:pPr lvl="0" indent="0" marL="0">
-              <a:buNone/>
-            </a:pPr>
-            <a:r>
-              <a:rPr/>
-              <a:t>An x-ray is done on the 2nd to 4th day after surgery to determine when the nasogastric tube can be removed.</a:t>
-            </a:r>
-          </a:p>
-          <a:p>
-            <a:pPr lvl="0" indent="0" marL="0">
-              <a:buNone/>
-            </a:pPr>
-            <a:r>
-              <a:rPr/>
-              <a:t>You will lay on a flat x-ray table, which will then be tilted to the standing position. Dye will then be injected into the tube and x-rays taken. If the stomach is emptying properly, the nasogastric tube will be removed.</a:t>
+            <a:pPr lvl="0"/>
+            <a:r>
+              <a:rPr/>
+              <a:t>Up in chair most of the day</a:t>
+            </a:r>
+          </a:p>
+          <a:p>
+            <a:pPr lvl="0"/>
+            <a:r>
+              <a:rPr/>
+              <a:t>Walking in hallway with help from nurse/Physical Therapist</a:t>
+            </a:r>
+          </a:p>
+          <a:p>
+            <a:pPr lvl="0"/>
+            <a:r>
+              <a:rPr/>
+              <a:t>Goals:</a:t>
+            </a:r>
+          </a:p>
+          <a:p>
+            <a:pPr lvl="1"/>
+            <a:r>
+              <a:rPr/>
+              <a:t>Improve lung function</a:t>
+            </a:r>
+          </a:p>
+          <a:p>
+            <a:pPr lvl="1"/>
+            <a:r>
+              <a:rPr/>
+              <a:t>Prevent muscle loss</a:t>
             </a:r>
           </a:p>
         </p:txBody>
@@ -6202,7 +6355,7 @@
             </a:pPr>
             <a:r>
               <a:rPr/>
-              <a:t>Modified Barium Swallow</a:t>
+              <a:t>Nasogastric Tubes</a:t>
             </a:r>
           </a:p>
         </p:txBody>
@@ -6227,34 +6380,25 @@
             </a:pPr>
             <a:r>
               <a:rPr/>
-              <a:t>Once the nasogastric tube has been removed, a barium swallow study will be performed in radiology.</a:t>
-            </a:r>
-          </a:p>
-          <a:p>
-            <a:pPr lvl="0" indent="0" marL="0">
-              <a:buNone/>
-            </a:pPr>
-            <a:r>
-              <a:rPr/>
-              <a:t>You will be asked a drink a white chalky liquid (barium) while x-rays are taken.</a:t>
-            </a:r>
-          </a:p>
-          <a:p>
-            <a:pPr lvl="0" indent="0" marL="0">
-              <a:buNone/>
-            </a:pPr>
-            <a:r>
-              <a:rPr/>
-              <a:t>This test shows whether the swallowing muscles are working properly.</a:t>
-            </a:r>
-          </a:p>
-          <a:p>
-            <a:pPr lvl="0" indent="0" marL="0">
-              <a:buNone/>
-            </a:pPr>
-            <a:r>
-              <a:rPr/>
-              <a:t>70% of patients have good swallowling function and are started on 1oz of water every hour</a:t>
+              <a:t>A nasogastric tube is placed trough the nose into the stomach at the time surgery to remove fluid from the stomach and allow healing.</a:t>
+            </a:r>
+          </a:p>
+          <a:p>
+            <a:pPr lvl="0" indent="0" marL="0">
+              <a:buNone/>
+            </a:pPr>
+            <a:r>
+              <a:rPr/>
+              <a:t>An x-ray is done on the 2nd to 4th day after surgery to determine when the nasogastric tube can be removed.</a:t>
+            </a:r>
+          </a:p>
+          <a:p>
+            <a:pPr lvl="0" indent="0" marL="0">
+              <a:buNone/>
+            </a:pPr>
+            <a:r>
+              <a:rPr/>
+              <a:t>You will lay on a flat x-ray table, which will then be tilted to the standing position. Dye will then be injected into the tube and x-rays taken. If the stomach is emptying properly, the nasogastric tube will be removed.</a:t>
             </a:r>
           </a:p>
         </p:txBody>
@@ -6301,52 +6445,77 @@
             </a:pPr>
             <a:r>
               <a:rPr/>
-              <a:t>Protein Shakes</a:t>
-            </a:r>
-          </a:p>
-        </p:txBody>
-      </p:sp>
-      <p:sp>
-        <p:nvSpPr>
-          <p:cNvPr id="3" name="Content Placeholder 2"/>
-          <p:cNvSpPr>
-            <a:spLocks noGrp="1"/>
-          </p:cNvSpPr>
-          <p:nvPr>
-            <p:ph idx="1"/>
-          </p:nvPr>
-        </p:nvSpPr>
-        <p:spPr/>
-        <p:txBody>
-          <a:bodyPr/>
-          <a:lstStyle/>
-          <a:p>
-            <a:pPr lvl="0"/>
-            <a:r>
-              <a:rPr/>
-              <a:t>Protein shakes are started once you are tolerating water by mouth</a:t>
-            </a:r>
-            <a:br/>
-            <a:br/>
-          </a:p>
-          <a:p>
-            <a:pPr lvl="0"/>
-            <a:r>
-              <a:rPr/>
-              <a:t>2 oz per hour to start</a:t>
-            </a:r>
-            <a:br/>
-            <a:br/>
-          </a:p>
-          <a:p>
-            <a:pPr lvl="0"/>
-            <a:r>
-              <a:rPr/>
-              <a:t>4 oz per hour as tolerated</a:t>
-            </a:r>
-          </a:p>
-        </p:txBody>
-      </p:sp>
+              <a:t>Modified Barium Swallow</a:t>
+            </a:r>
+          </a:p>
+        </p:txBody>
+      </p:sp>
+      <mc:AlternateContent xmlns:mc="http://schemas.openxmlformats.org/markup-compatibility/2006">
+        <mc:Choice xmlns:a14="http://schemas.microsoft.com/office/drawing/2010/main" Requires="a14">
+          <p:sp>
+            <p:nvSpPr>
+              <p:cNvPr id="3" name="Content Placeholder 2"/>
+              <p:cNvSpPr>
+                <a:spLocks noGrp="1"/>
+              </p:cNvSpPr>
+              <p:nvPr>
+                <p:ph idx="1"/>
+              </p:nvPr>
+            </p:nvSpPr>
+            <p:spPr/>
+            <p:txBody>
+              <a:bodyPr/>
+              <a:lstStyle/>
+              <a:p>
+                <a:pPr lvl="0" indent="0" marL="0">
+                  <a:buNone/>
+                </a:pPr>
+                <a:r>
+                  <a:rPr/>
+                  <a:t>Barium swallow tests whether swallowing muscles are working properly</a:t>
+                </a:r>
+              </a:p>
+              <a:p>
+                <a:pPr lvl="0"/>
+                <a:r>
+                  <a:rPr/>
+                  <a:t>Performed after nasogastric (NG) tube removed</a:t>
+                </a:r>
+              </a:p>
+              <a:p>
+                <a:pPr lvl="0"/>
+                <a:r>
+                  <a:rPr/>
+                  <a:t>Drink a white chalky liquids in while x-rays are taken</a:t>
+                </a:r>
+              </a:p>
+              <a:p>
+                <a:pPr lvl="0" indent="0" marL="0">
+                  <a:buNone/>
+                </a:pPr>
+                <a:r>
+                  <a:rPr/>
+                  <a:t>70% have good swallowing function </a:t>
+                </a:r>
+                <a14:m>
+                  <m:oMath xmlns:m="http://schemas.openxmlformats.org/officeDocument/2006/math">
+                    <m:r>
+                      <m:rPr>
+                        <m:sty m:val="p"/>
+                      </m:rPr>
+                      <m:t>→</m:t>
+                    </m:r>
+                  </m:oMath>
+                </a14:m>
+                <a:r>
+                  <a:rPr/>
+                  <a:t> 1oz of water every hour</a:t>
+                </a:r>
+              </a:p>
+            </p:txBody>
+          </p:sp>
+        </mc:Choice>
+      </mc:AlternateContent>
     </p:spTree>
   </p:cSld>
 </p:sld>
@@ -6389,7 +6558,7 @@
             </a:pPr>
             <a:r>
               <a:rPr/>
-              <a:t>Discharge</a:t>
+              <a:t>Protein Shakes</a:t>
             </a:r>
           </a:p>
         </p:txBody>
@@ -6414,35 +6583,22 @@
             </a:pPr>
             <a:r>
               <a:rPr/>
-              <a:t>Goal: Ready to leave hospital day #6/7 after surgery</a:t>
-            </a:r>
-          </a:p>
-          <a:p>
-            <a:pPr lvl="0"/>
-            <a:r>
-              <a:rPr/>
-              <a:t>Tube feeds at night (6pm to 10am)</a:t>
-            </a:r>
-          </a:p>
-          <a:p>
-            <a:pPr lvl="0"/>
-            <a:r>
-              <a:rPr/>
-              <a:t>Protein shakes by mouth (70% of patients)</a:t>
-            </a:r>
-          </a:p>
-          <a:p>
-            <a:pPr lvl="1"/>
-            <a:r>
-              <a:rPr/>
-              <a:t>4oz every 2 hours</a:t>
-            </a:r>
-          </a:p>
-          <a:p>
-            <a:pPr lvl="1"/>
-            <a:r>
-              <a:rPr/>
-              <a:t>Water by mouth 2 oz at a time Water through feeding tube (8oz 4x/day)</a:t>
+              <a:t>Most patients are taking protein shakes when they go home</a:t>
+            </a:r>
+          </a:p>
+          <a:p>
+            <a:pPr lvl="0" indent="0" marL="0">
+              <a:buNone/>
+            </a:pPr>
+            <a:r>
+              <a:rPr/>
+              <a:t>Protein shakes are started once you are tolerating water by mouth</a:t>
+            </a:r>
+            <a:br/>
+            <a:br/>
+            <a:r>
+              <a:rPr/>
+              <a:t>- 2 oz per hour to start - 4 oz per hour if 2oz are tolerated well</a:t>
             </a:r>
           </a:p>
         </p:txBody>
@@ -6489,7 +6645,7 @@
             </a:pPr>
             <a:r>
               <a:rPr/>
-              <a:t>Nutrition at Home</a:t>
+              <a:t>Discharge</a:t>
             </a:r>
           </a:p>
         </p:txBody>
@@ -6514,28 +6670,35 @@
             </a:pPr>
             <a:r>
               <a:rPr/>
-              <a:t>Most patients go home with:</a:t>
-            </a:r>
-          </a:p>
-          <a:p>
-            <a:pPr lvl="0"/>
-            <a:r>
-              <a:rPr/>
-              <a:t>Protein shakes by mouth 4oz at a time</a:t>
-            </a:r>
-          </a:p>
-          <a:p>
-            <a:pPr lvl="0"/>
-            <a:r>
-              <a:rPr/>
-              <a:t>Tube feeds at night (4-5 cartons)</a:t>
-            </a:r>
-          </a:p>
-          <a:p>
-            <a:pPr lvl="0"/>
-            <a:r>
-              <a:rPr/>
-              <a:t>Water through the feeding tube 8oz 4 times per day</a:t>
+              <a:t>Goal: Ready to leave hospital day #6/7 after surgery</a:t>
+            </a:r>
+          </a:p>
+          <a:p>
+            <a:pPr lvl="0"/>
+            <a:r>
+              <a:rPr/>
+              <a:t>Tube feeds at night (6pm to 10am)</a:t>
+            </a:r>
+          </a:p>
+          <a:p>
+            <a:pPr lvl="0"/>
+            <a:r>
+              <a:rPr/>
+              <a:t>Protein shakes by mouth (70% of patients)</a:t>
+            </a:r>
+          </a:p>
+          <a:p>
+            <a:pPr lvl="1"/>
+            <a:r>
+              <a:rPr/>
+              <a:t>4oz every 2 hours</a:t>
+            </a:r>
+          </a:p>
+          <a:p>
+            <a:pPr lvl="1"/>
+            <a:r>
+              <a:rPr/>
+              <a:t>Water by mouth 2 oz at a time Water through feeding tube (8oz 4x/day)</a:t>
             </a:r>
           </a:p>
         </p:txBody>
@@ -6582,7 +6745,7 @@
             </a:pPr>
             <a:r>
               <a:rPr/>
-              <a:t>Medicines at Home</a:t>
+              <a:t>Nutrition at Home</a:t>
             </a:r>
           </a:p>
         </p:txBody>
@@ -6602,24 +6765,33 @@
           <a:bodyPr/>
           <a:lstStyle/>
           <a:p>
-            <a:pPr lvl="0"/>
-            <a:r>
-              <a:rPr/>
-              <a:t>Proton pump inhibitor (omeprazole, pantoprazole) for one year</a:t>
-            </a:r>
-          </a:p>
-          <a:p>
-            <a:pPr lvl="0"/>
-            <a:r>
-              <a:rPr/>
-              <a:t>Reglan (metoclopramide) - help stomach empty: 6 weeks</a:t>
-            </a:r>
-          </a:p>
-          <a:p>
-            <a:pPr lvl="0"/>
-            <a:r>
-              <a:rPr/>
-              <a:t>Lopressor (metoprolol) - helps prevent atrial fibrillation: 2 weeks</a:t>
+            <a:pPr lvl="0" indent="0" marL="0">
+              <a:buNone/>
+            </a:pPr>
+            <a:r>
+              <a:rPr/>
+              <a:t>Most patients go home with:</a:t>
+            </a:r>
+          </a:p>
+          <a:p>
+            <a:pPr lvl="0"/>
+            <a:r>
+              <a:rPr/>
+              <a:t>Protein shakes by mouth 4oz at a time</a:t>
+            </a:r>
+          </a:p>
+          <a:p>
+            <a:pPr lvl="0"/>
+            <a:r>
+              <a:rPr/>
+              <a:t>Tube feeds at night (4-5 cartons)</a:t>
+            </a:r>
+          </a:p>
+          <a:p>
+            <a:pPr lvl="0"/>
+            <a:r>
+              <a:rPr/>
+              <a:t>Water through the feeding tube 8oz 4 times per day</a:t>
             </a:r>
           </a:p>
         </p:txBody>
@@ -6666,7 +6838,7 @@
             </a:pPr>
             <a:r>
               <a:rPr/>
-              <a:t>Pain Medicines at Home</a:t>
+              <a:t>Medicines at Home</a:t>
             </a:r>
           </a:p>
         </p:txBody>
@@ -6689,30 +6861,21 @@
             <a:pPr lvl="0"/>
             <a:r>
               <a:rPr/>
-              <a:t>Acetaminophen 1000mg every 6 hours</a:t>
-            </a:r>
-          </a:p>
-          <a:p>
-            <a:pPr lvl="0"/>
-            <a:r>
-              <a:rPr/>
-              <a:t>Gabapentin 300mg every 8 hours</a:t>
-            </a:r>
-          </a:p>
-          <a:p>
-            <a:pPr lvl="0"/>
-            <a:r>
-              <a:rPr/>
-              <a:t>Oxycodone 5mg every 6 hours</a:t>
-            </a:r>
-          </a:p>
-          <a:p>
-            <a:pPr lvl="0" indent="0" marL="0">
-              <a:buNone/>
-            </a:pPr>
-            <a:r>
-              <a:rPr/>
-              <a:t>In most cases, oxycodone is no longer needed by 6 weeks after surgery</a:t>
+              <a:t>Proton pump inhibitor (omeprazole, pantoprazole) for one year</a:t>
+            </a:r>
+          </a:p>
+          <a:p>
+            <a:pPr lvl="0"/>
+            <a:r>
+              <a:rPr/>
+              <a:t>Reglan (metoclopramide) - help stomach empty: 6 weeks</a:t>
+            </a:r>
+          </a:p>
+          <a:p>
+            <a:pPr lvl="0"/>
+            <a:r>
+              <a:rPr/>
+              <a:t>Lopressor (metoprolol) - helps prevent atrial fibrillation: 2 weeks</a:t>
             </a:r>
           </a:p>
         </p:txBody>
@@ -6759,7 +6922,7 @@
             </a:pPr>
             <a:r>
               <a:rPr/>
-              <a:t>Sleeping</a:t>
+              <a:t>Pain Medicines at Home</a:t>
             </a:r>
           </a:p>
         </p:txBody>
@@ -6771,72 +6934,45 @@
             <a:spLocks noGrp="1"/>
           </p:cNvSpPr>
           <p:nvPr>
-            <p:ph idx="1" sz="half"/>
-          </p:nvPr>
-        </p:nvSpPr>
-        <p:spPr/>
-        <p:txBody>
-          <a:bodyPr/>
-          <a:lstStyle/>
-          <a:p>
-            <a:pPr lvl="0" indent="0" marL="0">
-              <a:buNone/>
-            </a:pPr>
-            <a:r>
-              <a:rPr/>
-              <a:t>Reflux can occur the first few weeks/months after surgery</a:t>
-            </a:r>
-          </a:p>
-          <a:p>
-            <a:pPr lvl="0" indent="0" marL="0">
-              <a:buNone/>
-            </a:pPr>
-            <a:r>
-              <a:rPr/>
-              <a:t>This improves over the first few months</a:t>
-            </a:r>
-          </a:p>
-          <a:p>
-            <a:pPr lvl="0" indent="0" marL="0">
-              <a:buNone/>
-            </a:pPr>
-            <a:r>
-              <a:rPr/>
-              <a:t>A wedge pillow can be helpful for sleep</a:t>
-            </a:r>
-          </a:p>
-        </p:txBody>
-      </p:sp>
-      <p:pic>
-        <p:nvPicPr>
-          <p:cNvPr descr="https://deidt7p41jzcy.cloudfront.net/wedge_pillow_comm.jpg" id="0" name="Picture 1"/>
-          <p:cNvPicPr>
-            <a:picLocks noGrp="1" noChangeAspect="1"/>
-          </p:cNvPicPr>
-          <p:nvPr/>
-        </p:nvPicPr>
-        <p:blipFill>
-          <a:blip r:embed="rId2"/>
-          <a:stretch>
-            <a:fillRect/>
-          </a:stretch>
-        </p:blipFill>
-        <p:spPr bwMode="auto">
-          <a:xfrm>
-            <a:off x="4978400" y="1193800"/>
-            <a:ext cx="3390900" cy="3390900"/>
-          </a:xfrm>
-          <a:prstGeom prst="rect">
-            <a:avLst/>
-          </a:prstGeom>
-          <a:noFill/>
-          <a:ln w="9525">
-            <a:noFill/>
-            <a:headEnd/>
-            <a:tailEnd/>
-          </a:ln>
-        </p:spPr>
-      </p:pic>
+            <p:ph idx="1"/>
+          </p:nvPr>
+        </p:nvSpPr>
+        <p:spPr/>
+        <p:txBody>
+          <a:bodyPr/>
+          <a:lstStyle/>
+          <a:p>
+            <a:pPr lvl="0"/>
+            <a:r>
+              <a:rPr/>
+              <a:t>Acetaminophen 1000mg every 6 hours</a:t>
+            </a:r>
+          </a:p>
+          <a:p>
+            <a:pPr lvl="0"/>
+            <a:r>
+              <a:rPr/>
+              <a:t>Gabapentin 300mg every 8 hours</a:t>
+            </a:r>
+          </a:p>
+          <a:p>
+            <a:pPr lvl="0"/>
+            <a:r>
+              <a:rPr/>
+              <a:t>Oxycodone 5mg every 6 hours</a:t>
+            </a:r>
+          </a:p>
+          <a:p>
+            <a:pPr lvl="0" indent="0" marL="0">
+              <a:buNone/>
+            </a:pPr>
+            <a:r>
+              <a:rPr/>
+              <a:t>In most cases, oxycodone is no longer needed by 6 weeks after surgery</a:t>
+            </a:r>
+          </a:p>
+        </p:txBody>
+      </p:sp>
     </p:spTree>
   </p:cSld>
 </p:sld>
@@ -6989,7 +7125,7 @@
             </a:pPr>
             <a:r>
               <a:rPr/>
-              <a:t>Postoperative Visit</a:t>
+              <a:t>Sleeping</a:t>
             </a:r>
           </a:p>
         </p:txBody>
@@ -7001,45 +7137,72 @@
             <a:spLocks noGrp="1"/>
           </p:cNvSpPr>
           <p:nvPr>
-            <p:ph idx="1"/>
-          </p:nvPr>
-        </p:nvSpPr>
-        <p:spPr/>
-        <p:txBody>
-          <a:bodyPr/>
-          <a:lstStyle/>
-          <a:p>
-            <a:pPr lvl="0" indent="0" marL="0">
-              <a:buNone/>
-            </a:pPr>
-            <a:r>
-              <a:rPr/>
-              <a:t>You will be seen in the office 7-10 days after discharge</a:t>
-            </a:r>
-          </a:p>
-          <a:p>
-            <a:pPr lvl="0"/>
-            <a:r>
-              <a:rPr/>
-              <a:t>Adjust medicines</a:t>
-            </a:r>
-          </a:p>
-          <a:p>
-            <a:pPr lvl="0"/>
-            <a:r>
-              <a:rPr/>
-              <a:t>Remove staples</a:t>
-            </a:r>
-          </a:p>
-          <a:p>
-            <a:pPr lvl="0"/>
-            <a:r>
-              <a:rPr/>
-              <a:t>Remove drains (if needed)</a:t>
-            </a:r>
-          </a:p>
-        </p:txBody>
-      </p:sp>
+            <p:ph idx="1" sz="half"/>
+          </p:nvPr>
+        </p:nvSpPr>
+        <p:spPr/>
+        <p:txBody>
+          <a:bodyPr/>
+          <a:lstStyle/>
+          <a:p>
+            <a:pPr lvl="0" indent="0" marL="0">
+              <a:buNone/>
+            </a:pPr>
+            <a:r>
+              <a:rPr/>
+              <a:t>Reflux can occur the first few weeks/months after surgery</a:t>
+            </a:r>
+          </a:p>
+          <a:p>
+            <a:pPr lvl="0" indent="0" marL="0">
+              <a:buNone/>
+            </a:pPr>
+            <a:r>
+              <a:rPr/>
+              <a:t>This improves over the first few months</a:t>
+            </a:r>
+          </a:p>
+          <a:p>
+            <a:pPr lvl="0" indent="0" marL="0">
+              <a:buNone/>
+            </a:pPr>
+            <a:r>
+              <a:rPr/>
+              <a:t>A wedge pillow can be helpful for sleep</a:t>
+            </a:r>
+          </a:p>
+        </p:txBody>
+      </p:sp>
+      <p:pic>
+        <p:nvPicPr>
+          <p:cNvPr descr="https://deidt7p41jzcy.cloudfront.net/wedge_pillow_comm.jpg" id="0" name="Picture 1"/>
+          <p:cNvPicPr>
+            <a:picLocks noGrp="1" noChangeAspect="1"/>
+          </p:cNvPicPr>
+          <p:nvPr/>
+        </p:nvPicPr>
+        <p:blipFill>
+          <a:blip r:embed="rId2"/>
+          <a:stretch>
+            <a:fillRect/>
+          </a:stretch>
+        </p:blipFill>
+        <p:spPr bwMode="auto">
+          <a:xfrm>
+            <a:off x="4978400" y="1193800"/>
+            <a:ext cx="3390900" cy="3390900"/>
+          </a:xfrm>
+          <a:prstGeom prst="rect">
+            <a:avLst/>
+          </a:prstGeom>
+          <a:noFill/>
+          <a:ln w="9525">
+            <a:noFill/>
+            <a:headEnd/>
+            <a:tailEnd/>
+          </a:ln>
+        </p:spPr>
+      </p:pic>
     </p:spTree>
   </p:cSld>
 </p:sld>
@@ -7082,7 +7245,7 @@
             </a:pPr>
             <a:r>
               <a:rPr/>
-              <a:t>Jejunostomy Removal</a:t>
+              <a:t>Postoperative Visit</a:t>
             </a:r>
           </a:p>
         </p:txBody>
@@ -7107,16 +7270,28 @@
             </a:pPr>
             <a:r>
               <a:rPr/>
-              <a:t>Jejunostomy tube is removed in the office once you can take in enough nutrients by mouth (usually 8 weeks after surgery)</a:t>
-            </a:r>
-          </a:p>
-          <a:p>
-            <a:pPr lvl="0" indent="0" marL="0">
-              <a:buNone/>
-            </a:pPr>
-            <a:r>
-              <a:rPr/>
-              <a:t>Depending upon this tube, then may take 30 minutes and some local anesthethic to loosen up the tube for removal.</a:t>
+              <a:t>You will be seen in the office 7-10 days after discharge</a:t>
+            </a:r>
+          </a:p>
+          <a:p>
+            <a:pPr lvl="0"/>
+            <a:r>
+              <a:rPr/>
+              <a:t>Adjust medicines</a:t>
+            </a:r>
+          </a:p>
+          <a:p>
+            <a:pPr lvl="0"/>
+            <a:r>
+              <a:rPr/>
+              <a:t>Remove staples</a:t>
+            </a:r>
+          </a:p>
+          <a:p>
+            <a:pPr lvl="0"/>
+            <a:r>
+              <a:rPr/>
+              <a:t>Remove drains (if needed)</a:t>
             </a:r>
           </a:p>
         </p:txBody>
@@ -7163,7 +7338,7 @@
             </a:pPr>
             <a:r>
               <a:rPr/>
-              <a:t>Nutritional Monitoring</a:t>
+              <a:t>Jejunostomy Removal</a:t>
             </a:r>
           </a:p>
         </p:txBody>
@@ -7188,55 +7363,16 @@
             </a:pPr>
             <a:r>
               <a:rPr/>
-              <a:t>After surgery, you may have some difficulty absorbing some nutrients:</a:t>
-            </a:r>
-          </a:p>
-          <a:p>
-            <a:pPr lvl="0"/>
-            <a:r>
-              <a:rPr/>
-              <a:t>Iron</a:t>
-            </a:r>
-          </a:p>
-          <a:p>
-            <a:pPr lvl="0"/>
-            <a:r>
-              <a:rPr/>
-              <a:t>Vitamin B12</a:t>
-            </a:r>
-          </a:p>
-          <a:p>
-            <a:pPr lvl="0"/>
-            <a:r>
-              <a:rPr/>
-              <a:t>Vitamin D</a:t>
-            </a:r>
-          </a:p>
-          <a:p>
-            <a:pPr lvl="0" indent="0" marL="0">
-              <a:buNone/>
-            </a:pPr>
-            <a:r>
-              <a:rPr/>
-              <a:t>About 3 months after the jejunostomy tube is removed, we will check blood levels of iron (ferritin), Vitamin B12, and Vitamin D.</a:t>
-            </a:r>
-          </a:p>
-          <a:p>
-            <a:pPr lvl="0" indent="0" marL="0">
-              <a:buNone/>
-            </a:pPr>
-            <a:r>
-              <a:rPr/>
-              <a:t>Vitamin or iron replacements can be ordered by your primary care physician, medical oncologist, or surgery.</a:t>
-            </a:r>
-          </a:p>
-          <a:p>
-            <a:pPr lvl="0" indent="0" marL="0">
-              <a:buNone/>
-            </a:pPr>
-            <a:r>
-              <a:rPr/>
-              <a:t>If levels are low, repeat testing in several months may be needed.</a:t>
+              <a:t>Jejunostomy tube is removed in the office once you can take in enough nutrients by mouth (usually 8 weeks after surgery)</a:t>
+            </a:r>
+          </a:p>
+          <a:p>
+            <a:pPr lvl="0" indent="0" marL="0">
+              <a:buNone/>
+            </a:pPr>
+            <a:r>
+              <a:rPr/>
+              <a:t>Depending upon this tube, then may take 30 minutes and some local anesthethic to loosen up the tube for removal.</a:t>
             </a:r>
           </a:p>
         </p:txBody>
@@ -7247,6 +7383,126 @@
 </file>
 
 <file path=ppt/slides/slide43.xml><?xml version="1.0" encoding="utf-8"?>
+<p:sld xmlns:a="http://schemas.openxmlformats.org/drawingml/2006/main" xmlns:r="http://schemas.openxmlformats.org/officeDocument/2006/relationships" xmlns:p="http://schemas.openxmlformats.org/presentationml/2006/main">
+  <p:cSld>
+    <p:spTree>
+      <p:nvGrpSpPr>
+        <p:cNvPr id="1" name=""/>
+        <p:cNvGrpSpPr/>
+        <p:nvPr/>
+      </p:nvGrpSpPr>
+      <p:grpSpPr>
+        <a:xfrm>
+          <a:off x="0" y="0"/>
+          <a:ext cx="0" cy="0"/>
+          <a:chOff x="0" y="0"/>
+          <a:chExt cx="0" cy="0"/>
+        </a:xfrm>
+      </p:grpSpPr>
+      <p:sp>
+        <p:nvSpPr>
+          <p:cNvPr id="2" name="Title 1"/>
+          <p:cNvSpPr>
+            <a:spLocks noGrp="1"/>
+          </p:cNvSpPr>
+          <p:nvPr>
+            <p:ph type="title"/>
+          </p:nvPr>
+        </p:nvSpPr>
+        <p:spPr/>
+        <p:txBody>
+          <a:bodyPr/>
+          <a:lstStyle/>
+          <a:p>
+            <a:pPr lvl="0" indent="0" marL="0">
+              <a:buNone/>
+            </a:pPr>
+            <a:r>
+              <a:rPr/>
+              <a:t>Nutritional Monitoring</a:t>
+            </a:r>
+          </a:p>
+        </p:txBody>
+      </p:sp>
+      <p:sp>
+        <p:nvSpPr>
+          <p:cNvPr id="3" name="Content Placeholder 2"/>
+          <p:cNvSpPr>
+            <a:spLocks noGrp="1"/>
+          </p:cNvSpPr>
+          <p:nvPr>
+            <p:ph idx="1"/>
+          </p:nvPr>
+        </p:nvSpPr>
+        <p:spPr/>
+        <p:txBody>
+          <a:bodyPr/>
+          <a:lstStyle/>
+          <a:p>
+            <a:pPr lvl="0" indent="0" marL="0">
+              <a:buNone/>
+            </a:pPr>
+            <a:r>
+              <a:rPr/>
+              <a:t>After surgery, you may have some difficulty absorbing some nutrients:</a:t>
+            </a:r>
+          </a:p>
+          <a:p>
+            <a:pPr lvl="0"/>
+            <a:r>
+              <a:rPr/>
+              <a:t>Iron</a:t>
+            </a:r>
+          </a:p>
+          <a:p>
+            <a:pPr lvl="0"/>
+            <a:r>
+              <a:rPr/>
+              <a:t>Vitamin B12</a:t>
+            </a:r>
+          </a:p>
+          <a:p>
+            <a:pPr lvl="0"/>
+            <a:r>
+              <a:rPr/>
+              <a:t>Vitamin D</a:t>
+            </a:r>
+          </a:p>
+          <a:p>
+            <a:pPr lvl="0" indent="0" marL="0">
+              <a:buNone/>
+            </a:pPr>
+            <a:r>
+              <a:rPr/>
+              <a:t>About 3 months after the jejunostomy tube is removed, we will check blood levels of iron (ferritin), Vitamin B12, and Vitamin D.</a:t>
+            </a:r>
+          </a:p>
+          <a:p>
+            <a:pPr lvl="0" indent="0" marL="0">
+              <a:buNone/>
+            </a:pPr>
+            <a:r>
+              <a:rPr/>
+              <a:t>Vitamin or iron replacements can be ordered by your primary care physician, medical oncologist, or surgery.</a:t>
+            </a:r>
+          </a:p>
+          <a:p>
+            <a:pPr lvl="0" indent="0" marL="0">
+              <a:buNone/>
+            </a:pPr>
+            <a:r>
+              <a:rPr/>
+              <a:t>If levels are low, repeat testing in several months may be needed.</a:t>
+            </a:r>
+          </a:p>
+        </p:txBody>
+      </p:sp>
+    </p:spTree>
+  </p:cSld>
+</p:sld>
+</file>
+
+<file path=ppt/slides/slide44.xml><?xml version="1.0" encoding="utf-8"?>
 <p:sld xmlns:a="http://schemas.openxmlformats.org/drawingml/2006/main" xmlns:r="http://schemas.openxmlformats.org/officeDocument/2006/relationships" xmlns:p="http://schemas.openxmlformats.org/presentationml/2006/main">
   <p:cSld>
     <p:spTree>

--- a/lci_surgery.pptx
+++ b/lci_surgery.pptx
@@ -49,6 +49,9 @@
     <p:sldId id="297" r:id="rId43"/>
     <p:sldId id="298" r:id="rId44"/>
     <p:sldId id="299" r:id="rId45"/>
+    <p:sldId id="300" r:id="rId46"/>
+    <p:sldId id="301" r:id="rId47"/>
+    <p:sldId id="302" r:id="rId48"/>
   </p:sldIdLst>
   <p:sldSz cx="9144000" cy="5143500" type="screen16x9"/>
   <p:notesSz cx="6858000" cy="9144000"/>
@@ -6052,12 +6055,6 @@
           <a:bodyPr/>
           <a:lstStyle/>
           <a:p>
-            <a:pPr lvl="0" indent="0" marL="0">
-              <a:buNone/>
-            </a:pPr>
-            <a:br/>
-          </a:p>
-          <a:p>
             <a:pPr lvl="0"/>
             <a:r>
               <a:rPr/>
@@ -6170,7 +6167,6 @@
             <a:pPr lvl="0" indent="0" marL="0">
               <a:buNone/>
             </a:pPr>
-            <a:br/>
             <a:r>
               <a:rPr/>
               <a:t>Jejunostomy feeding tend to elevate blood sugars: Insulin may be required</a:t>
@@ -6355,7 +6351,7 @@
             </a:pPr>
             <a:r>
               <a:rPr/>
-              <a:t>Nasogastric Tubes</a:t>
+              <a:t>Nasogastric Tube (NG)</a:t>
             </a:r>
           </a:p>
         </p:txBody>
@@ -6380,25 +6376,16 @@
             </a:pPr>
             <a:r>
               <a:rPr/>
-              <a:t>A nasogastric tube is placed trough the nose into the stomach at the time surgery to remove fluid from the stomach and allow healing.</a:t>
-            </a:r>
-          </a:p>
-          <a:p>
-            <a:pPr lvl="0" indent="0" marL="0">
-              <a:buNone/>
-            </a:pPr>
-            <a:r>
-              <a:rPr/>
-              <a:t>An x-ray is done on the 2nd to 4th day after surgery to determine when the nasogastric tube can be removed.</a:t>
-            </a:r>
-          </a:p>
-          <a:p>
-            <a:pPr lvl="0" indent="0" marL="0">
-              <a:buNone/>
-            </a:pPr>
-            <a:r>
-              <a:rPr/>
-              <a:t>You will lay on a flat x-ray table, which will then be tilted to the standing position. Dye will then be injected into the tube and x-rays taken. If the stomach is emptying properly, the nasogastric tube will be removed.</a:t>
+              <a:t>NG is placed trough the nose into the stomach to remove fluid from the stomach and allow healing.</a:t>
+            </a:r>
+          </a:p>
+          <a:p>
+            <a:pPr lvl="0" indent="0" marL="0">
+              <a:buNone/>
+            </a:pPr>
+            <a:r>
+              <a:rPr/>
+              <a:t>NG tube is removed after confirmation by x-ray that the stomach is starting to empty properly</a:t>
             </a:r>
           </a:p>
         </p:txBody>
@@ -6445,6 +6432,99 @@
             </a:pPr>
             <a:r>
               <a:rPr/>
+              <a:t>Nasogastric Tube (NG)</a:t>
+            </a:r>
+          </a:p>
+        </p:txBody>
+      </p:sp>
+      <p:sp>
+        <p:nvSpPr>
+          <p:cNvPr id="3" name="Content Placeholder 2"/>
+          <p:cNvSpPr>
+            <a:spLocks noGrp="1"/>
+          </p:cNvSpPr>
+          <p:nvPr>
+            <p:ph idx="1"/>
+          </p:nvPr>
+        </p:nvSpPr>
+        <p:spPr/>
+        <p:txBody>
+          <a:bodyPr/>
+          <a:lstStyle/>
+          <a:p>
+            <a:pPr lvl="0" indent="0" marL="0">
+              <a:buNone/>
+            </a:pPr>
+            <a:r>
+              <a:rPr/>
+              <a:t>X-ray on the 2nd to 4th day after surgery</a:t>
+            </a:r>
+          </a:p>
+          <a:p>
+            <a:pPr lvl="0"/>
+            <a:r>
+              <a:rPr/>
+              <a:t>Will require standing up for 5-10 minutes</a:t>
+            </a:r>
+          </a:p>
+          <a:p>
+            <a:pPr lvl="0"/>
+            <a:r>
+              <a:rPr/>
+              <a:t>Dye is injected into the NG tube</a:t>
+            </a:r>
+          </a:p>
+          <a:p>
+            <a:pPr lvl="0"/>
+            <a:r>
+              <a:rPr/>
+              <a:t>If stomach empties, NG tube is removed</a:t>
+            </a:r>
+          </a:p>
+        </p:txBody>
+      </p:sp>
+    </p:spTree>
+  </p:cSld>
+</p:sld>
+</file>
+
+<file path=ppt/slides/slide35.xml><?xml version="1.0" encoding="utf-8"?>
+<p:sld xmlns:a="http://schemas.openxmlformats.org/drawingml/2006/main" xmlns:r="http://schemas.openxmlformats.org/officeDocument/2006/relationships" xmlns:p="http://schemas.openxmlformats.org/presentationml/2006/main">
+  <p:cSld>
+    <p:spTree>
+      <p:nvGrpSpPr>
+        <p:cNvPr id="1" name=""/>
+        <p:cNvGrpSpPr/>
+        <p:nvPr/>
+      </p:nvGrpSpPr>
+      <p:grpSpPr>
+        <a:xfrm>
+          <a:off x="0" y="0"/>
+          <a:ext cx="0" cy="0"/>
+          <a:chOff x="0" y="0"/>
+          <a:chExt cx="0" cy="0"/>
+        </a:xfrm>
+      </p:grpSpPr>
+      <p:sp>
+        <p:nvSpPr>
+          <p:cNvPr id="2" name="Title 1"/>
+          <p:cNvSpPr>
+            <a:spLocks noGrp="1"/>
+          </p:cNvSpPr>
+          <p:nvPr>
+            <p:ph type="title"/>
+          </p:nvPr>
+        </p:nvSpPr>
+        <p:spPr/>
+        <p:txBody>
+          <a:bodyPr/>
+          <a:lstStyle/>
+          <a:p>
+            <a:pPr lvl="0" indent="0" marL="0">
+              <a:buNone/>
+            </a:pPr>
+            <a:r>
+              <a:rPr/>
               <a:t>Modified Barium Swallow</a:t>
             </a:r>
           </a:p>
@@ -6472,7 +6552,7 @@
                 </a:pPr>
                 <a:r>
                   <a:rPr/>
-                  <a:t>Barium swallow tests whether swallowing muscles are working properly</a:t>
+                  <a:t>Tests whether swallowing muscles are working properly</a:t>
                 </a:r>
               </a:p>
               <a:p>
@@ -6521,93 +6601,6 @@
 </p:sld>
 </file>
 
-<file path=ppt/slides/slide35.xml><?xml version="1.0" encoding="utf-8"?>
-<p:sld xmlns:a="http://schemas.openxmlformats.org/drawingml/2006/main" xmlns:r="http://schemas.openxmlformats.org/officeDocument/2006/relationships" xmlns:p="http://schemas.openxmlformats.org/presentationml/2006/main">
-  <p:cSld>
-    <p:spTree>
-      <p:nvGrpSpPr>
-        <p:cNvPr id="1" name=""/>
-        <p:cNvGrpSpPr/>
-        <p:nvPr/>
-      </p:nvGrpSpPr>
-      <p:grpSpPr>
-        <a:xfrm>
-          <a:off x="0" y="0"/>
-          <a:ext cx="0" cy="0"/>
-          <a:chOff x="0" y="0"/>
-          <a:chExt cx="0" cy="0"/>
-        </a:xfrm>
-      </p:grpSpPr>
-      <p:sp>
-        <p:nvSpPr>
-          <p:cNvPr id="2" name="Title 1"/>
-          <p:cNvSpPr>
-            <a:spLocks noGrp="1"/>
-          </p:cNvSpPr>
-          <p:nvPr>
-            <p:ph type="title"/>
-          </p:nvPr>
-        </p:nvSpPr>
-        <p:spPr/>
-        <p:txBody>
-          <a:bodyPr/>
-          <a:lstStyle/>
-          <a:p>
-            <a:pPr lvl="0" indent="0" marL="0">
-              <a:buNone/>
-            </a:pPr>
-            <a:r>
-              <a:rPr/>
-              <a:t>Protein Shakes</a:t>
-            </a:r>
-          </a:p>
-        </p:txBody>
-      </p:sp>
-      <p:sp>
-        <p:nvSpPr>
-          <p:cNvPr id="3" name="Content Placeholder 2"/>
-          <p:cNvSpPr>
-            <a:spLocks noGrp="1"/>
-          </p:cNvSpPr>
-          <p:nvPr>
-            <p:ph idx="1"/>
-          </p:nvPr>
-        </p:nvSpPr>
-        <p:spPr/>
-        <p:txBody>
-          <a:bodyPr/>
-          <a:lstStyle/>
-          <a:p>
-            <a:pPr lvl="0" indent="0" marL="0">
-              <a:buNone/>
-            </a:pPr>
-            <a:r>
-              <a:rPr/>
-              <a:t>Most patients are taking protein shakes when they go home</a:t>
-            </a:r>
-          </a:p>
-          <a:p>
-            <a:pPr lvl="0" indent="0" marL="0">
-              <a:buNone/>
-            </a:pPr>
-            <a:r>
-              <a:rPr/>
-              <a:t>Protein shakes are started once you are tolerating water by mouth</a:t>
-            </a:r>
-            <a:br/>
-            <a:br/>
-            <a:r>
-              <a:rPr/>
-              <a:t>- 2 oz per hour to start - 4 oz per hour if 2oz are tolerated well</a:t>
-            </a:r>
-          </a:p>
-        </p:txBody>
-      </p:sp>
-    </p:spTree>
-  </p:cSld>
-</p:sld>
-</file>
-
 <file path=ppt/slides/slide36.xml><?xml version="1.0" encoding="utf-8"?>
 <p:sld xmlns:a="http://schemas.openxmlformats.org/drawingml/2006/main" xmlns:r="http://schemas.openxmlformats.org/officeDocument/2006/relationships" xmlns:p="http://schemas.openxmlformats.org/presentationml/2006/main">
   <p:cSld>
@@ -6645,7 +6638,7 @@
             </a:pPr>
             <a:r>
               <a:rPr/>
-              <a:t>Discharge</a:t>
+              <a:t>Protein Shakes</a:t>
             </a:r>
           </a:p>
         </p:txBody>
@@ -6670,35 +6663,21 @@
             </a:pPr>
             <a:r>
               <a:rPr/>
-              <a:t>Goal: Ready to leave hospital day #6/7 after surgery</a:t>
-            </a:r>
-          </a:p>
-          <a:p>
-            <a:pPr lvl="0"/>
-            <a:r>
-              <a:rPr/>
-              <a:t>Tube feeds at night (6pm to 10am)</a:t>
-            </a:r>
-          </a:p>
-          <a:p>
-            <a:pPr lvl="0"/>
-            <a:r>
-              <a:rPr/>
-              <a:t>Protein shakes by mouth (70% of patients)</a:t>
-            </a:r>
-          </a:p>
-          <a:p>
-            <a:pPr lvl="1"/>
-            <a:r>
-              <a:rPr/>
-              <a:t>4oz every 2 hours</a:t>
-            </a:r>
-          </a:p>
-          <a:p>
-            <a:pPr lvl="1"/>
-            <a:r>
-              <a:rPr/>
-              <a:t>Water by mouth 2 oz at a time Water through feeding tube (8oz 4x/day)</a:t>
+              <a:t>Most are taking protein shakes when they go home</a:t>
+            </a:r>
+          </a:p>
+          <a:p>
+            <a:pPr lvl="0" indent="0" marL="0">
+              <a:buNone/>
+            </a:pPr>
+            <a:r>
+              <a:rPr/>
+              <a:t>Protein shakes are started after tolerating water</a:t>
+            </a:r>
+            <a:br/>
+            <a:r>
+              <a:rPr/>
+              <a:t>- 2 oz per hour to start - 4 oz per hour if 2oz are tolerated well</a:t>
             </a:r>
           </a:p>
         </p:txBody>
@@ -6745,7 +6724,7 @@
             </a:pPr>
             <a:r>
               <a:rPr/>
-              <a:t>Nutrition at Home</a:t>
+              <a:t>Discharge</a:t>
             </a:r>
           </a:p>
         </p:txBody>
@@ -6770,28 +6749,35 @@
             </a:pPr>
             <a:r>
               <a:rPr/>
-              <a:t>Most patients go home with:</a:t>
-            </a:r>
-          </a:p>
-          <a:p>
-            <a:pPr lvl="0"/>
-            <a:r>
-              <a:rPr/>
-              <a:t>Protein shakes by mouth 4oz at a time</a:t>
-            </a:r>
-          </a:p>
-          <a:p>
-            <a:pPr lvl="0"/>
-            <a:r>
-              <a:rPr/>
-              <a:t>Tube feeds at night (4-5 cartons)</a:t>
-            </a:r>
-          </a:p>
-          <a:p>
-            <a:pPr lvl="0"/>
-            <a:r>
-              <a:rPr/>
-              <a:t>Water through the feeding tube 8oz 4 times per day</a:t>
+              <a:t>Goal: Ready to leave hospital day #6/7 after surgery</a:t>
+            </a:r>
+          </a:p>
+          <a:p>
+            <a:pPr lvl="0"/>
+            <a:r>
+              <a:rPr/>
+              <a:t>Tube feeds at night (6pm to 10am)</a:t>
+            </a:r>
+          </a:p>
+          <a:p>
+            <a:pPr lvl="0"/>
+            <a:r>
+              <a:rPr/>
+              <a:t>Protein shakes by mouth (70% of patients)</a:t>
+            </a:r>
+          </a:p>
+          <a:p>
+            <a:pPr lvl="1"/>
+            <a:r>
+              <a:rPr/>
+              <a:t>4oz every 2 hours</a:t>
+            </a:r>
+          </a:p>
+          <a:p>
+            <a:pPr lvl="1"/>
+            <a:r>
+              <a:rPr/>
+              <a:t>Water by mouth 2 oz at a time Water through feeding tube (8oz 4x/day)</a:t>
             </a:r>
           </a:p>
         </p:txBody>
@@ -6838,7 +6824,7 @@
             </a:pPr>
             <a:r>
               <a:rPr/>
-              <a:t>Medicines at Home</a:t>
+              <a:t>Nutrition at Home</a:t>
             </a:r>
           </a:p>
         </p:txBody>
@@ -6858,24 +6844,33 @@
           <a:bodyPr/>
           <a:lstStyle/>
           <a:p>
-            <a:pPr lvl="0"/>
-            <a:r>
-              <a:rPr/>
-              <a:t>Proton pump inhibitor (omeprazole, pantoprazole) for one year</a:t>
-            </a:r>
-          </a:p>
-          <a:p>
-            <a:pPr lvl="0"/>
-            <a:r>
-              <a:rPr/>
-              <a:t>Reglan (metoclopramide) - help stomach empty: 6 weeks</a:t>
-            </a:r>
-          </a:p>
-          <a:p>
-            <a:pPr lvl="0"/>
-            <a:r>
-              <a:rPr/>
-              <a:t>Lopressor (metoprolol) - helps prevent atrial fibrillation: 2 weeks</a:t>
+            <a:pPr lvl="0" indent="0" marL="0">
+              <a:buNone/>
+            </a:pPr>
+            <a:r>
+              <a:rPr/>
+              <a:t>Most patients go home with:</a:t>
+            </a:r>
+          </a:p>
+          <a:p>
+            <a:pPr lvl="0"/>
+            <a:r>
+              <a:rPr/>
+              <a:t>Protein shakes by mouth 4oz at a time</a:t>
+            </a:r>
+          </a:p>
+          <a:p>
+            <a:pPr lvl="0"/>
+            <a:r>
+              <a:rPr/>
+              <a:t>Tube feeds at night (4-5 cartons)</a:t>
+            </a:r>
+          </a:p>
+          <a:p>
+            <a:pPr lvl="0"/>
+            <a:r>
+              <a:rPr/>
+              <a:t>Water through the feeding tube 8oz 4 times per day</a:t>
             </a:r>
           </a:p>
         </p:txBody>
@@ -6922,7 +6917,7 @@
             </a:pPr>
             <a:r>
               <a:rPr/>
-              <a:t>Pain Medicines at Home</a:t>
+              <a:t>Medicines at Home</a:t>
             </a:r>
           </a:p>
         </p:txBody>
@@ -6945,30 +6940,21 @@
             <a:pPr lvl="0"/>
             <a:r>
               <a:rPr/>
-              <a:t>Acetaminophen 1000mg every 6 hours</a:t>
-            </a:r>
-          </a:p>
-          <a:p>
-            <a:pPr lvl="0"/>
-            <a:r>
-              <a:rPr/>
-              <a:t>Gabapentin 300mg every 8 hours</a:t>
-            </a:r>
-          </a:p>
-          <a:p>
-            <a:pPr lvl="0"/>
-            <a:r>
-              <a:rPr/>
-              <a:t>Oxycodone 5mg every 6 hours</a:t>
-            </a:r>
-          </a:p>
-          <a:p>
-            <a:pPr lvl="0" indent="0" marL="0">
-              <a:buNone/>
-            </a:pPr>
-            <a:r>
-              <a:rPr/>
-              <a:t>In most cases, oxycodone is no longer needed by 6 weeks after surgery</a:t>
+              <a:t>Proton pump inhibitor (acid blocker) for one year</a:t>
+            </a:r>
+          </a:p>
+          <a:p>
+            <a:pPr lvl="0"/>
+            <a:r>
+              <a:rPr/>
+              <a:t>Reglan (metoclopramide) - stomach emptying: 6 weeks</a:t>
+            </a:r>
+          </a:p>
+          <a:p>
+            <a:pPr lvl="0"/>
+            <a:r>
+              <a:rPr/>
+              <a:t>Lopressor (metoprolol) - prevent atrial fibrillation: 2 weeks</a:t>
             </a:r>
           </a:p>
         </p:txBody>
@@ -7125,6 +7111,99 @@
             </a:pPr>
             <a:r>
               <a:rPr/>
+              <a:t>Pain Medicines at Home</a:t>
+            </a:r>
+          </a:p>
+        </p:txBody>
+      </p:sp>
+      <p:sp>
+        <p:nvSpPr>
+          <p:cNvPr id="3" name="Content Placeholder 2"/>
+          <p:cNvSpPr>
+            <a:spLocks noGrp="1"/>
+          </p:cNvSpPr>
+          <p:nvPr>
+            <p:ph idx="1"/>
+          </p:nvPr>
+        </p:nvSpPr>
+        <p:spPr/>
+        <p:txBody>
+          <a:bodyPr/>
+          <a:lstStyle/>
+          <a:p>
+            <a:pPr lvl="0"/>
+            <a:r>
+              <a:rPr/>
+              <a:t>Acetaminophen 1000mg every 6 hours</a:t>
+            </a:r>
+          </a:p>
+          <a:p>
+            <a:pPr lvl="0"/>
+            <a:r>
+              <a:rPr/>
+              <a:t>Gabapentin 300mg every 8 hours</a:t>
+            </a:r>
+          </a:p>
+          <a:p>
+            <a:pPr lvl="0"/>
+            <a:r>
+              <a:rPr/>
+              <a:t>Oxycodone 5mg every 6 hours</a:t>
+            </a:r>
+          </a:p>
+          <a:p>
+            <a:pPr lvl="0" indent="0" marL="0">
+              <a:buNone/>
+            </a:pPr>
+            <a:r>
+              <a:rPr/>
+              <a:t>In most cases, oxycodone is no longer needed by 6 weeks after surgery</a:t>
+            </a:r>
+          </a:p>
+        </p:txBody>
+      </p:sp>
+    </p:spTree>
+  </p:cSld>
+</p:sld>
+</file>
+
+<file path=ppt/slides/slide41.xml><?xml version="1.0" encoding="utf-8"?>
+<p:sld xmlns:a="http://schemas.openxmlformats.org/drawingml/2006/main" xmlns:r="http://schemas.openxmlformats.org/officeDocument/2006/relationships" xmlns:p="http://schemas.openxmlformats.org/presentationml/2006/main">
+  <p:cSld>
+    <p:spTree>
+      <p:nvGrpSpPr>
+        <p:cNvPr id="1" name=""/>
+        <p:cNvGrpSpPr/>
+        <p:nvPr/>
+      </p:nvGrpSpPr>
+      <p:grpSpPr>
+        <a:xfrm>
+          <a:off x="0" y="0"/>
+          <a:ext cx="0" cy="0"/>
+          <a:chOff x="0" y="0"/>
+          <a:chExt cx="0" cy="0"/>
+        </a:xfrm>
+      </p:grpSpPr>
+      <p:sp>
+        <p:nvSpPr>
+          <p:cNvPr id="2" name="Title 1"/>
+          <p:cNvSpPr>
+            <a:spLocks noGrp="1"/>
+          </p:cNvSpPr>
+          <p:nvPr>
+            <p:ph type="title"/>
+          </p:nvPr>
+        </p:nvSpPr>
+        <p:spPr/>
+        <p:txBody>
+          <a:bodyPr/>
+          <a:lstStyle/>
+          <a:p>
+            <a:pPr lvl="0" indent="0" marL="0">
+              <a:buNone/>
+            </a:pPr>
+            <a:r>
+              <a:rPr/>
               <a:t>Sleeping</a:t>
             </a:r>
           </a:p>
@@ -7208,99 +7287,6 @@
 </p:sld>
 </file>
 
-<file path=ppt/slides/slide41.xml><?xml version="1.0" encoding="utf-8"?>
-<p:sld xmlns:a="http://schemas.openxmlformats.org/drawingml/2006/main" xmlns:r="http://schemas.openxmlformats.org/officeDocument/2006/relationships" xmlns:p="http://schemas.openxmlformats.org/presentationml/2006/main">
-  <p:cSld>
-    <p:spTree>
-      <p:nvGrpSpPr>
-        <p:cNvPr id="1" name=""/>
-        <p:cNvGrpSpPr/>
-        <p:nvPr/>
-      </p:nvGrpSpPr>
-      <p:grpSpPr>
-        <a:xfrm>
-          <a:off x="0" y="0"/>
-          <a:ext cx="0" cy="0"/>
-          <a:chOff x="0" y="0"/>
-          <a:chExt cx="0" cy="0"/>
-        </a:xfrm>
-      </p:grpSpPr>
-      <p:sp>
-        <p:nvSpPr>
-          <p:cNvPr id="2" name="Title 1"/>
-          <p:cNvSpPr>
-            <a:spLocks noGrp="1"/>
-          </p:cNvSpPr>
-          <p:nvPr>
-            <p:ph type="title"/>
-          </p:nvPr>
-        </p:nvSpPr>
-        <p:spPr/>
-        <p:txBody>
-          <a:bodyPr/>
-          <a:lstStyle/>
-          <a:p>
-            <a:pPr lvl="0" indent="0" marL="0">
-              <a:buNone/>
-            </a:pPr>
-            <a:r>
-              <a:rPr/>
-              <a:t>Postoperative Visit</a:t>
-            </a:r>
-          </a:p>
-        </p:txBody>
-      </p:sp>
-      <p:sp>
-        <p:nvSpPr>
-          <p:cNvPr id="3" name="Content Placeholder 2"/>
-          <p:cNvSpPr>
-            <a:spLocks noGrp="1"/>
-          </p:cNvSpPr>
-          <p:nvPr>
-            <p:ph idx="1"/>
-          </p:nvPr>
-        </p:nvSpPr>
-        <p:spPr/>
-        <p:txBody>
-          <a:bodyPr/>
-          <a:lstStyle/>
-          <a:p>
-            <a:pPr lvl="0" indent="0" marL="0">
-              <a:buNone/>
-            </a:pPr>
-            <a:r>
-              <a:rPr/>
-              <a:t>You will be seen in the office 7-10 days after discharge</a:t>
-            </a:r>
-          </a:p>
-          <a:p>
-            <a:pPr lvl="0"/>
-            <a:r>
-              <a:rPr/>
-              <a:t>Adjust medicines</a:t>
-            </a:r>
-          </a:p>
-          <a:p>
-            <a:pPr lvl="0"/>
-            <a:r>
-              <a:rPr/>
-              <a:t>Remove staples</a:t>
-            </a:r>
-          </a:p>
-          <a:p>
-            <a:pPr lvl="0"/>
-            <a:r>
-              <a:rPr/>
-              <a:t>Remove drains (if needed)</a:t>
-            </a:r>
-          </a:p>
-        </p:txBody>
-      </p:sp>
-    </p:spTree>
-  </p:cSld>
-</p:sld>
-</file>
-
 <file path=ppt/slides/slide42.xml><?xml version="1.0" encoding="utf-8"?>
 <p:sld xmlns:a="http://schemas.openxmlformats.org/drawingml/2006/main" xmlns:r="http://schemas.openxmlformats.org/officeDocument/2006/relationships" xmlns:p="http://schemas.openxmlformats.org/presentationml/2006/main">
   <p:cSld>
@@ -7338,7 +7324,7 @@
             </a:pPr>
             <a:r>
               <a:rPr/>
-              <a:t>Jejunostomy Removal</a:t>
+              <a:t>Postoperative Visit</a:t>
             </a:r>
           </a:p>
         </p:txBody>
@@ -7363,16 +7349,28 @@
             </a:pPr>
             <a:r>
               <a:rPr/>
-              <a:t>Jejunostomy tube is removed in the office once you can take in enough nutrients by mouth (usually 8 weeks after surgery)</a:t>
-            </a:r>
-          </a:p>
-          <a:p>
-            <a:pPr lvl="0" indent="0" marL="0">
-              <a:buNone/>
-            </a:pPr>
-            <a:r>
-              <a:rPr/>
-              <a:t>Depending upon this tube, then may take 30 minutes and some local anesthethic to loosen up the tube for removal.</a:t>
+              <a:t>You will be seen in the office 7-10 days after discharge</a:t>
+            </a:r>
+          </a:p>
+          <a:p>
+            <a:pPr lvl="0"/>
+            <a:r>
+              <a:rPr/>
+              <a:t>Adjust medicines</a:t>
+            </a:r>
+          </a:p>
+          <a:p>
+            <a:pPr lvl="0"/>
+            <a:r>
+              <a:rPr/>
+              <a:t>Remove staples</a:t>
+            </a:r>
+          </a:p>
+          <a:p>
+            <a:pPr lvl="0"/>
+            <a:r>
+              <a:rPr/>
+              <a:t>Remove drains (if needed)</a:t>
             </a:r>
           </a:p>
         </p:txBody>
@@ -7419,7 +7417,7 @@
             </a:pPr>
             <a:r>
               <a:rPr/>
-              <a:t>Nutritional Monitoring</a:t>
+              <a:t>Jejunostomy Removal (8 weeks after surgery)</a:t>
             </a:r>
           </a:p>
         </p:txBody>
@@ -7444,55 +7442,16 @@
             </a:pPr>
             <a:r>
               <a:rPr/>
-              <a:t>After surgery, you may have some difficulty absorbing some nutrients:</a:t>
-            </a:r>
-          </a:p>
-          <a:p>
-            <a:pPr lvl="0"/>
-            <a:r>
-              <a:rPr/>
-              <a:t>Iron</a:t>
-            </a:r>
-          </a:p>
-          <a:p>
-            <a:pPr lvl="0"/>
-            <a:r>
-              <a:rPr/>
-              <a:t>Vitamin B12</a:t>
-            </a:r>
-          </a:p>
-          <a:p>
-            <a:pPr lvl="0"/>
-            <a:r>
-              <a:rPr/>
-              <a:t>Vitamin D</a:t>
-            </a:r>
-          </a:p>
-          <a:p>
-            <a:pPr lvl="0" indent="0" marL="0">
-              <a:buNone/>
-            </a:pPr>
-            <a:r>
-              <a:rPr/>
-              <a:t>About 3 months after the jejunostomy tube is removed, we will check blood levels of iron (ferritin), Vitamin B12, and Vitamin D.</a:t>
-            </a:r>
-          </a:p>
-          <a:p>
-            <a:pPr lvl="0" indent="0" marL="0">
-              <a:buNone/>
-            </a:pPr>
-            <a:r>
-              <a:rPr/>
-              <a:t>Vitamin or iron replacements can be ordered by your primary care physician, medical oncologist, or surgery.</a:t>
-            </a:r>
-          </a:p>
-          <a:p>
-            <a:pPr lvl="0" indent="0" marL="0">
-              <a:buNone/>
-            </a:pPr>
-            <a:r>
-              <a:rPr/>
-              <a:t>If levels are low, repeat testing in several months may be needed.</a:t>
+              <a:t>Jejunostomy tube is removed in the office once you can take in enough nutrients by mouth</a:t>
+            </a:r>
+          </a:p>
+          <a:p>
+            <a:pPr lvl="0" indent="0" marL="0">
+              <a:buNone/>
+            </a:pPr>
+            <a:r>
+              <a:rPr/>
+              <a:t>May take 30 minutes and some local anesthetic to loosen up the tube for removal.</a:t>
             </a:r>
           </a:p>
         </p:txBody>
@@ -7503,6 +7462,273 @@
 </file>
 
 <file path=ppt/slides/slide44.xml><?xml version="1.0" encoding="utf-8"?>
+<p:sld xmlns:a="http://schemas.openxmlformats.org/drawingml/2006/main" xmlns:r="http://schemas.openxmlformats.org/officeDocument/2006/relationships" xmlns:p="http://schemas.openxmlformats.org/presentationml/2006/main">
+  <p:cSld>
+    <p:spTree>
+      <p:nvGrpSpPr>
+        <p:cNvPr id="1" name=""/>
+        <p:cNvGrpSpPr/>
+        <p:nvPr/>
+      </p:nvGrpSpPr>
+      <p:grpSpPr>
+        <a:xfrm>
+          <a:off x="0" y="0"/>
+          <a:ext cx="0" cy="0"/>
+          <a:chOff x="0" y="0"/>
+          <a:chExt cx="0" cy="0"/>
+        </a:xfrm>
+      </p:grpSpPr>
+      <p:sp>
+        <p:nvSpPr>
+          <p:cNvPr id="2" name="Title 1"/>
+          <p:cNvSpPr>
+            <a:spLocks noGrp="1"/>
+          </p:cNvSpPr>
+          <p:nvPr>
+            <p:ph type="title"/>
+          </p:nvPr>
+        </p:nvSpPr>
+        <p:spPr/>
+        <p:txBody>
+          <a:bodyPr/>
+          <a:lstStyle/>
+          <a:p>
+            <a:pPr lvl="0" indent="0" marL="0">
+              <a:buNone/>
+            </a:pPr>
+            <a:r>
+              <a:rPr/>
+              <a:t>Nutritional Monitoring after Surgery</a:t>
+            </a:r>
+          </a:p>
+        </p:txBody>
+      </p:sp>
+      <p:sp>
+        <p:nvSpPr>
+          <p:cNvPr id="3" name="Content Placeholder 2"/>
+          <p:cNvSpPr>
+            <a:spLocks noGrp="1"/>
+          </p:cNvSpPr>
+          <p:nvPr>
+            <p:ph idx="1"/>
+          </p:nvPr>
+        </p:nvSpPr>
+        <p:spPr/>
+        <p:txBody>
+          <a:bodyPr/>
+          <a:lstStyle/>
+          <a:p>
+            <a:pPr lvl="0" indent="0" marL="0">
+              <a:buNone/>
+            </a:pPr>
+            <a:r>
+              <a:rPr/>
+              <a:t>You may have some difficulty absorbing some nutrients:</a:t>
+            </a:r>
+          </a:p>
+          <a:p>
+            <a:pPr lvl="0"/>
+            <a:r>
+              <a:rPr/>
+              <a:t>Iron</a:t>
+            </a:r>
+          </a:p>
+          <a:p>
+            <a:pPr lvl="0"/>
+            <a:r>
+              <a:rPr/>
+              <a:t>Vitamin B12</a:t>
+            </a:r>
+          </a:p>
+          <a:p>
+            <a:pPr lvl="0"/>
+            <a:r>
+              <a:rPr/>
+              <a:t>Vitamin D</a:t>
+            </a:r>
+          </a:p>
+        </p:txBody>
+      </p:sp>
+    </p:spTree>
+  </p:cSld>
+</p:sld>
+</file>
+
+<file path=ppt/slides/slide45.xml><?xml version="1.0" encoding="utf-8"?>
+<p:sld xmlns:a="http://schemas.openxmlformats.org/drawingml/2006/main" xmlns:r="http://schemas.openxmlformats.org/officeDocument/2006/relationships" xmlns:p="http://schemas.openxmlformats.org/presentationml/2006/main">
+  <p:cSld>
+    <p:spTree>
+      <p:nvGrpSpPr>
+        <p:cNvPr id="1" name=""/>
+        <p:cNvGrpSpPr/>
+        <p:nvPr/>
+      </p:nvGrpSpPr>
+      <p:grpSpPr>
+        <a:xfrm>
+          <a:off x="0" y="0"/>
+          <a:ext cx="0" cy="0"/>
+          <a:chOff x="0" y="0"/>
+          <a:chExt cx="0" cy="0"/>
+        </a:xfrm>
+      </p:grpSpPr>
+      <p:sp>
+        <p:nvSpPr>
+          <p:cNvPr id="2" name="Title 1"/>
+          <p:cNvSpPr>
+            <a:spLocks noGrp="1"/>
+          </p:cNvSpPr>
+          <p:nvPr>
+            <p:ph type="title"/>
+          </p:nvPr>
+        </p:nvSpPr>
+        <p:spPr/>
+        <p:txBody>
+          <a:bodyPr/>
+          <a:lstStyle/>
+          <a:p>
+            <a:pPr lvl="0" indent="0" marL="0">
+              <a:buNone/>
+            </a:pPr>
+            <a:r>
+              <a:rPr/>
+              <a:t>Nutritional Monitoring after Surgery</a:t>
+            </a:r>
+          </a:p>
+        </p:txBody>
+      </p:sp>
+      <p:sp>
+        <p:nvSpPr>
+          <p:cNvPr id="3" name="Content Placeholder 2"/>
+          <p:cNvSpPr>
+            <a:spLocks noGrp="1"/>
+          </p:cNvSpPr>
+          <p:nvPr>
+            <p:ph idx="1"/>
+          </p:nvPr>
+        </p:nvSpPr>
+        <p:spPr/>
+        <p:txBody>
+          <a:bodyPr/>
+          <a:lstStyle/>
+          <a:p>
+            <a:pPr lvl="0" indent="0" marL="0">
+              <a:buNone/>
+            </a:pPr>
+            <a:r>
+              <a:rPr/>
+              <a:t>About 3 months after the jejunostomy tube is removed, we will check blood levels:</a:t>
+            </a:r>
+          </a:p>
+          <a:p>
+            <a:pPr lvl="0"/>
+            <a:r>
+              <a:rPr/>
+              <a:t>Iron (ferritin)</a:t>
+            </a:r>
+          </a:p>
+          <a:p>
+            <a:pPr lvl="0"/>
+            <a:r>
+              <a:rPr/>
+              <a:t>Vitamin B12</a:t>
+            </a:r>
+          </a:p>
+          <a:p>
+            <a:pPr lvl="0"/>
+            <a:r>
+              <a:rPr/>
+              <a:t>Vitamin D.</a:t>
+            </a:r>
+          </a:p>
+        </p:txBody>
+      </p:sp>
+    </p:spTree>
+  </p:cSld>
+</p:sld>
+</file>
+
+<file path=ppt/slides/slide46.xml><?xml version="1.0" encoding="utf-8"?>
+<p:sld xmlns:a="http://schemas.openxmlformats.org/drawingml/2006/main" xmlns:r="http://schemas.openxmlformats.org/officeDocument/2006/relationships" xmlns:p="http://schemas.openxmlformats.org/presentationml/2006/main">
+  <p:cSld>
+    <p:spTree>
+      <p:nvGrpSpPr>
+        <p:cNvPr id="1" name=""/>
+        <p:cNvGrpSpPr/>
+        <p:nvPr/>
+      </p:nvGrpSpPr>
+      <p:grpSpPr>
+        <a:xfrm>
+          <a:off x="0" y="0"/>
+          <a:ext cx="0" cy="0"/>
+          <a:chOff x="0" y="0"/>
+          <a:chExt cx="0" cy="0"/>
+        </a:xfrm>
+      </p:grpSpPr>
+      <p:sp>
+        <p:nvSpPr>
+          <p:cNvPr id="2" name="Title 1"/>
+          <p:cNvSpPr>
+            <a:spLocks noGrp="1"/>
+          </p:cNvSpPr>
+          <p:nvPr>
+            <p:ph type="title"/>
+          </p:nvPr>
+        </p:nvSpPr>
+        <p:spPr/>
+        <p:txBody>
+          <a:bodyPr/>
+          <a:lstStyle/>
+          <a:p>
+            <a:pPr lvl="0" indent="0" marL="0">
+              <a:buNone/>
+            </a:pPr>
+            <a:r>
+              <a:rPr/>
+              <a:t>Nutritional Replacements after Surgery</a:t>
+            </a:r>
+          </a:p>
+        </p:txBody>
+      </p:sp>
+      <p:sp>
+        <p:nvSpPr>
+          <p:cNvPr id="3" name="Content Placeholder 2"/>
+          <p:cNvSpPr>
+            <a:spLocks noGrp="1"/>
+          </p:cNvSpPr>
+          <p:nvPr>
+            <p:ph idx="1"/>
+          </p:nvPr>
+        </p:nvSpPr>
+        <p:spPr/>
+        <p:txBody>
+          <a:bodyPr/>
+          <a:lstStyle/>
+          <a:p>
+            <a:pPr lvl="0" indent="0" marL="0">
+              <a:buNone/>
+            </a:pPr>
+            <a:r>
+              <a:rPr/>
+              <a:t>Vitamin or iron replacements can be ordered by your primary care physician, medical oncologist, or surgeon</a:t>
+            </a:r>
+          </a:p>
+          <a:p>
+            <a:pPr lvl="0" indent="0" marL="0">
+              <a:buNone/>
+            </a:pPr>
+            <a:r>
+              <a:rPr/>
+              <a:t>If levels are low, repeat testing in several months may be needed.</a:t>
+            </a:r>
+          </a:p>
+        </p:txBody>
+      </p:sp>
+    </p:spTree>
+  </p:cSld>
+</p:sld>
+</file>
+
+<file path=ppt/slides/slide47.xml><?xml version="1.0" encoding="utf-8"?>
 <p:sld xmlns:a="http://schemas.openxmlformats.org/drawingml/2006/main" xmlns:r="http://schemas.openxmlformats.org/officeDocument/2006/relationships" xmlns:p="http://schemas.openxmlformats.org/presentationml/2006/main">
   <p:cSld>
     <p:spTree>

--- a/lci_surgery.pptx
+++ b/lci_surgery.pptx
@@ -52,6 +52,19 @@
     <p:sldId id="300" r:id="rId46"/>
     <p:sldId id="301" r:id="rId47"/>
     <p:sldId id="302" r:id="rId48"/>
+    <p:sldId id="303" r:id="rId49"/>
+    <p:sldId id="304" r:id="rId50"/>
+    <p:sldId id="305" r:id="rId51"/>
+    <p:sldId id="306" r:id="rId52"/>
+    <p:sldId id="307" r:id="rId53"/>
+    <p:sldId id="308" r:id="rId54"/>
+    <p:sldId id="309" r:id="rId55"/>
+    <p:sldId id="310" r:id="rId56"/>
+    <p:sldId id="311" r:id="rId57"/>
+    <p:sldId id="312" r:id="rId58"/>
+    <p:sldId id="313" r:id="rId59"/>
+    <p:sldId id="314" r:id="rId60"/>
+    <p:sldId id="315" r:id="rId61"/>
   </p:sldIdLst>
   <p:sldSz cx="9144000" cy="5143500" type="screen16x9"/>
   <p:notesSz cx="6858000" cy="9144000"/>
@@ -7765,34 +7778,152 @@
             </a:pPr>
             <a:r>
               <a:rPr/>
+              <a:t>Preparing for Cancer Treatment</a:t>
+            </a:r>
+          </a:p>
+        </p:txBody>
+      </p:sp>
+      <p:sp>
+        <p:nvSpPr>
+          <p:cNvPr id="3" name="Content Placeholder 2"/>
+          <p:cNvSpPr>
+            <a:spLocks noGrp="1"/>
+          </p:cNvSpPr>
+          <p:nvPr>
+            <p:ph idx="1"/>
+          </p:nvPr>
+        </p:nvSpPr>
+        <p:spPr/>
+        <p:txBody>
+          <a:bodyPr/>
+          <a:lstStyle/>
+          <a:p>
+            <a:pPr lvl="0"/>
+            <a:r>
+              <a:rPr/>
+              <a:t>Primary Care Physician</a:t>
+            </a:r>
+          </a:p>
+          <a:p>
+            <a:pPr lvl="0"/>
+            <a:r>
+              <a:rPr/>
+              <a:t>MyAtrium Portal</a:t>
+            </a:r>
+          </a:p>
+          <a:p>
+            <a:pPr lvl="0"/>
+            <a:r>
+              <a:rPr/>
+              <a:t>Exercise</a:t>
+            </a:r>
+          </a:p>
+          <a:p>
+            <a:pPr lvl="0"/>
+            <a:r>
+              <a:rPr/>
+              <a:t>Smoking Cessation</a:t>
+            </a:r>
+          </a:p>
+          <a:p>
+            <a:pPr lvl="0"/>
+            <a:r>
+              <a:rPr/>
               <a:t>Nutrition</a:t>
             </a:r>
           </a:p>
         </p:txBody>
       </p:sp>
-      <p:sp>
-        <p:nvSpPr>
-          <p:cNvPr id="3" name="Content Placeholder 2"/>
-          <p:cNvSpPr>
-            <a:spLocks noGrp="1"/>
-          </p:cNvSpPr>
-          <p:nvPr>
-            <p:ph idx="1"/>
-          </p:nvPr>
-        </p:nvSpPr>
-        <p:spPr/>
-        <p:txBody>
-          <a:bodyPr/>
-          <a:lstStyle/>
-          <a:p>
-            <a:pPr lvl="0" indent="0" marL="0">
-              <a:buNone/>
-            </a:pPr>
-            <a:r>
-              <a:rPr>
-                <a:hlinkClick r:id="rId2"/>
-              </a:rPr>
-              <a:t>Nutrition Slideshow</a:t>
+    </p:spTree>
+  </p:cSld>
+</p:sld>
+</file>
+
+<file path=ppt/slides/slide48.xml><?xml version="1.0" encoding="utf-8"?>
+<p:sld xmlns:a="http://schemas.openxmlformats.org/drawingml/2006/main" xmlns:r="http://schemas.openxmlformats.org/officeDocument/2006/relationships" xmlns:p="http://schemas.openxmlformats.org/presentationml/2006/main">
+  <p:cSld>
+    <p:spTree>
+      <p:nvGrpSpPr>
+        <p:cNvPr id="1" name=""/>
+        <p:cNvGrpSpPr/>
+        <p:nvPr/>
+      </p:nvGrpSpPr>
+      <p:grpSpPr>
+        <a:xfrm>
+          <a:off x="0" y="0"/>
+          <a:ext cx="0" cy="0"/>
+          <a:chOff x="0" y="0"/>
+          <a:chExt cx="0" cy="0"/>
+        </a:xfrm>
+      </p:grpSpPr>
+      <p:sp>
+        <p:nvSpPr>
+          <p:cNvPr id="2" name="Title 1"/>
+          <p:cNvSpPr>
+            <a:spLocks noGrp="1"/>
+          </p:cNvSpPr>
+          <p:nvPr>
+            <p:ph type="title"/>
+          </p:nvPr>
+        </p:nvSpPr>
+        <p:spPr/>
+        <p:txBody>
+          <a:bodyPr/>
+          <a:lstStyle/>
+          <a:p>
+            <a:pPr lvl="0" indent="0" marL="0">
+              <a:buNone/>
+            </a:pPr>
+            <a:r>
+              <a:rPr/>
+              <a:t>Primary Care Physician</a:t>
+            </a:r>
+          </a:p>
+        </p:txBody>
+      </p:sp>
+    </p:spTree>
+  </p:cSld>
+</p:sld>
+</file>
+
+<file path=ppt/slides/slide49.xml><?xml version="1.0" encoding="utf-8"?>
+<p:sld xmlns:a="http://schemas.openxmlformats.org/drawingml/2006/main" xmlns:r="http://schemas.openxmlformats.org/officeDocument/2006/relationships" xmlns:p="http://schemas.openxmlformats.org/presentationml/2006/main">
+  <p:cSld>
+    <p:spTree>
+      <p:nvGrpSpPr>
+        <p:cNvPr id="1" name=""/>
+        <p:cNvGrpSpPr/>
+        <p:nvPr/>
+      </p:nvGrpSpPr>
+      <p:grpSpPr>
+        <a:xfrm>
+          <a:off x="0" y="0"/>
+          <a:ext cx="0" cy="0"/>
+          <a:chOff x="0" y="0"/>
+          <a:chExt cx="0" cy="0"/>
+        </a:xfrm>
+      </p:grpSpPr>
+      <p:sp>
+        <p:nvSpPr>
+          <p:cNvPr id="2" name="Title 1"/>
+          <p:cNvSpPr>
+            <a:spLocks noGrp="1"/>
+          </p:cNvSpPr>
+          <p:nvPr>
+            <p:ph type="title"/>
+          </p:nvPr>
+        </p:nvSpPr>
+        <p:spPr/>
+        <p:txBody>
+          <a:bodyPr/>
+          <a:lstStyle/>
+          <a:p>
+            <a:pPr lvl="0" indent="0" marL="0">
+              <a:buNone/>
+            </a:pPr>
+            <a:r>
+              <a:rPr/>
+              <a:t>My Atrium Patient Portal</a:t>
             </a:r>
           </a:p>
         </p:txBody>
@@ -7904,6 +8035,859 @@
 </p:sld>
 </file>
 
+<file path=ppt/slides/slide50.xml><?xml version="1.0" encoding="utf-8"?>
+<p:sld xmlns:a="http://schemas.openxmlformats.org/drawingml/2006/main" xmlns:r="http://schemas.openxmlformats.org/officeDocument/2006/relationships" xmlns:p="http://schemas.openxmlformats.org/presentationml/2006/main">
+  <p:cSld>
+    <p:spTree>
+      <p:nvGrpSpPr>
+        <p:cNvPr id="1" name=""/>
+        <p:cNvGrpSpPr/>
+        <p:nvPr/>
+      </p:nvGrpSpPr>
+      <p:grpSpPr>
+        <a:xfrm>
+          <a:off x="0" y="0"/>
+          <a:ext cx="0" cy="0"/>
+          <a:chOff x="0" y="0"/>
+          <a:chExt cx="0" cy="0"/>
+        </a:xfrm>
+      </p:grpSpPr>
+      <p:sp>
+        <p:nvSpPr>
+          <p:cNvPr id="2" name="Title 1"/>
+          <p:cNvSpPr>
+            <a:spLocks noGrp="1"/>
+          </p:cNvSpPr>
+          <p:nvPr>
+            <p:ph type="title"/>
+          </p:nvPr>
+        </p:nvSpPr>
+        <p:spPr/>
+        <p:txBody>
+          <a:bodyPr/>
+          <a:lstStyle/>
+          <a:p>
+            <a:pPr lvl="0" indent="0" marL="0">
+              <a:buNone/>
+            </a:pPr>
+            <a:r>
+              <a:rPr/>
+              <a:t>Exercise</a:t>
+            </a:r>
+          </a:p>
+        </p:txBody>
+      </p:sp>
+    </p:spTree>
+  </p:cSld>
+</p:sld>
+</file>
+
+<file path=ppt/slides/slide51.xml><?xml version="1.0" encoding="utf-8"?>
+<p:sld xmlns:a="http://schemas.openxmlformats.org/drawingml/2006/main" xmlns:r="http://schemas.openxmlformats.org/officeDocument/2006/relationships" xmlns:p="http://schemas.openxmlformats.org/presentationml/2006/main">
+  <p:cSld>
+    <p:spTree>
+      <p:nvGrpSpPr>
+        <p:cNvPr id="1" name=""/>
+        <p:cNvGrpSpPr/>
+        <p:nvPr/>
+      </p:nvGrpSpPr>
+      <p:grpSpPr>
+        <a:xfrm>
+          <a:off x="0" y="0"/>
+          <a:ext cx="0" cy="0"/>
+          <a:chOff x="0" y="0"/>
+          <a:chExt cx="0" cy="0"/>
+        </a:xfrm>
+      </p:grpSpPr>
+      <p:sp>
+        <p:nvSpPr>
+          <p:cNvPr id="2" name="Title 1"/>
+          <p:cNvSpPr>
+            <a:spLocks noGrp="1"/>
+          </p:cNvSpPr>
+          <p:nvPr>
+            <p:ph type="title"/>
+          </p:nvPr>
+        </p:nvSpPr>
+        <p:spPr/>
+        <p:txBody>
+          <a:bodyPr/>
+          <a:lstStyle/>
+          <a:p>
+            <a:pPr lvl="0" indent="0" marL="0">
+              <a:buNone/>
+            </a:pPr>
+            <a:r>
+              <a:rPr/>
+              <a:t>Smoking Cessation</a:t>
+            </a:r>
+          </a:p>
+        </p:txBody>
+      </p:sp>
+    </p:spTree>
+  </p:cSld>
+</p:sld>
+</file>
+
+<file path=ppt/slides/slide52.xml><?xml version="1.0" encoding="utf-8"?>
+<p:sld xmlns:a="http://schemas.openxmlformats.org/drawingml/2006/main" xmlns:r="http://schemas.openxmlformats.org/officeDocument/2006/relationships" xmlns:p="http://schemas.openxmlformats.org/presentationml/2006/main">
+  <p:cSld>
+    <p:spTree>
+      <p:nvGrpSpPr>
+        <p:cNvPr id="1" name=""/>
+        <p:cNvGrpSpPr/>
+        <p:nvPr/>
+      </p:nvGrpSpPr>
+      <p:grpSpPr>
+        <a:xfrm>
+          <a:off x="0" y="0"/>
+          <a:ext cx="0" cy="0"/>
+          <a:chOff x="0" y="0"/>
+          <a:chExt cx="0" cy="0"/>
+        </a:xfrm>
+      </p:grpSpPr>
+      <p:sp>
+        <p:nvSpPr>
+          <p:cNvPr id="2" name="Title 1"/>
+          <p:cNvSpPr>
+            <a:spLocks noGrp="1"/>
+          </p:cNvSpPr>
+          <p:nvPr>
+            <p:ph type="title"/>
+          </p:nvPr>
+        </p:nvSpPr>
+        <p:spPr/>
+        <p:txBody>
+          <a:bodyPr/>
+          <a:lstStyle/>
+          <a:p>
+            <a:pPr lvl="0" indent="0" marL="0">
+              <a:buNone/>
+            </a:pPr>
+            <a:r>
+              <a:rPr/>
+              <a:t>GI Tract Anatomy</a:t>
+            </a:r>
+          </a:p>
+        </p:txBody>
+      </p:sp>
+      <p:sp>
+        <p:nvSpPr>
+          <p:cNvPr id="3" name="Content Placeholder 2"/>
+          <p:cNvSpPr>
+            <a:spLocks noGrp="1"/>
+          </p:cNvSpPr>
+          <p:nvPr>
+            <p:ph idx="1" sz="half"/>
+          </p:nvPr>
+        </p:nvSpPr>
+        <p:spPr/>
+        <p:txBody>
+          <a:bodyPr/>
+          <a:lstStyle/>
+          <a:p>
+            <a:pPr lvl="0"/>
+            <a:r>
+              <a:rPr/>
+              <a:t>Esophagus delivers food to the stomach</a:t>
+            </a:r>
+          </a:p>
+          <a:p>
+            <a:pPr lvl="0"/>
+            <a:r>
+              <a:rPr/>
+              <a:t>Stomach stores food and delivers it in small quantities to the jejunum</a:t>
+            </a:r>
+          </a:p>
+          <a:p>
+            <a:pPr lvl="0"/>
+            <a:r>
+              <a:rPr/>
+              <a:t>Jejunum begins digestion in the small intestines</a:t>
+            </a:r>
+          </a:p>
+        </p:txBody>
+      </p:sp>
+      <p:pic>
+        <p:nvPicPr>
+          <p:cNvPr descr="https://deidt7p41jzcy.cloudfront.net/Eso_Anatomy_Labels.png" id="0" name="Picture 1"/>
+          <p:cNvPicPr>
+            <a:picLocks noGrp="1" noChangeAspect="1"/>
+          </p:cNvPicPr>
+          <p:nvPr/>
+        </p:nvPicPr>
+        <p:blipFill>
+          <a:blip r:embed="rId2"/>
+          <a:stretch>
+            <a:fillRect/>
+          </a:stretch>
+        </p:blipFill>
+        <p:spPr bwMode="auto">
+          <a:xfrm>
+            <a:off x="5016500" y="1193800"/>
+            <a:ext cx="3302000" cy="3390900"/>
+          </a:xfrm>
+          <a:prstGeom prst="rect">
+            <a:avLst/>
+          </a:prstGeom>
+          <a:noFill/>
+          <a:ln w="9525">
+            <a:noFill/>
+            <a:headEnd/>
+            <a:tailEnd/>
+          </a:ln>
+        </p:spPr>
+      </p:pic>
+    </p:spTree>
+  </p:cSld>
+</p:sld>
+</file>
+
+<file path=ppt/slides/slide53.xml><?xml version="1.0" encoding="utf-8"?>
+<p:sld xmlns:a="http://schemas.openxmlformats.org/drawingml/2006/main" xmlns:r="http://schemas.openxmlformats.org/officeDocument/2006/relationships" xmlns:p="http://schemas.openxmlformats.org/presentationml/2006/main">
+  <p:cSld>
+    <p:spTree>
+      <p:nvGrpSpPr>
+        <p:cNvPr id="1" name=""/>
+        <p:cNvGrpSpPr/>
+        <p:nvPr/>
+      </p:nvGrpSpPr>
+      <p:grpSpPr>
+        <a:xfrm>
+          <a:off x="0" y="0"/>
+          <a:ext cx="0" cy="0"/>
+          <a:chOff x="0" y="0"/>
+          <a:chExt cx="0" cy="0"/>
+        </a:xfrm>
+      </p:grpSpPr>
+      <p:sp>
+        <p:nvSpPr>
+          <p:cNvPr id="2" name="Title 1"/>
+          <p:cNvSpPr>
+            <a:spLocks noGrp="1"/>
+          </p:cNvSpPr>
+          <p:nvPr>
+            <p:ph type="title"/>
+          </p:nvPr>
+        </p:nvSpPr>
+        <p:spPr/>
+        <p:txBody>
+          <a:bodyPr/>
+          <a:lstStyle/>
+          <a:p>
+            <a:pPr lvl="0" indent="0" marL="0">
+              <a:buNone/>
+            </a:pPr>
+            <a:r>
+              <a:rPr/>
+              <a:t>Protein Needs</a:t>
+            </a:r>
+          </a:p>
+        </p:txBody>
+      </p:sp>
+      <p:sp>
+        <p:nvSpPr>
+          <p:cNvPr id="3" name="Content Placeholder 2"/>
+          <p:cNvSpPr>
+            <a:spLocks noGrp="1"/>
+          </p:cNvSpPr>
+          <p:nvPr>
+            <p:ph idx="1"/>
+          </p:nvPr>
+        </p:nvSpPr>
+        <p:spPr/>
+        <p:txBody>
+          <a:bodyPr/>
+          <a:lstStyle/>
+          <a:p>
+            <a:pPr lvl="0"/>
+            <a:r>
+              <a:rPr/>
+              <a:t>Men: Average 75 grams/day</a:t>
+            </a:r>
+          </a:p>
+          <a:p>
+            <a:pPr lvl="0"/>
+            <a:r>
+              <a:rPr/>
+              <a:t>Women: Average 60 grams/day</a:t>
+            </a:r>
+          </a:p>
+        </p:txBody>
+      </p:sp>
+    </p:spTree>
+  </p:cSld>
+</p:sld>
+</file>
+
+<file path=ppt/slides/slide54.xml><?xml version="1.0" encoding="utf-8"?>
+<p:sld xmlns:a="http://schemas.openxmlformats.org/drawingml/2006/main" xmlns:r="http://schemas.openxmlformats.org/officeDocument/2006/relationships" xmlns:p="http://schemas.openxmlformats.org/presentationml/2006/main">
+  <p:cSld>
+    <p:spTree>
+      <p:nvGrpSpPr>
+        <p:cNvPr id="1" name=""/>
+        <p:cNvGrpSpPr/>
+        <p:nvPr/>
+      </p:nvGrpSpPr>
+      <p:grpSpPr>
+        <a:xfrm>
+          <a:off x="0" y="0"/>
+          <a:ext cx="0" cy="0"/>
+          <a:chOff x="0" y="0"/>
+          <a:chExt cx="0" cy="0"/>
+        </a:xfrm>
+      </p:grpSpPr>
+      <p:sp>
+        <p:nvSpPr>
+          <p:cNvPr id="2" name="Title 1"/>
+          <p:cNvSpPr>
+            <a:spLocks noGrp="1"/>
+          </p:cNvSpPr>
+          <p:nvPr>
+            <p:ph type="title"/>
+          </p:nvPr>
+        </p:nvSpPr>
+        <p:spPr/>
+        <p:txBody>
+          <a:bodyPr/>
+          <a:lstStyle/>
+          <a:p>
+            <a:pPr lvl="0" indent="0" marL="0">
+              <a:buNone/>
+            </a:pPr>
+            <a:r>
+              <a:rPr/>
+              <a:t>Protein Shakes</a:t>
+            </a:r>
+          </a:p>
+        </p:txBody>
+      </p:sp>
+      <p:sp>
+        <p:nvSpPr>
+          <p:cNvPr id="3" name="Content Placeholder 2"/>
+          <p:cNvSpPr>
+            <a:spLocks noGrp="1"/>
+          </p:cNvSpPr>
+          <p:nvPr>
+            <p:ph idx="1" sz="half"/>
+          </p:nvPr>
+        </p:nvSpPr>
+        <p:spPr/>
+        <p:txBody>
+          <a:bodyPr/>
+          <a:lstStyle/>
+          <a:p>
+            <a:pPr lvl="0" indent="0" marL="0">
+              <a:buNone/>
+            </a:pPr>
+            <a:r>
+              <a:rPr/>
+              <a:t>Protein Shakes can provide protein with minimal sugar</a:t>
+            </a:r>
+          </a:p>
+        </p:txBody>
+      </p:sp>
+      <p:sp>
+        <p:nvSpPr>
+          <p:cNvPr id="4" name="Content Placeholder 3"/>
+          <p:cNvSpPr>
+            <a:spLocks noGrp="1"/>
+          </p:cNvSpPr>
+          <p:nvPr>
+            <p:ph idx="2" sz="half"/>
+          </p:nvPr>
+        </p:nvSpPr>
+        <p:spPr/>
+        <p:txBody>
+          <a:bodyPr/>
+          <a:lstStyle/>
+          <a:p>
+            <a:pPr lvl="0" indent="0" marL="0">
+              <a:buNone/>
+            </a:pPr>
+            <a:r>
+              <a:rPr/>
+              <a:t>Protein Shakes </a:t>
+            </a:r>
+          </a:p>
+        </p:txBody>
+      </p:sp>
+    </p:spTree>
+  </p:cSld>
+</p:sld>
+</file>
+
+<file path=ppt/slides/slide55.xml><?xml version="1.0" encoding="utf-8"?>
+<p:sld xmlns:a="http://schemas.openxmlformats.org/drawingml/2006/main" xmlns:r="http://schemas.openxmlformats.org/officeDocument/2006/relationships" xmlns:p="http://schemas.openxmlformats.org/presentationml/2006/main">
+  <p:cSld>
+    <p:spTree>
+      <p:nvGrpSpPr>
+        <p:cNvPr id="1" name=""/>
+        <p:cNvGrpSpPr/>
+        <p:nvPr/>
+      </p:nvGrpSpPr>
+      <p:grpSpPr>
+        <a:xfrm>
+          <a:off x="0" y="0"/>
+          <a:ext cx="0" cy="0"/>
+          <a:chOff x="0" y="0"/>
+          <a:chExt cx="0" cy="0"/>
+        </a:xfrm>
+      </p:grpSpPr>
+      <p:sp>
+        <p:nvSpPr>
+          <p:cNvPr id="2" name="Title 1"/>
+          <p:cNvSpPr>
+            <a:spLocks noGrp="1"/>
+          </p:cNvSpPr>
+          <p:nvPr>
+            <p:ph type="title"/>
+          </p:nvPr>
+        </p:nvSpPr>
+        <p:spPr/>
+        <p:txBody>
+          <a:bodyPr/>
+          <a:lstStyle/>
+          <a:p>
+            <a:pPr lvl="0" indent="0" marL="0">
+              <a:buNone/>
+            </a:pPr>
+            <a:r>
+              <a:rPr/>
+              <a:t>Feeding Tubes</a:t>
+            </a:r>
+          </a:p>
+        </p:txBody>
+      </p:sp>
+      <p:sp>
+        <p:nvSpPr>
+          <p:cNvPr id="3" name="Content Placeholder 2"/>
+          <p:cNvSpPr>
+            <a:spLocks noGrp="1"/>
+          </p:cNvSpPr>
+          <p:nvPr>
+            <p:ph idx="1" sz="half"/>
+          </p:nvPr>
+        </p:nvSpPr>
+        <p:spPr/>
+        <p:txBody>
+          <a:bodyPr/>
+          <a:lstStyle/>
+          <a:p>
+            <a:pPr lvl="0" indent="0" marL="0">
+              <a:buNone/>
+            </a:pPr>
+            <a:r>
+              <a:rPr/>
+              <a:t>Jejunostomy = Small Intestine </a:t>
+            </a:r>
+          </a:p>
+        </p:txBody>
+      </p:sp>
+      <p:sp>
+        <p:nvSpPr>
+          <p:cNvPr id="4" name="Content Placeholder 3"/>
+          <p:cNvSpPr>
+            <a:spLocks noGrp="1"/>
+          </p:cNvSpPr>
+          <p:nvPr>
+            <p:ph idx="2" sz="half"/>
+          </p:nvPr>
+        </p:nvSpPr>
+        <p:spPr/>
+        <p:txBody>
+          <a:bodyPr/>
+          <a:lstStyle/>
+          <a:p>
+            <a:pPr lvl="0" indent="0" marL="0">
+              <a:buNone/>
+            </a:pPr>
+            <a:r>
+              <a:rPr/>
+              <a:t>Gastrostomy = Stomach </a:t>
+            </a:r>
+          </a:p>
+        </p:txBody>
+      </p:sp>
+    </p:spTree>
+  </p:cSld>
+</p:sld>
+</file>
+
+<file path=ppt/slides/slide56.xml><?xml version="1.0" encoding="utf-8"?>
+<p:sld xmlns:a="http://schemas.openxmlformats.org/drawingml/2006/main" xmlns:r="http://schemas.openxmlformats.org/officeDocument/2006/relationships" xmlns:p="http://schemas.openxmlformats.org/presentationml/2006/main">
+  <p:cSld>
+    <p:spTree>
+      <p:nvGrpSpPr>
+        <p:cNvPr id="1" name=""/>
+        <p:cNvGrpSpPr/>
+        <p:nvPr/>
+      </p:nvGrpSpPr>
+      <p:grpSpPr>
+        <a:xfrm>
+          <a:off x="0" y="0"/>
+          <a:ext cx="0" cy="0"/>
+          <a:chOff x="0" y="0"/>
+          <a:chExt cx="0" cy="0"/>
+        </a:xfrm>
+      </p:grpSpPr>
+      <p:sp>
+        <p:nvSpPr>
+          <p:cNvPr id="2" name="Title 1"/>
+          <p:cNvSpPr>
+            <a:spLocks noGrp="1"/>
+          </p:cNvSpPr>
+          <p:nvPr>
+            <p:ph type="title"/>
+          </p:nvPr>
+        </p:nvSpPr>
+        <p:spPr/>
+        <p:txBody>
+          <a:bodyPr/>
+          <a:lstStyle/>
+          <a:p>
+            <a:pPr lvl="0" indent="0" marL="0">
+              <a:buNone/>
+            </a:pPr>
+            <a:r>
+              <a:rPr/>
+              <a:t>Gastrostomy Tube</a:t>
+            </a:r>
+          </a:p>
+        </p:txBody>
+      </p:sp>
+      <p:sp>
+        <p:nvSpPr>
+          <p:cNvPr id="3" name="Content Placeholder 2"/>
+          <p:cNvSpPr>
+            <a:spLocks noGrp="1"/>
+          </p:cNvSpPr>
+          <p:nvPr>
+            <p:ph idx="1"/>
+          </p:nvPr>
+        </p:nvSpPr>
+        <p:spPr/>
+        <p:txBody>
+          <a:bodyPr/>
+          <a:lstStyle/>
+          <a:p>
+            <a:pPr lvl="0" indent="0" marL="0">
+              <a:buNone/>
+            </a:pPr>
+            <a:r>
+              <a:rPr/>
+              <a:t>Feeding Gastrostomy</a:t>
+            </a:r>
+          </a:p>
+          <a:p>
+            <a:pPr lvl="0" indent="0" marL="0">
+              <a:buNone/>
+            </a:pPr>
+            <a:r>
+              <a:rPr/>
+              <a:t>A gastrostomy tube allows feeding with a syringe, which can be done several times per day.</a:t>
+            </a:r>
+          </a:p>
+          <a:p>
+            <a:pPr lvl="0" indent="0" marL="0">
+              <a:buNone/>
+            </a:pPr>
+            <a:r>
+              <a:rPr/>
+              <a:t>When it’s not being used, the gastrostomy tube can be hidden underneath clothing.</a:t>
+            </a:r>
+          </a:p>
+          <a:p>
+            <a:pPr lvl="0" indent="0" marL="0">
+              <a:buNone/>
+            </a:pPr>
+            <a:r>
+              <a:rPr/>
+              <a:t>For patient who later need surgery on the esophagus, it will be necessary to remove the</a:t>
+            </a:r>
+          </a:p>
+          <a:p>
+            <a:pPr lvl="0" indent="0" marL="0">
+              <a:buNone/>
+            </a:pPr>
+            <a:r>
+              <a:rPr/>
+              <a:t>gastrostomy tube and place a jejunostomy tube, as the stomach frequently used to create a new</a:t>
+            </a:r>
+          </a:p>
+          <a:p>
+            <a:pPr lvl="0" indent="0" marL="0">
+              <a:buNone/>
+            </a:pPr>
+            <a:r>
+              <a:rPr/>
+              <a:t>esophagus</a:t>
+            </a:r>
+          </a:p>
+        </p:txBody>
+      </p:sp>
+    </p:spTree>
+  </p:cSld>
+</p:sld>
+</file>
+
+<file path=ppt/slides/slide57.xml><?xml version="1.0" encoding="utf-8"?>
+<p:sld xmlns:a="http://schemas.openxmlformats.org/drawingml/2006/main" xmlns:r="http://schemas.openxmlformats.org/officeDocument/2006/relationships" xmlns:p="http://schemas.openxmlformats.org/presentationml/2006/main">
+  <p:cSld>
+    <p:spTree>
+      <p:nvGrpSpPr>
+        <p:cNvPr id="1" name=""/>
+        <p:cNvGrpSpPr/>
+        <p:nvPr/>
+      </p:nvGrpSpPr>
+      <p:grpSpPr>
+        <a:xfrm>
+          <a:off x="0" y="0"/>
+          <a:ext cx="0" cy="0"/>
+          <a:chOff x="0" y="0"/>
+          <a:chExt cx="0" cy="0"/>
+        </a:xfrm>
+      </p:grpSpPr>
+      <p:sp>
+        <p:nvSpPr>
+          <p:cNvPr id="2" name="Title 1"/>
+          <p:cNvSpPr>
+            <a:spLocks noGrp="1"/>
+          </p:cNvSpPr>
+          <p:nvPr>
+            <p:ph type="title"/>
+          </p:nvPr>
+        </p:nvSpPr>
+        <p:spPr/>
+        <p:txBody>
+          <a:bodyPr/>
+          <a:lstStyle/>
+          <a:p>
+            <a:pPr lvl="0" indent="0" marL="0">
+              <a:buNone/>
+            </a:pPr>
+            <a:r>
+              <a:rPr/>
+              <a:t>Gastrostomy Tube Methods</a:t>
+            </a:r>
+          </a:p>
+        </p:txBody>
+      </p:sp>
+      <p:sp>
+        <p:nvSpPr>
+          <p:cNvPr id="3" name="Content Placeholder 2"/>
+          <p:cNvSpPr>
+            <a:spLocks noGrp="1"/>
+          </p:cNvSpPr>
+          <p:nvPr>
+            <p:ph idx="1"/>
+          </p:nvPr>
+        </p:nvSpPr>
+        <p:spPr/>
+        <p:txBody>
+          <a:bodyPr/>
+          <a:lstStyle/>
+          <a:p>
+            <a:pPr lvl="0" indent="0" marL="0">
+              <a:buNone/>
+            </a:pPr>
+            <a:r>
+              <a:rPr/>
+              <a:t>A gastrostomy tube can be placed either by endoscopy, which is called a PEG tube</a:t>
+            </a:r>
+          </a:p>
+          <a:p>
+            <a:pPr lvl="0" indent="0" marL="0">
+              <a:buNone/>
+            </a:pPr>
+            <a:r>
+              <a:rPr/>
+              <a:t>A gastrostomy tube can also be placed by laparoscopy, which is usually preferred if surgery on the esophagus is planned in the future.</a:t>
+            </a:r>
+          </a:p>
+          <a:p>
+            <a:pPr lvl="0" indent="0" marL="0">
+              <a:buNone/>
+            </a:pPr>
+            <a:r>
+              <a:rPr/>
+              <a:t>Your surgeon will help you decide which kind of tube is best for you. This is especially important if you will need esophageal surgery in the future, as the stomach is frequently used to make a new esophagus</a:t>
+            </a:r>
+          </a:p>
+        </p:txBody>
+      </p:sp>
+    </p:spTree>
+  </p:cSld>
+</p:sld>
+</file>
+
+<file path=ppt/slides/slide58.xml><?xml version="1.0" encoding="utf-8"?>
+<p:sld xmlns:a="http://schemas.openxmlformats.org/drawingml/2006/main" xmlns:r="http://schemas.openxmlformats.org/officeDocument/2006/relationships" xmlns:p="http://schemas.openxmlformats.org/presentationml/2006/main">
+  <p:cSld>
+    <p:spTree>
+      <p:nvGrpSpPr>
+        <p:cNvPr id="1" name=""/>
+        <p:cNvGrpSpPr/>
+        <p:nvPr/>
+      </p:nvGrpSpPr>
+      <p:grpSpPr>
+        <a:xfrm>
+          <a:off x="0" y="0"/>
+          <a:ext cx="0" cy="0"/>
+          <a:chOff x="0" y="0"/>
+          <a:chExt cx="0" cy="0"/>
+        </a:xfrm>
+      </p:grpSpPr>
+      <p:sp>
+        <p:nvSpPr>
+          <p:cNvPr id="2" name="Title 1"/>
+          <p:cNvSpPr>
+            <a:spLocks noGrp="1"/>
+          </p:cNvSpPr>
+          <p:nvPr>
+            <p:ph type="title"/>
+          </p:nvPr>
+        </p:nvSpPr>
+        <p:spPr/>
+        <p:txBody>
+          <a:bodyPr/>
+          <a:lstStyle/>
+          <a:p>
+            <a:pPr lvl="0" indent="0" marL="0">
+              <a:buNone/>
+            </a:pPr>
+            <a:r>
+              <a:rPr/>
+              <a:t>Gastrostomy Tube</a:t>
+            </a:r>
+          </a:p>
+        </p:txBody>
+      </p:sp>
+      <p:sp>
+        <p:nvSpPr>
+          <p:cNvPr id="3" name="Content Placeholder 2"/>
+          <p:cNvSpPr>
+            <a:spLocks noGrp="1"/>
+          </p:cNvSpPr>
+          <p:nvPr>
+            <p:ph idx="1"/>
+          </p:nvPr>
+        </p:nvSpPr>
+        <p:spPr/>
+        <p:txBody>
+          <a:bodyPr/>
+          <a:lstStyle/>
+          <a:p>
+            <a:pPr lvl="0"/>
+            <a:r>
+              <a:rPr/>
+              <a:t>Outpatient Placement (go home the same day)</a:t>
+            </a:r>
+          </a:p>
+          <a:p>
+            <a:pPr lvl="0"/>
+            <a:r>
+              <a:rPr/>
+              <a:t>Central venous port can be placed at the same time (if needed)</a:t>
+            </a:r>
+          </a:p>
+        </p:txBody>
+      </p:sp>
+    </p:spTree>
+  </p:cSld>
+</p:sld>
+</file>
+
+<file path=ppt/slides/slide59.xml><?xml version="1.0" encoding="utf-8"?>
+<p:sld xmlns:a="http://schemas.openxmlformats.org/drawingml/2006/main" xmlns:r="http://schemas.openxmlformats.org/officeDocument/2006/relationships" xmlns:p="http://schemas.openxmlformats.org/presentationml/2006/main">
+  <p:cSld>
+    <p:spTree>
+      <p:nvGrpSpPr>
+        <p:cNvPr id="1" name=""/>
+        <p:cNvGrpSpPr/>
+        <p:nvPr/>
+      </p:nvGrpSpPr>
+      <p:grpSpPr>
+        <a:xfrm>
+          <a:off x="0" y="0"/>
+          <a:ext cx="0" cy="0"/>
+          <a:chOff x="0" y="0"/>
+          <a:chExt cx="0" cy="0"/>
+        </a:xfrm>
+      </p:grpSpPr>
+      <p:sp>
+        <p:nvSpPr>
+          <p:cNvPr id="2" name="Title 1"/>
+          <p:cNvSpPr>
+            <a:spLocks noGrp="1"/>
+          </p:cNvSpPr>
+          <p:nvPr>
+            <p:ph type="title"/>
+          </p:nvPr>
+        </p:nvSpPr>
+        <p:spPr/>
+        <p:txBody>
+          <a:bodyPr/>
+          <a:lstStyle/>
+          <a:p>
+            <a:pPr lvl="0" indent="0" marL="0">
+              <a:buNone/>
+            </a:pPr>
+            <a:r>
+              <a:rPr/>
+              <a:t>Jejunostomy tube</a:t>
+            </a:r>
+          </a:p>
+        </p:txBody>
+      </p:sp>
+      <p:sp>
+        <p:nvSpPr>
+          <p:cNvPr id="3" name="Content Placeholder 2"/>
+          <p:cNvSpPr>
+            <a:spLocks noGrp="1"/>
+          </p:cNvSpPr>
+          <p:nvPr>
+            <p:ph idx="1"/>
+          </p:nvPr>
+        </p:nvSpPr>
+        <p:spPr/>
+        <p:txBody>
+          <a:bodyPr/>
+          <a:lstStyle/>
+          <a:p>
+            <a:pPr lvl="0" indent="0" marL="0">
+              <a:buNone/>
+            </a:pPr>
+            <a:r>
+              <a:rPr/>
+              <a:t>The other type of feeding tube is a jejunostomy.</a:t>
+            </a:r>
+          </a:p>
+          <a:p>
+            <a:pPr lvl="0" indent="0" marL="0">
+              <a:buNone/>
+            </a:pPr>
+            <a:r>
+              <a:rPr/>
+              <a:t>A jejunostomy tube tube is placed into the small intestines. Because the small intestine is used to receiving food in small quantities, a jejunostomy tube requires the use of a pump to deliver feedings gradually over a matter of hours.</a:t>
+            </a:r>
+          </a:p>
+          <a:p>
+            <a:pPr lvl="0" indent="0" marL="0">
+              <a:buNone/>
+            </a:pPr>
+            <a:r>
+              <a:rPr/>
+              <a:t>In general, feedings are done at night in order to allow you to be active during the day</a:t>
+            </a:r>
+          </a:p>
+        </p:txBody>
+      </p:sp>
+    </p:spTree>
+  </p:cSld>
+</p:sld>
+</file>
+
 <file path=ppt/slides/slide6.xml><?xml version="1.0" encoding="utf-8"?>
 <p:sld xmlns:a="http://schemas.openxmlformats.org/drawingml/2006/main" xmlns:r="http://schemas.openxmlformats.org/officeDocument/2006/relationships" xmlns:p="http://schemas.openxmlformats.org/presentationml/2006/main">
   <p:cSld>
@@ -8009,6 +8993,78 @@
           </a:ln>
         </p:spPr>
       </p:pic>
+    </p:spTree>
+  </p:cSld>
+</p:sld>
+</file>
+
+<file path=ppt/slides/slide60.xml><?xml version="1.0" encoding="utf-8"?>
+<p:sld xmlns:a="http://schemas.openxmlformats.org/drawingml/2006/main" xmlns:r="http://schemas.openxmlformats.org/officeDocument/2006/relationships" xmlns:p="http://schemas.openxmlformats.org/presentationml/2006/main">
+  <p:cSld>
+    <p:spTree>
+      <p:nvGrpSpPr>
+        <p:cNvPr id="1" name=""/>
+        <p:cNvGrpSpPr/>
+        <p:nvPr/>
+      </p:nvGrpSpPr>
+      <p:grpSpPr>
+        <a:xfrm>
+          <a:off x="0" y="0"/>
+          <a:ext cx="0" cy="0"/>
+          <a:chOff x="0" y="0"/>
+          <a:chExt cx="0" cy="0"/>
+        </a:xfrm>
+      </p:grpSpPr>
+      <p:sp>
+        <p:nvSpPr>
+          <p:cNvPr id="2" name="Title 1"/>
+          <p:cNvSpPr>
+            <a:spLocks noGrp="1"/>
+          </p:cNvSpPr>
+          <p:nvPr>
+            <p:ph type="title"/>
+          </p:nvPr>
+        </p:nvSpPr>
+        <p:spPr/>
+        <p:txBody>
+          <a:bodyPr/>
+          <a:lstStyle/>
+          <a:p>
+            <a:pPr lvl="0" indent="0" marL="0">
+              <a:buNone/>
+            </a:pPr>
+            <a:r>
+              <a:rPr/>
+              <a:t>Jejunostomy</a:t>
+            </a:r>
+          </a:p>
+        </p:txBody>
+      </p:sp>
+      <p:sp>
+        <p:nvSpPr>
+          <p:cNvPr id="3" name="Content Placeholder 2"/>
+          <p:cNvSpPr>
+            <a:spLocks noGrp="1"/>
+          </p:cNvSpPr>
+          <p:nvPr>
+            <p:ph idx="1"/>
+          </p:nvPr>
+        </p:nvSpPr>
+        <p:spPr/>
+        <p:txBody>
+          <a:bodyPr/>
+          <a:lstStyle/>
+          <a:p>
+            <a:pPr lvl="0" indent="0" marL="0">
+              <a:buNone/>
+            </a:pPr>
+            <a:r>
+              <a:rPr/>
+              <a:t>A jejunostomy tube is used in cases where it’s not possible to place a gastrostomy tube, such as when there is a tumor in the stomach. A jejunostomy tube is routinely used after esophageal surgery, so in patients who need help with nutrition prior to surgery, it makes sense to put in a jejunostomy tube before surgery. The same tube can then be used for nutrition both before and after surgery.</a:t>
+            </a:r>
+          </a:p>
+        </p:txBody>
+      </p:sp>
     </p:spTree>
   </p:cSld>
 </p:sld>

--- a/lci_surgery.pptx
+++ b/lci_surgery.pptx
@@ -361,7 +361,7 @@
           <a:p>
             <a:fld id="{241EB5C9-1307-BA42-ABA2-0BC069CD8E7F}" type="datetimeFigureOut">
               <a:rPr lang="en-US" smtClean="0"/>
-              <a:t>11/14/24</a:t>
+              <a:t>1/8/25</a:t>
             </a:fld>
             <a:endParaRPr lang="en-US"/>
           </a:p>
@@ -529,7 +529,7 @@
           <a:p>
             <a:fld id="{241EB5C9-1307-BA42-ABA2-0BC069CD8E7F}" type="datetimeFigureOut">
               <a:rPr lang="en-US" smtClean="0"/>
-              <a:t>11/14/24</a:t>
+              <a:t>1/8/25</a:t>
             </a:fld>
             <a:endParaRPr lang="en-US"/>
           </a:p>
@@ -707,7 +707,7 @@
           <a:p>
             <a:fld id="{241EB5C9-1307-BA42-ABA2-0BC069CD8E7F}" type="datetimeFigureOut">
               <a:rPr lang="en-US" smtClean="0"/>
-              <a:t>11/14/24</a:t>
+              <a:t>1/8/25</a:t>
             </a:fld>
             <a:endParaRPr lang="en-US"/>
           </a:p>
@@ -885,7 +885,7 @@
           <a:p>
             <a:fld id="{241EB5C9-1307-BA42-ABA2-0BC069CD8E7F}" type="datetimeFigureOut">
               <a:rPr lang="en-US" smtClean="0"/>
-              <a:t>11/14/24</a:t>
+              <a:t>1/8/25</a:t>
             </a:fld>
             <a:endParaRPr lang="en-US"/>
           </a:p>
@@ -1130,7 +1130,8 @@
         <p:txBody>
           <a:bodyPr/>
           <a:lstStyle>
-            <a:lvl1pPr>
+            <a:lvl1pPr marL="228600" indent="-228600">
+              <a:tabLst/>
               <a:defRPr sz="2800"/>
             </a:lvl1pPr>
             <a:lvl2pPr>
@@ -1194,7 +1195,7 @@
           <a:p>
             <a:fld id="{241EB5C9-1307-BA42-ABA2-0BC069CD8E7F}" type="datetimeFigureOut">
               <a:rPr lang="en-US" smtClean="0"/>
-              <a:t>11/14/24</a:t>
+              <a:t>1/8/25</a:t>
             </a:fld>
             <a:endParaRPr lang="en-US"/>
           </a:p>
@@ -1455,7 +1456,7 @@
           <a:p>
             <a:fld id="{241EB5C9-1307-BA42-ABA2-0BC069CD8E7F}" type="datetimeFigureOut">
               <a:rPr lang="en-US" smtClean="0"/>
-              <a:t>11/14/24</a:t>
+              <a:t>1/8/25</a:t>
             </a:fld>
             <a:endParaRPr lang="en-US"/>
           </a:p>
@@ -1574,8 +1575,9 @@
         <p:txBody>
           <a:bodyPr/>
           <a:lstStyle>
-            <a:lvl1pPr>
-              <a:defRPr sz="2400"/>
+            <a:lvl1pPr marL="174625" indent="-174625">
+              <a:tabLst/>
+              <a:defRPr sz="2800"/>
             </a:lvl1pPr>
             <a:lvl2pPr>
               <a:defRPr sz="1800"/>
@@ -1658,8 +1660,9 @@
         <p:txBody>
           <a:bodyPr/>
           <a:lstStyle>
-            <a:lvl1pPr>
-              <a:defRPr sz="2400"/>
+            <a:lvl1pPr marL="174625" indent="-174625">
+              <a:tabLst/>
+              <a:defRPr sz="2800"/>
             </a:lvl1pPr>
             <a:lvl2pPr>
               <a:defRPr sz="1800"/>
@@ -1740,7 +1743,7 @@
           <a:p>
             <a:fld id="{241EB5C9-1307-BA42-ABA2-0BC069CD8E7F}" type="datetimeFigureOut">
               <a:rPr lang="en-US" smtClean="0"/>
-              <a:t>11/14/24</a:t>
+              <a:t>1/8/25</a:t>
             </a:fld>
             <a:endParaRPr lang="en-US"/>
           </a:p>
@@ -2159,7 +2162,7 @@
           <a:p>
             <a:fld id="{241EB5C9-1307-BA42-ABA2-0BC069CD8E7F}" type="datetimeFigureOut">
               <a:rPr lang="en-US" smtClean="0"/>
-              <a:t>11/14/24</a:t>
+              <a:t>1/8/25</a:t>
             </a:fld>
             <a:endParaRPr lang="en-US"/>
           </a:p>
@@ -2276,7 +2279,7 @@
           <a:p>
             <a:fld id="{241EB5C9-1307-BA42-ABA2-0BC069CD8E7F}" type="datetimeFigureOut">
               <a:rPr lang="en-US" smtClean="0"/>
-              <a:t>11/14/24</a:t>
+              <a:t>1/8/25</a:t>
             </a:fld>
             <a:endParaRPr lang="en-US"/>
           </a:p>
@@ -2371,7 +2374,7 @@
           <a:p>
             <a:fld id="{241EB5C9-1307-BA42-ABA2-0BC069CD8E7F}" type="datetimeFigureOut">
               <a:rPr lang="en-US" smtClean="0"/>
-              <a:t>11/14/24</a:t>
+              <a:t>1/8/25</a:t>
             </a:fld>
             <a:endParaRPr lang="en-US"/>
           </a:p>
@@ -2646,7 +2649,7 @@
           <a:p>
             <a:fld id="{241EB5C9-1307-BA42-ABA2-0BC069CD8E7F}" type="datetimeFigureOut">
               <a:rPr lang="en-US" smtClean="0"/>
-              <a:t>11/14/24</a:t>
+              <a:t>1/8/25</a:t>
             </a:fld>
             <a:endParaRPr lang="en-US"/>
           </a:p>
@@ -2898,7 +2901,7 @@
           <a:p>
             <a:fld id="{241EB5C9-1307-BA42-ABA2-0BC069CD8E7F}" type="datetimeFigureOut">
               <a:rPr lang="en-US" smtClean="0"/>
-              <a:t>11/14/24</a:t>
+              <a:t>1/8/25</a:t>
             </a:fld>
             <a:endParaRPr lang="en-US"/>
           </a:p>
@@ -3109,7 +3112,7 @@
           <a:p>
             <a:fld id="{241EB5C9-1307-BA42-ABA2-0BC069CD8E7F}" type="datetimeFigureOut">
               <a:rPr lang="en-US" smtClean="0"/>
-              <a:t>11/14/24</a:t>
+              <a:t>1/8/25</a:t>
             </a:fld>
             <a:endParaRPr lang="en-US"/>
           </a:p>
@@ -3465,6 +3468,22 @@
       </a:lvl9pPr>
     </p:otherStyle>
   </p:txStyles>
+  <p:extLst>
+    <p:ext uri="{27BBF7A9-308A-43DC-89C8-2F10F3537804}">
+      <p15:sldGuideLst xmlns:p15="http://schemas.microsoft.com/office/powerpoint/2012/main">
+        <p15:guide id="1" orient="horz" pos="1620" userDrawn="1">
+          <p15:clr>
+            <a:srgbClr val="F26B43"/>
+          </p15:clr>
+        </p15:guide>
+        <p15:guide id="2" pos="2880" userDrawn="1">
+          <p15:clr>
+            <a:srgbClr val="F26B43"/>
+          </p15:clr>
+        </p15:guide>
+      </p15:sldGuideLst>
+    </p:ext>
+  </p:extLst>
 </p:sldMaster>
 </file>
 

--- a/lci_surgery.pptx
+++ b/lci_surgery.pptx
@@ -65,6 +65,14 @@
     <p:sldId id="313" r:id="rId59"/>
     <p:sldId id="314" r:id="rId60"/>
     <p:sldId id="315" r:id="rId61"/>
+    <p:sldId id="316" r:id="rId62"/>
+    <p:sldId id="317" r:id="rId63"/>
+    <p:sldId id="318" r:id="rId64"/>
+    <p:sldId id="319" r:id="rId65"/>
+    <p:sldId id="320" r:id="rId66"/>
+    <p:sldId id="321" r:id="rId67"/>
+    <p:sldId id="322" r:id="rId68"/>
+    <p:sldId id="323" r:id="rId69"/>
   </p:sldIdLst>
   <p:sldSz cx="9144000" cy="5143500" type="screen16x9"/>
   <p:notesSz cx="6858000" cy="9144000"/>
@@ -7844,13 +7852,6 @@
               <a:t>Smoking Cessation</a:t>
             </a:r>
           </a:p>
-          <a:p>
-            <a:pPr lvl="0"/>
-            <a:r>
-              <a:rPr/>
-              <a:t>Nutrition</a:t>
-            </a:r>
-          </a:p>
         </p:txBody>
       </p:sp>
     </p:spTree>
@@ -7895,7 +7896,50 @@
             </a:pPr>
             <a:r>
               <a:rPr/>
-              <a:t>Primary Care Physician</a:t>
+              <a:t>Primary Care Practitioner (PCP)</a:t>
+            </a:r>
+          </a:p>
+        </p:txBody>
+      </p:sp>
+      <p:sp>
+        <p:nvSpPr>
+          <p:cNvPr id="3" name="Content Placeholder 2"/>
+          <p:cNvSpPr>
+            <a:spLocks noGrp="1"/>
+          </p:cNvSpPr>
+          <p:nvPr>
+            <p:ph idx="1"/>
+          </p:nvPr>
+        </p:nvSpPr>
+        <p:spPr/>
+        <p:txBody>
+          <a:bodyPr/>
+          <a:lstStyle/>
+          <a:p>
+            <a:pPr lvl="0" indent="0" marL="0">
+              <a:buNone/>
+            </a:pPr>
+            <a:r>
+              <a:rPr/>
+              <a:t>A PCP is critical to coordinate care between specialists.</a:t>
+            </a:r>
+          </a:p>
+          <a:p>
+            <a:pPr lvl="0" indent="0" marL="0">
+              <a:buNone/>
+            </a:pPr>
+            <a:r>
+              <a:rPr/>
+              <a:t>We will update your PCP after each visit</a:t>
+            </a:r>
+          </a:p>
+          <a:p>
+            <a:pPr lvl="0" indent="0" marL="0">
+              <a:buNone/>
+            </a:pPr>
+            <a:r>
+              <a:rPr/>
+              <a:t>If you do not have a PCP, call our referral line at (844) 235-6998</a:t>
             </a:r>
           </a:p>
         </p:txBody>
@@ -7943,6 +7987,50 @@
             <a:r>
               <a:rPr/>
               <a:t>My Atrium Patient Portal</a:t>
+            </a:r>
+            <a:br/>
+          </a:p>
+        </p:txBody>
+      </p:sp>
+      <p:sp>
+        <p:nvSpPr>
+          <p:cNvPr id="3" name="Content Placeholder 2"/>
+          <p:cNvSpPr>
+            <a:spLocks noGrp="1"/>
+          </p:cNvSpPr>
+          <p:nvPr>
+            <p:ph idx="1"/>
+          </p:nvPr>
+        </p:nvSpPr>
+        <p:spPr/>
+        <p:txBody>
+          <a:bodyPr/>
+          <a:lstStyle/>
+          <a:p>
+            <a:pPr lvl="0" indent="0" marL="0">
+              <a:buNone/>
+            </a:pPr>
+            <a:br/>
+          </a:p>
+          <a:p>
+            <a:pPr lvl="0"/>
+            <a:r>
+              <a:rPr/>
+              <a:t>Critical to good communication with your cancer care team</a:t>
+            </a:r>
+          </a:p>
+          <a:p>
+            <a:pPr lvl="0"/>
+            <a:r>
+              <a:rPr/>
+              <a:t>Available for desktop or laptop or phone</a:t>
+            </a:r>
+          </a:p>
+          <a:p>
+            <a:pPr lvl="0"/>
+            <a:r>
+              <a:rPr/>
+              <a:t>Sign up at my.atriumhealth.org</a:t>
             </a:r>
           </a:p>
         </p:txBody>
@@ -8096,6 +8184,57 @@
           </a:p>
         </p:txBody>
       </p:sp>
+      <p:sp>
+        <p:nvSpPr>
+          <p:cNvPr id="3" name="Content Placeholder 2"/>
+          <p:cNvSpPr>
+            <a:spLocks noGrp="1"/>
+          </p:cNvSpPr>
+          <p:nvPr>
+            <p:ph idx="1"/>
+          </p:nvPr>
+        </p:nvSpPr>
+        <p:spPr/>
+        <p:txBody>
+          <a:bodyPr/>
+          <a:lstStyle/>
+          <a:p>
+            <a:pPr lvl="0"/>
+            <a:r>
+              <a:rPr/>
+              <a:t>Important to reduce the risk of complications from cancer treatment</a:t>
+            </a:r>
+          </a:p>
+          <a:p>
+            <a:pPr lvl="0"/>
+            <a:r>
+              <a:rPr/>
+              <a:t>Goal is 30min/day of vigorous exercise 6 days/week</a:t>
+            </a:r>
+          </a:p>
+          <a:p>
+            <a:pPr lvl="1"/>
+            <a:r>
+              <a:rPr/>
+              <a:t>Working hard enough that you can’t carry a conversation</a:t>
+            </a:r>
+          </a:p>
+          <a:p>
+            <a:pPr lvl="1"/>
+            <a:r>
+              <a:rPr/>
+              <a:t>Start slow an build up</a:t>
+            </a:r>
+          </a:p>
+          <a:p>
+            <a:pPr lvl="1"/>
+            <a:r>
+              <a:rPr/>
+              <a:t>Every day counts! (Aim for some activity every day)</a:t>
+            </a:r>
+          </a:p>
+        </p:txBody>
+      </p:sp>
     </p:spTree>
   </p:cSld>
 </p:sld>
@@ -8139,6 +8278,64 @@
             <a:r>
               <a:rPr/>
               <a:t>Smoking Cessation</a:t>
+            </a:r>
+          </a:p>
+        </p:txBody>
+      </p:sp>
+      <p:sp>
+        <p:nvSpPr>
+          <p:cNvPr id="3" name="Content Placeholder 2"/>
+          <p:cNvSpPr>
+            <a:spLocks noGrp="1"/>
+          </p:cNvSpPr>
+          <p:nvPr>
+            <p:ph idx="1"/>
+          </p:nvPr>
+        </p:nvSpPr>
+        <p:spPr/>
+        <p:txBody>
+          <a:bodyPr/>
+          <a:lstStyle/>
+          <a:p>
+            <a:pPr lvl="0"/>
+            <a:r>
+              <a:rPr/>
+              <a:t>Smoking makes it more difficult to get through cancer treatment</a:t>
+            </a:r>
+          </a:p>
+          <a:p>
+            <a:pPr lvl="1"/>
+            <a:r>
+              <a:rPr/>
+              <a:t>Increases risk of complications after surgery</a:t>
+            </a:r>
+          </a:p>
+          <a:p>
+            <a:pPr lvl="0"/>
+            <a:r>
+              <a:rPr/>
+              <a:t>Options for help with smoking cessation:</a:t>
+            </a:r>
+          </a:p>
+          <a:p>
+            <a:pPr lvl="1"/>
+            <a:r>
+              <a:rPr/>
+              <a:t>NC Quit Line 1-800-QUIT-NOW (1-800-784-8669)</a:t>
+            </a:r>
+          </a:p>
+          <a:p>
+            <a:pPr lvl="1"/>
+            <a:r>
+              <a:rPr/>
+              <a:t>American Lung Asssociation fredomfromsmoking.org</a:t>
+            </a:r>
+          </a:p>
+          <a:p>
+            <a:pPr lvl="1"/>
+            <a:r>
+              <a:rPr/>
+              <a:t>1:1 Smoking Cessation Counseling Clinics (Metro Charlotte)</a:t>
             </a:r>
           </a:p>
         </p:txBody>
@@ -8599,48 +8796,31 @@
             </a:r>
           </a:p>
           <a:p>
-            <a:pPr lvl="0" indent="0" marL="0">
-              <a:buNone/>
-            </a:pPr>
-            <a:r>
-              <a:rPr/>
-              <a:t>A gastrostomy tube allows feeding with a syringe, which can be done several times per day.</a:t>
-            </a:r>
-          </a:p>
-          <a:p>
-            <a:pPr lvl="0" indent="0" marL="0">
-              <a:buNone/>
-            </a:pPr>
-            <a:r>
-              <a:rPr/>
-              <a:t>When it’s not being used, the gastrostomy tube can be hidden underneath clothing.</a:t>
-            </a:r>
-          </a:p>
-          <a:p>
-            <a:pPr lvl="0" indent="0" marL="0">
-              <a:buNone/>
-            </a:pPr>
-            <a:r>
-              <a:rPr/>
-              <a:t>For patient who later need surgery on the esophagus, it will be necessary to remove the</a:t>
-            </a:r>
-          </a:p>
-          <a:p>
-            <a:pPr lvl="0" indent="0" marL="0">
-              <a:buNone/>
-            </a:pPr>
-            <a:r>
-              <a:rPr/>
-              <a:t>gastrostomy tube and place a jejunostomy tube, as the stomach frequently used to create a new</a:t>
-            </a:r>
-          </a:p>
-          <a:p>
-            <a:pPr lvl="0" indent="0" marL="0">
-              <a:buNone/>
-            </a:pPr>
-            <a:r>
-              <a:rPr/>
-              <a:t>esophagus</a:t>
+            <a:pPr lvl="0"/>
+            <a:r>
+              <a:rPr/>
+              <a:t>Feeding with a syringe several times per day.</a:t>
+            </a:r>
+          </a:p>
+          <a:p>
+            <a:pPr lvl="0"/>
+            <a:r>
+              <a:rPr/>
+              <a:t>Tube can be hidden underneath clothing</a:t>
+            </a:r>
+          </a:p>
+          <a:p>
+            <a:pPr lvl="0"/>
+            <a:r>
+              <a:rPr/>
+              <a:t>Tube does not interfere with eating by mouth</a:t>
+            </a:r>
+          </a:p>
+          <a:p>
+            <a:pPr lvl="0"/>
+            <a:r>
+              <a:rPr/>
+              <a:t>Removed easily in the office when no longer needed</a:t>
             </a:r>
           </a:p>
         </p:txBody>
@@ -9054,7 +9234,7 @@
             </a:pPr>
             <a:r>
               <a:rPr/>
-              <a:t>Jejunostomy</a:t>
+              <a:t>Jejunostomy Video</a:t>
             </a:r>
           </a:p>
         </p:txBody>
@@ -9066,6 +9246,103 @@
             <a:spLocks noGrp="1"/>
           </p:cNvSpPr>
           <p:nvPr>
+            <p:ph idx="1" sz="half"/>
+          </p:nvPr>
+        </p:nvSpPr>
+        <p:spPr/>
+        <p:txBody>
+          <a:bodyPr/>
+          <a:lstStyle/>
+          <a:p>
+            <a:pPr lvl="0" indent="0" marL="0">
+              <a:buNone/>
+            </a:pPr>
+            <a:r>
+              <a:rPr/>
+              <a:t>A video is available to help become familiar with the feeding jejunostomy</a:t>
+            </a:r>
+          </a:p>
+        </p:txBody>
+      </p:sp>
+      <p:sp>
+        <p:nvSpPr>
+          <p:cNvPr id="4" name="Content Placeholder 3"/>
+          <p:cNvSpPr>
+            <a:spLocks noGrp="1"/>
+          </p:cNvSpPr>
+          <p:nvPr>
+            <p:ph idx="2" sz="half"/>
+          </p:nvPr>
+        </p:nvSpPr>
+        <p:spPr/>
+        <p:txBody>
+          <a:bodyPr/>
+          <a:lstStyle/>
+          <a:p>
+            <a:pPr lvl="0" indent="0" marL="0">
+              <a:buNone/>
+            </a:pPr>
+            <a:r>
+              <a:rPr/>
+              <a:t>Gastrostomy = Stomach </a:t>
+            </a:r>
+          </a:p>
+        </p:txBody>
+      </p:sp>
+    </p:spTree>
+  </p:cSld>
+</p:sld>
+</file>
+
+<file path=ppt/slides/slide61.xml><?xml version="1.0" encoding="utf-8"?>
+<p:sld xmlns:a="http://schemas.openxmlformats.org/drawingml/2006/main" xmlns:r="http://schemas.openxmlformats.org/officeDocument/2006/relationships" xmlns:p="http://schemas.openxmlformats.org/presentationml/2006/main">
+  <p:cSld>
+    <p:spTree>
+      <p:nvGrpSpPr>
+        <p:cNvPr id="1" name=""/>
+        <p:cNvGrpSpPr/>
+        <p:nvPr/>
+      </p:nvGrpSpPr>
+      <p:grpSpPr>
+        <a:xfrm>
+          <a:off x="0" y="0"/>
+          <a:ext cx="0" cy="0"/>
+          <a:chOff x="0" y="0"/>
+          <a:chExt cx="0" cy="0"/>
+        </a:xfrm>
+      </p:grpSpPr>
+      <p:sp>
+        <p:nvSpPr>
+          <p:cNvPr id="2" name="Title 1"/>
+          <p:cNvSpPr>
+            <a:spLocks noGrp="1"/>
+          </p:cNvSpPr>
+          <p:nvPr>
+            <p:ph type="title"/>
+          </p:nvPr>
+        </p:nvSpPr>
+        <p:spPr/>
+        <p:txBody>
+          <a:bodyPr/>
+          <a:lstStyle/>
+          <a:p>
+            <a:pPr lvl="0" indent="0" marL="0">
+              <a:buNone/>
+            </a:pPr>
+            <a:r>
+              <a:rPr/>
+              <a:t>Anesthesia</a:t>
+            </a:r>
+          </a:p>
+        </p:txBody>
+      </p:sp>
+      <p:sp>
+        <p:nvSpPr>
+          <p:cNvPr id="3" name="Content Placeholder 2"/>
+          <p:cNvSpPr>
+            <a:spLocks noGrp="1"/>
+          </p:cNvSpPr>
+          <p:nvPr>
             <p:ph idx="1"/>
           </p:nvPr>
         </p:nvSpPr>
@@ -9079,7 +9356,751 @@
             </a:pPr>
             <a:r>
               <a:rPr/>
-              <a:t>A jejunostomy tube is used in cases where it’s not possible to place a gastrostomy tube, such as when there is a tumor in the stomach. A jejunostomy tube is routinely used after esophageal surgery, so in patients who need help with nutrition prior to surgery, it makes sense to put in a jejunostomy tube before surgery. The same tube can then be used for nutrition both before and after surgery.</a:t>
+              <a:t>Epidural catheter usually placed for pain control</a:t>
+            </a:r>
+          </a:p>
+          <a:p>
+            <a:pPr lvl="0"/>
+            <a:r>
+              <a:rPr/>
+              <a:t>Remains in place for 2-5 days</a:t>
+            </a:r>
+          </a:p>
+          <a:p>
+            <a:pPr lvl="0"/>
+            <a:r>
+              <a:rPr/>
+              <a:t>Dosage can be adjusted as needed</a:t>
+            </a:r>
+          </a:p>
+          <a:p>
+            <a:pPr lvl="0"/>
+            <a:r>
+              <a:rPr/>
+              <a:t>Can make it more difficult to urinate</a:t>
+            </a:r>
+          </a:p>
+          <a:p>
+            <a:pPr lvl="0"/>
+            <a:r>
+              <a:rPr/>
+              <a:t>May require foley catheter in bladder</a:t>
+            </a:r>
+          </a:p>
+          <a:p>
+            <a:pPr lvl="0"/>
+            <a:r>
+              <a:rPr/>
+              <a:t>Foley catheter removed after epidural removed</a:t>
+            </a:r>
+          </a:p>
+        </p:txBody>
+      </p:sp>
+    </p:spTree>
+  </p:cSld>
+</p:sld>
+</file>
+
+<file path=ppt/slides/slide62.xml><?xml version="1.0" encoding="utf-8"?>
+<p:sld xmlns:a="http://schemas.openxmlformats.org/drawingml/2006/main" xmlns:r="http://schemas.openxmlformats.org/officeDocument/2006/relationships" xmlns:p="http://schemas.openxmlformats.org/presentationml/2006/main">
+  <p:cSld>
+    <p:spTree>
+      <p:nvGrpSpPr>
+        <p:cNvPr id="1" name=""/>
+        <p:cNvGrpSpPr/>
+        <p:nvPr/>
+      </p:nvGrpSpPr>
+      <p:grpSpPr>
+        <a:xfrm>
+          <a:off x="0" y="0"/>
+          <a:ext cx="0" cy="0"/>
+          <a:chOff x="0" y="0"/>
+          <a:chExt cx="0" cy="0"/>
+        </a:xfrm>
+      </p:grpSpPr>
+      <p:sp>
+        <p:nvSpPr>
+          <p:cNvPr id="2" name="Title 1"/>
+          <p:cNvSpPr>
+            <a:spLocks noGrp="1"/>
+          </p:cNvSpPr>
+          <p:nvPr>
+            <p:ph type="title"/>
+          </p:nvPr>
+        </p:nvSpPr>
+        <p:spPr/>
+        <p:txBody>
+          <a:bodyPr/>
+          <a:lstStyle/>
+          <a:p>
+            <a:pPr lvl="0" indent="0" marL="0">
+              <a:buNone/>
+            </a:pPr>
+            <a:r>
+              <a:rPr/>
+              <a:t>ICU Stay</a:t>
+            </a:r>
+          </a:p>
+        </p:txBody>
+      </p:sp>
+      <p:sp>
+        <p:nvSpPr>
+          <p:cNvPr id="3" name="Content Placeholder 2"/>
+          <p:cNvSpPr>
+            <a:spLocks noGrp="1"/>
+          </p:cNvSpPr>
+          <p:nvPr>
+            <p:ph idx="1"/>
+          </p:nvPr>
+        </p:nvSpPr>
+        <p:spPr/>
+        <p:txBody>
+          <a:bodyPr/>
+          <a:lstStyle/>
+          <a:p>
+            <a:pPr lvl="0" indent="0" marL="0">
+              <a:buNone/>
+            </a:pPr>
+            <a:r>
+              <a:rPr/>
+              <a:t>Multiple lines and tubes:</a:t>
+            </a:r>
+          </a:p>
+          <a:p>
+            <a:pPr lvl="0"/>
+            <a:r>
+              <a:rPr/>
+              <a:t>NG tube in nose to drain stomach and esophagus</a:t>
+            </a:r>
+          </a:p>
+          <a:p>
+            <a:pPr lvl="0"/>
+            <a:r>
+              <a:rPr/>
+              <a:t>Catheter in bladder</a:t>
+            </a:r>
+          </a:p>
+          <a:p>
+            <a:pPr lvl="0"/>
+            <a:r>
+              <a:rPr/>
+              <a:t>Chest tube right chest</a:t>
+            </a:r>
+          </a:p>
+          <a:p>
+            <a:pPr lvl="0"/>
+            <a:r>
+              <a:rPr/>
+              <a:t>Abdominal drains (usually 2)</a:t>
+            </a:r>
+          </a:p>
+          <a:p>
+            <a:pPr lvl="0"/>
+            <a:r>
+              <a:rPr/>
+              <a:t>Feeding jejunostomy (usually says in 8 wks)</a:t>
+            </a:r>
+          </a:p>
+        </p:txBody>
+      </p:sp>
+    </p:spTree>
+  </p:cSld>
+</p:sld>
+</file>
+
+<file path=ppt/slides/slide63.xml><?xml version="1.0" encoding="utf-8"?>
+<p:sld xmlns:a="http://schemas.openxmlformats.org/drawingml/2006/main" xmlns:r="http://schemas.openxmlformats.org/officeDocument/2006/relationships" xmlns:p="http://schemas.openxmlformats.org/presentationml/2006/main">
+  <p:cSld>
+    <p:spTree>
+      <p:nvGrpSpPr>
+        <p:cNvPr id="1" name=""/>
+        <p:cNvGrpSpPr/>
+        <p:nvPr/>
+      </p:nvGrpSpPr>
+      <p:grpSpPr>
+        <a:xfrm>
+          <a:off x="0" y="0"/>
+          <a:ext cx="0" cy="0"/>
+          <a:chOff x="0" y="0"/>
+          <a:chExt cx="0" cy="0"/>
+        </a:xfrm>
+      </p:grpSpPr>
+      <p:sp>
+        <p:nvSpPr>
+          <p:cNvPr id="2" name="Title 1"/>
+          <p:cNvSpPr>
+            <a:spLocks noGrp="1"/>
+          </p:cNvSpPr>
+          <p:nvPr>
+            <p:ph type="title"/>
+          </p:nvPr>
+        </p:nvSpPr>
+        <p:spPr/>
+        <p:txBody>
+          <a:bodyPr/>
+          <a:lstStyle/>
+          <a:p>
+            <a:pPr lvl="0" indent="0" marL="0">
+              <a:buNone/>
+            </a:pPr>
+            <a:r>
+              <a:rPr/>
+              <a:t>Ward - 6Tower</a:t>
+            </a:r>
+          </a:p>
+        </p:txBody>
+      </p:sp>
+      <p:sp>
+        <p:nvSpPr>
+          <p:cNvPr id="3" name="Content Placeholder 2"/>
+          <p:cNvSpPr>
+            <a:spLocks noGrp="1"/>
+          </p:cNvSpPr>
+          <p:nvPr>
+            <p:ph idx="1"/>
+          </p:nvPr>
+        </p:nvSpPr>
+        <p:spPr/>
+        <p:txBody>
+          <a:bodyPr/>
+          <a:lstStyle/>
+          <a:p>
+            <a:pPr lvl="0"/>
+            <a:r>
+              <a:rPr/>
+              <a:t>Jejunostomy feeding</a:t>
+            </a:r>
+          </a:p>
+          <a:p>
+            <a:pPr lvl="0"/>
+            <a:r>
+              <a:rPr/>
+              <a:t>Up in a chair most of the day</a:t>
+            </a:r>
+          </a:p>
+          <a:p>
+            <a:pPr lvl="0"/>
+            <a:r>
+              <a:rPr/>
+              <a:t>Walking in the halls</a:t>
+            </a:r>
+          </a:p>
+          <a:p>
+            <a:pPr lvl="1"/>
+            <a:r>
+              <a:rPr/>
+              <a:t>Start with assistance</a:t>
+            </a:r>
+          </a:p>
+          <a:p>
+            <a:pPr lvl="1"/>
+            <a:r>
+              <a:rPr/>
+              <a:t>Improves lung function</a:t>
+            </a:r>
+          </a:p>
+          <a:p>
+            <a:pPr lvl="1"/>
+            <a:r>
+              <a:rPr/>
+              <a:t>Prevents loss of muscle</a:t>
+            </a:r>
+          </a:p>
+        </p:txBody>
+      </p:sp>
+    </p:spTree>
+  </p:cSld>
+</p:sld>
+</file>
+
+<file path=ppt/slides/slide64.xml><?xml version="1.0" encoding="utf-8"?>
+<p:sld xmlns:a="http://schemas.openxmlformats.org/drawingml/2006/main" xmlns:r="http://schemas.openxmlformats.org/officeDocument/2006/relationships" xmlns:p="http://schemas.openxmlformats.org/presentationml/2006/main">
+  <p:cSld>
+    <p:spTree>
+      <p:nvGrpSpPr>
+        <p:cNvPr id="1" name=""/>
+        <p:cNvGrpSpPr/>
+        <p:nvPr/>
+      </p:nvGrpSpPr>
+      <p:grpSpPr>
+        <a:xfrm>
+          <a:off x="0" y="0"/>
+          <a:ext cx="0" cy="0"/>
+          <a:chOff x="0" y="0"/>
+          <a:chExt cx="0" cy="0"/>
+        </a:xfrm>
+      </p:grpSpPr>
+      <p:sp>
+        <p:nvSpPr>
+          <p:cNvPr id="2" name="Title 1"/>
+          <p:cNvSpPr>
+            <a:spLocks noGrp="1"/>
+          </p:cNvSpPr>
+          <p:nvPr>
+            <p:ph type="title"/>
+          </p:nvPr>
+        </p:nvSpPr>
+        <p:spPr/>
+        <p:txBody>
+          <a:bodyPr/>
+          <a:lstStyle/>
+          <a:p>
+            <a:pPr lvl="0" indent="0" marL="0">
+              <a:buNone/>
+            </a:pPr>
+            <a:r>
+              <a:rPr/>
+              <a:t>Jejunostomy Feeds</a:t>
+            </a:r>
+          </a:p>
+        </p:txBody>
+      </p:sp>
+      <p:sp>
+        <p:nvSpPr>
+          <p:cNvPr id="3" name="Content Placeholder 2"/>
+          <p:cNvSpPr>
+            <a:spLocks noGrp="1"/>
+          </p:cNvSpPr>
+          <p:nvPr>
+            <p:ph idx="1"/>
+          </p:nvPr>
+        </p:nvSpPr>
+        <p:spPr/>
+        <p:txBody>
+          <a:bodyPr/>
+          <a:lstStyle/>
+          <a:p>
+            <a:pPr lvl="0" indent="0" marL="0">
+              <a:buNone/>
+            </a:pPr>
+            <a:r>
+              <a:rPr/>
+              <a:t>Jejunostomy tube feeds - Start continuous (24 hours) - Convert to night-time only (16 hours)</a:t>
+            </a:r>
+          </a:p>
+          <a:p>
+            <a:pPr lvl="0" indent="0" marL="0">
+              <a:buNone/>
+            </a:pPr>
+            <a:r>
+              <a:rPr/>
+              <a:t>Water administered through feeding tube - Usually 8oz 4 times/day - Important to prevent dehydration</a:t>
+            </a:r>
+          </a:p>
+          <a:p>
+            <a:pPr lvl="0" indent="0" marL="0">
+              <a:buNone/>
+            </a:pPr>
+            <a:r>
+              <a:rPr/>
+              <a:t>Diabetic patients may need insulin</a:t>
+            </a:r>
+          </a:p>
+        </p:txBody>
+      </p:sp>
+    </p:spTree>
+  </p:cSld>
+</p:sld>
+</file>
+
+<file path=ppt/slides/slide65.xml><?xml version="1.0" encoding="utf-8"?>
+<p:sld xmlns:a="http://schemas.openxmlformats.org/drawingml/2006/main" xmlns:r="http://schemas.openxmlformats.org/officeDocument/2006/relationships" xmlns:p="http://schemas.openxmlformats.org/presentationml/2006/main">
+  <p:cSld>
+    <p:spTree>
+      <p:nvGrpSpPr>
+        <p:cNvPr id="1" name=""/>
+        <p:cNvGrpSpPr/>
+        <p:nvPr/>
+      </p:nvGrpSpPr>
+      <p:grpSpPr>
+        <a:xfrm>
+          <a:off x="0" y="0"/>
+          <a:ext cx="0" cy="0"/>
+          <a:chOff x="0" y="0"/>
+          <a:chExt cx="0" cy="0"/>
+        </a:xfrm>
+      </p:grpSpPr>
+      <p:sp>
+        <p:nvSpPr>
+          <p:cNvPr id="2" name="Title 1"/>
+          <p:cNvSpPr>
+            <a:spLocks noGrp="1"/>
+          </p:cNvSpPr>
+          <p:nvPr>
+            <p:ph type="title"/>
+          </p:nvPr>
+        </p:nvSpPr>
+        <p:spPr/>
+        <p:txBody>
+          <a:bodyPr/>
+          <a:lstStyle/>
+          <a:p>
+            <a:pPr lvl="0" indent="0" marL="0">
+              <a:buNone/>
+            </a:pPr>
+            <a:r>
+              <a:rPr/>
+              <a:t>Jejunostomy Feeds with Diabetes</a:t>
+            </a:r>
+          </a:p>
+        </p:txBody>
+      </p:sp>
+      <p:sp>
+        <p:nvSpPr>
+          <p:cNvPr id="3" name="Content Placeholder 2"/>
+          <p:cNvSpPr>
+            <a:spLocks noGrp="1"/>
+          </p:cNvSpPr>
+          <p:nvPr>
+            <p:ph idx="1"/>
+          </p:nvPr>
+        </p:nvSpPr>
+        <p:spPr/>
+        <p:txBody>
+          <a:bodyPr/>
+          <a:lstStyle/>
+          <a:p>
+            <a:pPr lvl="0" indent="0" marL="0">
+              <a:buNone/>
+            </a:pPr>
+            <a:r>
+              <a:rPr/>
+              <a:t>Jejunostomy feedings may cause blood sugars to be elevated - Insulin may be required along with feeds</a:t>
+            </a:r>
+          </a:p>
+          <a:p>
+            <a:pPr lvl="0" indent="0" marL="0">
+              <a:buNone/>
+            </a:pPr>
+            <a:r>
+              <a:rPr/>
+              <a:t>Typical Pattern for tube feeds - Feeds run via pump from 6pm to 10am - Insulin at 6pm (70/30 insulin) - Insulin at Midnight (70/30 insulin) - No insulin if tube feedings are not run</a:t>
+            </a:r>
+          </a:p>
+        </p:txBody>
+      </p:sp>
+    </p:spTree>
+  </p:cSld>
+</p:sld>
+</file>
+
+<file path=ppt/slides/slide66.xml><?xml version="1.0" encoding="utf-8"?>
+<p:sld xmlns:a="http://schemas.openxmlformats.org/drawingml/2006/main" xmlns:r="http://schemas.openxmlformats.org/officeDocument/2006/relationships" xmlns:p="http://schemas.openxmlformats.org/presentationml/2006/main">
+  <p:cSld>
+    <p:spTree>
+      <p:nvGrpSpPr>
+        <p:cNvPr id="1" name=""/>
+        <p:cNvGrpSpPr/>
+        <p:nvPr/>
+      </p:nvGrpSpPr>
+      <p:grpSpPr>
+        <a:xfrm>
+          <a:off x="0" y="0"/>
+          <a:ext cx="0" cy="0"/>
+          <a:chOff x="0" y="0"/>
+          <a:chExt cx="0" cy="0"/>
+        </a:xfrm>
+      </p:grpSpPr>
+      <p:sp>
+        <p:nvSpPr>
+          <p:cNvPr id="2" name="Title 1"/>
+          <p:cNvSpPr>
+            <a:spLocks noGrp="1"/>
+          </p:cNvSpPr>
+          <p:nvPr>
+            <p:ph type="title"/>
+          </p:nvPr>
+        </p:nvSpPr>
+        <p:spPr/>
+        <p:txBody>
+          <a:bodyPr/>
+          <a:lstStyle/>
+          <a:p>
+            <a:pPr lvl="0" indent="0" marL="0">
+              <a:buNone/>
+            </a:pPr>
+            <a:r>
+              <a:rPr/>
+              <a:t>Nasogastric (NG) Tube</a:t>
+            </a:r>
+          </a:p>
+        </p:txBody>
+      </p:sp>
+      <mc:AlternateContent xmlns:mc="http://schemas.openxmlformats.org/markup-compatibility/2006">
+        <mc:Choice xmlns:a14="http://schemas.microsoft.com/office/drawing/2010/main" Requires="a14">
+          <p:sp>
+            <p:nvSpPr>
+              <p:cNvPr id="3" name="Content Placeholder 2"/>
+              <p:cNvSpPr>
+                <a:spLocks noGrp="1"/>
+              </p:cNvSpPr>
+              <p:nvPr>
+                <p:ph idx="1"/>
+              </p:nvPr>
+            </p:nvSpPr>
+            <p:spPr/>
+            <p:txBody>
+              <a:bodyPr/>
+              <a:lstStyle/>
+              <a:p>
+                <a:pPr lvl="0" indent="0" marL="0">
+                  <a:buNone/>
+                </a:pPr>
+                <a:r>
+                  <a:rPr/>
+                  <a:t>Tube passed through nose into stomach - Drains fluid from stomach - Prevents vomiting</a:t>
+                </a:r>
+              </a:p>
+              <a:p>
+                <a:pPr lvl="0" indent="0" marL="0">
+                  <a:buNone/>
+                </a:pPr>
+                <a:r>
+                  <a:rPr/>
+                  <a:t>Upper GI X-ray on 2nd or 3rd day after surgery - If stomach empties well </a:t>
+                </a:r>
+                <a14:m>
+                  <m:oMath xmlns:m="http://schemas.openxmlformats.org/officeDocument/2006/math">
+                    <m:r>
+                      <m:rPr>
+                        <m:sty m:val="p"/>
+                      </m:rPr>
+                      <m:t>→</m:t>
+                    </m:r>
+                  </m:oMath>
+                </a14:m>
+                <a:r>
+                  <a:rPr/>
+                  <a:t> NG tube removed - Otherwise, X-ray repeated 2-3 days later</a:t>
+                </a:r>
+              </a:p>
+            </p:txBody>
+          </p:sp>
+        </mc:Choice>
+      </mc:AlternateContent>
+    </p:spTree>
+  </p:cSld>
+</p:sld>
+</file>
+
+<file path=ppt/slides/slide67.xml><?xml version="1.0" encoding="utf-8"?>
+<p:sld xmlns:a="http://schemas.openxmlformats.org/drawingml/2006/main" xmlns:r="http://schemas.openxmlformats.org/officeDocument/2006/relationships" xmlns:p="http://schemas.openxmlformats.org/presentationml/2006/main">
+  <p:cSld>
+    <p:spTree>
+      <p:nvGrpSpPr>
+        <p:cNvPr id="1" name=""/>
+        <p:cNvGrpSpPr/>
+        <p:nvPr/>
+      </p:nvGrpSpPr>
+      <p:grpSpPr>
+        <a:xfrm>
+          <a:off x="0" y="0"/>
+          <a:ext cx="0" cy="0"/>
+          <a:chOff x="0" y="0"/>
+          <a:chExt cx="0" cy="0"/>
+        </a:xfrm>
+      </p:grpSpPr>
+      <p:sp>
+        <p:nvSpPr>
+          <p:cNvPr id="2" name="Title 1"/>
+          <p:cNvSpPr>
+            <a:spLocks noGrp="1"/>
+          </p:cNvSpPr>
+          <p:nvPr>
+            <p:ph type="title"/>
+          </p:nvPr>
+        </p:nvSpPr>
+        <p:spPr/>
+        <p:txBody>
+          <a:bodyPr/>
+          <a:lstStyle/>
+          <a:p>
+            <a:pPr lvl="0" indent="0" marL="0">
+              <a:buNone/>
+            </a:pPr>
+            <a:r>
+              <a:rPr/>
+              <a:t>Swallowing Evaluation</a:t>
+            </a:r>
+          </a:p>
+        </p:txBody>
+      </p:sp>
+      <mc:AlternateContent xmlns:mc="http://schemas.openxmlformats.org/markup-compatibility/2006">
+        <mc:Choice xmlns:a14="http://schemas.microsoft.com/office/drawing/2010/main" Requires="a14">
+          <p:sp>
+            <p:nvSpPr>
+              <p:cNvPr id="3" name="Content Placeholder 2"/>
+              <p:cNvSpPr>
+                <a:spLocks noGrp="1"/>
+              </p:cNvSpPr>
+              <p:nvPr>
+                <p:ph idx="1"/>
+              </p:nvPr>
+            </p:nvSpPr>
+            <p:spPr/>
+            <p:txBody>
+              <a:bodyPr/>
+              <a:lstStyle/>
+              <a:p>
+                <a:pPr lvl="0" indent="0" marL="0">
+                  <a:buNone/>
+                </a:pPr>
+                <a:r>
+                  <a:rPr/>
+                  <a:t>Once NG tube has been removed:</a:t>
+                </a:r>
+              </a:p>
+              <a:p>
+                <a:pPr lvl="0" indent="0" marL="0">
+                  <a:buNone/>
+                </a:pPr>
+                <a:r>
+                  <a:rPr/>
+                  <a:t>Modified barium swallow in radiology</a:t>
+                </a:r>
+              </a:p>
+              <a:p>
+                <a:pPr lvl="0"/>
+                <a:r>
+                  <a:rPr/>
+                  <a:t>70% of patients </a:t>
+                </a:r>
+                <a14:m>
+                  <m:oMath xmlns:m="http://schemas.openxmlformats.org/officeDocument/2006/math">
+                    <m:r>
+                      <m:rPr>
+                        <m:sty m:val="p"/>
+                      </m:rPr>
+                      <m:t>⇒</m:t>
+                    </m:r>
+                  </m:oMath>
+                </a14:m>
+                <a:r>
+                  <a:rPr/>
+                  <a:t> liquids started by mouth</a:t>
+                </a:r>
+              </a:p>
+            </p:txBody>
+          </p:sp>
+        </mc:Choice>
+      </mc:AlternateContent>
+    </p:spTree>
+  </p:cSld>
+</p:sld>
+</file>
+
+<file path=ppt/slides/slide68.xml><?xml version="1.0" encoding="utf-8"?>
+<p:sld xmlns:a="http://schemas.openxmlformats.org/drawingml/2006/main" xmlns:r="http://schemas.openxmlformats.org/officeDocument/2006/relationships" xmlns:p="http://schemas.openxmlformats.org/presentationml/2006/main">
+  <p:cSld>
+    <p:spTree>
+      <p:nvGrpSpPr>
+        <p:cNvPr id="1" name=""/>
+        <p:cNvGrpSpPr/>
+        <p:nvPr/>
+      </p:nvGrpSpPr>
+      <p:grpSpPr>
+        <a:xfrm>
+          <a:off x="0" y="0"/>
+          <a:ext cx="0" cy="0"/>
+          <a:chOff x="0" y="0"/>
+          <a:chExt cx="0" cy="0"/>
+        </a:xfrm>
+      </p:grpSpPr>
+      <p:sp>
+        <p:nvSpPr>
+          <p:cNvPr id="2" name="Title 1"/>
+          <p:cNvSpPr>
+            <a:spLocks noGrp="1"/>
+          </p:cNvSpPr>
+          <p:nvPr>
+            <p:ph type="title"/>
+          </p:nvPr>
+        </p:nvSpPr>
+        <p:spPr/>
+        <p:txBody>
+          <a:bodyPr/>
+          <a:lstStyle/>
+          <a:p>
+            <a:pPr lvl="0" indent="0" marL="0">
+              <a:buNone/>
+            </a:pPr>
+            <a:r>
+              <a:rPr/>
+              <a:t>Discharge</a:t>
+            </a:r>
+          </a:p>
+        </p:txBody>
+      </p:sp>
+      <p:sp>
+        <p:nvSpPr>
+          <p:cNvPr id="3" name="Content Placeholder 2"/>
+          <p:cNvSpPr>
+            <a:spLocks noGrp="1"/>
+          </p:cNvSpPr>
+          <p:nvPr>
+            <p:ph idx="1"/>
+          </p:nvPr>
+        </p:nvSpPr>
+        <p:spPr/>
+        <p:txBody>
+          <a:bodyPr/>
+          <a:lstStyle/>
+          <a:p>
+            <a:pPr lvl="0" indent="0" marL="0">
+              <a:buNone/>
+            </a:pPr>
+            <a:r>
+              <a:rPr/>
+              <a:t>Goal: ready to leave day #6 after surgery</a:t>
+            </a:r>
+          </a:p>
+          <a:p>
+            <a:pPr lvl="0"/>
+            <a:r>
+              <a:rPr/>
+              <a:t>Night-time tube feedings (6pm to 10am)</a:t>
+            </a:r>
+          </a:p>
+          <a:p>
+            <a:pPr lvl="0"/>
+            <a:r>
+              <a:rPr/>
+              <a:t>Some nutrition by mouth (70% of patients)</a:t>
+            </a:r>
+          </a:p>
+          <a:p>
+            <a:pPr lvl="1"/>
+            <a:r>
+              <a:rPr/>
+              <a:t>1 oz of water per hour by mouth  OR</a:t>
+            </a:r>
+          </a:p>
+          <a:p>
+            <a:pPr lvl="1"/>
+            <a:r>
+              <a:rPr/>
+              <a:t>Protein shakes 4oz every 2 hours in some</a:t>
+            </a:r>
+          </a:p>
+          <a:p>
+            <a:pPr lvl="0"/>
+            <a:r>
+              <a:rPr/>
+              <a:t>Water through tube 8oz four times per day</a:t>
+            </a:r>
+          </a:p>
+          <a:p>
+            <a:pPr lvl="0"/>
+            <a:r>
+              <a:rPr/>
+              <a:t>Home care nursing (feeding tube teaching)</a:t>
+            </a:r>
+          </a:p>
+          <a:p>
+            <a:pPr lvl="0"/>
+            <a:r>
+              <a:rPr/>
+              <a:t>Home infusion (tube feeding supplies)</a:t>
             </a:r>
           </a:p>
         </p:txBody>

--- a/lci_surgery.pptx
+++ b/lci_surgery.pptx
@@ -73,6 +73,18 @@
     <p:sldId id="321" r:id="rId67"/>
     <p:sldId id="322" r:id="rId68"/>
     <p:sldId id="323" r:id="rId69"/>
+    <p:sldId id="324" r:id="rId70"/>
+    <p:sldId id="325" r:id="rId71"/>
+    <p:sldId id="326" r:id="rId72"/>
+    <p:sldId id="327" r:id="rId73"/>
+    <p:sldId id="328" r:id="rId74"/>
+    <p:sldId id="329" r:id="rId75"/>
+    <p:sldId id="330" r:id="rId76"/>
+    <p:sldId id="331" r:id="rId77"/>
+    <p:sldId id="332" r:id="rId78"/>
+    <p:sldId id="333" r:id="rId79"/>
+    <p:sldId id="334" r:id="rId80"/>
+    <p:sldId id="335" r:id="rId81"/>
   </p:sldIdLst>
   <p:sldSz cx="9144000" cy="5143500" type="screen16x9"/>
   <p:notesSz cx="6858000" cy="9144000"/>
@@ -9331,7 +9343,7 @@
             </a:pPr>
             <a:r>
               <a:rPr/>
-              <a:t>Anesthesia</a:t>
+              <a:t>Epidural Catheter for Pain Control</a:t>
             </a:r>
           </a:p>
         </p:txBody>
@@ -9350,15 +9362,6 @@
         <p:txBody>
           <a:bodyPr/>
           <a:lstStyle/>
-          <a:p>
-            <a:pPr lvl="0" indent="0" marL="0">
-              <a:buNone/>
-            </a:pPr>
-            <a:r>
-              <a:rPr/>
-              <a:t>Epidural catheter usually placed for pain control</a:t>
-            </a:r>
-          </a:p>
           <a:p>
             <a:pPr lvl="0"/>
             <a:r>
@@ -9438,7 +9441,7 @@
             </a:pPr>
             <a:r>
               <a:rPr/>
-              <a:t>ICU Stay</a:t>
+              <a:t>ICU Stay (2-4 days)</a:t>
             </a:r>
           </a:p>
         </p:txBody>
@@ -9458,15 +9461,6 @@
           <a:bodyPr/>
           <a:lstStyle/>
           <a:p>
-            <a:pPr lvl="0" indent="0" marL="0">
-              <a:buNone/>
-            </a:pPr>
-            <a:r>
-              <a:rPr/>
-              <a:t>Multiple lines and tubes:</a:t>
-            </a:r>
-          </a:p>
-          <a:p>
             <a:pPr lvl="0"/>
             <a:r>
               <a:rPr/>
@@ -9498,7 +9492,7 @@
             <a:pPr lvl="0"/>
             <a:r>
               <a:rPr/>
-              <a:t>Feeding jejunostomy (usually says in 8 wks)</a:t>
+              <a:t>Feeding jejunostomy (usually stays in 8 wks)</a:t>
             </a:r>
           </a:p>
         </p:txBody>
@@ -9568,7 +9562,14 @@
             <a:pPr lvl="0"/>
             <a:r>
               <a:rPr/>
-              <a:t>Jejunostomy feeding</a:t>
+              <a:t>Jejunostomy feeds started</a:t>
+            </a:r>
+          </a:p>
+          <a:p>
+            <a:pPr lvl="1"/>
+            <a:r>
+              <a:rPr/>
+              <a:t>Nurses will instruct you and family how to operate the pump</a:t>
             </a:r>
           </a:p>
           <a:p>
@@ -9675,16 +9676,44 @@
             </a:pPr>
             <a:r>
               <a:rPr/>
-              <a:t>Jejunostomy tube feeds - Start continuous (24 hours) - Convert to night-time only (16 hours)</a:t>
-            </a:r>
-          </a:p>
-          <a:p>
-            <a:pPr lvl="0" indent="0" marL="0">
-              <a:buNone/>
-            </a:pPr>
-            <a:r>
-              <a:rPr/>
-              <a:t>Water administered through feeding tube - Usually 8oz 4 times/day - Important to prevent dehydration</a:t>
+              <a:t>Jejunostomy tube feeds</a:t>
+            </a:r>
+          </a:p>
+          <a:p>
+            <a:pPr lvl="0"/>
+            <a:r>
+              <a:rPr/>
+              <a:t>Start continuous (24 hours)</a:t>
+            </a:r>
+          </a:p>
+          <a:p>
+            <a:pPr lvl="0"/>
+            <a:r>
+              <a:rPr/>
+              <a:t>Convert to night-time only (16 hours)</a:t>
+            </a:r>
+          </a:p>
+          <a:p>
+            <a:pPr lvl="0" indent="0" marL="0">
+              <a:buNone/>
+            </a:pPr>
+            <a:r>
+              <a:rPr/>
+              <a:t>Water administered through feeding tube</a:t>
+            </a:r>
+          </a:p>
+          <a:p>
+            <a:pPr lvl="0"/>
+            <a:r>
+              <a:rPr/>
+              <a:t>Usually 8oz 4 times/day</a:t>
+            </a:r>
+          </a:p>
+          <a:p>
+            <a:pPr lvl="0"/>
+            <a:r>
+              <a:rPr/>
+              <a:t>Important to prevent dehydration</a:t>
             </a:r>
           </a:p>
           <a:p>
@@ -9765,16 +9794,51 @@
             </a:pPr>
             <a:r>
               <a:rPr/>
-              <a:t>Jejunostomy feedings may cause blood sugars to be elevated - Insulin may be required along with feeds</a:t>
-            </a:r>
-          </a:p>
-          <a:p>
-            <a:pPr lvl="0" indent="0" marL="0">
-              <a:buNone/>
-            </a:pPr>
-            <a:r>
-              <a:rPr/>
-              <a:t>Typical Pattern for tube feeds - Feeds run via pump from 6pm to 10am - Insulin at 6pm (70/30 insulin) - Insulin at Midnight (70/30 insulin) - No insulin if tube feedings are not run</a:t>
+              <a:t>Jejunostomy feedings may cause blood sugars to be elevated</a:t>
+            </a:r>
+          </a:p>
+          <a:p>
+            <a:pPr lvl="0"/>
+            <a:r>
+              <a:rPr/>
+              <a:t>Insulin may be required along with feeds</a:t>
+            </a:r>
+          </a:p>
+          <a:p>
+            <a:pPr lvl="0" indent="0" marL="0">
+              <a:buNone/>
+            </a:pPr>
+            <a:r>
+              <a:rPr/>
+              <a:t>Typical Pattern for tube feeds</a:t>
+            </a:r>
+          </a:p>
+          <a:p>
+            <a:pPr lvl="0"/>
+            <a:r>
+              <a:rPr/>
+              <a:t>Feeds run via pump from 6pm to 10am</a:t>
+            </a:r>
+          </a:p>
+          <a:p>
+            <a:pPr lvl="0"/>
+            <a:r>
+              <a:rPr/>
+              <a:t>Insulin at 6pm (70/30 insulin)</a:t>
+            </a:r>
+          </a:p>
+          <a:p>
+            <a:pPr lvl="0"/>
+            <a:r>
+              <a:rPr/>
+              <a:t>Insulin at Midnight (70/30 insulin)</a:t>
+            </a:r>
+          </a:p>
+          <a:p>
+            <a:pPr lvl="0"/>
+            <a:r>
+              <a:rPr/>
+              <a:t>No insulin if tube feedings are not run</a:t>
             </a:r>
           </a:p>
         </p:txBody>
@@ -9848,7 +9912,21 @@
                 </a:pPr>
                 <a:r>
                   <a:rPr/>
-                  <a:t>Tube passed through nose into stomach - Drains fluid from stomach - Prevents vomiting</a:t>
+                  <a:t>Tube passed through nose into stomach</a:t>
+                </a:r>
+              </a:p>
+              <a:p>
+                <a:pPr lvl="0"/>
+                <a:r>
+                  <a:rPr/>
+                  <a:t>Drains fluid from stomach</a:t>
+                </a:r>
+              </a:p>
+              <a:p>
+                <a:pPr lvl="0"/>
+                <a:r>
+                  <a:rPr/>
+                  <a:t>Prevents vomiting</a:t>
                 </a:r>
               </a:p>
               <a:p>
@@ -9857,7 +9935,14 @@
                 </a:pPr>
                 <a:r>
                   <a:rPr/>
-                  <a:t>Upper GI X-ray on 2nd or 3rd day after surgery - If stomach empties well </a:t>
+                  <a:t>Upper GI X-ray on 2nd or 3rd day after surgery</a:t>
+                </a:r>
+              </a:p>
+              <a:p>
+                <a:pPr lvl="0"/>
+                <a:r>
+                  <a:rPr/>
+                  <a:t>If stomach empties well </a:t>
                 </a:r>
                 <a14:m>
                   <m:oMath xmlns:m="http://schemas.openxmlformats.org/officeDocument/2006/math">
@@ -9871,7 +9956,14 @@
                 </a14:m>
                 <a:r>
                   <a:rPr/>
-                  <a:t> NG tube removed - Otherwise, X-ray repeated 2-3 days later</a:t>
+                  <a:t> NG tube removed</a:t>
+                </a:r>
+              </a:p>
+              <a:p>
+                <a:pPr lvl="0"/>
+                <a:r>
+                  <a:rPr/>
+                  <a:t>Otherwise, X-ray repeated 2-3 days later</a:t>
                 </a:r>
               </a:p>
             </p:txBody>
@@ -9956,7 +10048,7 @@
                 </a:pPr>
                 <a:r>
                   <a:rPr/>
-                  <a:t>Modified barium swallow in radiology</a:t>
+                  <a:t>Modified barium swallow in radiology Drink a white chalky liquid (barium) Look for proper swallowing function</a:t>
                 </a:r>
               </a:p>
               <a:p>
@@ -10051,7 +10143,7 @@
             </a:pPr>
             <a:r>
               <a:rPr/>
-              <a:t>Goal: ready to leave day #6 after surgery</a:t>
+              <a:t>Goal: ready to leave day #6/7 after surgery</a:t>
             </a:r>
           </a:p>
           <a:p>
@@ -10072,14 +10164,14 @@
             <a:pPr lvl="1"/>
             <a:r>
               <a:rPr/>
-              <a:t>1 oz of water per hour by mouth  OR</a:t>
+              <a:t>1 oz of water per hour by mouth OR</a:t>
             </a:r>
           </a:p>
           <a:p>
             <a:pPr lvl="1"/>
             <a:r>
               <a:rPr/>
-              <a:t>Protein shakes 4oz every 2 hours in some</a:t>
+              <a:t>Protein shakes 4oz every 2 hours</a:t>
             </a:r>
           </a:p>
           <a:p>
@@ -10101,6 +10193,124 @@
             <a:r>
               <a:rPr/>
               <a:t>Home infusion (tube feeding supplies)</a:t>
+            </a:r>
+          </a:p>
+        </p:txBody>
+      </p:sp>
+    </p:spTree>
+  </p:cSld>
+</p:sld>
+</file>
+
+<file path=ppt/slides/slide69.xml><?xml version="1.0" encoding="utf-8"?>
+<p:sld xmlns:a="http://schemas.openxmlformats.org/drawingml/2006/main" xmlns:r="http://schemas.openxmlformats.org/officeDocument/2006/relationships" xmlns:p="http://schemas.openxmlformats.org/presentationml/2006/main">
+  <p:cSld>
+    <p:spTree>
+      <p:nvGrpSpPr>
+        <p:cNvPr id="1" name=""/>
+        <p:cNvGrpSpPr/>
+        <p:nvPr/>
+      </p:nvGrpSpPr>
+      <p:grpSpPr>
+        <a:xfrm>
+          <a:off x="0" y="0"/>
+          <a:ext cx="0" cy="0"/>
+          <a:chOff x="0" y="0"/>
+          <a:chExt cx="0" cy="0"/>
+        </a:xfrm>
+      </p:grpSpPr>
+      <p:sp>
+        <p:nvSpPr>
+          <p:cNvPr id="2" name="Title 1"/>
+          <p:cNvSpPr>
+            <a:spLocks noGrp="1"/>
+          </p:cNvSpPr>
+          <p:nvPr>
+            <p:ph type="title"/>
+          </p:nvPr>
+        </p:nvSpPr>
+        <p:spPr/>
+        <p:txBody>
+          <a:bodyPr/>
+          <a:lstStyle/>
+          <a:p>
+            <a:pPr lvl="0" indent="0" marL="0">
+              <a:buNone/>
+            </a:pPr>
+            <a:r>
+              <a:rPr/>
+              <a:t>Medicines at Home - Pain</a:t>
+            </a:r>
+          </a:p>
+        </p:txBody>
+      </p:sp>
+      <p:sp>
+        <p:nvSpPr>
+          <p:cNvPr id="3" name="Content Placeholder 2"/>
+          <p:cNvSpPr>
+            <a:spLocks noGrp="1"/>
+          </p:cNvSpPr>
+          <p:nvPr>
+            <p:ph idx="1"/>
+          </p:nvPr>
+        </p:nvSpPr>
+        <p:spPr/>
+        <p:txBody>
+          <a:bodyPr/>
+          <a:lstStyle/>
+          <a:p>
+            <a:pPr lvl="0" indent="0" marL="0">
+              <a:buNone/>
+            </a:pPr>
+            <a:r>
+              <a:rPr/>
+              <a:t>Acetaminophen (Tylenol) 4000mg/day (1000mg 4 times/day)</a:t>
+            </a:r>
+          </a:p>
+          <a:p>
+            <a:pPr lvl="0" indent="0" marL="0">
+              <a:buNone/>
+            </a:pPr>
+            <a:r>
+              <a:rPr/>
+              <a:t>Gabapentin 300mg 3 times/day (works best if taken every day)</a:t>
+            </a:r>
+          </a:p>
+          <a:p>
+            <a:pPr lvl="0" indent="0" marL="0">
+              <a:buNone/>
+            </a:pPr>
+            <a:r>
+              <a:rPr/>
+              <a:t>Oxycodone</a:t>
+            </a:r>
+          </a:p>
+          <a:p>
+            <a:pPr lvl="0"/>
+            <a:r>
+              <a:rPr/>
+              <a:t>Take as needed in addition to Tylenol and gabapentin</a:t>
+            </a:r>
+          </a:p>
+          <a:p>
+            <a:pPr lvl="0"/>
+            <a:r>
+              <a:rPr/>
+              <a:t>Will begin reducing dosage at first postoperative visit</a:t>
+            </a:r>
+          </a:p>
+          <a:p>
+            <a:pPr lvl="0"/>
+            <a:r>
+              <a:rPr/>
+              <a:t>Most patients can discontinue by 4 weeks after surgery</a:t>
+            </a:r>
+          </a:p>
+          <a:p>
+            <a:pPr lvl="0"/>
+            <a:r>
+              <a:rPr/>
+              <a:t>NO DRIVING WHILE ON OXYCODONE</a:t>
             </a:r>
           </a:p>
         </p:txBody>
@@ -10242,6 +10452,1166 @@
 </p:sld>
 </file>
 
+<file path=ppt/slides/slide70.xml><?xml version="1.0" encoding="utf-8"?>
+<p:sld xmlns:a="http://schemas.openxmlformats.org/drawingml/2006/main" xmlns:r="http://schemas.openxmlformats.org/officeDocument/2006/relationships" xmlns:p="http://schemas.openxmlformats.org/presentationml/2006/main">
+  <p:cSld>
+    <p:spTree>
+      <p:nvGrpSpPr>
+        <p:cNvPr id="1" name=""/>
+        <p:cNvGrpSpPr/>
+        <p:nvPr/>
+      </p:nvGrpSpPr>
+      <p:grpSpPr>
+        <a:xfrm>
+          <a:off x="0" y="0"/>
+          <a:ext cx="0" cy="0"/>
+          <a:chOff x="0" y="0"/>
+          <a:chExt cx="0" cy="0"/>
+        </a:xfrm>
+      </p:grpSpPr>
+      <p:sp>
+        <p:nvSpPr>
+          <p:cNvPr id="2" name="Title 1"/>
+          <p:cNvSpPr>
+            <a:spLocks noGrp="1"/>
+          </p:cNvSpPr>
+          <p:nvPr>
+            <p:ph type="title"/>
+          </p:nvPr>
+        </p:nvSpPr>
+        <p:spPr/>
+        <p:txBody>
+          <a:bodyPr/>
+          <a:lstStyle/>
+          <a:p>
+            <a:pPr lvl="0" indent="0" marL="0">
+              <a:buNone/>
+            </a:pPr>
+            <a:r>
+              <a:rPr/>
+              <a:t>Medicines at Home - Non-steroidals</a:t>
+            </a:r>
+          </a:p>
+        </p:txBody>
+      </p:sp>
+      <p:sp>
+        <p:nvSpPr>
+          <p:cNvPr id="3" name="Content Placeholder 2"/>
+          <p:cNvSpPr>
+            <a:spLocks noGrp="1"/>
+          </p:cNvSpPr>
+          <p:nvPr>
+            <p:ph idx="1"/>
+          </p:nvPr>
+        </p:nvSpPr>
+        <p:spPr/>
+        <p:txBody>
+          <a:bodyPr/>
+          <a:lstStyle/>
+          <a:p>
+            <a:pPr lvl="0" indent="0" marL="0">
+              <a:buNone/>
+            </a:pPr>
+            <a:r>
+              <a:rPr/>
+              <a:t>Non-steroidal anti-inflammatories (Celebrex)</a:t>
+            </a:r>
+          </a:p>
+          <a:p>
+            <a:pPr lvl="0"/>
+            <a:r>
+              <a:rPr/>
+              <a:t>200 mg every 12 hours starting 2 weeks after surgery</a:t>
+            </a:r>
+          </a:p>
+          <a:p>
+            <a:pPr lvl="0" indent="0" marL="0">
+              <a:buNone/>
+            </a:pPr>
+            <a:r>
+              <a:rPr/>
+              <a:t>NO GOODY POWDERS OR BCs</a:t>
+            </a:r>
+          </a:p>
+          <a:p>
+            <a:pPr lvl="0"/>
+            <a:r>
+              <a:rPr/>
+              <a:t>(Can cause permanent scarring at the surgery site)</a:t>
+            </a:r>
+          </a:p>
+        </p:txBody>
+      </p:sp>
+    </p:spTree>
+  </p:cSld>
+</p:sld>
+</file>
+
+<file path=ppt/slides/slide71.xml><?xml version="1.0" encoding="utf-8"?>
+<p:sld xmlns:a="http://schemas.openxmlformats.org/drawingml/2006/main" xmlns:r="http://schemas.openxmlformats.org/officeDocument/2006/relationships" xmlns:p="http://schemas.openxmlformats.org/presentationml/2006/main">
+  <p:cSld>
+    <p:spTree>
+      <p:nvGrpSpPr>
+        <p:cNvPr id="1" name=""/>
+        <p:cNvGrpSpPr/>
+        <p:nvPr/>
+      </p:nvGrpSpPr>
+      <p:grpSpPr>
+        <a:xfrm>
+          <a:off x="0" y="0"/>
+          <a:ext cx="0" cy="0"/>
+          <a:chOff x="0" y="0"/>
+          <a:chExt cx="0" cy="0"/>
+        </a:xfrm>
+      </p:grpSpPr>
+      <p:sp>
+        <p:nvSpPr>
+          <p:cNvPr id="2" name="Title 1"/>
+          <p:cNvSpPr>
+            <a:spLocks noGrp="1"/>
+          </p:cNvSpPr>
+          <p:nvPr>
+            <p:ph type="title"/>
+          </p:nvPr>
+        </p:nvSpPr>
+        <p:spPr/>
+        <p:txBody>
+          <a:bodyPr/>
+          <a:lstStyle/>
+          <a:p>
+            <a:pPr lvl="0" indent="0" marL="0">
+              <a:buNone/>
+            </a:pPr>
+            <a:r>
+              <a:rPr/>
+              <a:t>Medicines at Home - Acid Blockers</a:t>
+            </a:r>
+          </a:p>
+        </p:txBody>
+      </p:sp>
+      <p:sp>
+        <p:nvSpPr>
+          <p:cNvPr id="3" name="Content Placeholder 2"/>
+          <p:cNvSpPr>
+            <a:spLocks noGrp="1"/>
+          </p:cNvSpPr>
+          <p:nvPr>
+            <p:ph idx="1"/>
+          </p:nvPr>
+        </p:nvSpPr>
+        <p:spPr/>
+        <p:txBody>
+          <a:bodyPr/>
+          <a:lstStyle/>
+          <a:p>
+            <a:pPr lvl="0" indent="0" marL="0">
+              <a:buNone/>
+            </a:pPr>
+            <a:r>
+              <a:rPr/>
+              <a:t>Acid blocker (Omeprazole, Nexium,etc)</a:t>
+            </a:r>
+          </a:p>
+          <a:p>
+            <a:pPr lvl="0"/>
+            <a:r>
+              <a:rPr/>
+              <a:t>Will stay on for at 1-2 years to prevent acid reflux</a:t>
+            </a:r>
+          </a:p>
+          <a:p>
+            <a:pPr lvl="0"/>
+            <a:r>
+              <a:rPr/>
+              <a:t>Important in preventing scarring at anastomosis (new connection between esophagus and stomach)</a:t>
+            </a:r>
+          </a:p>
+          <a:p>
+            <a:pPr lvl="0"/>
+            <a:r>
+              <a:rPr/>
+              <a:t>To administer through feeding tube, open capsule and resuspend beads in 60mL (2oz) of water</a:t>
+            </a:r>
+          </a:p>
+        </p:txBody>
+      </p:sp>
+    </p:spTree>
+  </p:cSld>
+</p:sld>
+</file>
+
+<file path=ppt/slides/slide72.xml><?xml version="1.0" encoding="utf-8"?>
+<p:sld xmlns:a="http://schemas.openxmlformats.org/drawingml/2006/main" xmlns:r="http://schemas.openxmlformats.org/officeDocument/2006/relationships" xmlns:p="http://schemas.openxmlformats.org/presentationml/2006/main">
+  <p:cSld>
+    <p:spTree>
+      <p:nvGrpSpPr>
+        <p:cNvPr id="1" name=""/>
+        <p:cNvGrpSpPr/>
+        <p:nvPr/>
+      </p:nvGrpSpPr>
+      <p:grpSpPr>
+        <a:xfrm>
+          <a:off x="0" y="0"/>
+          <a:ext cx="0" cy="0"/>
+          <a:chOff x="0" y="0"/>
+          <a:chExt cx="0" cy="0"/>
+        </a:xfrm>
+      </p:grpSpPr>
+      <p:sp>
+        <p:nvSpPr>
+          <p:cNvPr id="2" name="Title 1"/>
+          <p:cNvSpPr>
+            <a:spLocks noGrp="1"/>
+          </p:cNvSpPr>
+          <p:nvPr>
+            <p:ph type="title"/>
+          </p:nvPr>
+        </p:nvSpPr>
+        <p:spPr/>
+        <p:txBody>
+          <a:bodyPr/>
+          <a:lstStyle/>
+          <a:p>
+            <a:pPr lvl="0" indent="0" marL="0">
+              <a:buNone/>
+            </a:pPr>
+            <a:r>
+              <a:rPr/>
+              <a:t>Medicines at Home</a:t>
+            </a:r>
+          </a:p>
+        </p:txBody>
+      </p:sp>
+      <p:sp>
+        <p:nvSpPr>
+          <p:cNvPr id="3" name="Content Placeholder 2"/>
+          <p:cNvSpPr>
+            <a:spLocks noGrp="1"/>
+          </p:cNvSpPr>
+          <p:nvPr>
+            <p:ph idx="1"/>
+          </p:nvPr>
+        </p:nvSpPr>
+        <p:spPr/>
+        <p:txBody>
+          <a:bodyPr/>
+          <a:lstStyle/>
+          <a:p>
+            <a:pPr lvl="0" indent="0" marL="0">
+              <a:buNone/>
+            </a:pPr>
+            <a:r>
+              <a:rPr/>
+              <a:t>Reglan – Helps stomach empty</a:t>
+            </a:r>
+          </a:p>
+          <a:p>
+            <a:pPr lvl="0"/>
+            <a:r>
+              <a:rPr/>
+              <a:t>Will plan to stop after six weeks</a:t>
+            </a:r>
+          </a:p>
+          <a:p>
+            <a:pPr lvl="0"/>
+            <a:r>
+              <a:rPr/>
+              <a:t>0.1% risk of tardive dyskinesia (nervous tic)</a:t>
+            </a:r>
+          </a:p>
+          <a:p>
+            <a:pPr lvl="0" indent="0" marL="0">
+              <a:buNone/>
+            </a:pPr>
+            <a:r>
+              <a:rPr/>
+              <a:t>Remeron – Helps improve appetite</a:t>
+            </a:r>
+          </a:p>
+          <a:p>
+            <a:pPr lvl="0"/>
+            <a:r>
+              <a:rPr/>
+              <a:t>Can cause vivid dreams</a:t>
+            </a:r>
+          </a:p>
+          <a:p>
+            <a:pPr lvl="0"/>
+            <a:r>
+              <a:rPr/>
+              <a:t>Used for several weeks after surgery</a:t>
+            </a:r>
+          </a:p>
+          <a:p>
+            <a:pPr lvl="0"/>
+            <a:r>
+              <a:rPr/>
+              <a:t>Will stop within first three months of surgery</a:t>
+            </a:r>
+          </a:p>
+        </p:txBody>
+      </p:sp>
+    </p:spTree>
+  </p:cSld>
+</p:sld>
+</file>
+
+<file path=ppt/slides/slide73.xml><?xml version="1.0" encoding="utf-8"?>
+<p:sld xmlns:a="http://schemas.openxmlformats.org/drawingml/2006/main" xmlns:r="http://schemas.openxmlformats.org/officeDocument/2006/relationships" xmlns:p="http://schemas.openxmlformats.org/presentationml/2006/main">
+  <p:cSld>
+    <p:spTree>
+      <p:nvGrpSpPr>
+        <p:cNvPr id="1" name=""/>
+        <p:cNvGrpSpPr/>
+        <p:nvPr/>
+      </p:nvGrpSpPr>
+      <p:grpSpPr>
+        <a:xfrm>
+          <a:off x="0" y="0"/>
+          <a:ext cx="0" cy="0"/>
+          <a:chOff x="0" y="0"/>
+          <a:chExt cx="0" cy="0"/>
+        </a:xfrm>
+      </p:grpSpPr>
+      <p:sp>
+        <p:nvSpPr>
+          <p:cNvPr id="2" name="Title 1"/>
+          <p:cNvSpPr>
+            <a:spLocks noGrp="1"/>
+          </p:cNvSpPr>
+          <p:nvPr>
+            <p:ph type="title"/>
+          </p:nvPr>
+        </p:nvSpPr>
+        <p:spPr/>
+        <p:txBody>
+          <a:bodyPr/>
+          <a:lstStyle/>
+          <a:p>
+            <a:pPr lvl="0" indent="0" marL="0">
+              <a:buNone/>
+            </a:pPr>
+            <a:r>
+              <a:rPr/>
+              <a:t>Medicines at Home - Beta Blockers</a:t>
+            </a:r>
+          </a:p>
+        </p:txBody>
+      </p:sp>
+      <p:sp>
+        <p:nvSpPr>
+          <p:cNvPr id="3" name="Content Placeholder 2"/>
+          <p:cNvSpPr>
+            <a:spLocks noGrp="1"/>
+          </p:cNvSpPr>
+          <p:nvPr>
+            <p:ph idx="1"/>
+          </p:nvPr>
+        </p:nvSpPr>
+        <p:spPr/>
+        <p:txBody>
+          <a:bodyPr/>
+          <a:lstStyle/>
+          <a:p>
+            <a:pPr lvl="0" indent="0" marL="0">
+              <a:buNone/>
+            </a:pPr>
+            <a:r>
+              <a:rPr/>
+              <a:t>Metroprolol – Beta Blocker</a:t>
+            </a:r>
+          </a:p>
+          <a:p>
+            <a:pPr lvl="0"/>
+            <a:r>
+              <a:rPr/>
+              <a:t>Slows heart rate and lowers blood pressure</a:t>
+            </a:r>
+            <a:br/>
+          </a:p>
+          <a:p>
+            <a:pPr lvl="0"/>
+            <a:r>
+              <a:rPr/>
+              <a:t>Used around the time of surgery to prevent fast heart rhythms</a:t>
+            </a:r>
+          </a:p>
+          <a:p>
+            <a:pPr lvl="0"/>
+            <a:r>
+              <a:rPr/>
+              <a:t>In patients who were not taking a beta blocker prior to surgery, will plan to wean over a few weeks after surgery</a:t>
+            </a:r>
+          </a:p>
+          <a:p>
+            <a:pPr lvl="0"/>
+            <a:r>
+              <a:rPr/>
+              <a:t>For patients who were taking a beta blocker medicine prior to surgery, will return to prior dosage and drug after surgery</a:t>
+            </a:r>
+          </a:p>
+        </p:txBody>
+      </p:sp>
+    </p:spTree>
+  </p:cSld>
+</p:sld>
+</file>
+
+<file path=ppt/slides/slide74.xml><?xml version="1.0" encoding="utf-8"?>
+<p:sld xmlns:a="http://schemas.openxmlformats.org/drawingml/2006/main" xmlns:r="http://schemas.openxmlformats.org/officeDocument/2006/relationships" xmlns:p="http://schemas.openxmlformats.org/presentationml/2006/main">
+  <p:cSld>
+    <p:spTree>
+      <p:nvGrpSpPr>
+        <p:cNvPr id="1" name=""/>
+        <p:cNvGrpSpPr/>
+        <p:nvPr/>
+      </p:nvGrpSpPr>
+      <p:grpSpPr>
+        <a:xfrm>
+          <a:off x="0" y="0"/>
+          <a:ext cx="0" cy="0"/>
+          <a:chOff x="0" y="0"/>
+          <a:chExt cx="0" cy="0"/>
+        </a:xfrm>
+      </p:grpSpPr>
+      <p:sp>
+        <p:nvSpPr>
+          <p:cNvPr id="2" name="Title 1"/>
+          <p:cNvSpPr>
+            <a:spLocks noGrp="1"/>
+          </p:cNvSpPr>
+          <p:nvPr>
+            <p:ph type="title"/>
+          </p:nvPr>
+        </p:nvSpPr>
+        <p:spPr/>
+        <p:txBody>
+          <a:bodyPr/>
+          <a:lstStyle/>
+          <a:p>
+            <a:pPr lvl="0" indent="0" marL="0">
+              <a:buNone/>
+            </a:pPr>
+            <a:r>
+              <a:rPr/>
+              <a:t>Nutrition after Surgery</a:t>
+            </a:r>
+          </a:p>
+        </p:txBody>
+      </p:sp>
+      <p:sp>
+        <p:nvSpPr>
+          <p:cNvPr id="3" name="Content Placeholder 2"/>
+          <p:cNvSpPr>
+            <a:spLocks noGrp="1"/>
+          </p:cNvSpPr>
+          <p:nvPr>
+            <p:ph idx="1"/>
+          </p:nvPr>
+        </p:nvSpPr>
+        <p:spPr/>
+        <p:txBody>
+          <a:bodyPr/>
+          <a:lstStyle/>
+          <a:p>
+            <a:pPr lvl="0" indent="0" marL="0">
+              <a:buNone/>
+            </a:pPr>
+            <a:r>
+              <a:rPr/>
+              <a:t>At discharge home:</a:t>
+            </a:r>
+          </a:p>
+          <a:p>
+            <a:pPr lvl="0"/>
+            <a:r>
+              <a:rPr/>
+              <a:t>Protein shakes 4oz every 2 hrs</a:t>
+            </a:r>
+          </a:p>
+          <a:p>
+            <a:pPr lvl="0"/>
+            <a:r>
+              <a:rPr/>
+              <a:t>Tube feeds 4-5 cans at night (6pm-10am)</a:t>
+            </a:r>
+          </a:p>
+          <a:p>
+            <a:pPr lvl="0" indent="0" marL="0">
+              <a:buNone/>
+            </a:pPr>
+            <a:r>
+              <a:rPr/>
+              <a:t>10-12 Days: Increase protein shakes</a:t>
+            </a:r>
+          </a:p>
+          <a:p>
+            <a:pPr lvl="0"/>
+            <a:r>
+              <a:rPr/>
+              <a:t>Tube feeds 3-4 cans at night</a:t>
+            </a:r>
+          </a:p>
+          <a:p>
+            <a:pPr lvl="0" indent="0" marL="0">
+              <a:buNone/>
+            </a:pPr>
+            <a:r>
+              <a:rPr/>
+              <a:t>Three weeks: Post-esophagectomy Diet</a:t>
+            </a:r>
+          </a:p>
+          <a:p>
+            <a:pPr lvl="0" indent="0" marL="0">
+              <a:buNone/>
+            </a:pPr>
+            <a:r>
+              <a:rPr/>
+              <a:t>8-12 weeks: Remove feeding tube (in office)</a:t>
+            </a:r>
+          </a:p>
+        </p:txBody>
+      </p:sp>
+    </p:spTree>
+  </p:cSld>
+</p:sld>
+</file>
+
+<file path=ppt/slides/slide75.xml><?xml version="1.0" encoding="utf-8"?>
+<p:sld xmlns:a="http://schemas.openxmlformats.org/drawingml/2006/main" xmlns:r="http://schemas.openxmlformats.org/officeDocument/2006/relationships" xmlns:p="http://schemas.openxmlformats.org/presentationml/2006/main">
+  <p:cSld>
+    <p:spTree>
+      <p:nvGrpSpPr>
+        <p:cNvPr id="1" name=""/>
+        <p:cNvGrpSpPr/>
+        <p:nvPr/>
+      </p:nvGrpSpPr>
+      <p:grpSpPr>
+        <a:xfrm>
+          <a:off x="0" y="0"/>
+          <a:ext cx="0" cy="0"/>
+          <a:chOff x="0" y="0"/>
+          <a:chExt cx="0" cy="0"/>
+        </a:xfrm>
+      </p:grpSpPr>
+      <mc:AlternateContent xmlns:mc="http://schemas.openxmlformats.org/markup-compatibility/2006">
+        <mc:Choice xmlns:a14="http://schemas.microsoft.com/office/drawing/2010/main" Requires="a14">
+          <p:sp>
+            <p:nvSpPr>
+              <p:cNvPr id="2" name="Title 1"/>
+              <p:cNvSpPr>
+                <a:spLocks noGrp="1"/>
+              </p:cNvSpPr>
+              <p:nvPr>
+                <p:ph type="title"/>
+              </p:nvPr>
+            </p:nvSpPr>
+            <p:spPr/>
+            <p:txBody>
+              <a:bodyPr/>
+              <a:lstStyle/>
+              <a:p>
+                <a:pPr lvl="0" indent="0" marL="0">
+                  <a:buNone/>
+                </a:pPr>
+                <a:r>
+                  <a:rPr/>
+                  <a:t>Transition from Tube Feeds </a:t>
+                </a:r>
+                <a14:m>
+                  <m:oMath xmlns:m="http://schemas.openxmlformats.org/officeDocument/2006/math">
+                    <m:r>
+                      <m:rPr>
+                        <m:sty m:val="p"/>
+                      </m:rPr>
+                      <m:t>→</m:t>
+                    </m:r>
+                  </m:oMath>
+                </a14:m>
+                <a:r>
+                  <a:rPr/>
+                  <a:t> Eating</a:t>
+                </a:r>
+              </a:p>
+            </p:txBody>
+          </p:sp>
+        </mc:Choice>
+      </mc:AlternateContent>
+      <p:sp>
+        <p:nvSpPr>
+          <p:cNvPr id="3" name="Content Placeholder 2"/>
+          <p:cNvSpPr>
+            <a:spLocks noGrp="1"/>
+          </p:cNvSpPr>
+          <p:nvPr>
+            <p:ph idx="1"/>
+          </p:nvPr>
+        </p:nvSpPr>
+        <p:spPr/>
+        <p:txBody>
+          <a:bodyPr/>
+          <a:lstStyle/>
+          <a:p>
+            <a:pPr lvl="0" indent="0" marL="0">
+              <a:buNone/>
+            </a:pPr>
+            <a:r>
+              <a:rPr/>
+              <a:t>Dietitian will calculate daily protein goal</a:t>
+            </a:r>
+          </a:p>
+          <a:p>
+            <a:pPr lvl="0"/>
+            <a:r>
+              <a:rPr/>
+              <a:t>Typically 60-75 grams protein/day</a:t>
+            </a:r>
+          </a:p>
+          <a:p>
+            <a:pPr lvl="0"/>
+            <a:r>
+              <a:rPr/>
+              <a:t>Each carton of tube feeding has 15 grams</a:t>
+            </a:r>
+          </a:p>
+          <a:p>
+            <a:pPr lvl="1"/>
+            <a:r>
+              <a:rPr/>
+              <a:t>75 grams protein = 5 cartons/night</a:t>
+            </a:r>
+          </a:p>
+          <a:p>
+            <a:pPr lvl="0"/>
+            <a:r>
+              <a:rPr/>
+              <a:t>As intake by mouth increases, tube feeds are reduced</a:t>
+            </a:r>
+          </a:p>
+          <a:p>
+            <a:pPr lvl="0" indent="0" marL="0">
+              <a:buNone/>
+            </a:pPr>
+            <a:r>
+              <a:rPr/>
+              <a:t>Important that protein is spread out during the day (20gm/meal)</a:t>
+            </a:r>
+          </a:p>
+          <a:p>
+            <a:pPr lvl="0"/>
+            <a:r>
+              <a:rPr/>
+              <a:t>Three meals + 2-3 high-protein snacks</a:t>
+            </a:r>
+          </a:p>
+        </p:txBody>
+      </p:sp>
+    </p:spTree>
+  </p:cSld>
+</p:sld>
+</file>
+
+<file path=ppt/slides/slide76.xml><?xml version="1.0" encoding="utf-8"?>
+<p:sld xmlns:a="http://schemas.openxmlformats.org/drawingml/2006/main" xmlns:r="http://schemas.openxmlformats.org/officeDocument/2006/relationships" xmlns:p="http://schemas.openxmlformats.org/presentationml/2006/main">
+  <p:cSld>
+    <p:spTree>
+      <p:nvGrpSpPr>
+        <p:cNvPr id="1" name=""/>
+        <p:cNvGrpSpPr/>
+        <p:nvPr/>
+      </p:nvGrpSpPr>
+      <p:grpSpPr>
+        <a:xfrm>
+          <a:off x="0" y="0"/>
+          <a:ext cx="0" cy="0"/>
+          <a:chOff x="0" y="0"/>
+          <a:chExt cx="0" cy="0"/>
+        </a:xfrm>
+      </p:grpSpPr>
+      <p:sp>
+        <p:nvSpPr>
+          <p:cNvPr id="2" name="Title 1"/>
+          <p:cNvSpPr>
+            <a:spLocks noGrp="1"/>
+          </p:cNvSpPr>
+          <p:nvPr>
+            <p:ph type="title"/>
+          </p:nvPr>
+        </p:nvSpPr>
+        <p:spPr/>
+        <p:txBody>
+          <a:bodyPr/>
+          <a:lstStyle/>
+          <a:p>
+            <a:pPr lvl="0" indent="0" marL="0">
+              <a:buNone/>
+            </a:pPr>
+            <a:r>
+              <a:rPr/>
+              <a:t>Post-esophagectomy Diet</a:t>
+            </a:r>
+          </a:p>
+        </p:txBody>
+      </p:sp>
+      <p:sp>
+        <p:nvSpPr>
+          <p:cNvPr id="3" name="Content Placeholder 2"/>
+          <p:cNvSpPr>
+            <a:spLocks noGrp="1"/>
+          </p:cNvSpPr>
+          <p:nvPr>
+            <p:ph idx="1"/>
+          </p:nvPr>
+        </p:nvSpPr>
+        <p:spPr/>
+        <p:txBody>
+          <a:bodyPr/>
+          <a:lstStyle/>
+          <a:p>
+            <a:pPr lvl="0"/>
+            <a:r>
+              <a:rPr/>
+              <a:t>Soft Consistency</a:t>
+            </a:r>
+          </a:p>
+          <a:p>
+            <a:pPr lvl="0"/>
+            <a:r>
+              <a:rPr/>
+              <a:t>High Protein</a:t>
+            </a:r>
+          </a:p>
+          <a:p>
+            <a:pPr lvl="0"/>
+            <a:r>
+              <a:rPr/>
+              <a:t>Avoid sugary liquids (can cause ‘dumping’)</a:t>
+            </a:r>
+          </a:p>
+          <a:p>
+            <a:pPr lvl="0"/>
+            <a:r>
+              <a:rPr/>
+              <a:t>Avoid raw vegetables (and salads)</a:t>
+            </a:r>
+          </a:p>
+          <a:p>
+            <a:pPr lvl="0"/>
+            <a:r>
+              <a:rPr/>
+              <a:t>Eating</a:t>
+            </a:r>
+          </a:p>
+          <a:p>
+            <a:pPr lvl="1"/>
+            <a:r>
+              <a:rPr/>
+              <a:t>Small, frequent meals</a:t>
+            </a:r>
+          </a:p>
+          <a:p>
+            <a:pPr lvl="1"/>
+            <a:r>
+              <a:rPr/>
+              <a:t>Sit up for 30-45 minutes after eating</a:t>
+            </a:r>
+          </a:p>
+          <a:p>
+            <a:pPr lvl="1"/>
+            <a:r>
+              <a:rPr/>
+              <a:t>Avoid eating within 2 hours of bedtime</a:t>
+            </a:r>
+          </a:p>
+        </p:txBody>
+      </p:sp>
+    </p:spTree>
+  </p:cSld>
+</p:sld>
+</file>
+
+<file path=ppt/slides/slide77.xml><?xml version="1.0" encoding="utf-8"?>
+<p:sld xmlns:a="http://schemas.openxmlformats.org/drawingml/2006/main" xmlns:r="http://schemas.openxmlformats.org/officeDocument/2006/relationships" xmlns:p="http://schemas.openxmlformats.org/presentationml/2006/main">
+  <p:cSld>
+    <p:spTree>
+      <p:nvGrpSpPr>
+        <p:cNvPr id="1" name=""/>
+        <p:cNvGrpSpPr/>
+        <p:nvPr/>
+      </p:nvGrpSpPr>
+      <p:grpSpPr>
+        <a:xfrm>
+          <a:off x="0" y="0"/>
+          <a:ext cx="0" cy="0"/>
+          <a:chOff x="0" y="0"/>
+          <a:chExt cx="0" cy="0"/>
+        </a:xfrm>
+      </p:grpSpPr>
+      <p:sp>
+        <p:nvSpPr>
+          <p:cNvPr id="2" name="Title 1"/>
+          <p:cNvSpPr>
+            <a:spLocks noGrp="1"/>
+          </p:cNvSpPr>
+          <p:nvPr>
+            <p:ph type="title"/>
+          </p:nvPr>
+        </p:nvSpPr>
+        <p:spPr/>
+        <p:txBody>
+          <a:bodyPr/>
+          <a:lstStyle/>
+          <a:p>
+            <a:pPr lvl="0" indent="0" marL="0">
+              <a:buNone/>
+            </a:pPr>
+            <a:r>
+              <a:rPr/>
+              <a:t>Wedge Pillow</a:t>
+            </a:r>
+          </a:p>
+        </p:txBody>
+      </p:sp>
+      <p:sp>
+        <p:nvSpPr>
+          <p:cNvPr id="3" name="Content Placeholder 2"/>
+          <p:cNvSpPr>
+            <a:spLocks noGrp="1"/>
+          </p:cNvSpPr>
+          <p:nvPr>
+            <p:ph idx="1" sz="half"/>
+          </p:nvPr>
+        </p:nvSpPr>
+        <p:spPr/>
+        <p:txBody>
+          <a:bodyPr/>
+          <a:lstStyle/>
+          <a:p>
+            <a:pPr lvl="0" indent="0" marL="0">
+              <a:buNone/>
+            </a:pPr>
+            <a:br/>
+            <a:r>
+              <a:rPr/>
+              <a:t>Surgery to remove the esophageal tumor will lead to a tendency for reflux.</a:t>
+            </a:r>
+          </a:p>
+          <a:p>
+            <a:pPr lvl="0" indent="0" marL="0">
+              <a:buNone/>
+            </a:pPr>
+            <a:r>
+              <a:rPr/>
+              <a:t>The most helpful strategy is a 30 degree wedge pillow. T</a:t>
+            </a:r>
+          </a:p>
+          <a:p>
+            <a:pPr lvl="0" indent="0" marL="0">
+              <a:buNone/>
+            </a:pPr>
+            <a:r>
+              <a:rPr/>
+              <a:t>his should be half as high as it is long.</a:t>
+            </a:r>
+          </a:p>
+          <a:p>
+            <a:pPr lvl="0" indent="0" marL="0">
+              <a:buNone/>
+            </a:pPr>
+            <a:r>
+              <a:rPr/>
+              <a:t>Available at Walmart.com</a:t>
+            </a:r>
+          </a:p>
+        </p:txBody>
+      </p:sp>
+      <p:pic>
+        <p:nvPicPr>
+          <p:cNvPr descr="https://deidt7p41jzcy.cloudfront.net/wedge_pillow_comm.jpg" id="0" name="Picture 1"/>
+          <p:cNvPicPr>
+            <a:picLocks noGrp="1" noChangeAspect="1"/>
+          </p:cNvPicPr>
+          <p:nvPr/>
+        </p:nvPicPr>
+        <p:blipFill>
+          <a:blip r:embed="rId2"/>
+          <a:stretch>
+            <a:fillRect/>
+          </a:stretch>
+        </p:blipFill>
+        <p:spPr bwMode="auto">
+          <a:xfrm>
+            <a:off x="4978400" y="1193800"/>
+            <a:ext cx="3390900" cy="3390900"/>
+          </a:xfrm>
+          <a:prstGeom prst="rect">
+            <a:avLst/>
+          </a:prstGeom>
+          <a:noFill/>
+          <a:ln w="9525">
+            <a:noFill/>
+            <a:headEnd/>
+            <a:tailEnd/>
+          </a:ln>
+        </p:spPr>
+      </p:pic>
+    </p:spTree>
+  </p:cSld>
+</p:sld>
+</file>
+
+<file path=ppt/slides/slide78.xml><?xml version="1.0" encoding="utf-8"?>
+<p:sld xmlns:a="http://schemas.openxmlformats.org/drawingml/2006/main" xmlns:r="http://schemas.openxmlformats.org/officeDocument/2006/relationships" xmlns:p="http://schemas.openxmlformats.org/presentationml/2006/main">
+  <p:cSld>
+    <p:spTree>
+      <p:nvGrpSpPr>
+        <p:cNvPr id="1" name=""/>
+        <p:cNvGrpSpPr/>
+        <p:nvPr/>
+      </p:nvGrpSpPr>
+      <p:grpSpPr>
+        <a:xfrm>
+          <a:off x="0" y="0"/>
+          <a:ext cx="0" cy="0"/>
+          <a:chOff x="0" y="0"/>
+          <a:chExt cx="0" cy="0"/>
+        </a:xfrm>
+      </p:grpSpPr>
+      <p:sp>
+        <p:nvSpPr>
+          <p:cNvPr id="2" name="Title 1"/>
+          <p:cNvSpPr>
+            <a:spLocks noGrp="1"/>
+          </p:cNvSpPr>
+          <p:nvPr>
+            <p:ph type="title"/>
+          </p:nvPr>
+        </p:nvSpPr>
+        <p:spPr/>
+        <p:txBody>
+          <a:bodyPr/>
+          <a:lstStyle/>
+          <a:p>
+            <a:pPr lvl="0" indent="0" marL="0">
+              <a:buNone/>
+            </a:pPr>
+            <a:r>
+              <a:rPr/>
+              <a:t>Postoperative Visit</a:t>
+            </a:r>
+          </a:p>
+        </p:txBody>
+      </p:sp>
+      <p:sp>
+        <p:nvSpPr>
+          <p:cNvPr id="3" name="Content Placeholder 2"/>
+          <p:cNvSpPr>
+            <a:spLocks noGrp="1"/>
+          </p:cNvSpPr>
+          <p:nvPr>
+            <p:ph idx="1"/>
+          </p:nvPr>
+        </p:nvSpPr>
+        <p:spPr/>
+        <p:txBody>
+          <a:bodyPr/>
+          <a:lstStyle/>
+          <a:p>
+            <a:pPr lvl="0" indent="0" marL="0">
+              <a:buNone/>
+            </a:pPr>
+            <a:r>
+              <a:rPr/>
+              <a:t>Check surgical site</a:t>
+            </a:r>
+          </a:p>
+          <a:p>
+            <a:pPr lvl="0"/>
+            <a:r>
+              <a:rPr/>
+              <a:t>Remove staples (if needed)</a:t>
+            </a:r>
+          </a:p>
+          <a:p>
+            <a:pPr lvl="0" indent="0" marL="0">
+              <a:buNone/>
+            </a:pPr>
+            <a:r>
+              <a:rPr/>
+              <a:t>Adjust medicines as needed</a:t>
+            </a:r>
+          </a:p>
+          <a:p>
+            <a:pPr lvl="0"/>
+            <a:r>
+              <a:rPr/>
+              <a:t>Insulin (for diabetic patients on insulin)</a:t>
+            </a:r>
+          </a:p>
+          <a:p>
+            <a:pPr lvl="0"/>
+            <a:r>
+              <a:rPr/>
+              <a:t>Reduce beta blocker medicines</a:t>
+            </a:r>
+          </a:p>
+          <a:p>
+            <a:pPr lvl="0" indent="0" marL="0">
+              <a:buNone/>
+            </a:pPr>
+            <a:r>
+              <a:rPr/>
+              <a:t>Advance diet</a:t>
+            </a:r>
+          </a:p>
+          <a:p>
+            <a:pPr lvl="0" indent="0" marL="0">
+              <a:buNone/>
+            </a:pPr>
+            <a:r>
+              <a:rPr/>
+              <a:t>Reduce tube feeds</a:t>
+            </a:r>
+          </a:p>
+        </p:txBody>
+      </p:sp>
+    </p:spTree>
+  </p:cSld>
+</p:sld>
+</file>
+
+<file path=ppt/slides/slide79.xml><?xml version="1.0" encoding="utf-8"?>
+<p:sld xmlns:a="http://schemas.openxmlformats.org/drawingml/2006/main" xmlns:r="http://schemas.openxmlformats.org/officeDocument/2006/relationships" xmlns:p="http://schemas.openxmlformats.org/presentationml/2006/main">
+  <p:cSld>
+    <p:spTree>
+      <p:nvGrpSpPr>
+        <p:cNvPr id="1" name=""/>
+        <p:cNvGrpSpPr/>
+        <p:nvPr/>
+      </p:nvGrpSpPr>
+      <p:grpSpPr>
+        <a:xfrm>
+          <a:off x="0" y="0"/>
+          <a:ext cx="0" cy="0"/>
+          <a:chOff x="0" y="0"/>
+          <a:chExt cx="0" cy="0"/>
+        </a:xfrm>
+      </p:grpSpPr>
+      <p:sp>
+        <p:nvSpPr>
+          <p:cNvPr id="2" name="Title 1"/>
+          <p:cNvSpPr>
+            <a:spLocks noGrp="1"/>
+          </p:cNvSpPr>
+          <p:nvPr>
+            <p:ph type="title"/>
+          </p:nvPr>
+        </p:nvSpPr>
+        <p:spPr/>
+        <p:txBody>
+          <a:bodyPr/>
+          <a:lstStyle/>
+          <a:p>
+            <a:pPr lvl="0" indent="0" marL="0">
+              <a:buNone/>
+            </a:pPr>
+            <a:r>
+              <a:rPr/>
+              <a:t>After surgery</a:t>
+            </a:r>
+          </a:p>
+        </p:txBody>
+      </p:sp>
+      <p:sp>
+        <p:nvSpPr>
+          <p:cNvPr id="3" name="Content Placeholder 2"/>
+          <p:cNvSpPr>
+            <a:spLocks noGrp="1"/>
+          </p:cNvSpPr>
+          <p:nvPr>
+            <p:ph idx="1"/>
+          </p:nvPr>
+        </p:nvSpPr>
+        <p:spPr/>
+        <p:txBody>
+          <a:bodyPr/>
+          <a:lstStyle/>
+          <a:p>
+            <a:pPr lvl="0" indent="0" marL="0">
+              <a:buNone/>
+            </a:pPr>
+            <a:r>
+              <a:rPr/>
+              <a:t>Wean off medicines added after surgery</a:t>
+            </a:r>
+          </a:p>
+          <a:p>
+            <a:pPr lvl="0"/>
+            <a:r>
+              <a:rPr/>
+              <a:t>Pain medicines</a:t>
+            </a:r>
+          </a:p>
+          <a:p>
+            <a:pPr lvl="0"/>
+            <a:r>
+              <a:rPr/>
+              <a:t>Beta-blockers</a:t>
+            </a:r>
+          </a:p>
+          <a:p>
+            <a:pPr lvl="0"/>
+            <a:r>
+              <a:rPr/>
+              <a:t>Reglan</a:t>
+            </a:r>
+          </a:p>
+          <a:p>
+            <a:pPr lvl="0"/>
+            <a:r>
+              <a:rPr/>
+              <a:t>Remeron</a:t>
+            </a:r>
+          </a:p>
+          <a:p>
+            <a:pPr lvl="0" indent="0" marL="0">
+              <a:buNone/>
+            </a:pPr>
+            <a:r>
+              <a:rPr/>
+              <a:t>Continue acid blockers for at least 1 year</a:t>
+            </a:r>
+          </a:p>
+          <a:p>
+            <a:pPr lvl="0" indent="0" marL="0">
+              <a:buNone/>
+            </a:pPr>
+            <a:r>
+              <a:rPr/>
+              <a:t>May need additional systemic therapy afterwards</a:t>
+            </a:r>
+          </a:p>
+          <a:p>
+            <a:pPr lvl="0"/>
+            <a:r>
+              <a:rPr/>
+              <a:t>Chemotherapy</a:t>
+            </a:r>
+          </a:p>
+          <a:p>
+            <a:pPr lvl="0"/>
+            <a:r>
+              <a:rPr/>
+              <a:t>Immunotherapy (Optive = nivolumab)</a:t>
+            </a:r>
+          </a:p>
+        </p:txBody>
+      </p:sp>
+    </p:spTree>
+  </p:cSld>
+</p:sld>
+</file>
+
 <file path=ppt/slides/slide8.xml><?xml version="1.0" encoding="utf-8"?>
 <p:sld xmlns:a="http://schemas.openxmlformats.org/drawingml/2006/main" xmlns:r="http://schemas.openxmlformats.org/officeDocument/2006/relationships" xmlns:p="http://schemas.openxmlformats.org/presentationml/2006/main">
   <p:cSld>
@@ -10339,6 +11709,162 @@
           </a:ln>
         </p:spPr>
       </p:pic>
+    </p:spTree>
+  </p:cSld>
+</p:sld>
+</file>
+
+<file path=ppt/slides/slide80.xml><?xml version="1.0" encoding="utf-8"?>
+<p:sld xmlns:a="http://schemas.openxmlformats.org/drawingml/2006/main" xmlns:r="http://schemas.openxmlformats.org/officeDocument/2006/relationships" xmlns:p="http://schemas.openxmlformats.org/presentationml/2006/main">
+  <p:cSld>
+    <p:spTree>
+      <p:nvGrpSpPr>
+        <p:cNvPr id="1" name=""/>
+        <p:cNvGrpSpPr/>
+        <p:nvPr/>
+      </p:nvGrpSpPr>
+      <p:grpSpPr>
+        <a:xfrm>
+          <a:off x="0" y="0"/>
+          <a:ext cx="0" cy="0"/>
+          <a:chOff x="0" y="0"/>
+          <a:chExt cx="0" cy="0"/>
+        </a:xfrm>
+      </p:grpSpPr>
+      <p:sp>
+        <p:nvSpPr>
+          <p:cNvPr id="2" name="Title 1"/>
+          <p:cNvSpPr>
+            <a:spLocks noGrp="1"/>
+          </p:cNvSpPr>
+          <p:nvPr>
+            <p:ph type="title"/>
+          </p:nvPr>
+        </p:nvSpPr>
+        <p:spPr/>
+        <p:txBody>
+          <a:bodyPr/>
+          <a:lstStyle/>
+          <a:p>
+            <a:pPr lvl="0" indent="0" marL="0">
+              <a:buNone/>
+            </a:pPr>
+            <a:r>
+              <a:rPr/>
+              <a:t>Team Members</a:t>
+            </a:r>
+          </a:p>
+        </p:txBody>
+      </p:sp>
+      <p:sp>
+        <p:nvSpPr>
+          <p:cNvPr id="3" name="Content Placeholder 2"/>
+          <p:cNvSpPr>
+            <a:spLocks noGrp="1"/>
+          </p:cNvSpPr>
+          <p:nvPr>
+            <p:ph idx="1"/>
+          </p:nvPr>
+        </p:nvSpPr>
+        <p:spPr/>
+        <p:txBody>
+          <a:bodyPr/>
+          <a:lstStyle/>
+          <a:p>
+            <a:pPr lvl="0" indent="0" marL="0">
+              <a:buNone/>
+            </a:pPr>
+            <a:r>
+              <a:rPr/>
+              <a:t>Primary Care Provider</a:t>
+            </a:r>
+          </a:p>
+          <a:p>
+            <a:pPr lvl="0" indent="0" marL="0">
+              <a:buNone/>
+            </a:pPr>
+            <a:r>
+              <a:rPr/>
+              <a:t>Gastroenterologist</a:t>
+            </a:r>
+          </a:p>
+          <a:p>
+            <a:pPr lvl="0" indent="0" marL="0">
+              <a:buNone/>
+            </a:pPr>
+            <a:r>
+              <a:rPr/>
+              <a:t>Medical Oncologist (chemotherapy)</a:t>
+            </a:r>
+          </a:p>
+          <a:p>
+            <a:pPr lvl="0" indent="0" marL="0">
+              <a:buNone/>
+            </a:pPr>
+            <a:r>
+              <a:rPr/>
+              <a:t>Radiation Oncologist (radiation)</a:t>
+            </a:r>
+          </a:p>
+          <a:p>
+            <a:pPr lvl="0" indent="0" marL="0">
+              <a:buNone/>
+            </a:pPr>
+            <a:r>
+              <a:rPr/>
+              <a:t>Surgeons</a:t>
+            </a:r>
+          </a:p>
+          <a:p>
+            <a:pPr lvl="0"/>
+            <a:r>
+              <a:rPr/>
+              <a:t>Jonathan Salo</a:t>
+            </a:r>
+          </a:p>
+          <a:p>
+            <a:pPr lvl="0"/>
+            <a:r>
+              <a:rPr/>
+              <a:t>Jeffrey Hagen</a:t>
+            </a:r>
+          </a:p>
+          <a:p>
+            <a:pPr lvl="0"/>
+            <a:r>
+              <a:rPr/>
+              <a:t>Michael Roach</a:t>
+            </a:r>
+          </a:p>
+          <a:p>
+            <a:pPr lvl="0" indent="0" marL="0">
+              <a:buNone/>
+            </a:pPr>
+            <a:r>
+              <a:rPr/>
+              <a:t>Dietitian - Liz Koch</a:t>
+            </a:r>
+          </a:p>
+          <a:p>
+            <a:pPr lvl="0" indent="0" marL="0">
+              <a:buNone/>
+            </a:pPr>
+            <a:r>
+              <a:rPr/>
+              <a:t>Nurses - Brandon Galloway &amp; Kit Sluder</a:t>
+            </a:r>
+          </a:p>
+          <a:p>
+            <a:pPr lvl="0" indent="0" marL="0">
+              <a:buNone/>
+            </a:pPr>
+            <a:r>
+              <a:rPr/>
+              <a:t>Schedulers - Stacey Singleton &amp; Toney Bethea</a:t>
+            </a:r>
+          </a:p>
+        </p:txBody>
+      </p:sp>
     </p:spTree>
   </p:cSld>
 </p:sld>

--- a/lci_surgery.pptx
+++ b/lci_surgery.pptx
@@ -65,26 +65,6 @@
     <p:sldId id="313" r:id="rId59"/>
     <p:sldId id="314" r:id="rId60"/>
     <p:sldId id="315" r:id="rId61"/>
-    <p:sldId id="316" r:id="rId62"/>
-    <p:sldId id="317" r:id="rId63"/>
-    <p:sldId id="318" r:id="rId64"/>
-    <p:sldId id="319" r:id="rId65"/>
-    <p:sldId id="320" r:id="rId66"/>
-    <p:sldId id="321" r:id="rId67"/>
-    <p:sldId id="322" r:id="rId68"/>
-    <p:sldId id="323" r:id="rId69"/>
-    <p:sldId id="324" r:id="rId70"/>
-    <p:sldId id="325" r:id="rId71"/>
-    <p:sldId id="326" r:id="rId72"/>
-    <p:sldId id="327" r:id="rId73"/>
-    <p:sldId id="328" r:id="rId74"/>
-    <p:sldId id="329" r:id="rId75"/>
-    <p:sldId id="330" r:id="rId76"/>
-    <p:sldId id="331" r:id="rId77"/>
-    <p:sldId id="332" r:id="rId78"/>
-    <p:sldId id="333" r:id="rId79"/>
-    <p:sldId id="334" r:id="rId80"/>
-    <p:sldId id="335" r:id="rId81"/>
   </p:sldIdLst>
   <p:sldSz cx="9144000" cy="5143500" type="screen16x9"/>
   <p:notesSz cx="6858000" cy="9144000"/>
@@ -5379,7 +5359,7 @@
             </a:pPr>
             <a:r>
               <a:rPr/>
-              <a:t>Day Prior to Surgery</a:t>
+              <a:t>Preparing for Cancer Treatment</a:t>
             </a:r>
           </a:p>
         </p:txBody>
@@ -5402,21 +5382,28 @@
             <a:pPr lvl="0"/>
             <a:r>
               <a:rPr/>
-              <a:t>Clear liquids for 24 hours prior to surgery</a:t>
-            </a:r>
-          </a:p>
-          <a:p>
-            <a:pPr lvl="0"/>
-            <a:r>
-              <a:rPr/>
-              <a:t>Check with Pre-op nurse regarding medicines day prior to surgery</a:t>
-            </a:r>
-          </a:p>
-          <a:p>
-            <a:pPr lvl="0"/>
-            <a:r>
-              <a:rPr/>
-              <a:t>No tube feedings the night before surgery</a:t>
+              <a:t>Primary Care Physician</a:t>
+            </a:r>
+          </a:p>
+          <a:p>
+            <a:pPr lvl="0"/>
+            <a:r>
+              <a:rPr/>
+              <a:t>MyAtrium Portal</a:t>
+            </a:r>
+          </a:p>
+          <a:p>
+            <a:pPr lvl="0"/>
+            <a:r>
+              <a:rPr/>
+              <a:t>Exercise</a:t>
+            </a:r>
+          </a:p>
+          <a:p>
+            <a:pPr lvl="0"/>
+            <a:r>
+              <a:rPr/>
+              <a:t>Smoking Cessation</a:t>
             </a:r>
           </a:p>
         </p:txBody>
@@ -5463,7 +5450,7 @@
             </a:pPr>
             <a:r>
               <a:rPr/>
-              <a:t>Day of Surgery</a:t>
+              <a:t>Primary Care Practitioner (PCP)</a:t>
             </a:r>
           </a:p>
         </p:txBody>
@@ -5483,38 +5470,30 @@
           <a:bodyPr/>
           <a:lstStyle/>
           <a:p>
-            <a:pPr lvl="0"/>
-            <a:r>
-              <a:rPr/>
-              <a:t>Arrive at 5am – nothing to eat or drink after midnight.</a:t>
-            </a:r>
-          </a:p>
-          <a:p>
-            <a:pPr lvl="0"/>
-            <a:r>
-              <a:rPr/>
-              <a:t>OK to take medicines with a sip of water (or coffee) but no cream.</a:t>
-            </a:r>
-          </a:p>
-          <a:p>
-            <a:pPr lvl="0"/>
-            <a:r>
-              <a:rPr/>
-              <a:t>Surgery will be cancelled if you have cream or milk in the morning.</a:t>
-            </a:r>
-          </a:p>
-          <a:p>
-            <a:pPr lvl="0"/>
-            <a:r>
-              <a:rPr/>
-              <a:t>Waiting room for family and friends on 5th floor</a:t>
-            </a:r>
-          </a:p>
-          <a:p>
-            <a:pPr lvl="0"/>
-            <a:r>
-              <a:rPr/>
-              <a:t>Post-operative care in STICU (11th floor)</a:t>
+            <a:pPr lvl="0" indent="0" marL="0">
+              <a:buNone/>
+            </a:pPr>
+            <a:r>
+              <a:rPr/>
+              <a:t>A PCP is critical to coordinate care between specialists.</a:t>
+            </a:r>
+          </a:p>
+          <a:p>
+            <a:pPr lvl="0" indent="0" marL="0">
+              <a:buNone/>
+            </a:pPr>
+            <a:r>
+              <a:rPr/>
+              <a:t>We will update your PCP after each visit</a:t>
+            </a:r>
+          </a:p>
+          <a:p>
+            <a:pPr lvl="0" indent="0" marL="0">
+              <a:buNone/>
+            </a:pPr>
+            <a:r>
+              <a:rPr/>
+              <a:t>If you do not have a PCP, call our referral line at (844) 235-6998</a:t>
             </a:r>
           </a:p>
         </p:txBody>
@@ -5561,8 +5540,9 @@
             </a:pPr>
             <a:r>
               <a:rPr/>
-              <a:t>Anesthesia</a:t>
-            </a:r>
+              <a:t>My Atrium Patient Portal</a:t>
+            </a:r>
+            <a:br/>
           </a:p>
         </p:txBody>
       </p:sp>
@@ -5584,37 +5564,27 @@
             <a:pPr lvl="0" indent="0" marL="0">
               <a:buNone/>
             </a:pPr>
-            <a:r>
-              <a:rPr/>
-              <a:t>Epidural catheter for pain control</a:t>
-            </a:r>
-          </a:p>
-          <a:p>
-            <a:pPr lvl="0"/>
-            <a:r>
-              <a:rPr/>
-              <a:t>Remains in place for 2-5 days</a:t>
-            </a:r>
-          </a:p>
-          <a:p>
-            <a:pPr lvl="0"/>
-            <a:r>
-              <a:rPr/>
-              <a:t>Dose can be adjusted as needed</a:t>
-            </a:r>
-          </a:p>
-          <a:p>
-            <a:pPr lvl="0"/>
-            <a:r>
-              <a:rPr/>
-              <a:t>Can make it more difficult to empty the bladder</a:t>
-            </a:r>
-          </a:p>
-          <a:p>
-            <a:pPr lvl="0"/>
-            <a:r>
-              <a:rPr/>
-              <a:t>May require foley (bladder) catheter to stay in place until epidural</a:t>
+            <a:br/>
+          </a:p>
+          <a:p>
+            <a:pPr lvl="0"/>
+            <a:r>
+              <a:rPr/>
+              <a:t>Critical to good communication with your cancer care team</a:t>
+            </a:r>
+          </a:p>
+          <a:p>
+            <a:pPr lvl="0"/>
+            <a:r>
+              <a:rPr/>
+              <a:t>Available for desktop or laptop or phone</a:t>
+            </a:r>
+          </a:p>
+          <a:p>
+            <a:pPr lvl="0"/>
+            <a:r>
+              <a:rPr/>
+              <a:t>Sign up at my.atriumhealth.org</a:t>
             </a:r>
           </a:p>
         </p:txBody>
@@ -5661,7 +5631,7 @@
             </a:pPr>
             <a:r>
               <a:rPr/>
-              <a:t>Intensive Care Unit (1-2 days)</a:t>
+              <a:t>Exercise</a:t>
             </a:r>
           </a:p>
         </p:txBody>
@@ -5681,40 +5651,38 @@
           <a:bodyPr/>
           <a:lstStyle/>
           <a:p>
-            <a:pPr lvl="0" indent="0" marL="0">
-              <a:buNone/>
-            </a:pPr>
-            <a:r>
-              <a:rPr/>
-              <a:t>Multiple lines and tubes:</a:t>
-            </a:r>
-          </a:p>
-          <a:p>
-            <a:pPr lvl="0"/>
-            <a:r>
-              <a:rPr/>
-              <a:t>NG tube in nose (stays in 2-7 days)</a:t>
-            </a:r>
-          </a:p>
-          <a:p>
-            <a:pPr lvl="0"/>
-            <a:r>
-              <a:rPr/>
-              <a:t>Catheter in bladder (2-5 days)</a:t>
-            </a:r>
-          </a:p>
-          <a:p>
-            <a:pPr lvl="0"/>
-            <a:r>
-              <a:rPr/>
-              <a:t>Chest tube right chest (2-4 days)</a:t>
-            </a:r>
-          </a:p>
-          <a:p>
-            <a:pPr lvl="0"/>
-            <a:r>
-              <a:rPr/>
-              <a:t>Abdominal drains (2 or 3)</a:t>
+            <a:pPr lvl="0"/>
+            <a:r>
+              <a:rPr/>
+              <a:t>Important to reduce the risk of complications from cancer treatment</a:t>
+            </a:r>
+          </a:p>
+          <a:p>
+            <a:pPr lvl="0"/>
+            <a:r>
+              <a:rPr/>
+              <a:t>Goal is 30min/day of vigorous exercise 6 days/week</a:t>
+            </a:r>
+          </a:p>
+          <a:p>
+            <a:pPr lvl="1"/>
+            <a:r>
+              <a:rPr/>
+              <a:t>Working hard enough that you can’t carry a conversation</a:t>
+            </a:r>
+          </a:p>
+          <a:p>
+            <a:pPr lvl="1"/>
+            <a:r>
+              <a:rPr/>
+              <a:t>Start slow an build up</a:t>
+            </a:r>
+          </a:p>
+          <a:p>
+            <a:pPr lvl="1"/>
+            <a:r>
+              <a:rPr/>
+              <a:t>Every day counts! (Aim for some activity every day)</a:t>
             </a:r>
           </a:p>
         </p:txBody>
@@ -5761,7 +5729,7 @@
             </a:pPr>
             <a:r>
               <a:rPr/>
-              <a:t>ICU</a:t>
+              <a:t>Smoking Cessation</a:t>
             </a:r>
           </a:p>
         </p:txBody>
@@ -5784,35 +5752,42 @@
             <a:pPr lvl="0"/>
             <a:r>
               <a:rPr/>
-              <a:t>Catheter in bladder removed → make certain the bladder empties properly</a:t>
-            </a:r>
-          </a:p>
-          <a:p>
-            <a:pPr lvl="0"/>
-            <a:r>
-              <a:rPr/>
-              <a:t>Chest tube removed (day 2-4) → follow-up chest x-ray</a:t>
-            </a:r>
-          </a:p>
-          <a:p>
-            <a:pPr lvl="0"/>
-            <a:r>
-              <a:rPr/>
-              <a:t>Fluid emptied from drains every few hours</a:t>
-            </a:r>
-          </a:p>
-          <a:p>
-            <a:pPr lvl="0"/>
-            <a:r>
-              <a:rPr/>
-              <a:t>Start tube feedings by feeding</a:t>
-            </a:r>
-          </a:p>
-          <a:p>
-            <a:pPr lvl="0"/>
-            <a:r>
-              <a:rPr/>
-              <a:t>Feeding jejunostomy (stays in 8 weeks)</a:t>
+              <a:t>Smoking makes it more difficult to get through cancer treatment</a:t>
+            </a:r>
+          </a:p>
+          <a:p>
+            <a:pPr lvl="1"/>
+            <a:r>
+              <a:rPr/>
+              <a:t>Increases risk of complications after surgery</a:t>
+            </a:r>
+          </a:p>
+          <a:p>
+            <a:pPr lvl="0"/>
+            <a:r>
+              <a:rPr/>
+              <a:t>Options for help with smoking cessation:</a:t>
+            </a:r>
+          </a:p>
+          <a:p>
+            <a:pPr lvl="1"/>
+            <a:r>
+              <a:rPr/>
+              <a:t>NC Quit Line 1-800-QUIT-NOW (1-800-784-8669)</a:t>
+            </a:r>
+          </a:p>
+          <a:p>
+            <a:pPr lvl="1"/>
+            <a:r>
+              <a:rPr/>
+              <a:t>American Lung Asssociation fredomfromsmoking.org</a:t>
+            </a:r>
+          </a:p>
+          <a:p>
+            <a:pPr lvl="1"/>
+            <a:r>
+              <a:rPr/>
+              <a:t>1:1 Smoking Cessation Counseling Clinics (Metro Charlotte)</a:t>
             </a:r>
           </a:p>
         </p:txBody>
@@ -5859,7 +5834,7 @@
             </a:pPr>
             <a:r>
               <a:rPr/>
-              <a:t>Feeding Jejunostomy</a:t>
+              <a:t>Day Prior to Surgery</a:t>
             </a:r>
           </a:p>
         </p:txBody>
@@ -5871,66 +5846,36 @@
             <a:spLocks noGrp="1"/>
           </p:cNvSpPr>
           <p:nvPr>
-            <p:ph idx="1" sz="half"/>
-          </p:nvPr>
-        </p:nvSpPr>
-        <p:spPr/>
-        <p:txBody>
-          <a:bodyPr/>
-          <a:lstStyle/>
-          <a:p>
-            <a:pPr lvl="0"/>
-            <a:r>
-              <a:rPr/>
-              <a:t>Feeding tube placed in small intestine</a:t>
-            </a:r>
-          </a:p>
-          <a:p>
-            <a:pPr lvl="0"/>
-            <a:r>
-              <a:rPr/>
-              <a:t>Pump feedings require 16 hours (overnight)</a:t>
-            </a:r>
-          </a:p>
-          <a:p>
-            <a:pPr lvl="0"/>
-            <a:r>
-              <a:rPr/>
-              <a:t>Run from 6pm to 10am</a:t>
-            </a:r>
-          </a:p>
-        </p:txBody>
-      </p:sp>
-      <p:pic>
-        <p:nvPicPr>
-          <p:cNvPr descr="https://deidt7p41jzcy.cloudfront.net/jtubevideo_qr.png" id="0" name="Picture 1"/>
-          <p:cNvPicPr>
-            <a:picLocks noGrp="1" noChangeAspect="1"/>
-          </p:cNvPicPr>
-          <p:nvPr/>
-        </p:nvPicPr>
-        <p:blipFill>
-          <a:blip r:embed="rId2"/>
-          <a:stretch>
-            <a:fillRect/>
-          </a:stretch>
-        </p:blipFill>
-        <p:spPr bwMode="auto">
-          <a:xfrm>
-            <a:off x="4978400" y="1193800"/>
-            <a:ext cx="3390900" cy="3390900"/>
-          </a:xfrm>
-          <a:prstGeom prst="rect">
-            <a:avLst/>
-          </a:prstGeom>
-          <a:noFill/>
-          <a:ln w="9525">
-            <a:noFill/>
-            <a:headEnd/>
-            <a:tailEnd/>
-          </a:ln>
-        </p:spPr>
-      </p:pic>
+            <p:ph idx="1"/>
+          </p:nvPr>
+        </p:nvSpPr>
+        <p:spPr/>
+        <p:txBody>
+          <a:bodyPr/>
+          <a:lstStyle/>
+          <a:p>
+            <a:pPr lvl="0"/>
+            <a:r>
+              <a:rPr/>
+              <a:t>Clear liquids for 24 hours prior to surgery</a:t>
+            </a:r>
+          </a:p>
+          <a:p>
+            <a:pPr lvl="0"/>
+            <a:r>
+              <a:rPr/>
+              <a:t>Check with Pre-op nurse regarding medicines day prior to surgery</a:t>
+            </a:r>
+          </a:p>
+          <a:p>
+            <a:pPr lvl="0"/>
+            <a:r>
+              <a:rPr/>
+              <a:t>No tube feedings the night before surgery</a:t>
+            </a:r>
+          </a:p>
+        </p:txBody>
+      </p:sp>
     </p:spTree>
   </p:cSld>
 </p:sld>
@@ -6087,7 +6032,7 @@
             </a:pPr>
             <a:r>
               <a:rPr/>
-              <a:t>Feeding Jejunostomy - Typical Regimen</a:t>
+              <a:t>Day of Surgery</a:t>
             </a:r>
           </a:p>
         </p:txBody>
@@ -6110,46 +6055,35 @@
             <a:pPr lvl="0"/>
             <a:r>
               <a:rPr/>
-              <a:t>Jejunostomy tube feeds for 16 hours (6pm to 10am)</a:t>
-            </a:r>
-          </a:p>
-          <a:p>
-            <a:pPr lvl="1"/>
-            <a:r>
-              <a:rPr/>
-              <a:t>Men: 75mL/hour x 16 hours = 5 cartons</a:t>
-            </a:r>
-          </a:p>
-          <a:p>
-            <a:pPr lvl="1"/>
-            <a:r>
-              <a:rPr/>
-              <a:t>Women: 60mL/hour x 16 hours = 4 cartons</a:t>
-            </a:r>
-          </a:p>
-          <a:p>
-            <a:pPr lvl="0"/>
-            <a:r>
-              <a:rPr/>
-              <a:t>Water 240ml (8oz) via syringe 4x/day</a:t>
-            </a:r>
-          </a:p>
-          <a:p>
-            <a:pPr lvl="0" indent="0" marL="0">
-              <a:buNone/>
-            </a:pPr>
-            <a:r>
-              <a:rPr/>
-              <a:t>Hospital nurses will teach you how to use the feeding tube pump</a:t>
-            </a:r>
-          </a:p>
-          <a:p>
-            <a:pPr lvl="0" indent="0" marL="0">
-              <a:buNone/>
-            </a:pPr>
-            <a:r>
-              <a:rPr/>
-              <a:t>We want to make sure you can manage the pump before going home</a:t>
+              <a:t>Arrive at 5am – nothing to eat or drink after midnight.</a:t>
+            </a:r>
+          </a:p>
+          <a:p>
+            <a:pPr lvl="0"/>
+            <a:r>
+              <a:rPr/>
+              <a:t>OK to take medicines with a sip of water (or coffee) but no cream.</a:t>
+            </a:r>
+          </a:p>
+          <a:p>
+            <a:pPr lvl="0"/>
+            <a:r>
+              <a:rPr/>
+              <a:t>Surgery will be cancelled if you have cream or milk in the morning.</a:t>
+            </a:r>
+          </a:p>
+          <a:p>
+            <a:pPr lvl="0"/>
+            <a:r>
+              <a:rPr/>
+              <a:t>Waiting room for family and friends on 5th floor</a:t>
+            </a:r>
+          </a:p>
+          <a:p>
+            <a:pPr lvl="0"/>
+            <a:r>
+              <a:rPr/>
+              <a:t>Post-operative care in STICU (11th floor)</a:t>
             </a:r>
           </a:p>
         </p:txBody>
@@ -6196,7 +6130,7 @@
             </a:pPr>
             <a:r>
               <a:rPr/>
-              <a:t>Feeding Jejunostomy - Diabetes</a:t>
+              <a:t>Epidural Catheter for Pain Control</a:t>
             </a:r>
           </a:p>
         </p:txBody>
@@ -6216,49 +6150,38 @@
           <a:bodyPr/>
           <a:lstStyle/>
           <a:p>
-            <a:pPr lvl="0" indent="0" marL="0">
-              <a:buNone/>
-            </a:pPr>
-            <a:r>
-              <a:rPr/>
-              <a:t>Jejunostomy feeding tend to elevate blood sugars: Insulin may be required</a:t>
-            </a:r>
-          </a:p>
-          <a:p>
-            <a:pPr lvl="0" indent="0" marL="0">
-              <a:buNone/>
-            </a:pPr>
-            <a:r>
-              <a:rPr/>
-              <a:t>Typical pattern:</a:t>
-            </a:r>
-          </a:p>
-          <a:p>
-            <a:pPr lvl="0"/>
-            <a:r>
-              <a:rPr/>
-              <a:t>Jejunostomy feeds 6pm to 10am</a:t>
-            </a:r>
-          </a:p>
-          <a:p>
-            <a:pPr lvl="0"/>
-            <a:r>
-              <a:rPr/>
-              <a:t>Insulin at 6pm (70/30)</a:t>
-            </a:r>
-          </a:p>
-          <a:p>
-            <a:pPr lvl="0"/>
-            <a:r>
-              <a:rPr/>
-              <a:t>Insulin at MN (70/30)</a:t>
-            </a:r>
-          </a:p>
-          <a:p>
-            <a:pPr lvl="0"/>
-            <a:r>
-              <a:rPr/>
-              <a:t>No insulin if feedings are not run</a:t>
+            <a:pPr lvl="0"/>
+            <a:r>
+              <a:rPr/>
+              <a:t>Remains in place for 2-5 days</a:t>
+            </a:r>
+          </a:p>
+          <a:p>
+            <a:pPr lvl="0"/>
+            <a:r>
+              <a:rPr/>
+              <a:t>Dosage can be adjusted as needed</a:t>
+            </a:r>
+          </a:p>
+          <a:p>
+            <a:pPr lvl="0"/>
+            <a:r>
+              <a:rPr/>
+              <a:t>Can make it more difficult to urinate</a:t>
+            </a:r>
+          </a:p>
+          <a:p>
+            <a:pPr lvl="0"/>
+            <a:r>
+              <a:rPr/>
+              <a:t>May require foley catheter in bladder</a:t>
+            </a:r>
+          </a:p>
+          <a:p>
+            <a:pPr lvl="0"/>
+            <a:r>
+              <a:rPr/>
+              <a:t>Foley catheter removed after epidural removed</a:t>
             </a:r>
           </a:p>
         </p:txBody>
@@ -6305,7 +6228,7 @@
             </a:pPr>
             <a:r>
               <a:rPr/>
-              <a:t>Activity</a:t>
+              <a:t>ICU Stay (2-4 days)</a:t>
             </a:r>
           </a:p>
         </p:txBody>
@@ -6328,35 +6251,35 @@
             <a:pPr lvl="0"/>
             <a:r>
               <a:rPr/>
-              <a:t>Up in chair most of the day</a:t>
-            </a:r>
-          </a:p>
-          <a:p>
-            <a:pPr lvl="0"/>
-            <a:r>
-              <a:rPr/>
-              <a:t>Walking in hallway with help from nurse/Physical Therapist</a:t>
-            </a:r>
-          </a:p>
-          <a:p>
-            <a:pPr lvl="0"/>
-            <a:r>
-              <a:rPr/>
-              <a:t>Goals:</a:t>
-            </a:r>
-          </a:p>
-          <a:p>
-            <a:pPr lvl="1"/>
-            <a:r>
-              <a:rPr/>
-              <a:t>Improve lung function</a:t>
-            </a:r>
-          </a:p>
-          <a:p>
-            <a:pPr lvl="1"/>
-            <a:r>
-              <a:rPr/>
-              <a:t>Prevent muscle loss</a:t>
+              <a:t>NG tube in nose to drain stomach and esophagus</a:t>
+            </a:r>
+          </a:p>
+          <a:p>
+            <a:pPr lvl="0"/>
+            <a:r>
+              <a:rPr/>
+              <a:t>Catheter in bladder</a:t>
+            </a:r>
+          </a:p>
+          <a:p>
+            <a:pPr lvl="0"/>
+            <a:r>
+              <a:rPr/>
+              <a:t>Chest tube right chest</a:t>
+            </a:r>
+          </a:p>
+          <a:p>
+            <a:pPr lvl="0"/>
+            <a:r>
+              <a:rPr/>
+              <a:t>Abdominal drains (usually 2)</a:t>
+            </a:r>
+          </a:p>
+          <a:p>
+            <a:pPr lvl="0"/>
+            <a:r>
+              <a:rPr/>
+              <a:t>Feeding jejunostomy (usually stays in 8 wks)</a:t>
             </a:r>
           </a:p>
         </p:txBody>
@@ -6403,7 +6326,7 @@
             </a:pPr>
             <a:r>
               <a:rPr/>
-              <a:t>Nasogastric Tube (NG)</a:t>
+              <a:t>ICU</a:t>
             </a:r>
           </a:p>
         </p:txBody>
@@ -6423,21 +6346,38 @@
           <a:bodyPr/>
           <a:lstStyle/>
           <a:p>
-            <a:pPr lvl="0" indent="0" marL="0">
-              <a:buNone/>
-            </a:pPr>
-            <a:r>
-              <a:rPr/>
-              <a:t>NG is placed trough the nose into the stomach to remove fluid from the stomach and allow healing.</a:t>
-            </a:r>
-          </a:p>
-          <a:p>
-            <a:pPr lvl="0" indent="0" marL="0">
-              <a:buNone/>
-            </a:pPr>
-            <a:r>
-              <a:rPr/>
-              <a:t>NG tube is removed after confirmation by x-ray that the stomach is starting to empty properly</a:t>
+            <a:pPr lvl="0"/>
+            <a:r>
+              <a:rPr/>
+              <a:t>Catheter in bladder removed → make certain the bladder empties properly</a:t>
+            </a:r>
+          </a:p>
+          <a:p>
+            <a:pPr lvl="0"/>
+            <a:r>
+              <a:rPr/>
+              <a:t>Chest tube removed (day 2-4) → follow-up chest x-ray</a:t>
+            </a:r>
+          </a:p>
+          <a:p>
+            <a:pPr lvl="0"/>
+            <a:r>
+              <a:rPr/>
+              <a:t>Fluid emptied from drains every few hours</a:t>
+            </a:r>
+          </a:p>
+          <a:p>
+            <a:pPr lvl="0"/>
+            <a:r>
+              <a:rPr/>
+              <a:t>Start tube feedings by feeding</a:t>
+            </a:r>
+          </a:p>
+          <a:p>
+            <a:pPr lvl="0"/>
+            <a:r>
+              <a:rPr/>
+              <a:t>Feeding jejunostomy (stays in 8 weeks)</a:t>
             </a:r>
           </a:p>
         </p:txBody>
@@ -6484,7 +6424,7 @@
             </a:pPr>
             <a:r>
               <a:rPr/>
-              <a:t>Nasogastric Tube (NG)</a:t>
+              <a:t>Ward - 6Tower</a:t>
             </a:r>
           </a:p>
         </p:txBody>
@@ -6504,33 +6444,52 @@
           <a:bodyPr/>
           <a:lstStyle/>
           <a:p>
-            <a:pPr lvl="0" indent="0" marL="0">
-              <a:buNone/>
-            </a:pPr>
-            <a:r>
-              <a:rPr/>
-              <a:t>X-ray on the 2nd to 4th day after surgery</a:t>
-            </a:r>
-          </a:p>
-          <a:p>
-            <a:pPr lvl="0"/>
-            <a:r>
-              <a:rPr/>
-              <a:t>Will require standing up for 5-10 minutes</a:t>
-            </a:r>
-          </a:p>
-          <a:p>
-            <a:pPr lvl="0"/>
-            <a:r>
-              <a:rPr/>
-              <a:t>Dye is injected into the NG tube</a:t>
-            </a:r>
-          </a:p>
-          <a:p>
-            <a:pPr lvl="0"/>
-            <a:r>
-              <a:rPr/>
-              <a:t>If stomach empties, NG tube is removed</a:t>
+            <a:pPr lvl="0"/>
+            <a:r>
+              <a:rPr/>
+              <a:t>Jejunostomy feeds started</a:t>
+            </a:r>
+          </a:p>
+          <a:p>
+            <a:pPr lvl="1"/>
+            <a:r>
+              <a:rPr/>
+              <a:t>Nurses will instruct you and family how to operate the pump</a:t>
+            </a:r>
+          </a:p>
+          <a:p>
+            <a:pPr lvl="0"/>
+            <a:r>
+              <a:rPr/>
+              <a:t>Up in a chair most of the day</a:t>
+            </a:r>
+          </a:p>
+          <a:p>
+            <a:pPr lvl="0"/>
+            <a:r>
+              <a:rPr/>
+              <a:t>Walking in the halls</a:t>
+            </a:r>
+          </a:p>
+          <a:p>
+            <a:pPr lvl="1"/>
+            <a:r>
+              <a:rPr/>
+              <a:t>Start with assistance</a:t>
+            </a:r>
+          </a:p>
+          <a:p>
+            <a:pPr lvl="1"/>
+            <a:r>
+              <a:rPr/>
+              <a:t>Improves lung function</a:t>
+            </a:r>
+          </a:p>
+          <a:p>
+            <a:pPr lvl="1"/>
+            <a:r>
+              <a:rPr/>
+              <a:t>Prevents loss of muscle</a:t>
             </a:r>
           </a:p>
         </p:txBody>
@@ -6577,77 +6536,73 @@
             </a:pPr>
             <a:r>
               <a:rPr/>
-              <a:t>Modified Barium Swallow</a:t>
-            </a:r>
-          </a:p>
-        </p:txBody>
-      </p:sp>
-      <mc:AlternateContent xmlns:mc="http://schemas.openxmlformats.org/markup-compatibility/2006">
-        <mc:Choice xmlns:a14="http://schemas.microsoft.com/office/drawing/2010/main" Requires="a14">
-          <p:sp>
-            <p:nvSpPr>
-              <p:cNvPr id="3" name="Content Placeholder 2"/>
-              <p:cNvSpPr>
-                <a:spLocks noGrp="1"/>
-              </p:cNvSpPr>
-              <p:nvPr>
-                <p:ph idx="1"/>
-              </p:nvPr>
-            </p:nvSpPr>
-            <p:spPr/>
-            <p:txBody>
-              <a:bodyPr/>
-              <a:lstStyle/>
-              <a:p>
-                <a:pPr lvl="0" indent="0" marL="0">
-                  <a:buNone/>
-                </a:pPr>
-                <a:r>
-                  <a:rPr/>
-                  <a:t>Tests whether swallowing muscles are working properly</a:t>
-                </a:r>
-              </a:p>
-              <a:p>
-                <a:pPr lvl="0"/>
-                <a:r>
-                  <a:rPr/>
-                  <a:t>Performed after nasogastric (NG) tube removed</a:t>
-                </a:r>
-              </a:p>
-              <a:p>
-                <a:pPr lvl="0"/>
-                <a:r>
-                  <a:rPr/>
-                  <a:t>Drink a white chalky liquids in while x-rays are taken</a:t>
-                </a:r>
-              </a:p>
-              <a:p>
-                <a:pPr lvl="0" indent="0" marL="0">
-                  <a:buNone/>
-                </a:pPr>
-                <a:r>
-                  <a:rPr/>
-                  <a:t>70% have good swallowing function </a:t>
-                </a:r>
-                <a14:m>
-                  <m:oMath xmlns:m="http://schemas.openxmlformats.org/officeDocument/2006/math">
-                    <m:r>
-                      <m:rPr>
-                        <m:sty m:val="p"/>
-                      </m:rPr>
-                      <m:t>→</m:t>
-                    </m:r>
-                  </m:oMath>
-                </a14:m>
-                <a:r>
-                  <a:rPr/>
-                  <a:t> 1oz of water every hour</a:t>
-                </a:r>
-              </a:p>
-            </p:txBody>
-          </p:sp>
-        </mc:Choice>
-      </mc:AlternateContent>
+              <a:t>Jejunostomy Feeds</a:t>
+            </a:r>
+          </a:p>
+        </p:txBody>
+      </p:sp>
+      <p:sp>
+        <p:nvSpPr>
+          <p:cNvPr id="3" name="Content Placeholder 2"/>
+          <p:cNvSpPr>
+            <a:spLocks noGrp="1"/>
+          </p:cNvSpPr>
+          <p:nvPr>
+            <p:ph idx="1"/>
+          </p:nvPr>
+        </p:nvSpPr>
+        <p:spPr/>
+        <p:txBody>
+          <a:bodyPr/>
+          <a:lstStyle/>
+          <a:p>
+            <a:pPr lvl="0" indent="0" marL="0">
+              <a:buNone/>
+            </a:pPr>
+            <a:r>
+              <a:rPr/>
+              <a:t>Jejunostomy tube feeds</a:t>
+            </a:r>
+          </a:p>
+          <a:p>
+            <a:pPr lvl="0"/>
+            <a:r>
+              <a:rPr/>
+              <a:t>Start continuous (24 hours)</a:t>
+            </a:r>
+          </a:p>
+          <a:p>
+            <a:pPr lvl="0"/>
+            <a:r>
+              <a:rPr/>
+              <a:t>Convert to night-time only (16 hours)</a:t>
+            </a:r>
+          </a:p>
+          <a:p>
+            <a:pPr lvl="0" indent="0" marL="0">
+              <a:buNone/>
+            </a:pPr>
+            <a:r>
+              <a:rPr/>
+              <a:t>Water administered through feeding tube</a:t>
+            </a:r>
+          </a:p>
+          <a:p>
+            <a:pPr lvl="0"/>
+            <a:r>
+              <a:rPr/>
+              <a:t>Usually 8oz 4 times/day</a:t>
+            </a:r>
+          </a:p>
+          <a:p>
+            <a:pPr lvl="0"/>
+            <a:r>
+              <a:rPr/>
+              <a:t>Important to prevent dehydration</a:t>
+            </a:r>
+          </a:p>
+        </p:txBody>
+      </p:sp>
     </p:spTree>
   </p:cSld>
 </p:sld>
@@ -6690,7 +6645,7 @@
             </a:pPr>
             <a:r>
               <a:rPr/>
-              <a:t>Protein Shakes</a:t>
+              <a:t>Feeding Jejunostomy - Typical Regimen</a:t>
             </a:r>
           </a:p>
         </p:txBody>
@@ -6710,26 +6665,49 @@
           <a:bodyPr/>
           <a:lstStyle/>
           <a:p>
-            <a:pPr lvl="0" indent="0" marL="0">
-              <a:buNone/>
-            </a:pPr>
-            <a:r>
-              <a:rPr/>
-              <a:t>Most are taking protein shakes when they go home</a:t>
-            </a:r>
-          </a:p>
-          <a:p>
-            <a:pPr lvl="0" indent="0" marL="0">
-              <a:buNone/>
-            </a:pPr>
-            <a:r>
-              <a:rPr/>
-              <a:t>Protein shakes are started after tolerating water</a:t>
-            </a:r>
-            <a:br/>
-            <a:r>
-              <a:rPr/>
-              <a:t>- 2 oz per hour to start - 4 oz per hour if 2oz are tolerated well</a:t>
+            <a:pPr lvl="0"/>
+            <a:r>
+              <a:rPr/>
+              <a:t>Jejunostomy tube feeds for 16 hours (6pm to 10am)</a:t>
+            </a:r>
+          </a:p>
+          <a:p>
+            <a:pPr lvl="1"/>
+            <a:r>
+              <a:rPr/>
+              <a:t>Men: 75mL/hour x 16 hours = 5 cartons</a:t>
+            </a:r>
+          </a:p>
+          <a:p>
+            <a:pPr lvl="1"/>
+            <a:r>
+              <a:rPr/>
+              <a:t>Women: 60mL/hour x 16 hours = 4 cartons</a:t>
+            </a:r>
+          </a:p>
+          <a:p>
+            <a:pPr lvl="0"/>
+            <a:r>
+              <a:rPr/>
+              <a:t>Water 240ml (8oz) via syringe 4x/day</a:t>
+            </a:r>
+          </a:p>
+          <a:p>
+            <a:pPr lvl="0" indent="0" marL="0">
+              <a:buNone/>
+            </a:pPr>
+            <a:r>
+              <a:rPr/>
+              <a:t>Hospital nurses will teach you how to use the feeding tube pump</a:t>
+            </a:r>
+          </a:p>
+          <a:p>
+            <a:pPr lvl="0" indent="0" marL="0">
+              <a:buNone/>
+            </a:pPr>
+            <a:r>
+              <a:rPr/>
+              <a:t>We want to make sure you can manage the pump before going home</a:t>
             </a:r>
           </a:p>
         </p:txBody>
@@ -6776,7 +6754,7 @@
             </a:pPr>
             <a:r>
               <a:rPr/>
-              <a:t>Discharge</a:t>
+              <a:t>Jejunostomy Feeds with Diabetes</a:t>
             </a:r>
           </a:p>
         </p:txBody>
@@ -6801,35 +6779,51 @@
             </a:pPr>
             <a:r>
               <a:rPr/>
-              <a:t>Goal: Ready to leave hospital day #6/7 after surgery</a:t>
-            </a:r>
-          </a:p>
-          <a:p>
-            <a:pPr lvl="0"/>
-            <a:r>
-              <a:rPr/>
-              <a:t>Tube feeds at night (6pm to 10am)</a:t>
-            </a:r>
-          </a:p>
-          <a:p>
-            <a:pPr lvl="0"/>
-            <a:r>
-              <a:rPr/>
-              <a:t>Protein shakes by mouth (70% of patients)</a:t>
-            </a:r>
-          </a:p>
-          <a:p>
-            <a:pPr lvl="1"/>
-            <a:r>
-              <a:rPr/>
-              <a:t>4oz every 2 hours</a:t>
-            </a:r>
-          </a:p>
-          <a:p>
-            <a:pPr lvl="1"/>
-            <a:r>
-              <a:rPr/>
-              <a:t>Water by mouth 2 oz at a time Water through feeding tube (8oz 4x/day)</a:t>
+              <a:t>Jejunostomy feedings may cause blood sugars to be elevated</a:t>
+            </a:r>
+          </a:p>
+          <a:p>
+            <a:pPr lvl="0"/>
+            <a:r>
+              <a:rPr/>
+              <a:t>Insulin may be required along with feeds</a:t>
+            </a:r>
+          </a:p>
+          <a:p>
+            <a:pPr lvl="0" indent="0" marL="0">
+              <a:buNone/>
+            </a:pPr>
+            <a:r>
+              <a:rPr/>
+              <a:t>Typical Pattern for tube feeds</a:t>
+            </a:r>
+          </a:p>
+          <a:p>
+            <a:pPr lvl="0"/>
+            <a:r>
+              <a:rPr/>
+              <a:t>Feeds run via pump from 6pm to 10am</a:t>
+            </a:r>
+          </a:p>
+          <a:p>
+            <a:pPr lvl="0"/>
+            <a:r>
+              <a:rPr/>
+              <a:t>Insulin at 6pm (70/30 insulin)</a:t>
+            </a:r>
+          </a:p>
+          <a:p>
+            <a:pPr lvl="0"/>
+            <a:r>
+              <a:rPr/>
+              <a:t>Insulin at Midnight (70/30 insulin)</a:t>
+            </a:r>
+          </a:p>
+          <a:p>
+            <a:pPr lvl="0"/>
+            <a:r>
+              <a:rPr/>
+              <a:t>No insulin if tube feedings are not run</a:t>
             </a:r>
           </a:p>
         </p:txBody>
@@ -6876,7 +6870,7 @@
             </a:pPr>
             <a:r>
               <a:rPr/>
-              <a:t>Nutrition at Home</a:t>
+              <a:t>Feeding Jejunostomy</a:t>
             </a:r>
           </a:p>
         </p:txBody>
@@ -6888,45 +6882,54 @@
             <a:spLocks noGrp="1"/>
           </p:cNvSpPr>
           <p:nvPr>
-            <p:ph idx="1"/>
-          </p:nvPr>
-        </p:nvSpPr>
-        <p:spPr/>
-        <p:txBody>
-          <a:bodyPr/>
-          <a:lstStyle/>
-          <a:p>
-            <a:pPr lvl="0" indent="0" marL="0">
-              <a:buNone/>
-            </a:pPr>
-            <a:r>
-              <a:rPr/>
-              <a:t>Most patients go home with:</a:t>
-            </a:r>
-          </a:p>
-          <a:p>
-            <a:pPr lvl="0"/>
-            <a:r>
-              <a:rPr/>
-              <a:t>Protein shakes by mouth 4oz at a time</a:t>
-            </a:r>
-          </a:p>
-          <a:p>
-            <a:pPr lvl="0"/>
-            <a:r>
-              <a:rPr/>
-              <a:t>Tube feeds at night (4-5 cartons)</a:t>
-            </a:r>
-          </a:p>
-          <a:p>
-            <a:pPr lvl="0"/>
-            <a:r>
-              <a:rPr/>
-              <a:t>Water through the feeding tube 8oz 4 times per day</a:t>
-            </a:r>
-          </a:p>
-        </p:txBody>
-      </p:sp>
+            <p:ph idx="1" sz="half"/>
+          </p:nvPr>
+        </p:nvSpPr>
+        <p:spPr/>
+        <p:txBody>
+          <a:bodyPr/>
+          <a:lstStyle/>
+          <a:p>
+            <a:pPr lvl="0" indent="0" marL="0">
+              <a:buNone/>
+            </a:pPr>
+            <a:r>
+              <a:rPr/>
+              <a:t>Video shows how to set up and run the jejunostomy tube pump</a:t>
+            </a:r>
+          </a:p>
+        </p:txBody>
+      </p:sp>
+      <p:pic>
+        <p:nvPicPr>
+          <p:cNvPr descr="https://deidt7p41jzcy.cloudfront.net/jtubevideo_qr.png" id="0" name="Picture 1"/>
+          <p:cNvPicPr>
+            <a:picLocks noGrp="1" noChangeAspect="1"/>
+          </p:cNvPicPr>
+          <p:nvPr/>
+        </p:nvPicPr>
+        <p:blipFill>
+          <a:blip r:embed="rId2"/>
+          <a:stretch>
+            <a:fillRect/>
+          </a:stretch>
+        </p:blipFill>
+        <p:spPr bwMode="auto">
+          <a:xfrm>
+            <a:off x="4978400" y="1193800"/>
+            <a:ext cx="3390900" cy="3390900"/>
+          </a:xfrm>
+          <a:prstGeom prst="rect">
+            <a:avLst/>
+          </a:prstGeom>
+          <a:noFill/>
+          <a:ln w="9525">
+            <a:noFill/>
+            <a:headEnd/>
+            <a:tailEnd/>
+          </a:ln>
+        </p:spPr>
+      </p:pic>
     </p:spTree>
   </p:cSld>
 </p:sld>
@@ -6969,7 +6972,7 @@
             </a:pPr>
             <a:r>
               <a:rPr/>
-              <a:t>Medicines at Home</a:t>
+              <a:t>Activity</a:t>
             </a:r>
           </a:p>
         </p:txBody>
@@ -6992,21 +6995,35 @@
             <a:pPr lvl="0"/>
             <a:r>
               <a:rPr/>
-              <a:t>Proton pump inhibitor (acid blocker) for one year</a:t>
-            </a:r>
-          </a:p>
-          <a:p>
-            <a:pPr lvl="0"/>
-            <a:r>
-              <a:rPr/>
-              <a:t>Reglan (metoclopramide) - stomach emptying: 6 weeks</a:t>
-            </a:r>
-          </a:p>
-          <a:p>
-            <a:pPr lvl="0"/>
-            <a:r>
-              <a:rPr/>
-              <a:t>Lopressor (metoprolol) - prevent atrial fibrillation: 2 weeks</a:t>
+              <a:t>Up in chair most of the day</a:t>
+            </a:r>
+          </a:p>
+          <a:p>
+            <a:pPr lvl="0"/>
+            <a:r>
+              <a:rPr/>
+              <a:t>Walking in hallway with help from nurse/Physical Therapist</a:t>
+            </a:r>
+          </a:p>
+          <a:p>
+            <a:pPr lvl="0"/>
+            <a:r>
+              <a:rPr/>
+              <a:t>Goals:</a:t>
+            </a:r>
+          </a:p>
+          <a:p>
+            <a:pPr lvl="1"/>
+            <a:r>
+              <a:rPr/>
+              <a:t>Improve lung function</a:t>
+            </a:r>
+          </a:p>
+          <a:p>
+            <a:pPr lvl="1"/>
+            <a:r>
+              <a:rPr/>
+              <a:t>Prevent muscle loss</a:t>
             </a:r>
           </a:p>
         </p:txBody>
@@ -7127,2728 +7144,6 @@
 </file>
 
 <file path=ppt/slides/slide40.xml><?xml version="1.0" encoding="utf-8"?>
-<p:sld xmlns:a="http://schemas.openxmlformats.org/drawingml/2006/main" xmlns:r="http://schemas.openxmlformats.org/officeDocument/2006/relationships" xmlns:p="http://schemas.openxmlformats.org/presentationml/2006/main">
-  <p:cSld>
-    <p:spTree>
-      <p:nvGrpSpPr>
-        <p:cNvPr id="1" name=""/>
-        <p:cNvGrpSpPr/>
-        <p:nvPr/>
-      </p:nvGrpSpPr>
-      <p:grpSpPr>
-        <a:xfrm>
-          <a:off x="0" y="0"/>
-          <a:ext cx="0" cy="0"/>
-          <a:chOff x="0" y="0"/>
-          <a:chExt cx="0" cy="0"/>
-        </a:xfrm>
-      </p:grpSpPr>
-      <p:sp>
-        <p:nvSpPr>
-          <p:cNvPr id="2" name="Title 1"/>
-          <p:cNvSpPr>
-            <a:spLocks noGrp="1"/>
-          </p:cNvSpPr>
-          <p:nvPr>
-            <p:ph type="title"/>
-          </p:nvPr>
-        </p:nvSpPr>
-        <p:spPr/>
-        <p:txBody>
-          <a:bodyPr/>
-          <a:lstStyle/>
-          <a:p>
-            <a:pPr lvl="0" indent="0" marL="0">
-              <a:buNone/>
-            </a:pPr>
-            <a:r>
-              <a:rPr/>
-              <a:t>Pain Medicines at Home</a:t>
-            </a:r>
-          </a:p>
-        </p:txBody>
-      </p:sp>
-      <p:sp>
-        <p:nvSpPr>
-          <p:cNvPr id="3" name="Content Placeholder 2"/>
-          <p:cNvSpPr>
-            <a:spLocks noGrp="1"/>
-          </p:cNvSpPr>
-          <p:nvPr>
-            <p:ph idx="1"/>
-          </p:nvPr>
-        </p:nvSpPr>
-        <p:spPr/>
-        <p:txBody>
-          <a:bodyPr/>
-          <a:lstStyle/>
-          <a:p>
-            <a:pPr lvl="0"/>
-            <a:r>
-              <a:rPr/>
-              <a:t>Acetaminophen 1000mg every 6 hours</a:t>
-            </a:r>
-          </a:p>
-          <a:p>
-            <a:pPr lvl="0"/>
-            <a:r>
-              <a:rPr/>
-              <a:t>Gabapentin 300mg every 8 hours</a:t>
-            </a:r>
-          </a:p>
-          <a:p>
-            <a:pPr lvl="0"/>
-            <a:r>
-              <a:rPr/>
-              <a:t>Oxycodone 5mg every 6 hours</a:t>
-            </a:r>
-          </a:p>
-          <a:p>
-            <a:pPr lvl="0" indent="0" marL="0">
-              <a:buNone/>
-            </a:pPr>
-            <a:r>
-              <a:rPr/>
-              <a:t>In most cases, oxycodone is no longer needed by 6 weeks after surgery</a:t>
-            </a:r>
-          </a:p>
-        </p:txBody>
-      </p:sp>
-    </p:spTree>
-  </p:cSld>
-</p:sld>
-</file>
-
-<file path=ppt/slides/slide41.xml><?xml version="1.0" encoding="utf-8"?>
-<p:sld xmlns:a="http://schemas.openxmlformats.org/drawingml/2006/main" xmlns:r="http://schemas.openxmlformats.org/officeDocument/2006/relationships" xmlns:p="http://schemas.openxmlformats.org/presentationml/2006/main">
-  <p:cSld>
-    <p:spTree>
-      <p:nvGrpSpPr>
-        <p:cNvPr id="1" name=""/>
-        <p:cNvGrpSpPr/>
-        <p:nvPr/>
-      </p:nvGrpSpPr>
-      <p:grpSpPr>
-        <a:xfrm>
-          <a:off x="0" y="0"/>
-          <a:ext cx="0" cy="0"/>
-          <a:chOff x="0" y="0"/>
-          <a:chExt cx="0" cy="0"/>
-        </a:xfrm>
-      </p:grpSpPr>
-      <p:sp>
-        <p:nvSpPr>
-          <p:cNvPr id="2" name="Title 1"/>
-          <p:cNvSpPr>
-            <a:spLocks noGrp="1"/>
-          </p:cNvSpPr>
-          <p:nvPr>
-            <p:ph type="title"/>
-          </p:nvPr>
-        </p:nvSpPr>
-        <p:spPr/>
-        <p:txBody>
-          <a:bodyPr/>
-          <a:lstStyle/>
-          <a:p>
-            <a:pPr lvl="0" indent="0" marL="0">
-              <a:buNone/>
-            </a:pPr>
-            <a:r>
-              <a:rPr/>
-              <a:t>Sleeping</a:t>
-            </a:r>
-          </a:p>
-        </p:txBody>
-      </p:sp>
-      <p:sp>
-        <p:nvSpPr>
-          <p:cNvPr id="3" name="Content Placeholder 2"/>
-          <p:cNvSpPr>
-            <a:spLocks noGrp="1"/>
-          </p:cNvSpPr>
-          <p:nvPr>
-            <p:ph idx="1" sz="half"/>
-          </p:nvPr>
-        </p:nvSpPr>
-        <p:spPr/>
-        <p:txBody>
-          <a:bodyPr/>
-          <a:lstStyle/>
-          <a:p>
-            <a:pPr lvl="0" indent="0" marL="0">
-              <a:buNone/>
-            </a:pPr>
-            <a:r>
-              <a:rPr/>
-              <a:t>Reflux can occur the first few weeks/months after surgery</a:t>
-            </a:r>
-          </a:p>
-          <a:p>
-            <a:pPr lvl="0" indent="0" marL="0">
-              <a:buNone/>
-            </a:pPr>
-            <a:r>
-              <a:rPr/>
-              <a:t>This improves over the first few months</a:t>
-            </a:r>
-          </a:p>
-          <a:p>
-            <a:pPr lvl="0" indent="0" marL="0">
-              <a:buNone/>
-            </a:pPr>
-            <a:r>
-              <a:rPr/>
-              <a:t>A wedge pillow can be helpful for sleep</a:t>
-            </a:r>
-          </a:p>
-        </p:txBody>
-      </p:sp>
-      <p:pic>
-        <p:nvPicPr>
-          <p:cNvPr descr="https://deidt7p41jzcy.cloudfront.net/wedge_pillow_comm.jpg" id="0" name="Picture 1"/>
-          <p:cNvPicPr>
-            <a:picLocks noGrp="1" noChangeAspect="1"/>
-          </p:cNvPicPr>
-          <p:nvPr/>
-        </p:nvPicPr>
-        <p:blipFill>
-          <a:blip r:embed="rId2"/>
-          <a:stretch>
-            <a:fillRect/>
-          </a:stretch>
-        </p:blipFill>
-        <p:spPr bwMode="auto">
-          <a:xfrm>
-            <a:off x="4978400" y="1193800"/>
-            <a:ext cx="3390900" cy="3390900"/>
-          </a:xfrm>
-          <a:prstGeom prst="rect">
-            <a:avLst/>
-          </a:prstGeom>
-          <a:noFill/>
-          <a:ln w="9525">
-            <a:noFill/>
-            <a:headEnd/>
-            <a:tailEnd/>
-          </a:ln>
-        </p:spPr>
-      </p:pic>
-    </p:spTree>
-  </p:cSld>
-</p:sld>
-</file>
-
-<file path=ppt/slides/slide42.xml><?xml version="1.0" encoding="utf-8"?>
-<p:sld xmlns:a="http://schemas.openxmlformats.org/drawingml/2006/main" xmlns:r="http://schemas.openxmlformats.org/officeDocument/2006/relationships" xmlns:p="http://schemas.openxmlformats.org/presentationml/2006/main">
-  <p:cSld>
-    <p:spTree>
-      <p:nvGrpSpPr>
-        <p:cNvPr id="1" name=""/>
-        <p:cNvGrpSpPr/>
-        <p:nvPr/>
-      </p:nvGrpSpPr>
-      <p:grpSpPr>
-        <a:xfrm>
-          <a:off x="0" y="0"/>
-          <a:ext cx="0" cy="0"/>
-          <a:chOff x="0" y="0"/>
-          <a:chExt cx="0" cy="0"/>
-        </a:xfrm>
-      </p:grpSpPr>
-      <p:sp>
-        <p:nvSpPr>
-          <p:cNvPr id="2" name="Title 1"/>
-          <p:cNvSpPr>
-            <a:spLocks noGrp="1"/>
-          </p:cNvSpPr>
-          <p:nvPr>
-            <p:ph type="title"/>
-          </p:nvPr>
-        </p:nvSpPr>
-        <p:spPr/>
-        <p:txBody>
-          <a:bodyPr/>
-          <a:lstStyle/>
-          <a:p>
-            <a:pPr lvl="0" indent="0" marL="0">
-              <a:buNone/>
-            </a:pPr>
-            <a:r>
-              <a:rPr/>
-              <a:t>Postoperative Visit</a:t>
-            </a:r>
-          </a:p>
-        </p:txBody>
-      </p:sp>
-      <p:sp>
-        <p:nvSpPr>
-          <p:cNvPr id="3" name="Content Placeholder 2"/>
-          <p:cNvSpPr>
-            <a:spLocks noGrp="1"/>
-          </p:cNvSpPr>
-          <p:nvPr>
-            <p:ph idx="1"/>
-          </p:nvPr>
-        </p:nvSpPr>
-        <p:spPr/>
-        <p:txBody>
-          <a:bodyPr/>
-          <a:lstStyle/>
-          <a:p>
-            <a:pPr lvl="0" indent="0" marL="0">
-              <a:buNone/>
-            </a:pPr>
-            <a:r>
-              <a:rPr/>
-              <a:t>You will be seen in the office 7-10 days after discharge</a:t>
-            </a:r>
-          </a:p>
-          <a:p>
-            <a:pPr lvl="0"/>
-            <a:r>
-              <a:rPr/>
-              <a:t>Adjust medicines</a:t>
-            </a:r>
-          </a:p>
-          <a:p>
-            <a:pPr lvl="0"/>
-            <a:r>
-              <a:rPr/>
-              <a:t>Remove staples</a:t>
-            </a:r>
-          </a:p>
-          <a:p>
-            <a:pPr lvl="0"/>
-            <a:r>
-              <a:rPr/>
-              <a:t>Remove drains (if needed)</a:t>
-            </a:r>
-          </a:p>
-        </p:txBody>
-      </p:sp>
-    </p:spTree>
-  </p:cSld>
-</p:sld>
-</file>
-
-<file path=ppt/slides/slide43.xml><?xml version="1.0" encoding="utf-8"?>
-<p:sld xmlns:a="http://schemas.openxmlformats.org/drawingml/2006/main" xmlns:r="http://schemas.openxmlformats.org/officeDocument/2006/relationships" xmlns:p="http://schemas.openxmlformats.org/presentationml/2006/main">
-  <p:cSld>
-    <p:spTree>
-      <p:nvGrpSpPr>
-        <p:cNvPr id="1" name=""/>
-        <p:cNvGrpSpPr/>
-        <p:nvPr/>
-      </p:nvGrpSpPr>
-      <p:grpSpPr>
-        <a:xfrm>
-          <a:off x="0" y="0"/>
-          <a:ext cx="0" cy="0"/>
-          <a:chOff x="0" y="0"/>
-          <a:chExt cx="0" cy="0"/>
-        </a:xfrm>
-      </p:grpSpPr>
-      <p:sp>
-        <p:nvSpPr>
-          <p:cNvPr id="2" name="Title 1"/>
-          <p:cNvSpPr>
-            <a:spLocks noGrp="1"/>
-          </p:cNvSpPr>
-          <p:nvPr>
-            <p:ph type="title"/>
-          </p:nvPr>
-        </p:nvSpPr>
-        <p:spPr/>
-        <p:txBody>
-          <a:bodyPr/>
-          <a:lstStyle/>
-          <a:p>
-            <a:pPr lvl="0" indent="0" marL="0">
-              <a:buNone/>
-            </a:pPr>
-            <a:r>
-              <a:rPr/>
-              <a:t>Jejunostomy Removal (8 weeks after surgery)</a:t>
-            </a:r>
-          </a:p>
-        </p:txBody>
-      </p:sp>
-      <p:sp>
-        <p:nvSpPr>
-          <p:cNvPr id="3" name="Content Placeholder 2"/>
-          <p:cNvSpPr>
-            <a:spLocks noGrp="1"/>
-          </p:cNvSpPr>
-          <p:nvPr>
-            <p:ph idx="1"/>
-          </p:nvPr>
-        </p:nvSpPr>
-        <p:spPr/>
-        <p:txBody>
-          <a:bodyPr/>
-          <a:lstStyle/>
-          <a:p>
-            <a:pPr lvl="0" indent="0" marL="0">
-              <a:buNone/>
-            </a:pPr>
-            <a:r>
-              <a:rPr/>
-              <a:t>Jejunostomy tube is removed in the office once you can take in enough nutrients by mouth</a:t>
-            </a:r>
-          </a:p>
-          <a:p>
-            <a:pPr lvl="0" indent="0" marL="0">
-              <a:buNone/>
-            </a:pPr>
-            <a:r>
-              <a:rPr/>
-              <a:t>May take 30 minutes and some local anesthetic to loosen up the tube for removal.</a:t>
-            </a:r>
-          </a:p>
-        </p:txBody>
-      </p:sp>
-    </p:spTree>
-  </p:cSld>
-</p:sld>
-</file>
-
-<file path=ppt/slides/slide44.xml><?xml version="1.0" encoding="utf-8"?>
-<p:sld xmlns:a="http://schemas.openxmlformats.org/drawingml/2006/main" xmlns:r="http://schemas.openxmlformats.org/officeDocument/2006/relationships" xmlns:p="http://schemas.openxmlformats.org/presentationml/2006/main">
-  <p:cSld>
-    <p:spTree>
-      <p:nvGrpSpPr>
-        <p:cNvPr id="1" name=""/>
-        <p:cNvGrpSpPr/>
-        <p:nvPr/>
-      </p:nvGrpSpPr>
-      <p:grpSpPr>
-        <a:xfrm>
-          <a:off x="0" y="0"/>
-          <a:ext cx="0" cy="0"/>
-          <a:chOff x="0" y="0"/>
-          <a:chExt cx="0" cy="0"/>
-        </a:xfrm>
-      </p:grpSpPr>
-      <p:sp>
-        <p:nvSpPr>
-          <p:cNvPr id="2" name="Title 1"/>
-          <p:cNvSpPr>
-            <a:spLocks noGrp="1"/>
-          </p:cNvSpPr>
-          <p:nvPr>
-            <p:ph type="title"/>
-          </p:nvPr>
-        </p:nvSpPr>
-        <p:spPr/>
-        <p:txBody>
-          <a:bodyPr/>
-          <a:lstStyle/>
-          <a:p>
-            <a:pPr lvl="0" indent="0" marL="0">
-              <a:buNone/>
-            </a:pPr>
-            <a:r>
-              <a:rPr/>
-              <a:t>Nutritional Monitoring after Surgery</a:t>
-            </a:r>
-          </a:p>
-        </p:txBody>
-      </p:sp>
-      <p:sp>
-        <p:nvSpPr>
-          <p:cNvPr id="3" name="Content Placeholder 2"/>
-          <p:cNvSpPr>
-            <a:spLocks noGrp="1"/>
-          </p:cNvSpPr>
-          <p:nvPr>
-            <p:ph idx="1"/>
-          </p:nvPr>
-        </p:nvSpPr>
-        <p:spPr/>
-        <p:txBody>
-          <a:bodyPr/>
-          <a:lstStyle/>
-          <a:p>
-            <a:pPr lvl="0" indent="0" marL="0">
-              <a:buNone/>
-            </a:pPr>
-            <a:r>
-              <a:rPr/>
-              <a:t>You may have some difficulty absorbing some nutrients:</a:t>
-            </a:r>
-          </a:p>
-          <a:p>
-            <a:pPr lvl="0"/>
-            <a:r>
-              <a:rPr/>
-              <a:t>Iron</a:t>
-            </a:r>
-          </a:p>
-          <a:p>
-            <a:pPr lvl="0"/>
-            <a:r>
-              <a:rPr/>
-              <a:t>Vitamin B12</a:t>
-            </a:r>
-          </a:p>
-          <a:p>
-            <a:pPr lvl="0"/>
-            <a:r>
-              <a:rPr/>
-              <a:t>Vitamin D</a:t>
-            </a:r>
-          </a:p>
-        </p:txBody>
-      </p:sp>
-    </p:spTree>
-  </p:cSld>
-</p:sld>
-</file>
-
-<file path=ppt/slides/slide45.xml><?xml version="1.0" encoding="utf-8"?>
-<p:sld xmlns:a="http://schemas.openxmlformats.org/drawingml/2006/main" xmlns:r="http://schemas.openxmlformats.org/officeDocument/2006/relationships" xmlns:p="http://schemas.openxmlformats.org/presentationml/2006/main">
-  <p:cSld>
-    <p:spTree>
-      <p:nvGrpSpPr>
-        <p:cNvPr id="1" name=""/>
-        <p:cNvGrpSpPr/>
-        <p:nvPr/>
-      </p:nvGrpSpPr>
-      <p:grpSpPr>
-        <a:xfrm>
-          <a:off x="0" y="0"/>
-          <a:ext cx="0" cy="0"/>
-          <a:chOff x="0" y="0"/>
-          <a:chExt cx="0" cy="0"/>
-        </a:xfrm>
-      </p:grpSpPr>
-      <p:sp>
-        <p:nvSpPr>
-          <p:cNvPr id="2" name="Title 1"/>
-          <p:cNvSpPr>
-            <a:spLocks noGrp="1"/>
-          </p:cNvSpPr>
-          <p:nvPr>
-            <p:ph type="title"/>
-          </p:nvPr>
-        </p:nvSpPr>
-        <p:spPr/>
-        <p:txBody>
-          <a:bodyPr/>
-          <a:lstStyle/>
-          <a:p>
-            <a:pPr lvl="0" indent="0" marL="0">
-              <a:buNone/>
-            </a:pPr>
-            <a:r>
-              <a:rPr/>
-              <a:t>Nutritional Monitoring after Surgery</a:t>
-            </a:r>
-          </a:p>
-        </p:txBody>
-      </p:sp>
-      <p:sp>
-        <p:nvSpPr>
-          <p:cNvPr id="3" name="Content Placeholder 2"/>
-          <p:cNvSpPr>
-            <a:spLocks noGrp="1"/>
-          </p:cNvSpPr>
-          <p:nvPr>
-            <p:ph idx="1"/>
-          </p:nvPr>
-        </p:nvSpPr>
-        <p:spPr/>
-        <p:txBody>
-          <a:bodyPr/>
-          <a:lstStyle/>
-          <a:p>
-            <a:pPr lvl="0" indent="0" marL="0">
-              <a:buNone/>
-            </a:pPr>
-            <a:r>
-              <a:rPr/>
-              <a:t>About 3 months after the jejunostomy tube is removed, we will check blood levels:</a:t>
-            </a:r>
-          </a:p>
-          <a:p>
-            <a:pPr lvl="0"/>
-            <a:r>
-              <a:rPr/>
-              <a:t>Iron (ferritin)</a:t>
-            </a:r>
-          </a:p>
-          <a:p>
-            <a:pPr lvl="0"/>
-            <a:r>
-              <a:rPr/>
-              <a:t>Vitamin B12</a:t>
-            </a:r>
-          </a:p>
-          <a:p>
-            <a:pPr lvl="0"/>
-            <a:r>
-              <a:rPr/>
-              <a:t>Vitamin D.</a:t>
-            </a:r>
-          </a:p>
-        </p:txBody>
-      </p:sp>
-    </p:spTree>
-  </p:cSld>
-</p:sld>
-</file>
-
-<file path=ppt/slides/slide46.xml><?xml version="1.0" encoding="utf-8"?>
-<p:sld xmlns:a="http://schemas.openxmlformats.org/drawingml/2006/main" xmlns:r="http://schemas.openxmlformats.org/officeDocument/2006/relationships" xmlns:p="http://schemas.openxmlformats.org/presentationml/2006/main">
-  <p:cSld>
-    <p:spTree>
-      <p:nvGrpSpPr>
-        <p:cNvPr id="1" name=""/>
-        <p:cNvGrpSpPr/>
-        <p:nvPr/>
-      </p:nvGrpSpPr>
-      <p:grpSpPr>
-        <a:xfrm>
-          <a:off x="0" y="0"/>
-          <a:ext cx="0" cy="0"/>
-          <a:chOff x="0" y="0"/>
-          <a:chExt cx="0" cy="0"/>
-        </a:xfrm>
-      </p:grpSpPr>
-      <p:sp>
-        <p:nvSpPr>
-          <p:cNvPr id="2" name="Title 1"/>
-          <p:cNvSpPr>
-            <a:spLocks noGrp="1"/>
-          </p:cNvSpPr>
-          <p:nvPr>
-            <p:ph type="title"/>
-          </p:nvPr>
-        </p:nvSpPr>
-        <p:spPr/>
-        <p:txBody>
-          <a:bodyPr/>
-          <a:lstStyle/>
-          <a:p>
-            <a:pPr lvl="0" indent="0" marL="0">
-              <a:buNone/>
-            </a:pPr>
-            <a:r>
-              <a:rPr/>
-              <a:t>Nutritional Replacements after Surgery</a:t>
-            </a:r>
-          </a:p>
-        </p:txBody>
-      </p:sp>
-      <p:sp>
-        <p:nvSpPr>
-          <p:cNvPr id="3" name="Content Placeholder 2"/>
-          <p:cNvSpPr>
-            <a:spLocks noGrp="1"/>
-          </p:cNvSpPr>
-          <p:nvPr>
-            <p:ph idx="1"/>
-          </p:nvPr>
-        </p:nvSpPr>
-        <p:spPr/>
-        <p:txBody>
-          <a:bodyPr/>
-          <a:lstStyle/>
-          <a:p>
-            <a:pPr lvl="0" indent="0" marL="0">
-              <a:buNone/>
-            </a:pPr>
-            <a:r>
-              <a:rPr/>
-              <a:t>Vitamin or iron replacements can be ordered by your primary care physician, medical oncologist, or surgeon</a:t>
-            </a:r>
-          </a:p>
-          <a:p>
-            <a:pPr lvl="0" indent="0" marL="0">
-              <a:buNone/>
-            </a:pPr>
-            <a:r>
-              <a:rPr/>
-              <a:t>If levels are low, repeat testing in several months may be needed.</a:t>
-            </a:r>
-          </a:p>
-        </p:txBody>
-      </p:sp>
-    </p:spTree>
-  </p:cSld>
-</p:sld>
-</file>
-
-<file path=ppt/slides/slide47.xml><?xml version="1.0" encoding="utf-8"?>
-<p:sld xmlns:a="http://schemas.openxmlformats.org/drawingml/2006/main" xmlns:r="http://schemas.openxmlformats.org/officeDocument/2006/relationships" xmlns:p="http://schemas.openxmlformats.org/presentationml/2006/main">
-  <p:cSld>
-    <p:spTree>
-      <p:nvGrpSpPr>
-        <p:cNvPr id="1" name=""/>
-        <p:cNvGrpSpPr/>
-        <p:nvPr/>
-      </p:nvGrpSpPr>
-      <p:grpSpPr>
-        <a:xfrm>
-          <a:off x="0" y="0"/>
-          <a:ext cx="0" cy="0"/>
-          <a:chOff x="0" y="0"/>
-          <a:chExt cx="0" cy="0"/>
-        </a:xfrm>
-      </p:grpSpPr>
-      <p:sp>
-        <p:nvSpPr>
-          <p:cNvPr id="2" name="Title 1"/>
-          <p:cNvSpPr>
-            <a:spLocks noGrp="1"/>
-          </p:cNvSpPr>
-          <p:nvPr>
-            <p:ph type="title"/>
-          </p:nvPr>
-        </p:nvSpPr>
-        <p:spPr/>
-        <p:txBody>
-          <a:bodyPr/>
-          <a:lstStyle/>
-          <a:p>
-            <a:pPr lvl="0" indent="0" marL="0">
-              <a:buNone/>
-            </a:pPr>
-            <a:r>
-              <a:rPr/>
-              <a:t>Preparing for Cancer Treatment</a:t>
-            </a:r>
-          </a:p>
-        </p:txBody>
-      </p:sp>
-      <p:sp>
-        <p:nvSpPr>
-          <p:cNvPr id="3" name="Content Placeholder 2"/>
-          <p:cNvSpPr>
-            <a:spLocks noGrp="1"/>
-          </p:cNvSpPr>
-          <p:nvPr>
-            <p:ph idx="1"/>
-          </p:nvPr>
-        </p:nvSpPr>
-        <p:spPr/>
-        <p:txBody>
-          <a:bodyPr/>
-          <a:lstStyle/>
-          <a:p>
-            <a:pPr lvl="0"/>
-            <a:r>
-              <a:rPr/>
-              <a:t>Primary Care Physician</a:t>
-            </a:r>
-          </a:p>
-          <a:p>
-            <a:pPr lvl="0"/>
-            <a:r>
-              <a:rPr/>
-              <a:t>MyAtrium Portal</a:t>
-            </a:r>
-          </a:p>
-          <a:p>
-            <a:pPr lvl="0"/>
-            <a:r>
-              <a:rPr/>
-              <a:t>Exercise</a:t>
-            </a:r>
-          </a:p>
-          <a:p>
-            <a:pPr lvl="0"/>
-            <a:r>
-              <a:rPr/>
-              <a:t>Smoking Cessation</a:t>
-            </a:r>
-          </a:p>
-        </p:txBody>
-      </p:sp>
-    </p:spTree>
-  </p:cSld>
-</p:sld>
-</file>
-
-<file path=ppt/slides/slide48.xml><?xml version="1.0" encoding="utf-8"?>
-<p:sld xmlns:a="http://schemas.openxmlformats.org/drawingml/2006/main" xmlns:r="http://schemas.openxmlformats.org/officeDocument/2006/relationships" xmlns:p="http://schemas.openxmlformats.org/presentationml/2006/main">
-  <p:cSld>
-    <p:spTree>
-      <p:nvGrpSpPr>
-        <p:cNvPr id="1" name=""/>
-        <p:cNvGrpSpPr/>
-        <p:nvPr/>
-      </p:nvGrpSpPr>
-      <p:grpSpPr>
-        <a:xfrm>
-          <a:off x="0" y="0"/>
-          <a:ext cx="0" cy="0"/>
-          <a:chOff x="0" y="0"/>
-          <a:chExt cx="0" cy="0"/>
-        </a:xfrm>
-      </p:grpSpPr>
-      <p:sp>
-        <p:nvSpPr>
-          <p:cNvPr id="2" name="Title 1"/>
-          <p:cNvSpPr>
-            <a:spLocks noGrp="1"/>
-          </p:cNvSpPr>
-          <p:nvPr>
-            <p:ph type="title"/>
-          </p:nvPr>
-        </p:nvSpPr>
-        <p:spPr/>
-        <p:txBody>
-          <a:bodyPr/>
-          <a:lstStyle/>
-          <a:p>
-            <a:pPr lvl="0" indent="0" marL="0">
-              <a:buNone/>
-            </a:pPr>
-            <a:r>
-              <a:rPr/>
-              <a:t>Primary Care Practitioner (PCP)</a:t>
-            </a:r>
-          </a:p>
-        </p:txBody>
-      </p:sp>
-      <p:sp>
-        <p:nvSpPr>
-          <p:cNvPr id="3" name="Content Placeholder 2"/>
-          <p:cNvSpPr>
-            <a:spLocks noGrp="1"/>
-          </p:cNvSpPr>
-          <p:nvPr>
-            <p:ph idx="1"/>
-          </p:nvPr>
-        </p:nvSpPr>
-        <p:spPr/>
-        <p:txBody>
-          <a:bodyPr/>
-          <a:lstStyle/>
-          <a:p>
-            <a:pPr lvl="0" indent="0" marL="0">
-              <a:buNone/>
-            </a:pPr>
-            <a:r>
-              <a:rPr/>
-              <a:t>A PCP is critical to coordinate care between specialists.</a:t>
-            </a:r>
-          </a:p>
-          <a:p>
-            <a:pPr lvl="0" indent="0" marL="0">
-              <a:buNone/>
-            </a:pPr>
-            <a:r>
-              <a:rPr/>
-              <a:t>We will update your PCP after each visit</a:t>
-            </a:r>
-          </a:p>
-          <a:p>
-            <a:pPr lvl="0" indent="0" marL="0">
-              <a:buNone/>
-            </a:pPr>
-            <a:r>
-              <a:rPr/>
-              <a:t>If you do not have a PCP, call our referral line at (844) 235-6998</a:t>
-            </a:r>
-          </a:p>
-        </p:txBody>
-      </p:sp>
-    </p:spTree>
-  </p:cSld>
-</p:sld>
-</file>
-
-<file path=ppt/slides/slide49.xml><?xml version="1.0" encoding="utf-8"?>
-<p:sld xmlns:a="http://schemas.openxmlformats.org/drawingml/2006/main" xmlns:r="http://schemas.openxmlformats.org/officeDocument/2006/relationships" xmlns:p="http://schemas.openxmlformats.org/presentationml/2006/main">
-  <p:cSld>
-    <p:spTree>
-      <p:nvGrpSpPr>
-        <p:cNvPr id="1" name=""/>
-        <p:cNvGrpSpPr/>
-        <p:nvPr/>
-      </p:nvGrpSpPr>
-      <p:grpSpPr>
-        <a:xfrm>
-          <a:off x="0" y="0"/>
-          <a:ext cx="0" cy="0"/>
-          <a:chOff x="0" y="0"/>
-          <a:chExt cx="0" cy="0"/>
-        </a:xfrm>
-      </p:grpSpPr>
-      <p:sp>
-        <p:nvSpPr>
-          <p:cNvPr id="2" name="Title 1"/>
-          <p:cNvSpPr>
-            <a:spLocks noGrp="1"/>
-          </p:cNvSpPr>
-          <p:nvPr>
-            <p:ph type="title"/>
-          </p:nvPr>
-        </p:nvSpPr>
-        <p:spPr/>
-        <p:txBody>
-          <a:bodyPr/>
-          <a:lstStyle/>
-          <a:p>
-            <a:pPr lvl="0" indent="0" marL="0">
-              <a:buNone/>
-            </a:pPr>
-            <a:r>
-              <a:rPr/>
-              <a:t>My Atrium Patient Portal</a:t>
-            </a:r>
-            <a:br/>
-          </a:p>
-        </p:txBody>
-      </p:sp>
-      <p:sp>
-        <p:nvSpPr>
-          <p:cNvPr id="3" name="Content Placeholder 2"/>
-          <p:cNvSpPr>
-            <a:spLocks noGrp="1"/>
-          </p:cNvSpPr>
-          <p:nvPr>
-            <p:ph idx="1"/>
-          </p:nvPr>
-        </p:nvSpPr>
-        <p:spPr/>
-        <p:txBody>
-          <a:bodyPr/>
-          <a:lstStyle/>
-          <a:p>
-            <a:pPr lvl="0" indent="0" marL="0">
-              <a:buNone/>
-            </a:pPr>
-            <a:br/>
-          </a:p>
-          <a:p>
-            <a:pPr lvl="0"/>
-            <a:r>
-              <a:rPr/>
-              <a:t>Critical to good communication with your cancer care team</a:t>
-            </a:r>
-          </a:p>
-          <a:p>
-            <a:pPr lvl="0"/>
-            <a:r>
-              <a:rPr/>
-              <a:t>Available for desktop or laptop or phone</a:t>
-            </a:r>
-          </a:p>
-          <a:p>
-            <a:pPr lvl="0"/>
-            <a:r>
-              <a:rPr/>
-              <a:t>Sign up at my.atriumhealth.org</a:t>
-            </a:r>
-          </a:p>
-        </p:txBody>
-      </p:sp>
-    </p:spTree>
-  </p:cSld>
-</p:sld>
-</file>
-
-<file path=ppt/slides/slide5.xml><?xml version="1.0" encoding="utf-8"?>
-<p:sld xmlns:a="http://schemas.openxmlformats.org/drawingml/2006/main" xmlns:r="http://schemas.openxmlformats.org/officeDocument/2006/relationships" xmlns:p="http://schemas.openxmlformats.org/presentationml/2006/main">
-  <p:cSld>
-    <p:spTree>
-      <p:nvGrpSpPr>
-        <p:cNvPr id="1" name=""/>
-        <p:cNvGrpSpPr/>
-        <p:nvPr/>
-      </p:nvGrpSpPr>
-      <p:grpSpPr>
-        <a:xfrm>
-          <a:off x="0" y="0"/>
-          <a:ext cx="0" cy="0"/>
-          <a:chOff x="0" y="0"/>
-          <a:chExt cx="0" cy="0"/>
-        </a:xfrm>
-      </p:grpSpPr>
-      <p:sp>
-        <p:nvSpPr>
-          <p:cNvPr id="2" name="Title 1"/>
-          <p:cNvSpPr>
-            <a:spLocks noGrp="1"/>
-          </p:cNvSpPr>
-          <p:nvPr>
-            <p:ph type="title"/>
-          </p:nvPr>
-        </p:nvSpPr>
-        <p:spPr/>
-        <p:txBody>
-          <a:bodyPr/>
-          <a:lstStyle/>
-          <a:p>
-            <a:pPr lvl="0" indent="0" marL="0">
-              <a:buNone/>
-            </a:pPr>
-            <a:r>
-              <a:rPr/>
-              <a:t>Reconstruction</a:t>
-            </a:r>
-          </a:p>
-        </p:txBody>
-      </p:sp>
-      <p:sp>
-        <p:nvSpPr>
-          <p:cNvPr id="3" name="Content Placeholder 2"/>
-          <p:cNvSpPr>
-            <a:spLocks noGrp="1"/>
-          </p:cNvSpPr>
-          <p:nvPr>
-            <p:ph idx="1" sz="half"/>
-          </p:nvPr>
-        </p:nvSpPr>
-        <p:spPr/>
-        <p:txBody>
-          <a:bodyPr/>
-          <a:lstStyle/>
-          <a:p>
-            <a:pPr lvl="0" indent="0" marL="0">
-              <a:buNone/>
-            </a:pPr>
-            <a:r>
-              <a:rPr/>
-              <a:t>A new esophagus is created from the stomach in the abdomen by fashioning it into a tube.</a:t>
-            </a:r>
-          </a:p>
-        </p:txBody>
-      </p:sp>
-      <p:pic>
-        <p:nvPicPr>
-          <p:cNvPr descr="https://deidt7p41jzcy.cloudfront.net/Eso_Resection3_ai.png" id="0" name="Picture 1"/>
-          <p:cNvPicPr>
-            <a:picLocks noGrp="1" noChangeAspect="1"/>
-          </p:cNvPicPr>
-          <p:nvPr/>
-        </p:nvPicPr>
-        <p:blipFill>
-          <a:blip r:embed="rId2"/>
-          <a:stretch>
-            <a:fillRect/>
-          </a:stretch>
-        </p:blipFill>
-        <p:spPr bwMode="auto">
-          <a:xfrm>
-            <a:off x="5016500" y="1193800"/>
-            <a:ext cx="3302000" cy="3390900"/>
-          </a:xfrm>
-          <a:prstGeom prst="rect">
-            <a:avLst/>
-          </a:prstGeom>
-          <a:noFill/>
-          <a:ln w="9525">
-            <a:noFill/>
-            <a:headEnd/>
-            <a:tailEnd/>
-          </a:ln>
-        </p:spPr>
-      </p:pic>
-    </p:spTree>
-  </p:cSld>
-</p:sld>
-</file>
-
-<file path=ppt/slides/slide50.xml><?xml version="1.0" encoding="utf-8"?>
-<p:sld xmlns:a="http://schemas.openxmlformats.org/drawingml/2006/main" xmlns:r="http://schemas.openxmlformats.org/officeDocument/2006/relationships" xmlns:p="http://schemas.openxmlformats.org/presentationml/2006/main">
-  <p:cSld>
-    <p:spTree>
-      <p:nvGrpSpPr>
-        <p:cNvPr id="1" name=""/>
-        <p:cNvGrpSpPr/>
-        <p:nvPr/>
-      </p:nvGrpSpPr>
-      <p:grpSpPr>
-        <a:xfrm>
-          <a:off x="0" y="0"/>
-          <a:ext cx="0" cy="0"/>
-          <a:chOff x="0" y="0"/>
-          <a:chExt cx="0" cy="0"/>
-        </a:xfrm>
-      </p:grpSpPr>
-      <p:sp>
-        <p:nvSpPr>
-          <p:cNvPr id="2" name="Title 1"/>
-          <p:cNvSpPr>
-            <a:spLocks noGrp="1"/>
-          </p:cNvSpPr>
-          <p:nvPr>
-            <p:ph type="title"/>
-          </p:nvPr>
-        </p:nvSpPr>
-        <p:spPr/>
-        <p:txBody>
-          <a:bodyPr/>
-          <a:lstStyle/>
-          <a:p>
-            <a:pPr lvl="0" indent="0" marL="0">
-              <a:buNone/>
-            </a:pPr>
-            <a:r>
-              <a:rPr/>
-              <a:t>Exercise</a:t>
-            </a:r>
-          </a:p>
-        </p:txBody>
-      </p:sp>
-      <p:sp>
-        <p:nvSpPr>
-          <p:cNvPr id="3" name="Content Placeholder 2"/>
-          <p:cNvSpPr>
-            <a:spLocks noGrp="1"/>
-          </p:cNvSpPr>
-          <p:nvPr>
-            <p:ph idx="1"/>
-          </p:nvPr>
-        </p:nvSpPr>
-        <p:spPr/>
-        <p:txBody>
-          <a:bodyPr/>
-          <a:lstStyle/>
-          <a:p>
-            <a:pPr lvl="0"/>
-            <a:r>
-              <a:rPr/>
-              <a:t>Important to reduce the risk of complications from cancer treatment</a:t>
-            </a:r>
-          </a:p>
-          <a:p>
-            <a:pPr lvl="0"/>
-            <a:r>
-              <a:rPr/>
-              <a:t>Goal is 30min/day of vigorous exercise 6 days/week</a:t>
-            </a:r>
-          </a:p>
-          <a:p>
-            <a:pPr lvl="1"/>
-            <a:r>
-              <a:rPr/>
-              <a:t>Working hard enough that you can’t carry a conversation</a:t>
-            </a:r>
-          </a:p>
-          <a:p>
-            <a:pPr lvl="1"/>
-            <a:r>
-              <a:rPr/>
-              <a:t>Start slow an build up</a:t>
-            </a:r>
-          </a:p>
-          <a:p>
-            <a:pPr lvl="1"/>
-            <a:r>
-              <a:rPr/>
-              <a:t>Every day counts! (Aim for some activity every day)</a:t>
-            </a:r>
-          </a:p>
-        </p:txBody>
-      </p:sp>
-    </p:spTree>
-  </p:cSld>
-</p:sld>
-</file>
-
-<file path=ppt/slides/slide51.xml><?xml version="1.0" encoding="utf-8"?>
-<p:sld xmlns:a="http://schemas.openxmlformats.org/drawingml/2006/main" xmlns:r="http://schemas.openxmlformats.org/officeDocument/2006/relationships" xmlns:p="http://schemas.openxmlformats.org/presentationml/2006/main">
-  <p:cSld>
-    <p:spTree>
-      <p:nvGrpSpPr>
-        <p:cNvPr id="1" name=""/>
-        <p:cNvGrpSpPr/>
-        <p:nvPr/>
-      </p:nvGrpSpPr>
-      <p:grpSpPr>
-        <a:xfrm>
-          <a:off x="0" y="0"/>
-          <a:ext cx="0" cy="0"/>
-          <a:chOff x="0" y="0"/>
-          <a:chExt cx="0" cy="0"/>
-        </a:xfrm>
-      </p:grpSpPr>
-      <p:sp>
-        <p:nvSpPr>
-          <p:cNvPr id="2" name="Title 1"/>
-          <p:cNvSpPr>
-            <a:spLocks noGrp="1"/>
-          </p:cNvSpPr>
-          <p:nvPr>
-            <p:ph type="title"/>
-          </p:nvPr>
-        </p:nvSpPr>
-        <p:spPr/>
-        <p:txBody>
-          <a:bodyPr/>
-          <a:lstStyle/>
-          <a:p>
-            <a:pPr lvl="0" indent="0" marL="0">
-              <a:buNone/>
-            </a:pPr>
-            <a:r>
-              <a:rPr/>
-              <a:t>Smoking Cessation</a:t>
-            </a:r>
-          </a:p>
-        </p:txBody>
-      </p:sp>
-      <p:sp>
-        <p:nvSpPr>
-          <p:cNvPr id="3" name="Content Placeholder 2"/>
-          <p:cNvSpPr>
-            <a:spLocks noGrp="1"/>
-          </p:cNvSpPr>
-          <p:nvPr>
-            <p:ph idx="1"/>
-          </p:nvPr>
-        </p:nvSpPr>
-        <p:spPr/>
-        <p:txBody>
-          <a:bodyPr/>
-          <a:lstStyle/>
-          <a:p>
-            <a:pPr lvl="0"/>
-            <a:r>
-              <a:rPr/>
-              <a:t>Smoking makes it more difficult to get through cancer treatment</a:t>
-            </a:r>
-          </a:p>
-          <a:p>
-            <a:pPr lvl="1"/>
-            <a:r>
-              <a:rPr/>
-              <a:t>Increases risk of complications after surgery</a:t>
-            </a:r>
-          </a:p>
-          <a:p>
-            <a:pPr lvl="0"/>
-            <a:r>
-              <a:rPr/>
-              <a:t>Options for help with smoking cessation:</a:t>
-            </a:r>
-          </a:p>
-          <a:p>
-            <a:pPr lvl="1"/>
-            <a:r>
-              <a:rPr/>
-              <a:t>NC Quit Line 1-800-QUIT-NOW (1-800-784-8669)</a:t>
-            </a:r>
-          </a:p>
-          <a:p>
-            <a:pPr lvl="1"/>
-            <a:r>
-              <a:rPr/>
-              <a:t>American Lung Asssociation fredomfromsmoking.org</a:t>
-            </a:r>
-          </a:p>
-          <a:p>
-            <a:pPr lvl="1"/>
-            <a:r>
-              <a:rPr/>
-              <a:t>1:1 Smoking Cessation Counseling Clinics (Metro Charlotte)</a:t>
-            </a:r>
-          </a:p>
-        </p:txBody>
-      </p:sp>
-    </p:spTree>
-  </p:cSld>
-</p:sld>
-</file>
-
-<file path=ppt/slides/slide52.xml><?xml version="1.0" encoding="utf-8"?>
-<p:sld xmlns:a="http://schemas.openxmlformats.org/drawingml/2006/main" xmlns:r="http://schemas.openxmlformats.org/officeDocument/2006/relationships" xmlns:p="http://schemas.openxmlformats.org/presentationml/2006/main">
-  <p:cSld>
-    <p:spTree>
-      <p:nvGrpSpPr>
-        <p:cNvPr id="1" name=""/>
-        <p:cNvGrpSpPr/>
-        <p:nvPr/>
-      </p:nvGrpSpPr>
-      <p:grpSpPr>
-        <a:xfrm>
-          <a:off x="0" y="0"/>
-          <a:ext cx="0" cy="0"/>
-          <a:chOff x="0" y="0"/>
-          <a:chExt cx="0" cy="0"/>
-        </a:xfrm>
-      </p:grpSpPr>
-      <p:sp>
-        <p:nvSpPr>
-          <p:cNvPr id="2" name="Title 1"/>
-          <p:cNvSpPr>
-            <a:spLocks noGrp="1"/>
-          </p:cNvSpPr>
-          <p:nvPr>
-            <p:ph type="title"/>
-          </p:nvPr>
-        </p:nvSpPr>
-        <p:spPr/>
-        <p:txBody>
-          <a:bodyPr/>
-          <a:lstStyle/>
-          <a:p>
-            <a:pPr lvl="0" indent="0" marL="0">
-              <a:buNone/>
-            </a:pPr>
-            <a:r>
-              <a:rPr/>
-              <a:t>GI Tract Anatomy</a:t>
-            </a:r>
-          </a:p>
-        </p:txBody>
-      </p:sp>
-      <p:sp>
-        <p:nvSpPr>
-          <p:cNvPr id="3" name="Content Placeholder 2"/>
-          <p:cNvSpPr>
-            <a:spLocks noGrp="1"/>
-          </p:cNvSpPr>
-          <p:nvPr>
-            <p:ph idx="1" sz="half"/>
-          </p:nvPr>
-        </p:nvSpPr>
-        <p:spPr/>
-        <p:txBody>
-          <a:bodyPr/>
-          <a:lstStyle/>
-          <a:p>
-            <a:pPr lvl="0"/>
-            <a:r>
-              <a:rPr/>
-              <a:t>Esophagus delivers food to the stomach</a:t>
-            </a:r>
-          </a:p>
-          <a:p>
-            <a:pPr lvl="0"/>
-            <a:r>
-              <a:rPr/>
-              <a:t>Stomach stores food and delivers it in small quantities to the jejunum</a:t>
-            </a:r>
-          </a:p>
-          <a:p>
-            <a:pPr lvl="0"/>
-            <a:r>
-              <a:rPr/>
-              <a:t>Jejunum begins digestion in the small intestines</a:t>
-            </a:r>
-          </a:p>
-        </p:txBody>
-      </p:sp>
-      <p:pic>
-        <p:nvPicPr>
-          <p:cNvPr descr="https://deidt7p41jzcy.cloudfront.net/Eso_Anatomy_Labels.png" id="0" name="Picture 1"/>
-          <p:cNvPicPr>
-            <a:picLocks noGrp="1" noChangeAspect="1"/>
-          </p:cNvPicPr>
-          <p:nvPr/>
-        </p:nvPicPr>
-        <p:blipFill>
-          <a:blip r:embed="rId2"/>
-          <a:stretch>
-            <a:fillRect/>
-          </a:stretch>
-        </p:blipFill>
-        <p:spPr bwMode="auto">
-          <a:xfrm>
-            <a:off x="5016500" y="1193800"/>
-            <a:ext cx="3302000" cy="3390900"/>
-          </a:xfrm>
-          <a:prstGeom prst="rect">
-            <a:avLst/>
-          </a:prstGeom>
-          <a:noFill/>
-          <a:ln w="9525">
-            <a:noFill/>
-            <a:headEnd/>
-            <a:tailEnd/>
-          </a:ln>
-        </p:spPr>
-      </p:pic>
-    </p:spTree>
-  </p:cSld>
-</p:sld>
-</file>
-
-<file path=ppt/slides/slide53.xml><?xml version="1.0" encoding="utf-8"?>
-<p:sld xmlns:a="http://schemas.openxmlformats.org/drawingml/2006/main" xmlns:r="http://schemas.openxmlformats.org/officeDocument/2006/relationships" xmlns:p="http://schemas.openxmlformats.org/presentationml/2006/main">
-  <p:cSld>
-    <p:spTree>
-      <p:nvGrpSpPr>
-        <p:cNvPr id="1" name=""/>
-        <p:cNvGrpSpPr/>
-        <p:nvPr/>
-      </p:nvGrpSpPr>
-      <p:grpSpPr>
-        <a:xfrm>
-          <a:off x="0" y="0"/>
-          <a:ext cx="0" cy="0"/>
-          <a:chOff x="0" y="0"/>
-          <a:chExt cx="0" cy="0"/>
-        </a:xfrm>
-      </p:grpSpPr>
-      <p:sp>
-        <p:nvSpPr>
-          <p:cNvPr id="2" name="Title 1"/>
-          <p:cNvSpPr>
-            <a:spLocks noGrp="1"/>
-          </p:cNvSpPr>
-          <p:nvPr>
-            <p:ph type="title"/>
-          </p:nvPr>
-        </p:nvSpPr>
-        <p:spPr/>
-        <p:txBody>
-          <a:bodyPr/>
-          <a:lstStyle/>
-          <a:p>
-            <a:pPr lvl="0" indent="0" marL="0">
-              <a:buNone/>
-            </a:pPr>
-            <a:r>
-              <a:rPr/>
-              <a:t>Protein Needs</a:t>
-            </a:r>
-          </a:p>
-        </p:txBody>
-      </p:sp>
-      <p:sp>
-        <p:nvSpPr>
-          <p:cNvPr id="3" name="Content Placeholder 2"/>
-          <p:cNvSpPr>
-            <a:spLocks noGrp="1"/>
-          </p:cNvSpPr>
-          <p:nvPr>
-            <p:ph idx="1"/>
-          </p:nvPr>
-        </p:nvSpPr>
-        <p:spPr/>
-        <p:txBody>
-          <a:bodyPr/>
-          <a:lstStyle/>
-          <a:p>
-            <a:pPr lvl="0"/>
-            <a:r>
-              <a:rPr/>
-              <a:t>Men: Average 75 grams/day</a:t>
-            </a:r>
-          </a:p>
-          <a:p>
-            <a:pPr lvl="0"/>
-            <a:r>
-              <a:rPr/>
-              <a:t>Women: Average 60 grams/day</a:t>
-            </a:r>
-          </a:p>
-        </p:txBody>
-      </p:sp>
-    </p:spTree>
-  </p:cSld>
-</p:sld>
-</file>
-
-<file path=ppt/slides/slide54.xml><?xml version="1.0" encoding="utf-8"?>
-<p:sld xmlns:a="http://schemas.openxmlformats.org/drawingml/2006/main" xmlns:r="http://schemas.openxmlformats.org/officeDocument/2006/relationships" xmlns:p="http://schemas.openxmlformats.org/presentationml/2006/main">
-  <p:cSld>
-    <p:spTree>
-      <p:nvGrpSpPr>
-        <p:cNvPr id="1" name=""/>
-        <p:cNvGrpSpPr/>
-        <p:nvPr/>
-      </p:nvGrpSpPr>
-      <p:grpSpPr>
-        <a:xfrm>
-          <a:off x="0" y="0"/>
-          <a:ext cx="0" cy="0"/>
-          <a:chOff x="0" y="0"/>
-          <a:chExt cx="0" cy="0"/>
-        </a:xfrm>
-      </p:grpSpPr>
-      <p:sp>
-        <p:nvSpPr>
-          <p:cNvPr id="2" name="Title 1"/>
-          <p:cNvSpPr>
-            <a:spLocks noGrp="1"/>
-          </p:cNvSpPr>
-          <p:nvPr>
-            <p:ph type="title"/>
-          </p:nvPr>
-        </p:nvSpPr>
-        <p:spPr/>
-        <p:txBody>
-          <a:bodyPr/>
-          <a:lstStyle/>
-          <a:p>
-            <a:pPr lvl="0" indent="0" marL="0">
-              <a:buNone/>
-            </a:pPr>
-            <a:r>
-              <a:rPr/>
-              <a:t>Protein Shakes</a:t>
-            </a:r>
-          </a:p>
-        </p:txBody>
-      </p:sp>
-      <p:sp>
-        <p:nvSpPr>
-          <p:cNvPr id="3" name="Content Placeholder 2"/>
-          <p:cNvSpPr>
-            <a:spLocks noGrp="1"/>
-          </p:cNvSpPr>
-          <p:nvPr>
-            <p:ph idx="1" sz="half"/>
-          </p:nvPr>
-        </p:nvSpPr>
-        <p:spPr/>
-        <p:txBody>
-          <a:bodyPr/>
-          <a:lstStyle/>
-          <a:p>
-            <a:pPr lvl="0" indent="0" marL="0">
-              <a:buNone/>
-            </a:pPr>
-            <a:r>
-              <a:rPr/>
-              <a:t>Protein Shakes can provide protein with minimal sugar</a:t>
-            </a:r>
-          </a:p>
-        </p:txBody>
-      </p:sp>
-      <p:sp>
-        <p:nvSpPr>
-          <p:cNvPr id="4" name="Content Placeholder 3"/>
-          <p:cNvSpPr>
-            <a:spLocks noGrp="1"/>
-          </p:cNvSpPr>
-          <p:nvPr>
-            <p:ph idx="2" sz="half"/>
-          </p:nvPr>
-        </p:nvSpPr>
-        <p:spPr/>
-        <p:txBody>
-          <a:bodyPr/>
-          <a:lstStyle/>
-          <a:p>
-            <a:pPr lvl="0" indent="0" marL="0">
-              <a:buNone/>
-            </a:pPr>
-            <a:r>
-              <a:rPr/>
-              <a:t>Protein Shakes </a:t>
-            </a:r>
-          </a:p>
-        </p:txBody>
-      </p:sp>
-    </p:spTree>
-  </p:cSld>
-</p:sld>
-</file>
-
-<file path=ppt/slides/slide55.xml><?xml version="1.0" encoding="utf-8"?>
-<p:sld xmlns:a="http://schemas.openxmlformats.org/drawingml/2006/main" xmlns:r="http://schemas.openxmlformats.org/officeDocument/2006/relationships" xmlns:p="http://schemas.openxmlformats.org/presentationml/2006/main">
-  <p:cSld>
-    <p:spTree>
-      <p:nvGrpSpPr>
-        <p:cNvPr id="1" name=""/>
-        <p:cNvGrpSpPr/>
-        <p:nvPr/>
-      </p:nvGrpSpPr>
-      <p:grpSpPr>
-        <a:xfrm>
-          <a:off x="0" y="0"/>
-          <a:ext cx="0" cy="0"/>
-          <a:chOff x="0" y="0"/>
-          <a:chExt cx="0" cy="0"/>
-        </a:xfrm>
-      </p:grpSpPr>
-      <p:sp>
-        <p:nvSpPr>
-          <p:cNvPr id="2" name="Title 1"/>
-          <p:cNvSpPr>
-            <a:spLocks noGrp="1"/>
-          </p:cNvSpPr>
-          <p:nvPr>
-            <p:ph type="title"/>
-          </p:nvPr>
-        </p:nvSpPr>
-        <p:spPr/>
-        <p:txBody>
-          <a:bodyPr/>
-          <a:lstStyle/>
-          <a:p>
-            <a:pPr lvl="0" indent="0" marL="0">
-              <a:buNone/>
-            </a:pPr>
-            <a:r>
-              <a:rPr/>
-              <a:t>Feeding Tubes</a:t>
-            </a:r>
-          </a:p>
-        </p:txBody>
-      </p:sp>
-      <p:sp>
-        <p:nvSpPr>
-          <p:cNvPr id="3" name="Content Placeholder 2"/>
-          <p:cNvSpPr>
-            <a:spLocks noGrp="1"/>
-          </p:cNvSpPr>
-          <p:nvPr>
-            <p:ph idx="1" sz="half"/>
-          </p:nvPr>
-        </p:nvSpPr>
-        <p:spPr/>
-        <p:txBody>
-          <a:bodyPr/>
-          <a:lstStyle/>
-          <a:p>
-            <a:pPr lvl="0" indent="0" marL="0">
-              <a:buNone/>
-            </a:pPr>
-            <a:r>
-              <a:rPr/>
-              <a:t>Jejunostomy = Small Intestine </a:t>
-            </a:r>
-          </a:p>
-        </p:txBody>
-      </p:sp>
-      <p:sp>
-        <p:nvSpPr>
-          <p:cNvPr id="4" name="Content Placeholder 3"/>
-          <p:cNvSpPr>
-            <a:spLocks noGrp="1"/>
-          </p:cNvSpPr>
-          <p:nvPr>
-            <p:ph idx="2" sz="half"/>
-          </p:nvPr>
-        </p:nvSpPr>
-        <p:spPr/>
-        <p:txBody>
-          <a:bodyPr/>
-          <a:lstStyle/>
-          <a:p>
-            <a:pPr lvl="0" indent="0" marL="0">
-              <a:buNone/>
-            </a:pPr>
-            <a:r>
-              <a:rPr/>
-              <a:t>Gastrostomy = Stomach </a:t>
-            </a:r>
-          </a:p>
-        </p:txBody>
-      </p:sp>
-    </p:spTree>
-  </p:cSld>
-</p:sld>
-</file>
-
-<file path=ppt/slides/slide56.xml><?xml version="1.0" encoding="utf-8"?>
-<p:sld xmlns:a="http://schemas.openxmlformats.org/drawingml/2006/main" xmlns:r="http://schemas.openxmlformats.org/officeDocument/2006/relationships" xmlns:p="http://schemas.openxmlformats.org/presentationml/2006/main">
-  <p:cSld>
-    <p:spTree>
-      <p:nvGrpSpPr>
-        <p:cNvPr id="1" name=""/>
-        <p:cNvGrpSpPr/>
-        <p:nvPr/>
-      </p:nvGrpSpPr>
-      <p:grpSpPr>
-        <a:xfrm>
-          <a:off x="0" y="0"/>
-          <a:ext cx="0" cy="0"/>
-          <a:chOff x="0" y="0"/>
-          <a:chExt cx="0" cy="0"/>
-        </a:xfrm>
-      </p:grpSpPr>
-      <p:sp>
-        <p:nvSpPr>
-          <p:cNvPr id="2" name="Title 1"/>
-          <p:cNvSpPr>
-            <a:spLocks noGrp="1"/>
-          </p:cNvSpPr>
-          <p:nvPr>
-            <p:ph type="title"/>
-          </p:nvPr>
-        </p:nvSpPr>
-        <p:spPr/>
-        <p:txBody>
-          <a:bodyPr/>
-          <a:lstStyle/>
-          <a:p>
-            <a:pPr lvl="0" indent="0" marL="0">
-              <a:buNone/>
-            </a:pPr>
-            <a:r>
-              <a:rPr/>
-              <a:t>Gastrostomy Tube</a:t>
-            </a:r>
-          </a:p>
-        </p:txBody>
-      </p:sp>
-      <p:sp>
-        <p:nvSpPr>
-          <p:cNvPr id="3" name="Content Placeholder 2"/>
-          <p:cNvSpPr>
-            <a:spLocks noGrp="1"/>
-          </p:cNvSpPr>
-          <p:nvPr>
-            <p:ph idx="1"/>
-          </p:nvPr>
-        </p:nvSpPr>
-        <p:spPr/>
-        <p:txBody>
-          <a:bodyPr/>
-          <a:lstStyle/>
-          <a:p>
-            <a:pPr lvl="0" indent="0" marL="0">
-              <a:buNone/>
-            </a:pPr>
-            <a:r>
-              <a:rPr/>
-              <a:t>Feeding Gastrostomy</a:t>
-            </a:r>
-          </a:p>
-          <a:p>
-            <a:pPr lvl="0"/>
-            <a:r>
-              <a:rPr/>
-              <a:t>Feeding with a syringe several times per day.</a:t>
-            </a:r>
-          </a:p>
-          <a:p>
-            <a:pPr lvl="0"/>
-            <a:r>
-              <a:rPr/>
-              <a:t>Tube can be hidden underneath clothing</a:t>
-            </a:r>
-          </a:p>
-          <a:p>
-            <a:pPr lvl="0"/>
-            <a:r>
-              <a:rPr/>
-              <a:t>Tube does not interfere with eating by mouth</a:t>
-            </a:r>
-          </a:p>
-          <a:p>
-            <a:pPr lvl="0"/>
-            <a:r>
-              <a:rPr/>
-              <a:t>Removed easily in the office when no longer needed</a:t>
-            </a:r>
-          </a:p>
-        </p:txBody>
-      </p:sp>
-    </p:spTree>
-  </p:cSld>
-</p:sld>
-</file>
-
-<file path=ppt/slides/slide57.xml><?xml version="1.0" encoding="utf-8"?>
-<p:sld xmlns:a="http://schemas.openxmlformats.org/drawingml/2006/main" xmlns:r="http://schemas.openxmlformats.org/officeDocument/2006/relationships" xmlns:p="http://schemas.openxmlformats.org/presentationml/2006/main">
-  <p:cSld>
-    <p:spTree>
-      <p:nvGrpSpPr>
-        <p:cNvPr id="1" name=""/>
-        <p:cNvGrpSpPr/>
-        <p:nvPr/>
-      </p:nvGrpSpPr>
-      <p:grpSpPr>
-        <a:xfrm>
-          <a:off x="0" y="0"/>
-          <a:ext cx="0" cy="0"/>
-          <a:chOff x="0" y="0"/>
-          <a:chExt cx="0" cy="0"/>
-        </a:xfrm>
-      </p:grpSpPr>
-      <p:sp>
-        <p:nvSpPr>
-          <p:cNvPr id="2" name="Title 1"/>
-          <p:cNvSpPr>
-            <a:spLocks noGrp="1"/>
-          </p:cNvSpPr>
-          <p:nvPr>
-            <p:ph type="title"/>
-          </p:nvPr>
-        </p:nvSpPr>
-        <p:spPr/>
-        <p:txBody>
-          <a:bodyPr/>
-          <a:lstStyle/>
-          <a:p>
-            <a:pPr lvl="0" indent="0" marL="0">
-              <a:buNone/>
-            </a:pPr>
-            <a:r>
-              <a:rPr/>
-              <a:t>Gastrostomy Tube Methods</a:t>
-            </a:r>
-          </a:p>
-        </p:txBody>
-      </p:sp>
-      <p:sp>
-        <p:nvSpPr>
-          <p:cNvPr id="3" name="Content Placeholder 2"/>
-          <p:cNvSpPr>
-            <a:spLocks noGrp="1"/>
-          </p:cNvSpPr>
-          <p:nvPr>
-            <p:ph idx="1"/>
-          </p:nvPr>
-        </p:nvSpPr>
-        <p:spPr/>
-        <p:txBody>
-          <a:bodyPr/>
-          <a:lstStyle/>
-          <a:p>
-            <a:pPr lvl="0" indent="0" marL="0">
-              <a:buNone/>
-            </a:pPr>
-            <a:r>
-              <a:rPr/>
-              <a:t>A gastrostomy tube can be placed either by endoscopy, which is called a PEG tube</a:t>
-            </a:r>
-          </a:p>
-          <a:p>
-            <a:pPr lvl="0" indent="0" marL="0">
-              <a:buNone/>
-            </a:pPr>
-            <a:r>
-              <a:rPr/>
-              <a:t>A gastrostomy tube can also be placed by laparoscopy, which is usually preferred if surgery on the esophagus is planned in the future.</a:t>
-            </a:r>
-          </a:p>
-          <a:p>
-            <a:pPr lvl="0" indent="0" marL="0">
-              <a:buNone/>
-            </a:pPr>
-            <a:r>
-              <a:rPr/>
-              <a:t>Your surgeon will help you decide which kind of tube is best for you. This is especially important if you will need esophageal surgery in the future, as the stomach is frequently used to make a new esophagus</a:t>
-            </a:r>
-          </a:p>
-        </p:txBody>
-      </p:sp>
-    </p:spTree>
-  </p:cSld>
-</p:sld>
-</file>
-
-<file path=ppt/slides/slide58.xml><?xml version="1.0" encoding="utf-8"?>
-<p:sld xmlns:a="http://schemas.openxmlformats.org/drawingml/2006/main" xmlns:r="http://schemas.openxmlformats.org/officeDocument/2006/relationships" xmlns:p="http://schemas.openxmlformats.org/presentationml/2006/main">
-  <p:cSld>
-    <p:spTree>
-      <p:nvGrpSpPr>
-        <p:cNvPr id="1" name=""/>
-        <p:cNvGrpSpPr/>
-        <p:nvPr/>
-      </p:nvGrpSpPr>
-      <p:grpSpPr>
-        <a:xfrm>
-          <a:off x="0" y="0"/>
-          <a:ext cx="0" cy="0"/>
-          <a:chOff x="0" y="0"/>
-          <a:chExt cx="0" cy="0"/>
-        </a:xfrm>
-      </p:grpSpPr>
-      <p:sp>
-        <p:nvSpPr>
-          <p:cNvPr id="2" name="Title 1"/>
-          <p:cNvSpPr>
-            <a:spLocks noGrp="1"/>
-          </p:cNvSpPr>
-          <p:nvPr>
-            <p:ph type="title"/>
-          </p:nvPr>
-        </p:nvSpPr>
-        <p:spPr/>
-        <p:txBody>
-          <a:bodyPr/>
-          <a:lstStyle/>
-          <a:p>
-            <a:pPr lvl="0" indent="0" marL="0">
-              <a:buNone/>
-            </a:pPr>
-            <a:r>
-              <a:rPr/>
-              <a:t>Gastrostomy Tube</a:t>
-            </a:r>
-          </a:p>
-        </p:txBody>
-      </p:sp>
-      <p:sp>
-        <p:nvSpPr>
-          <p:cNvPr id="3" name="Content Placeholder 2"/>
-          <p:cNvSpPr>
-            <a:spLocks noGrp="1"/>
-          </p:cNvSpPr>
-          <p:nvPr>
-            <p:ph idx="1"/>
-          </p:nvPr>
-        </p:nvSpPr>
-        <p:spPr/>
-        <p:txBody>
-          <a:bodyPr/>
-          <a:lstStyle/>
-          <a:p>
-            <a:pPr lvl="0"/>
-            <a:r>
-              <a:rPr/>
-              <a:t>Outpatient Placement (go home the same day)</a:t>
-            </a:r>
-          </a:p>
-          <a:p>
-            <a:pPr lvl="0"/>
-            <a:r>
-              <a:rPr/>
-              <a:t>Central venous port can be placed at the same time (if needed)</a:t>
-            </a:r>
-          </a:p>
-        </p:txBody>
-      </p:sp>
-    </p:spTree>
-  </p:cSld>
-</p:sld>
-</file>
-
-<file path=ppt/slides/slide59.xml><?xml version="1.0" encoding="utf-8"?>
-<p:sld xmlns:a="http://schemas.openxmlformats.org/drawingml/2006/main" xmlns:r="http://schemas.openxmlformats.org/officeDocument/2006/relationships" xmlns:p="http://schemas.openxmlformats.org/presentationml/2006/main">
-  <p:cSld>
-    <p:spTree>
-      <p:nvGrpSpPr>
-        <p:cNvPr id="1" name=""/>
-        <p:cNvGrpSpPr/>
-        <p:nvPr/>
-      </p:nvGrpSpPr>
-      <p:grpSpPr>
-        <a:xfrm>
-          <a:off x="0" y="0"/>
-          <a:ext cx="0" cy="0"/>
-          <a:chOff x="0" y="0"/>
-          <a:chExt cx="0" cy="0"/>
-        </a:xfrm>
-      </p:grpSpPr>
-      <p:sp>
-        <p:nvSpPr>
-          <p:cNvPr id="2" name="Title 1"/>
-          <p:cNvSpPr>
-            <a:spLocks noGrp="1"/>
-          </p:cNvSpPr>
-          <p:nvPr>
-            <p:ph type="title"/>
-          </p:nvPr>
-        </p:nvSpPr>
-        <p:spPr/>
-        <p:txBody>
-          <a:bodyPr/>
-          <a:lstStyle/>
-          <a:p>
-            <a:pPr lvl="0" indent="0" marL="0">
-              <a:buNone/>
-            </a:pPr>
-            <a:r>
-              <a:rPr/>
-              <a:t>Jejunostomy tube</a:t>
-            </a:r>
-          </a:p>
-        </p:txBody>
-      </p:sp>
-      <p:sp>
-        <p:nvSpPr>
-          <p:cNvPr id="3" name="Content Placeholder 2"/>
-          <p:cNvSpPr>
-            <a:spLocks noGrp="1"/>
-          </p:cNvSpPr>
-          <p:nvPr>
-            <p:ph idx="1"/>
-          </p:nvPr>
-        </p:nvSpPr>
-        <p:spPr/>
-        <p:txBody>
-          <a:bodyPr/>
-          <a:lstStyle/>
-          <a:p>
-            <a:pPr lvl="0" indent="0" marL="0">
-              <a:buNone/>
-            </a:pPr>
-            <a:r>
-              <a:rPr/>
-              <a:t>The other type of feeding tube is a jejunostomy.</a:t>
-            </a:r>
-          </a:p>
-          <a:p>
-            <a:pPr lvl="0" indent="0" marL="0">
-              <a:buNone/>
-            </a:pPr>
-            <a:r>
-              <a:rPr/>
-              <a:t>A jejunostomy tube tube is placed into the small intestines. Because the small intestine is used to receiving food in small quantities, a jejunostomy tube requires the use of a pump to deliver feedings gradually over a matter of hours.</a:t>
-            </a:r>
-          </a:p>
-          <a:p>
-            <a:pPr lvl="0" indent="0" marL="0">
-              <a:buNone/>
-            </a:pPr>
-            <a:r>
-              <a:rPr/>
-              <a:t>In general, feedings are done at night in order to allow you to be active during the day</a:t>
-            </a:r>
-          </a:p>
-        </p:txBody>
-      </p:sp>
-    </p:spTree>
-  </p:cSld>
-</p:sld>
-</file>
-
-<file path=ppt/slides/slide6.xml><?xml version="1.0" encoding="utf-8"?>
-<p:sld xmlns:a="http://schemas.openxmlformats.org/drawingml/2006/main" xmlns:r="http://schemas.openxmlformats.org/officeDocument/2006/relationships" xmlns:p="http://schemas.openxmlformats.org/presentationml/2006/main">
-  <p:cSld>
-    <p:spTree>
-      <p:nvGrpSpPr>
-        <p:cNvPr id="1" name=""/>
-        <p:cNvGrpSpPr/>
-        <p:nvPr/>
-      </p:nvGrpSpPr>
-      <p:grpSpPr>
-        <a:xfrm>
-          <a:off x="0" y="0"/>
-          <a:ext cx="0" cy="0"/>
-          <a:chOff x="0" y="0"/>
-          <a:chExt cx="0" cy="0"/>
-        </a:xfrm>
-      </p:grpSpPr>
-      <p:sp>
-        <p:nvSpPr>
-          <p:cNvPr id="2" name="Title 1"/>
-          <p:cNvSpPr>
-            <a:spLocks noGrp="1"/>
-          </p:cNvSpPr>
-          <p:nvPr>
-            <p:ph type="title"/>
-          </p:nvPr>
-        </p:nvSpPr>
-        <p:spPr/>
-        <p:txBody>
-          <a:bodyPr/>
-          <a:lstStyle/>
-          <a:p>
-            <a:pPr lvl="0" indent="0" marL="0">
-              <a:buNone/>
-            </a:pPr>
-            <a:r>
-              <a:rPr/>
-              <a:t>Ivor Lewis esophagectomy</a:t>
-            </a:r>
-          </a:p>
-        </p:txBody>
-      </p:sp>
-      <p:sp>
-        <p:nvSpPr>
-          <p:cNvPr id="3" name="Content Placeholder 2"/>
-          <p:cNvSpPr>
-            <a:spLocks noGrp="1"/>
-          </p:cNvSpPr>
-          <p:nvPr>
-            <p:ph idx="1" sz="half"/>
-          </p:nvPr>
-        </p:nvSpPr>
-        <p:spPr/>
-        <p:txBody>
-          <a:bodyPr/>
-          <a:lstStyle/>
-          <a:p>
-            <a:pPr lvl="0" indent="0" marL="0">
-              <a:buNone/>
-            </a:pPr>
-            <a:r>
-              <a:rPr/>
-              <a:t>The new esophagus is now brought up into the chest. A new connection is made between the esophagus and the stomach, called an </a:t>
-            </a:r>
-            <a:r>
-              <a:rPr i="1"/>
-              <a:t>anastomosis</a:t>
-            </a:r>
-            <a:r>
-              <a:rPr/>
-              <a:t>.</a:t>
-            </a:r>
-          </a:p>
-        </p:txBody>
-      </p:sp>
-      <p:pic>
-        <p:nvPicPr>
-          <p:cNvPr descr="https://deidt7p41jzcy.cloudfront.net/Eso_IvorLewis_Anastomosis.png" id="0" name="Picture 1"/>
-          <p:cNvPicPr>
-            <a:picLocks noGrp="1" noChangeAspect="1"/>
-          </p:cNvPicPr>
-          <p:nvPr/>
-        </p:nvPicPr>
-        <p:blipFill>
-          <a:blip r:embed="rId2"/>
-          <a:stretch>
-            <a:fillRect/>
-          </a:stretch>
-        </p:blipFill>
-        <p:spPr bwMode="auto">
-          <a:xfrm>
-            <a:off x="5016500" y="1193800"/>
-            <a:ext cx="3302000" cy="3390900"/>
-          </a:xfrm>
-          <a:prstGeom prst="rect">
-            <a:avLst/>
-          </a:prstGeom>
-          <a:noFill/>
-          <a:ln w="9525">
-            <a:noFill/>
-            <a:headEnd/>
-            <a:tailEnd/>
-          </a:ln>
-        </p:spPr>
-      </p:pic>
-    </p:spTree>
-  </p:cSld>
-</p:sld>
-</file>
-
-<file path=ppt/slides/slide60.xml><?xml version="1.0" encoding="utf-8"?>
-<p:sld xmlns:a="http://schemas.openxmlformats.org/drawingml/2006/main" xmlns:r="http://schemas.openxmlformats.org/officeDocument/2006/relationships" xmlns:p="http://schemas.openxmlformats.org/presentationml/2006/main">
-  <p:cSld>
-    <p:spTree>
-      <p:nvGrpSpPr>
-        <p:cNvPr id="1" name=""/>
-        <p:cNvGrpSpPr/>
-        <p:nvPr/>
-      </p:nvGrpSpPr>
-      <p:grpSpPr>
-        <a:xfrm>
-          <a:off x="0" y="0"/>
-          <a:ext cx="0" cy="0"/>
-          <a:chOff x="0" y="0"/>
-          <a:chExt cx="0" cy="0"/>
-        </a:xfrm>
-      </p:grpSpPr>
-      <p:sp>
-        <p:nvSpPr>
-          <p:cNvPr id="2" name="Title 1"/>
-          <p:cNvSpPr>
-            <a:spLocks noGrp="1"/>
-          </p:cNvSpPr>
-          <p:nvPr>
-            <p:ph type="title"/>
-          </p:nvPr>
-        </p:nvSpPr>
-        <p:spPr/>
-        <p:txBody>
-          <a:bodyPr/>
-          <a:lstStyle/>
-          <a:p>
-            <a:pPr lvl="0" indent="0" marL="0">
-              <a:buNone/>
-            </a:pPr>
-            <a:r>
-              <a:rPr/>
-              <a:t>Jejunostomy Video</a:t>
-            </a:r>
-          </a:p>
-        </p:txBody>
-      </p:sp>
-      <p:sp>
-        <p:nvSpPr>
-          <p:cNvPr id="3" name="Content Placeholder 2"/>
-          <p:cNvSpPr>
-            <a:spLocks noGrp="1"/>
-          </p:cNvSpPr>
-          <p:nvPr>
-            <p:ph idx="1" sz="half"/>
-          </p:nvPr>
-        </p:nvSpPr>
-        <p:spPr/>
-        <p:txBody>
-          <a:bodyPr/>
-          <a:lstStyle/>
-          <a:p>
-            <a:pPr lvl="0" indent="0" marL="0">
-              <a:buNone/>
-            </a:pPr>
-            <a:r>
-              <a:rPr/>
-              <a:t>A video is available to help become familiar with the feeding jejunostomy</a:t>
-            </a:r>
-          </a:p>
-        </p:txBody>
-      </p:sp>
-      <p:sp>
-        <p:nvSpPr>
-          <p:cNvPr id="4" name="Content Placeholder 3"/>
-          <p:cNvSpPr>
-            <a:spLocks noGrp="1"/>
-          </p:cNvSpPr>
-          <p:nvPr>
-            <p:ph idx="2" sz="half"/>
-          </p:nvPr>
-        </p:nvSpPr>
-        <p:spPr/>
-        <p:txBody>
-          <a:bodyPr/>
-          <a:lstStyle/>
-          <a:p>
-            <a:pPr lvl="0" indent="0" marL="0">
-              <a:buNone/>
-            </a:pPr>
-            <a:r>
-              <a:rPr/>
-              <a:t>Gastrostomy = Stomach </a:t>
-            </a:r>
-          </a:p>
-        </p:txBody>
-      </p:sp>
-    </p:spTree>
-  </p:cSld>
-</p:sld>
-</file>
-
-<file path=ppt/slides/slide61.xml><?xml version="1.0" encoding="utf-8"?>
-<p:sld xmlns:a="http://schemas.openxmlformats.org/drawingml/2006/main" xmlns:r="http://schemas.openxmlformats.org/officeDocument/2006/relationships" xmlns:p="http://schemas.openxmlformats.org/presentationml/2006/main">
-  <p:cSld>
-    <p:spTree>
-      <p:nvGrpSpPr>
-        <p:cNvPr id="1" name=""/>
-        <p:cNvGrpSpPr/>
-        <p:nvPr/>
-      </p:nvGrpSpPr>
-      <p:grpSpPr>
-        <a:xfrm>
-          <a:off x="0" y="0"/>
-          <a:ext cx="0" cy="0"/>
-          <a:chOff x="0" y="0"/>
-          <a:chExt cx="0" cy="0"/>
-        </a:xfrm>
-      </p:grpSpPr>
-      <p:sp>
-        <p:nvSpPr>
-          <p:cNvPr id="2" name="Title 1"/>
-          <p:cNvSpPr>
-            <a:spLocks noGrp="1"/>
-          </p:cNvSpPr>
-          <p:nvPr>
-            <p:ph type="title"/>
-          </p:nvPr>
-        </p:nvSpPr>
-        <p:spPr/>
-        <p:txBody>
-          <a:bodyPr/>
-          <a:lstStyle/>
-          <a:p>
-            <a:pPr lvl="0" indent="0" marL="0">
-              <a:buNone/>
-            </a:pPr>
-            <a:r>
-              <a:rPr/>
-              <a:t>Epidural Catheter for Pain Control</a:t>
-            </a:r>
-          </a:p>
-        </p:txBody>
-      </p:sp>
-      <p:sp>
-        <p:nvSpPr>
-          <p:cNvPr id="3" name="Content Placeholder 2"/>
-          <p:cNvSpPr>
-            <a:spLocks noGrp="1"/>
-          </p:cNvSpPr>
-          <p:nvPr>
-            <p:ph idx="1"/>
-          </p:nvPr>
-        </p:nvSpPr>
-        <p:spPr/>
-        <p:txBody>
-          <a:bodyPr/>
-          <a:lstStyle/>
-          <a:p>
-            <a:pPr lvl="0"/>
-            <a:r>
-              <a:rPr/>
-              <a:t>Remains in place for 2-5 days</a:t>
-            </a:r>
-          </a:p>
-          <a:p>
-            <a:pPr lvl="0"/>
-            <a:r>
-              <a:rPr/>
-              <a:t>Dosage can be adjusted as needed</a:t>
-            </a:r>
-          </a:p>
-          <a:p>
-            <a:pPr lvl="0"/>
-            <a:r>
-              <a:rPr/>
-              <a:t>Can make it more difficult to urinate</a:t>
-            </a:r>
-          </a:p>
-          <a:p>
-            <a:pPr lvl="0"/>
-            <a:r>
-              <a:rPr/>
-              <a:t>May require foley catheter in bladder</a:t>
-            </a:r>
-          </a:p>
-          <a:p>
-            <a:pPr lvl="0"/>
-            <a:r>
-              <a:rPr/>
-              <a:t>Foley catheter removed after epidural removed</a:t>
-            </a:r>
-          </a:p>
-        </p:txBody>
-      </p:sp>
-    </p:spTree>
-  </p:cSld>
-</p:sld>
-</file>
-
-<file path=ppt/slides/slide62.xml><?xml version="1.0" encoding="utf-8"?>
-<p:sld xmlns:a="http://schemas.openxmlformats.org/drawingml/2006/main" xmlns:r="http://schemas.openxmlformats.org/officeDocument/2006/relationships" xmlns:p="http://schemas.openxmlformats.org/presentationml/2006/main">
-  <p:cSld>
-    <p:spTree>
-      <p:nvGrpSpPr>
-        <p:cNvPr id="1" name=""/>
-        <p:cNvGrpSpPr/>
-        <p:nvPr/>
-      </p:nvGrpSpPr>
-      <p:grpSpPr>
-        <a:xfrm>
-          <a:off x="0" y="0"/>
-          <a:ext cx="0" cy="0"/>
-          <a:chOff x="0" y="0"/>
-          <a:chExt cx="0" cy="0"/>
-        </a:xfrm>
-      </p:grpSpPr>
-      <p:sp>
-        <p:nvSpPr>
-          <p:cNvPr id="2" name="Title 1"/>
-          <p:cNvSpPr>
-            <a:spLocks noGrp="1"/>
-          </p:cNvSpPr>
-          <p:nvPr>
-            <p:ph type="title"/>
-          </p:nvPr>
-        </p:nvSpPr>
-        <p:spPr/>
-        <p:txBody>
-          <a:bodyPr/>
-          <a:lstStyle/>
-          <a:p>
-            <a:pPr lvl="0" indent="0" marL="0">
-              <a:buNone/>
-            </a:pPr>
-            <a:r>
-              <a:rPr/>
-              <a:t>ICU Stay (2-4 days)</a:t>
-            </a:r>
-          </a:p>
-        </p:txBody>
-      </p:sp>
-      <p:sp>
-        <p:nvSpPr>
-          <p:cNvPr id="3" name="Content Placeholder 2"/>
-          <p:cNvSpPr>
-            <a:spLocks noGrp="1"/>
-          </p:cNvSpPr>
-          <p:nvPr>
-            <p:ph idx="1"/>
-          </p:nvPr>
-        </p:nvSpPr>
-        <p:spPr/>
-        <p:txBody>
-          <a:bodyPr/>
-          <a:lstStyle/>
-          <a:p>
-            <a:pPr lvl="0"/>
-            <a:r>
-              <a:rPr/>
-              <a:t>NG tube in nose to drain stomach and esophagus</a:t>
-            </a:r>
-          </a:p>
-          <a:p>
-            <a:pPr lvl="0"/>
-            <a:r>
-              <a:rPr/>
-              <a:t>Catheter in bladder</a:t>
-            </a:r>
-          </a:p>
-          <a:p>
-            <a:pPr lvl="0"/>
-            <a:r>
-              <a:rPr/>
-              <a:t>Chest tube right chest</a:t>
-            </a:r>
-          </a:p>
-          <a:p>
-            <a:pPr lvl="0"/>
-            <a:r>
-              <a:rPr/>
-              <a:t>Abdominal drains (usually 2)</a:t>
-            </a:r>
-          </a:p>
-          <a:p>
-            <a:pPr lvl="0"/>
-            <a:r>
-              <a:rPr/>
-              <a:t>Feeding jejunostomy (usually stays in 8 wks)</a:t>
-            </a:r>
-          </a:p>
-        </p:txBody>
-      </p:sp>
-    </p:spTree>
-  </p:cSld>
-</p:sld>
-</file>
-
-<file path=ppt/slides/slide63.xml><?xml version="1.0" encoding="utf-8"?>
-<p:sld xmlns:a="http://schemas.openxmlformats.org/drawingml/2006/main" xmlns:r="http://schemas.openxmlformats.org/officeDocument/2006/relationships" xmlns:p="http://schemas.openxmlformats.org/presentationml/2006/main">
-  <p:cSld>
-    <p:spTree>
-      <p:nvGrpSpPr>
-        <p:cNvPr id="1" name=""/>
-        <p:cNvGrpSpPr/>
-        <p:nvPr/>
-      </p:nvGrpSpPr>
-      <p:grpSpPr>
-        <a:xfrm>
-          <a:off x="0" y="0"/>
-          <a:ext cx="0" cy="0"/>
-          <a:chOff x="0" y="0"/>
-          <a:chExt cx="0" cy="0"/>
-        </a:xfrm>
-      </p:grpSpPr>
-      <p:sp>
-        <p:nvSpPr>
-          <p:cNvPr id="2" name="Title 1"/>
-          <p:cNvSpPr>
-            <a:spLocks noGrp="1"/>
-          </p:cNvSpPr>
-          <p:nvPr>
-            <p:ph type="title"/>
-          </p:nvPr>
-        </p:nvSpPr>
-        <p:spPr/>
-        <p:txBody>
-          <a:bodyPr/>
-          <a:lstStyle/>
-          <a:p>
-            <a:pPr lvl="0" indent="0" marL="0">
-              <a:buNone/>
-            </a:pPr>
-            <a:r>
-              <a:rPr/>
-              <a:t>Ward - 6Tower</a:t>
-            </a:r>
-          </a:p>
-        </p:txBody>
-      </p:sp>
-      <p:sp>
-        <p:nvSpPr>
-          <p:cNvPr id="3" name="Content Placeholder 2"/>
-          <p:cNvSpPr>
-            <a:spLocks noGrp="1"/>
-          </p:cNvSpPr>
-          <p:nvPr>
-            <p:ph idx="1"/>
-          </p:nvPr>
-        </p:nvSpPr>
-        <p:spPr/>
-        <p:txBody>
-          <a:bodyPr/>
-          <a:lstStyle/>
-          <a:p>
-            <a:pPr lvl="0"/>
-            <a:r>
-              <a:rPr/>
-              <a:t>Jejunostomy feeds started</a:t>
-            </a:r>
-          </a:p>
-          <a:p>
-            <a:pPr lvl="1"/>
-            <a:r>
-              <a:rPr/>
-              <a:t>Nurses will instruct you and family how to operate the pump</a:t>
-            </a:r>
-          </a:p>
-          <a:p>
-            <a:pPr lvl="0"/>
-            <a:r>
-              <a:rPr/>
-              <a:t>Up in a chair most of the day</a:t>
-            </a:r>
-          </a:p>
-          <a:p>
-            <a:pPr lvl="0"/>
-            <a:r>
-              <a:rPr/>
-              <a:t>Walking in the halls</a:t>
-            </a:r>
-          </a:p>
-          <a:p>
-            <a:pPr lvl="1"/>
-            <a:r>
-              <a:rPr/>
-              <a:t>Start with assistance</a:t>
-            </a:r>
-          </a:p>
-          <a:p>
-            <a:pPr lvl="1"/>
-            <a:r>
-              <a:rPr/>
-              <a:t>Improves lung function</a:t>
-            </a:r>
-          </a:p>
-          <a:p>
-            <a:pPr lvl="1"/>
-            <a:r>
-              <a:rPr/>
-              <a:t>Prevents loss of muscle</a:t>
-            </a:r>
-          </a:p>
-        </p:txBody>
-      </p:sp>
-    </p:spTree>
-  </p:cSld>
-</p:sld>
-</file>
-
-<file path=ppt/slides/slide64.xml><?xml version="1.0" encoding="utf-8"?>
-<p:sld xmlns:a="http://schemas.openxmlformats.org/drawingml/2006/main" xmlns:r="http://schemas.openxmlformats.org/officeDocument/2006/relationships" xmlns:p="http://schemas.openxmlformats.org/presentationml/2006/main">
-  <p:cSld>
-    <p:spTree>
-      <p:nvGrpSpPr>
-        <p:cNvPr id="1" name=""/>
-        <p:cNvGrpSpPr/>
-        <p:nvPr/>
-      </p:nvGrpSpPr>
-      <p:grpSpPr>
-        <a:xfrm>
-          <a:off x="0" y="0"/>
-          <a:ext cx="0" cy="0"/>
-          <a:chOff x="0" y="0"/>
-          <a:chExt cx="0" cy="0"/>
-        </a:xfrm>
-      </p:grpSpPr>
-      <p:sp>
-        <p:nvSpPr>
-          <p:cNvPr id="2" name="Title 1"/>
-          <p:cNvSpPr>
-            <a:spLocks noGrp="1"/>
-          </p:cNvSpPr>
-          <p:nvPr>
-            <p:ph type="title"/>
-          </p:nvPr>
-        </p:nvSpPr>
-        <p:spPr/>
-        <p:txBody>
-          <a:bodyPr/>
-          <a:lstStyle/>
-          <a:p>
-            <a:pPr lvl="0" indent="0" marL="0">
-              <a:buNone/>
-            </a:pPr>
-            <a:r>
-              <a:rPr/>
-              <a:t>Jejunostomy Feeds</a:t>
-            </a:r>
-          </a:p>
-        </p:txBody>
-      </p:sp>
-      <p:sp>
-        <p:nvSpPr>
-          <p:cNvPr id="3" name="Content Placeholder 2"/>
-          <p:cNvSpPr>
-            <a:spLocks noGrp="1"/>
-          </p:cNvSpPr>
-          <p:nvPr>
-            <p:ph idx="1"/>
-          </p:nvPr>
-        </p:nvSpPr>
-        <p:spPr/>
-        <p:txBody>
-          <a:bodyPr/>
-          <a:lstStyle/>
-          <a:p>
-            <a:pPr lvl="0" indent="0" marL="0">
-              <a:buNone/>
-            </a:pPr>
-            <a:r>
-              <a:rPr/>
-              <a:t>Jejunostomy tube feeds</a:t>
-            </a:r>
-          </a:p>
-          <a:p>
-            <a:pPr lvl="0"/>
-            <a:r>
-              <a:rPr/>
-              <a:t>Start continuous (24 hours)</a:t>
-            </a:r>
-          </a:p>
-          <a:p>
-            <a:pPr lvl="0"/>
-            <a:r>
-              <a:rPr/>
-              <a:t>Convert to night-time only (16 hours)</a:t>
-            </a:r>
-          </a:p>
-          <a:p>
-            <a:pPr lvl="0" indent="0" marL="0">
-              <a:buNone/>
-            </a:pPr>
-            <a:r>
-              <a:rPr/>
-              <a:t>Water administered through feeding tube</a:t>
-            </a:r>
-          </a:p>
-          <a:p>
-            <a:pPr lvl="0"/>
-            <a:r>
-              <a:rPr/>
-              <a:t>Usually 8oz 4 times/day</a:t>
-            </a:r>
-          </a:p>
-          <a:p>
-            <a:pPr lvl="0"/>
-            <a:r>
-              <a:rPr/>
-              <a:t>Important to prevent dehydration</a:t>
-            </a:r>
-          </a:p>
-          <a:p>
-            <a:pPr lvl="0" indent="0" marL="0">
-              <a:buNone/>
-            </a:pPr>
-            <a:r>
-              <a:rPr/>
-              <a:t>Diabetic patients may need insulin</a:t>
-            </a:r>
-          </a:p>
-        </p:txBody>
-      </p:sp>
-    </p:spTree>
-  </p:cSld>
-</p:sld>
-</file>
-
-<file path=ppt/slides/slide65.xml><?xml version="1.0" encoding="utf-8"?>
-<p:sld xmlns:a="http://schemas.openxmlformats.org/drawingml/2006/main" xmlns:r="http://schemas.openxmlformats.org/officeDocument/2006/relationships" xmlns:p="http://schemas.openxmlformats.org/presentationml/2006/main">
-  <p:cSld>
-    <p:spTree>
-      <p:nvGrpSpPr>
-        <p:cNvPr id="1" name=""/>
-        <p:cNvGrpSpPr/>
-        <p:nvPr/>
-      </p:nvGrpSpPr>
-      <p:grpSpPr>
-        <a:xfrm>
-          <a:off x="0" y="0"/>
-          <a:ext cx="0" cy="0"/>
-          <a:chOff x="0" y="0"/>
-          <a:chExt cx="0" cy="0"/>
-        </a:xfrm>
-      </p:grpSpPr>
-      <p:sp>
-        <p:nvSpPr>
-          <p:cNvPr id="2" name="Title 1"/>
-          <p:cNvSpPr>
-            <a:spLocks noGrp="1"/>
-          </p:cNvSpPr>
-          <p:nvPr>
-            <p:ph type="title"/>
-          </p:nvPr>
-        </p:nvSpPr>
-        <p:spPr/>
-        <p:txBody>
-          <a:bodyPr/>
-          <a:lstStyle/>
-          <a:p>
-            <a:pPr lvl="0" indent="0" marL="0">
-              <a:buNone/>
-            </a:pPr>
-            <a:r>
-              <a:rPr/>
-              <a:t>Jejunostomy Feeds with Diabetes</a:t>
-            </a:r>
-          </a:p>
-        </p:txBody>
-      </p:sp>
-      <p:sp>
-        <p:nvSpPr>
-          <p:cNvPr id="3" name="Content Placeholder 2"/>
-          <p:cNvSpPr>
-            <a:spLocks noGrp="1"/>
-          </p:cNvSpPr>
-          <p:nvPr>
-            <p:ph idx="1"/>
-          </p:nvPr>
-        </p:nvSpPr>
-        <p:spPr/>
-        <p:txBody>
-          <a:bodyPr/>
-          <a:lstStyle/>
-          <a:p>
-            <a:pPr lvl="0" indent="0" marL="0">
-              <a:buNone/>
-            </a:pPr>
-            <a:r>
-              <a:rPr/>
-              <a:t>Jejunostomy feedings may cause blood sugars to be elevated</a:t>
-            </a:r>
-          </a:p>
-          <a:p>
-            <a:pPr lvl="0"/>
-            <a:r>
-              <a:rPr/>
-              <a:t>Insulin may be required along with feeds</a:t>
-            </a:r>
-          </a:p>
-          <a:p>
-            <a:pPr lvl="0" indent="0" marL="0">
-              <a:buNone/>
-            </a:pPr>
-            <a:r>
-              <a:rPr/>
-              <a:t>Typical Pattern for tube feeds</a:t>
-            </a:r>
-          </a:p>
-          <a:p>
-            <a:pPr lvl="0"/>
-            <a:r>
-              <a:rPr/>
-              <a:t>Feeds run via pump from 6pm to 10am</a:t>
-            </a:r>
-          </a:p>
-          <a:p>
-            <a:pPr lvl="0"/>
-            <a:r>
-              <a:rPr/>
-              <a:t>Insulin at 6pm (70/30 insulin)</a:t>
-            </a:r>
-          </a:p>
-          <a:p>
-            <a:pPr lvl="0"/>
-            <a:r>
-              <a:rPr/>
-              <a:t>Insulin at Midnight (70/30 insulin)</a:t>
-            </a:r>
-          </a:p>
-          <a:p>
-            <a:pPr lvl="0"/>
-            <a:r>
-              <a:rPr/>
-              <a:t>No insulin if tube feedings are not run</a:t>
-            </a:r>
-          </a:p>
-        </p:txBody>
-      </p:sp>
-    </p:spTree>
-  </p:cSld>
-</p:sld>
-</file>
-
-<file path=ppt/slides/slide66.xml><?xml version="1.0" encoding="utf-8"?>
 <p:sld xmlns:a="http://schemas.openxmlformats.org/drawingml/2006/main" xmlns:r="http://schemas.openxmlformats.org/officeDocument/2006/relationships" xmlns:p="http://schemas.openxmlformats.org/presentationml/2006/main">
   <p:cSld>
     <p:spTree>
@@ -9975,7 +7270,7 @@
 </p:sld>
 </file>
 
-<file path=ppt/slides/slide67.xml><?xml version="1.0" encoding="utf-8"?>
+<file path=ppt/slides/slide41.xml><?xml version="1.0" encoding="utf-8"?>
 <p:sld xmlns:a="http://schemas.openxmlformats.org/drawingml/2006/main" xmlns:r="http://schemas.openxmlformats.org/officeDocument/2006/relationships" xmlns:p="http://schemas.openxmlformats.org/presentationml/2006/main">
   <p:cSld>
     <p:spTree>
@@ -10048,7 +7343,21 @@
                 </a:pPr>
                 <a:r>
                   <a:rPr/>
-                  <a:t>Modified barium swallow in radiology Drink a white chalky liquid (barium) Look for proper swallowing function</a:t>
+                  <a:t>Modified barium swallow in radiology</a:t>
+                </a:r>
+              </a:p>
+              <a:p>
+                <a:pPr lvl="0"/>
+                <a:r>
+                  <a:rPr/>
+                  <a:t>Drink a white chalky liquid (barium)</a:t>
+                </a:r>
+              </a:p>
+              <a:p>
+                <a:pPr lvl="0"/>
+                <a:r>
+                  <a:rPr/>
+                  <a:t>Look for proper swallowing function</a:t>
                 </a:r>
               </a:p>
               <a:p>
@@ -10081,7 +7390,7 @@
 </p:sld>
 </file>
 
-<file path=ppt/slides/slide68.xml><?xml version="1.0" encoding="utf-8"?>
+<file path=ppt/slides/slide42.xml><?xml version="1.0" encoding="utf-8"?>
 <p:sld xmlns:a="http://schemas.openxmlformats.org/drawingml/2006/main" xmlns:r="http://schemas.openxmlformats.org/officeDocument/2006/relationships" xmlns:p="http://schemas.openxmlformats.org/presentationml/2006/main">
   <p:cSld>
     <p:spTree>
@@ -10118,7 +7427,7 @@
             </a:pPr>
             <a:r>
               <a:rPr/>
-              <a:t>Discharge</a:t>
+              <a:t>Protein Shakes</a:t>
             </a:r>
           </a:p>
         </p:txBody>
@@ -10143,56 +7452,31 @@
             </a:pPr>
             <a:r>
               <a:rPr/>
-              <a:t>Goal: ready to leave day #6/7 after surgery</a:t>
-            </a:r>
-          </a:p>
-          <a:p>
-            <a:pPr lvl="0"/>
-            <a:r>
-              <a:rPr/>
-              <a:t>Night-time tube feedings (6pm to 10am)</a:t>
-            </a:r>
-          </a:p>
-          <a:p>
-            <a:pPr lvl="0"/>
-            <a:r>
-              <a:rPr/>
-              <a:t>Some nutrition by mouth (70% of patients)</a:t>
-            </a:r>
-          </a:p>
-          <a:p>
-            <a:pPr lvl="1"/>
-            <a:r>
-              <a:rPr/>
-              <a:t>1 oz of water per hour by mouth OR</a:t>
-            </a:r>
-          </a:p>
-          <a:p>
-            <a:pPr lvl="1"/>
-            <a:r>
-              <a:rPr/>
-              <a:t>Protein shakes 4oz every 2 hours</a:t>
-            </a:r>
-          </a:p>
-          <a:p>
-            <a:pPr lvl="0"/>
-            <a:r>
-              <a:rPr/>
-              <a:t>Water through tube 8oz four times per day</a:t>
-            </a:r>
-          </a:p>
-          <a:p>
-            <a:pPr lvl="0"/>
-            <a:r>
-              <a:rPr/>
-              <a:t>Home care nursing (feeding tube teaching)</a:t>
-            </a:r>
-          </a:p>
-          <a:p>
-            <a:pPr lvl="0"/>
-            <a:r>
-              <a:rPr/>
-              <a:t>Home infusion (tube feeding supplies)</a:t>
+              <a:t>Most are taking protein shakes when they go home</a:t>
+            </a:r>
+          </a:p>
+          <a:p>
+            <a:pPr lvl="0" indent="0" marL="0">
+              <a:buNone/>
+            </a:pPr>
+            <a:r>
+              <a:rPr/>
+              <a:t>Protein shakes are started after tolerating water</a:t>
+            </a:r>
+            <a:br/>
+          </a:p>
+          <a:p>
+            <a:pPr lvl="0"/>
+            <a:r>
+              <a:rPr/>
+              <a:t>2 oz per hour to start</a:t>
+            </a:r>
+          </a:p>
+          <a:p>
+            <a:pPr lvl="0"/>
+            <a:r>
+              <a:rPr/>
+              <a:t>4 oz per hour if 2oz are tolerated well</a:t>
             </a:r>
           </a:p>
         </p:txBody>
@@ -10202,7 +7486,7 @@
 </p:sld>
 </file>
 
-<file path=ppt/slides/slide69.xml><?xml version="1.0" encoding="utf-8"?>
+<file path=ppt/slides/slide43.xml><?xml version="1.0" encoding="utf-8"?>
 <p:sld xmlns:a="http://schemas.openxmlformats.org/drawingml/2006/main" xmlns:r="http://schemas.openxmlformats.org/officeDocument/2006/relationships" xmlns:p="http://schemas.openxmlformats.org/presentationml/2006/main">
   <p:cSld>
     <p:spTree>
@@ -10239,6 +7523,593 @@
             </a:pPr>
             <a:r>
               <a:rPr/>
+              <a:t>Discharge</a:t>
+            </a:r>
+          </a:p>
+        </p:txBody>
+      </p:sp>
+      <p:sp>
+        <p:nvSpPr>
+          <p:cNvPr id="3" name="Content Placeholder 2"/>
+          <p:cNvSpPr>
+            <a:spLocks noGrp="1"/>
+          </p:cNvSpPr>
+          <p:nvPr>
+            <p:ph idx="1"/>
+          </p:nvPr>
+        </p:nvSpPr>
+        <p:spPr/>
+        <p:txBody>
+          <a:bodyPr/>
+          <a:lstStyle/>
+          <a:p>
+            <a:pPr lvl="0" indent="0" marL="0">
+              <a:buNone/>
+            </a:pPr>
+            <a:r>
+              <a:rPr/>
+              <a:t>Goal: ready to leave day #6/7 after surgery</a:t>
+            </a:r>
+          </a:p>
+          <a:p>
+            <a:pPr lvl="0"/>
+            <a:r>
+              <a:rPr/>
+              <a:t>Night-time tube feedings (6pm to 10am)</a:t>
+            </a:r>
+          </a:p>
+          <a:p>
+            <a:pPr lvl="0"/>
+            <a:r>
+              <a:rPr/>
+              <a:t>Some nutrition by mouth (70% of patients)</a:t>
+            </a:r>
+          </a:p>
+          <a:p>
+            <a:pPr lvl="1"/>
+            <a:r>
+              <a:rPr/>
+              <a:t>1 oz of water per hour by mouth OR</a:t>
+            </a:r>
+          </a:p>
+          <a:p>
+            <a:pPr lvl="1"/>
+            <a:r>
+              <a:rPr/>
+              <a:t>Protein shakes 4oz every 2 hours</a:t>
+            </a:r>
+          </a:p>
+          <a:p>
+            <a:pPr lvl="0"/>
+            <a:r>
+              <a:rPr/>
+              <a:t>Water through tube 8oz four times per day</a:t>
+            </a:r>
+          </a:p>
+          <a:p>
+            <a:pPr lvl="0"/>
+            <a:r>
+              <a:rPr/>
+              <a:t>Home care nursing (feeding tube teaching)</a:t>
+            </a:r>
+          </a:p>
+          <a:p>
+            <a:pPr lvl="0"/>
+            <a:r>
+              <a:rPr/>
+              <a:t>Home infusion (tube feeding supplies)</a:t>
+            </a:r>
+          </a:p>
+        </p:txBody>
+      </p:sp>
+    </p:spTree>
+  </p:cSld>
+</p:sld>
+</file>
+
+<file path=ppt/slides/slide44.xml><?xml version="1.0" encoding="utf-8"?>
+<p:sld xmlns:a="http://schemas.openxmlformats.org/drawingml/2006/main" xmlns:r="http://schemas.openxmlformats.org/officeDocument/2006/relationships" xmlns:p="http://schemas.openxmlformats.org/presentationml/2006/main">
+  <p:cSld>
+    <p:spTree>
+      <p:nvGrpSpPr>
+        <p:cNvPr id="1" name=""/>
+        <p:cNvGrpSpPr/>
+        <p:nvPr/>
+      </p:nvGrpSpPr>
+      <p:grpSpPr>
+        <a:xfrm>
+          <a:off x="0" y="0"/>
+          <a:ext cx="0" cy="0"/>
+          <a:chOff x="0" y="0"/>
+          <a:chExt cx="0" cy="0"/>
+        </a:xfrm>
+      </p:grpSpPr>
+      <p:sp>
+        <p:nvSpPr>
+          <p:cNvPr id="2" name="Title 1"/>
+          <p:cNvSpPr>
+            <a:spLocks noGrp="1"/>
+          </p:cNvSpPr>
+          <p:nvPr>
+            <p:ph type="title"/>
+          </p:nvPr>
+        </p:nvSpPr>
+        <p:spPr/>
+        <p:txBody>
+          <a:bodyPr/>
+          <a:lstStyle/>
+          <a:p>
+            <a:pPr lvl="0" indent="0" marL="0">
+              <a:buNone/>
+            </a:pPr>
+            <a:r>
+              <a:rPr/>
+              <a:t>Nutrition at Home</a:t>
+            </a:r>
+          </a:p>
+        </p:txBody>
+      </p:sp>
+      <p:sp>
+        <p:nvSpPr>
+          <p:cNvPr id="3" name="Content Placeholder 2"/>
+          <p:cNvSpPr>
+            <a:spLocks noGrp="1"/>
+          </p:cNvSpPr>
+          <p:nvPr>
+            <p:ph idx="1"/>
+          </p:nvPr>
+        </p:nvSpPr>
+        <p:spPr/>
+        <p:txBody>
+          <a:bodyPr/>
+          <a:lstStyle/>
+          <a:p>
+            <a:pPr lvl="0" indent="0" marL="0">
+              <a:buNone/>
+            </a:pPr>
+            <a:r>
+              <a:rPr/>
+              <a:t>Most patients go home with:</a:t>
+            </a:r>
+          </a:p>
+          <a:p>
+            <a:pPr lvl="0"/>
+            <a:r>
+              <a:rPr/>
+              <a:t>Protein shakes by mouth 4oz at a time</a:t>
+            </a:r>
+          </a:p>
+          <a:p>
+            <a:pPr lvl="0"/>
+            <a:r>
+              <a:rPr/>
+              <a:t>Tube feeds at night (4-5 cartons)</a:t>
+            </a:r>
+          </a:p>
+          <a:p>
+            <a:pPr lvl="0"/>
+            <a:r>
+              <a:rPr/>
+              <a:t>Water through the feeding tube 8oz 4 times per day</a:t>
+            </a:r>
+          </a:p>
+        </p:txBody>
+      </p:sp>
+    </p:spTree>
+  </p:cSld>
+</p:sld>
+</file>
+
+<file path=ppt/slides/slide45.xml><?xml version="1.0" encoding="utf-8"?>
+<p:sld xmlns:a="http://schemas.openxmlformats.org/drawingml/2006/main" xmlns:r="http://schemas.openxmlformats.org/officeDocument/2006/relationships" xmlns:p="http://schemas.openxmlformats.org/presentationml/2006/main">
+  <p:cSld>
+    <p:spTree>
+      <p:nvGrpSpPr>
+        <p:cNvPr id="1" name=""/>
+        <p:cNvGrpSpPr/>
+        <p:nvPr/>
+      </p:nvGrpSpPr>
+      <p:grpSpPr>
+        <a:xfrm>
+          <a:off x="0" y="0"/>
+          <a:ext cx="0" cy="0"/>
+          <a:chOff x="0" y="0"/>
+          <a:chExt cx="0" cy="0"/>
+        </a:xfrm>
+      </p:grpSpPr>
+      <p:sp>
+        <p:nvSpPr>
+          <p:cNvPr id="2" name="Title 1"/>
+          <p:cNvSpPr>
+            <a:spLocks noGrp="1"/>
+          </p:cNvSpPr>
+          <p:nvPr>
+            <p:ph type="title"/>
+          </p:nvPr>
+        </p:nvSpPr>
+        <p:spPr/>
+        <p:txBody>
+          <a:bodyPr/>
+          <a:lstStyle/>
+          <a:p>
+            <a:pPr lvl="0" indent="0" marL="0">
+              <a:buNone/>
+            </a:pPr>
+            <a:r>
+              <a:rPr/>
+              <a:t>Nutrition after Surgery</a:t>
+            </a:r>
+          </a:p>
+        </p:txBody>
+      </p:sp>
+      <p:sp>
+        <p:nvSpPr>
+          <p:cNvPr id="3" name="Content Placeholder 2"/>
+          <p:cNvSpPr>
+            <a:spLocks noGrp="1"/>
+          </p:cNvSpPr>
+          <p:nvPr>
+            <p:ph idx="1"/>
+          </p:nvPr>
+        </p:nvSpPr>
+        <p:spPr/>
+        <p:txBody>
+          <a:bodyPr/>
+          <a:lstStyle/>
+          <a:p>
+            <a:pPr lvl="0" indent="0" marL="0">
+              <a:buNone/>
+            </a:pPr>
+            <a:r>
+              <a:rPr/>
+              <a:t>At discharge home:</a:t>
+            </a:r>
+          </a:p>
+          <a:p>
+            <a:pPr lvl="0"/>
+            <a:r>
+              <a:rPr/>
+              <a:t>Protein shakes 4oz every 2 hrs</a:t>
+            </a:r>
+          </a:p>
+          <a:p>
+            <a:pPr lvl="0"/>
+            <a:r>
+              <a:rPr/>
+              <a:t>Tube feeds 4-5 cans at night (6pm-10am)</a:t>
+            </a:r>
+          </a:p>
+          <a:p>
+            <a:pPr lvl="0" indent="0" marL="0">
+              <a:buNone/>
+            </a:pPr>
+            <a:r>
+              <a:rPr/>
+              <a:t>10-12 Days: Increase protein shakes</a:t>
+            </a:r>
+          </a:p>
+          <a:p>
+            <a:pPr lvl="0"/>
+            <a:r>
+              <a:rPr/>
+              <a:t>Tube feeds 3-4 cans at night</a:t>
+            </a:r>
+          </a:p>
+          <a:p>
+            <a:pPr lvl="0" indent="0" marL="0">
+              <a:buNone/>
+            </a:pPr>
+            <a:r>
+              <a:rPr/>
+              <a:t>Three weeks: Post-esophagectomy Diet</a:t>
+            </a:r>
+          </a:p>
+          <a:p>
+            <a:pPr lvl="0" indent="0" marL="0">
+              <a:buNone/>
+            </a:pPr>
+            <a:r>
+              <a:rPr/>
+              <a:t>8-12 weeks: Remove feeding tube (in office)</a:t>
+            </a:r>
+          </a:p>
+        </p:txBody>
+      </p:sp>
+    </p:spTree>
+  </p:cSld>
+</p:sld>
+</file>
+
+<file path=ppt/slides/slide46.xml><?xml version="1.0" encoding="utf-8"?>
+<p:sld xmlns:a="http://schemas.openxmlformats.org/drawingml/2006/main" xmlns:r="http://schemas.openxmlformats.org/officeDocument/2006/relationships" xmlns:p="http://schemas.openxmlformats.org/presentationml/2006/main">
+  <p:cSld>
+    <p:spTree>
+      <p:nvGrpSpPr>
+        <p:cNvPr id="1" name=""/>
+        <p:cNvGrpSpPr/>
+        <p:nvPr/>
+      </p:nvGrpSpPr>
+      <p:grpSpPr>
+        <a:xfrm>
+          <a:off x="0" y="0"/>
+          <a:ext cx="0" cy="0"/>
+          <a:chOff x="0" y="0"/>
+          <a:chExt cx="0" cy="0"/>
+        </a:xfrm>
+      </p:grpSpPr>
+      <mc:AlternateContent xmlns:mc="http://schemas.openxmlformats.org/markup-compatibility/2006">
+        <mc:Choice xmlns:a14="http://schemas.microsoft.com/office/drawing/2010/main" Requires="a14">
+          <p:sp>
+            <p:nvSpPr>
+              <p:cNvPr id="2" name="Title 1"/>
+              <p:cNvSpPr>
+                <a:spLocks noGrp="1"/>
+              </p:cNvSpPr>
+              <p:nvPr>
+                <p:ph type="title"/>
+              </p:nvPr>
+            </p:nvSpPr>
+            <p:spPr/>
+            <p:txBody>
+              <a:bodyPr/>
+              <a:lstStyle/>
+              <a:p>
+                <a:pPr lvl="0" indent="0" marL="0">
+                  <a:buNone/>
+                </a:pPr>
+                <a:r>
+                  <a:rPr/>
+                  <a:t>Transition from Tube Feeds </a:t>
+                </a:r>
+                <a14:m>
+                  <m:oMath xmlns:m="http://schemas.openxmlformats.org/officeDocument/2006/math">
+                    <m:r>
+                      <m:rPr>
+                        <m:sty m:val="p"/>
+                      </m:rPr>
+                      <m:t>→</m:t>
+                    </m:r>
+                  </m:oMath>
+                </a14:m>
+                <a:r>
+                  <a:rPr/>
+                  <a:t> Eating</a:t>
+                </a:r>
+              </a:p>
+            </p:txBody>
+          </p:sp>
+        </mc:Choice>
+      </mc:AlternateContent>
+      <p:sp>
+        <p:nvSpPr>
+          <p:cNvPr id="3" name="Content Placeholder 2"/>
+          <p:cNvSpPr>
+            <a:spLocks noGrp="1"/>
+          </p:cNvSpPr>
+          <p:nvPr>
+            <p:ph idx="1"/>
+          </p:nvPr>
+        </p:nvSpPr>
+        <p:spPr/>
+        <p:txBody>
+          <a:bodyPr/>
+          <a:lstStyle/>
+          <a:p>
+            <a:pPr lvl="0" indent="0" marL="0">
+              <a:buNone/>
+            </a:pPr>
+            <a:r>
+              <a:rPr/>
+              <a:t>Dietitian will calculate daily protein goal</a:t>
+            </a:r>
+          </a:p>
+          <a:p>
+            <a:pPr lvl="0"/>
+            <a:r>
+              <a:rPr/>
+              <a:t>Typically 60-75 grams protein/day</a:t>
+            </a:r>
+          </a:p>
+          <a:p>
+            <a:pPr lvl="0"/>
+            <a:r>
+              <a:rPr/>
+              <a:t>Each carton of tube feeding has 15 grams</a:t>
+            </a:r>
+          </a:p>
+          <a:p>
+            <a:pPr lvl="1"/>
+            <a:r>
+              <a:rPr/>
+              <a:t>75 grams protein = 5 cartons/night</a:t>
+            </a:r>
+          </a:p>
+          <a:p>
+            <a:pPr lvl="0"/>
+            <a:r>
+              <a:rPr/>
+              <a:t>As intake by mouth increases, tube feeds are reduced</a:t>
+            </a:r>
+          </a:p>
+          <a:p>
+            <a:pPr lvl="0" indent="0" marL="0">
+              <a:buNone/>
+            </a:pPr>
+            <a:r>
+              <a:rPr/>
+              <a:t>Important that protein is spread out during the day (20gm/meal)</a:t>
+            </a:r>
+          </a:p>
+          <a:p>
+            <a:pPr lvl="0"/>
+            <a:r>
+              <a:rPr/>
+              <a:t>Three meals + 2-3 high-protein snacks</a:t>
+            </a:r>
+          </a:p>
+        </p:txBody>
+      </p:sp>
+    </p:spTree>
+  </p:cSld>
+</p:sld>
+</file>
+
+<file path=ppt/slides/slide47.xml><?xml version="1.0" encoding="utf-8"?>
+<p:sld xmlns:a="http://schemas.openxmlformats.org/drawingml/2006/main" xmlns:r="http://schemas.openxmlformats.org/officeDocument/2006/relationships" xmlns:p="http://schemas.openxmlformats.org/presentationml/2006/main">
+  <p:cSld>
+    <p:spTree>
+      <p:nvGrpSpPr>
+        <p:cNvPr id="1" name=""/>
+        <p:cNvGrpSpPr/>
+        <p:nvPr/>
+      </p:nvGrpSpPr>
+      <p:grpSpPr>
+        <a:xfrm>
+          <a:off x="0" y="0"/>
+          <a:ext cx="0" cy="0"/>
+          <a:chOff x="0" y="0"/>
+          <a:chExt cx="0" cy="0"/>
+        </a:xfrm>
+      </p:grpSpPr>
+      <p:sp>
+        <p:nvSpPr>
+          <p:cNvPr id="2" name="Title 1"/>
+          <p:cNvSpPr>
+            <a:spLocks noGrp="1"/>
+          </p:cNvSpPr>
+          <p:nvPr>
+            <p:ph type="title"/>
+          </p:nvPr>
+        </p:nvSpPr>
+        <p:spPr/>
+        <p:txBody>
+          <a:bodyPr/>
+          <a:lstStyle/>
+          <a:p>
+            <a:pPr lvl="0" indent="0" marL="0">
+              <a:buNone/>
+            </a:pPr>
+            <a:r>
+              <a:rPr/>
+              <a:t>Post-esophagectomy Diet</a:t>
+            </a:r>
+          </a:p>
+        </p:txBody>
+      </p:sp>
+      <p:sp>
+        <p:nvSpPr>
+          <p:cNvPr id="3" name="Content Placeholder 2"/>
+          <p:cNvSpPr>
+            <a:spLocks noGrp="1"/>
+          </p:cNvSpPr>
+          <p:nvPr>
+            <p:ph idx="1"/>
+          </p:nvPr>
+        </p:nvSpPr>
+        <p:spPr/>
+        <p:txBody>
+          <a:bodyPr/>
+          <a:lstStyle/>
+          <a:p>
+            <a:pPr lvl="0"/>
+            <a:r>
+              <a:rPr/>
+              <a:t>Soft Consistency</a:t>
+            </a:r>
+          </a:p>
+          <a:p>
+            <a:pPr lvl="0"/>
+            <a:r>
+              <a:rPr/>
+              <a:t>High Protein</a:t>
+            </a:r>
+          </a:p>
+          <a:p>
+            <a:pPr lvl="0"/>
+            <a:r>
+              <a:rPr/>
+              <a:t>Avoid sugary liquids (can cause ‘dumping’)</a:t>
+            </a:r>
+          </a:p>
+          <a:p>
+            <a:pPr lvl="0"/>
+            <a:r>
+              <a:rPr/>
+              <a:t>Avoid raw vegetables (and salads)</a:t>
+            </a:r>
+          </a:p>
+          <a:p>
+            <a:pPr lvl="0"/>
+            <a:r>
+              <a:rPr/>
+              <a:t>Eating</a:t>
+            </a:r>
+          </a:p>
+          <a:p>
+            <a:pPr lvl="1"/>
+            <a:r>
+              <a:rPr/>
+              <a:t>Small, frequent meals</a:t>
+            </a:r>
+          </a:p>
+          <a:p>
+            <a:pPr lvl="1"/>
+            <a:r>
+              <a:rPr/>
+              <a:t>Sit up for 30-45 minutes after eating</a:t>
+            </a:r>
+          </a:p>
+          <a:p>
+            <a:pPr lvl="1"/>
+            <a:r>
+              <a:rPr/>
+              <a:t>Avoid eating within 2 hours of bedtime</a:t>
+            </a:r>
+          </a:p>
+        </p:txBody>
+      </p:sp>
+    </p:spTree>
+  </p:cSld>
+</p:sld>
+</file>
+
+<file path=ppt/slides/slide48.xml><?xml version="1.0" encoding="utf-8"?>
+<p:sld xmlns:a="http://schemas.openxmlformats.org/drawingml/2006/main" xmlns:r="http://schemas.openxmlformats.org/officeDocument/2006/relationships" xmlns:p="http://schemas.openxmlformats.org/presentationml/2006/main">
+  <p:cSld>
+    <p:spTree>
+      <p:nvGrpSpPr>
+        <p:cNvPr id="1" name=""/>
+        <p:cNvGrpSpPr/>
+        <p:nvPr/>
+      </p:nvGrpSpPr>
+      <p:grpSpPr>
+        <a:xfrm>
+          <a:off x="0" y="0"/>
+          <a:ext cx="0" cy="0"/>
+          <a:chOff x="0" y="0"/>
+          <a:chExt cx="0" cy="0"/>
+        </a:xfrm>
+      </p:grpSpPr>
+      <p:sp>
+        <p:nvSpPr>
+          <p:cNvPr id="2" name="Title 1"/>
+          <p:cNvSpPr>
+            <a:spLocks noGrp="1"/>
+          </p:cNvSpPr>
+          <p:nvPr>
+            <p:ph type="title"/>
+          </p:nvPr>
+        </p:nvSpPr>
+        <p:spPr/>
+        <p:txBody>
+          <a:bodyPr/>
+          <a:lstStyle/>
+          <a:p>
+            <a:pPr lvl="0" indent="0" marL="0">
+              <a:buNone/>
+            </a:pPr>
+            <a:r>
+              <a:rPr/>
               <a:t>Medicines at Home - Pain</a:t>
             </a:r>
           </a:p>
@@ -10311,6 +8182,1499 @@
             <a:r>
               <a:rPr/>
               <a:t>NO DRIVING WHILE ON OXYCODONE</a:t>
+            </a:r>
+          </a:p>
+        </p:txBody>
+      </p:sp>
+    </p:spTree>
+  </p:cSld>
+</p:sld>
+</file>
+
+<file path=ppt/slides/slide49.xml><?xml version="1.0" encoding="utf-8"?>
+<p:sld xmlns:a="http://schemas.openxmlformats.org/drawingml/2006/main" xmlns:r="http://schemas.openxmlformats.org/officeDocument/2006/relationships" xmlns:p="http://schemas.openxmlformats.org/presentationml/2006/main">
+  <p:cSld>
+    <p:spTree>
+      <p:nvGrpSpPr>
+        <p:cNvPr id="1" name=""/>
+        <p:cNvGrpSpPr/>
+        <p:nvPr/>
+      </p:nvGrpSpPr>
+      <p:grpSpPr>
+        <a:xfrm>
+          <a:off x="0" y="0"/>
+          <a:ext cx="0" cy="0"/>
+          <a:chOff x="0" y="0"/>
+          <a:chExt cx="0" cy="0"/>
+        </a:xfrm>
+      </p:grpSpPr>
+      <p:sp>
+        <p:nvSpPr>
+          <p:cNvPr id="2" name="Title 1"/>
+          <p:cNvSpPr>
+            <a:spLocks noGrp="1"/>
+          </p:cNvSpPr>
+          <p:nvPr>
+            <p:ph type="title"/>
+          </p:nvPr>
+        </p:nvSpPr>
+        <p:spPr/>
+        <p:txBody>
+          <a:bodyPr/>
+          <a:lstStyle/>
+          <a:p>
+            <a:pPr lvl="0" indent="0" marL="0">
+              <a:buNone/>
+            </a:pPr>
+            <a:r>
+              <a:rPr/>
+              <a:t>Medicines at Home - Non-steroidals</a:t>
+            </a:r>
+          </a:p>
+        </p:txBody>
+      </p:sp>
+      <p:sp>
+        <p:nvSpPr>
+          <p:cNvPr id="3" name="Content Placeholder 2"/>
+          <p:cNvSpPr>
+            <a:spLocks noGrp="1"/>
+          </p:cNvSpPr>
+          <p:nvPr>
+            <p:ph idx="1"/>
+          </p:nvPr>
+        </p:nvSpPr>
+        <p:spPr/>
+        <p:txBody>
+          <a:bodyPr/>
+          <a:lstStyle/>
+          <a:p>
+            <a:pPr lvl="0" indent="0" marL="0">
+              <a:buNone/>
+            </a:pPr>
+            <a:r>
+              <a:rPr/>
+              <a:t>Non-steroidal anti-inflammatories (Celebrex)</a:t>
+            </a:r>
+          </a:p>
+          <a:p>
+            <a:pPr lvl="0"/>
+            <a:r>
+              <a:rPr/>
+              <a:t>200 mg every 12 hours starting 2 weeks after surgery</a:t>
+            </a:r>
+          </a:p>
+          <a:p>
+            <a:pPr lvl="0" indent="0" marL="0">
+              <a:buNone/>
+            </a:pPr>
+            <a:r>
+              <a:rPr/>
+              <a:t>NO GOODY POWDERS OR BCs</a:t>
+            </a:r>
+          </a:p>
+          <a:p>
+            <a:pPr lvl="0"/>
+            <a:r>
+              <a:rPr/>
+              <a:t>(Can cause permanent scarring at the surgery site)</a:t>
+            </a:r>
+          </a:p>
+        </p:txBody>
+      </p:sp>
+    </p:spTree>
+  </p:cSld>
+</p:sld>
+</file>
+
+<file path=ppt/slides/slide5.xml><?xml version="1.0" encoding="utf-8"?>
+<p:sld xmlns:a="http://schemas.openxmlformats.org/drawingml/2006/main" xmlns:r="http://schemas.openxmlformats.org/officeDocument/2006/relationships" xmlns:p="http://schemas.openxmlformats.org/presentationml/2006/main">
+  <p:cSld>
+    <p:spTree>
+      <p:nvGrpSpPr>
+        <p:cNvPr id="1" name=""/>
+        <p:cNvGrpSpPr/>
+        <p:nvPr/>
+      </p:nvGrpSpPr>
+      <p:grpSpPr>
+        <a:xfrm>
+          <a:off x="0" y="0"/>
+          <a:ext cx="0" cy="0"/>
+          <a:chOff x="0" y="0"/>
+          <a:chExt cx="0" cy="0"/>
+        </a:xfrm>
+      </p:grpSpPr>
+      <p:sp>
+        <p:nvSpPr>
+          <p:cNvPr id="2" name="Title 1"/>
+          <p:cNvSpPr>
+            <a:spLocks noGrp="1"/>
+          </p:cNvSpPr>
+          <p:nvPr>
+            <p:ph type="title"/>
+          </p:nvPr>
+        </p:nvSpPr>
+        <p:spPr/>
+        <p:txBody>
+          <a:bodyPr/>
+          <a:lstStyle/>
+          <a:p>
+            <a:pPr lvl="0" indent="0" marL="0">
+              <a:buNone/>
+            </a:pPr>
+            <a:r>
+              <a:rPr/>
+              <a:t>Reconstruction</a:t>
+            </a:r>
+          </a:p>
+        </p:txBody>
+      </p:sp>
+      <p:sp>
+        <p:nvSpPr>
+          <p:cNvPr id="3" name="Content Placeholder 2"/>
+          <p:cNvSpPr>
+            <a:spLocks noGrp="1"/>
+          </p:cNvSpPr>
+          <p:nvPr>
+            <p:ph idx="1" sz="half"/>
+          </p:nvPr>
+        </p:nvSpPr>
+        <p:spPr/>
+        <p:txBody>
+          <a:bodyPr/>
+          <a:lstStyle/>
+          <a:p>
+            <a:pPr lvl="0" indent="0" marL="0">
+              <a:buNone/>
+            </a:pPr>
+            <a:r>
+              <a:rPr/>
+              <a:t>A new esophagus is created from the stomach in the abdomen by fashioning it into a tube.</a:t>
+            </a:r>
+          </a:p>
+        </p:txBody>
+      </p:sp>
+      <p:pic>
+        <p:nvPicPr>
+          <p:cNvPr descr="https://deidt7p41jzcy.cloudfront.net/Eso_Resection3_ai.png" id="0" name="Picture 1"/>
+          <p:cNvPicPr>
+            <a:picLocks noGrp="1" noChangeAspect="1"/>
+          </p:cNvPicPr>
+          <p:nvPr/>
+        </p:nvPicPr>
+        <p:blipFill>
+          <a:blip r:embed="rId2"/>
+          <a:stretch>
+            <a:fillRect/>
+          </a:stretch>
+        </p:blipFill>
+        <p:spPr bwMode="auto">
+          <a:xfrm>
+            <a:off x="5016500" y="1193800"/>
+            <a:ext cx="3302000" cy="3390900"/>
+          </a:xfrm>
+          <a:prstGeom prst="rect">
+            <a:avLst/>
+          </a:prstGeom>
+          <a:noFill/>
+          <a:ln w="9525">
+            <a:noFill/>
+            <a:headEnd/>
+            <a:tailEnd/>
+          </a:ln>
+        </p:spPr>
+      </p:pic>
+    </p:spTree>
+  </p:cSld>
+</p:sld>
+</file>
+
+<file path=ppt/slides/slide50.xml><?xml version="1.0" encoding="utf-8"?>
+<p:sld xmlns:a="http://schemas.openxmlformats.org/drawingml/2006/main" xmlns:r="http://schemas.openxmlformats.org/officeDocument/2006/relationships" xmlns:p="http://schemas.openxmlformats.org/presentationml/2006/main">
+  <p:cSld>
+    <p:spTree>
+      <p:nvGrpSpPr>
+        <p:cNvPr id="1" name=""/>
+        <p:cNvGrpSpPr/>
+        <p:nvPr/>
+      </p:nvGrpSpPr>
+      <p:grpSpPr>
+        <a:xfrm>
+          <a:off x="0" y="0"/>
+          <a:ext cx="0" cy="0"/>
+          <a:chOff x="0" y="0"/>
+          <a:chExt cx="0" cy="0"/>
+        </a:xfrm>
+      </p:grpSpPr>
+      <p:sp>
+        <p:nvSpPr>
+          <p:cNvPr id="2" name="Title 1"/>
+          <p:cNvSpPr>
+            <a:spLocks noGrp="1"/>
+          </p:cNvSpPr>
+          <p:nvPr>
+            <p:ph type="title"/>
+          </p:nvPr>
+        </p:nvSpPr>
+        <p:spPr/>
+        <p:txBody>
+          <a:bodyPr/>
+          <a:lstStyle/>
+          <a:p>
+            <a:pPr lvl="0" indent="0" marL="0">
+              <a:buNone/>
+            </a:pPr>
+            <a:r>
+              <a:rPr/>
+              <a:t>Medicines at Home - Acid Blockers</a:t>
+            </a:r>
+          </a:p>
+        </p:txBody>
+      </p:sp>
+      <p:sp>
+        <p:nvSpPr>
+          <p:cNvPr id="3" name="Content Placeholder 2"/>
+          <p:cNvSpPr>
+            <a:spLocks noGrp="1"/>
+          </p:cNvSpPr>
+          <p:nvPr>
+            <p:ph idx="1"/>
+          </p:nvPr>
+        </p:nvSpPr>
+        <p:spPr/>
+        <p:txBody>
+          <a:bodyPr/>
+          <a:lstStyle/>
+          <a:p>
+            <a:pPr lvl="0" indent="0" marL="0">
+              <a:buNone/>
+            </a:pPr>
+            <a:r>
+              <a:rPr/>
+              <a:t>Acid blocker (Omeprazole, Nexium,etc)</a:t>
+            </a:r>
+          </a:p>
+          <a:p>
+            <a:pPr lvl="0"/>
+            <a:r>
+              <a:rPr/>
+              <a:t>Will stay on for at 1-2 years to prevent acid reflux</a:t>
+            </a:r>
+          </a:p>
+          <a:p>
+            <a:pPr lvl="0"/>
+            <a:r>
+              <a:rPr/>
+              <a:t>Important in preventing scarring at anastomosis (new connection between esophagus and stomach)</a:t>
+            </a:r>
+          </a:p>
+          <a:p>
+            <a:pPr lvl="0"/>
+            <a:r>
+              <a:rPr/>
+              <a:t>To administer through feeding tube, open capsule and resuspend beads in 60mL (2oz) of water</a:t>
+            </a:r>
+          </a:p>
+        </p:txBody>
+      </p:sp>
+    </p:spTree>
+  </p:cSld>
+</p:sld>
+</file>
+
+<file path=ppt/slides/slide51.xml><?xml version="1.0" encoding="utf-8"?>
+<p:sld xmlns:a="http://schemas.openxmlformats.org/drawingml/2006/main" xmlns:r="http://schemas.openxmlformats.org/officeDocument/2006/relationships" xmlns:p="http://schemas.openxmlformats.org/presentationml/2006/main">
+  <p:cSld>
+    <p:spTree>
+      <p:nvGrpSpPr>
+        <p:cNvPr id="1" name=""/>
+        <p:cNvGrpSpPr/>
+        <p:nvPr/>
+      </p:nvGrpSpPr>
+      <p:grpSpPr>
+        <a:xfrm>
+          <a:off x="0" y="0"/>
+          <a:ext cx="0" cy="0"/>
+          <a:chOff x="0" y="0"/>
+          <a:chExt cx="0" cy="0"/>
+        </a:xfrm>
+      </p:grpSpPr>
+      <p:sp>
+        <p:nvSpPr>
+          <p:cNvPr id="2" name="Title 1"/>
+          <p:cNvSpPr>
+            <a:spLocks noGrp="1"/>
+          </p:cNvSpPr>
+          <p:nvPr>
+            <p:ph type="title"/>
+          </p:nvPr>
+        </p:nvSpPr>
+        <p:spPr/>
+        <p:txBody>
+          <a:bodyPr/>
+          <a:lstStyle/>
+          <a:p>
+            <a:pPr lvl="0" indent="0" marL="0">
+              <a:buNone/>
+            </a:pPr>
+            <a:r>
+              <a:rPr/>
+              <a:t>Medicines at Home</a:t>
+            </a:r>
+          </a:p>
+        </p:txBody>
+      </p:sp>
+      <p:sp>
+        <p:nvSpPr>
+          <p:cNvPr id="3" name="Content Placeholder 2"/>
+          <p:cNvSpPr>
+            <a:spLocks noGrp="1"/>
+          </p:cNvSpPr>
+          <p:nvPr>
+            <p:ph idx="1"/>
+          </p:nvPr>
+        </p:nvSpPr>
+        <p:spPr/>
+        <p:txBody>
+          <a:bodyPr/>
+          <a:lstStyle/>
+          <a:p>
+            <a:pPr lvl="0" indent="0" marL="0">
+              <a:buNone/>
+            </a:pPr>
+            <a:r>
+              <a:rPr/>
+              <a:t>Reglan – Helps stomach empty</a:t>
+            </a:r>
+          </a:p>
+          <a:p>
+            <a:pPr lvl="0"/>
+            <a:r>
+              <a:rPr/>
+              <a:t>Will plan to stop after six weeks</a:t>
+            </a:r>
+          </a:p>
+          <a:p>
+            <a:pPr lvl="0"/>
+            <a:r>
+              <a:rPr/>
+              <a:t>0.1% risk of tardive dyskinesia (nervous tic)</a:t>
+            </a:r>
+          </a:p>
+          <a:p>
+            <a:pPr lvl="0" indent="0" marL="0">
+              <a:buNone/>
+            </a:pPr>
+            <a:r>
+              <a:rPr/>
+              <a:t>Remeron – Helps improve appetite</a:t>
+            </a:r>
+          </a:p>
+          <a:p>
+            <a:pPr lvl="0"/>
+            <a:r>
+              <a:rPr/>
+              <a:t>Can cause vivid dreams</a:t>
+            </a:r>
+          </a:p>
+          <a:p>
+            <a:pPr lvl="0"/>
+            <a:r>
+              <a:rPr/>
+              <a:t>Used for several weeks after surgery</a:t>
+            </a:r>
+          </a:p>
+          <a:p>
+            <a:pPr lvl="0"/>
+            <a:r>
+              <a:rPr/>
+              <a:t>Will stop within first three months of surgery</a:t>
+            </a:r>
+          </a:p>
+        </p:txBody>
+      </p:sp>
+    </p:spTree>
+  </p:cSld>
+</p:sld>
+</file>
+
+<file path=ppt/slides/slide52.xml><?xml version="1.0" encoding="utf-8"?>
+<p:sld xmlns:a="http://schemas.openxmlformats.org/drawingml/2006/main" xmlns:r="http://schemas.openxmlformats.org/officeDocument/2006/relationships" xmlns:p="http://schemas.openxmlformats.org/presentationml/2006/main">
+  <p:cSld>
+    <p:spTree>
+      <p:nvGrpSpPr>
+        <p:cNvPr id="1" name=""/>
+        <p:cNvGrpSpPr/>
+        <p:nvPr/>
+      </p:nvGrpSpPr>
+      <p:grpSpPr>
+        <a:xfrm>
+          <a:off x="0" y="0"/>
+          <a:ext cx="0" cy="0"/>
+          <a:chOff x="0" y="0"/>
+          <a:chExt cx="0" cy="0"/>
+        </a:xfrm>
+      </p:grpSpPr>
+      <p:sp>
+        <p:nvSpPr>
+          <p:cNvPr id="2" name="Title 1"/>
+          <p:cNvSpPr>
+            <a:spLocks noGrp="1"/>
+          </p:cNvSpPr>
+          <p:nvPr>
+            <p:ph type="title"/>
+          </p:nvPr>
+        </p:nvSpPr>
+        <p:spPr/>
+        <p:txBody>
+          <a:bodyPr/>
+          <a:lstStyle/>
+          <a:p>
+            <a:pPr lvl="0" indent="0" marL="0">
+              <a:buNone/>
+            </a:pPr>
+            <a:r>
+              <a:rPr/>
+              <a:t>Medicines at Home - Beta Blockers</a:t>
+            </a:r>
+          </a:p>
+        </p:txBody>
+      </p:sp>
+      <p:sp>
+        <p:nvSpPr>
+          <p:cNvPr id="3" name="Content Placeholder 2"/>
+          <p:cNvSpPr>
+            <a:spLocks noGrp="1"/>
+          </p:cNvSpPr>
+          <p:nvPr>
+            <p:ph idx="1"/>
+          </p:nvPr>
+        </p:nvSpPr>
+        <p:spPr/>
+        <p:txBody>
+          <a:bodyPr/>
+          <a:lstStyle/>
+          <a:p>
+            <a:pPr lvl="0" indent="0" marL="0">
+              <a:buNone/>
+            </a:pPr>
+            <a:r>
+              <a:rPr/>
+              <a:t>Metroprolol – Beta Blocker</a:t>
+            </a:r>
+          </a:p>
+          <a:p>
+            <a:pPr lvl="0"/>
+            <a:r>
+              <a:rPr/>
+              <a:t>Slows heart rate and lowers blood pressure</a:t>
+            </a:r>
+            <a:br/>
+          </a:p>
+          <a:p>
+            <a:pPr lvl="0"/>
+            <a:r>
+              <a:rPr/>
+              <a:t>Used around the time of surgery to prevent fast heart rhythms</a:t>
+            </a:r>
+          </a:p>
+          <a:p>
+            <a:pPr lvl="0"/>
+            <a:r>
+              <a:rPr/>
+              <a:t>In patients who were not taking a beta blocker prior to surgery, will plan to wean over a few weeks after surgery</a:t>
+            </a:r>
+          </a:p>
+          <a:p>
+            <a:pPr lvl="0"/>
+            <a:r>
+              <a:rPr/>
+              <a:t>For patients who were taking a beta blocker medicine prior to surgery, will return to prior dosage and drug after surgery</a:t>
+            </a:r>
+          </a:p>
+        </p:txBody>
+      </p:sp>
+    </p:spTree>
+  </p:cSld>
+</p:sld>
+</file>
+
+<file path=ppt/slides/slide53.xml><?xml version="1.0" encoding="utf-8"?>
+<p:sld xmlns:a="http://schemas.openxmlformats.org/drawingml/2006/main" xmlns:r="http://schemas.openxmlformats.org/officeDocument/2006/relationships" xmlns:p="http://schemas.openxmlformats.org/presentationml/2006/main">
+  <p:cSld>
+    <p:spTree>
+      <p:nvGrpSpPr>
+        <p:cNvPr id="1" name=""/>
+        <p:cNvGrpSpPr/>
+        <p:nvPr/>
+      </p:nvGrpSpPr>
+      <p:grpSpPr>
+        <a:xfrm>
+          <a:off x="0" y="0"/>
+          <a:ext cx="0" cy="0"/>
+          <a:chOff x="0" y="0"/>
+          <a:chExt cx="0" cy="0"/>
+        </a:xfrm>
+      </p:grpSpPr>
+      <p:sp>
+        <p:nvSpPr>
+          <p:cNvPr id="2" name="Title 1"/>
+          <p:cNvSpPr>
+            <a:spLocks noGrp="1"/>
+          </p:cNvSpPr>
+          <p:nvPr>
+            <p:ph type="title"/>
+          </p:nvPr>
+        </p:nvSpPr>
+        <p:spPr/>
+        <p:txBody>
+          <a:bodyPr/>
+          <a:lstStyle/>
+          <a:p>
+            <a:pPr lvl="0" indent="0" marL="0">
+              <a:buNone/>
+            </a:pPr>
+            <a:r>
+              <a:rPr/>
+              <a:t>Sleeping</a:t>
+            </a:r>
+          </a:p>
+        </p:txBody>
+      </p:sp>
+      <p:sp>
+        <p:nvSpPr>
+          <p:cNvPr id="3" name="Content Placeholder 2"/>
+          <p:cNvSpPr>
+            <a:spLocks noGrp="1"/>
+          </p:cNvSpPr>
+          <p:nvPr>
+            <p:ph idx="1" sz="half"/>
+          </p:nvPr>
+        </p:nvSpPr>
+        <p:spPr/>
+        <p:txBody>
+          <a:bodyPr/>
+          <a:lstStyle/>
+          <a:p>
+            <a:pPr lvl="0" indent="0" marL="0">
+              <a:buNone/>
+            </a:pPr>
+            <a:r>
+              <a:rPr/>
+              <a:t>Reflux can occur the first few weeks/months after surgery</a:t>
+            </a:r>
+          </a:p>
+          <a:p>
+            <a:pPr lvl="0" indent="0" marL="0">
+              <a:buNone/>
+            </a:pPr>
+            <a:r>
+              <a:rPr/>
+              <a:t>This improves over the first few months</a:t>
+            </a:r>
+          </a:p>
+          <a:p>
+            <a:pPr lvl="0" indent="0" marL="0">
+              <a:buNone/>
+            </a:pPr>
+            <a:r>
+              <a:rPr/>
+              <a:t>A wedge pillow can be helpful for sleep</a:t>
+            </a:r>
+          </a:p>
+        </p:txBody>
+      </p:sp>
+      <p:pic>
+        <p:nvPicPr>
+          <p:cNvPr descr="https://deidt7p41jzcy.cloudfront.net/wedge_pillow_comm.jpg" id="0" name="Picture 1"/>
+          <p:cNvPicPr>
+            <a:picLocks noGrp="1" noChangeAspect="1"/>
+          </p:cNvPicPr>
+          <p:nvPr/>
+        </p:nvPicPr>
+        <p:blipFill>
+          <a:blip r:embed="rId2"/>
+          <a:stretch>
+            <a:fillRect/>
+          </a:stretch>
+        </p:blipFill>
+        <p:spPr bwMode="auto">
+          <a:xfrm>
+            <a:off x="4978400" y="1193800"/>
+            <a:ext cx="3390900" cy="3390900"/>
+          </a:xfrm>
+          <a:prstGeom prst="rect">
+            <a:avLst/>
+          </a:prstGeom>
+          <a:noFill/>
+          <a:ln w="9525">
+            <a:noFill/>
+            <a:headEnd/>
+            <a:tailEnd/>
+          </a:ln>
+        </p:spPr>
+      </p:pic>
+    </p:spTree>
+  </p:cSld>
+</p:sld>
+</file>
+
+<file path=ppt/slides/slide54.xml><?xml version="1.0" encoding="utf-8"?>
+<p:sld xmlns:a="http://schemas.openxmlformats.org/drawingml/2006/main" xmlns:r="http://schemas.openxmlformats.org/officeDocument/2006/relationships" xmlns:p="http://schemas.openxmlformats.org/presentationml/2006/main">
+  <p:cSld>
+    <p:spTree>
+      <p:nvGrpSpPr>
+        <p:cNvPr id="1" name=""/>
+        <p:cNvGrpSpPr/>
+        <p:nvPr/>
+      </p:nvGrpSpPr>
+      <p:grpSpPr>
+        <a:xfrm>
+          <a:off x="0" y="0"/>
+          <a:ext cx="0" cy="0"/>
+          <a:chOff x="0" y="0"/>
+          <a:chExt cx="0" cy="0"/>
+        </a:xfrm>
+      </p:grpSpPr>
+      <p:sp>
+        <p:nvSpPr>
+          <p:cNvPr id="2" name="Title 1"/>
+          <p:cNvSpPr>
+            <a:spLocks noGrp="1"/>
+          </p:cNvSpPr>
+          <p:nvPr>
+            <p:ph type="title"/>
+          </p:nvPr>
+        </p:nvSpPr>
+        <p:spPr/>
+        <p:txBody>
+          <a:bodyPr/>
+          <a:lstStyle/>
+          <a:p>
+            <a:pPr lvl="0" indent="0" marL="0">
+              <a:buNone/>
+            </a:pPr>
+            <a:r>
+              <a:rPr/>
+              <a:t>Postoperative Visit</a:t>
+            </a:r>
+          </a:p>
+        </p:txBody>
+      </p:sp>
+      <p:sp>
+        <p:nvSpPr>
+          <p:cNvPr id="3" name="Content Placeholder 2"/>
+          <p:cNvSpPr>
+            <a:spLocks noGrp="1"/>
+          </p:cNvSpPr>
+          <p:nvPr>
+            <p:ph idx="1"/>
+          </p:nvPr>
+        </p:nvSpPr>
+        <p:spPr/>
+        <p:txBody>
+          <a:bodyPr/>
+          <a:lstStyle/>
+          <a:p>
+            <a:pPr lvl="0" indent="0" marL="0">
+              <a:buNone/>
+            </a:pPr>
+            <a:r>
+              <a:rPr/>
+              <a:t>Check surgical site</a:t>
+            </a:r>
+          </a:p>
+          <a:p>
+            <a:pPr lvl="0"/>
+            <a:r>
+              <a:rPr/>
+              <a:t>Remove staples (if needed)</a:t>
+            </a:r>
+          </a:p>
+          <a:p>
+            <a:pPr lvl="0" indent="0" marL="0">
+              <a:buNone/>
+            </a:pPr>
+            <a:r>
+              <a:rPr/>
+              <a:t>Adjust medicines as needed</a:t>
+            </a:r>
+          </a:p>
+          <a:p>
+            <a:pPr lvl="0"/>
+            <a:r>
+              <a:rPr/>
+              <a:t>Insulin (for diabetic patients on insulin)</a:t>
+            </a:r>
+          </a:p>
+          <a:p>
+            <a:pPr lvl="0"/>
+            <a:r>
+              <a:rPr/>
+              <a:t>Reduce beta blocker medicines</a:t>
+            </a:r>
+          </a:p>
+          <a:p>
+            <a:pPr lvl="0" indent="0" marL="0">
+              <a:buNone/>
+            </a:pPr>
+            <a:r>
+              <a:rPr/>
+              <a:t>Advance diet</a:t>
+            </a:r>
+          </a:p>
+          <a:p>
+            <a:pPr lvl="0" indent="0" marL="0">
+              <a:buNone/>
+            </a:pPr>
+            <a:r>
+              <a:rPr/>
+              <a:t>Reduce tube feeds</a:t>
+            </a:r>
+          </a:p>
+        </p:txBody>
+      </p:sp>
+    </p:spTree>
+  </p:cSld>
+</p:sld>
+</file>
+
+<file path=ppt/slides/slide55.xml><?xml version="1.0" encoding="utf-8"?>
+<p:sld xmlns:a="http://schemas.openxmlformats.org/drawingml/2006/main" xmlns:r="http://schemas.openxmlformats.org/officeDocument/2006/relationships" xmlns:p="http://schemas.openxmlformats.org/presentationml/2006/main">
+  <p:cSld>
+    <p:spTree>
+      <p:nvGrpSpPr>
+        <p:cNvPr id="1" name=""/>
+        <p:cNvGrpSpPr/>
+        <p:nvPr/>
+      </p:nvGrpSpPr>
+      <p:grpSpPr>
+        <a:xfrm>
+          <a:off x="0" y="0"/>
+          <a:ext cx="0" cy="0"/>
+          <a:chOff x="0" y="0"/>
+          <a:chExt cx="0" cy="0"/>
+        </a:xfrm>
+      </p:grpSpPr>
+      <p:sp>
+        <p:nvSpPr>
+          <p:cNvPr id="2" name="Title 1"/>
+          <p:cNvSpPr>
+            <a:spLocks noGrp="1"/>
+          </p:cNvSpPr>
+          <p:nvPr>
+            <p:ph type="title"/>
+          </p:nvPr>
+        </p:nvSpPr>
+        <p:spPr/>
+        <p:txBody>
+          <a:bodyPr/>
+          <a:lstStyle/>
+          <a:p>
+            <a:pPr lvl="0" indent="0" marL="0">
+              <a:buNone/>
+            </a:pPr>
+            <a:r>
+              <a:rPr/>
+              <a:t>After surgery</a:t>
+            </a:r>
+          </a:p>
+        </p:txBody>
+      </p:sp>
+      <p:sp>
+        <p:nvSpPr>
+          <p:cNvPr id="3" name="Content Placeholder 2"/>
+          <p:cNvSpPr>
+            <a:spLocks noGrp="1"/>
+          </p:cNvSpPr>
+          <p:nvPr>
+            <p:ph idx="1"/>
+          </p:nvPr>
+        </p:nvSpPr>
+        <p:spPr/>
+        <p:txBody>
+          <a:bodyPr/>
+          <a:lstStyle/>
+          <a:p>
+            <a:pPr lvl="0" indent="0" marL="0">
+              <a:buNone/>
+            </a:pPr>
+            <a:r>
+              <a:rPr/>
+              <a:t>Wean off medicines added after surgery</a:t>
+            </a:r>
+          </a:p>
+          <a:p>
+            <a:pPr lvl="0"/>
+            <a:r>
+              <a:rPr/>
+              <a:t>Pain medicines</a:t>
+            </a:r>
+          </a:p>
+          <a:p>
+            <a:pPr lvl="0"/>
+            <a:r>
+              <a:rPr/>
+              <a:t>Beta-blockers</a:t>
+            </a:r>
+          </a:p>
+          <a:p>
+            <a:pPr lvl="0"/>
+            <a:r>
+              <a:rPr/>
+              <a:t>Reglan</a:t>
+            </a:r>
+          </a:p>
+          <a:p>
+            <a:pPr lvl="0"/>
+            <a:r>
+              <a:rPr/>
+              <a:t>Remeron</a:t>
+            </a:r>
+          </a:p>
+          <a:p>
+            <a:pPr lvl="0" indent="0" marL="0">
+              <a:buNone/>
+            </a:pPr>
+            <a:r>
+              <a:rPr/>
+              <a:t>Continue acid blockers for at least 1 year</a:t>
+            </a:r>
+          </a:p>
+          <a:p>
+            <a:pPr lvl="0" indent="0" marL="0">
+              <a:buNone/>
+            </a:pPr>
+            <a:r>
+              <a:rPr/>
+              <a:t>May need additional systemic therapy afterwards</a:t>
+            </a:r>
+          </a:p>
+          <a:p>
+            <a:pPr lvl="0"/>
+            <a:r>
+              <a:rPr/>
+              <a:t>Chemotherapy</a:t>
+            </a:r>
+          </a:p>
+          <a:p>
+            <a:pPr lvl="0"/>
+            <a:r>
+              <a:rPr/>
+              <a:t>Immunotherapy (Optive = nivolumab)</a:t>
+            </a:r>
+          </a:p>
+        </p:txBody>
+      </p:sp>
+    </p:spTree>
+  </p:cSld>
+</p:sld>
+</file>
+
+<file path=ppt/slides/slide56.xml><?xml version="1.0" encoding="utf-8"?>
+<p:sld xmlns:a="http://schemas.openxmlformats.org/drawingml/2006/main" xmlns:r="http://schemas.openxmlformats.org/officeDocument/2006/relationships" xmlns:p="http://schemas.openxmlformats.org/presentationml/2006/main">
+  <p:cSld>
+    <p:spTree>
+      <p:nvGrpSpPr>
+        <p:cNvPr id="1" name=""/>
+        <p:cNvGrpSpPr/>
+        <p:nvPr/>
+      </p:nvGrpSpPr>
+      <p:grpSpPr>
+        <a:xfrm>
+          <a:off x="0" y="0"/>
+          <a:ext cx="0" cy="0"/>
+          <a:chOff x="0" y="0"/>
+          <a:chExt cx="0" cy="0"/>
+        </a:xfrm>
+      </p:grpSpPr>
+      <p:sp>
+        <p:nvSpPr>
+          <p:cNvPr id="2" name="Title 1"/>
+          <p:cNvSpPr>
+            <a:spLocks noGrp="1"/>
+          </p:cNvSpPr>
+          <p:nvPr>
+            <p:ph type="title"/>
+          </p:nvPr>
+        </p:nvSpPr>
+        <p:spPr/>
+        <p:txBody>
+          <a:bodyPr/>
+          <a:lstStyle/>
+          <a:p>
+            <a:pPr lvl="0" indent="0" marL="0">
+              <a:buNone/>
+            </a:pPr>
+            <a:r>
+              <a:rPr/>
+              <a:t>Jejunostomy Removal (8 weeks after surgery)</a:t>
+            </a:r>
+          </a:p>
+        </p:txBody>
+      </p:sp>
+      <p:sp>
+        <p:nvSpPr>
+          <p:cNvPr id="3" name="Content Placeholder 2"/>
+          <p:cNvSpPr>
+            <a:spLocks noGrp="1"/>
+          </p:cNvSpPr>
+          <p:nvPr>
+            <p:ph idx="1"/>
+          </p:nvPr>
+        </p:nvSpPr>
+        <p:spPr/>
+        <p:txBody>
+          <a:bodyPr/>
+          <a:lstStyle/>
+          <a:p>
+            <a:pPr lvl="0" indent="0" marL="0">
+              <a:buNone/>
+            </a:pPr>
+            <a:r>
+              <a:rPr/>
+              <a:t>Jejunostomy tube is removed in the office once you can take in enough nutrients by mouth</a:t>
+            </a:r>
+          </a:p>
+          <a:p>
+            <a:pPr lvl="0" indent="0" marL="0">
+              <a:buNone/>
+            </a:pPr>
+            <a:r>
+              <a:rPr/>
+              <a:t>May take 30 minutes and some local anesthetic to loosen up the tube for removal.</a:t>
+            </a:r>
+          </a:p>
+        </p:txBody>
+      </p:sp>
+    </p:spTree>
+  </p:cSld>
+</p:sld>
+</file>
+
+<file path=ppt/slides/slide57.xml><?xml version="1.0" encoding="utf-8"?>
+<p:sld xmlns:a="http://schemas.openxmlformats.org/drawingml/2006/main" xmlns:r="http://schemas.openxmlformats.org/officeDocument/2006/relationships" xmlns:p="http://schemas.openxmlformats.org/presentationml/2006/main">
+  <p:cSld>
+    <p:spTree>
+      <p:nvGrpSpPr>
+        <p:cNvPr id="1" name=""/>
+        <p:cNvGrpSpPr/>
+        <p:nvPr/>
+      </p:nvGrpSpPr>
+      <p:grpSpPr>
+        <a:xfrm>
+          <a:off x="0" y="0"/>
+          <a:ext cx="0" cy="0"/>
+          <a:chOff x="0" y="0"/>
+          <a:chExt cx="0" cy="0"/>
+        </a:xfrm>
+      </p:grpSpPr>
+      <p:sp>
+        <p:nvSpPr>
+          <p:cNvPr id="2" name="Title 1"/>
+          <p:cNvSpPr>
+            <a:spLocks noGrp="1"/>
+          </p:cNvSpPr>
+          <p:nvPr>
+            <p:ph type="title"/>
+          </p:nvPr>
+        </p:nvSpPr>
+        <p:spPr/>
+        <p:txBody>
+          <a:bodyPr/>
+          <a:lstStyle/>
+          <a:p>
+            <a:pPr lvl="0" indent="0" marL="0">
+              <a:buNone/>
+            </a:pPr>
+            <a:r>
+              <a:rPr/>
+              <a:t>Nutritional Monitoring after Surgery</a:t>
+            </a:r>
+          </a:p>
+        </p:txBody>
+      </p:sp>
+      <p:sp>
+        <p:nvSpPr>
+          <p:cNvPr id="3" name="Content Placeholder 2"/>
+          <p:cNvSpPr>
+            <a:spLocks noGrp="1"/>
+          </p:cNvSpPr>
+          <p:nvPr>
+            <p:ph idx="1"/>
+          </p:nvPr>
+        </p:nvSpPr>
+        <p:spPr/>
+        <p:txBody>
+          <a:bodyPr/>
+          <a:lstStyle/>
+          <a:p>
+            <a:pPr lvl="0" indent="0" marL="0">
+              <a:buNone/>
+            </a:pPr>
+            <a:r>
+              <a:rPr/>
+              <a:t>You may have some difficulty absorbing some nutrients:</a:t>
+            </a:r>
+          </a:p>
+          <a:p>
+            <a:pPr lvl="0"/>
+            <a:r>
+              <a:rPr/>
+              <a:t>Iron</a:t>
+            </a:r>
+          </a:p>
+          <a:p>
+            <a:pPr lvl="0"/>
+            <a:r>
+              <a:rPr/>
+              <a:t>Vitamin B12</a:t>
+            </a:r>
+          </a:p>
+          <a:p>
+            <a:pPr lvl="0"/>
+            <a:r>
+              <a:rPr/>
+              <a:t>Vitamin D</a:t>
+            </a:r>
+          </a:p>
+        </p:txBody>
+      </p:sp>
+    </p:spTree>
+  </p:cSld>
+</p:sld>
+</file>
+
+<file path=ppt/slides/slide58.xml><?xml version="1.0" encoding="utf-8"?>
+<p:sld xmlns:a="http://schemas.openxmlformats.org/drawingml/2006/main" xmlns:r="http://schemas.openxmlformats.org/officeDocument/2006/relationships" xmlns:p="http://schemas.openxmlformats.org/presentationml/2006/main">
+  <p:cSld>
+    <p:spTree>
+      <p:nvGrpSpPr>
+        <p:cNvPr id="1" name=""/>
+        <p:cNvGrpSpPr/>
+        <p:nvPr/>
+      </p:nvGrpSpPr>
+      <p:grpSpPr>
+        <a:xfrm>
+          <a:off x="0" y="0"/>
+          <a:ext cx="0" cy="0"/>
+          <a:chOff x="0" y="0"/>
+          <a:chExt cx="0" cy="0"/>
+        </a:xfrm>
+      </p:grpSpPr>
+      <p:sp>
+        <p:nvSpPr>
+          <p:cNvPr id="2" name="Title 1"/>
+          <p:cNvSpPr>
+            <a:spLocks noGrp="1"/>
+          </p:cNvSpPr>
+          <p:nvPr>
+            <p:ph type="title"/>
+          </p:nvPr>
+        </p:nvSpPr>
+        <p:spPr/>
+        <p:txBody>
+          <a:bodyPr/>
+          <a:lstStyle/>
+          <a:p>
+            <a:pPr lvl="0" indent="0" marL="0">
+              <a:buNone/>
+            </a:pPr>
+            <a:r>
+              <a:rPr/>
+              <a:t>Nutritional Monitoring after Surgery</a:t>
+            </a:r>
+          </a:p>
+        </p:txBody>
+      </p:sp>
+      <p:sp>
+        <p:nvSpPr>
+          <p:cNvPr id="3" name="Content Placeholder 2"/>
+          <p:cNvSpPr>
+            <a:spLocks noGrp="1"/>
+          </p:cNvSpPr>
+          <p:nvPr>
+            <p:ph idx="1"/>
+          </p:nvPr>
+        </p:nvSpPr>
+        <p:spPr/>
+        <p:txBody>
+          <a:bodyPr/>
+          <a:lstStyle/>
+          <a:p>
+            <a:pPr lvl="0" indent="0" marL="0">
+              <a:buNone/>
+            </a:pPr>
+            <a:r>
+              <a:rPr/>
+              <a:t>About 3 months after the jejunostomy tube is removed, we will check blood levels:</a:t>
+            </a:r>
+          </a:p>
+          <a:p>
+            <a:pPr lvl="0"/>
+            <a:r>
+              <a:rPr/>
+              <a:t>Iron (ferritin)</a:t>
+            </a:r>
+          </a:p>
+          <a:p>
+            <a:pPr lvl="0"/>
+            <a:r>
+              <a:rPr/>
+              <a:t>Vitamin B12</a:t>
+            </a:r>
+          </a:p>
+          <a:p>
+            <a:pPr lvl="0"/>
+            <a:r>
+              <a:rPr/>
+              <a:t>Vitamin D.</a:t>
+            </a:r>
+          </a:p>
+        </p:txBody>
+      </p:sp>
+    </p:spTree>
+  </p:cSld>
+</p:sld>
+</file>
+
+<file path=ppt/slides/slide59.xml><?xml version="1.0" encoding="utf-8"?>
+<p:sld xmlns:a="http://schemas.openxmlformats.org/drawingml/2006/main" xmlns:r="http://schemas.openxmlformats.org/officeDocument/2006/relationships" xmlns:p="http://schemas.openxmlformats.org/presentationml/2006/main">
+  <p:cSld>
+    <p:spTree>
+      <p:nvGrpSpPr>
+        <p:cNvPr id="1" name=""/>
+        <p:cNvGrpSpPr/>
+        <p:nvPr/>
+      </p:nvGrpSpPr>
+      <p:grpSpPr>
+        <a:xfrm>
+          <a:off x="0" y="0"/>
+          <a:ext cx="0" cy="0"/>
+          <a:chOff x="0" y="0"/>
+          <a:chExt cx="0" cy="0"/>
+        </a:xfrm>
+      </p:grpSpPr>
+      <p:sp>
+        <p:nvSpPr>
+          <p:cNvPr id="2" name="Title 1"/>
+          <p:cNvSpPr>
+            <a:spLocks noGrp="1"/>
+          </p:cNvSpPr>
+          <p:nvPr>
+            <p:ph type="title"/>
+          </p:nvPr>
+        </p:nvSpPr>
+        <p:spPr/>
+        <p:txBody>
+          <a:bodyPr/>
+          <a:lstStyle/>
+          <a:p>
+            <a:pPr lvl="0" indent="0" marL="0">
+              <a:buNone/>
+            </a:pPr>
+            <a:r>
+              <a:rPr/>
+              <a:t>Nutritional Replacements after Surgery</a:t>
+            </a:r>
+          </a:p>
+        </p:txBody>
+      </p:sp>
+      <p:sp>
+        <p:nvSpPr>
+          <p:cNvPr id="3" name="Content Placeholder 2"/>
+          <p:cNvSpPr>
+            <a:spLocks noGrp="1"/>
+          </p:cNvSpPr>
+          <p:nvPr>
+            <p:ph idx="1"/>
+          </p:nvPr>
+        </p:nvSpPr>
+        <p:spPr/>
+        <p:txBody>
+          <a:bodyPr/>
+          <a:lstStyle/>
+          <a:p>
+            <a:pPr lvl="0" indent="0" marL="0">
+              <a:buNone/>
+            </a:pPr>
+            <a:r>
+              <a:rPr/>
+              <a:t>Vitamin or iron replacements can be ordered by your primary care physician, medical oncologist, or surgeon</a:t>
+            </a:r>
+          </a:p>
+          <a:p>
+            <a:pPr lvl="0" indent="0" marL="0">
+              <a:buNone/>
+            </a:pPr>
+            <a:r>
+              <a:rPr/>
+              <a:t>If levels are low, repeat testing in several months may be needed.</a:t>
+            </a:r>
+          </a:p>
+        </p:txBody>
+      </p:sp>
+    </p:spTree>
+  </p:cSld>
+</p:sld>
+</file>
+
+<file path=ppt/slides/slide6.xml><?xml version="1.0" encoding="utf-8"?>
+<p:sld xmlns:a="http://schemas.openxmlformats.org/drawingml/2006/main" xmlns:r="http://schemas.openxmlformats.org/officeDocument/2006/relationships" xmlns:p="http://schemas.openxmlformats.org/presentationml/2006/main">
+  <p:cSld>
+    <p:spTree>
+      <p:nvGrpSpPr>
+        <p:cNvPr id="1" name=""/>
+        <p:cNvGrpSpPr/>
+        <p:nvPr/>
+      </p:nvGrpSpPr>
+      <p:grpSpPr>
+        <a:xfrm>
+          <a:off x="0" y="0"/>
+          <a:ext cx="0" cy="0"/>
+          <a:chOff x="0" y="0"/>
+          <a:chExt cx="0" cy="0"/>
+        </a:xfrm>
+      </p:grpSpPr>
+      <p:sp>
+        <p:nvSpPr>
+          <p:cNvPr id="2" name="Title 1"/>
+          <p:cNvSpPr>
+            <a:spLocks noGrp="1"/>
+          </p:cNvSpPr>
+          <p:nvPr>
+            <p:ph type="title"/>
+          </p:nvPr>
+        </p:nvSpPr>
+        <p:spPr/>
+        <p:txBody>
+          <a:bodyPr/>
+          <a:lstStyle/>
+          <a:p>
+            <a:pPr lvl="0" indent="0" marL="0">
+              <a:buNone/>
+            </a:pPr>
+            <a:r>
+              <a:rPr/>
+              <a:t>Ivor Lewis esophagectomy</a:t>
+            </a:r>
+          </a:p>
+        </p:txBody>
+      </p:sp>
+      <p:sp>
+        <p:nvSpPr>
+          <p:cNvPr id="3" name="Content Placeholder 2"/>
+          <p:cNvSpPr>
+            <a:spLocks noGrp="1"/>
+          </p:cNvSpPr>
+          <p:nvPr>
+            <p:ph idx="1" sz="half"/>
+          </p:nvPr>
+        </p:nvSpPr>
+        <p:spPr/>
+        <p:txBody>
+          <a:bodyPr/>
+          <a:lstStyle/>
+          <a:p>
+            <a:pPr lvl="0" indent="0" marL="0">
+              <a:buNone/>
+            </a:pPr>
+            <a:r>
+              <a:rPr/>
+              <a:t>The new esophagus is now brought up into the chest. A new connection is made between the esophagus and the stomach, called an </a:t>
+            </a:r>
+            <a:r>
+              <a:rPr i="1"/>
+              <a:t>anastomosis</a:t>
+            </a:r>
+            <a:r>
+              <a:rPr/>
+              <a:t>.</a:t>
+            </a:r>
+          </a:p>
+        </p:txBody>
+      </p:sp>
+      <p:pic>
+        <p:nvPicPr>
+          <p:cNvPr descr="https://deidt7p41jzcy.cloudfront.net/Eso_IvorLewis_Anastomosis.png" id="0" name="Picture 1"/>
+          <p:cNvPicPr>
+            <a:picLocks noGrp="1" noChangeAspect="1"/>
+          </p:cNvPicPr>
+          <p:nvPr/>
+        </p:nvPicPr>
+        <p:blipFill>
+          <a:blip r:embed="rId2"/>
+          <a:stretch>
+            <a:fillRect/>
+          </a:stretch>
+        </p:blipFill>
+        <p:spPr bwMode="auto">
+          <a:xfrm>
+            <a:off x="5016500" y="1193800"/>
+            <a:ext cx="3302000" cy="3390900"/>
+          </a:xfrm>
+          <a:prstGeom prst="rect">
+            <a:avLst/>
+          </a:prstGeom>
+          <a:noFill/>
+          <a:ln w="9525">
+            <a:noFill/>
+            <a:headEnd/>
+            <a:tailEnd/>
+          </a:ln>
+        </p:spPr>
+      </p:pic>
+    </p:spTree>
+  </p:cSld>
+</p:sld>
+</file>
+
+<file path=ppt/slides/slide60.xml><?xml version="1.0" encoding="utf-8"?>
+<p:sld xmlns:a="http://schemas.openxmlformats.org/drawingml/2006/main" xmlns:r="http://schemas.openxmlformats.org/officeDocument/2006/relationships" xmlns:p="http://schemas.openxmlformats.org/presentationml/2006/main">
+  <p:cSld>
+    <p:spTree>
+      <p:nvGrpSpPr>
+        <p:cNvPr id="1" name=""/>
+        <p:cNvGrpSpPr/>
+        <p:nvPr/>
+      </p:nvGrpSpPr>
+      <p:grpSpPr>
+        <a:xfrm>
+          <a:off x="0" y="0"/>
+          <a:ext cx="0" cy="0"/>
+          <a:chOff x="0" y="0"/>
+          <a:chExt cx="0" cy="0"/>
+        </a:xfrm>
+      </p:grpSpPr>
+      <p:sp>
+        <p:nvSpPr>
+          <p:cNvPr id="2" name="Title 1"/>
+          <p:cNvSpPr>
+            <a:spLocks noGrp="1"/>
+          </p:cNvSpPr>
+          <p:nvPr>
+            <p:ph type="title"/>
+          </p:nvPr>
+        </p:nvSpPr>
+        <p:spPr/>
+        <p:txBody>
+          <a:bodyPr/>
+          <a:lstStyle/>
+          <a:p>
+            <a:pPr lvl="0" indent="0" marL="0">
+              <a:buNone/>
+            </a:pPr>
+            <a:r>
+              <a:rPr/>
+              <a:t>Team Members</a:t>
+            </a:r>
+          </a:p>
+        </p:txBody>
+      </p:sp>
+      <p:sp>
+        <p:nvSpPr>
+          <p:cNvPr id="3" name="Content Placeholder 2"/>
+          <p:cNvSpPr>
+            <a:spLocks noGrp="1"/>
+          </p:cNvSpPr>
+          <p:nvPr>
+            <p:ph idx="1"/>
+          </p:nvPr>
+        </p:nvSpPr>
+        <p:spPr/>
+        <p:txBody>
+          <a:bodyPr/>
+          <a:lstStyle/>
+          <a:p>
+            <a:pPr lvl="0" indent="0" marL="0">
+              <a:buNone/>
+            </a:pPr>
+            <a:r>
+              <a:rPr/>
+              <a:t>Primary Care Provider</a:t>
+            </a:r>
+          </a:p>
+          <a:p>
+            <a:pPr lvl="0" indent="0" marL="0">
+              <a:buNone/>
+            </a:pPr>
+            <a:r>
+              <a:rPr/>
+              <a:t>Gastroenterologist</a:t>
+            </a:r>
+          </a:p>
+          <a:p>
+            <a:pPr lvl="0" indent="0" marL="0">
+              <a:buNone/>
+            </a:pPr>
+            <a:r>
+              <a:rPr/>
+              <a:t>Medical Oncologist (chemotherapy)</a:t>
+            </a:r>
+          </a:p>
+          <a:p>
+            <a:pPr lvl="0" indent="0" marL="0">
+              <a:buNone/>
+            </a:pPr>
+            <a:r>
+              <a:rPr/>
+              <a:t>Radiation Oncologist (radiation)</a:t>
+            </a:r>
+          </a:p>
+          <a:p>
+            <a:pPr lvl="0" indent="0" marL="0">
+              <a:buNone/>
+            </a:pPr>
+            <a:r>
+              <a:rPr/>
+              <a:t>Surgeons</a:t>
+            </a:r>
+          </a:p>
+          <a:p>
+            <a:pPr lvl="0"/>
+            <a:r>
+              <a:rPr/>
+              <a:t>Jonathan Salo</a:t>
+            </a:r>
+          </a:p>
+          <a:p>
+            <a:pPr lvl="0"/>
+            <a:r>
+              <a:rPr/>
+              <a:t>Jeffrey Hagen</a:t>
+            </a:r>
+          </a:p>
+          <a:p>
+            <a:pPr lvl="0"/>
+            <a:r>
+              <a:rPr/>
+              <a:t>Michael Roach</a:t>
+            </a:r>
+          </a:p>
+          <a:p>
+            <a:pPr lvl="0" indent="0" marL="0">
+              <a:buNone/>
+            </a:pPr>
+            <a:r>
+              <a:rPr/>
+              <a:t>Dietitian - Liz Koch</a:t>
+            </a:r>
+          </a:p>
+          <a:p>
+            <a:pPr lvl="0" indent="0" marL="0">
+              <a:buNone/>
+            </a:pPr>
+            <a:r>
+              <a:rPr/>
+              <a:t>Nurses - Brandon Galloway &amp; Kit Sluder</a:t>
+            </a:r>
+          </a:p>
+          <a:p>
+            <a:pPr lvl="0" indent="0" marL="0">
+              <a:buNone/>
+            </a:pPr>
+            <a:r>
+              <a:rPr/>
+              <a:t>Schedulers - Stacey Singleton &amp; Toney Bethea</a:t>
             </a:r>
           </a:p>
         </p:txBody>
@@ -10452,1166 +9816,6 @@
 </p:sld>
 </file>
 
-<file path=ppt/slides/slide70.xml><?xml version="1.0" encoding="utf-8"?>
-<p:sld xmlns:a="http://schemas.openxmlformats.org/drawingml/2006/main" xmlns:r="http://schemas.openxmlformats.org/officeDocument/2006/relationships" xmlns:p="http://schemas.openxmlformats.org/presentationml/2006/main">
-  <p:cSld>
-    <p:spTree>
-      <p:nvGrpSpPr>
-        <p:cNvPr id="1" name=""/>
-        <p:cNvGrpSpPr/>
-        <p:nvPr/>
-      </p:nvGrpSpPr>
-      <p:grpSpPr>
-        <a:xfrm>
-          <a:off x="0" y="0"/>
-          <a:ext cx="0" cy="0"/>
-          <a:chOff x="0" y="0"/>
-          <a:chExt cx="0" cy="0"/>
-        </a:xfrm>
-      </p:grpSpPr>
-      <p:sp>
-        <p:nvSpPr>
-          <p:cNvPr id="2" name="Title 1"/>
-          <p:cNvSpPr>
-            <a:spLocks noGrp="1"/>
-          </p:cNvSpPr>
-          <p:nvPr>
-            <p:ph type="title"/>
-          </p:nvPr>
-        </p:nvSpPr>
-        <p:spPr/>
-        <p:txBody>
-          <a:bodyPr/>
-          <a:lstStyle/>
-          <a:p>
-            <a:pPr lvl="0" indent="0" marL="0">
-              <a:buNone/>
-            </a:pPr>
-            <a:r>
-              <a:rPr/>
-              <a:t>Medicines at Home - Non-steroidals</a:t>
-            </a:r>
-          </a:p>
-        </p:txBody>
-      </p:sp>
-      <p:sp>
-        <p:nvSpPr>
-          <p:cNvPr id="3" name="Content Placeholder 2"/>
-          <p:cNvSpPr>
-            <a:spLocks noGrp="1"/>
-          </p:cNvSpPr>
-          <p:nvPr>
-            <p:ph idx="1"/>
-          </p:nvPr>
-        </p:nvSpPr>
-        <p:spPr/>
-        <p:txBody>
-          <a:bodyPr/>
-          <a:lstStyle/>
-          <a:p>
-            <a:pPr lvl="0" indent="0" marL="0">
-              <a:buNone/>
-            </a:pPr>
-            <a:r>
-              <a:rPr/>
-              <a:t>Non-steroidal anti-inflammatories (Celebrex)</a:t>
-            </a:r>
-          </a:p>
-          <a:p>
-            <a:pPr lvl="0"/>
-            <a:r>
-              <a:rPr/>
-              <a:t>200 mg every 12 hours starting 2 weeks after surgery</a:t>
-            </a:r>
-          </a:p>
-          <a:p>
-            <a:pPr lvl="0" indent="0" marL="0">
-              <a:buNone/>
-            </a:pPr>
-            <a:r>
-              <a:rPr/>
-              <a:t>NO GOODY POWDERS OR BCs</a:t>
-            </a:r>
-          </a:p>
-          <a:p>
-            <a:pPr lvl="0"/>
-            <a:r>
-              <a:rPr/>
-              <a:t>(Can cause permanent scarring at the surgery site)</a:t>
-            </a:r>
-          </a:p>
-        </p:txBody>
-      </p:sp>
-    </p:spTree>
-  </p:cSld>
-</p:sld>
-</file>
-
-<file path=ppt/slides/slide71.xml><?xml version="1.0" encoding="utf-8"?>
-<p:sld xmlns:a="http://schemas.openxmlformats.org/drawingml/2006/main" xmlns:r="http://schemas.openxmlformats.org/officeDocument/2006/relationships" xmlns:p="http://schemas.openxmlformats.org/presentationml/2006/main">
-  <p:cSld>
-    <p:spTree>
-      <p:nvGrpSpPr>
-        <p:cNvPr id="1" name=""/>
-        <p:cNvGrpSpPr/>
-        <p:nvPr/>
-      </p:nvGrpSpPr>
-      <p:grpSpPr>
-        <a:xfrm>
-          <a:off x="0" y="0"/>
-          <a:ext cx="0" cy="0"/>
-          <a:chOff x="0" y="0"/>
-          <a:chExt cx="0" cy="0"/>
-        </a:xfrm>
-      </p:grpSpPr>
-      <p:sp>
-        <p:nvSpPr>
-          <p:cNvPr id="2" name="Title 1"/>
-          <p:cNvSpPr>
-            <a:spLocks noGrp="1"/>
-          </p:cNvSpPr>
-          <p:nvPr>
-            <p:ph type="title"/>
-          </p:nvPr>
-        </p:nvSpPr>
-        <p:spPr/>
-        <p:txBody>
-          <a:bodyPr/>
-          <a:lstStyle/>
-          <a:p>
-            <a:pPr lvl="0" indent="0" marL="0">
-              <a:buNone/>
-            </a:pPr>
-            <a:r>
-              <a:rPr/>
-              <a:t>Medicines at Home - Acid Blockers</a:t>
-            </a:r>
-          </a:p>
-        </p:txBody>
-      </p:sp>
-      <p:sp>
-        <p:nvSpPr>
-          <p:cNvPr id="3" name="Content Placeholder 2"/>
-          <p:cNvSpPr>
-            <a:spLocks noGrp="1"/>
-          </p:cNvSpPr>
-          <p:nvPr>
-            <p:ph idx="1"/>
-          </p:nvPr>
-        </p:nvSpPr>
-        <p:spPr/>
-        <p:txBody>
-          <a:bodyPr/>
-          <a:lstStyle/>
-          <a:p>
-            <a:pPr lvl="0" indent="0" marL="0">
-              <a:buNone/>
-            </a:pPr>
-            <a:r>
-              <a:rPr/>
-              <a:t>Acid blocker (Omeprazole, Nexium,etc)</a:t>
-            </a:r>
-          </a:p>
-          <a:p>
-            <a:pPr lvl="0"/>
-            <a:r>
-              <a:rPr/>
-              <a:t>Will stay on for at 1-2 years to prevent acid reflux</a:t>
-            </a:r>
-          </a:p>
-          <a:p>
-            <a:pPr lvl="0"/>
-            <a:r>
-              <a:rPr/>
-              <a:t>Important in preventing scarring at anastomosis (new connection between esophagus and stomach)</a:t>
-            </a:r>
-          </a:p>
-          <a:p>
-            <a:pPr lvl="0"/>
-            <a:r>
-              <a:rPr/>
-              <a:t>To administer through feeding tube, open capsule and resuspend beads in 60mL (2oz) of water</a:t>
-            </a:r>
-          </a:p>
-        </p:txBody>
-      </p:sp>
-    </p:spTree>
-  </p:cSld>
-</p:sld>
-</file>
-
-<file path=ppt/slides/slide72.xml><?xml version="1.0" encoding="utf-8"?>
-<p:sld xmlns:a="http://schemas.openxmlformats.org/drawingml/2006/main" xmlns:r="http://schemas.openxmlformats.org/officeDocument/2006/relationships" xmlns:p="http://schemas.openxmlformats.org/presentationml/2006/main">
-  <p:cSld>
-    <p:spTree>
-      <p:nvGrpSpPr>
-        <p:cNvPr id="1" name=""/>
-        <p:cNvGrpSpPr/>
-        <p:nvPr/>
-      </p:nvGrpSpPr>
-      <p:grpSpPr>
-        <a:xfrm>
-          <a:off x="0" y="0"/>
-          <a:ext cx="0" cy="0"/>
-          <a:chOff x="0" y="0"/>
-          <a:chExt cx="0" cy="0"/>
-        </a:xfrm>
-      </p:grpSpPr>
-      <p:sp>
-        <p:nvSpPr>
-          <p:cNvPr id="2" name="Title 1"/>
-          <p:cNvSpPr>
-            <a:spLocks noGrp="1"/>
-          </p:cNvSpPr>
-          <p:nvPr>
-            <p:ph type="title"/>
-          </p:nvPr>
-        </p:nvSpPr>
-        <p:spPr/>
-        <p:txBody>
-          <a:bodyPr/>
-          <a:lstStyle/>
-          <a:p>
-            <a:pPr lvl="0" indent="0" marL="0">
-              <a:buNone/>
-            </a:pPr>
-            <a:r>
-              <a:rPr/>
-              <a:t>Medicines at Home</a:t>
-            </a:r>
-          </a:p>
-        </p:txBody>
-      </p:sp>
-      <p:sp>
-        <p:nvSpPr>
-          <p:cNvPr id="3" name="Content Placeholder 2"/>
-          <p:cNvSpPr>
-            <a:spLocks noGrp="1"/>
-          </p:cNvSpPr>
-          <p:nvPr>
-            <p:ph idx="1"/>
-          </p:nvPr>
-        </p:nvSpPr>
-        <p:spPr/>
-        <p:txBody>
-          <a:bodyPr/>
-          <a:lstStyle/>
-          <a:p>
-            <a:pPr lvl="0" indent="0" marL="0">
-              <a:buNone/>
-            </a:pPr>
-            <a:r>
-              <a:rPr/>
-              <a:t>Reglan – Helps stomach empty</a:t>
-            </a:r>
-          </a:p>
-          <a:p>
-            <a:pPr lvl="0"/>
-            <a:r>
-              <a:rPr/>
-              <a:t>Will plan to stop after six weeks</a:t>
-            </a:r>
-          </a:p>
-          <a:p>
-            <a:pPr lvl="0"/>
-            <a:r>
-              <a:rPr/>
-              <a:t>0.1% risk of tardive dyskinesia (nervous tic)</a:t>
-            </a:r>
-          </a:p>
-          <a:p>
-            <a:pPr lvl="0" indent="0" marL="0">
-              <a:buNone/>
-            </a:pPr>
-            <a:r>
-              <a:rPr/>
-              <a:t>Remeron – Helps improve appetite</a:t>
-            </a:r>
-          </a:p>
-          <a:p>
-            <a:pPr lvl="0"/>
-            <a:r>
-              <a:rPr/>
-              <a:t>Can cause vivid dreams</a:t>
-            </a:r>
-          </a:p>
-          <a:p>
-            <a:pPr lvl="0"/>
-            <a:r>
-              <a:rPr/>
-              <a:t>Used for several weeks after surgery</a:t>
-            </a:r>
-          </a:p>
-          <a:p>
-            <a:pPr lvl="0"/>
-            <a:r>
-              <a:rPr/>
-              <a:t>Will stop within first three months of surgery</a:t>
-            </a:r>
-          </a:p>
-        </p:txBody>
-      </p:sp>
-    </p:spTree>
-  </p:cSld>
-</p:sld>
-</file>
-
-<file path=ppt/slides/slide73.xml><?xml version="1.0" encoding="utf-8"?>
-<p:sld xmlns:a="http://schemas.openxmlformats.org/drawingml/2006/main" xmlns:r="http://schemas.openxmlformats.org/officeDocument/2006/relationships" xmlns:p="http://schemas.openxmlformats.org/presentationml/2006/main">
-  <p:cSld>
-    <p:spTree>
-      <p:nvGrpSpPr>
-        <p:cNvPr id="1" name=""/>
-        <p:cNvGrpSpPr/>
-        <p:nvPr/>
-      </p:nvGrpSpPr>
-      <p:grpSpPr>
-        <a:xfrm>
-          <a:off x="0" y="0"/>
-          <a:ext cx="0" cy="0"/>
-          <a:chOff x="0" y="0"/>
-          <a:chExt cx="0" cy="0"/>
-        </a:xfrm>
-      </p:grpSpPr>
-      <p:sp>
-        <p:nvSpPr>
-          <p:cNvPr id="2" name="Title 1"/>
-          <p:cNvSpPr>
-            <a:spLocks noGrp="1"/>
-          </p:cNvSpPr>
-          <p:nvPr>
-            <p:ph type="title"/>
-          </p:nvPr>
-        </p:nvSpPr>
-        <p:spPr/>
-        <p:txBody>
-          <a:bodyPr/>
-          <a:lstStyle/>
-          <a:p>
-            <a:pPr lvl="0" indent="0" marL="0">
-              <a:buNone/>
-            </a:pPr>
-            <a:r>
-              <a:rPr/>
-              <a:t>Medicines at Home - Beta Blockers</a:t>
-            </a:r>
-          </a:p>
-        </p:txBody>
-      </p:sp>
-      <p:sp>
-        <p:nvSpPr>
-          <p:cNvPr id="3" name="Content Placeholder 2"/>
-          <p:cNvSpPr>
-            <a:spLocks noGrp="1"/>
-          </p:cNvSpPr>
-          <p:nvPr>
-            <p:ph idx="1"/>
-          </p:nvPr>
-        </p:nvSpPr>
-        <p:spPr/>
-        <p:txBody>
-          <a:bodyPr/>
-          <a:lstStyle/>
-          <a:p>
-            <a:pPr lvl="0" indent="0" marL="0">
-              <a:buNone/>
-            </a:pPr>
-            <a:r>
-              <a:rPr/>
-              <a:t>Metroprolol – Beta Blocker</a:t>
-            </a:r>
-          </a:p>
-          <a:p>
-            <a:pPr lvl="0"/>
-            <a:r>
-              <a:rPr/>
-              <a:t>Slows heart rate and lowers blood pressure</a:t>
-            </a:r>
-            <a:br/>
-          </a:p>
-          <a:p>
-            <a:pPr lvl="0"/>
-            <a:r>
-              <a:rPr/>
-              <a:t>Used around the time of surgery to prevent fast heart rhythms</a:t>
-            </a:r>
-          </a:p>
-          <a:p>
-            <a:pPr lvl="0"/>
-            <a:r>
-              <a:rPr/>
-              <a:t>In patients who were not taking a beta blocker prior to surgery, will plan to wean over a few weeks after surgery</a:t>
-            </a:r>
-          </a:p>
-          <a:p>
-            <a:pPr lvl="0"/>
-            <a:r>
-              <a:rPr/>
-              <a:t>For patients who were taking a beta blocker medicine prior to surgery, will return to prior dosage and drug after surgery</a:t>
-            </a:r>
-          </a:p>
-        </p:txBody>
-      </p:sp>
-    </p:spTree>
-  </p:cSld>
-</p:sld>
-</file>
-
-<file path=ppt/slides/slide74.xml><?xml version="1.0" encoding="utf-8"?>
-<p:sld xmlns:a="http://schemas.openxmlformats.org/drawingml/2006/main" xmlns:r="http://schemas.openxmlformats.org/officeDocument/2006/relationships" xmlns:p="http://schemas.openxmlformats.org/presentationml/2006/main">
-  <p:cSld>
-    <p:spTree>
-      <p:nvGrpSpPr>
-        <p:cNvPr id="1" name=""/>
-        <p:cNvGrpSpPr/>
-        <p:nvPr/>
-      </p:nvGrpSpPr>
-      <p:grpSpPr>
-        <a:xfrm>
-          <a:off x="0" y="0"/>
-          <a:ext cx="0" cy="0"/>
-          <a:chOff x="0" y="0"/>
-          <a:chExt cx="0" cy="0"/>
-        </a:xfrm>
-      </p:grpSpPr>
-      <p:sp>
-        <p:nvSpPr>
-          <p:cNvPr id="2" name="Title 1"/>
-          <p:cNvSpPr>
-            <a:spLocks noGrp="1"/>
-          </p:cNvSpPr>
-          <p:nvPr>
-            <p:ph type="title"/>
-          </p:nvPr>
-        </p:nvSpPr>
-        <p:spPr/>
-        <p:txBody>
-          <a:bodyPr/>
-          <a:lstStyle/>
-          <a:p>
-            <a:pPr lvl="0" indent="0" marL="0">
-              <a:buNone/>
-            </a:pPr>
-            <a:r>
-              <a:rPr/>
-              <a:t>Nutrition after Surgery</a:t>
-            </a:r>
-          </a:p>
-        </p:txBody>
-      </p:sp>
-      <p:sp>
-        <p:nvSpPr>
-          <p:cNvPr id="3" name="Content Placeholder 2"/>
-          <p:cNvSpPr>
-            <a:spLocks noGrp="1"/>
-          </p:cNvSpPr>
-          <p:nvPr>
-            <p:ph idx="1"/>
-          </p:nvPr>
-        </p:nvSpPr>
-        <p:spPr/>
-        <p:txBody>
-          <a:bodyPr/>
-          <a:lstStyle/>
-          <a:p>
-            <a:pPr lvl="0" indent="0" marL="0">
-              <a:buNone/>
-            </a:pPr>
-            <a:r>
-              <a:rPr/>
-              <a:t>At discharge home:</a:t>
-            </a:r>
-          </a:p>
-          <a:p>
-            <a:pPr lvl="0"/>
-            <a:r>
-              <a:rPr/>
-              <a:t>Protein shakes 4oz every 2 hrs</a:t>
-            </a:r>
-          </a:p>
-          <a:p>
-            <a:pPr lvl="0"/>
-            <a:r>
-              <a:rPr/>
-              <a:t>Tube feeds 4-5 cans at night (6pm-10am)</a:t>
-            </a:r>
-          </a:p>
-          <a:p>
-            <a:pPr lvl="0" indent="0" marL="0">
-              <a:buNone/>
-            </a:pPr>
-            <a:r>
-              <a:rPr/>
-              <a:t>10-12 Days: Increase protein shakes</a:t>
-            </a:r>
-          </a:p>
-          <a:p>
-            <a:pPr lvl="0"/>
-            <a:r>
-              <a:rPr/>
-              <a:t>Tube feeds 3-4 cans at night</a:t>
-            </a:r>
-          </a:p>
-          <a:p>
-            <a:pPr lvl="0" indent="0" marL="0">
-              <a:buNone/>
-            </a:pPr>
-            <a:r>
-              <a:rPr/>
-              <a:t>Three weeks: Post-esophagectomy Diet</a:t>
-            </a:r>
-          </a:p>
-          <a:p>
-            <a:pPr lvl="0" indent="0" marL="0">
-              <a:buNone/>
-            </a:pPr>
-            <a:r>
-              <a:rPr/>
-              <a:t>8-12 weeks: Remove feeding tube (in office)</a:t>
-            </a:r>
-          </a:p>
-        </p:txBody>
-      </p:sp>
-    </p:spTree>
-  </p:cSld>
-</p:sld>
-</file>
-
-<file path=ppt/slides/slide75.xml><?xml version="1.0" encoding="utf-8"?>
-<p:sld xmlns:a="http://schemas.openxmlformats.org/drawingml/2006/main" xmlns:r="http://schemas.openxmlformats.org/officeDocument/2006/relationships" xmlns:p="http://schemas.openxmlformats.org/presentationml/2006/main">
-  <p:cSld>
-    <p:spTree>
-      <p:nvGrpSpPr>
-        <p:cNvPr id="1" name=""/>
-        <p:cNvGrpSpPr/>
-        <p:nvPr/>
-      </p:nvGrpSpPr>
-      <p:grpSpPr>
-        <a:xfrm>
-          <a:off x="0" y="0"/>
-          <a:ext cx="0" cy="0"/>
-          <a:chOff x="0" y="0"/>
-          <a:chExt cx="0" cy="0"/>
-        </a:xfrm>
-      </p:grpSpPr>
-      <mc:AlternateContent xmlns:mc="http://schemas.openxmlformats.org/markup-compatibility/2006">
-        <mc:Choice xmlns:a14="http://schemas.microsoft.com/office/drawing/2010/main" Requires="a14">
-          <p:sp>
-            <p:nvSpPr>
-              <p:cNvPr id="2" name="Title 1"/>
-              <p:cNvSpPr>
-                <a:spLocks noGrp="1"/>
-              </p:cNvSpPr>
-              <p:nvPr>
-                <p:ph type="title"/>
-              </p:nvPr>
-            </p:nvSpPr>
-            <p:spPr/>
-            <p:txBody>
-              <a:bodyPr/>
-              <a:lstStyle/>
-              <a:p>
-                <a:pPr lvl="0" indent="0" marL="0">
-                  <a:buNone/>
-                </a:pPr>
-                <a:r>
-                  <a:rPr/>
-                  <a:t>Transition from Tube Feeds </a:t>
-                </a:r>
-                <a14:m>
-                  <m:oMath xmlns:m="http://schemas.openxmlformats.org/officeDocument/2006/math">
-                    <m:r>
-                      <m:rPr>
-                        <m:sty m:val="p"/>
-                      </m:rPr>
-                      <m:t>→</m:t>
-                    </m:r>
-                  </m:oMath>
-                </a14:m>
-                <a:r>
-                  <a:rPr/>
-                  <a:t> Eating</a:t>
-                </a:r>
-              </a:p>
-            </p:txBody>
-          </p:sp>
-        </mc:Choice>
-      </mc:AlternateContent>
-      <p:sp>
-        <p:nvSpPr>
-          <p:cNvPr id="3" name="Content Placeholder 2"/>
-          <p:cNvSpPr>
-            <a:spLocks noGrp="1"/>
-          </p:cNvSpPr>
-          <p:nvPr>
-            <p:ph idx="1"/>
-          </p:nvPr>
-        </p:nvSpPr>
-        <p:spPr/>
-        <p:txBody>
-          <a:bodyPr/>
-          <a:lstStyle/>
-          <a:p>
-            <a:pPr lvl="0" indent="0" marL="0">
-              <a:buNone/>
-            </a:pPr>
-            <a:r>
-              <a:rPr/>
-              <a:t>Dietitian will calculate daily protein goal</a:t>
-            </a:r>
-          </a:p>
-          <a:p>
-            <a:pPr lvl="0"/>
-            <a:r>
-              <a:rPr/>
-              <a:t>Typically 60-75 grams protein/day</a:t>
-            </a:r>
-          </a:p>
-          <a:p>
-            <a:pPr lvl="0"/>
-            <a:r>
-              <a:rPr/>
-              <a:t>Each carton of tube feeding has 15 grams</a:t>
-            </a:r>
-          </a:p>
-          <a:p>
-            <a:pPr lvl="1"/>
-            <a:r>
-              <a:rPr/>
-              <a:t>75 grams protein = 5 cartons/night</a:t>
-            </a:r>
-          </a:p>
-          <a:p>
-            <a:pPr lvl="0"/>
-            <a:r>
-              <a:rPr/>
-              <a:t>As intake by mouth increases, tube feeds are reduced</a:t>
-            </a:r>
-          </a:p>
-          <a:p>
-            <a:pPr lvl="0" indent="0" marL="0">
-              <a:buNone/>
-            </a:pPr>
-            <a:r>
-              <a:rPr/>
-              <a:t>Important that protein is spread out during the day (20gm/meal)</a:t>
-            </a:r>
-          </a:p>
-          <a:p>
-            <a:pPr lvl="0"/>
-            <a:r>
-              <a:rPr/>
-              <a:t>Three meals + 2-3 high-protein snacks</a:t>
-            </a:r>
-          </a:p>
-        </p:txBody>
-      </p:sp>
-    </p:spTree>
-  </p:cSld>
-</p:sld>
-</file>
-
-<file path=ppt/slides/slide76.xml><?xml version="1.0" encoding="utf-8"?>
-<p:sld xmlns:a="http://schemas.openxmlformats.org/drawingml/2006/main" xmlns:r="http://schemas.openxmlformats.org/officeDocument/2006/relationships" xmlns:p="http://schemas.openxmlformats.org/presentationml/2006/main">
-  <p:cSld>
-    <p:spTree>
-      <p:nvGrpSpPr>
-        <p:cNvPr id="1" name=""/>
-        <p:cNvGrpSpPr/>
-        <p:nvPr/>
-      </p:nvGrpSpPr>
-      <p:grpSpPr>
-        <a:xfrm>
-          <a:off x="0" y="0"/>
-          <a:ext cx="0" cy="0"/>
-          <a:chOff x="0" y="0"/>
-          <a:chExt cx="0" cy="0"/>
-        </a:xfrm>
-      </p:grpSpPr>
-      <p:sp>
-        <p:nvSpPr>
-          <p:cNvPr id="2" name="Title 1"/>
-          <p:cNvSpPr>
-            <a:spLocks noGrp="1"/>
-          </p:cNvSpPr>
-          <p:nvPr>
-            <p:ph type="title"/>
-          </p:nvPr>
-        </p:nvSpPr>
-        <p:spPr/>
-        <p:txBody>
-          <a:bodyPr/>
-          <a:lstStyle/>
-          <a:p>
-            <a:pPr lvl="0" indent="0" marL="0">
-              <a:buNone/>
-            </a:pPr>
-            <a:r>
-              <a:rPr/>
-              <a:t>Post-esophagectomy Diet</a:t>
-            </a:r>
-          </a:p>
-        </p:txBody>
-      </p:sp>
-      <p:sp>
-        <p:nvSpPr>
-          <p:cNvPr id="3" name="Content Placeholder 2"/>
-          <p:cNvSpPr>
-            <a:spLocks noGrp="1"/>
-          </p:cNvSpPr>
-          <p:nvPr>
-            <p:ph idx="1"/>
-          </p:nvPr>
-        </p:nvSpPr>
-        <p:spPr/>
-        <p:txBody>
-          <a:bodyPr/>
-          <a:lstStyle/>
-          <a:p>
-            <a:pPr lvl="0"/>
-            <a:r>
-              <a:rPr/>
-              <a:t>Soft Consistency</a:t>
-            </a:r>
-          </a:p>
-          <a:p>
-            <a:pPr lvl="0"/>
-            <a:r>
-              <a:rPr/>
-              <a:t>High Protein</a:t>
-            </a:r>
-          </a:p>
-          <a:p>
-            <a:pPr lvl="0"/>
-            <a:r>
-              <a:rPr/>
-              <a:t>Avoid sugary liquids (can cause ‘dumping’)</a:t>
-            </a:r>
-          </a:p>
-          <a:p>
-            <a:pPr lvl="0"/>
-            <a:r>
-              <a:rPr/>
-              <a:t>Avoid raw vegetables (and salads)</a:t>
-            </a:r>
-          </a:p>
-          <a:p>
-            <a:pPr lvl="0"/>
-            <a:r>
-              <a:rPr/>
-              <a:t>Eating</a:t>
-            </a:r>
-          </a:p>
-          <a:p>
-            <a:pPr lvl="1"/>
-            <a:r>
-              <a:rPr/>
-              <a:t>Small, frequent meals</a:t>
-            </a:r>
-          </a:p>
-          <a:p>
-            <a:pPr lvl="1"/>
-            <a:r>
-              <a:rPr/>
-              <a:t>Sit up for 30-45 minutes after eating</a:t>
-            </a:r>
-          </a:p>
-          <a:p>
-            <a:pPr lvl="1"/>
-            <a:r>
-              <a:rPr/>
-              <a:t>Avoid eating within 2 hours of bedtime</a:t>
-            </a:r>
-          </a:p>
-        </p:txBody>
-      </p:sp>
-    </p:spTree>
-  </p:cSld>
-</p:sld>
-</file>
-
-<file path=ppt/slides/slide77.xml><?xml version="1.0" encoding="utf-8"?>
-<p:sld xmlns:a="http://schemas.openxmlformats.org/drawingml/2006/main" xmlns:r="http://schemas.openxmlformats.org/officeDocument/2006/relationships" xmlns:p="http://schemas.openxmlformats.org/presentationml/2006/main">
-  <p:cSld>
-    <p:spTree>
-      <p:nvGrpSpPr>
-        <p:cNvPr id="1" name=""/>
-        <p:cNvGrpSpPr/>
-        <p:nvPr/>
-      </p:nvGrpSpPr>
-      <p:grpSpPr>
-        <a:xfrm>
-          <a:off x="0" y="0"/>
-          <a:ext cx="0" cy="0"/>
-          <a:chOff x="0" y="0"/>
-          <a:chExt cx="0" cy="0"/>
-        </a:xfrm>
-      </p:grpSpPr>
-      <p:sp>
-        <p:nvSpPr>
-          <p:cNvPr id="2" name="Title 1"/>
-          <p:cNvSpPr>
-            <a:spLocks noGrp="1"/>
-          </p:cNvSpPr>
-          <p:nvPr>
-            <p:ph type="title"/>
-          </p:nvPr>
-        </p:nvSpPr>
-        <p:spPr/>
-        <p:txBody>
-          <a:bodyPr/>
-          <a:lstStyle/>
-          <a:p>
-            <a:pPr lvl="0" indent="0" marL="0">
-              <a:buNone/>
-            </a:pPr>
-            <a:r>
-              <a:rPr/>
-              <a:t>Wedge Pillow</a:t>
-            </a:r>
-          </a:p>
-        </p:txBody>
-      </p:sp>
-      <p:sp>
-        <p:nvSpPr>
-          <p:cNvPr id="3" name="Content Placeholder 2"/>
-          <p:cNvSpPr>
-            <a:spLocks noGrp="1"/>
-          </p:cNvSpPr>
-          <p:nvPr>
-            <p:ph idx="1" sz="half"/>
-          </p:nvPr>
-        </p:nvSpPr>
-        <p:spPr/>
-        <p:txBody>
-          <a:bodyPr/>
-          <a:lstStyle/>
-          <a:p>
-            <a:pPr lvl="0" indent="0" marL="0">
-              <a:buNone/>
-            </a:pPr>
-            <a:br/>
-            <a:r>
-              <a:rPr/>
-              <a:t>Surgery to remove the esophageal tumor will lead to a tendency for reflux.</a:t>
-            </a:r>
-          </a:p>
-          <a:p>
-            <a:pPr lvl="0" indent="0" marL="0">
-              <a:buNone/>
-            </a:pPr>
-            <a:r>
-              <a:rPr/>
-              <a:t>The most helpful strategy is a 30 degree wedge pillow. T</a:t>
-            </a:r>
-          </a:p>
-          <a:p>
-            <a:pPr lvl="0" indent="0" marL="0">
-              <a:buNone/>
-            </a:pPr>
-            <a:r>
-              <a:rPr/>
-              <a:t>his should be half as high as it is long.</a:t>
-            </a:r>
-          </a:p>
-          <a:p>
-            <a:pPr lvl="0" indent="0" marL="0">
-              <a:buNone/>
-            </a:pPr>
-            <a:r>
-              <a:rPr/>
-              <a:t>Available at Walmart.com</a:t>
-            </a:r>
-          </a:p>
-        </p:txBody>
-      </p:sp>
-      <p:pic>
-        <p:nvPicPr>
-          <p:cNvPr descr="https://deidt7p41jzcy.cloudfront.net/wedge_pillow_comm.jpg" id="0" name="Picture 1"/>
-          <p:cNvPicPr>
-            <a:picLocks noGrp="1" noChangeAspect="1"/>
-          </p:cNvPicPr>
-          <p:nvPr/>
-        </p:nvPicPr>
-        <p:blipFill>
-          <a:blip r:embed="rId2"/>
-          <a:stretch>
-            <a:fillRect/>
-          </a:stretch>
-        </p:blipFill>
-        <p:spPr bwMode="auto">
-          <a:xfrm>
-            <a:off x="4978400" y="1193800"/>
-            <a:ext cx="3390900" cy="3390900"/>
-          </a:xfrm>
-          <a:prstGeom prst="rect">
-            <a:avLst/>
-          </a:prstGeom>
-          <a:noFill/>
-          <a:ln w="9525">
-            <a:noFill/>
-            <a:headEnd/>
-            <a:tailEnd/>
-          </a:ln>
-        </p:spPr>
-      </p:pic>
-    </p:spTree>
-  </p:cSld>
-</p:sld>
-</file>
-
-<file path=ppt/slides/slide78.xml><?xml version="1.0" encoding="utf-8"?>
-<p:sld xmlns:a="http://schemas.openxmlformats.org/drawingml/2006/main" xmlns:r="http://schemas.openxmlformats.org/officeDocument/2006/relationships" xmlns:p="http://schemas.openxmlformats.org/presentationml/2006/main">
-  <p:cSld>
-    <p:spTree>
-      <p:nvGrpSpPr>
-        <p:cNvPr id="1" name=""/>
-        <p:cNvGrpSpPr/>
-        <p:nvPr/>
-      </p:nvGrpSpPr>
-      <p:grpSpPr>
-        <a:xfrm>
-          <a:off x="0" y="0"/>
-          <a:ext cx="0" cy="0"/>
-          <a:chOff x="0" y="0"/>
-          <a:chExt cx="0" cy="0"/>
-        </a:xfrm>
-      </p:grpSpPr>
-      <p:sp>
-        <p:nvSpPr>
-          <p:cNvPr id="2" name="Title 1"/>
-          <p:cNvSpPr>
-            <a:spLocks noGrp="1"/>
-          </p:cNvSpPr>
-          <p:nvPr>
-            <p:ph type="title"/>
-          </p:nvPr>
-        </p:nvSpPr>
-        <p:spPr/>
-        <p:txBody>
-          <a:bodyPr/>
-          <a:lstStyle/>
-          <a:p>
-            <a:pPr lvl="0" indent="0" marL="0">
-              <a:buNone/>
-            </a:pPr>
-            <a:r>
-              <a:rPr/>
-              <a:t>Postoperative Visit</a:t>
-            </a:r>
-          </a:p>
-        </p:txBody>
-      </p:sp>
-      <p:sp>
-        <p:nvSpPr>
-          <p:cNvPr id="3" name="Content Placeholder 2"/>
-          <p:cNvSpPr>
-            <a:spLocks noGrp="1"/>
-          </p:cNvSpPr>
-          <p:nvPr>
-            <p:ph idx="1"/>
-          </p:nvPr>
-        </p:nvSpPr>
-        <p:spPr/>
-        <p:txBody>
-          <a:bodyPr/>
-          <a:lstStyle/>
-          <a:p>
-            <a:pPr lvl="0" indent="0" marL="0">
-              <a:buNone/>
-            </a:pPr>
-            <a:r>
-              <a:rPr/>
-              <a:t>Check surgical site</a:t>
-            </a:r>
-          </a:p>
-          <a:p>
-            <a:pPr lvl="0"/>
-            <a:r>
-              <a:rPr/>
-              <a:t>Remove staples (if needed)</a:t>
-            </a:r>
-          </a:p>
-          <a:p>
-            <a:pPr lvl="0" indent="0" marL="0">
-              <a:buNone/>
-            </a:pPr>
-            <a:r>
-              <a:rPr/>
-              <a:t>Adjust medicines as needed</a:t>
-            </a:r>
-          </a:p>
-          <a:p>
-            <a:pPr lvl="0"/>
-            <a:r>
-              <a:rPr/>
-              <a:t>Insulin (for diabetic patients on insulin)</a:t>
-            </a:r>
-          </a:p>
-          <a:p>
-            <a:pPr lvl="0"/>
-            <a:r>
-              <a:rPr/>
-              <a:t>Reduce beta blocker medicines</a:t>
-            </a:r>
-          </a:p>
-          <a:p>
-            <a:pPr lvl="0" indent="0" marL="0">
-              <a:buNone/>
-            </a:pPr>
-            <a:r>
-              <a:rPr/>
-              <a:t>Advance diet</a:t>
-            </a:r>
-          </a:p>
-          <a:p>
-            <a:pPr lvl="0" indent="0" marL="0">
-              <a:buNone/>
-            </a:pPr>
-            <a:r>
-              <a:rPr/>
-              <a:t>Reduce tube feeds</a:t>
-            </a:r>
-          </a:p>
-        </p:txBody>
-      </p:sp>
-    </p:spTree>
-  </p:cSld>
-</p:sld>
-</file>
-
-<file path=ppt/slides/slide79.xml><?xml version="1.0" encoding="utf-8"?>
-<p:sld xmlns:a="http://schemas.openxmlformats.org/drawingml/2006/main" xmlns:r="http://schemas.openxmlformats.org/officeDocument/2006/relationships" xmlns:p="http://schemas.openxmlformats.org/presentationml/2006/main">
-  <p:cSld>
-    <p:spTree>
-      <p:nvGrpSpPr>
-        <p:cNvPr id="1" name=""/>
-        <p:cNvGrpSpPr/>
-        <p:nvPr/>
-      </p:nvGrpSpPr>
-      <p:grpSpPr>
-        <a:xfrm>
-          <a:off x="0" y="0"/>
-          <a:ext cx="0" cy="0"/>
-          <a:chOff x="0" y="0"/>
-          <a:chExt cx="0" cy="0"/>
-        </a:xfrm>
-      </p:grpSpPr>
-      <p:sp>
-        <p:nvSpPr>
-          <p:cNvPr id="2" name="Title 1"/>
-          <p:cNvSpPr>
-            <a:spLocks noGrp="1"/>
-          </p:cNvSpPr>
-          <p:nvPr>
-            <p:ph type="title"/>
-          </p:nvPr>
-        </p:nvSpPr>
-        <p:spPr/>
-        <p:txBody>
-          <a:bodyPr/>
-          <a:lstStyle/>
-          <a:p>
-            <a:pPr lvl="0" indent="0" marL="0">
-              <a:buNone/>
-            </a:pPr>
-            <a:r>
-              <a:rPr/>
-              <a:t>After surgery</a:t>
-            </a:r>
-          </a:p>
-        </p:txBody>
-      </p:sp>
-      <p:sp>
-        <p:nvSpPr>
-          <p:cNvPr id="3" name="Content Placeholder 2"/>
-          <p:cNvSpPr>
-            <a:spLocks noGrp="1"/>
-          </p:cNvSpPr>
-          <p:nvPr>
-            <p:ph idx="1"/>
-          </p:nvPr>
-        </p:nvSpPr>
-        <p:spPr/>
-        <p:txBody>
-          <a:bodyPr/>
-          <a:lstStyle/>
-          <a:p>
-            <a:pPr lvl="0" indent="0" marL="0">
-              <a:buNone/>
-            </a:pPr>
-            <a:r>
-              <a:rPr/>
-              <a:t>Wean off medicines added after surgery</a:t>
-            </a:r>
-          </a:p>
-          <a:p>
-            <a:pPr lvl="0"/>
-            <a:r>
-              <a:rPr/>
-              <a:t>Pain medicines</a:t>
-            </a:r>
-          </a:p>
-          <a:p>
-            <a:pPr lvl="0"/>
-            <a:r>
-              <a:rPr/>
-              <a:t>Beta-blockers</a:t>
-            </a:r>
-          </a:p>
-          <a:p>
-            <a:pPr lvl="0"/>
-            <a:r>
-              <a:rPr/>
-              <a:t>Reglan</a:t>
-            </a:r>
-          </a:p>
-          <a:p>
-            <a:pPr lvl="0"/>
-            <a:r>
-              <a:rPr/>
-              <a:t>Remeron</a:t>
-            </a:r>
-          </a:p>
-          <a:p>
-            <a:pPr lvl="0" indent="0" marL="0">
-              <a:buNone/>
-            </a:pPr>
-            <a:r>
-              <a:rPr/>
-              <a:t>Continue acid blockers for at least 1 year</a:t>
-            </a:r>
-          </a:p>
-          <a:p>
-            <a:pPr lvl="0" indent="0" marL="0">
-              <a:buNone/>
-            </a:pPr>
-            <a:r>
-              <a:rPr/>
-              <a:t>May need additional systemic therapy afterwards</a:t>
-            </a:r>
-          </a:p>
-          <a:p>
-            <a:pPr lvl="0"/>
-            <a:r>
-              <a:rPr/>
-              <a:t>Chemotherapy</a:t>
-            </a:r>
-          </a:p>
-          <a:p>
-            <a:pPr lvl="0"/>
-            <a:r>
-              <a:rPr/>
-              <a:t>Immunotherapy (Optive = nivolumab)</a:t>
-            </a:r>
-          </a:p>
-        </p:txBody>
-      </p:sp>
-    </p:spTree>
-  </p:cSld>
-</p:sld>
-</file>
-
 <file path=ppt/slides/slide8.xml><?xml version="1.0" encoding="utf-8"?>
 <p:sld xmlns:a="http://schemas.openxmlformats.org/drawingml/2006/main" xmlns:r="http://schemas.openxmlformats.org/officeDocument/2006/relationships" xmlns:p="http://schemas.openxmlformats.org/presentationml/2006/main">
   <p:cSld>
@@ -11709,162 +9913,6 @@
           </a:ln>
         </p:spPr>
       </p:pic>
-    </p:spTree>
-  </p:cSld>
-</p:sld>
-</file>
-
-<file path=ppt/slides/slide80.xml><?xml version="1.0" encoding="utf-8"?>
-<p:sld xmlns:a="http://schemas.openxmlformats.org/drawingml/2006/main" xmlns:r="http://schemas.openxmlformats.org/officeDocument/2006/relationships" xmlns:p="http://schemas.openxmlformats.org/presentationml/2006/main">
-  <p:cSld>
-    <p:spTree>
-      <p:nvGrpSpPr>
-        <p:cNvPr id="1" name=""/>
-        <p:cNvGrpSpPr/>
-        <p:nvPr/>
-      </p:nvGrpSpPr>
-      <p:grpSpPr>
-        <a:xfrm>
-          <a:off x="0" y="0"/>
-          <a:ext cx="0" cy="0"/>
-          <a:chOff x="0" y="0"/>
-          <a:chExt cx="0" cy="0"/>
-        </a:xfrm>
-      </p:grpSpPr>
-      <p:sp>
-        <p:nvSpPr>
-          <p:cNvPr id="2" name="Title 1"/>
-          <p:cNvSpPr>
-            <a:spLocks noGrp="1"/>
-          </p:cNvSpPr>
-          <p:nvPr>
-            <p:ph type="title"/>
-          </p:nvPr>
-        </p:nvSpPr>
-        <p:spPr/>
-        <p:txBody>
-          <a:bodyPr/>
-          <a:lstStyle/>
-          <a:p>
-            <a:pPr lvl="0" indent="0" marL="0">
-              <a:buNone/>
-            </a:pPr>
-            <a:r>
-              <a:rPr/>
-              <a:t>Team Members</a:t>
-            </a:r>
-          </a:p>
-        </p:txBody>
-      </p:sp>
-      <p:sp>
-        <p:nvSpPr>
-          <p:cNvPr id="3" name="Content Placeholder 2"/>
-          <p:cNvSpPr>
-            <a:spLocks noGrp="1"/>
-          </p:cNvSpPr>
-          <p:nvPr>
-            <p:ph idx="1"/>
-          </p:nvPr>
-        </p:nvSpPr>
-        <p:spPr/>
-        <p:txBody>
-          <a:bodyPr/>
-          <a:lstStyle/>
-          <a:p>
-            <a:pPr lvl="0" indent="0" marL="0">
-              <a:buNone/>
-            </a:pPr>
-            <a:r>
-              <a:rPr/>
-              <a:t>Primary Care Provider</a:t>
-            </a:r>
-          </a:p>
-          <a:p>
-            <a:pPr lvl="0" indent="0" marL="0">
-              <a:buNone/>
-            </a:pPr>
-            <a:r>
-              <a:rPr/>
-              <a:t>Gastroenterologist</a:t>
-            </a:r>
-          </a:p>
-          <a:p>
-            <a:pPr lvl="0" indent="0" marL="0">
-              <a:buNone/>
-            </a:pPr>
-            <a:r>
-              <a:rPr/>
-              <a:t>Medical Oncologist (chemotherapy)</a:t>
-            </a:r>
-          </a:p>
-          <a:p>
-            <a:pPr lvl="0" indent="0" marL="0">
-              <a:buNone/>
-            </a:pPr>
-            <a:r>
-              <a:rPr/>
-              <a:t>Radiation Oncologist (radiation)</a:t>
-            </a:r>
-          </a:p>
-          <a:p>
-            <a:pPr lvl="0" indent="0" marL="0">
-              <a:buNone/>
-            </a:pPr>
-            <a:r>
-              <a:rPr/>
-              <a:t>Surgeons</a:t>
-            </a:r>
-          </a:p>
-          <a:p>
-            <a:pPr lvl="0"/>
-            <a:r>
-              <a:rPr/>
-              <a:t>Jonathan Salo</a:t>
-            </a:r>
-          </a:p>
-          <a:p>
-            <a:pPr lvl="0"/>
-            <a:r>
-              <a:rPr/>
-              <a:t>Jeffrey Hagen</a:t>
-            </a:r>
-          </a:p>
-          <a:p>
-            <a:pPr lvl="0"/>
-            <a:r>
-              <a:rPr/>
-              <a:t>Michael Roach</a:t>
-            </a:r>
-          </a:p>
-          <a:p>
-            <a:pPr lvl="0" indent="0" marL="0">
-              <a:buNone/>
-            </a:pPr>
-            <a:r>
-              <a:rPr/>
-              <a:t>Dietitian - Liz Koch</a:t>
-            </a:r>
-          </a:p>
-          <a:p>
-            <a:pPr lvl="0" indent="0" marL="0">
-              <a:buNone/>
-            </a:pPr>
-            <a:r>
-              <a:rPr/>
-              <a:t>Nurses - Brandon Galloway &amp; Kit Sluder</a:t>
-            </a:r>
-          </a:p>
-          <a:p>
-            <a:pPr lvl="0" indent="0" marL="0">
-              <a:buNone/>
-            </a:pPr>
-            <a:r>
-              <a:rPr/>
-              <a:t>Schedulers - Stacey Singleton &amp; Toney Bethea</a:t>
-            </a:r>
-          </a:p>
-        </p:txBody>
-      </p:sp>
     </p:spTree>
   </p:cSld>
 </p:sld>

--- a/lci_surgery.pptx
+++ b/lci_surgery.pptx
@@ -5561,16 +5561,10 @@
           <a:bodyPr/>
           <a:lstStyle/>
           <a:p>
-            <a:pPr lvl="0" indent="0" marL="0">
-              <a:buNone/>
-            </a:pPr>
-            <a:br/>
-          </a:p>
-          <a:p>
-            <a:pPr lvl="0"/>
-            <a:r>
-              <a:rPr/>
-              <a:t>Critical to good communication with your cancer care team</a:t>
+            <a:pPr lvl="0"/>
+            <a:r>
+              <a:rPr/>
+              <a:t>Critical to good communication with your care team</a:t>
             </a:r>
           </a:p>
           <a:p>
@@ -5654,7 +5648,7 @@
             <a:pPr lvl="0"/>
             <a:r>
               <a:rPr/>
-              <a:t>Important to reduce the risk of complications from cancer treatment</a:t>
+              <a:t>Reduces risk of complications from treatment</a:t>
             </a:r>
           </a:p>
           <a:p>
@@ -5668,14 +5662,14 @@
             <a:pPr lvl="1"/>
             <a:r>
               <a:rPr/>
-              <a:t>Working hard enough that you can’t carry a conversation</a:t>
+              <a:t>Working hard enough that you can’t converse</a:t>
             </a:r>
           </a:p>
           <a:p>
             <a:pPr lvl="1"/>
             <a:r>
               <a:rPr/>
-              <a:t>Start slow an build up</a:t>
+              <a:t>Start slowly and build up</a:t>
             </a:r>
           </a:p>
           <a:p>
@@ -5752,7 +5746,7 @@
             <a:pPr lvl="0"/>
             <a:r>
               <a:rPr/>
-              <a:t>Smoking makes it more difficult to get through cancer treatment</a:t>
+              <a:t>Smoking makes cancer treatment more difficult</a:t>
             </a:r>
           </a:p>
           <a:p>
@@ -5780,14 +5774,14 @@
             <a:pPr lvl="1"/>
             <a:r>
               <a:rPr/>
-              <a:t>American Lung Asssociation fredomfromsmoking.org</a:t>
+              <a:t>American Lung Assn fredomfromsmoking.org</a:t>
             </a:r>
           </a:p>
           <a:p>
             <a:pPr lvl="1"/>
             <a:r>
               <a:rPr/>
-              <a:t>1:1 Smoking Cessation Counseling Clinics (Metro Charlotte)</a:t>
+              <a:t>1:1 Smoking Cessation Counseling (Metro Charlotte)</a:t>
             </a:r>
           </a:p>
         </p:txBody>

--- a/lci_surgery.pptx
+++ b/lci_surgery.pptx
@@ -64,7 +64,6 @@
     <p:sldId id="312" r:id="rId58"/>
     <p:sldId id="313" r:id="rId59"/>
     <p:sldId id="314" r:id="rId60"/>
-    <p:sldId id="315" r:id="rId61"/>
   </p:sldIdLst>
   <p:sldSz cx="9144000" cy="5143500" type="screen16x9"/>
   <p:notesSz cx="6858000" cy="9144000"/>
@@ -5493,7 +5492,7 @@
             </a:pPr>
             <a:r>
               <a:rPr/>
-              <a:t>If you do not have a PCP, call our referral line at (844) 235-6998</a:t>
+              <a:t>Call our referral line at (844) 235-6998 if you need a PCP</a:t>
             </a:r>
           </a:p>
         </p:txBody>
@@ -5781,7 +5780,7 @@
             <a:pPr lvl="1"/>
             <a:r>
               <a:rPr/>
-              <a:t>1:1 Smoking Cessation Counseling (Metro Charlotte)</a:t>
+              <a:t>Smoking Cessation Counseling (Metro Charlotte)</a:t>
             </a:r>
           </a:p>
         </p:txBody>
@@ -6056,14 +6055,14 @@
             <a:pPr lvl="0"/>
             <a:r>
               <a:rPr/>
-              <a:t>OK to take medicines with a sip of water (or coffee) but no cream.</a:t>
-            </a:r>
-          </a:p>
-          <a:p>
-            <a:pPr lvl="0"/>
-            <a:r>
-              <a:rPr/>
-              <a:t>Surgery will be cancelled if you have cream or milk in the morning.</a:t>
+              <a:t>Medicines with a sip of water (or black coffee) but no cream.</a:t>
+            </a:r>
+          </a:p>
+          <a:p>
+            <a:pPr lvl="0"/>
+            <a:r>
+              <a:rPr/>
+              <a:t>Surgery will be cancelled if you have cream/milk in the am.</a:t>
             </a:r>
           </a:p>
           <a:p>
@@ -6343,7 +6342,7 @@
             <a:pPr lvl="0"/>
             <a:r>
               <a:rPr/>
-              <a:t>Catheter in bladder removed → make certain the bladder empties properly</a:t>
+              <a:t>Bladder catheter removed → check that bladder empties properly</a:t>
             </a:r>
           </a:p>
           <a:p>
@@ -6445,45 +6444,38 @@
             </a:r>
           </a:p>
           <a:p>
+            <a:pPr lvl="0"/>
+            <a:r>
+              <a:rPr/>
+              <a:t>Up in a chair most of the day</a:t>
+            </a:r>
+          </a:p>
+          <a:p>
+            <a:pPr lvl="0"/>
+            <a:r>
+              <a:rPr/>
+              <a:t>Walking in the halls</a:t>
+            </a:r>
+          </a:p>
+          <a:p>
             <a:pPr lvl="1"/>
             <a:r>
               <a:rPr/>
-              <a:t>Nurses will instruct you and family how to operate the pump</a:t>
-            </a:r>
-          </a:p>
-          <a:p>
-            <a:pPr lvl="0"/>
-            <a:r>
-              <a:rPr/>
-              <a:t>Up in a chair most of the day</a:t>
-            </a:r>
-          </a:p>
-          <a:p>
-            <a:pPr lvl="0"/>
-            <a:r>
-              <a:rPr/>
-              <a:t>Walking in the halls</a:t>
+              <a:t>Start with assistance</a:t>
             </a:r>
           </a:p>
           <a:p>
             <a:pPr lvl="1"/>
             <a:r>
               <a:rPr/>
-              <a:t>Start with assistance</a:t>
+              <a:t>Improves lung function</a:t>
             </a:r>
           </a:p>
           <a:p>
             <a:pPr lvl="1"/>
             <a:r>
               <a:rPr/>
-              <a:t>Improves lung function</a:t>
-            </a:r>
-          </a:p>
-          <a:p>
-            <a:pPr lvl="1"/>
-            <a:r>
-              <a:rPr/>
-              <a:t>Prevents loss of muscle</a:t>
+              <a:t>Prevents loss of muscle strength</a:t>
             </a:r>
           </a:p>
         </p:txBody>
@@ -6692,16 +6684,7 @@
             </a:pPr>
             <a:r>
               <a:rPr/>
-              <a:t>Hospital nurses will teach you how to use the feeding tube pump</a:t>
-            </a:r>
-          </a:p>
-          <a:p>
-            <a:pPr lvl="0" indent="0" marL="0">
-              <a:buNone/>
-            </a:pPr>
-            <a:r>
-              <a:rPr/>
-              <a:t>We want to make sure you can manage the pump before going home</a:t>
+              <a:t>Hospital nurses will teach use of the feeding tube pump</a:t>
             </a:r>
           </a:p>
         </p:txBody>
@@ -6773,7 +6756,7 @@
             </a:pPr>
             <a:r>
               <a:rPr/>
-              <a:t>Jejunostomy feedings may cause blood sugars to be elevated</a:t>
+              <a:t>Jejunostomy feedings elevate blood sugars</a:t>
             </a:r>
           </a:p>
           <a:p>
@@ -6996,7 +6979,7 @@
             <a:pPr lvl="0"/>
             <a:r>
               <a:rPr/>
-              <a:t>Walking in hallway with help from nurse/Physical Therapist</a:t>
+              <a:t>Walking with help from nurse/Physical Therapist</a:t>
             </a:r>
           </a:p>
           <a:p>
@@ -7556,7 +7539,7 @@
             <a:pPr lvl="0"/>
             <a:r>
               <a:rPr/>
-              <a:t>Some nutrition by mouth (70% of patients)</a:t>
+              <a:t>Nutrition by mouth (70% of patients)</a:t>
             </a:r>
           </a:p>
           <a:p>
@@ -7638,7 +7621,7 @@
             </a:pPr>
             <a:r>
               <a:rPr/>
-              <a:t>Nutrition at Home</a:t>
+              <a:t>Nutrition after Surgery</a:t>
             </a:r>
           </a:p>
         </p:txBody>
@@ -7663,28 +7646,55 @@
             </a:pPr>
             <a:r>
               <a:rPr/>
-              <a:t>Most patients go home with:</a:t>
-            </a:r>
-          </a:p>
-          <a:p>
-            <a:pPr lvl="0"/>
-            <a:r>
-              <a:rPr/>
-              <a:t>Protein shakes by mouth 4oz at a time</a:t>
-            </a:r>
-          </a:p>
-          <a:p>
-            <a:pPr lvl="0"/>
-            <a:r>
-              <a:rPr/>
-              <a:t>Tube feeds at night (4-5 cartons)</a:t>
-            </a:r>
-          </a:p>
-          <a:p>
-            <a:pPr lvl="0"/>
-            <a:r>
-              <a:rPr/>
-              <a:t>Water through the feeding tube 8oz 4 times per day</a:t>
+              <a:t>At discharge home:</a:t>
+            </a:r>
+          </a:p>
+          <a:p>
+            <a:pPr lvl="0"/>
+            <a:r>
+              <a:rPr/>
+              <a:t>Protein shakes 4oz every 2 hrs</a:t>
+            </a:r>
+          </a:p>
+          <a:p>
+            <a:pPr lvl="0"/>
+            <a:r>
+              <a:rPr/>
+              <a:t>Tube feeds 4-5 cans at night (6pm-10am)</a:t>
+            </a:r>
+          </a:p>
+          <a:p>
+            <a:pPr lvl="0" indent="0" marL="0">
+              <a:buNone/>
+            </a:pPr>
+            <a:r>
+              <a:rPr/>
+              <a:t>10-12 Days: Increase protein shakes</a:t>
+            </a:r>
+          </a:p>
+          <a:p>
+            <a:pPr lvl="0"/>
+            <a:r>
+              <a:rPr/>
+              <a:t>Tube feeds 3-4 cans at night</a:t>
+            </a:r>
+          </a:p>
+          <a:p>
+            <a:pPr lvl="0" indent="0" marL="0">
+              <a:buNone/>
+            </a:pPr>
+            <a:r>
+              <a:rPr/>
+              <a:t>Three weeks: Post-esophagectomy Diet</a:t>
+            </a:r>
+          </a:p>
+          <a:p>
+            <a:pPr lvl="0" indent="0" marL="0">
+              <a:buNone/>
+            </a:pPr>
+            <a:r>
+              <a:rPr/>
+              <a:t>8-12 weeks: Remove feeding tube (in office)</a:t>
             </a:r>
           </a:p>
         </p:txBody>
@@ -7695,126 +7705,6 @@
 </file>
 
 <file path=ppt/slides/slide45.xml><?xml version="1.0" encoding="utf-8"?>
-<p:sld xmlns:a="http://schemas.openxmlformats.org/drawingml/2006/main" xmlns:r="http://schemas.openxmlformats.org/officeDocument/2006/relationships" xmlns:p="http://schemas.openxmlformats.org/presentationml/2006/main">
-  <p:cSld>
-    <p:spTree>
-      <p:nvGrpSpPr>
-        <p:cNvPr id="1" name=""/>
-        <p:cNvGrpSpPr/>
-        <p:nvPr/>
-      </p:nvGrpSpPr>
-      <p:grpSpPr>
-        <a:xfrm>
-          <a:off x="0" y="0"/>
-          <a:ext cx="0" cy="0"/>
-          <a:chOff x="0" y="0"/>
-          <a:chExt cx="0" cy="0"/>
-        </a:xfrm>
-      </p:grpSpPr>
-      <p:sp>
-        <p:nvSpPr>
-          <p:cNvPr id="2" name="Title 1"/>
-          <p:cNvSpPr>
-            <a:spLocks noGrp="1"/>
-          </p:cNvSpPr>
-          <p:nvPr>
-            <p:ph type="title"/>
-          </p:nvPr>
-        </p:nvSpPr>
-        <p:spPr/>
-        <p:txBody>
-          <a:bodyPr/>
-          <a:lstStyle/>
-          <a:p>
-            <a:pPr lvl="0" indent="0" marL="0">
-              <a:buNone/>
-            </a:pPr>
-            <a:r>
-              <a:rPr/>
-              <a:t>Nutrition after Surgery</a:t>
-            </a:r>
-          </a:p>
-        </p:txBody>
-      </p:sp>
-      <p:sp>
-        <p:nvSpPr>
-          <p:cNvPr id="3" name="Content Placeholder 2"/>
-          <p:cNvSpPr>
-            <a:spLocks noGrp="1"/>
-          </p:cNvSpPr>
-          <p:nvPr>
-            <p:ph idx="1"/>
-          </p:nvPr>
-        </p:nvSpPr>
-        <p:spPr/>
-        <p:txBody>
-          <a:bodyPr/>
-          <a:lstStyle/>
-          <a:p>
-            <a:pPr lvl="0" indent="0" marL="0">
-              <a:buNone/>
-            </a:pPr>
-            <a:r>
-              <a:rPr/>
-              <a:t>At discharge home:</a:t>
-            </a:r>
-          </a:p>
-          <a:p>
-            <a:pPr lvl="0"/>
-            <a:r>
-              <a:rPr/>
-              <a:t>Protein shakes 4oz every 2 hrs</a:t>
-            </a:r>
-          </a:p>
-          <a:p>
-            <a:pPr lvl="0"/>
-            <a:r>
-              <a:rPr/>
-              <a:t>Tube feeds 4-5 cans at night (6pm-10am)</a:t>
-            </a:r>
-          </a:p>
-          <a:p>
-            <a:pPr lvl="0" indent="0" marL="0">
-              <a:buNone/>
-            </a:pPr>
-            <a:r>
-              <a:rPr/>
-              <a:t>10-12 Days: Increase protein shakes</a:t>
-            </a:r>
-          </a:p>
-          <a:p>
-            <a:pPr lvl="0"/>
-            <a:r>
-              <a:rPr/>
-              <a:t>Tube feeds 3-4 cans at night</a:t>
-            </a:r>
-          </a:p>
-          <a:p>
-            <a:pPr lvl="0" indent="0" marL="0">
-              <a:buNone/>
-            </a:pPr>
-            <a:r>
-              <a:rPr/>
-              <a:t>Three weeks: Post-esophagectomy Diet</a:t>
-            </a:r>
-          </a:p>
-          <a:p>
-            <a:pPr lvl="0" indent="0" marL="0">
-              <a:buNone/>
-            </a:pPr>
-            <a:r>
-              <a:rPr/>
-              <a:t>8-12 weeks: Remove feeding tube (in office)</a:t>
-            </a:r>
-          </a:p>
-        </p:txBody>
-      </p:sp>
-    </p:spTree>
-  </p:cSld>
-</p:sld>
-</file>
-
-<file path=ppt/slides/slide46.xml><?xml version="1.0" encoding="utf-8"?>
 <p:sld xmlns:a="http://schemas.openxmlformats.org/drawingml/2006/main" xmlns:r="http://schemas.openxmlformats.org/officeDocument/2006/relationships" xmlns:p="http://schemas.openxmlformats.org/presentationml/2006/main">
   <p:cSld>
     <p:spTree>
@@ -7931,7 +7821,7 @@
             </a:pPr>
             <a:r>
               <a:rPr/>
-              <a:t>Important that protein is spread out during the day (20gm/meal)</a:t>
+              <a:t>Spread out protein during the day (20gm/meal)</a:t>
             </a:r>
           </a:p>
           <a:p>
@@ -7939,6 +7829,125 @@
             <a:r>
               <a:rPr/>
               <a:t>Three meals + 2-3 high-protein snacks</a:t>
+            </a:r>
+          </a:p>
+        </p:txBody>
+      </p:sp>
+    </p:spTree>
+  </p:cSld>
+</p:sld>
+</file>
+
+<file path=ppt/slides/slide46.xml><?xml version="1.0" encoding="utf-8"?>
+<p:sld xmlns:a="http://schemas.openxmlformats.org/drawingml/2006/main" xmlns:r="http://schemas.openxmlformats.org/officeDocument/2006/relationships" xmlns:p="http://schemas.openxmlformats.org/presentationml/2006/main">
+  <p:cSld>
+    <p:spTree>
+      <p:nvGrpSpPr>
+        <p:cNvPr id="1" name=""/>
+        <p:cNvGrpSpPr/>
+        <p:nvPr/>
+      </p:nvGrpSpPr>
+      <p:grpSpPr>
+        <a:xfrm>
+          <a:off x="0" y="0"/>
+          <a:ext cx="0" cy="0"/>
+          <a:chOff x="0" y="0"/>
+          <a:chExt cx="0" cy="0"/>
+        </a:xfrm>
+      </p:grpSpPr>
+      <p:sp>
+        <p:nvSpPr>
+          <p:cNvPr id="2" name="Title 1"/>
+          <p:cNvSpPr>
+            <a:spLocks noGrp="1"/>
+          </p:cNvSpPr>
+          <p:nvPr>
+            <p:ph type="title"/>
+          </p:nvPr>
+        </p:nvSpPr>
+        <p:spPr/>
+        <p:txBody>
+          <a:bodyPr/>
+          <a:lstStyle/>
+          <a:p>
+            <a:pPr lvl="0" indent="0" marL="0">
+              <a:buNone/>
+            </a:pPr>
+            <a:r>
+              <a:rPr/>
+              <a:t>Post-esophagectomy Diet</a:t>
+            </a:r>
+          </a:p>
+        </p:txBody>
+      </p:sp>
+      <p:sp>
+        <p:nvSpPr>
+          <p:cNvPr id="3" name="Content Placeholder 2"/>
+          <p:cNvSpPr>
+            <a:spLocks noGrp="1"/>
+          </p:cNvSpPr>
+          <p:nvPr>
+            <p:ph idx="1"/>
+          </p:nvPr>
+        </p:nvSpPr>
+        <p:spPr/>
+        <p:txBody>
+          <a:bodyPr/>
+          <a:lstStyle/>
+          <a:p>
+            <a:pPr lvl="0"/>
+            <a:r>
+              <a:rPr/>
+              <a:t>Soft Consistency</a:t>
+            </a:r>
+          </a:p>
+          <a:p>
+            <a:pPr lvl="0"/>
+            <a:r>
+              <a:rPr/>
+              <a:t>High Protein</a:t>
+            </a:r>
+          </a:p>
+          <a:p>
+            <a:pPr lvl="0"/>
+            <a:r>
+              <a:rPr/>
+              <a:t>Avoid sugary liquids (can cause ‘dumping’)</a:t>
+            </a:r>
+          </a:p>
+          <a:p>
+            <a:pPr lvl="0"/>
+            <a:r>
+              <a:rPr/>
+              <a:t>Avoid raw vegetables (and salads)</a:t>
+            </a:r>
+          </a:p>
+          <a:p>
+            <a:pPr lvl="0"/>
+            <a:r>
+              <a:rPr/>
+              <a:t>Eating</a:t>
+            </a:r>
+          </a:p>
+          <a:p>
+            <a:pPr lvl="1"/>
+            <a:r>
+              <a:rPr/>
+              <a:t>Small, frequent meals</a:t>
+            </a:r>
+          </a:p>
+          <a:p>
+            <a:pPr lvl="1"/>
+            <a:r>
+              <a:rPr/>
+              <a:t>Sit up for 30-45 minutes after eating</a:t>
+            </a:r>
+          </a:p>
+          <a:p>
+            <a:pPr lvl="1"/>
+            <a:r>
+              <a:rPr/>
+              <a:t>Avoid eating within 2 hours of bedtime</a:t>
             </a:r>
           </a:p>
         </p:txBody>
@@ -7985,7 +7994,7 @@
             </a:pPr>
             <a:r>
               <a:rPr/>
-              <a:t>Post-esophagectomy Diet</a:t>
+              <a:t>Medicines at Home - Pain</a:t>
             </a:r>
           </a:p>
         </p:txBody>
@@ -8005,59 +8014,58 @@
           <a:bodyPr/>
           <a:lstStyle/>
           <a:p>
-            <a:pPr lvl="0"/>
-            <a:r>
-              <a:rPr/>
-              <a:t>Soft Consistency</a:t>
-            </a:r>
-          </a:p>
-          <a:p>
-            <a:pPr lvl="0"/>
-            <a:r>
-              <a:rPr/>
-              <a:t>High Protein</a:t>
-            </a:r>
-          </a:p>
-          <a:p>
-            <a:pPr lvl="0"/>
-            <a:r>
-              <a:rPr/>
-              <a:t>Avoid sugary liquids (can cause ‘dumping’)</a:t>
-            </a:r>
-          </a:p>
-          <a:p>
-            <a:pPr lvl="0"/>
-            <a:r>
-              <a:rPr/>
-              <a:t>Avoid raw vegetables (and salads)</a:t>
-            </a:r>
-          </a:p>
-          <a:p>
-            <a:pPr lvl="0"/>
-            <a:r>
-              <a:rPr/>
-              <a:t>Eating</a:t>
-            </a:r>
-          </a:p>
-          <a:p>
-            <a:pPr lvl="1"/>
-            <a:r>
-              <a:rPr/>
-              <a:t>Small, frequent meals</a:t>
-            </a:r>
-          </a:p>
-          <a:p>
-            <a:pPr lvl="1"/>
-            <a:r>
-              <a:rPr/>
-              <a:t>Sit up for 30-45 minutes after eating</a:t>
-            </a:r>
-          </a:p>
-          <a:p>
-            <a:pPr lvl="1"/>
-            <a:r>
-              <a:rPr/>
-              <a:t>Avoid eating within 2 hours of bedtime</a:t>
+            <a:pPr lvl="0" indent="0" marL="0">
+              <a:buNone/>
+            </a:pPr>
+            <a:r>
+              <a:rPr/>
+              <a:t>Acetaminophen (Tylenol) 4000mg/day (1000mg 4x/day)</a:t>
+            </a:r>
+          </a:p>
+          <a:p>
+            <a:pPr lvl="0" indent="0" marL="0">
+              <a:buNone/>
+            </a:pPr>
+            <a:r>
+              <a:rPr/>
+              <a:t>Gabapentin 300mg 3 times/day (works best if taken daily)</a:t>
+            </a:r>
+          </a:p>
+          <a:p>
+            <a:pPr lvl="0" indent="0" marL="0">
+              <a:buNone/>
+            </a:pPr>
+            <a:r>
+              <a:rPr/>
+              <a:t>Oxycodone</a:t>
+            </a:r>
+          </a:p>
+          <a:p>
+            <a:pPr lvl="0"/>
+            <a:r>
+              <a:rPr/>
+              <a:t>Take as needed in addition to Tylenol and gabapentin</a:t>
+            </a:r>
+          </a:p>
+          <a:p>
+            <a:pPr lvl="0"/>
+            <a:r>
+              <a:rPr/>
+              <a:t>Will begin reducing dosage at first postoperative visit</a:t>
+            </a:r>
+          </a:p>
+          <a:p>
+            <a:pPr lvl="0"/>
+            <a:r>
+              <a:rPr/>
+              <a:t>Most patients can discontinue by 4 weeks after surgery</a:t>
+            </a:r>
+          </a:p>
+          <a:p>
+            <a:pPr lvl="0"/>
+            <a:r>
+              <a:rPr/>
+              <a:t>NO DRIVING WHILE ON OXYCODONE</a:t>
             </a:r>
           </a:p>
         </p:txBody>
@@ -8104,7 +8112,7 @@
             </a:pPr>
             <a:r>
               <a:rPr/>
-              <a:t>Medicines at Home - Pain</a:t>
+              <a:t>Medicines at Home - Non-steroidals</a:t>
             </a:r>
           </a:p>
         </p:txBody>
@@ -8129,53 +8137,30 @@
             </a:pPr>
             <a:r>
               <a:rPr/>
-              <a:t>Acetaminophen (Tylenol) 4000mg/day (1000mg 4 times/day)</a:t>
-            </a:r>
-          </a:p>
-          <a:p>
-            <a:pPr lvl="0" indent="0" marL="0">
-              <a:buNone/>
-            </a:pPr>
-            <a:r>
-              <a:rPr/>
-              <a:t>Gabapentin 300mg 3 times/day (works best if taken every day)</a:t>
-            </a:r>
-          </a:p>
-          <a:p>
-            <a:pPr lvl="0" indent="0" marL="0">
-              <a:buNone/>
-            </a:pPr>
-            <a:r>
-              <a:rPr/>
-              <a:t>Oxycodone</a:t>
-            </a:r>
-          </a:p>
-          <a:p>
-            <a:pPr lvl="0"/>
-            <a:r>
-              <a:rPr/>
-              <a:t>Take as needed in addition to Tylenol and gabapentin</a:t>
-            </a:r>
-          </a:p>
-          <a:p>
-            <a:pPr lvl="0"/>
-            <a:r>
-              <a:rPr/>
-              <a:t>Will begin reducing dosage at first postoperative visit</a:t>
-            </a:r>
-          </a:p>
-          <a:p>
-            <a:pPr lvl="0"/>
-            <a:r>
-              <a:rPr/>
-              <a:t>Most patients can discontinue by 4 weeks after surgery</a:t>
-            </a:r>
-          </a:p>
-          <a:p>
-            <a:pPr lvl="0"/>
-            <a:r>
-              <a:rPr/>
-              <a:t>NO DRIVING WHILE ON OXYCODONE</a:t>
+              <a:t>Non-steroidal anti-inflammatories (Celebrex)</a:t>
+            </a:r>
+          </a:p>
+          <a:p>
+            <a:pPr lvl="0"/>
+            <a:r>
+              <a:rPr/>
+              <a:t>200 mg every 12 hours starting 2 weeks after surgery</a:t>
+            </a:r>
+          </a:p>
+          <a:p>
+            <a:pPr lvl="0" indent="0" marL="0">
+              <a:buNone/>
+            </a:pPr>
+            <a:r>
+              <a:rPr/>
+              <a:t>NO GOODY POWDERS OR BCs</a:t>
+            </a:r>
+          </a:p>
+          <a:p>
+            <a:pPr lvl="0"/>
+            <a:r>
+              <a:rPr/>
+              <a:t>(Can cause permanent scarring at the surgery site)</a:t>
             </a:r>
           </a:p>
         </p:txBody>
@@ -8222,7 +8207,7 @@
             </a:pPr>
             <a:r>
               <a:rPr/>
-              <a:t>Medicines at Home - Non-steroidals</a:t>
+              <a:t>Medicines at Home - Acid Blockers</a:t>
             </a:r>
           </a:p>
         </p:txBody>
@@ -8247,30 +8232,28 @@
             </a:pPr>
             <a:r>
               <a:rPr/>
-              <a:t>Non-steroidal anti-inflammatories (Celebrex)</a:t>
-            </a:r>
-          </a:p>
-          <a:p>
-            <a:pPr lvl="0"/>
-            <a:r>
-              <a:rPr/>
-              <a:t>200 mg every 12 hours starting 2 weeks after surgery</a:t>
-            </a:r>
-          </a:p>
-          <a:p>
-            <a:pPr lvl="0" indent="0" marL="0">
-              <a:buNone/>
-            </a:pPr>
-            <a:r>
-              <a:rPr/>
-              <a:t>NO GOODY POWDERS OR BCs</a:t>
-            </a:r>
-          </a:p>
-          <a:p>
-            <a:pPr lvl="0"/>
-            <a:r>
-              <a:rPr/>
-              <a:t>(Can cause permanent scarring at the surgery site)</a:t>
+              <a:t>Acid blocker (Omeprazole, Nexium,etc)</a:t>
+            </a:r>
+          </a:p>
+          <a:p>
+            <a:pPr lvl="0"/>
+            <a:r>
+              <a:rPr/>
+              <a:t>Will stay on for at 1-2 years to prevent acid reflux</a:t>
+            </a:r>
+          </a:p>
+          <a:p>
+            <a:pPr lvl="0"/>
+            <a:r>
+              <a:rPr/>
+              <a:t>Important in preventing scarring at anastomosis (new connection between esophagus and stomach)</a:t>
+            </a:r>
+          </a:p>
+          <a:p>
+            <a:pPr lvl="0"/>
+            <a:r>
+              <a:rPr/>
+              <a:t>To administer through feeding tube, open capsule and resuspend beads in 60mL (2oz) of water</a:t>
             </a:r>
           </a:p>
         </p:txBody>
@@ -8419,7 +8402,7 @@
             </a:pPr>
             <a:r>
               <a:rPr/>
-              <a:t>Medicines at Home - Acid Blockers</a:t>
+              <a:t>Medicines at Home</a:t>
             </a:r>
           </a:p>
         </p:txBody>
@@ -8444,28 +8427,51 @@
             </a:pPr>
             <a:r>
               <a:rPr/>
-              <a:t>Acid blocker (Omeprazole, Nexium,etc)</a:t>
-            </a:r>
-          </a:p>
-          <a:p>
-            <a:pPr lvl="0"/>
-            <a:r>
-              <a:rPr/>
-              <a:t>Will stay on for at 1-2 years to prevent acid reflux</a:t>
-            </a:r>
-          </a:p>
-          <a:p>
-            <a:pPr lvl="0"/>
-            <a:r>
-              <a:rPr/>
-              <a:t>Important in preventing scarring at anastomosis (new connection between esophagus and stomach)</a:t>
-            </a:r>
-          </a:p>
-          <a:p>
-            <a:pPr lvl="0"/>
-            <a:r>
-              <a:rPr/>
-              <a:t>To administer through feeding tube, open capsule and resuspend beads in 60mL (2oz) of water</a:t>
+              <a:t>Reglan – Helps stomach empty</a:t>
+            </a:r>
+          </a:p>
+          <a:p>
+            <a:pPr lvl="0"/>
+            <a:r>
+              <a:rPr/>
+              <a:t>Will plan to stop after six weeks</a:t>
+            </a:r>
+          </a:p>
+          <a:p>
+            <a:pPr lvl="0"/>
+            <a:r>
+              <a:rPr/>
+              <a:t>0.1% risk of tardive dyskinesia (nervous tic)</a:t>
+            </a:r>
+          </a:p>
+          <a:p>
+            <a:pPr lvl="0" indent="0" marL="0">
+              <a:buNone/>
+            </a:pPr>
+            <a:r>
+              <a:rPr/>
+              <a:t>Remeron – Helps improve appetite</a:t>
+            </a:r>
+          </a:p>
+          <a:p>
+            <a:pPr lvl="0"/>
+            <a:r>
+              <a:rPr/>
+              <a:t>Can cause vivid dreams</a:t>
+            </a:r>
+          </a:p>
+          <a:p>
+            <a:pPr lvl="0"/>
+            <a:r>
+              <a:rPr/>
+              <a:t>Used for several weeks after surgery</a:t>
+            </a:r>
+          </a:p>
+          <a:p>
+            <a:pPr lvl="0"/>
+            <a:r>
+              <a:rPr/>
+              <a:t>Will stop within first three months of surgery</a:t>
             </a:r>
           </a:p>
         </p:txBody>
@@ -8512,187 +8518,94 @@
             </a:pPr>
             <a:r>
               <a:rPr/>
-              <a:t>Medicines at Home</a:t>
-            </a:r>
-          </a:p>
-        </p:txBody>
-      </p:sp>
-      <p:sp>
-        <p:nvSpPr>
-          <p:cNvPr id="3" name="Content Placeholder 2"/>
-          <p:cNvSpPr>
-            <a:spLocks noGrp="1"/>
-          </p:cNvSpPr>
-          <p:nvPr>
-            <p:ph idx="1"/>
-          </p:nvPr>
-        </p:nvSpPr>
-        <p:spPr/>
-        <p:txBody>
-          <a:bodyPr/>
-          <a:lstStyle/>
-          <a:p>
-            <a:pPr lvl="0" indent="0" marL="0">
-              <a:buNone/>
-            </a:pPr>
-            <a:r>
-              <a:rPr/>
-              <a:t>Reglan – Helps stomach empty</a:t>
-            </a:r>
-          </a:p>
-          <a:p>
-            <a:pPr lvl="0"/>
-            <a:r>
-              <a:rPr/>
-              <a:t>Will plan to stop after six weeks</a:t>
-            </a:r>
-          </a:p>
-          <a:p>
-            <a:pPr lvl="0"/>
-            <a:r>
-              <a:rPr/>
-              <a:t>0.1% risk of tardive dyskinesia (nervous tic)</a:t>
-            </a:r>
-          </a:p>
-          <a:p>
-            <a:pPr lvl="0" indent="0" marL="0">
-              <a:buNone/>
-            </a:pPr>
-            <a:r>
-              <a:rPr/>
-              <a:t>Remeron – Helps improve appetite</a:t>
-            </a:r>
-          </a:p>
-          <a:p>
-            <a:pPr lvl="0"/>
-            <a:r>
-              <a:rPr/>
-              <a:t>Can cause vivid dreams</a:t>
-            </a:r>
-          </a:p>
-          <a:p>
-            <a:pPr lvl="0"/>
-            <a:r>
-              <a:rPr/>
-              <a:t>Used for several weeks after surgery</a:t>
-            </a:r>
-          </a:p>
-          <a:p>
-            <a:pPr lvl="0"/>
-            <a:r>
-              <a:rPr/>
-              <a:t>Will stop within first three months of surgery</a:t>
-            </a:r>
-          </a:p>
-        </p:txBody>
-      </p:sp>
+              <a:t>Medicines at Home - Metoprolol = Beta Blockers</a:t>
+            </a:r>
+          </a:p>
+        </p:txBody>
+      </p:sp>
+      <mc:AlternateContent xmlns:mc="http://schemas.openxmlformats.org/markup-compatibility/2006">
+        <mc:Choice xmlns:a14="http://schemas.microsoft.com/office/drawing/2010/main" Requires="a14">
+          <p:sp>
+            <p:nvSpPr>
+              <p:cNvPr id="3" name="Content Placeholder 2"/>
+              <p:cNvSpPr>
+                <a:spLocks noGrp="1"/>
+              </p:cNvSpPr>
+              <p:nvPr>
+                <p:ph idx="1"/>
+              </p:nvPr>
+            </p:nvSpPr>
+            <p:spPr/>
+            <p:txBody>
+              <a:bodyPr/>
+              <a:lstStyle/>
+              <a:p>
+                <a:pPr lvl="0"/>
+                <a:r>
+                  <a:rPr/>
+                  <a:t>Slows heart rate and lowers blood pressure</a:t>
+                </a:r>
+                <a:br/>
+              </a:p>
+              <a:p>
+                <a:pPr lvl="0"/>
+                <a:r>
+                  <a:rPr/>
+                  <a:t>Used around the time of surgery to prevent rapid heart rate</a:t>
+                </a:r>
+              </a:p>
+              <a:p>
+                <a:pPr lvl="0"/>
+                <a:r>
+                  <a:rPr/>
+                  <a:t>Patients not taking a beta blocker prior to surgery </a:t>
+                </a:r>
+                <a14:m>
+                  <m:oMath xmlns:m="http://schemas.openxmlformats.org/officeDocument/2006/math">
+                    <m:r>
+                      <m:rPr>
+                        <m:sty m:val="p"/>
+                      </m:rPr>
+                      <m:t>→</m:t>
+                    </m:r>
+                  </m:oMath>
+                </a14:m>
+                <a:r>
+                  <a:rPr/>
+                  <a:t> wean after after surgery</a:t>
+                </a:r>
+              </a:p>
+              <a:p>
+                <a:pPr lvl="0"/>
+                <a:r>
+                  <a:rPr/>
+                  <a:t>Patients taking a beta blocker prior to surgery </a:t>
+                </a:r>
+                <a14:m>
+                  <m:oMath xmlns:m="http://schemas.openxmlformats.org/officeDocument/2006/math">
+                    <m:r>
+                      <m:rPr>
+                        <m:sty m:val="p"/>
+                      </m:rPr>
+                      <m:t>→</m:t>
+                    </m:r>
+                  </m:oMath>
+                </a14:m>
+                <a:r>
+                  <a:rPr/>
+                  <a:t> return to prior dose and drug after surgery</a:t>
+                </a:r>
+              </a:p>
+            </p:txBody>
+          </p:sp>
+        </mc:Choice>
+      </mc:AlternateContent>
     </p:spTree>
   </p:cSld>
 </p:sld>
 </file>
 
 <file path=ppt/slides/slide52.xml><?xml version="1.0" encoding="utf-8"?>
-<p:sld xmlns:a="http://schemas.openxmlformats.org/drawingml/2006/main" xmlns:r="http://schemas.openxmlformats.org/officeDocument/2006/relationships" xmlns:p="http://schemas.openxmlformats.org/presentationml/2006/main">
-  <p:cSld>
-    <p:spTree>
-      <p:nvGrpSpPr>
-        <p:cNvPr id="1" name=""/>
-        <p:cNvGrpSpPr/>
-        <p:nvPr/>
-      </p:nvGrpSpPr>
-      <p:grpSpPr>
-        <a:xfrm>
-          <a:off x="0" y="0"/>
-          <a:ext cx="0" cy="0"/>
-          <a:chOff x="0" y="0"/>
-          <a:chExt cx="0" cy="0"/>
-        </a:xfrm>
-      </p:grpSpPr>
-      <p:sp>
-        <p:nvSpPr>
-          <p:cNvPr id="2" name="Title 1"/>
-          <p:cNvSpPr>
-            <a:spLocks noGrp="1"/>
-          </p:cNvSpPr>
-          <p:nvPr>
-            <p:ph type="title"/>
-          </p:nvPr>
-        </p:nvSpPr>
-        <p:spPr/>
-        <p:txBody>
-          <a:bodyPr/>
-          <a:lstStyle/>
-          <a:p>
-            <a:pPr lvl="0" indent="0" marL="0">
-              <a:buNone/>
-            </a:pPr>
-            <a:r>
-              <a:rPr/>
-              <a:t>Medicines at Home - Beta Blockers</a:t>
-            </a:r>
-          </a:p>
-        </p:txBody>
-      </p:sp>
-      <p:sp>
-        <p:nvSpPr>
-          <p:cNvPr id="3" name="Content Placeholder 2"/>
-          <p:cNvSpPr>
-            <a:spLocks noGrp="1"/>
-          </p:cNvSpPr>
-          <p:nvPr>
-            <p:ph idx="1"/>
-          </p:nvPr>
-        </p:nvSpPr>
-        <p:spPr/>
-        <p:txBody>
-          <a:bodyPr/>
-          <a:lstStyle/>
-          <a:p>
-            <a:pPr lvl="0" indent="0" marL="0">
-              <a:buNone/>
-            </a:pPr>
-            <a:r>
-              <a:rPr/>
-              <a:t>Metroprolol – Beta Blocker</a:t>
-            </a:r>
-          </a:p>
-          <a:p>
-            <a:pPr lvl="0"/>
-            <a:r>
-              <a:rPr/>
-              <a:t>Slows heart rate and lowers blood pressure</a:t>
-            </a:r>
-            <a:br/>
-          </a:p>
-          <a:p>
-            <a:pPr lvl="0"/>
-            <a:r>
-              <a:rPr/>
-              <a:t>Used around the time of surgery to prevent fast heart rhythms</a:t>
-            </a:r>
-          </a:p>
-          <a:p>
-            <a:pPr lvl="0"/>
-            <a:r>
-              <a:rPr/>
-              <a:t>In patients who were not taking a beta blocker prior to surgery, will plan to wean over a few weeks after surgery</a:t>
-            </a:r>
-          </a:p>
-          <a:p>
-            <a:pPr lvl="0"/>
-            <a:r>
-              <a:rPr/>
-              <a:t>For patients who were taking a beta blocker medicine prior to surgery, will return to prior dosage and drug after surgery</a:t>
-            </a:r>
-          </a:p>
-        </p:txBody>
-      </p:sp>
-    </p:spTree>
-  </p:cSld>
-</p:sld>
-</file>
-
-<file path=ppt/slides/slide53.xml><?xml version="1.0" encoding="utf-8"?>
 <p:sld xmlns:a="http://schemas.openxmlformats.org/drawingml/2006/main" xmlns:r="http://schemas.openxmlformats.org/officeDocument/2006/relationships" xmlns:p="http://schemas.openxmlformats.org/presentationml/2006/main">
   <p:cSld>
     <p:spTree>
@@ -8812,6 +8725,126 @@
 </p:sld>
 </file>
 
+<file path=ppt/slides/slide53.xml><?xml version="1.0" encoding="utf-8"?>
+<p:sld xmlns:a="http://schemas.openxmlformats.org/drawingml/2006/main" xmlns:r="http://schemas.openxmlformats.org/officeDocument/2006/relationships" xmlns:p="http://schemas.openxmlformats.org/presentationml/2006/main">
+  <p:cSld>
+    <p:spTree>
+      <p:nvGrpSpPr>
+        <p:cNvPr id="1" name=""/>
+        <p:cNvGrpSpPr/>
+        <p:nvPr/>
+      </p:nvGrpSpPr>
+      <p:grpSpPr>
+        <a:xfrm>
+          <a:off x="0" y="0"/>
+          <a:ext cx="0" cy="0"/>
+          <a:chOff x="0" y="0"/>
+          <a:chExt cx="0" cy="0"/>
+        </a:xfrm>
+      </p:grpSpPr>
+      <p:sp>
+        <p:nvSpPr>
+          <p:cNvPr id="2" name="Title 1"/>
+          <p:cNvSpPr>
+            <a:spLocks noGrp="1"/>
+          </p:cNvSpPr>
+          <p:nvPr>
+            <p:ph type="title"/>
+          </p:nvPr>
+        </p:nvSpPr>
+        <p:spPr/>
+        <p:txBody>
+          <a:bodyPr/>
+          <a:lstStyle/>
+          <a:p>
+            <a:pPr lvl="0" indent="0" marL="0">
+              <a:buNone/>
+            </a:pPr>
+            <a:r>
+              <a:rPr/>
+              <a:t>Postoperative Visit</a:t>
+            </a:r>
+          </a:p>
+        </p:txBody>
+      </p:sp>
+      <p:sp>
+        <p:nvSpPr>
+          <p:cNvPr id="3" name="Content Placeholder 2"/>
+          <p:cNvSpPr>
+            <a:spLocks noGrp="1"/>
+          </p:cNvSpPr>
+          <p:nvPr>
+            <p:ph idx="1"/>
+          </p:nvPr>
+        </p:nvSpPr>
+        <p:spPr/>
+        <p:txBody>
+          <a:bodyPr/>
+          <a:lstStyle/>
+          <a:p>
+            <a:pPr lvl="0" indent="0" marL="0">
+              <a:buNone/>
+            </a:pPr>
+            <a:r>
+              <a:rPr/>
+              <a:t>Check surgical site</a:t>
+            </a:r>
+          </a:p>
+          <a:p>
+            <a:pPr lvl="0"/>
+            <a:r>
+              <a:rPr/>
+              <a:t>Remove staples (if needed)</a:t>
+            </a:r>
+          </a:p>
+          <a:p>
+            <a:pPr lvl="0" indent="0" marL="0">
+              <a:buNone/>
+            </a:pPr>
+            <a:r>
+              <a:rPr/>
+              <a:t>Adjust medicines as needed</a:t>
+            </a:r>
+          </a:p>
+          <a:p>
+            <a:pPr lvl="0"/>
+            <a:r>
+              <a:rPr/>
+              <a:t>Insulin (for diabetic patients on insulin)</a:t>
+            </a:r>
+          </a:p>
+          <a:p>
+            <a:pPr lvl="0"/>
+            <a:r>
+              <a:rPr/>
+              <a:t>Reduce beta blocker medicines</a:t>
+            </a:r>
+          </a:p>
+          <a:p>
+            <a:pPr lvl="0" indent="0" marL="0">
+              <a:buNone/>
+            </a:pPr>
+            <a:r>
+              <a:rPr/>
+              <a:t>Advance diet</a:t>
+            </a:r>
+          </a:p>
+          <a:p>
+            <a:pPr lvl="0" indent="0" marL="0">
+              <a:buNone/>
+            </a:pPr>
+            <a:r>
+              <a:rPr/>
+              <a:t>Reduce tube feeds</a:t>
+            </a:r>
+          </a:p>
+        </p:txBody>
+      </p:sp>
+    </p:spTree>
+  </p:cSld>
+</p:sld>
+</file>
+
 <file path=ppt/slides/slide54.xml><?xml version="1.0" encoding="utf-8"?>
 <p:sld xmlns:a="http://schemas.openxmlformats.org/drawingml/2006/main" xmlns:r="http://schemas.openxmlformats.org/officeDocument/2006/relationships" xmlns:p="http://schemas.openxmlformats.org/presentationml/2006/main">
   <p:cSld>
@@ -8849,7 +8882,7 @@
             </a:pPr>
             <a:r>
               <a:rPr/>
-              <a:t>Postoperative Visit</a:t>
+              <a:t>After surgery</a:t>
             </a:r>
           </a:p>
         </p:txBody>
@@ -8874,55 +8907,37 @@
             </a:pPr>
             <a:r>
               <a:rPr/>
-              <a:t>Check surgical site</a:t>
-            </a:r>
-          </a:p>
-          <a:p>
-            <a:pPr lvl="0"/>
-            <a:r>
-              <a:rPr/>
-              <a:t>Remove staples (if needed)</a:t>
-            </a:r>
-          </a:p>
-          <a:p>
-            <a:pPr lvl="0" indent="0" marL="0">
-              <a:buNone/>
-            </a:pPr>
-            <a:r>
-              <a:rPr/>
-              <a:t>Adjust medicines as needed</a:t>
-            </a:r>
-          </a:p>
-          <a:p>
-            <a:pPr lvl="0"/>
-            <a:r>
-              <a:rPr/>
-              <a:t>Insulin (for diabetic patients on insulin)</a:t>
-            </a:r>
-          </a:p>
-          <a:p>
-            <a:pPr lvl="0"/>
-            <a:r>
-              <a:rPr/>
-              <a:t>Reduce beta blocker medicines</a:t>
-            </a:r>
-          </a:p>
-          <a:p>
-            <a:pPr lvl="0" indent="0" marL="0">
-              <a:buNone/>
-            </a:pPr>
-            <a:r>
-              <a:rPr/>
-              <a:t>Advance diet</a:t>
-            </a:r>
-          </a:p>
-          <a:p>
-            <a:pPr lvl="0" indent="0" marL="0">
-              <a:buNone/>
-            </a:pPr>
-            <a:r>
-              <a:rPr/>
-              <a:t>Reduce tube feeds</a:t>
+              <a:t>Wean off medicines added after surgery</a:t>
+            </a:r>
+          </a:p>
+          <a:p>
+            <a:pPr lvl="0"/>
+            <a:r>
+              <a:rPr/>
+              <a:t>Pain medicines</a:t>
+            </a:r>
+          </a:p>
+          <a:p>
+            <a:pPr lvl="0"/>
+            <a:r>
+              <a:rPr/>
+              <a:t>Beta-blockers</a:t>
+            </a:r>
+          </a:p>
+          <a:p>
+            <a:pPr lvl="0"/>
+            <a:r>
+              <a:rPr/>
+              <a:t>Reglan and Remeron</a:t>
+            </a:r>
+          </a:p>
+          <a:p>
+            <a:pPr lvl="0" indent="0" marL="0">
+              <a:buNone/>
+            </a:pPr>
+            <a:r>
+              <a:rPr/>
+              <a:t>Continue acid blockers for at least 1 year</a:t>
             </a:r>
           </a:p>
         </p:txBody>
@@ -8969,7 +8984,7 @@
             </a:pPr>
             <a:r>
               <a:rPr/>
-              <a:t>After surgery</a:t>
+              <a:t>Jejunostomy Removal (8 weeks after surgery)</a:t>
             </a:r>
           </a:p>
         </p:txBody>
@@ -8994,67 +9009,16 @@
             </a:pPr>
             <a:r>
               <a:rPr/>
-              <a:t>Wean off medicines added after surgery</a:t>
-            </a:r>
-          </a:p>
-          <a:p>
-            <a:pPr lvl="0"/>
-            <a:r>
-              <a:rPr/>
-              <a:t>Pain medicines</a:t>
-            </a:r>
-          </a:p>
-          <a:p>
-            <a:pPr lvl="0"/>
-            <a:r>
-              <a:rPr/>
-              <a:t>Beta-blockers</a:t>
-            </a:r>
-          </a:p>
-          <a:p>
-            <a:pPr lvl="0"/>
-            <a:r>
-              <a:rPr/>
-              <a:t>Reglan</a:t>
-            </a:r>
-          </a:p>
-          <a:p>
-            <a:pPr lvl="0"/>
-            <a:r>
-              <a:rPr/>
-              <a:t>Remeron</a:t>
-            </a:r>
-          </a:p>
-          <a:p>
-            <a:pPr lvl="0" indent="0" marL="0">
-              <a:buNone/>
-            </a:pPr>
-            <a:r>
-              <a:rPr/>
-              <a:t>Continue acid blockers for at least 1 year</a:t>
-            </a:r>
-          </a:p>
-          <a:p>
-            <a:pPr lvl="0" indent="0" marL="0">
-              <a:buNone/>
-            </a:pPr>
-            <a:r>
-              <a:rPr/>
-              <a:t>May need additional systemic therapy afterwards</a:t>
-            </a:r>
-          </a:p>
-          <a:p>
-            <a:pPr lvl="0"/>
-            <a:r>
-              <a:rPr/>
-              <a:t>Chemotherapy</a:t>
-            </a:r>
-          </a:p>
-          <a:p>
-            <a:pPr lvl="0"/>
-            <a:r>
-              <a:rPr/>
-              <a:t>Immunotherapy (Optive = nivolumab)</a:t>
+              <a:t>Jejunostomy tube is removed in the office once you can take in enough nutrients by mouth</a:t>
+            </a:r>
+          </a:p>
+          <a:p>
+            <a:pPr lvl="0" indent="0" marL="0">
+              <a:buNone/>
+            </a:pPr>
+            <a:r>
+              <a:rPr/>
+              <a:t>May take 30 minutes and some local anesthetic to loosen up the tube for removal.</a:t>
             </a:r>
           </a:p>
         </p:txBody>
@@ -9101,7 +9065,7 @@
             </a:pPr>
             <a:r>
               <a:rPr/>
-              <a:t>Jejunostomy Removal (8 weeks after surgery)</a:t>
+              <a:t>Nutritional Monitoring after Surgery</a:t>
             </a:r>
           </a:p>
         </p:txBody>
@@ -9126,16 +9090,28 @@
             </a:pPr>
             <a:r>
               <a:rPr/>
-              <a:t>Jejunostomy tube is removed in the office once you can take in enough nutrients by mouth</a:t>
-            </a:r>
-          </a:p>
-          <a:p>
-            <a:pPr lvl="0" indent="0" marL="0">
-              <a:buNone/>
-            </a:pPr>
-            <a:r>
-              <a:rPr/>
-              <a:t>May take 30 minutes and some local anesthetic to loosen up the tube for removal.</a:t>
+              <a:t>You may have some difficulty absorbing some nutrients:</a:t>
+            </a:r>
+          </a:p>
+          <a:p>
+            <a:pPr lvl="0"/>
+            <a:r>
+              <a:rPr/>
+              <a:t>Iron</a:t>
+            </a:r>
+          </a:p>
+          <a:p>
+            <a:pPr lvl="0"/>
+            <a:r>
+              <a:rPr/>
+              <a:t>Vitamin B12</a:t>
+            </a:r>
+          </a:p>
+          <a:p>
+            <a:pPr lvl="0"/>
+            <a:r>
+              <a:rPr/>
+              <a:t>Vitamin D</a:t>
             </a:r>
           </a:p>
         </p:txBody>
@@ -9207,14 +9183,14 @@
             </a:pPr>
             <a:r>
               <a:rPr/>
-              <a:t>You may have some difficulty absorbing some nutrients:</a:t>
-            </a:r>
-          </a:p>
-          <a:p>
-            <a:pPr lvl="0"/>
-            <a:r>
-              <a:rPr/>
-              <a:t>Iron</a:t>
+              <a:t>About 3 months after the jejunostomy tube is removed, we will check blood levels:</a:t>
+            </a:r>
+          </a:p>
+          <a:p>
+            <a:pPr lvl="0"/>
+            <a:r>
+              <a:rPr/>
+              <a:t>Iron (ferritin)</a:t>
             </a:r>
           </a:p>
           <a:p>
@@ -9228,7 +9204,7 @@
             <a:pPr lvl="0"/>
             <a:r>
               <a:rPr/>
-              <a:t>Vitamin D</a:t>
+              <a:t>Vitamin D.</a:t>
             </a:r>
           </a:p>
         </p:txBody>
@@ -9275,7 +9251,7 @@
             </a:pPr>
             <a:r>
               <a:rPr/>
-              <a:t>Nutritional Monitoring after Surgery</a:t>
+              <a:t>Nutritional Replacements after Surgery</a:t>
             </a:r>
           </a:p>
         </p:txBody>
@@ -9300,28 +9276,16 @@
             </a:pPr>
             <a:r>
               <a:rPr/>
-              <a:t>About 3 months after the jejunostomy tube is removed, we will check blood levels:</a:t>
-            </a:r>
-          </a:p>
-          <a:p>
-            <a:pPr lvl="0"/>
-            <a:r>
-              <a:rPr/>
-              <a:t>Iron (ferritin)</a:t>
-            </a:r>
-          </a:p>
-          <a:p>
-            <a:pPr lvl="0"/>
-            <a:r>
-              <a:rPr/>
-              <a:t>Vitamin B12</a:t>
-            </a:r>
-          </a:p>
-          <a:p>
-            <a:pPr lvl="0"/>
-            <a:r>
-              <a:rPr/>
-              <a:t>Vitamin D.</a:t>
+              <a:t>Vitamin or iron replacements can be ordered by your primary care physician, medical oncologist, or surgeon</a:t>
+            </a:r>
+          </a:p>
+          <a:p>
+            <a:pPr lvl="0" indent="0" marL="0">
+              <a:buNone/>
+            </a:pPr>
+            <a:r>
+              <a:rPr/>
+              <a:t>If levels are low, repeat testing in several months may be needed.</a:t>
             </a:r>
           </a:p>
         </p:txBody>
@@ -9368,7 +9332,7 @@
             </a:pPr>
             <a:r>
               <a:rPr/>
-              <a:t>Nutritional Replacements after Surgery</a:t>
+              <a:t>Team Members</a:t>
             </a:r>
           </a:p>
         </p:txBody>
@@ -9393,16 +9357,91 @@
             </a:pPr>
             <a:r>
               <a:rPr/>
-              <a:t>Vitamin or iron replacements can be ordered by your primary care physician, medical oncologist, or surgeon</a:t>
-            </a:r>
-          </a:p>
-          <a:p>
-            <a:pPr lvl="0" indent="0" marL="0">
-              <a:buNone/>
-            </a:pPr>
-            <a:r>
-              <a:rPr/>
-              <a:t>If levels are low, repeat testing in several months may be needed.</a:t>
+              <a:t>Primary Care Provider</a:t>
+            </a:r>
+          </a:p>
+          <a:p>
+            <a:pPr lvl="0" indent="0" marL="0">
+              <a:buNone/>
+            </a:pPr>
+            <a:r>
+              <a:rPr/>
+              <a:t>Gastroenterologist</a:t>
+            </a:r>
+          </a:p>
+          <a:p>
+            <a:pPr lvl="0" indent="0" marL="0">
+              <a:buNone/>
+            </a:pPr>
+            <a:r>
+              <a:rPr/>
+              <a:t>Medical Oncologist (chemotherapy)</a:t>
+            </a:r>
+          </a:p>
+          <a:p>
+            <a:pPr lvl="0" indent="0" marL="0">
+              <a:buNone/>
+            </a:pPr>
+            <a:r>
+              <a:rPr/>
+              <a:t>Radiation Oncologist (radiation)</a:t>
+            </a:r>
+          </a:p>
+          <a:p>
+            <a:pPr lvl="0" indent="0" marL="0">
+              <a:buNone/>
+            </a:pPr>
+            <a:r>
+              <a:rPr/>
+              <a:t>Surgeons</a:t>
+            </a:r>
+          </a:p>
+          <a:p>
+            <a:pPr lvl="0"/>
+            <a:r>
+              <a:rPr/>
+              <a:t>Jonathan Salo</a:t>
+            </a:r>
+          </a:p>
+          <a:p>
+            <a:pPr lvl="0"/>
+            <a:r>
+              <a:rPr/>
+              <a:t>Jeffrey Hagen</a:t>
+            </a:r>
+          </a:p>
+          <a:p>
+            <a:pPr lvl="0"/>
+            <a:r>
+              <a:rPr/>
+              <a:t>Michael Roach</a:t>
+            </a:r>
+          </a:p>
+          <a:p>
+            <a:pPr lvl="0" indent="0" marL="0">
+              <a:buNone/>
+            </a:pPr>
+            <a:r>
+              <a:rPr/>
+              <a:t>Dietitian - Liz Koch</a:t>
+            </a:r>
+          </a:p>
+          <a:p>
+            <a:pPr lvl="0" indent="0" marL="0">
+              <a:buNone/>
+            </a:pPr>
+            <a:r>
+              <a:rPr/>
+              <a:t>Nurses - Brandon Galloway &amp; Kit Sluder</a:t>
+            </a:r>
+          </a:p>
+          <a:p>
+            <a:pPr lvl="0" indent="0" marL="0">
+              <a:buNone/>
+            </a:pPr>
+            <a:r>
+              <a:rPr/>
+              <a:t>Schedulers - Stacey Singleton &amp; Toney Bethea</a:t>
             </a:r>
           </a:p>
         </p:txBody>
@@ -9517,162 +9556,6 @@
           </a:ln>
         </p:spPr>
       </p:pic>
-    </p:spTree>
-  </p:cSld>
-</p:sld>
-</file>
-
-<file path=ppt/slides/slide60.xml><?xml version="1.0" encoding="utf-8"?>
-<p:sld xmlns:a="http://schemas.openxmlformats.org/drawingml/2006/main" xmlns:r="http://schemas.openxmlformats.org/officeDocument/2006/relationships" xmlns:p="http://schemas.openxmlformats.org/presentationml/2006/main">
-  <p:cSld>
-    <p:spTree>
-      <p:nvGrpSpPr>
-        <p:cNvPr id="1" name=""/>
-        <p:cNvGrpSpPr/>
-        <p:nvPr/>
-      </p:nvGrpSpPr>
-      <p:grpSpPr>
-        <a:xfrm>
-          <a:off x="0" y="0"/>
-          <a:ext cx="0" cy="0"/>
-          <a:chOff x="0" y="0"/>
-          <a:chExt cx="0" cy="0"/>
-        </a:xfrm>
-      </p:grpSpPr>
-      <p:sp>
-        <p:nvSpPr>
-          <p:cNvPr id="2" name="Title 1"/>
-          <p:cNvSpPr>
-            <a:spLocks noGrp="1"/>
-          </p:cNvSpPr>
-          <p:nvPr>
-            <p:ph type="title"/>
-          </p:nvPr>
-        </p:nvSpPr>
-        <p:spPr/>
-        <p:txBody>
-          <a:bodyPr/>
-          <a:lstStyle/>
-          <a:p>
-            <a:pPr lvl="0" indent="0" marL="0">
-              <a:buNone/>
-            </a:pPr>
-            <a:r>
-              <a:rPr/>
-              <a:t>Team Members</a:t>
-            </a:r>
-          </a:p>
-        </p:txBody>
-      </p:sp>
-      <p:sp>
-        <p:nvSpPr>
-          <p:cNvPr id="3" name="Content Placeholder 2"/>
-          <p:cNvSpPr>
-            <a:spLocks noGrp="1"/>
-          </p:cNvSpPr>
-          <p:nvPr>
-            <p:ph idx="1"/>
-          </p:nvPr>
-        </p:nvSpPr>
-        <p:spPr/>
-        <p:txBody>
-          <a:bodyPr/>
-          <a:lstStyle/>
-          <a:p>
-            <a:pPr lvl="0" indent="0" marL="0">
-              <a:buNone/>
-            </a:pPr>
-            <a:r>
-              <a:rPr/>
-              <a:t>Primary Care Provider</a:t>
-            </a:r>
-          </a:p>
-          <a:p>
-            <a:pPr lvl="0" indent="0" marL="0">
-              <a:buNone/>
-            </a:pPr>
-            <a:r>
-              <a:rPr/>
-              <a:t>Gastroenterologist</a:t>
-            </a:r>
-          </a:p>
-          <a:p>
-            <a:pPr lvl="0" indent="0" marL="0">
-              <a:buNone/>
-            </a:pPr>
-            <a:r>
-              <a:rPr/>
-              <a:t>Medical Oncologist (chemotherapy)</a:t>
-            </a:r>
-          </a:p>
-          <a:p>
-            <a:pPr lvl="0" indent="0" marL="0">
-              <a:buNone/>
-            </a:pPr>
-            <a:r>
-              <a:rPr/>
-              <a:t>Radiation Oncologist (radiation)</a:t>
-            </a:r>
-          </a:p>
-          <a:p>
-            <a:pPr lvl="0" indent="0" marL="0">
-              <a:buNone/>
-            </a:pPr>
-            <a:r>
-              <a:rPr/>
-              <a:t>Surgeons</a:t>
-            </a:r>
-          </a:p>
-          <a:p>
-            <a:pPr lvl="0"/>
-            <a:r>
-              <a:rPr/>
-              <a:t>Jonathan Salo</a:t>
-            </a:r>
-          </a:p>
-          <a:p>
-            <a:pPr lvl="0"/>
-            <a:r>
-              <a:rPr/>
-              <a:t>Jeffrey Hagen</a:t>
-            </a:r>
-          </a:p>
-          <a:p>
-            <a:pPr lvl="0"/>
-            <a:r>
-              <a:rPr/>
-              <a:t>Michael Roach</a:t>
-            </a:r>
-          </a:p>
-          <a:p>
-            <a:pPr lvl="0" indent="0" marL="0">
-              <a:buNone/>
-            </a:pPr>
-            <a:r>
-              <a:rPr/>
-              <a:t>Dietitian - Liz Koch</a:t>
-            </a:r>
-          </a:p>
-          <a:p>
-            <a:pPr lvl="0" indent="0" marL="0">
-              <a:buNone/>
-            </a:pPr>
-            <a:r>
-              <a:rPr/>
-              <a:t>Nurses - Brandon Galloway &amp; Kit Sluder</a:t>
-            </a:r>
-          </a:p>
-          <a:p>
-            <a:pPr lvl="0" indent="0" marL="0">
-              <a:buNone/>
-            </a:pPr>
-            <a:r>
-              <a:rPr/>
-              <a:t>Schedulers - Stacey Singleton &amp; Toney Bethea</a:t>
-            </a:r>
-          </a:p>
-        </p:txBody>
-      </p:sp>
     </p:spTree>
   </p:cSld>
 </p:sld>

--- a/lci_surgery.pptx
+++ b/lci_surgery.pptx
@@ -360,7 +360,7 @@
           <a:p>
             <a:fld id="{241EB5C9-1307-BA42-ABA2-0BC069CD8E7F}" type="datetimeFigureOut">
               <a:rPr lang="en-US" smtClean="0"/>
-              <a:t>1/8/25</a:t>
+              <a:t>1/11/25</a:t>
             </a:fld>
             <a:endParaRPr lang="en-US"/>
           </a:p>
@@ -528,7 +528,7 @@
           <a:p>
             <a:fld id="{241EB5C9-1307-BA42-ABA2-0BC069CD8E7F}" type="datetimeFigureOut">
               <a:rPr lang="en-US" smtClean="0"/>
-              <a:t>1/8/25</a:t>
+              <a:t>1/11/25</a:t>
             </a:fld>
             <a:endParaRPr lang="en-US"/>
           </a:p>
@@ -706,7 +706,7 @@
           <a:p>
             <a:fld id="{241EB5C9-1307-BA42-ABA2-0BC069CD8E7F}" type="datetimeFigureOut">
               <a:rPr lang="en-US" smtClean="0"/>
-              <a:t>1/8/25</a:t>
+              <a:t>1/11/25</a:t>
             </a:fld>
             <a:endParaRPr lang="en-US"/>
           </a:p>
@@ -884,7 +884,7 @@
           <a:p>
             <a:fld id="{241EB5C9-1307-BA42-ABA2-0BC069CD8E7F}" type="datetimeFigureOut">
               <a:rPr lang="en-US" smtClean="0"/>
-              <a:t>1/8/25</a:t>
+              <a:t>1/11/25</a:t>
             </a:fld>
             <a:endParaRPr lang="en-US"/>
           </a:p>
@@ -1103,7 +1103,12 @@
             <p:ph type="title"/>
           </p:nvPr>
         </p:nvSpPr>
-        <p:spPr/>
+        <p:spPr>
+          <a:xfrm>
+            <a:off x="284309" y="205979"/>
+            <a:ext cx="8552330" cy="857250"/>
+          </a:xfrm>
+        </p:spPr>
         <p:txBody>
           <a:bodyPr/>
           <a:lstStyle/>
@@ -1125,7 +1130,12 @@
             <p:ph idx="1"/>
           </p:nvPr>
         </p:nvSpPr>
-        <p:spPr/>
+        <p:spPr>
+          <a:xfrm>
+            <a:off x="284309" y="1200151"/>
+            <a:ext cx="8552330" cy="3737370"/>
+          </a:xfrm>
+        </p:spPr>
         <p:txBody>
           <a:bodyPr/>
           <a:lstStyle>
@@ -1174,71 +1184,6 @@
               <a:rPr lang="en-US" dirty="0"/>
               <a:t>Fifth level</a:t>
             </a:r>
-          </a:p>
-        </p:txBody>
-      </p:sp>
-      <p:sp>
-        <p:nvSpPr>
-          <p:cNvPr id="4" name="Date Placeholder 3"/>
-          <p:cNvSpPr>
-            <a:spLocks noGrp="1"/>
-          </p:cNvSpPr>
-          <p:nvPr>
-            <p:ph type="dt" sz="half" idx="10"/>
-          </p:nvPr>
-        </p:nvSpPr>
-        <p:spPr/>
-        <p:txBody>
-          <a:bodyPr/>
-          <a:lstStyle/>
-          <a:p>
-            <a:fld id="{241EB5C9-1307-BA42-ABA2-0BC069CD8E7F}" type="datetimeFigureOut">
-              <a:rPr lang="en-US" smtClean="0"/>
-              <a:t>1/8/25</a:t>
-            </a:fld>
-            <a:endParaRPr lang="en-US"/>
-          </a:p>
-        </p:txBody>
-      </p:sp>
-      <p:sp>
-        <p:nvSpPr>
-          <p:cNvPr id="5" name="Footer Placeholder 4"/>
-          <p:cNvSpPr>
-            <a:spLocks noGrp="1"/>
-          </p:cNvSpPr>
-          <p:nvPr>
-            <p:ph type="ftr" sz="quarter" idx="11"/>
-          </p:nvPr>
-        </p:nvSpPr>
-        <p:spPr/>
-        <p:txBody>
-          <a:bodyPr/>
-          <a:lstStyle/>
-          <a:p>
-            <a:endParaRPr lang="en-US"/>
-          </a:p>
-        </p:txBody>
-      </p:sp>
-      <p:sp>
-        <p:nvSpPr>
-          <p:cNvPr id="6" name="Slide Number Placeholder 5"/>
-          <p:cNvSpPr>
-            <a:spLocks noGrp="1"/>
-          </p:cNvSpPr>
-          <p:nvPr>
-            <p:ph type="sldNum" sz="quarter" idx="12"/>
-          </p:nvPr>
-        </p:nvSpPr>
-        <p:spPr/>
-        <p:txBody>
-          <a:bodyPr/>
-          <a:lstStyle/>
-          <a:p>
-            <a:fld id="{C5EF2332-01BF-834F-8236-50238282D533}" type="slidenum">
-              <a:rPr lang="en-US" smtClean="0"/>
-              <a:t>‹#›</a:t>
-            </a:fld>
-            <a:endParaRPr lang="en-US"/>
           </a:p>
         </p:txBody>
       </p:sp>
@@ -1455,7 +1400,7 @@
           <a:p>
             <a:fld id="{241EB5C9-1307-BA42-ABA2-0BC069CD8E7F}" type="datetimeFigureOut">
               <a:rPr lang="en-US" smtClean="0"/>
-              <a:t>1/8/25</a:t>
+              <a:t>1/11/25</a:t>
             </a:fld>
             <a:endParaRPr lang="en-US"/>
           </a:p>
@@ -1543,7 +1488,12 @@
             <p:ph type="title"/>
           </p:nvPr>
         </p:nvSpPr>
-        <p:spPr/>
+        <p:spPr>
+          <a:xfrm>
+            <a:off x="315045" y="205979"/>
+            <a:ext cx="8529278" cy="857250"/>
+          </a:xfrm>
+        </p:spPr>
         <p:txBody>
           <a:bodyPr/>
           <a:lstStyle/>
@@ -1567,8 +1517,8 @@
         </p:nvSpPr>
         <p:spPr>
           <a:xfrm>
-            <a:off x="457200" y="1200151"/>
-            <a:ext cx="4038600" cy="3394472"/>
+            <a:off x="315045" y="1200151"/>
+            <a:ext cx="4180755" cy="3737370"/>
           </a:xfrm>
         </p:spPr>
         <p:txBody>
@@ -1652,8 +1602,8 @@
         </p:nvSpPr>
         <p:spPr>
           <a:xfrm>
-            <a:off x="4648200" y="1200151"/>
-            <a:ext cx="4038600" cy="3394472"/>
+            <a:off x="4648199" y="1200151"/>
+            <a:ext cx="4196123" cy="3737370"/>
           </a:xfrm>
         </p:spPr>
         <p:txBody>
@@ -1725,71 +1675,6 @@
           </a:p>
         </p:txBody>
       </p:sp>
-      <p:sp>
-        <p:nvSpPr>
-          <p:cNvPr id="5" name="Date Placeholder 4"/>
-          <p:cNvSpPr>
-            <a:spLocks noGrp="1"/>
-          </p:cNvSpPr>
-          <p:nvPr>
-            <p:ph type="dt" sz="half" idx="10"/>
-          </p:nvPr>
-        </p:nvSpPr>
-        <p:spPr/>
-        <p:txBody>
-          <a:bodyPr/>
-          <a:lstStyle/>
-          <a:p>
-            <a:fld id="{241EB5C9-1307-BA42-ABA2-0BC069CD8E7F}" type="datetimeFigureOut">
-              <a:rPr lang="en-US" smtClean="0"/>
-              <a:t>1/8/25</a:t>
-            </a:fld>
-            <a:endParaRPr lang="en-US"/>
-          </a:p>
-        </p:txBody>
-      </p:sp>
-      <p:sp>
-        <p:nvSpPr>
-          <p:cNvPr id="6" name="Footer Placeholder 5"/>
-          <p:cNvSpPr>
-            <a:spLocks noGrp="1"/>
-          </p:cNvSpPr>
-          <p:nvPr>
-            <p:ph type="ftr" sz="quarter" idx="11"/>
-          </p:nvPr>
-        </p:nvSpPr>
-        <p:spPr/>
-        <p:txBody>
-          <a:bodyPr/>
-          <a:lstStyle/>
-          <a:p>
-            <a:endParaRPr lang="en-US"/>
-          </a:p>
-        </p:txBody>
-      </p:sp>
-      <p:sp>
-        <p:nvSpPr>
-          <p:cNvPr id="7" name="Slide Number Placeholder 6"/>
-          <p:cNvSpPr>
-            <a:spLocks noGrp="1"/>
-          </p:cNvSpPr>
-          <p:nvPr>
-            <p:ph type="sldNum" sz="quarter" idx="12"/>
-          </p:nvPr>
-        </p:nvSpPr>
-        <p:spPr/>
-        <p:txBody>
-          <a:bodyPr/>
-          <a:lstStyle/>
-          <a:p>
-            <a:fld id="{C5EF2332-01BF-834F-8236-50238282D533}" type="slidenum">
-              <a:rPr lang="en-US" smtClean="0"/>
-              <a:t>‹#›</a:t>
-            </a:fld>
-            <a:endParaRPr lang="en-US"/>
-          </a:p>
-        </p:txBody>
-      </p:sp>
     </p:spTree>
     <p:extLst>
       <p:ext uri="{BB962C8B-B14F-4D97-AF65-F5344CB8AC3E}">
@@ -2161,7 +2046,7 @@
           <a:p>
             <a:fld id="{241EB5C9-1307-BA42-ABA2-0BC069CD8E7F}" type="datetimeFigureOut">
               <a:rPr lang="en-US" smtClean="0"/>
-              <a:t>1/8/25</a:t>
+              <a:t>1/11/25</a:t>
             </a:fld>
             <a:endParaRPr lang="en-US"/>
           </a:p>
@@ -2278,7 +2163,7 @@
           <a:p>
             <a:fld id="{241EB5C9-1307-BA42-ABA2-0BC069CD8E7F}" type="datetimeFigureOut">
               <a:rPr lang="en-US" smtClean="0"/>
-              <a:t>1/8/25</a:t>
+              <a:t>1/11/25</a:t>
             </a:fld>
             <a:endParaRPr lang="en-US"/>
           </a:p>
@@ -2373,7 +2258,7 @@
           <a:p>
             <a:fld id="{241EB5C9-1307-BA42-ABA2-0BC069CD8E7F}" type="datetimeFigureOut">
               <a:rPr lang="en-US" smtClean="0"/>
-              <a:t>1/8/25</a:t>
+              <a:t>1/11/25</a:t>
             </a:fld>
             <a:endParaRPr lang="en-US"/>
           </a:p>
@@ -2648,7 +2533,7 @@
           <a:p>
             <a:fld id="{241EB5C9-1307-BA42-ABA2-0BC069CD8E7F}" type="datetimeFigureOut">
               <a:rPr lang="en-US" smtClean="0"/>
-              <a:t>1/8/25</a:t>
+              <a:t>1/11/25</a:t>
             </a:fld>
             <a:endParaRPr lang="en-US"/>
           </a:p>
@@ -2900,7 +2785,7 @@
           <a:p>
             <a:fld id="{241EB5C9-1307-BA42-ABA2-0BC069CD8E7F}" type="datetimeFigureOut">
               <a:rPr lang="en-US" smtClean="0"/>
-              <a:t>1/8/25</a:t>
+              <a:t>1/11/25</a:t>
             </a:fld>
             <a:endParaRPr lang="en-US"/>
           </a:p>
@@ -3111,7 +2996,7 @@
           <a:p>
             <a:fld id="{241EB5C9-1307-BA42-ABA2-0BC069CD8E7F}" type="datetimeFigureOut">
               <a:rPr lang="en-US" smtClean="0"/>
-              <a:t>1/8/25</a:t>
+              <a:t>1/11/25</a:t>
             </a:fld>
             <a:endParaRPr lang="en-US"/>
           </a:p>
@@ -3593,7 +3478,12 @@
             <p:ph type="title"/>
           </p:nvPr>
         </p:nvSpPr>
-        <p:spPr/>
+        <p:spPr>
+          <a:xfrm>
+            <a:off x="315045" y="205979"/>
+            <a:ext cx="8529278" cy="857250"/>
+          </a:xfrm>
+        </p:spPr>
         <p:txBody>
           <a:bodyPr/>
           <a:lstStyle/>
@@ -3649,8 +3539,8 @@
         </p:blipFill>
         <p:spPr bwMode="auto">
           <a:xfrm>
-            <a:off x="5016500" y="1193800"/>
-            <a:ext cx="3302000" cy="3390900"/>
+            <a:off x="4914900" y="1193800"/>
+            <a:ext cx="3632200" cy="3733800"/>
           </a:xfrm>
           <a:prstGeom prst="rect">
             <a:avLst/>
@@ -3695,7 +3585,12 @@
             <p:ph type="title"/>
           </p:nvPr>
         </p:nvSpPr>
-        <p:spPr/>
+        <p:spPr>
+          <a:xfrm>
+            <a:off x="315045" y="205979"/>
+            <a:ext cx="8529278" cy="857250"/>
+          </a:xfrm>
+        </p:spPr>
         <p:txBody>
           <a:bodyPr/>
           <a:lstStyle/>
@@ -3751,8 +3646,8 @@
         </p:blipFill>
         <p:spPr bwMode="auto">
           <a:xfrm>
-            <a:off x="5016500" y="1193800"/>
-            <a:ext cx="3302000" cy="3390900"/>
+            <a:off x="4914900" y="1193800"/>
+            <a:ext cx="3632200" cy="3733800"/>
           </a:xfrm>
           <a:prstGeom prst="rect">
             <a:avLst/>
@@ -3797,7 +3692,12 @@
             <p:ph type="title"/>
           </p:nvPr>
         </p:nvSpPr>
-        <p:spPr/>
+        <p:spPr>
+          <a:xfrm>
+            <a:off x="315045" y="205979"/>
+            <a:ext cx="8529278" cy="857250"/>
+          </a:xfrm>
+        </p:spPr>
         <p:txBody>
           <a:bodyPr/>
           <a:lstStyle/>
@@ -3853,8 +3753,8 @@
         </p:blipFill>
         <p:spPr bwMode="auto">
           <a:xfrm>
-            <a:off x="5016500" y="1193800"/>
-            <a:ext cx="3302000" cy="3390900"/>
+            <a:off x="4914900" y="1193800"/>
+            <a:ext cx="3632200" cy="3733800"/>
           </a:xfrm>
           <a:prstGeom prst="rect">
             <a:avLst/>
@@ -3899,7 +3799,12 @@
             <p:ph type="title"/>
           </p:nvPr>
         </p:nvSpPr>
-        <p:spPr/>
+        <p:spPr>
+          <a:xfrm>
+            <a:off x="284309" y="205979"/>
+            <a:ext cx="8552330" cy="857250"/>
+          </a:xfrm>
+        </p:spPr>
         <p:txBody>
           <a:bodyPr/>
           <a:lstStyle/>
@@ -3985,7 +3890,12 @@
             <p:ph type="title"/>
           </p:nvPr>
         </p:nvSpPr>
-        <p:spPr/>
+        <p:spPr>
+          <a:xfrm>
+            <a:off x="315045" y="205979"/>
+            <a:ext cx="8529278" cy="857250"/>
+          </a:xfrm>
+        </p:spPr>
         <p:txBody>
           <a:bodyPr/>
           <a:lstStyle/>
@@ -4041,8 +3951,8 @@
         </p:blipFill>
         <p:spPr bwMode="auto">
           <a:xfrm>
-            <a:off x="5016500" y="1193800"/>
-            <a:ext cx="3302000" cy="3390900"/>
+            <a:off x="4914900" y="1193800"/>
+            <a:ext cx="3632200" cy="3733800"/>
           </a:xfrm>
           <a:prstGeom prst="rect">
             <a:avLst/>
@@ -4087,7 +3997,12 @@
             <p:ph type="title"/>
           </p:nvPr>
         </p:nvSpPr>
-        <p:spPr/>
+        <p:spPr>
+          <a:xfrm>
+            <a:off x="315045" y="205979"/>
+            <a:ext cx="8529278" cy="857250"/>
+          </a:xfrm>
+        </p:spPr>
         <p:txBody>
           <a:bodyPr/>
           <a:lstStyle/>
@@ -4164,8 +4079,8 @@
         </p:blipFill>
         <p:spPr bwMode="auto">
           <a:xfrm>
-            <a:off x="5016500" y="1193800"/>
-            <a:ext cx="3302000" cy="3390900"/>
+            <a:off x="4914900" y="1193800"/>
+            <a:ext cx="3632200" cy="3733800"/>
           </a:xfrm>
           <a:prstGeom prst="rect">
             <a:avLst/>
@@ -4210,7 +4125,12 @@
             <p:ph type="title"/>
           </p:nvPr>
         </p:nvSpPr>
-        <p:spPr/>
+        <p:spPr>
+          <a:xfrm>
+            <a:off x="315045" y="205979"/>
+            <a:ext cx="8529278" cy="857250"/>
+          </a:xfrm>
+        </p:spPr>
         <p:txBody>
           <a:bodyPr/>
           <a:lstStyle/>
@@ -4287,8 +4207,8 @@
         </p:blipFill>
         <p:spPr bwMode="auto">
           <a:xfrm>
-            <a:off x="5016500" y="1193800"/>
-            <a:ext cx="3302000" cy="3390900"/>
+            <a:off x="4914900" y="1193800"/>
+            <a:ext cx="3632200" cy="3733800"/>
           </a:xfrm>
           <a:prstGeom prst="rect">
             <a:avLst/>
@@ -4333,7 +4253,12 @@
             <p:ph type="title"/>
           </p:nvPr>
         </p:nvSpPr>
-        <p:spPr/>
+        <p:spPr>
+          <a:xfrm>
+            <a:off x="315045" y="205979"/>
+            <a:ext cx="8529278" cy="857250"/>
+          </a:xfrm>
+        </p:spPr>
         <p:txBody>
           <a:bodyPr/>
           <a:lstStyle/>
@@ -4410,8 +4335,8 @@
         </p:blipFill>
         <p:spPr bwMode="auto">
           <a:xfrm>
-            <a:off x="5016500" y="1193800"/>
-            <a:ext cx="3302000" cy="3390900"/>
+            <a:off x="4914900" y="1193800"/>
+            <a:ext cx="3632200" cy="3733800"/>
           </a:xfrm>
           <a:prstGeom prst="rect">
             <a:avLst/>
@@ -4456,7 +4381,12 @@
             <p:ph type="title"/>
           </p:nvPr>
         </p:nvSpPr>
-        <p:spPr/>
+        <p:spPr>
+          <a:xfrm>
+            <a:off x="315045" y="205979"/>
+            <a:ext cx="8529278" cy="857250"/>
+          </a:xfrm>
+        </p:spPr>
         <p:txBody>
           <a:bodyPr/>
           <a:lstStyle/>
@@ -4521,8 +4451,8 @@
         </p:blipFill>
         <p:spPr bwMode="auto">
           <a:xfrm>
-            <a:off x="5016500" y="1193800"/>
-            <a:ext cx="3302000" cy="3390900"/>
+            <a:off x="4914900" y="1193800"/>
+            <a:ext cx="3632200" cy="3733800"/>
           </a:xfrm>
           <a:prstGeom prst="rect">
             <a:avLst/>
@@ -4567,7 +4497,12 @@
             <p:ph type="title"/>
           </p:nvPr>
         </p:nvSpPr>
-        <p:spPr/>
+        <p:spPr>
+          <a:xfrm>
+            <a:off x="284309" y="205979"/>
+            <a:ext cx="8552330" cy="857250"/>
+          </a:xfrm>
+        </p:spPr>
         <p:txBody>
           <a:bodyPr/>
           <a:lstStyle/>
@@ -4683,7 +4618,12 @@
             <p:ph type="title"/>
           </p:nvPr>
         </p:nvSpPr>
-        <p:spPr/>
+        <p:spPr>
+          <a:xfrm>
+            <a:off x="284309" y="205979"/>
+            <a:ext cx="8552330" cy="857250"/>
+          </a:xfrm>
+        </p:spPr>
         <p:txBody>
           <a:bodyPr/>
           <a:lstStyle/>
@@ -4776,7 +4716,12 @@
             <p:ph type="title"/>
           </p:nvPr>
         </p:nvSpPr>
-        <p:spPr/>
+        <p:spPr>
+          <a:xfrm>
+            <a:off x="315045" y="205979"/>
+            <a:ext cx="8529278" cy="857250"/>
+          </a:xfrm>
+        </p:spPr>
         <p:txBody>
           <a:bodyPr/>
           <a:lstStyle/>
@@ -4807,8 +4752,8 @@
         </p:blipFill>
         <p:spPr bwMode="auto">
           <a:xfrm>
-            <a:off x="457200" y="1371600"/>
-            <a:ext cx="4038600" cy="3022600"/>
+            <a:off x="304800" y="1498600"/>
+            <a:ext cx="4178300" cy="3136900"/>
           </a:xfrm>
           <a:prstGeom prst="rect">
             <a:avLst/>
@@ -4837,8 +4782,8 @@
         </p:blipFill>
         <p:spPr bwMode="auto">
           <a:xfrm>
-            <a:off x="4648200" y="1371600"/>
-            <a:ext cx="4038600" cy="3022600"/>
+            <a:off x="4635500" y="1485900"/>
+            <a:ext cx="4191000" cy="3149600"/>
           </a:xfrm>
           <a:prstGeom prst="rect">
             <a:avLst/>
@@ -4883,7 +4828,12 @@
             <p:ph type="title"/>
           </p:nvPr>
         </p:nvSpPr>
-        <p:spPr/>
+        <p:spPr>
+          <a:xfrm>
+            <a:off x="284309" y="205979"/>
+            <a:ext cx="8552330" cy="857250"/>
+          </a:xfrm>
+        </p:spPr>
         <p:txBody>
           <a:bodyPr/>
           <a:lstStyle/>
@@ -4990,7 +4940,12 @@
             <p:ph type="title"/>
           </p:nvPr>
         </p:nvSpPr>
-        <p:spPr/>
+        <p:spPr>
+          <a:xfrm>
+            <a:off x="284309" y="205979"/>
+            <a:ext cx="8552330" cy="857250"/>
+          </a:xfrm>
+        </p:spPr>
         <p:txBody>
           <a:bodyPr/>
           <a:lstStyle/>
@@ -5104,7 +5059,12 @@
             <p:ph type="title"/>
           </p:nvPr>
         </p:nvSpPr>
-        <p:spPr/>
+        <p:spPr>
+          <a:xfrm>
+            <a:off x="284309" y="205979"/>
+            <a:ext cx="8552330" cy="857250"/>
+          </a:xfrm>
+        </p:spPr>
         <p:txBody>
           <a:bodyPr/>
           <a:lstStyle/>
@@ -5130,8 +5090,8 @@
           </p:nvPr>
         </p:nvGraphicFramePr>
         <p:xfrm>
-          <a:off x="457200" y="1193800"/>
-          <a:ext cx="8229600" cy="2882900"/>
+          <a:off x="279400" y="1193800"/>
+          <a:ext cx="8547100" cy="3225800"/>
         </p:xfrm>
         <a:graphic>
           <a:graphicData uri="http://schemas.openxmlformats.org/drawingml/2006/table">
@@ -5140,9 +5100,9 @@
                 <a:tableStyleId>{69012ECD-51FC-41F1-AA8D-1B2483CD663E}</a:tableStyleId>
               </a:tblPr>
               <a:tblGrid>
-                <a:gridCol w="2743200"/>
-                <a:gridCol w="2743200"/>
-                <a:gridCol w="2743200"/>
+                <a:gridCol w="2844800"/>
+                <a:gridCol w="2844800"/>
+                <a:gridCol w="2844800"/>
               </a:tblGrid>
               <a:tr h="0">
                 <a:tc>
@@ -5294,8 +5254,8 @@
         </p:nvSpPr>
         <p:spPr>
           <a:xfrm>
-            <a:off x="457200" y="4076700"/>
-            <a:ext cx="8229600" cy="508000"/>
+            <a:off x="279400" y="4419600"/>
+            <a:ext cx="8547100" cy="508000"/>
           </a:xfrm>
           <a:prstGeom prst="rect">
             <a:avLst/>
@@ -5348,7 +5308,12 @@
             <p:ph type="title"/>
           </p:nvPr>
         </p:nvSpPr>
-        <p:spPr/>
+        <p:spPr>
+          <a:xfrm>
+            <a:off x="284309" y="205979"/>
+            <a:ext cx="8552330" cy="857250"/>
+          </a:xfrm>
+        </p:spPr>
         <p:txBody>
           <a:bodyPr/>
           <a:lstStyle/>
@@ -5439,7 +5404,12 @@
             <p:ph type="title"/>
           </p:nvPr>
         </p:nvSpPr>
-        <p:spPr/>
+        <p:spPr>
+          <a:xfrm>
+            <a:off x="284309" y="205979"/>
+            <a:ext cx="8552330" cy="857250"/>
+          </a:xfrm>
+        </p:spPr>
         <p:txBody>
           <a:bodyPr/>
           <a:lstStyle/>
@@ -5529,7 +5499,12 @@
             <p:ph type="title"/>
           </p:nvPr>
         </p:nvSpPr>
-        <p:spPr/>
+        <p:spPr>
+          <a:xfrm>
+            <a:off x="284309" y="205979"/>
+            <a:ext cx="8552330" cy="857250"/>
+          </a:xfrm>
+        </p:spPr>
         <p:txBody>
           <a:bodyPr/>
           <a:lstStyle/>
@@ -5614,7 +5589,12 @@
             <p:ph type="title"/>
           </p:nvPr>
         </p:nvSpPr>
-        <p:spPr/>
+        <p:spPr>
+          <a:xfrm>
+            <a:off x="284309" y="205979"/>
+            <a:ext cx="8552330" cy="857250"/>
+          </a:xfrm>
+        </p:spPr>
         <p:txBody>
           <a:bodyPr/>
           <a:lstStyle/>
@@ -5712,7 +5692,12 @@
             <p:ph type="title"/>
           </p:nvPr>
         </p:nvSpPr>
-        <p:spPr/>
+        <p:spPr>
+          <a:xfrm>
+            <a:off x="284309" y="205979"/>
+            <a:ext cx="8552330" cy="857250"/>
+          </a:xfrm>
+        </p:spPr>
         <p:txBody>
           <a:bodyPr/>
           <a:lstStyle/>
@@ -5817,7 +5802,12 @@
             <p:ph type="title"/>
           </p:nvPr>
         </p:nvSpPr>
-        <p:spPr/>
+        <p:spPr>
+          <a:xfrm>
+            <a:off x="284309" y="205979"/>
+            <a:ext cx="8552330" cy="857250"/>
+          </a:xfrm>
+        </p:spPr>
         <p:txBody>
           <a:bodyPr/>
           <a:lstStyle/>
@@ -5901,7 +5891,12 @@
             <p:ph type="title"/>
           </p:nvPr>
         </p:nvSpPr>
-        <p:spPr/>
+        <p:spPr>
+          <a:xfrm>
+            <a:off x="315045" y="205979"/>
+            <a:ext cx="8529278" cy="857250"/>
+          </a:xfrm>
+        </p:spPr>
         <p:txBody>
           <a:bodyPr/>
           <a:lstStyle/>
@@ -5969,8 +5964,8 @@
         </p:blipFill>
         <p:spPr bwMode="auto">
           <a:xfrm>
-            <a:off x="5016500" y="1193800"/>
-            <a:ext cx="3302000" cy="3390900"/>
+            <a:off x="4914900" y="1193800"/>
+            <a:ext cx="3632200" cy="3733800"/>
           </a:xfrm>
           <a:prstGeom prst="rect">
             <a:avLst/>
@@ -6015,7 +6010,12 @@
             <p:ph type="title"/>
           </p:nvPr>
         </p:nvSpPr>
-        <p:spPr/>
+        <p:spPr>
+          <a:xfrm>
+            <a:off x="284309" y="205979"/>
+            <a:ext cx="8552330" cy="857250"/>
+          </a:xfrm>
+        </p:spPr>
         <p:txBody>
           <a:bodyPr/>
           <a:lstStyle/>
@@ -6113,7 +6113,12 @@
             <p:ph type="title"/>
           </p:nvPr>
         </p:nvSpPr>
-        <p:spPr/>
+        <p:spPr>
+          <a:xfrm>
+            <a:off x="284309" y="205979"/>
+            <a:ext cx="8552330" cy="857250"/>
+          </a:xfrm>
+        </p:spPr>
         <p:txBody>
           <a:bodyPr/>
           <a:lstStyle/>
@@ -6211,7 +6216,12 @@
             <p:ph type="title"/>
           </p:nvPr>
         </p:nvSpPr>
-        <p:spPr/>
+        <p:spPr>
+          <a:xfrm>
+            <a:off x="284309" y="205979"/>
+            <a:ext cx="8552330" cy="857250"/>
+          </a:xfrm>
+        </p:spPr>
         <p:txBody>
           <a:bodyPr/>
           <a:lstStyle/>
@@ -6309,7 +6319,12 @@
             <p:ph type="title"/>
           </p:nvPr>
         </p:nvSpPr>
-        <p:spPr/>
+        <p:spPr>
+          <a:xfrm>
+            <a:off x="284309" y="205979"/>
+            <a:ext cx="8552330" cy="857250"/>
+          </a:xfrm>
+        </p:spPr>
         <p:txBody>
           <a:bodyPr/>
           <a:lstStyle/>
@@ -6407,7 +6422,12 @@
             <p:ph type="title"/>
           </p:nvPr>
         </p:nvSpPr>
-        <p:spPr/>
+        <p:spPr>
+          <a:xfrm>
+            <a:off x="284309" y="205979"/>
+            <a:ext cx="8552330" cy="857250"/>
+          </a:xfrm>
+        </p:spPr>
         <p:txBody>
           <a:bodyPr/>
           <a:lstStyle/>
@@ -6512,7 +6532,12 @@
             <p:ph type="title"/>
           </p:nvPr>
         </p:nvSpPr>
-        <p:spPr/>
+        <p:spPr>
+          <a:xfrm>
+            <a:off x="284309" y="205979"/>
+            <a:ext cx="8552330" cy="857250"/>
+          </a:xfrm>
+        </p:spPr>
         <p:txBody>
           <a:bodyPr/>
           <a:lstStyle/>
@@ -6621,7 +6646,12 @@
             <p:ph type="title"/>
           </p:nvPr>
         </p:nvSpPr>
-        <p:spPr/>
+        <p:spPr>
+          <a:xfrm>
+            <a:off x="284309" y="205979"/>
+            <a:ext cx="8552330" cy="857250"/>
+          </a:xfrm>
+        </p:spPr>
         <p:txBody>
           <a:bodyPr/>
           <a:lstStyle/>
@@ -6721,7 +6751,12 @@
             <p:ph type="title"/>
           </p:nvPr>
         </p:nvSpPr>
-        <p:spPr/>
+        <p:spPr>
+          <a:xfrm>
+            <a:off x="284309" y="205979"/>
+            <a:ext cx="8552330" cy="857250"/>
+          </a:xfrm>
+        </p:spPr>
         <p:txBody>
           <a:bodyPr/>
           <a:lstStyle/>
@@ -6837,7 +6872,12 @@
             <p:ph type="title"/>
           </p:nvPr>
         </p:nvSpPr>
-        <p:spPr/>
+        <p:spPr>
+          <a:xfrm>
+            <a:off x="315045" y="205979"/>
+            <a:ext cx="8529278" cy="857250"/>
+          </a:xfrm>
+        </p:spPr>
         <p:txBody>
           <a:bodyPr/>
           <a:lstStyle/>
@@ -6893,8 +6933,8 @@
         </p:blipFill>
         <p:spPr bwMode="auto">
           <a:xfrm>
-            <a:off x="4978400" y="1193800"/>
-            <a:ext cx="3390900" cy="3390900"/>
+            <a:off x="4864100" y="1193800"/>
+            <a:ext cx="3733800" cy="3733800"/>
           </a:xfrm>
           <a:prstGeom prst="rect">
             <a:avLst/>
@@ -6939,7 +6979,12 @@
             <p:ph type="title"/>
           </p:nvPr>
         </p:nvSpPr>
-        <p:spPr/>
+        <p:spPr>
+          <a:xfrm>
+            <a:off x="284309" y="205979"/>
+            <a:ext cx="8552330" cy="857250"/>
+          </a:xfrm>
+        </p:spPr>
         <p:txBody>
           <a:bodyPr/>
           <a:lstStyle/>
@@ -7037,7 +7082,12 @@
             <p:ph type="title"/>
           </p:nvPr>
         </p:nvSpPr>
-        <p:spPr/>
+        <p:spPr>
+          <a:xfrm>
+            <a:off x="315045" y="205979"/>
+            <a:ext cx="8529278" cy="857250"/>
+          </a:xfrm>
+        </p:spPr>
         <p:txBody>
           <a:bodyPr/>
           <a:lstStyle/>
@@ -7101,8 +7151,8 @@
         </p:blipFill>
         <p:spPr bwMode="auto">
           <a:xfrm>
-            <a:off x="5016500" y="1193800"/>
-            <a:ext cx="3302000" cy="3390900"/>
+            <a:off x="4914900" y="1193800"/>
+            <a:ext cx="3632200" cy="3733800"/>
           </a:xfrm>
           <a:prstGeom prst="rect">
             <a:avLst/>
@@ -7147,7 +7197,12 @@
             <p:ph type="title"/>
           </p:nvPr>
         </p:nvSpPr>
-        <p:spPr/>
+        <p:spPr>
+          <a:xfrm>
+            <a:off x="284309" y="205979"/>
+            <a:ext cx="8552330" cy="857250"/>
+          </a:xfrm>
+        </p:spPr>
         <p:txBody>
           <a:bodyPr/>
           <a:lstStyle/>
@@ -7274,7 +7329,12 @@
             <p:ph type="title"/>
           </p:nvPr>
         </p:nvSpPr>
-        <p:spPr/>
+        <p:spPr>
+          <a:xfrm>
+            <a:off x="284309" y="205979"/>
+            <a:ext cx="8552330" cy="857250"/>
+          </a:xfrm>
+        </p:spPr>
         <p:txBody>
           <a:bodyPr/>
           <a:lstStyle/>
@@ -7394,7 +7454,12 @@
             <p:ph type="title"/>
           </p:nvPr>
         </p:nvSpPr>
-        <p:spPr/>
+        <p:spPr>
+          <a:xfrm>
+            <a:off x="284309" y="205979"/>
+            <a:ext cx="8552330" cy="857250"/>
+          </a:xfrm>
+        </p:spPr>
         <p:txBody>
           <a:bodyPr/>
           <a:lstStyle/>
@@ -7490,7 +7555,12 @@
             <p:ph type="title"/>
           </p:nvPr>
         </p:nvSpPr>
-        <p:spPr/>
+        <p:spPr>
+          <a:xfrm>
+            <a:off x="284309" y="205979"/>
+            <a:ext cx="8552330" cy="857250"/>
+          </a:xfrm>
+        </p:spPr>
         <p:txBody>
           <a:bodyPr/>
           <a:lstStyle/>
@@ -7611,7 +7681,12 @@
             <p:ph type="title"/>
           </p:nvPr>
         </p:nvSpPr>
-        <p:spPr/>
+        <p:spPr>
+          <a:xfrm>
+            <a:off x="284309" y="205979"/>
+            <a:ext cx="8552330" cy="857250"/>
+          </a:xfrm>
+        </p:spPr>
         <p:txBody>
           <a:bodyPr/>
           <a:lstStyle/>
@@ -7733,7 +7808,12 @@
                 <p:ph type="title"/>
               </p:nvPr>
             </p:nvSpPr>
-            <p:spPr/>
+            <p:spPr>
+              <a:xfrm>
+                <a:off x="284309" y="205979"/>
+                <a:ext cx="8552330" cy="857250"/>
+              </a:xfrm>
+            </p:spPr>
             <p:txBody>
               <a:bodyPr/>
               <a:lstStyle/>
@@ -7865,7 +7945,12 @@
             <p:ph type="title"/>
           </p:nvPr>
         </p:nvSpPr>
-        <p:spPr/>
+        <p:spPr>
+          <a:xfrm>
+            <a:off x="284309" y="205979"/>
+            <a:ext cx="8552330" cy="857250"/>
+          </a:xfrm>
+        </p:spPr>
         <p:txBody>
           <a:bodyPr/>
           <a:lstStyle/>
@@ -7984,7 +8069,12 @@
             <p:ph type="title"/>
           </p:nvPr>
         </p:nvSpPr>
-        <p:spPr/>
+        <p:spPr>
+          <a:xfrm>
+            <a:off x="284309" y="205979"/>
+            <a:ext cx="8552330" cy="857250"/>
+          </a:xfrm>
+        </p:spPr>
         <p:txBody>
           <a:bodyPr/>
           <a:lstStyle/>
@@ -8102,7 +8192,12 @@
             <p:ph type="title"/>
           </p:nvPr>
         </p:nvSpPr>
-        <p:spPr/>
+        <p:spPr>
+          <a:xfrm>
+            <a:off x="284309" y="205979"/>
+            <a:ext cx="8552330" cy="857250"/>
+          </a:xfrm>
+        </p:spPr>
         <p:txBody>
           <a:bodyPr/>
           <a:lstStyle/>
@@ -8197,7 +8292,12 @@
             <p:ph type="title"/>
           </p:nvPr>
         </p:nvSpPr>
-        <p:spPr/>
+        <p:spPr>
+          <a:xfrm>
+            <a:off x="284309" y="205979"/>
+            <a:ext cx="8552330" cy="857250"/>
+          </a:xfrm>
+        </p:spPr>
         <p:txBody>
           <a:bodyPr/>
           <a:lstStyle/>
@@ -8290,7 +8390,12 @@
             <p:ph type="title"/>
           </p:nvPr>
         </p:nvSpPr>
-        <p:spPr/>
+        <p:spPr>
+          <a:xfrm>
+            <a:off x="315045" y="205979"/>
+            <a:ext cx="8529278" cy="857250"/>
+          </a:xfrm>
+        </p:spPr>
         <p:txBody>
           <a:bodyPr/>
           <a:lstStyle/>
@@ -8346,8 +8451,8 @@
         </p:blipFill>
         <p:spPr bwMode="auto">
           <a:xfrm>
-            <a:off x="5016500" y="1193800"/>
-            <a:ext cx="3302000" cy="3390900"/>
+            <a:off x="4914900" y="1193800"/>
+            <a:ext cx="3632200" cy="3733800"/>
           </a:xfrm>
           <a:prstGeom prst="rect">
             <a:avLst/>
@@ -8392,7 +8497,12 @@
             <p:ph type="title"/>
           </p:nvPr>
         </p:nvSpPr>
-        <p:spPr/>
+        <p:spPr>
+          <a:xfrm>
+            <a:off x="284309" y="205979"/>
+            <a:ext cx="8552330" cy="857250"/>
+          </a:xfrm>
+        </p:spPr>
         <p:txBody>
           <a:bodyPr/>
           <a:lstStyle/>
@@ -8508,7 +8618,12 @@
             <p:ph type="title"/>
           </p:nvPr>
         </p:nvSpPr>
-        <p:spPr/>
+        <p:spPr>
+          <a:xfrm>
+            <a:off x="284309" y="205979"/>
+            <a:ext cx="8552330" cy="857250"/>
+          </a:xfrm>
+        </p:spPr>
         <p:txBody>
           <a:bodyPr/>
           <a:lstStyle/>
@@ -8632,7 +8747,12 @@
             <p:ph type="title"/>
           </p:nvPr>
         </p:nvSpPr>
-        <p:spPr/>
+        <p:spPr>
+          <a:xfrm>
+            <a:off x="315045" y="205979"/>
+            <a:ext cx="8529278" cy="857250"/>
+          </a:xfrm>
+        </p:spPr>
         <p:txBody>
           <a:bodyPr/>
           <a:lstStyle/>
@@ -8706,8 +8826,8 @@
         </p:blipFill>
         <p:spPr bwMode="auto">
           <a:xfrm>
-            <a:off x="4978400" y="1193800"/>
-            <a:ext cx="3390900" cy="3390900"/>
+            <a:off x="4864100" y="1193800"/>
+            <a:ext cx="3733800" cy="3733800"/>
           </a:xfrm>
           <a:prstGeom prst="rect">
             <a:avLst/>
@@ -8752,7 +8872,12 @@
             <p:ph type="title"/>
           </p:nvPr>
         </p:nvSpPr>
-        <p:spPr/>
+        <p:spPr>
+          <a:xfrm>
+            <a:off x="284309" y="205979"/>
+            <a:ext cx="8552330" cy="857250"/>
+          </a:xfrm>
+        </p:spPr>
         <p:txBody>
           <a:bodyPr/>
           <a:lstStyle/>
@@ -8872,7 +8997,12 @@
             <p:ph type="title"/>
           </p:nvPr>
         </p:nvSpPr>
-        <p:spPr/>
+        <p:spPr>
+          <a:xfrm>
+            <a:off x="284309" y="205979"/>
+            <a:ext cx="8552330" cy="857250"/>
+          </a:xfrm>
+        </p:spPr>
         <p:txBody>
           <a:bodyPr/>
           <a:lstStyle/>
@@ -8974,7 +9104,12 @@
             <p:ph type="title"/>
           </p:nvPr>
         </p:nvSpPr>
-        <p:spPr/>
+        <p:spPr>
+          <a:xfrm>
+            <a:off x="284309" y="205979"/>
+            <a:ext cx="8552330" cy="857250"/>
+          </a:xfrm>
+        </p:spPr>
         <p:txBody>
           <a:bodyPr/>
           <a:lstStyle/>
@@ -9055,7 +9190,12 @@
             <p:ph type="title"/>
           </p:nvPr>
         </p:nvSpPr>
-        <p:spPr/>
+        <p:spPr>
+          <a:xfrm>
+            <a:off x="284309" y="205979"/>
+            <a:ext cx="8552330" cy="857250"/>
+          </a:xfrm>
+        </p:spPr>
         <p:txBody>
           <a:bodyPr/>
           <a:lstStyle/>
@@ -9148,7 +9288,12 @@
             <p:ph type="title"/>
           </p:nvPr>
         </p:nvSpPr>
-        <p:spPr/>
+        <p:spPr>
+          <a:xfrm>
+            <a:off x="284309" y="205979"/>
+            <a:ext cx="8552330" cy="857250"/>
+          </a:xfrm>
+        </p:spPr>
         <p:txBody>
           <a:bodyPr/>
           <a:lstStyle/>
@@ -9241,7 +9386,12 @@
             <p:ph type="title"/>
           </p:nvPr>
         </p:nvSpPr>
-        <p:spPr/>
+        <p:spPr>
+          <a:xfrm>
+            <a:off x="284309" y="205979"/>
+            <a:ext cx="8552330" cy="857250"/>
+          </a:xfrm>
+        </p:spPr>
         <p:txBody>
           <a:bodyPr/>
           <a:lstStyle/>
@@ -9322,7 +9472,12 @@
             <p:ph type="title"/>
           </p:nvPr>
         </p:nvSpPr>
-        <p:spPr/>
+        <p:spPr>
+          <a:xfrm>
+            <a:off x="284309" y="205979"/>
+            <a:ext cx="8552330" cy="857250"/>
+          </a:xfrm>
+        </p:spPr>
         <p:txBody>
           <a:bodyPr/>
           <a:lstStyle/>
@@ -9478,7 +9633,12 @@
             <p:ph type="title"/>
           </p:nvPr>
         </p:nvSpPr>
-        <p:spPr/>
+        <p:spPr>
+          <a:xfrm>
+            <a:off x="315045" y="205979"/>
+            <a:ext cx="8529278" cy="857250"/>
+          </a:xfrm>
+        </p:spPr>
         <p:txBody>
           <a:bodyPr/>
           <a:lstStyle/>
@@ -9542,8 +9702,8 @@
         </p:blipFill>
         <p:spPr bwMode="auto">
           <a:xfrm>
-            <a:off x="5016500" y="1193800"/>
-            <a:ext cx="3302000" cy="3390900"/>
+            <a:off x="4914900" y="1193800"/>
+            <a:ext cx="3632200" cy="3733800"/>
           </a:xfrm>
           <a:prstGeom prst="rect">
             <a:avLst/>
@@ -9588,7 +9748,12 @@
             <p:ph type="title"/>
           </p:nvPr>
         </p:nvSpPr>
-        <p:spPr/>
+        <p:spPr>
+          <a:xfrm>
+            <a:off x="315045" y="205979"/>
+            <a:ext cx="8529278" cy="857250"/>
+          </a:xfrm>
+        </p:spPr>
         <p:txBody>
           <a:bodyPr/>
           <a:lstStyle/>
@@ -9674,8 +9839,8 @@
         </p:blipFill>
         <p:spPr bwMode="auto">
           <a:xfrm>
-            <a:off x="5016500" y="1193800"/>
-            <a:ext cx="3302000" cy="3390900"/>
+            <a:off x="4914900" y="1193800"/>
+            <a:ext cx="3632200" cy="3733800"/>
           </a:xfrm>
           <a:prstGeom prst="rect">
             <a:avLst/>
@@ -9720,7 +9885,12 @@
             <p:ph type="title"/>
           </p:nvPr>
         </p:nvSpPr>
-        <p:spPr/>
+        <p:spPr>
+          <a:xfrm>
+            <a:off x="315045" y="205979"/>
+            <a:ext cx="8529278" cy="857250"/>
+          </a:xfrm>
+        </p:spPr>
         <p:txBody>
           <a:bodyPr/>
           <a:lstStyle/>
@@ -9776,8 +9946,8 @@
         </p:blipFill>
         <p:spPr bwMode="auto">
           <a:xfrm>
-            <a:off x="5016500" y="1193800"/>
-            <a:ext cx="3302000" cy="3390900"/>
+            <a:off x="4914900" y="1193800"/>
+            <a:ext cx="3632200" cy="3733800"/>
           </a:xfrm>
           <a:prstGeom prst="rect">
             <a:avLst/>
@@ -9822,7 +9992,12 @@
             <p:ph type="title"/>
           </p:nvPr>
         </p:nvSpPr>
-        <p:spPr/>
+        <p:spPr>
+          <a:xfrm>
+            <a:off x="315045" y="205979"/>
+            <a:ext cx="8529278" cy="857250"/>
+          </a:xfrm>
+        </p:spPr>
         <p:txBody>
           <a:bodyPr/>
           <a:lstStyle/>
@@ -9878,8 +10053,8 @@
         </p:blipFill>
         <p:spPr bwMode="auto">
           <a:xfrm>
-            <a:off x="5016500" y="1193800"/>
-            <a:ext cx="3302000" cy="3390900"/>
+            <a:off x="4914900" y="1193800"/>
+            <a:ext cx="3632200" cy="3733800"/>
           </a:xfrm>
           <a:prstGeom prst="rect">
             <a:avLst/>

--- a/lci_surgery.pptx
+++ b/lci_surgery.pptx
@@ -216,10 +216,16 @@
         </p:spPr>
         <p:txBody>
           <a:bodyPr/>
-          <a:lstStyle/>
-          <a:p>
-            <a:r>
-              <a:rPr lang="en-US"/>
+          <a:lstStyle>
+            <a:lvl1pPr>
+              <a:defRPr baseline="0">
+                <a:latin typeface="Lato Semibold" panose="020F0502020204030203" pitchFamily="34" charset="0"/>
+              </a:defRPr>
+            </a:lvl1pPr>
+          </a:lstStyle>
+          <a:p>
+            <a:r>
+              <a:rPr lang="en-US" dirty="0"/>
               <a:t>Click to edit Master title style</a:t>
             </a:r>
           </a:p>
@@ -353,7 +359,15 @@
             <p:ph type="dt" sz="half" idx="10"/>
           </p:nvPr>
         </p:nvSpPr>
-        <p:spPr/>
+        <p:spPr>
+          <a:xfrm>
+            <a:off x="457200" y="4767263"/>
+            <a:ext cx="2133600" cy="273844"/>
+          </a:xfrm>
+          <a:prstGeom prst="rect">
+            <a:avLst/>
+          </a:prstGeom>
+        </p:spPr>
         <p:txBody>
           <a:bodyPr/>
           <a:lstStyle/>
@@ -376,7 +390,15 @@
             <p:ph type="ftr" sz="quarter" idx="11"/>
           </p:nvPr>
         </p:nvSpPr>
-        <p:spPr/>
+        <p:spPr>
+          <a:xfrm>
+            <a:off x="3124200" y="4767263"/>
+            <a:ext cx="2895600" cy="273844"/>
+          </a:xfrm>
+          <a:prstGeom prst="rect">
+            <a:avLst/>
+          </a:prstGeom>
+        </p:spPr>
         <p:txBody>
           <a:bodyPr/>
           <a:lstStyle/>
@@ -395,7 +417,15 @@
             <p:ph type="sldNum" sz="quarter" idx="12"/>
           </p:nvPr>
         </p:nvSpPr>
-        <p:spPr/>
+        <p:spPr>
+          <a:xfrm>
+            <a:off x="6553200" y="4767263"/>
+            <a:ext cx="2133600" cy="273844"/>
+          </a:xfrm>
+          <a:prstGeom prst="rect">
+            <a:avLst/>
+          </a:prstGeom>
+        </p:spPr>
         <p:txBody>
           <a:bodyPr/>
           <a:lstStyle/>
@@ -521,7 +551,15 @@
             <p:ph type="dt" sz="half" idx="10"/>
           </p:nvPr>
         </p:nvSpPr>
-        <p:spPr/>
+        <p:spPr>
+          <a:xfrm>
+            <a:off x="457200" y="4767263"/>
+            <a:ext cx="2133600" cy="273844"/>
+          </a:xfrm>
+          <a:prstGeom prst="rect">
+            <a:avLst/>
+          </a:prstGeom>
+        </p:spPr>
         <p:txBody>
           <a:bodyPr/>
           <a:lstStyle/>
@@ -544,7 +582,15 @@
             <p:ph type="ftr" sz="quarter" idx="11"/>
           </p:nvPr>
         </p:nvSpPr>
-        <p:spPr/>
+        <p:spPr>
+          <a:xfrm>
+            <a:off x="3124200" y="4767263"/>
+            <a:ext cx="2895600" cy="273844"/>
+          </a:xfrm>
+          <a:prstGeom prst="rect">
+            <a:avLst/>
+          </a:prstGeom>
+        </p:spPr>
         <p:txBody>
           <a:bodyPr/>
           <a:lstStyle/>
@@ -563,7 +609,15 @@
             <p:ph type="sldNum" sz="quarter" idx="12"/>
           </p:nvPr>
         </p:nvSpPr>
-        <p:spPr/>
+        <p:spPr>
+          <a:xfrm>
+            <a:off x="6553200" y="4767263"/>
+            <a:ext cx="2133600" cy="273844"/>
+          </a:xfrm>
+          <a:prstGeom prst="rect">
+            <a:avLst/>
+          </a:prstGeom>
+        </p:spPr>
         <p:txBody>
           <a:bodyPr/>
           <a:lstStyle/>
@@ -699,7 +753,15 @@
             <p:ph type="dt" sz="half" idx="10"/>
           </p:nvPr>
         </p:nvSpPr>
-        <p:spPr/>
+        <p:spPr>
+          <a:xfrm>
+            <a:off x="457200" y="4767263"/>
+            <a:ext cx="2133600" cy="273844"/>
+          </a:xfrm>
+          <a:prstGeom prst="rect">
+            <a:avLst/>
+          </a:prstGeom>
+        </p:spPr>
         <p:txBody>
           <a:bodyPr/>
           <a:lstStyle/>
@@ -722,7 +784,15 @@
             <p:ph type="ftr" sz="quarter" idx="11"/>
           </p:nvPr>
         </p:nvSpPr>
-        <p:spPr/>
+        <p:spPr>
+          <a:xfrm>
+            <a:off x="3124200" y="4767263"/>
+            <a:ext cx="2895600" cy="273844"/>
+          </a:xfrm>
+          <a:prstGeom prst="rect">
+            <a:avLst/>
+          </a:prstGeom>
+        </p:spPr>
         <p:txBody>
           <a:bodyPr/>
           <a:lstStyle/>
@@ -741,7 +811,15 @@
             <p:ph type="sldNum" sz="quarter" idx="12"/>
           </p:nvPr>
         </p:nvSpPr>
-        <p:spPr/>
+        <p:spPr>
+          <a:xfrm>
+            <a:off x="6553200" y="4767263"/>
+            <a:ext cx="2133600" cy="273844"/>
+          </a:xfrm>
+          <a:prstGeom prst="rect">
+            <a:avLst/>
+          </a:prstGeom>
+        </p:spPr>
         <p:txBody>
           <a:bodyPr/>
           <a:lstStyle/>
@@ -877,7 +955,15 @@
             <p:ph type="dt" sz="half" idx="10"/>
           </p:nvPr>
         </p:nvSpPr>
-        <p:spPr/>
+        <p:spPr>
+          <a:xfrm>
+            <a:off x="457200" y="4767263"/>
+            <a:ext cx="2133600" cy="273844"/>
+          </a:xfrm>
+          <a:prstGeom prst="rect">
+            <a:avLst/>
+          </a:prstGeom>
+        </p:spPr>
         <p:txBody>
           <a:bodyPr/>
           <a:lstStyle/>
@@ -900,7 +986,15 @@
             <p:ph type="ftr" sz="quarter" idx="11"/>
           </p:nvPr>
         </p:nvSpPr>
-        <p:spPr/>
+        <p:spPr>
+          <a:xfrm>
+            <a:off x="3124200" y="4767263"/>
+            <a:ext cx="2895600" cy="273844"/>
+          </a:xfrm>
+          <a:prstGeom prst="rect">
+            <a:avLst/>
+          </a:prstGeom>
+        </p:spPr>
         <p:txBody>
           <a:bodyPr/>
           <a:lstStyle/>
@@ -919,7 +1013,15 @@
             <p:ph type="sldNum" sz="quarter" idx="12"/>
           </p:nvPr>
         </p:nvSpPr>
-        <p:spPr/>
+        <p:spPr>
+          <a:xfrm>
+            <a:off x="6553200" y="4767263"/>
+            <a:ext cx="2133600" cy="273844"/>
+          </a:xfrm>
+          <a:prstGeom prst="rect">
+            <a:avLst/>
+          </a:prstGeom>
+        </p:spPr>
         <p:txBody>
           <a:bodyPr/>
           <a:lstStyle/>
@@ -1106,15 +1208,15 @@
         <p:spPr>
           <a:xfrm>
             <a:off x="284309" y="205979"/>
-            <a:ext cx="8552330" cy="857250"/>
-          </a:xfrm>
-        </p:spPr>
-        <p:txBody>
-          <a:bodyPr/>
-          <a:lstStyle/>
-          <a:p>
-            <a:r>
-              <a:rPr lang="en-US"/>
+            <a:ext cx="8552330" cy="662317"/>
+          </a:xfrm>
+        </p:spPr>
+        <p:txBody>
+          <a:bodyPr/>
+          <a:lstStyle/>
+          <a:p>
+            <a:r>
+              <a:rPr lang="en-US" dirty="0"/>
               <a:t>Click to edit Master title style</a:t>
             </a:r>
           </a:p>
@@ -1132,8 +1234,8 @@
         </p:nvSpPr>
         <p:spPr>
           <a:xfrm>
-            <a:off x="284309" y="1200151"/>
-            <a:ext cx="8552330" cy="3737370"/>
+            <a:off x="284309" y="960504"/>
+            <a:ext cx="8552330" cy="3977017"/>
           </a:xfrm>
         </p:spPr>
         <p:txBody>
@@ -1393,7 +1495,15 @@
             <p:ph type="dt" sz="half" idx="10"/>
           </p:nvPr>
         </p:nvSpPr>
-        <p:spPr/>
+        <p:spPr>
+          <a:xfrm>
+            <a:off x="457200" y="4767263"/>
+            <a:ext cx="2133600" cy="273844"/>
+          </a:xfrm>
+          <a:prstGeom prst="rect">
+            <a:avLst/>
+          </a:prstGeom>
+        </p:spPr>
         <p:txBody>
           <a:bodyPr/>
           <a:lstStyle/>
@@ -1416,7 +1526,15 @@
             <p:ph type="ftr" sz="quarter" idx="11"/>
           </p:nvPr>
         </p:nvSpPr>
-        <p:spPr/>
+        <p:spPr>
+          <a:xfrm>
+            <a:off x="3124200" y="4767263"/>
+            <a:ext cx="2895600" cy="273844"/>
+          </a:xfrm>
+          <a:prstGeom prst="rect">
+            <a:avLst/>
+          </a:prstGeom>
+        </p:spPr>
         <p:txBody>
           <a:bodyPr/>
           <a:lstStyle/>
@@ -1435,7 +1553,15 @@
             <p:ph type="sldNum" sz="quarter" idx="12"/>
           </p:nvPr>
         </p:nvSpPr>
-        <p:spPr/>
+        <p:spPr>
+          <a:xfrm>
+            <a:off x="6553200" y="4767263"/>
+            <a:ext cx="2133600" cy="273844"/>
+          </a:xfrm>
+          <a:prstGeom prst="rect">
+            <a:avLst/>
+          </a:prstGeom>
+        </p:spPr>
         <p:txBody>
           <a:bodyPr/>
           <a:lstStyle/>
@@ -1499,7 +1625,7 @@
           <a:lstStyle/>
           <a:p>
             <a:r>
-              <a:rPr lang="en-US"/>
+              <a:rPr lang="en-US" dirty="0"/>
               <a:t>Click to edit Master title style</a:t>
             </a:r>
           </a:p>
@@ -1526,7 +1652,9 @@
           <a:lstStyle>
             <a:lvl1pPr marL="174625" indent="-174625">
               <a:tabLst/>
-              <a:defRPr sz="2800"/>
+              <a:defRPr sz="2800" baseline="0">
+                <a:latin typeface="Lato Medium" panose="020F0502020204030203" pitchFamily="34" charset="0"/>
+              </a:defRPr>
             </a:lvl1pPr>
             <a:lvl2pPr>
               <a:defRPr sz="1800"/>
@@ -1611,7 +1739,9 @@
           <a:lstStyle>
             <a:lvl1pPr marL="174625" indent="-174625">
               <a:tabLst/>
-              <a:defRPr sz="2800"/>
+              <a:defRPr sz="2800" baseline="0">
+                <a:latin typeface="Lato Medium" panose="020F0502020204030203" pitchFamily="34" charset="0"/>
+              </a:defRPr>
             </a:lvl1pPr>
             <a:lvl2pPr>
               <a:defRPr sz="1800"/>
@@ -2039,7 +2169,15 @@
             <p:ph type="dt" sz="half" idx="10"/>
           </p:nvPr>
         </p:nvSpPr>
-        <p:spPr/>
+        <p:spPr>
+          <a:xfrm>
+            <a:off x="457200" y="4767263"/>
+            <a:ext cx="2133600" cy="273844"/>
+          </a:xfrm>
+          <a:prstGeom prst="rect">
+            <a:avLst/>
+          </a:prstGeom>
+        </p:spPr>
         <p:txBody>
           <a:bodyPr/>
           <a:lstStyle/>
@@ -2062,7 +2200,15 @@
             <p:ph type="ftr" sz="quarter" idx="11"/>
           </p:nvPr>
         </p:nvSpPr>
-        <p:spPr/>
+        <p:spPr>
+          <a:xfrm>
+            <a:off x="3124200" y="4767263"/>
+            <a:ext cx="2895600" cy="273844"/>
+          </a:xfrm>
+          <a:prstGeom prst="rect">
+            <a:avLst/>
+          </a:prstGeom>
+        </p:spPr>
         <p:txBody>
           <a:bodyPr/>
           <a:lstStyle/>
@@ -2081,7 +2227,15 @@
             <p:ph type="sldNum" sz="quarter" idx="12"/>
           </p:nvPr>
         </p:nvSpPr>
-        <p:spPr/>
+        <p:spPr>
+          <a:xfrm>
+            <a:off x="6553200" y="4767263"/>
+            <a:ext cx="2133600" cy="273844"/>
+          </a:xfrm>
+          <a:prstGeom prst="rect">
+            <a:avLst/>
+          </a:prstGeom>
+        </p:spPr>
         <p:txBody>
           <a:bodyPr/>
           <a:lstStyle/>
@@ -2137,10 +2291,16 @@
         <p:spPr/>
         <p:txBody>
           <a:bodyPr/>
-          <a:lstStyle/>
-          <a:p>
-            <a:r>
-              <a:rPr lang="en-US"/>
+          <a:lstStyle>
+            <a:lvl1pPr>
+              <a:defRPr baseline="0">
+                <a:latin typeface="Lato Semibold" panose="020F0502020204030203" pitchFamily="34" charset="0"/>
+              </a:defRPr>
+            </a:lvl1pPr>
+          </a:lstStyle>
+          <a:p>
+            <a:r>
+              <a:rPr lang="en-US" dirty="0"/>
               <a:t>Click to edit Master title style</a:t>
             </a:r>
           </a:p>
@@ -2156,7 +2316,15 @@
             <p:ph type="dt" sz="half" idx="10"/>
           </p:nvPr>
         </p:nvSpPr>
-        <p:spPr/>
+        <p:spPr>
+          <a:xfrm>
+            <a:off x="457200" y="4767263"/>
+            <a:ext cx="2133600" cy="273844"/>
+          </a:xfrm>
+          <a:prstGeom prst="rect">
+            <a:avLst/>
+          </a:prstGeom>
+        </p:spPr>
         <p:txBody>
           <a:bodyPr/>
           <a:lstStyle/>
@@ -2179,7 +2347,15 @@
             <p:ph type="ftr" sz="quarter" idx="11"/>
           </p:nvPr>
         </p:nvSpPr>
-        <p:spPr/>
+        <p:spPr>
+          <a:xfrm>
+            <a:off x="3124200" y="4767263"/>
+            <a:ext cx="2895600" cy="273844"/>
+          </a:xfrm>
+          <a:prstGeom prst="rect">
+            <a:avLst/>
+          </a:prstGeom>
+        </p:spPr>
         <p:txBody>
           <a:bodyPr/>
           <a:lstStyle/>
@@ -2198,7 +2374,15 @@
             <p:ph type="sldNum" sz="quarter" idx="12"/>
           </p:nvPr>
         </p:nvSpPr>
-        <p:spPr/>
+        <p:spPr>
+          <a:xfrm>
+            <a:off x="6553200" y="4767263"/>
+            <a:ext cx="2133600" cy="273844"/>
+          </a:xfrm>
+          <a:prstGeom prst="rect">
+            <a:avLst/>
+          </a:prstGeom>
+        </p:spPr>
         <p:txBody>
           <a:bodyPr/>
           <a:lstStyle/>
@@ -2251,7 +2435,15 @@
             <p:ph type="dt" sz="half" idx="10"/>
           </p:nvPr>
         </p:nvSpPr>
-        <p:spPr/>
+        <p:spPr>
+          <a:xfrm>
+            <a:off x="457200" y="4767263"/>
+            <a:ext cx="2133600" cy="273844"/>
+          </a:xfrm>
+          <a:prstGeom prst="rect">
+            <a:avLst/>
+          </a:prstGeom>
+        </p:spPr>
         <p:txBody>
           <a:bodyPr/>
           <a:lstStyle/>
@@ -2274,7 +2466,15 @@
             <p:ph type="ftr" sz="quarter" idx="11"/>
           </p:nvPr>
         </p:nvSpPr>
-        <p:spPr/>
+        <p:spPr>
+          <a:xfrm>
+            <a:off x="3124200" y="4767263"/>
+            <a:ext cx="2895600" cy="273844"/>
+          </a:xfrm>
+          <a:prstGeom prst="rect">
+            <a:avLst/>
+          </a:prstGeom>
+        </p:spPr>
         <p:txBody>
           <a:bodyPr/>
           <a:lstStyle/>
@@ -2293,7 +2493,15 @@
             <p:ph type="sldNum" sz="quarter" idx="12"/>
           </p:nvPr>
         </p:nvSpPr>
-        <p:spPr/>
+        <p:spPr>
+          <a:xfrm>
+            <a:off x="6553200" y="4767263"/>
+            <a:ext cx="2133600" cy="273844"/>
+          </a:xfrm>
+          <a:prstGeom prst="rect">
+            <a:avLst/>
+          </a:prstGeom>
+        </p:spPr>
         <p:txBody>
           <a:bodyPr/>
           <a:lstStyle/>
@@ -2526,7 +2734,15 @@
             <p:ph type="dt" sz="half" idx="10"/>
           </p:nvPr>
         </p:nvSpPr>
-        <p:spPr/>
+        <p:spPr>
+          <a:xfrm>
+            <a:off x="457200" y="4767263"/>
+            <a:ext cx="2133600" cy="273844"/>
+          </a:xfrm>
+          <a:prstGeom prst="rect">
+            <a:avLst/>
+          </a:prstGeom>
+        </p:spPr>
         <p:txBody>
           <a:bodyPr/>
           <a:lstStyle/>
@@ -2549,7 +2765,15 @@
             <p:ph type="ftr" sz="quarter" idx="11"/>
           </p:nvPr>
         </p:nvSpPr>
-        <p:spPr/>
+        <p:spPr>
+          <a:xfrm>
+            <a:off x="3124200" y="4767263"/>
+            <a:ext cx="2895600" cy="273844"/>
+          </a:xfrm>
+          <a:prstGeom prst="rect">
+            <a:avLst/>
+          </a:prstGeom>
+        </p:spPr>
         <p:txBody>
           <a:bodyPr/>
           <a:lstStyle/>
@@ -2568,7 +2792,15 @@
             <p:ph type="sldNum" sz="quarter" idx="12"/>
           </p:nvPr>
         </p:nvSpPr>
-        <p:spPr/>
+        <p:spPr>
+          <a:xfrm>
+            <a:off x="6553200" y="4767263"/>
+            <a:ext cx="2133600" cy="273844"/>
+          </a:xfrm>
+          <a:prstGeom prst="rect">
+            <a:avLst/>
+          </a:prstGeom>
+        </p:spPr>
         <p:txBody>
           <a:bodyPr/>
           <a:lstStyle/>
@@ -2778,7 +3010,15 @@
             <p:ph type="dt" sz="half" idx="10"/>
           </p:nvPr>
         </p:nvSpPr>
-        <p:spPr/>
+        <p:spPr>
+          <a:xfrm>
+            <a:off x="457200" y="4767263"/>
+            <a:ext cx="2133600" cy="273844"/>
+          </a:xfrm>
+          <a:prstGeom prst="rect">
+            <a:avLst/>
+          </a:prstGeom>
+        </p:spPr>
         <p:txBody>
           <a:bodyPr/>
           <a:lstStyle/>
@@ -2801,7 +3041,15 @@
             <p:ph type="ftr" sz="quarter" idx="11"/>
           </p:nvPr>
         </p:nvSpPr>
-        <p:spPr/>
+        <p:spPr>
+          <a:xfrm>
+            <a:off x="3124200" y="4767263"/>
+            <a:ext cx="2895600" cy="273844"/>
+          </a:xfrm>
+          <a:prstGeom prst="rect">
+            <a:avLst/>
+          </a:prstGeom>
+        </p:spPr>
         <p:txBody>
           <a:bodyPr/>
           <a:lstStyle/>
@@ -2820,7 +3068,15 @@
             <p:ph type="sldNum" sz="quarter" idx="12"/>
           </p:nvPr>
         </p:nvSpPr>
-        <p:spPr/>
+        <p:spPr>
+          <a:xfrm>
+            <a:off x="6553200" y="4767263"/>
+            <a:ext cx="2133600" cy="273844"/>
+          </a:xfrm>
+          <a:prstGeom prst="rect">
+            <a:avLst/>
+          </a:prstGeom>
+        </p:spPr>
         <p:txBody>
           <a:bodyPr/>
           <a:lstStyle/>
@@ -2881,7 +3137,7 @@
         <p:spPr>
           <a:xfrm>
             <a:off x="457200" y="205979"/>
-            <a:ext cx="8229600" cy="857250"/>
+            <a:ext cx="8229600" cy="716105"/>
           </a:xfrm>
           <a:prstGeom prst="rect">
             <a:avLst/>
@@ -2894,7 +3150,7 @@
           <a:lstStyle/>
           <a:p>
             <a:r>
-              <a:rPr lang="en-US"/>
+              <a:rPr dirty="0" lang="en-US"/>
               <a:t>Click to edit Master title style</a:t>
             </a:r>
           </a:p>
@@ -2912,8 +3168,8 @@
         </p:nvSpPr>
         <p:spPr>
           <a:xfrm>
-            <a:off x="457200" y="1200151"/>
-            <a:ext cx="8229600" cy="3394472"/>
+            <a:off x="457200" y="998924"/>
+            <a:ext cx="8229600" cy="3938597"/>
           </a:xfrm>
           <a:prstGeom prst="rect">
             <a:avLst/>
@@ -2927,156 +3183,37 @@
           <a:p>
             <a:pPr lvl="0"/>
             <a:r>
-              <a:rPr lang="en-US"/>
+              <a:rPr dirty="0" lang="en-US"/>
               <a:t>Click to edit Master text styles</a:t>
             </a:r>
           </a:p>
           <a:p>
             <a:pPr lvl="1"/>
             <a:r>
-              <a:rPr lang="en-US"/>
+              <a:rPr dirty="0" lang="en-US"/>
               <a:t>Second level</a:t>
             </a:r>
           </a:p>
           <a:p>
             <a:pPr lvl="2"/>
             <a:r>
-              <a:rPr lang="en-US"/>
+              <a:rPr dirty="0" lang="en-US"/>
               <a:t>Third level</a:t>
             </a:r>
           </a:p>
           <a:p>
             <a:pPr lvl="3"/>
             <a:r>
-              <a:rPr lang="en-US"/>
+              <a:rPr dirty="0" lang="en-US"/>
               <a:t>Fourth level</a:t>
             </a:r>
           </a:p>
           <a:p>
             <a:pPr lvl="4"/>
             <a:r>
-              <a:rPr lang="en-US"/>
+              <a:rPr dirty="0" lang="en-US"/>
               <a:t>Fifth level</a:t>
             </a:r>
-          </a:p>
-        </p:txBody>
-      </p:sp>
-      <p:sp>
-        <p:nvSpPr>
-          <p:cNvPr id="4" name="Date Placeholder 3"/>
-          <p:cNvSpPr>
-            <a:spLocks noGrp="1"/>
-          </p:cNvSpPr>
-          <p:nvPr>
-            <p:ph idx="2" sz="half" type="dt"/>
-          </p:nvPr>
-        </p:nvSpPr>
-        <p:spPr>
-          <a:xfrm>
-            <a:off x="457200" y="4767263"/>
-            <a:ext cx="2133600" cy="273844"/>
-          </a:xfrm>
-          <a:prstGeom prst="rect">
-            <a:avLst/>
-          </a:prstGeom>
-        </p:spPr>
-        <p:txBody>
-          <a:bodyPr anchor="ctr" bIns="45720" lIns="91440" rIns="91440" rtlCol="0" tIns="45720" vert="horz"/>
-          <a:lstStyle>
-            <a:lvl1pPr algn="l">
-              <a:defRPr sz="900">
-                <a:solidFill>
-                  <a:schemeClr val="tx1">
-                    <a:tint val="75000"/>
-                  </a:schemeClr>
-                </a:solidFill>
-              </a:defRPr>
-            </a:lvl1pPr>
-          </a:lstStyle>
-          <a:p>
-            <a:fld id="{241EB5C9-1307-BA42-ABA2-0BC069CD8E7F}" type="datetimeFigureOut">
-              <a:rPr lang="en-US" smtClean="0"/>
-              <a:t>1/11/25</a:t>
-            </a:fld>
-            <a:endParaRPr lang="en-US"/>
-          </a:p>
-        </p:txBody>
-      </p:sp>
-      <p:sp>
-        <p:nvSpPr>
-          <p:cNvPr id="5" name="Footer Placeholder 4"/>
-          <p:cNvSpPr>
-            <a:spLocks noGrp="1"/>
-          </p:cNvSpPr>
-          <p:nvPr>
-            <p:ph idx="3" sz="quarter" type="ftr"/>
-          </p:nvPr>
-        </p:nvSpPr>
-        <p:spPr>
-          <a:xfrm>
-            <a:off x="3124200" y="4767263"/>
-            <a:ext cx="2895600" cy="273844"/>
-          </a:xfrm>
-          <a:prstGeom prst="rect">
-            <a:avLst/>
-          </a:prstGeom>
-        </p:spPr>
-        <p:txBody>
-          <a:bodyPr anchor="ctr" bIns="45720" lIns="91440" rIns="91440" rtlCol="0" tIns="45720" vert="horz"/>
-          <a:lstStyle>
-            <a:lvl1pPr algn="ctr">
-              <a:defRPr sz="900">
-                <a:solidFill>
-                  <a:schemeClr val="tx1">
-                    <a:tint val="75000"/>
-                  </a:schemeClr>
-                </a:solidFill>
-              </a:defRPr>
-            </a:lvl1pPr>
-          </a:lstStyle>
-          <a:p>
-            <a:endParaRPr lang="en-US"/>
-          </a:p>
-        </p:txBody>
-      </p:sp>
-      <p:sp>
-        <p:nvSpPr>
-          <p:cNvPr id="6" name="Slide Number Placeholder 5"/>
-          <p:cNvSpPr>
-            <a:spLocks noGrp="1"/>
-          </p:cNvSpPr>
-          <p:nvPr>
-            <p:ph idx="4" sz="quarter" type="sldNum"/>
-          </p:nvPr>
-        </p:nvSpPr>
-        <p:spPr>
-          <a:xfrm>
-            <a:off x="6553200" y="4767263"/>
-            <a:ext cx="2133600" cy="273844"/>
-          </a:xfrm>
-          <a:prstGeom prst="rect">
-            <a:avLst/>
-          </a:prstGeom>
-        </p:spPr>
-        <p:txBody>
-          <a:bodyPr anchor="ctr" bIns="45720" lIns="91440" rIns="91440" rtlCol="0" tIns="45720" vert="horz"/>
-          <a:lstStyle>
-            <a:lvl1pPr algn="r">
-              <a:defRPr sz="900">
-                <a:solidFill>
-                  <a:schemeClr val="tx1">
-                    <a:tint val="75000"/>
-                  </a:schemeClr>
-                </a:solidFill>
-              </a:defRPr>
-            </a:lvl1pPr>
-          </a:lstStyle>
-          <a:p>
-            <a:fld id="{C5EF2332-01BF-834F-8236-50238282D533}" type="slidenum">
-              <a:rPr lang="en-US" smtClean="0"/>
-              <a:t>‹#›</a:t>
-            </a:fld>
-            <a:endParaRPr lang="en-US"/>
           </a:p>
         </p:txBody>
       </p:sp>
@@ -3109,11 +3246,11 @@
           <a:spcPct val="0"/>
         </a:spcBef>
         <a:buNone/>
-        <a:defRPr kern="1200" sz="3300">
+        <a:defRPr baseline="0" kern="1200" sz="3300">
           <a:solidFill>
             <a:schemeClr val="tx1"/>
           </a:solidFill>
-          <a:latin typeface="+mj-lt"/>
+          <a:latin charset="0" panose="020F0502020204030203" pitchFamily="34" typeface="Lato Semibold"/>
           <a:ea typeface="+mj-ea"/>
           <a:cs typeface="+mj-cs"/>
         </a:defRPr>
@@ -3126,11 +3263,11 @@
         </a:spcBef>
         <a:buFont typeface="Arial"/>
         <a:buChar char="•"/>
-        <a:defRPr kern="1200" sz="2400">
+        <a:defRPr baseline="0" kern="1200" sz="2400">
           <a:solidFill>
             <a:schemeClr val="tx1"/>
           </a:solidFill>
-          <a:latin typeface="+mn-lt"/>
+          <a:latin charset="0" panose="020F0502020204030203" pitchFamily="34" typeface="Lato Medium"/>
           <a:ea typeface="+mn-ea"/>
           <a:cs typeface="+mn-cs"/>
         </a:defRPr>
@@ -3141,11 +3278,11 @@
         </a:spcBef>
         <a:buFont typeface="Arial"/>
         <a:buChar char="–"/>
-        <a:defRPr kern="1200" sz="2100">
+        <a:defRPr baseline="0" kern="1200" sz="2100">
           <a:solidFill>
             <a:schemeClr val="tx1"/>
           </a:solidFill>
-          <a:latin typeface="+mn-lt"/>
+          <a:latin charset="0" panose="020F0502020204030203" pitchFamily="34" typeface="Lato Medium"/>
           <a:ea typeface="+mn-ea"/>
           <a:cs typeface="+mn-cs"/>
         </a:defRPr>
@@ -3802,7 +3939,7 @@
         <p:spPr>
           <a:xfrm>
             <a:off x="284309" y="205979"/>
-            <a:ext cx="8552330" cy="857250"/>
+            <a:ext cx="8552330" cy="662317"/>
           </a:xfrm>
         </p:spPr>
         <p:txBody>
@@ -4500,7 +4637,7 @@
         <p:spPr>
           <a:xfrm>
             <a:off x="284309" y="205979"/>
-            <a:ext cx="8552330" cy="857250"/>
+            <a:ext cx="8552330" cy="662317"/>
           </a:xfrm>
         </p:spPr>
         <p:txBody>
@@ -4621,7 +4758,7 @@
         <p:spPr>
           <a:xfrm>
             <a:off x="284309" y="205979"/>
-            <a:ext cx="8552330" cy="857250"/>
+            <a:ext cx="8552330" cy="662317"/>
           </a:xfrm>
         </p:spPr>
         <p:txBody>
@@ -4831,7 +4968,7 @@
         <p:spPr>
           <a:xfrm>
             <a:off x="284309" y="205979"/>
-            <a:ext cx="8552330" cy="857250"/>
+            <a:ext cx="8552330" cy="662317"/>
           </a:xfrm>
         </p:spPr>
         <p:txBody>
@@ -4943,7 +5080,7 @@
         <p:spPr>
           <a:xfrm>
             <a:off x="284309" y="205979"/>
-            <a:ext cx="8552330" cy="857250"/>
+            <a:ext cx="8552330" cy="662317"/>
           </a:xfrm>
         </p:spPr>
         <p:txBody>
@@ -5062,7 +5199,7 @@
         <p:spPr>
           <a:xfrm>
             <a:off x="284309" y="205979"/>
-            <a:ext cx="8552330" cy="857250"/>
+            <a:ext cx="8552330" cy="662317"/>
           </a:xfrm>
         </p:spPr>
         <p:txBody>
@@ -5090,8 +5227,8 @@
           </p:nvPr>
         </p:nvGraphicFramePr>
         <p:xfrm>
-          <a:off x="279400" y="1193800"/>
-          <a:ext cx="8547100" cy="3225800"/>
+          <a:off x="279400" y="952500"/>
+          <a:ext cx="8547100" cy="3467100"/>
         </p:xfrm>
         <a:graphic>
           <a:graphicData uri="http://schemas.openxmlformats.org/drawingml/2006/table">
@@ -5311,7 +5448,7 @@
         <p:spPr>
           <a:xfrm>
             <a:off x="284309" y="205979"/>
-            <a:ext cx="8552330" cy="857250"/>
+            <a:ext cx="8552330" cy="662317"/>
           </a:xfrm>
         </p:spPr>
         <p:txBody>
@@ -5407,7 +5544,7 @@
         <p:spPr>
           <a:xfrm>
             <a:off x="284309" y="205979"/>
-            <a:ext cx="8552330" cy="857250"/>
+            <a:ext cx="8552330" cy="662317"/>
           </a:xfrm>
         </p:spPr>
         <p:txBody>
@@ -5502,7 +5639,7 @@
         <p:spPr>
           <a:xfrm>
             <a:off x="284309" y="205979"/>
-            <a:ext cx="8552330" cy="857250"/>
+            <a:ext cx="8552330" cy="662317"/>
           </a:xfrm>
         </p:spPr>
         <p:txBody>
@@ -5592,7 +5729,7 @@
         <p:spPr>
           <a:xfrm>
             <a:off x="284309" y="205979"/>
-            <a:ext cx="8552330" cy="857250"/>
+            <a:ext cx="8552330" cy="662317"/>
           </a:xfrm>
         </p:spPr>
         <p:txBody>
@@ -5695,7 +5832,7 @@
         <p:spPr>
           <a:xfrm>
             <a:off x="284309" y="205979"/>
-            <a:ext cx="8552330" cy="857250"/>
+            <a:ext cx="8552330" cy="662317"/>
           </a:xfrm>
         </p:spPr>
         <p:txBody>
@@ -5758,7 +5895,7 @@
             <a:pPr lvl="1"/>
             <a:r>
               <a:rPr/>
-              <a:t>American Lung Assn fredomfromsmoking.org</a:t>
+              <a:t>American Lung Assn www.freddomfromsmoking.org</a:t>
             </a:r>
           </a:p>
           <a:p>
@@ -5805,7 +5942,7 @@
         <p:spPr>
           <a:xfrm>
             <a:off x="284309" y="205979"/>
-            <a:ext cx="8552330" cy="857250"/>
+            <a:ext cx="8552330" cy="662317"/>
           </a:xfrm>
         </p:spPr>
         <p:txBody>
@@ -6013,7 +6150,7 @@
         <p:spPr>
           <a:xfrm>
             <a:off x="284309" y="205979"/>
-            <a:ext cx="8552330" cy="857250"/>
+            <a:ext cx="8552330" cy="662317"/>
           </a:xfrm>
         </p:spPr>
         <p:txBody>
@@ -6116,7 +6253,7 @@
         <p:spPr>
           <a:xfrm>
             <a:off x="284309" y="205979"/>
-            <a:ext cx="8552330" cy="857250"/>
+            <a:ext cx="8552330" cy="662317"/>
           </a:xfrm>
         </p:spPr>
         <p:txBody>
@@ -6219,7 +6356,7 @@
         <p:spPr>
           <a:xfrm>
             <a:off x="284309" y="205979"/>
-            <a:ext cx="8552330" cy="857250"/>
+            <a:ext cx="8552330" cy="662317"/>
           </a:xfrm>
         </p:spPr>
         <p:txBody>
@@ -6322,7 +6459,7 @@
         <p:spPr>
           <a:xfrm>
             <a:off x="284309" y="205979"/>
-            <a:ext cx="8552330" cy="857250"/>
+            <a:ext cx="8552330" cy="662317"/>
           </a:xfrm>
         </p:spPr>
         <p:txBody>
@@ -6425,7 +6562,7 @@
         <p:spPr>
           <a:xfrm>
             <a:off x="284309" y="205979"/>
-            <a:ext cx="8552330" cy="857250"/>
+            <a:ext cx="8552330" cy="662317"/>
           </a:xfrm>
         </p:spPr>
         <p:txBody>
@@ -6535,7 +6672,7 @@
         <p:spPr>
           <a:xfrm>
             <a:off x="284309" y="205979"/>
-            <a:ext cx="8552330" cy="857250"/>
+            <a:ext cx="8552330" cy="662317"/>
           </a:xfrm>
         </p:spPr>
         <p:txBody>
@@ -6649,7 +6786,7 @@
         <p:spPr>
           <a:xfrm>
             <a:off x="284309" y="205979"/>
-            <a:ext cx="8552330" cy="857250"/>
+            <a:ext cx="8552330" cy="662317"/>
           </a:xfrm>
         </p:spPr>
         <p:txBody>
@@ -6754,7 +6891,7 @@
         <p:spPr>
           <a:xfrm>
             <a:off x="284309" y="205979"/>
-            <a:ext cx="8552330" cy="857250"/>
+            <a:ext cx="8552330" cy="662317"/>
           </a:xfrm>
         </p:spPr>
         <p:txBody>
@@ -6982,7 +7119,7 @@
         <p:spPr>
           <a:xfrm>
             <a:off x="284309" y="205979"/>
-            <a:ext cx="8552330" cy="857250"/>
+            <a:ext cx="8552330" cy="662317"/>
           </a:xfrm>
         </p:spPr>
         <p:txBody>
@@ -7200,7 +7337,7 @@
         <p:spPr>
           <a:xfrm>
             <a:off x="284309" y="205979"/>
-            <a:ext cx="8552330" cy="857250"/>
+            <a:ext cx="8552330" cy="662317"/>
           </a:xfrm>
         </p:spPr>
         <p:txBody>
@@ -7332,7 +7469,7 @@
         <p:spPr>
           <a:xfrm>
             <a:off x="284309" y="205979"/>
-            <a:ext cx="8552330" cy="857250"/>
+            <a:ext cx="8552330" cy="662317"/>
           </a:xfrm>
         </p:spPr>
         <p:txBody>
@@ -7457,7 +7594,7 @@
         <p:spPr>
           <a:xfrm>
             <a:off x="284309" y="205979"/>
-            <a:ext cx="8552330" cy="857250"/>
+            <a:ext cx="8552330" cy="662317"/>
           </a:xfrm>
         </p:spPr>
         <p:txBody>
@@ -7558,7 +7695,7 @@
         <p:spPr>
           <a:xfrm>
             <a:off x="284309" y="205979"/>
-            <a:ext cx="8552330" cy="857250"/>
+            <a:ext cx="8552330" cy="662317"/>
           </a:xfrm>
         </p:spPr>
         <p:txBody>
@@ -7684,7 +7821,7 @@
         <p:spPr>
           <a:xfrm>
             <a:off x="284309" y="205979"/>
-            <a:ext cx="8552330" cy="857250"/>
+            <a:ext cx="8552330" cy="662317"/>
           </a:xfrm>
         </p:spPr>
         <p:txBody>
@@ -7811,7 +7948,7 @@
             <p:spPr>
               <a:xfrm>
                 <a:off x="284309" y="205979"/>
-                <a:ext cx="8552330" cy="857250"/>
+                <a:ext cx="8552330" cy="662317"/>
               </a:xfrm>
             </p:spPr>
             <p:txBody>
@@ -7948,7 +8085,7 @@
         <p:spPr>
           <a:xfrm>
             <a:off x="284309" y="205979"/>
-            <a:ext cx="8552330" cy="857250"/>
+            <a:ext cx="8552330" cy="662317"/>
           </a:xfrm>
         </p:spPr>
         <p:txBody>
@@ -8072,7 +8209,7 @@
         <p:spPr>
           <a:xfrm>
             <a:off x="284309" y="205979"/>
-            <a:ext cx="8552330" cy="857250"/>
+            <a:ext cx="8552330" cy="662317"/>
           </a:xfrm>
         </p:spPr>
         <p:txBody>
@@ -8195,7 +8332,7 @@
         <p:spPr>
           <a:xfrm>
             <a:off x="284309" y="205979"/>
-            <a:ext cx="8552330" cy="857250"/>
+            <a:ext cx="8552330" cy="662317"/>
           </a:xfrm>
         </p:spPr>
         <p:txBody>
@@ -8295,7 +8432,7 @@
         <p:spPr>
           <a:xfrm>
             <a:off x="284309" y="205979"/>
-            <a:ext cx="8552330" cy="857250"/>
+            <a:ext cx="8552330" cy="662317"/>
           </a:xfrm>
         </p:spPr>
         <p:txBody>
@@ -8500,7 +8637,7 @@
         <p:spPr>
           <a:xfrm>
             <a:off x="284309" y="205979"/>
-            <a:ext cx="8552330" cy="857250"/>
+            <a:ext cx="8552330" cy="662317"/>
           </a:xfrm>
         </p:spPr>
         <p:txBody>
@@ -8621,7 +8758,7 @@
         <p:spPr>
           <a:xfrm>
             <a:off x="284309" y="205979"/>
-            <a:ext cx="8552330" cy="857250"/>
+            <a:ext cx="8552330" cy="662317"/>
           </a:xfrm>
         </p:spPr>
         <p:txBody>
@@ -8875,7 +9012,7 @@
         <p:spPr>
           <a:xfrm>
             <a:off x="284309" y="205979"/>
-            <a:ext cx="8552330" cy="857250"/>
+            <a:ext cx="8552330" cy="662317"/>
           </a:xfrm>
         </p:spPr>
         <p:txBody>
@@ -9000,7 +9137,7 @@
         <p:spPr>
           <a:xfrm>
             <a:off x="284309" y="205979"/>
-            <a:ext cx="8552330" cy="857250"/>
+            <a:ext cx="8552330" cy="662317"/>
           </a:xfrm>
         </p:spPr>
         <p:txBody>
@@ -9107,7 +9244,7 @@
         <p:spPr>
           <a:xfrm>
             <a:off x="284309" y="205979"/>
-            <a:ext cx="8552330" cy="857250"/>
+            <a:ext cx="8552330" cy="662317"/>
           </a:xfrm>
         </p:spPr>
         <p:txBody>
@@ -9193,7 +9330,7 @@
         <p:spPr>
           <a:xfrm>
             <a:off x="284309" y="205979"/>
-            <a:ext cx="8552330" cy="857250"/>
+            <a:ext cx="8552330" cy="662317"/>
           </a:xfrm>
         </p:spPr>
         <p:txBody>
@@ -9291,7 +9428,7 @@
         <p:spPr>
           <a:xfrm>
             <a:off x="284309" y="205979"/>
-            <a:ext cx="8552330" cy="857250"/>
+            <a:ext cx="8552330" cy="662317"/>
           </a:xfrm>
         </p:spPr>
         <p:txBody>
@@ -9389,7 +9526,7 @@
         <p:spPr>
           <a:xfrm>
             <a:off x="284309" y="205979"/>
-            <a:ext cx="8552330" cy="857250"/>
+            <a:ext cx="8552330" cy="662317"/>
           </a:xfrm>
         </p:spPr>
         <p:txBody>
@@ -9475,7 +9612,7 @@
         <p:spPr>
           <a:xfrm>
             <a:off x="284309" y="205979"/>
-            <a:ext cx="8552330" cy="857250"/>
+            <a:ext cx="8552330" cy="662317"/>
           </a:xfrm>
         </p:spPr>
         <p:txBody>

--- a/lci_surgery.pptx
+++ b/lci_surgery.pptx
@@ -3762,7 +3762,7 @@
             </a:pPr>
             <a:r>
               <a:rPr/>
-              <a:t>For those patients, we need to remove the whole esophagus</a:t>
+              <a:t>For those patients, we need to remove the whole esophagus, including the portion in the neck.</a:t>
             </a:r>
           </a:p>
         </p:txBody>
@@ -4674,7 +4674,7 @@
             </a:pPr>
             <a:r>
               <a:rPr/>
-              <a:t>There are several ways to help prevent pneumonia after surgery:</a:t>
+              <a:t>Several ways to help prevent pneumonia after surgery:</a:t>
             </a:r>
           </a:p>
           <a:p>
@@ -4795,14 +4795,14 @@
             </a:pPr>
             <a:r>
               <a:rPr/>
-              <a:t>Surgery for esophageal cancer is generally performed in several situations:</a:t>
-            </a:r>
-          </a:p>
-          <a:p>
-            <a:pPr lvl="0"/>
-            <a:r>
-              <a:rPr/>
-              <a:t>Superficial Tumors (T1) that can’t be completely removed by endoscopy</a:t>
+              <a:t>Surgery for esophageal cancer is performed in several situations:</a:t>
+            </a:r>
+          </a:p>
+          <a:p>
+            <a:pPr lvl="0"/>
+            <a:r>
+              <a:rPr/>
+              <a:t>Superficial Tumors (T1) not completely removed by endoscopy</a:t>
             </a:r>
           </a:p>
           <a:p>
@@ -4816,7 +4816,7 @@
             <a:pPr lvl="0"/>
             <a:r>
               <a:rPr/>
-              <a:t>Locally Advanced Tumors (T3 or N+) after preoperative therapy.</a:t>
+              <a:t>Locally Advanced (T3) after preoperative therapy.</a:t>
             </a:r>
           </a:p>
         </p:txBody>
@@ -6192,14 +6192,22 @@
             <a:pPr lvl="0"/>
             <a:r>
               <a:rPr/>
-              <a:t>Medicines with a sip of water (or black coffee) but no cream.</a:t>
-            </a:r>
-          </a:p>
-          <a:p>
-            <a:pPr lvl="0"/>
-            <a:r>
-              <a:rPr/>
-              <a:t>Surgery will be cancelled if you have cream/milk in the am.</a:t>
+              <a:t>Medicines w/ a sip of water (or black coffee) but </a:t>
+            </a:r>
+            <a:r>
+              <a:rPr b="1"/>
+              <a:t>no cream</a:t>
+            </a:r>
+            <a:r>
+              <a:rPr/>
+              <a:t>.</a:t>
+            </a:r>
+          </a:p>
+          <a:p>
+            <a:pPr lvl="0"/>
+            <a:r>
+              <a:rPr/>
+              <a:t>Surgery will be cancelled if you have cream/milk</a:t>
             </a:r>
           </a:p>
           <a:p>
@@ -7234,7 +7242,7 @@
             </a:pPr>
             <a:r>
               <a:rPr/>
-              <a:t>Resection</a:t>
+              <a:t>Ivor Lewis (Transthoracic) Esophagectomy</a:t>
             </a:r>
           </a:p>
         </p:txBody>
@@ -7254,20 +7262,31 @@
           <a:bodyPr/>
           <a:lstStyle/>
           <a:p>
-            <a:pPr lvl="0" indent="0" marL="0">
-              <a:buNone/>
-            </a:pPr>
-            <a:r>
-              <a:rPr/>
-              <a:t>The </a:t>
-            </a:r>
-            <a:r>
-              <a:rPr i="1"/>
-              <a:t>Ivor Lewis</a:t>
-            </a:r>
-            <a:r>
-              <a:rPr/>
-              <a:t> esophagectomy, shown here, removes the lower 2/3 of the esophagus, the tumor, and the surrounding lymph nodes.</a:t>
+            <a:pPr lvl="0"/>
+            <a:r>
+              <a:rPr/>
+              <a:t>Removes tumor</a:t>
+            </a:r>
+          </a:p>
+          <a:p>
+            <a:pPr lvl="0"/>
+            <a:r>
+              <a:rPr/>
+              <a:t>Removes lower 1/3 of esophagus</a:t>
+            </a:r>
+          </a:p>
+          <a:p>
+            <a:pPr lvl="0"/>
+            <a:r>
+              <a:rPr/>
+              <a:t>Removes surrounding lymph nodes</a:t>
+            </a:r>
+          </a:p>
+          <a:p>
+            <a:pPr lvl="0"/>
+            <a:r>
+              <a:rPr/>
+              <a:t>Reconstruction of GI tract</a:t>
             </a:r>
           </a:p>
         </p:txBody>
@@ -8803,7 +8822,7 @@
                 <a:pPr lvl="0"/>
                 <a:r>
                   <a:rPr/>
-                  <a:t>Used around the time of surgery to prevent rapid heart rate</a:t>
+                  <a:t>Used prevent rapid heart rate</a:t>
                 </a:r>
               </a:p>
               <a:p>
@@ -8831,7 +8850,7 @@
                 <a:pPr lvl="0"/>
                 <a:r>
                   <a:rPr/>
-                  <a:t>Patients taking a beta blocker prior to surgery </a:t>
+                  <a:t>Patients taking a beta blockerprior to surgery </a:t>
                 </a:r>
                 <a14:m>
                   <m:oMath xmlns:m="http://schemas.openxmlformats.org/officeDocument/2006/math">

--- a/lci_surgery.pptx
+++ b/lci_surgery.pptx
@@ -64,6 +64,9 @@
     <p:sldId id="312" r:id="rId58"/>
     <p:sldId id="313" r:id="rId59"/>
     <p:sldId id="314" r:id="rId60"/>
+    <p:sldId id="315" r:id="rId61"/>
+    <p:sldId id="316" r:id="rId62"/>
+    <p:sldId id="317" r:id="rId63"/>
   </p:sldIdLst>
   <p:sldSz cx="9144000" cy="5143500" type="screen16x9"/>
   <p:notesSz cx="6858000" cy="9144000"/>
@@ -3938,20 +3941,20 @@
         </p:nvSpPr>
         <p:spPr>
           <a:xfrm>
-            <a:off x="284309" y="205979"/>
-            <a:ext cx="8552330" cy="662317"/>
-          </a:xfrm>
-        </p:spPr>
-        <p:txBody>
-          <a:bodyPr/>
-          <a:lstStyle/>
-          <a:p>
-            <a:pPr lvl="0" indent="0" marL="0">
-              <a:buNone/>
-            </a:pPr>
-            <a:r>
-              <a:rPr/>
-              <a:t>Risks of Surgery</a:t>
+            <a:off x="315045" y="205979"/>
+            <a:ext cx="8529278" cy="857250"/>
+          </a:xfrm>
+        </p:spPr>
+        <p:txBody>
+          <a:bodyPr/>
+          <a:lstStyle/>
+          <a:p>
+            <a:pPr lvl="0" indent="0" marL="0">
+              <a:buNone/>
+            </a:pPr>
+            <a:r>
+              <a:rPr/>
+              <a:t>Colon Interposition</a:t>
             </a:r>
           </a:p>
         </p:txBody>
@@ -3963,7 +3966,7 @@
             <a:spLocks noGrp="1"/>
           </p:cNvSpPr>
           <p:nvPr>
-            <p:ph idx="1"/>
+            <p:ph idx="1" sz="half"/>
           </p:nvPr>
         </p:nvSpPr>
         <p:spPr/>
@@ -3976,25 +3979,41 @@
             </a:pPr>
             <a:r>
               <a:rPr/>
-              <a:t>An esophagectomy is a substantial operation, and in some cases there can be postoperative complications. We’re going to talk about two of these complications and what you can do to reduce your risk of complications:</a:t>
-            </a:r>
-          </a:p>
-          <a:p>
-            <a:pPr lvl="0"/>
-            <a:r>
-              <a:rPr/>
-              <a:t>Anastomotic leak</a:t>
-            </a:r>
-          </a:p>
-          <a:p>
-            <a:pPr lvl="0"/>
-            <a:r>
-              <a:rPr/>
-              <a:t>Pneumonia</a:t>
-            </a:r>
-          </a:p>
-        </p:txBody>
-      </p:sp>
+              <a:t>If the stomach is not suitable to make a new esophagus, the colon can be used to replace the esophagus</a:t>
+            </a:r>
+          </a:p>
+        </p:txBody>
+      </p:sp>
+      <p:pic>
+        <p:nvPicPr>
+          <p:cNvPr descr="https://deidt7p41jzcy.cloudfront.net/colon-interposition2.jpg" id="0" name="Picture 1"/>
+          <p:cNvPicPr>
+            <a:picLocks noGrp="1" noChangeAspect="1"/>
+          </p:cNvPicPr>
+          <p:nvPr/>
+        </p:nvPicPr>
+        <p:blipFill>
+          <a:blip r:embed="rId2"/>
+          <a:stretch>
+            <a:fillRect/>
+          </a:stretch>
+        </p:blipFill>
+        <p:spPr bwMode="auto">
+          <a:xfrm>
+            <a:off x="5041900" y="1193800"/>
+            <a:ext cx="3378200" cy="3733800"/>
+          </a:xfrm>
+          <a:prstGeom prst="rect">
+            <a:avLst/>
+          </a:prstGeom>
+          <a:noFill/>
+          <a:ln w="9525">
+            <a:noFill/>
+            <a:headEnd/>
+            <a:tailEnd/>
+          </a:ln>
+        </p:spPr>
+      </p:pic>
     </p:spTree>
   </p:cSld>
 </p:sld>
@@ -4029,52 +4048,27 @@
         </p:nvSpPr>
         <p:spPr>
           <a:xfrm>
-            <a:off x="315045" y="205979"/>
-            <a:ext cx="8529278" cy="857250"/>
-          </a:xfrm>
-        </p:spPr>
-        <p:txBody>
-          <a:bodyPr/>
-          <a:lstStyle/>
-          <a:p>
-            <a:pPr lvl="0" indent="0" marL="0">
-              <a:buNone/>
-            </a:pPr>
-            <a:r>
-              <a:rPr/>
-              <a:t>Anastomotic Leak</a:t>
-            </a:r>
-          </a:p>
-        </p:txBody>
-      </p:sp>
-      <p:sp>
-        <p:nvSpPr>
-          <p:cNvPr id="3" name="Content Placeholder 2"/>
-          <p:cNvSpPr>
-            <a:spLocks noGrp="1"/>
-          </p:cNvSpPr>
-          <p:nvPr>
-            <p:ph idx="1" sz="half"/>
-          </p:nvPr>
-        </p:nvSpPr>
-        <p:spPr/>
-        <p:txBody>
-          <a:bodyPr/>
-          <a:lstStyle/>
-          <a:p>
-            <a:pPr lvl="0" indent="0" marL="0">
-              <a:buNone/>
-            </a:pPr>
-            <a:r>
-              <a:rPr/>
-              <a:t>The anastomosis is surgical connection between the esophagus and the stomach.</a:t>
+            <a:off x="284309" y="205979"/>
+            <a:ext cx="8552330" cy="662317"/>
+          </a:xfrm>
+        </p:spPr>
+        <p:txBody>
+          <a:bodyPr/>
+          <a:lstStyle/>
+          <a:p>
+            <a:pPr lvl="0" indent="0" marL="0">
+              <a:buNone/>
+            </a:pPr>
+            <a:r>
+              <a:rPr/>
+              <a:t>Colon Interposition</a:t>
             </a:r>
           </a:p>
         </p:txBody>
       </p:sp>
       <p:pic>
         <p:nvPicPr>
-          <p:cNvPr descr="https://deidt7p41jzcy.cloudfront.net/Eso_IvorLewis_Anastomosis.png" id="0" name="Picture 1"/>
+          <p:cNvPr descr="https://deidt7p41jzcy.cloudfront.net/colon_interposition_elseiver.jpg" id="0" name="Picture 1"/>
           <p:cNvPicPr>
             <a:picLocks noGrp="1" noChangeAspect="1"/>
           </p:cNvPicPr>
@@ -4088,8 +4082,8 @@
         </p:blipFill>
         <p:spPr bwMode="auto">
           <a:xfrm>
-            <a:off x="4914900" y="1193800"/>
-            <a:ext cx="3632200" cy="3733800"/>
+            <a:off x="1866900" y="952500"/>
+            <a:ext cx="5359400" cy="3975100"/>
           </a:xfrm>
           <a:prstGeom prst="rect">
             <a:avLst/>
@@ -4136,20 +4130,20 @@
         </p:nvSpPr>
         <p:spPr>
           <a:xfrm>
-            <a:off x="315045" y="205979"/>
-            <a:ext cx="8529278" cy="857250"/>
-          </a:xfrm>
-        </p:spPr>
-        <p:txBody>
-          <a:bodyPr/>
-          <a:lstStyle/>
-          <a:p>
-            <a:pPr lvl="0" indent="0" marL="0">
-              <a:buNone/>
-            </a:pPr>
-            <a:r>
-              <a:rPr/>
-              <a:t>Anastomotic Leak</a:t>
+            <a:off x="284309" y="205979"/>
+            <a:ext cx="8552330" cy="662317"/>
+          </a:xfrm>
+        </p:spPr>
+        <p:txBody>
+          <a:bodyPr/>
+          <a:lstStyle/>
+          <a:p>
+            <a:pPr lvl="0" indent="0" marL="0">
+              <a:buNone/>
+            </a:pPr>
+            <a:r>
+              <a:rPr/>
+              <a:t>Risks of Surgery</a:t>
             </a:r>
           </a:p>
         </p:txBody>
@@ -4161,7 +4155,7 @@
             <a:spLocks noGrp="1"/>
           </p:cNvSpPr>
           <p:nvPr>
-            <p:ph idx="1" sz="half"/>
+            <p:ph idx="1"/>
           </p:nvPr>
         </p:nvSpPr>
         <p:spPr/>
@@ -4174,62 +4168,25 @@
             </a:pPr>
             <a:r>
               <a:rPr/>
-              <a:t>If anastomosis does not heal properly:</a:t>
-            </a:r>
-          </a:p>
-          <a:p>
-            <a:pPr lvl="0"/>
-            <a:r>
-              <a:rPr/>
-              <a:t>Leakage of fluid from the esophagus</a:t>
-            </a:r>
-          </a:p>
-          <a:p>
-            <a:pPr lvl="0"/>
-            <a:r>
-              <a:rPr/>
-              <a:t>Infection in the space between the lungs</a:t>
-            </a:r>
-          </a:p>
-          <a:p>
-            <a:pPr lvl="0"/>
-            <a:r>
-              <a:rPr/>
-              <a:t>Requires additional time in the hospital</a:t>
-            </a:r>
-          </a:p>
-        </p:txBody>
-      </p:sp>
-      <p:pic>
-        <p:nvPicPr>
-          <p:cNvPr descr="https://deidt7p41jzcy.cloudfront.net/Eso_IvorLewis_Leak.png" id="0" name="Picture 1"/>
-          <p:cNvPicPr>
-            <a:picLocks noGrp="1" noChangeAspect="1"/>
-          </p:cNvPicPr>
-          <p:nvPr/>
-        </p:nvPicPr>
-        <p:blipFill>
-          <a:blip r:embed="rId2"/>
-          <a:stretch>
-            <a:fillRect/>
-          </a:stretch>
-        </p:blipFill>
-        <p:spPr bwMode="auto">
-          <a:xfrm>
-            <a:off x="4914900" y="1193800"/>
-            <a:ext cx="3632200" cy="3733800"/>
-          </a:xfrm>
-          <a:prstGeom prst="rect">
-            <a:avLst/>
-          </a:prstGeom>
-          <a:noFill/>
-          <a:ln w="9525">
-            <a:noFill/>
-            <a:headEnd/>
-            <a:tailEnd/>
-          </a:ln>
-        </p:spPr>
-      </p:pic>
+              <a:t>An esophagectomy is a substantial operation, and in some cases there can be postoperative complications. We’re going to talk about two of these complications and what you can do to reduce your risk of complications:</a:t>
+            </a:r>
+          </a:p>
+          <a:p>
+            <a:pPr lvl="0"/>
+            <a:r>
+              <a:rPr/>
+              <a:t>Anastomotic leak</a:t>
+            </a:r>
+          </a:p>
+          <a:p>
+            <a:pPr lvl="0"/>
+            <a:r>
+              <a:rPr/>
+              <a:t>Pneumonia</a:t>
+            </a:r>
+          </a:p>
+        </p:txBody>
+      </p:sp>
     </p:spTree>
   </p:cSld>
 </p:sld>
@@ -4302,35 +4259,14 @@
             </a:pPr>
             <a:r>
               <a:rPr/>
-              <a:t>If an anastomotic leak does occur:</a:t>
-            </a:r>
-          </a:p>
-          <a:p>
-            <a:pPr lvl="0"/>
-            <a:r>
-              <a:rPr/>
-              <a:t>Some leaks will seal on their own</a:t>
-            </a:r>
-          </a:p>
-          <a:p>
-            <a:pPr lvl="0"/>
-            <a:r>
-              <a:rPr/>
-              <a:t>A stent may be required to help healing</a:t>
-            </a:r>
-          </a:p>
-          <a:p>
-            <a:pPr lvl="0"/>
-            <a:r>
-              <a:rPr/>
-              <a:t>Occasionally additional surgey is required</a:t>
+              <a:t>The anastomosis is surgical connection between the esophagus and the stomach.</a:t>
             </a:r>
           </a:p>
         </p:txBody>
       </p:sp>
       <p:pic>
         <p:nvPicPr>
-          <p:cNvPr descr="https://deidt7p41jzcy.cloudfront.net/Eso_IvorLewis_Leak.png" id="0" name="Picture 1"/>
+          <p:cNvPr descr="https://deidt7p41jzcy.cloudfront.net/Eso_IvorLewis_Anastomosis.png" id="0" name="Picture 1"/>
           <p:cNvPicPr>
             <a:picLocks noGrp="1" noChangeAspect="1"/>
           </p:cNvPicPr>
@@ -4430,28 +4366,28 @@
             </a:pPr>
             <a:r>
               <a:rPr/>
-              <a:t>Risk of a leak depends upon:</a:t>
-            </a:r>
-          </a:p>
-          <a:p>
-            <a:pPr lvl="0"/>
-            <a:r>
-              <a:rPr/>
-              <a:t>Type of operation performed</a:t>
-            </a:r>
-          </a:p>
-          <a:p>
-            <a:pPr lvl="0"/>
-            <a:r>
-              <a:rPr/>
-              <a:t>Overall nutritional status of patient</a:t>
-            </a:r>
-          </a:p>
-          <a:p>
-            <a:pPr lvl="0"/>
-            <a:r>
-              <a:rPr/>
-              <a:t>Experience of the surgeon</a:t>
+              <a:t>If anastomosis does not heal properly:</a:t>
+            </a:r>
+          </a:p>
+          <a:p>
+            <a:pPr lvl="0"/>
+            <a:r>
+              <a:rPr/>
+              <a:t>Leakage of fluid from the esophagus</a:t>
+            </a:r>
+          </a:p>
+          <a:p>
+            <a:pPr lvl="0"/>
+            <a:r>
+              <a:rPr/>
+              <a:t>Infection in the space between the lungs</a:t>
+            </a:r>
+          </a:p>
+          <a:p>
+            <a:pPr lvl="0"/>
+            <a:r>
+              <a:rPr/>
+              <a:t>Requires additional time in the hospital</a:t>
             </a:r>
           </a:p>
         </p:txBody>
@@ -4533,7 +4469,7 @@
             </a:pPr>
             <a:r>
               <a:rPr/>
-              <a:t>Pneumonia</a:t>
+              <a:t>Anastomotic Leak</a:t>
             </a:r>
           </a:p>
         </p:txBody>
@@ -4558,23 +4494,35 @@
             </a:pPr>
             <a:r>
               <a:rPr/>
-              <a:t>Pneumonia can occurs in about 10-15% of patients after esophagectomy.</a:t>
-            </a:r>
-          </a:p>
-          <a:p>
-            <a:pPr lvl="0" indent="0" marL="0">
-              <a:buNone/>
-            </a:pPr>
-            <a:r>
-              <a:rPr/>
-              <a:t>Pneumonia requires treatment with antibiotics and frequently requires a longer hospitalization.</a:t>
+              <a:t>If an anastomotic leak does occur:</a:t>
+            </a:r>
+          </a:p>
+          <a:p>
+            <a:pPr lvl="0"/>
+            <a:r>
+              <a:rPr/>
+              <a:t>Some leaks will seal on their own</a:t>
+            </a:r>
+          </a:p>
+          <a:p>
+            <a:pPr lvl="0"/>
+            <a:r>
+              <a:rPr/>
+              <a:t>A stent may be required to help healing</a:t>
+            </a:r>
+          </a:p>
+          <a:p>
+            <a:pPr lvl="0"/>
+            <a:r>
+              <a:rPr/>
+              <a:t>Occasionally additional surgey is required</a:t>
             </a:r>
           </a:p>
         </p:txBody>
       </p:sp>
       <p:pic>
         <p:nvPicPr>
-          <p:cNvPr descr="https://deidt7p41jzcy.cloudfront.net/Eso_LungsArtboard.png" id="0" name="Picture 1"/>
+          <p:cNvPr descr="https://deidt7p41jzcy.cloudfront.net/Eso_IvorLewis_Leak.png" id="0" name="Picture 1"/>
           <p:cNvPicPr>
             <a:picLocks noGrp="1" noChangeAspect="1"/>
           </p:cNvPicPr>
@@ -4636,20 +4584,20 @@
         </p:nvSpPr>
         <p:spPr>
           <a:xfrm>
-            <a:off x="284309" y="205979"/>
-            <a:ext cx="8552330" cy="662317"/>
-          </a:xfrm>
-        </p:spPr>
-        <p:txBody>
-          <a:bodyPr/>
-          <a:lstStyle/>
-          <a:p>
-            <a:pPr lvl="0" indent="0" marL="0">
-              <a:buNone/>
-            </a:pPr>
-            <a:r>
-              <a:rPr/>
-              <a:t>Preventing Pneumonia</a:t>
+            <a:off x="315045" y="205979"/>
+            <a:ext cx="8529278" cy="857250"/>
+          </a:xfrm>
+        </p:spPr>
+        <p:txBody>
+          <a:bodyPr/>
+          <a:lstStyle/>
+          <a:p>
+            <a:pPr lvl="0" indent="0" marL="0">
+              <a:buNone/>
+            </a:pPr>
+            <a:r>
+              <a:rPr/>
+              <a:t>Anastomotic Leak</a:t>
             </a:r>
           </a:p>
         </p:txBody>
@@ -4661,7 +4609,7 @@
             <a:spLocks noGrp="1"/>
           </p:cNvSpPr>
           <p:nvPr>
-            <p:ph idx="1"/>
+            <p:ph idx="1" sz="half"/>
           </p:nvPr>
         </p:nvSpPr>
         <p:spPr/>
@@ -4674,55 +4622,62 @@
             </a:pPr>
             <a:r>
               <a:rPr/>
-              <a:t>Several ways to help prevent pneumonia after surgery:</a:t>
-            </a:r>
-          </a:p>
-          <a:p>
-            <a:pPr lvl="0"/>
-            <a:r>
-              <a:rPr/>
-              <a:t>Deep breathing</a:t>
-            </a:r>
-          </a:p>
-          <a:p>
-            <a:pPr lvl="0"/>
-            <a:r>
-              <a:rPr/>
-              <a:t>Coughing</a:t>
-            </a:r>
-          </a:p>
-          <a:p>
-            <a:pPr lvl="0"/>
-            <a:r>
-              <a:rPr/>
-              <a:t>Walking</a:t>
-            </a:r>
-          </a:p>
-          <a:p>
-            <a:pPr lvl="0" indent="0" marL="0">
-              <a:buNone/>
-            </a:pPr>
-            <a:r>
-              <a:rPr/>
-              <a:t>After surgery, this means:</a:t>
-            </a:r>
-          </a:p>
-          <a:p>
-            <a:pPr lvl="0"/>
-            <a:r>
-              <a:rPr/>
-              <a:t>Sitting in a chair most of the day</a:t>
-            </a:r>
-          </a:p>
-          <a:p>
-            <a:pPr lvl="0"/>
-            <a:r>
-              <a:rPr/>
-              <a:t>Walking in the halls as soon as possible</a:t>
-            </a:r>
-          </a:p>
-        </p:txBody>
-      </p:sp>
+              <a:t>Risk of a leak depends upon:</a:t>
+            </a:r>
+          </a:p>
+          <a:p>
+            <a:pPr lvl="0"/>
+            <a:r>
+              <a:rPr/>
+              <a:t>Type of operation performed</a:t>
+            </a:r>
+          </a:p>
+          <a:p>
+            <a:pPr lvl="0"/>
+            <a:r>
+              <a:rPr/>
+              <a:t>Overall nutritional status of patient</a:t>
+            </a:r>
+          </a:p>
+          <a:p>
+            <a:pPr lvl="0"/>
+            <a:r>
+              <a:rPr/>
+              <a:t>Experience of the surgeon</a:t>
+            </a:r>
+          </a:p>
+        </p:txBody>
+      </p:sp>
+      <p:pic>
+        <p:nvPicPr>
+          <p:cNvPr descr="https://deidt7p41jzcy.cloudfront.net/Eso_IvorLewis_Leak.png" id="0" name="Picture 1"/>
+          <p:cNvPicPr>
+            <a:picLocks noGrp="1" noChangeAspect="1"/>
+          </p:cNvPicPr>
+          <p:nvPr/>
+        </p:nvPicPr>
+        <p:blipFill>
+          <a:blip r:embed="rId2"/>
+          <a:stretch>
+            <a:fillRect/>
+          </a:stretch>
+        </p:blipFill>
+        <p:spPr bwMode="auto">
+          <a:xfrm>
+            <a:off x="4914900" y="1193800"/>
+            <a:ext cx="3632200" cy="3733800"/>
+          </a:xfrm>
+          <a:prstGeom prst="rect">
+            <a:avLst/>
+          </a:prstGeom>
+          <a:noFill/>
+          <a:ln w="9525">
+            <a:noFill/>
+            <a:headEnd/>
+            <a:tailEnd/>
+          </a:ln>
+        </p:spPr>
+      </p:pic>
     </p:spTree>
   </p:cSld>
 </p:sld>
@@ -4868,14 +4823,48 @@
             </a:pPr>
             <a:r>
               <a:rPr/>
-              <a:t>Minimally-invasive Esophagectomy</a:t>
+              <a:t>Pneumonia</a:t>
+            </a:r>
+          </a:p>
+        </p:txBody>
+      </p:sp>
+      <p:sp>
+        <p:nvSpPr>
+          <p:cNvPr id="3" name="Content Placeholder 2"/>
+          <p:cNvSpPr>
+            <a:spLocks noGrp="1"/>
+          </p:cNvSpPr>
+          <p:nvPr>
+            <p:ph idx="1" sz="half"/>
+          </p:nvPr>
+        </p:nvSpPr>
+        <p:spPr/>
+        <p:txBody>
+          <a:bodyPr/>
+          <a:lstStyle/>
+          <a:p>
+            <a:pPr lvl="0" indent="0" marL="0">
+              <a:buNone/>
+            </a:pPr>
+            <a:r>
+              <a:rPr/>
+              <a:t>Pneumonia can occurs in about 10-15% of patients after esophagectomy.</a:t>
+            </a:r>
+          </a:p>
+          <a:p>
+            <a:pPr lvl="0" indent="0" marL="0">
+              <a:buNone/>
+            </a:pPr>
+            <a:r>
+              <a:rPr/>
+              <a:t>Pneumonia requires treatment with antibiotics and frequently requires a longer hospitalization.</a:t>
             </a:r>
           </a:p>
         </p:txBody>
       </p:sp>
       <p:pic>
         <p:nvPicPr>
-          <p:cNvPr descr="https://deidt7p41jzcy.cloudfront.net/mie_abd.png" id="0" name="Picture 1"/>
+          <p:cNvPr descr="https://deidt7p41jzcy.cloudfront.net/Eso_LungsArtboard.png" id="0" name="Picture 1"/>
           <p:cNvPicPr>
             <a:picLocks noGrp="1" noChangeAspect="1"/>
           </p:cNvPicPr>
@@ -4889,38 +4878,8 @@
         </p:blipFill>
         <p:spPr bwMode="auto">
           <a:xfrm>
-            <a:off x="304800" y="1498600"/>
-            <a:ext cx="4178300" cy="3136900"/>
-          </a:xfrm>
-          <a:prstGeom prst="rect">
-            <a:avLst/>
-          </a:prstGeom>
-          <a:noFill/>
-          <a:ln w="9525">
-            <a:noFill/>
-            <a:headEnd/>
-            <a:tailEnd/>
-          </a:ln>
-        </p:spPr>
-      </p:pic>
-      <p:pic>
-        <p:nvPicPr>
-          <p:cNvPr descr="https://deidt7p41jzcy.cloudfront.net/mie_chest.png" id="0" name="Picture 1"/>
-          <p:cNvPicPr>
-            <a:picLocks noGrp="1" noChangeAspect="1"/>
-          </p:cNvPicPr>
-          <p:nvPr/>
-        </p:nvPicPr>
-        <p:blipFill>
-          <a:blip r:embed="rId3"/>
-          <a:stretch>
-            <a:fillRect/>
-          </a:stretch>
-        </p:blipFill>
-        <p:spPr bwMode="auto">
-          <a:xfrm>
-            <a:off x="4635500" y="1485900"/>
-            <a:ext cx="4191000" cy="3149600"/>
+            <a:off x="4914900" y="1193800"/>
+            <a:ext cx="3632200" cy="3733800"/>
           </a:xfrm>
           <a:prstGeom prst="rect">
             <a:avLst/>
@@ -4980,7 +4939,7 @@
             </a:pPr>
             <a:r>
               <a:rPr/>
-              <a:t>Risks of Surgery</a:t>
+              <a:t>Preventing Pneumonia</a:t>
             </a:r>
           </a:p>
         </p:txBody>
@@ -5005,42 +4964,51 @@
             </a:pPr>
             <a:r>
               <a:rPr/>
-              <a:t>Risks related to anesthesia</a:t>
-            </a:r>
-          </a:p>
-          <a:p>
-            <a:pPr lvl="0"/>
-            <a:r>
-              <a:rPr/>
-              <a:t>Heart attack (5%)</a:t>
-            </a:r>
-          </a:p>
-          <a:p>
-            <a:pPr lvl="0"/>
-            <a:r>
-              <a:rPr/>
-              <a:t>Irregular heart rhythm (15%)</a:t>
-            </a:r>
-          </a:p>
-          <a:p>
-            <a:pPr lvl="0"/>
-            <a:r>
-              <a:rPr/>
-              <a:t>Pneumonia (10%)</a:t>
-            </a:r>
-          </a:p>
-          <a:p>
-            <a:pPr lvl="0"/>
-            <a:r>
-              <a:rPr/>
-              <a:t>Blood clots in legs (&lt;5%)</a:t>
-            </a:r>
-          </a:p>
-          <a:p>
-            <a:pPr lvl="0"/>
-            <a:r>
-              <a:rPr/>
-              <a:t>Pulmonary embolism (2%)</a:t>
+              <a:t>Several ways to help prevent pneumonia after surgery:</a:t>
+            </a:r>
+          </a:p>
+          <a:p>
+            <a:pPr lvl="0"/>
+            <a:r>
+              <a:rPr/>
+              <a:t>Deep breathing</a:t>
+            </a:r>
+          </a:p>
+          <a:p>
+            <a:pPr lvl="0"/>
+            <a:r>
+              <a:rPr/>
+              <a:t>Coughing</a:t>
+            </a:r>
+          </a:p>
+          <a:p>
+            <a:pPr lvl="0"/>
+            <a:r>
+              <a:rPr/>
+              <a:t>Walking</a:t>
+            </a:r>
+          </a:p>
+          <a:p>
+            <a:pPr lvl="0" indent="0" marL="0">
+              <a:buNone/>
+            </a:pPr>
+            <a:r>
+              <a:rPr/>
+              <a:t>After surgery, this means:</a:t>
+            </a:r>
+          </a:p>
+          <a:p>
+            <a:pPr lvl="0"/>
+            <a:r>
+              <a:rPr/>
+              <a:t>Sitting in a chair most of the day</a:t>
+            </a:r>
+          </a:p>
+          <a:p>
+            <a:pPr lvl="0"/>
+            <a:r>
+              <a:rPr/>
+              <a:t>Walking in the halls as soon as possible</a:t>
             </a:r>
           </a:p>
         </p:txBody>
@@ -5079,97 +5047,321 @@
         </p:nvSpPr>
         <p:spPr>
           <a:xfrm>
-            <a:off x="284309" y="205979"/>
-            <a:ext cx="8552330" cy="662317"/>
-          </a:xfrm>
-        </p:spPr>
-        <p:txBody>
-          <a:bodyPr/>
-          <a:lstStyle/>
-          <a:p>
-            <a:pPr lvl="0" indent="0" marL="0">
-              <a:buNone/>
-            </a:pPr>
-            <a:r>
-              <a:rPr/>
-              <a:t>Risks of Surgery</a:t>
-            </a:r>
-          </a:p>
-        </p:txBody>
-      </p:sp>
-      <p:sp>
-        <p:nvSpPr>
-          <p:cNvPr id="3" name="Content Placeholder 2"/>
-          <p:cNvSpPr>
-            <a:spLocks noGrp="1"/>
-          </p:cNvSpPr>
-          <p:nvPr>
-            <p:ph idx="1"/>
-          </p:nvPr>
-        </p:nvSpPr>
-        <p:spPr/>
-        <p:txBody>
-          <a:bodyPr/>
-          <a:lstStyle/>
-          <a:p>
-            <a:pPr lvl="0" indent="0" marL="0">
-              <a:buNone/>
-            </a:pPr>
-            <a:r>
-              <a:rPr/>
-              <a:t>Risks related to Surgery</a:t>
-            </a:r>
-          </a:p>
-          <a:p>
-            <a:pPr lvl="0"/>
-            <a:r>
-              <a:rPr/>
-              <a:t>Anastomotic leak (5%)</a:t>
-            </a:r>
-          </a:p>
-          <a:p>
-            <a:pPr lvl="0"/>
-            <a:r>
-              <a:rPr/>
-              <a:t>Stricture at anastomosis (15%)</a:t>
-            </a:r>
-          </a:p>
-          <a:p>
-            <a:pPr lvl="0"/>
-            <a:r>
-              <a:rPr/>
-              <a:t>Death within 90 days of surgery</a:t>
-            </a:r>
-          </a:p>
-          <a:p>
-            <a:pPr lvl="1"/>
-            <a:r>
-              <a:rPr/>
-              <a:t>Low risk patients = 2%</a:t>
-            </a:r>
-          </a:p>
-          <a:p>
-            <a:pPr lvl="1"/>
-            <a:r>
-              <a:rPr/>
-              <a:t>Intermediate risk = 10%</a:t>
-            </a:r>
-          </a:p>
-          <a:p>
-            <a:pPr lvl="1"/>
-            <a:r>
-              <a:rPr/>
-              <a:t>High risk = 30%</a:t>
-            </a:r>
-          </a:p>
-        </p:txBody>
-      </p:sp>
+            <a:off x="315045" y="205979"/>
+            <a:ext cx="8529278" cy="857250"/>
+          </a:xfrm>
+        </p:spPr>
+        <p:txBody>
+          <a:bodyPr/>
+          <a:lstStyle/>
+          <a:p>
+            <a:pPr lvl="0" indent="0" marL="0">
+              <a:buNone/>
+            </a:pPr>
+            <a:r>
+              <a:rPr/>
+              <a:t>Minimally-invasive Esophagectomy</a:t>
+            </a:r>
+          </a:p>
+        </p:txBody>
+      </p:sp>
+      <p:pic>
+        <p:nvPicPr>
+          <p:cNvPr descr="https://deidt7p41jzcy.cloudfront.net/mie_abd.png" id="0" name="Picture 1"/>
+          <p:cNvPicPr>
+            <a:picLocks noGrp="1" noChangeAspect="1"/>
+          </p:cNvPicPr>
+          <p:nvPr/>
+        </p:nvPicPr>
+        <p:blipFill>
+          <a:blip r:embed="rId2"/>
+          <a:stretch>
+            <a:fillRect/>
+          </a:stretch>
+        </p:blipFill>
+        <p:spPr bwMode="auto">
+          <a:xfrm>
+            <a:off x="304800" y="1498600"/>
+            <a:ext cx="4178300" cy="3136900"/>
+          </a:xfrm>
+          <a:prstGeom prst="rect">
+            <a:avLst/>
+          </a:prstGeom>
+          <a:noFill/>
+          <a:ln w="9525">
+            <a:noFill/>
+            <a:headEnd/>
+            <a:tailEnd/>
+          </a:ln>
+        </p:spPr>
+      </p:pic>
+      <p:pic>
+        <p:nvPicPr>
+          <p:cNvPr descr="https://deidt7p41jzcy.cloudfront.net/mie_chest.png" id="0" name="Picture 1"/>
+          <p:cNvPicPr>
+            <a:picLocks noGrp="1" noChangeAspect="1"/>
+          </p:cNvPicPr>
+          <p:nvPr/>
+        </p:nvPicPr>
+        <p:blipFill>
+          <a:blip r:embed="rId3"/>
+          <a:stretch>
+            <a:fillRect/>
+          </a:stretch>
+        </p:blipFill>
+        <p:spPr bwMode="auto">
+          <a:xfrm>
+            <a:off x="4635500" y="1485900"/>
+            <a:ext cx="4191000" cy="3149600"/>
+          </a:xfrm>
+          <a:prstGeom prst="rect">
+            <a:avLst/>
+          </a:prstGeom>
+          <a:noFill/>
+          <a:ln w="9525">
+            <a:noFill/>
+            <a:headEnd/>
+            <a:tailEnd/>
+          </a:ln>
+        </p:spPr>
+      </p:pic>
     </p:spTree>
   </p:cSld>
 </p:sld>
 </file>
 
 <file path=ppt/slides/slide23.xml><?xml version="1.0" encoding="utf-8"?>
+<p:sld xmlns:a="http://schemas.openxmlformats.org/drawingml/2006/main" xmlns:r="http://schemas.openxmlformats.org/officeDocument/2006/relationships" xmlns:p="http://schemas.openxmlformats.org/presentationml/2006/main">
+  <p:cSld>
+    <p:spTree>
+      <p:nvGrpSpPr>
+        <p:cNvPr id="1" name=""/>
+        <p:cNvGrpSpPr/>
+        <p:nvPr/>
+      </p:nvGrpSpPr>
+      <p:grpSpPr>
+        <a:xfrm>
+          <a:off x="0" y="0"/>
+          <a:ext cx="0" cy="0"/>
+          <a:chOff x="0" y="0"/>
+          <a:chExt cx="0" cy="0"/>
+        </a:xfrm>
+      </p:grpSpPr>
+      <p:sp>
+        <p:nvSpPr>
+          <p:cNvPr id="2" name="Title 1"/>
+          <p:cNvSpPr>
+            <a:spLocks noGrp="1"/>
+          </p:cNvSpPr>
+          <p:nvPr>
+            <p:ph type="title"/>
+          </p:nvPr>
+        </p:nvSpPr>
+        <p:spPr>
+          <a:xfrm>
+            <a:off x="284309" y="205979"/>
+            <a:ext cx="8552330" cy="662317"/>
+          </a:xfrm>
+        </p:spPr>
+        <p:txBody>
+          <a:bodyPr/>
+          <a:lstStyle/>
+          <a:p>
+            <a:pPr lvl="0" indent="0" marL="0">
+              <a:buNone/>
+            </a:pPr>
+            <a:r>
+              <a:rPr/>
+              <a:t>Risks of Surgery</a:t>
+            </a:r>
+          </a:p>
+        </p:txBody>
+      </p:sp>
+      <p:sp>
+        <p:nvSpPr>
+          <p:cNvPr id="3" name="Content Placeholder 2"/>
+          <p:cNvSpPr>
+            <a:spLocks noGrp="1"/>
+          </p:cNvSpPr>
+          <p:nvPr>
+            <p:ph idx="1"/>
+          </p:nvPr>
+        </p:nvSpPr>
+        <p:spPr/>
+        <p:txBody>
+          <a:bodyPr/>
+          <a:lstStyle/>
+          <a:p>
+            <a:pPr lvl="0" indent="0" marL="0">
+              <a:buNone/>
+            </a:pPr>
+            <a:r>
+              <a:rPr/>
+              <a:t>Risks related to anesthesia</a:t>
+            </a:r>
+          </a:p>
+          <a:p>
+            <a:pPr lvl="0"/>
+            <a:r>
+              <a:rPr/>
+              <a:t>Heart attack (5%)</a:t>
+            </a:r>
+          </a:p>
+          <a:p>
+            <a:pPr lvl="0"/>
+            <a:r>
+              <a:rPr/>
+              <a:t>Irregular heart rhythm (15%)</a:t>
+            </a:r>
+          </a:p>
+          <a:p>
+            <a:pPr lvl="0"/>
+            <a:r>
+              <a:rPr/>
+              <a:t>Pneumonia (10%)</a:t>
+            </a:r>
+          </a:p>
+          <a:p>
+            <a:pPr lvl="0"/>
+            <a:r>
+              <a:rPr/>
+              <a:t>Blood clots in legs (&lt;5%)</a:t>
+            </a:r>
+          </a:p>
+          <a:p>
+            <a:pPr lvl="0"/>
+            <a:r>
+              <a:rPr/>
+              <a:t>Pulmonary embolism (2%)</a:t>
+            </a:r>
+          </a:p>
+        </p:txBody>
+      </p:sp>
+    </p:spTree>
+  </p:cSld>
+</p:sld>
+</file>
+
+<file path=ppt/slides/slide24.xml><?xml version="1.0" encoding="utf-8"?>
+<p:sld xmlns:a="http://schemas.openxmlformats.org/drawingml/2006/main" xmlns:r="http://schemas.openxmlformats.org/officeDocument/2006/relationships" xmlns:p="http://schemas.openxmlformats.org/presentationml/2006/main">
+  <p:cSld>
+    <p:spTree>
+      <p:nvGrpSpPr>
+        <p:cNvPr id="1" name=""/>
+        <p:cNvGrpSpPr/>
+        <p:nvPr/>
+      </p:nvGrpSpPr>
+      <p:grpSpPr>
+        <a:xfrm>
+          <a:off x="0" y="0"/>
+          <a:ext cx="0" cy="0"/>
+          <a:chOff x="0" y="0"/>
+          <a:chExt cx="0" cy="0"/>
+        </a:xfrm>
+      </p:grpSpPr>
+      <p:sp>
+        <p:nvSpPr>
+          <p:cNvPr id="2" name="Title 1"/>
+          <p:cNvSpPr>
+            <a:spLocks noGrp="1"/>
+          </p:cNvSpPr>
+          <p:nvPr>
+            <p:ph type="title"/>
+          </p:nvPr>
+        </p:nvSpPr>
+        <p:spPr>
+          <a:xfrm>
+            <a:off x="284309" y="205979"/>
+            <a:ext cx="8552330" cy="662317"/>
+          </a:xfrm>
+        </p:spPr>
+        <p:txBody>
+          <a:bodyPr/>
+          <a:lstStyle/>
+          <a:p>
+            <a:pPr lvl="0" indent="0" marL="0">
+              <a:buNone/>
+            </a:pPr>
+            <a:r>
+              <a:rPr/>
+              <a:t>Risks of Surgery</a:t>
+            </a:r>
+          </a:p>
+        </p:txBody>
+      </p:sp>
+      <p:sp>
+        <p:nvSpPr>
+          <p:cNvPr id="3" name="Content Placeholder 2"/>
+          <p:cNvSpPr>
+            <a:spLocks noGrp="1"/>
+          </p:cNvSpPr>
+          <p:nvPr>
+            <p:ph idx="1"/>
+          </p:nvPr>
+        </p:nvSpPr>
+        <p:spPr/>
+        <p:txBody>
+          <a:bodyPr/>
+          <a:lstStyle/>
+          <a:p>
+            <a:pPr lvl="0" indent="0" marL="0">
+              <a:buNone/>
+            </a:pPr>
+            <a:r>
+              <a:rPr/>
+              <a:t>Risks related to Surgery</a:t>
+            </a:r>
+          </a:p>
+          <a:p>
+            <a:pPr lvl="0"/>
+            <a:r>
+              <a:rPr/>
+              <a:t>Anastomotic leak (5%)</a:t>
+            </a:r>
+          </a:p>
+          <a:p>
+            <a:pPr lvl="0"/>
+            <a:r>
+              <a:rPr/>
+              <a:t>Stricture at anastomosis (15%)</a:t>
+            </a:r>
+          </a:p>
+          <a:p>
+            <a:pPr lvl="0"/>
+            <a:r>
+              <a:rPr/>
+              <a:t>Death within 90 days of surgery</a:t>
+            </a:r>
+          </a:p>
+          <a:p>
+            <a:pPr lvl="1"/>
+            <a:r>
+              <a:rPr/>
+              <a:t>Low risk patients = 2%</a:t>
+            </a:r>
+          </a:p>
+          <a:p>
+            <a:pPr lvl="1"/>
+            <a:r>
+              <a:rPr/>
+              <a:t>Intermediate risk = 10%</a:t>
+            </a:r>
+          </a:p>
+          <a:p>
+            <a:pPr lvl="1"/>
+            <a:r>
+              <a:rPr/>
+              <a:t>High risk = 30%</a:t>
+            </a:r>
+          </a:p>
+        </p:txBody>
+      </p:sp>
+    </p:spTree>
+  </p:cSld>
+</p:sld>
+</file>
+
+<file path=ppt/slides/slide25.xml><?xml version="1.0" encoding="utf-8"?>
 <p:sld xmlns:a="http://schemas.openxmlformats.org/drawingml/2006/main" xmlns:r="http://schemas.openxmlformats.org/officeDocument/2006/relationships" xmlns:p="http://schemas.openxmlformats.org/presentationml/2006/main">
   <p:cSld>
     <p:spTree>
@@ -5418,197 +5610,6 @@
 </p:sld>
 </file>
 
-<file path=ppt/slides/slide24.xml><?xml version="1.0" encoding="utf-8"?>
-<p:sld xmlns:a="http://schemas.openxmlformats.org/drawingml/2006/main" xmlns:r="http://schemas.openxmlformats.org/officeDocument/2006/relationships" xmlns:p="http://schemas.openxmlformats.org/presentationml/2006/main">
-  <p:cSld>
-    <p:spTree>
-      <p:nvGrpSpPr>
-        <p:cNvPr id="1" name=""/>
-        <p:cNvGrpSpPr/>
-        <p:nvPr/>
-      </p:nvGrpSpPr>
-      <p:grpSpPr>
-        <a:xfrm>
-          <a:off x="0" y="0"/>
-          <a:ext cx="0" cy="0"/>
-          <a:chOff x="0" y="0"/>
-          <a:chExt cx="0" cy="0"/>
-        </a:xfrm>
-      </p:grpSpPr>
-      <p:sp>
-        <p:nvSpPr>
-          <p:cNvPr id="2" name="Title 1"/>
-          <p:cNvSpPr>
-            <a:spLocks noGrp="1"/>
-          </p:cNvSpPr>
-          <p:nvPr>
-            <p:ph type="title"/>
-          </p:nvPr>
-        </p:nvSpPr>
-        <p:spPr>
-          <a:xfrm>
-            <a:off x="284309" y="205979"/>
-            <a:ext cx="8552330" cy="662317"/>
-          </a:xfrm>
-        </p:spPr>
-        <p:txBody>
-          <a:bodyPr/>
-          <a:lstStyle/>
-          <a:p>
-            <a:pPr lvl="0" indent="0" marL="0">
-              <a:buNone/>
-            </a:pPr>
-            <a:r>
-              <a:rPr/>
-              <a:t>Preparing for Cancer Treatment</a:t>
-            </a:r>
-          </a:p>
-        </p:txBody>
-      </p:sp>
-      <p:sp>
-        <p:nvSpPr>
-          <p:cNvPr id="3" name="Content Placeholder 2"/>
-          <p:cNvSpPr>
-            <a:spLocks noGrp="1"/>
-          </p:cNvSpPr>
-          <p:nvPr>
-            <p:ph idx="1"/>
-          </p:nvPr>
-        </p:nvSpPr>
-        <p:spPr/>
-        <p:txBody>
-          <a:bodyPr/>
-          <a:lstStyle/>
-          <a:p>
-            <a:pPr lvl="0"/>
-            <a:r>
-              <a:rPr/>
-              <a:t>Primary Care Physician</a:t>
-            </a:r>
-          </a:p>
-          <a:p>
-            <a:pPr lvl="0"/>
-            <a:r>
-              <a:rPr/>
-              <a:t>MyAtrium Portal</a:t>
-            </a:r>
-          </a:p>
-          <a:p>
-            <a:pPr lvl="0"/>
-            <a:r>
-              <a:rPr/>
-              <a:t>Exercise</a:t>
-            </a:r>
-          </a:p>
-          <a:p>
-            <a:pPr lvl="0"/>
-            <a:r>
-              <a:rPr/>
-              <a:t>Smoking Cessation</a:t>
-            </a:r>
-          </a:p>
-        </p:txBody>
-      </p:sp>
-    </p:spTree>
-  </p:cSld>
-</p:sld>
-</file>
-
-<file path=ppt/slides/slide25.xml><?xml version="1.0" encoding="utf-8"?>
-<p:sld xmlns:a="http://schemas.openxmlformats.org/drawingml/2006/main" xmlns:r="http://schemas.openxmlformats.org/officeDocument/2006/relationships" xmlns:p="http://schemas.openxmlformats.org/presentationml/2006/main">
-  <p:cSld>
-    <p:spTree>
-      <p:nvGrpSpPr>
-        <p:cNvPr id="1" name=""/>
-        <p:cNvGrpSpPr/>
-        <p:nvPr/>
-      </p:nvGrpSpPr>
-      <p:grpSpPr>
-        <a:xfrm>
-          <a:off x="0" y="0"/>
-          <a:ext cx="0" cy="0"/>
-          <a:chOff x="0" y="0"/>
-          <a:chExt cx="0" cy="0"/>
-        </a:xfrm>
-      </p:grpSpPr>
-      <p:sp>
-        <p:nvSpPr>
-          <p:cNvPr id="2" name="Title 1"/>
-          <p:cNvSpPr>
-            <a:spLocks noGrp="1"/>
-          </p:cNvSpPr>
-          <p:nvPr>
-            <p:ph type="title"/>
-          </p:nvPr>
-        </p:nvSpPr>
-        <p:spPr>
-          <a:xfrm>
-            <a:off x="284309" y="205979"/>
-            <a:ext cx="8552330" cy="662317"/>
-          </a:xfrm>
-        </p:spPr>
-        <p:txBody>
-          <a:bodyPr/>
-          <a:lstStyle/>
-          <a:p>
-            <a:pPr lvl="0" indent="0" marL="0">
-              <a:buNone/>
-            </a:pPr>
-            <a:r>
-              <a:rPr/>
-              <a:t>Primary Care Practitioner (PCP)</a:t>
-            </a:r>
-          </a:p>
-        </p:txBody>
-      </p:sp>
-      <p:sp>
-        <p:nvSpPr>
-          <p:cNvPr id="3" name="Content Placeholder 2"/>
-          <p:cNvSpPr>
-            <a:spLocks noGrp="1"/>
-          </p:cNvSpPr>
-          <p:nvPr>
-            <p:ph idx="1"/>
-          </p:nvPr>
-        </p:nvSpPr>
-        <p:spPr/>
-        <p:txBody>
-          <a:bodyPr/>
-          <a:lstStyle/>
-          <a:p>
-            <a:pPr lvl="0" indent="0" marL="0">
-              <a:buNone/>
-            </a:pPr>
-            <a:r>
-              <a:rPr/>
-              <a:t>A PCP is critical to coordinate care between specialists.</a:t>
-            </a:r>
-          </a:p>
-          <a:p>
-            <a:pPr lvl="0" indent="0" marL="0">
-              <a:buNone/>
-            </a:pPr>
-            <a:r>
-              <a:rPr/>
-              <a:t>We will update your PCP after each visit</a:t>
-            </a:r>
-          </a:p>
-          <a:p>
-            <a:pPr lvl="0" indent="0" marL="0">
-              <a:buNone/>
-            </a:pPr>
-            <a:r>
-              <a:rPr/>
-              <a:t>Call our referral line at (844) 235-6998 if you need a PCP</a:t>
-            </a:r>
-          </a:p>
-        </p:txBody>
-      </p:sp>
-    </p:spTree>
-  </p:cSld>
-</p:sld>
-</file>
-
 <file path=ppt/slides/slide26.xml><?xml version="1.0" encoding="utf-8"?>
 <p:sld xmlns:a="http://schemas.openxmlformats.org/drawingml/2006/main" xmlns:r="http://schemas.openxmlformats.org/officeDocument/2006/relationships" xmlns:p="http://schemas.openxmlformats.org/presentationml/2006/main">
   <p:cSld>
@@ -5651,9 +5652,8 @@
             </a:pPr>
             <a:r>
               <a:rPr/>
-              <a:t>My Atrium Patient Portal</a:t>
-            </a:r>
-            <a:br/>
+              <a:t>Preparing for Cancer Treatment</a:t>
+            </a:r>
           </a:p>
         </p:txBody>
       </p:sp>
@@ -5675,21 +5675,28 @@
             <a:pPr lvl="0"/>
             <a:r>
               <a:rPr/>
-              <a:t>Critical to good communication with your care team</a:t>
-            </a:r>
-          </a:p>
-          <a:p>
-            <a:pPr lvl="0"/>
-            <a:r>
-              <a:rPr/>
-              <a:t>Available for desktop or laptop or phone</a:t>
-            </a:r>
-          </a:p>
-          <a:p>
-            <a:pPr lvl="0"/>
-            <a:r>
-              <a:rPr/>
-              <a:t>Sign up at my.atriumhealth.org</a:t>
+              <a:t>Primary Care Physician</a:t>
+            </a:r>
+          </a:p>
+          <a:p>
+            <a:pPr lvl="0"/>
+            <a:r>
+              <a:rPr/>
+              <a:t>MyAtrium Portal</a:t>
+            </a:r>
+          </a:p>
+          <a:p>
+            <a:pPr lvl="0"/>
+            <a:r>
+              <a:rPr/>
+              <a:t>Exercise</a:t>
+            </a:r>
+          </a:p>
+          <a:p>
+            <a:pPr lvl="0"/>
+            <a:r>
+              <a:rPr/>
+              <a:t>Smoking Cessation</a:t>
             </a:r>
           </a:p>
         </p:txBody>
@@ -5741,7 +5748,7 @@
             </a:pPr>
             <a:r>
               <a:rPr/>
-              <a:t>Exercise</a:t>
+              <a:t>Primary Care Practitioner (PCP)</a:t>
             </a:r>
           </a:p>
         </p:txBody>
@@ -5761,38 +5768,30 @@
           <a:bodyPr/>
           <a:lstStyle/>
           <a:p>
-            <a:pPr lvl="0"/>
-            <a:r>
-              <a:rPr/>
-              <a:t>Reduces risk of complications from treatment</a:t>
-            </a:r>
-          </a:p>
-          <a:p>
-            <a:pPr lvl="0"/>
-            <a:r>
-              <a:rPr/>
-              <a:t>Goal is 30min/day of vigorous exercise 6 days/week</a:t>
-            </a:r>
-          </a:p>
-          <a:p>
-            <a:pPr lvl="1"/>
-            <a:r>
-              <a:rPr/>
-              <a:t>Working hard enough that you can’t converse</a:t>
-            </a:r>
-          </a:p>
-          <a:p>
-            <a:pPr lvl="1"/>
-            <a:r>
-              <a:rPr/>
-              <a:t>Start slowly and build up</a:t>
-            </a:r>
-          </a:p>
-          <a:p>
-            <a:pPr lvl="1"/>
-            <a:r>
-              <a:rPr/>
-              <a:t>Every day counts! (Aim for some activity every day)</a:t>
+            <a:pPr lvl="0" indent="0" marL="0">
+              <a:buNone/>
+            </a:pPr>
+            <a:r>
+              <a:rPr/>
+              <a:t>A PCP is critical to coordinate care between specialists.</a:t>
+            </a:r>
+          </a:p>
+          <a:p>
+            <a:pPr lvl="0" indent="0" marL="0">
+              <a:buNone/>
+            </a:pPr>
+            <a:r>
+              <a:rPr/>
+              <a:t>We will update your PCP after each visit</a:t>
+            </a:r>
+          </a:p>
+          <a:p>
+            <a:pPr lvl="0" indent="0" marL="0">
+              <a:buNone/>
+            </a:pPr>
+            <a:r>
+              <a:rPr/>
+              <a:t>Call our referral line at (844) 235-6998 if you need a PCP</a:t>
             </a:r>
           </a:p>
         </p:txBody>
@@ -5844,8 +5843,9 @@
             </a:pPr>
             <a:r>
               <a:rPr/>
-              <a:t>Smoking Cessation</a:t>
-            </a:r>
+              <a:t>My Atrium Patient Portal</a:t>
+            </a:r>
+            <a:br/>
           </a:p>
         </p:txBody>
       </p:sp>
@@ -5867,42 +5867,21 @@
             <a:pPr lvl="0"/>
             <a:r>
               <a:rPr/>
-              <a:t>Smoking makes cancer treatment more difficult</a:t>
-            </a:r>
-          </a:p>
-          <a:p>
-            <a:pPr lvl="1"/>
-            <a:r>
-              <a:rPr/>
-              <a:t>Increases risk of complications after surgery</a:t>
-            </a:r>
-          </a:p>
-          <a:p>
-            <a:pPr lvl="0"/>
-            <a:r>
-              <a:rPr/>
-              <a:t>Options for help with smoking cessation:</a:t>
-            </a:r>
-          </a:p>
-          <a:p>
-            <a:pPr lvl="1"/>
-            <a:r>
-              <a:rPr/>
-              <a:t>NC Quit Line 1-800-QUIT-NOW (1-800-784-8669)</a:t>
-            </a:r>
-          </a:p>
-          <a:p>
-            <a:pPr lvl="1"/>
-            <a:r>
-              <a:rPr/>
-              <a:t>American Lung Assn www.freddomfromsmoking.org</a:t>
-            </a:r>
-          </a:p>
-          <a:p>
-            <a:pPr lvl="1"/>
-            <a:r>
-              <a:rPr/>
-              <a:t>Smoking Cessation Counseling (Metro Charlotte)</a:t>
+              <a:t>Critical to good communication with your care team</a:t>
+            </a:r>
+          </a:p>
+          <a:p>
+            <a:pPr lvl="0"/>
+            <a:r>
+              <a:rPr/>
+              <a:t>Available for desktop or laptop or phone</a:t>
+            </a:r>
+          </a:p>
+          <a:p>
+            <a:pPr lvl="0"/>
+            <a:r>
+              <a:rPr/>
+              <a:t>Sign up at my.atriumhealth.org</a:t>
             </a:r>
           </a:p>
         </p:txBody>
@@ -5954,7 +5933,7 @@
             </a:pPr>
             <a:r>
               <a:rPr/>
-              <a:t>Day Prior to Surgery</a:t>
+              <a:t>Exercise</a:t>
             </a:r>
           </a:p>
         </p:txBody>
@@ -5977,21 +5956,35 @@
             <a:pPr lvl="0"/>
             <a:r>
               <a:rPr/>
-              <a:t>Clear liquids for 24 hours prior to surgery</a:t>
-            </a:r>
-          </a:p>
-          <a:p>
-            <a:pPr lvl="0"/>
-            <a:r>
-              <a:rPr/>
-              <a:t>Check with Pre-op nurse regarding medicines day prior to surgery</a:t>
-            </a:r>
-          </a:p>
-          <a:p>
-            <a:pPr lvl="0"/>
-            <a:r>
-              <a:rPr/>
-              <a:t>No tube feedings the night before surgery</a:t>
+              <a:t>Reduces risk of complications from treatment</a:t>
+            </a:r>
+          </a:p>
+          <a:p>
+            <a:pPr lvl="0"/>
+            <a:r>
+              <a:rPr/>
+              <a:t>Goal is 30min/day of vigorous exercise 6 days/week</a:t>
+            </a:r>
+          </a:p>
+          <a:p>
+            <a:pPr lvl="1"/>
+            <a:r>
+              <a:rPr/>
+              <a:t>Working hard enough that you can’t converse</a:t>
+            </a:r>
+          </a:p>
+          <a:p>
+            <a:pPr lvl="1"/>
+            <a:r>
+              <a:rPr/>
+              <a:t>Start slowly and build up</a:t>
+            </a:r>
+          </a:p>
+          <a:p>
+            <a:pPr lvl="1"/>
+            <a:r>
+              <a:rPr/>
+              <a:t>Every day counts! (Aim for some activity every day)</a:t>
             </a:r>
           </a:p>
         </p:txBody>
@@ -6162,7 +6155,7 @@
             </a:pPr>
             <a:r>
               <a:rPr/>
-              <a:t>Day of Surgery</a:t>
+              <a:t>Smoking Cessation</a:t>
             </a:r>
           </a:p>
         </p:txBody>
@@ -6185,43 +6178,42 @@
             <a:pPr lvl="0"/>
             <a:r>
               <a:rPr/>
-              <a:t>Arrive at 5am – nothing to eat or drink after midnight.</a:t>
-            </a:r>
-          </a:p>
-          <a:p>
-            <a:pPr lvl="0"/>
-            <a:r>
-              <a:rPr/>
-              <a:t>Medicines w/ a sip of water (or black coffee) but </a:t>
-            </a:r>
-            <a:r>
-              <a:rPr b="1"/>
-              <a:t>no cream</a:t>
-            </a:r>
-            <a:r>
-              <a:rPr/>
-              <a:t>.</a:t>
-            </a:r>
-          </a:p>
-          <a:p>
-            <a:pPr lvl="0"/>
-            <a:r>
-              <a:rPr/>
-              <a:t>Surgery will be cancelled if you have cream/milk</a:t>
-            </a:r>
-          </a:p>
-          <a:p>
-            <a:pPr lvl="0"/>
-            <a:r>
-              <a:rPr/>
-              <a:t>Waiting room for family and friends on 5th floor</a:t>
-            </a:r>
-          </a:p>
-          <a:p>
-            <a:pPr lvl="0"/>
-            <a:r>
-              <a:rPr/>
-              <a:t>Post-operative care in STICU (11th floor)</a:t>
+              <a:t>Smoking makes cancer treatment more difficult</a:t>
+            </a:r>
+          </a:p>
+          <a:p>
+            <a:pPr lvl="1"/>
+            <a:r>
+              <a:rPr/>
+              <a:t>Increases risk of complications after surgery</a:t>
+            </a:r>
+          </a:p>
+          <a:p>
+            <a:pPr lvl="0"/>
+            <a:r>
+              <a:rPr/>
+              <a:t>Options for help with smoking cessation:</a:t>
+            </a:r>
+          </a:p>
+          <a:p>
+            <a:pPr lvl="1"/>
+            <a:r>
+              <a:rPr/>
+              <a:t>NC Quit Line 1-800-QUIT-NOW (1-800-784-8669)</a:t>
+            </a:r>
+          </a:p>
+          <a:p>
+            <a:pPr lvl="1"/>
+            <a:r>
+              <a:rPr/>
+              <a:t>American Lung Assn www.freddomfromsmoking.org</a:t>
+            </a:r>
+          </a:p>
+          <a:p>
+            <a:pPr lvl="1"/>
+            <a:r>
+              <a:rPr/>
+              <a:t>Smoking Cessation Counseling (Metro Charlotte)</a:t>
             </a:r>
           </a:p>
         </p:txBody>
@@ -6273,7 +6265,7 @@
             </a:pPr>
             <a:r>
               <a:rPr/>
-              <a:t>Epidural Catheter for Pain Control</a:t>
+              <a:t>Day Prior to Surgery</a:t>
             </a:r>
           </a:p>
         </p:txBody>
@@ -6296,35 +6288,21 @@
             <a:pPr lvl="0"/>
             <a:r>
               <a:rPr/>
-              <a:t>Remains in place for 2-5 days</a:t>
-            </a:r>
-          </a:p>
-          <a:p>
-            <a:pPr lvl="0"/>
-            <a:r>
-              <a:rPr/>
-              <a:t>Dosage can be adjusted as needed</a:t>
-            </a:r>
-          </a:p>
-          <a:p>
-            <a:pPr lvl="0"/>
-            <a:r>
-              <a:rPr/>
-              <a:t>Can make it more difficult to urinate</a:t>
-            </a:r>
-          </a:p>
-          <a:p>
-            <a:pPr lvl="0"/>
-            <a:r>
-              <a:rPr/>
-              <a:t>May require foley catheter in bladder</a:t>
-            </a:r>
-          </a:p>
-          <a:p>
-            <a:pPr lvl="0"/>
-            <a:r>
-              <a:rPr/>
-              <a:t>Foley catheter removed after epidural removed</a:t>
+              <a:t>Clear liquids for 24 hours prior to surgery</a:t>
+            </a:r>
+          </a:p>
+          <a:p>
+            <a:pPr lvl="0"/>
+            <a:r>
+              <a:rPr/>
+              <a:t>Check with Pre-op nurse regarding medicines day prior to surgery</a:t>
+            </a:r>
+          </a:p>
+          <a:p>
+            <a:pPr lvl="0"/>
+            <a:r>
+              <a:rPr/>
+              <a:t>No tube feedings the night before surgery</a:t>
             </a:r>
           </a:p>
         </p:txBody>
@@ -6376,7 +6354,7 @@
             </a:pPr>
             <a:r>
               <a:rPr/>
-              <a:t>ICU Stay (2-4 days)</a:t>
+              <a:t>Day of Surgery</a:t>
             </a:r>
           </a:p>
         </p:txBody>
@@ -6399,35 +6377,43 @@
             <a:pPr lvl="0"/>
             <a:r>
               <a:rPr/>
-              <a:t>NG tube in nose to drain stomach and esophagus</a:t>
-            </a:r>
-          </a:p>
-          <a:p>
-            <a:pPr lvl="0"/>
-            <a:r>
-              <a:rPr/>
-              <a:t>Catheter in bladder</a:t>
-            </a:r>
-          </a:p>
-          <a:p>
-            <a:pPr lvl="0"/>
-            <a:r>
-              <a:rPr/>
-              <a:t>Chest tube right chest</a:t>
-            </a:r>
-          </a:p>
-          <a:p>
-            <a:pPr lvl="0"/>
-            <a:r>
-              <a:rPr/>
-              <a:t>Abdominal drains (usually 2)</a:t>
-            </a:r>
-          </a:p>
-          <a:p>
-            <a:pPr lvl="0"/>
-            <a:r>
-              <a:rPr/>
-              <a:t>Feeding jejunostomy (usually stays in 8 wks)</a:t>
+              <a:t>Arrive at 5am – nothing to eat or drink after midnight.</a:t>
+            </a:r>
+          </a:p>
+          <a:p>
+            <a:pPr lvl="0"/>
+            <a:r>
+              <a:rPr/>
+              <a:t>Medicines w/ a sip of water (or black coffee) but </a:t>
+            </a:r>
+            <a:r>
+              <a:rPr b="1"/>
+              <a:t>no cream</a:t>
+            </a:r>
+            <a:r>
+              <a:rPr/>
+              <a:t>.</a:t>
+            </a:r>
+          </a:p>
+          <a:p>
+            <a:pPr lvl="0"/>
+            <a:r>
+              <a:rPr/>
+              <a:t>Surgery will be cancelled if you have cream/milk</a:t>
+            </a:r>
+          </a:p>
+          <a:p>
+            <a:pPr lvl="0"/>
+            <a:r>
+              <a:rPr/>
+              <a:t>Waiting room for family and friends on 5th floor</a:t>
+            </a:r>
+          </a:p>
+          <a:p>
+            <a:pPr lvl="0"/>
+            <a:r>
+              <a:rPr/>
+              <a:t>Post-operative care in STICU (11th floor)</a:t>
             </a:r>
           </a:p>
         </p:txBody>
@@ -6479,7 +6465,7 @@
             </a:pPr>
             <a:r>
               <a:rPr/>
-              <a:t>ICU</a:t>
+              <a:t>Epidural Catheter for Pain Control</a:t>
             </a:r>
           </a:p>
         </p:txBody>
@@ -6502,35 +6488,35 @@
             <a:pPr lvl="0"/>
             <a:r>
               <a:rPr/>
-              <a:t>Bladder catheter removed → check that bladder empties properly</a:t>
-            </a:r>
-          </a:p>
-          <a:p>
-            <a:pPr lvl="0"/>
-            <a:r>
-              <a:rPr/>
-              <a:t>Chest tube removed (day 2-4) → follow-up chest x-ray</a:t>
-            </a:r>
-          </a:p>
-          <a:p>
-            <a:pPr lvl="0"/>
-            <a:r>
-              <a:rPr/>
-              <a:t>Fluid emptied from drains every few hours</a:t>
-            </a:r>
-          </a:p>
-          <a:p>
-            <a:pPr lvl="0"/>
-            <a:r>
-              <a:rPr/>
-              <a:t>Start tube feedings by feeding</a:t>
-            </a:r>
-          </a:p>
-          <a:p>
-            <a:pPr lvl="0"/>
-            <a:r>
-              <a:rPr/>
-              <a:t>Feeding jejunostomy (stays in 8 weeks)</a:t>
+              <a:t>Remains in place for 2-5 days</a:t>
+            </a:r>
+          </a:p>
+          <a:p>
+            <a:pPr lvl="0"/>
+            <a:r>
+              <a:rPr/>
+              <a:t>Dosage can be adjusted as needed</a:t>
+            </a:r>
+          </a:p>
+          <a:p>
+            <a:pPr lvl="0"/>
+            <a:r>
+              <a:rPr/>
+              <a:t>Can make it more difficult to urinate</a:t>
+            </a:r>
+          </a:p>
+          <a:p>
+            <a:pPr lvl="0"/>
+            <a:r>
+              <a:rPr/>
+              <a:t>May require foley catheter in bladder</a:t>
+            </a:r>
+          </a:p>
+          <a:p>
+            <a:pPr lvl="0"/>
+            <a:r>
+              <a:rPr/>
+              <a:t>Foley catheter removed after epidural removed</a:t>
             </a:r>
           </a:p>
         </p:txBody>
@@ -6582,7 +6568,7 @@
             </a:pPr>
             <a:r>
               <a:rPr/>
-              <a:t>Ward - 6Tower</a:t>
+              <a:t>ICU Stay (2-4 days)</a:t>
             </a:r>
           </a:p>
         </p:txBody>
@@ -6605,42 +6591,35 @@
             <a:pPr lvl="0"/>
             <a:r>
               <a:rPr/>
-              <a:t>Jejunostomy feeds started</a:t>
-            </a:r>
-          </a:p>
-          <a:p>
-            <a:pPr lvl="0"/>
-            <a:r>
-              <a:rPr/>
-              <a:t>Up in a chair most of the day</a:t>
-            </a:r>
-          </a:p>
-          <a:p>
-            <a:pPr lvl="0"/>
-            <a:r>
-              <a:rPr/>
-              <a:t>Walking in the halls</a:t>
-            </a:r>
-          </a:p>
-          <a:p>
-            <a:pPr lvl="1"/>
-            <a:r>
-              <a:rPr/>
-              <a:t>Start with assistance</a:t>
-            </a:r>
-          </a:p>
-          <a:p>
-            <a:pPr lvl="1"/>
-            <a:r>
-              <a:rPr/>
-              <a:t>Improves lung function</a:t>
-            </a:r>
-          </a:p>
-          <a:p>
-            <a:pPr lvl="1"/>
-            <a:r>
-              <a:rPr/>
-              <a:t>Prevents loss of muscle strength</a:t>
+              <a:t>NG tube in nose to drain stomach and esophagus</a:t>
+            </a:r>
+          </a:p>
+          <a:p>
+            <a:pPr lvl="0"/>
+            <a:r>
+              <a:rPr/>
+              <a:t>Catheter in bladder</a:t>
+            </a:r>
+          </a:p>
+          <a:p>
+            <a:pPr lvl="0"/>
+            <a:r>
+              <a:rPr/>
+              <a:t>Chest tube right chest</a:t>
+            </a:r>
+          </a:p>
+          <a:p>
+            <a:pPr lvl="0"/>
+            <a:r>
+              <a:rPr/>
+              <a:t>Abdominal drains (usually 2)</a:t>
+            </a:r>
+          </a:p>
+          <a:p>
+            <a:pPr lvl="0"/>
+            <a:r>
+              <a:rPr/>
+              <a:t>Feeding jejunostomy (usually stays in 8 wks)</a:t>
             </a:r>
           </a:p>
         </p:txBody>
@@ -6692,7 +6671,7 @@
             </a:pPr>
             <a:r>
               <a:rPr/>
-              <a:t>Jejunostomy Feeds</a:t>
+              <a:t>ICU</a:t>
             </a:r>
           </a:p>
         </p:txBody>
@@ -6712,49 +6691,38 @@
           <a:bodyPr/>
           <a:lstStyle/>
           <a:p>
-            <a:pPr lvl="0" indent="0" marL="0">
-              <a:buNone/>
-            </a:pPr>
-            <a:r>
-              <a:rPr/>
-              <a:t>Jejunostomy tube feeds</a:t>
-            </a:r>
-          </a:p>
-          <a:p>
-            <a:pPr lvl="0"/>
-            <a:r>
-              <a:rPr/>
-              <a:t>Start continuous (24 hours)</a:t>
-            </a:r>
-          </a:p>
-          <a:p>
-            <a:pPr lvl="0"/>
-            <a:r>
-              <a:rPr/>
-              <a:t>Convert to night-time only (16 hours)</a:t>
-            </a:r>
-          </a:p>
-          <a:p>
-            <a:pPr lvl="0" indent="0" marL="0">
-              <a:buNone/>
-            </a:pPr>
-            <a:r>
-              <a:rPr/>
-              <a:t>Water administered through feeding tube</a:t>
-            </a:r>
-          </a:p>
-          <a:p>
-            <a:pPr lvl="0"/>
-            <a:r>
-              <a:rPr/>
-              <a:t>Usually 8oz 4 times/day</a:t>
-            </a:r>
-          </a:p>
-          <a:p>
-            <a:pPr lvl="0"/>
-            <a:r>
-              <a:rPr/>
-              <a:t>Important to prevent dehydration</a:t>
+            <a:pPr lvl="0"/>
+            <a:r>
+              <a:rPr/>
+              <a:t>Bladder catheter removed → check that bladder empties properly</a:t>
+            </a:r>
+          </a:p>
+          <a:p>
+            <a:pPr lvl="0"/>
+            <a:r>
+              <a:rPr/>
+              <a:t>Chest tube removed (day 2-4) → follow-up chest x-ray</a:t>
+            </a:r>
+          </a:p>
+          <a:p>
+            <a:pPr lvl="0"/>
+            <a:r>
+              <a:rPr/>
+              <a:t>Fluid emptied from drains every few hours</a:t>
+            </a:r>
+          </a:p>
+          <a:p>
+            <a:pPr lvl="0"/>
+            <a:r>
+              <a:rPr/>
+              <a:t>Start tube feedings by feeding</a:t>
+            </a:r>
+          </a:p>
+          <a:p>
+            <a:pPr lvl="0"/>
+            <a:r>
+              <a:rPr/>
+              <a:t>Feeding jejunostomy (stays in 8 weeks)</a:t>
             </a:r>
           </a:p>
         </p:txBody>
@@ -6806,7 +6774,7 @@
             </a:pPr>
             <a:r>
               <a:rPr/>
-              <a:t>Feeding Jejunostomy - Typical Regimen</a:t>
+              <a:t>Ward - 6Tower</a:t>
             </a:r>
           </a:p>
         </p:txBody>
@@ -6829,37 +6797,42 @@
             <a:pPr lvl="0"/>
             <a:r>
               <a:rPr/>
-              <a:t>Jejunostomy tube feeds for 16 hours (6pm to 10am)</a:t>
+              <a:t>Jejunostomy feeds started</a:t>
+            </a:r>
+          </a:p>
+          <a:p>
+            <a:pPr lvl="0"/>
+            <a:r>
+              <a:rPr/>
+              <a:t>Up in a chair most of the day</a:t>
+            </a:r>
+          </a:p>
+          <a:p>
+            <a:pPr lvl="0"/>
+            <a:r>
+              <a:rPr/>
+              <a:t>Walking in the halls</a:t>
             </a:r>
           </a:p>
           <a:p>
             <a:pPr lvl="1"/>
             <a:r>
               <a:rPr/>
-              <a:t>Men: 75mL/hour x 16 hours = 5 cartons</a:t>
+              <a:t>Start with assistance</a:t>
             </a:r>
           </a:p>
           <a:p>
             <a:pPr lvl="1"/>
             <a:r>
               <a:rPr/>
-              <a:t>Women: 60mL/hour x 16 hours = 4 cartons</a:t>
-            </a:r>
-          </a:p>
-          <a:p>
-            <a:pPr lvl="0"/>
-            <a:r>
-              <a:rPr/>
-              <a:t>Water 240ml (8oz) via syringe 4x/day</a:t>
-            </a:r>
-          </a:p>
-          <a:p>
-            <a:pPr lvl="0" indent="0" marL="0">
-              <a:buNone/>
-            </a:pPr>
-            <a:r>
-              <a:rPr/>
-              <a:t>Hospital nurses will teach use of the feeding tube pump</a:t>
+              <a:t>Improves lung function</a:t>
+            </a:r>
+          </a:p>
+          <a:p>
+            <a:pPr lvl="1"/>
+            <a:r>
+              <a:rPr/>
+              <a:t>Prevents loss of muscle strength</a:t>
             </a:r>
           </a:p>
         </p:txBody>
@@ -6911,7 +6884,7 @@
             </a:pPr>
             <a:r>
               <a:rPr/>
-              <a:t>Jejunostomy Feeds with Diabetes</a:t>
+              <a:t>Jejunostomy Feeds</a:t>
             </a:r>
           </a:p>
         </p:txBody>
@@ -6936,51 +6909,44 @@
             </a:pPr>
             <a:r>
               <a:rPr/>
-              <a:t>Jejunostomy feedings elevate blood sugars</a:t>
-            </a:r>
-          </a:p>
-          <a:p>
-            <a:pPr lvl="0"/>
-            <a:r>
-              <a:rPr/>
-              <a:t>Insulin may be required along with feeds</a:t>
-            </a:r>
-          </a:p>
-          <a:p>
-            <a:pPr lvl="0" indent="0" marL="0">
-              <a:buNone/>
-            </a:pPr>
-            <a:r>
-              <a:rPr/>
-              <a:t>Typical Pattern for tube feeds</a:t>
-            </a:r>
-          </a:p>
-          <a:p>
-            <a:pPr lvl="0"/>
-            <a:r>
-              <a:rPr/>
-              <a:t>Feeds run via pump from 6pm to 10am</a:t>
-            </a:r>
-          </a:p>
-          <a:p>
-            <a:pPr lvl="0"/>
-            <a:r>
-              <a:rPr/>
-              <a:t>Insulin at 6pm (70/30 insulin)</a:t>
-            </a:r>
-          </a:p>
-          <a:p>
-            <a:pPr lvl="0"/>
-            <a:r>
-              <a:rPr/>
-              <a:t>Insulin at Midnight (70/30 insulin)</a:t>
-            </a:r>
-          </a:p>
-          <a:p>
-            <a:pPr lvl="0"/>
-            <a:r>
-              <a:rPr/>
-              <a:t>No insulin if tube feedings are not run</a:t>
+              <a:t>Jejunostomy tube feeds</a:t>
+            </a:r>
+          </a:p>
+          <a:p>
+            <a:pPr lvl="0"/>
+            <a:r>
+              <a:rPr/>
+              <a:t>Start continuous (24 hours)</a:t>
+            </a:r>
+          </a:p>
+          <a:p>
+            <a:pPr lvl="0"/>
+            <a:r>
+              <a:rPr/>
+              <a:t>Convert to night-time only (16 hours)</a:t>
+            </a:r>
+          </a:p>
+          <a:p>
+            <a:pPr lvl="0" indent="0" marL="0">
+              <a:buNone/>
+            </a:pPr>
+            <a:r>
+              <a:rPr/>
+              <a:t>Water administered through feeding tube</a:t>
+            </a:r>
+          </a:p>
+          <a:p>
+            <a:pPr lvl="0"/>
+            <a:r>
+              <a:rPr/>
+              <a:t>Usually 8oz 4 times/day</a:t>
+            </a:r>
+          </a:p>
+          <a:p>
+            <a:pPr lvl="0"/>
+            <a:r>
+              <a:rPr/>
+              <a:t>Important to prevent dehydration</a:t>
             </a:r>
           </a:p>
         </p:txBody>
@@ -7019,20 +6985,20 @@
         </p:nvSpPr>
         <p:spPr>
           <a:xfrm>
-            <a:off x="315045" y="205979"/>
-            <a:ext cx="8529278" cy="857250"/>
-          </a:xfrm>
-        </p:spPr>
-        <p:txBody>
-          <a:bodyPr/>
-          <a:lstStyle/>
-          <a:p>
-            <a:pPr lvl="0" indent="0" marL="0">
-              <a:buNone/>
-            </a:pPr>
-            <a:r>
-              <a:rPr/>
-              <a:t>Feeding Jejunostomy</a:t>
+            <a:off x="284309" y="205979"/>
+            <a:ext cx="8552330" cy="662317"/>
+          </a:xfrm>
+        </p:spPr>
+        <p:txBody>
+          <a:bodyPr/>
+          <a:lstStyle/>
+          <a:p>
+            <a:pPr lvl="0" indent="0" marL="0">
+              <a:buNone/>
+            </a:pPr>
+            <a:r>
+              <a:rPr/>
+              <a:t>Feeding Jejunostomy - Typical Regimen</a:t>
             </a:r>
           </a:p>
         </p:txBody>
@@ -7044,7 +7010,7 @@
             <a:spLocks noGrp="1"/>
           </p:cNvSpPr>
           <p:nvPr>
-            <p:ph idx="1" sz="half"/>
+            <p:ph idx="1"/>
           </p:nvPr>
         </p:nvSpPr>
         <p:spPr/>
@@ -7052,46 +7018,44 @@
           <a:bodyPr/>
           <a:lstStyle/>
           <a:p>
-            <a:pPr lvl="0" indent="0" marL="0">
-              <a:buNone/>
-            </a:pPr>
-            <a:r>
-              <a:rPr/>
-              <a:t>Video shows how to set up and run the jejunostomy tube pump</a:t>
-            </a:r>
-          </a:p>
-        </p:txBody>
-      </p:sp>
-      <p:pic>
-        <p:nvPicPr>
-          <p:cNvPr descr="https://deidt7p41jzcy.cloudfront.net/jtubevideo_qr.png" id="0" name="Picture 1"/>
-          <p:cNvPicPr>
-            <a:picLocks noGrp="1" noChangeAspect="1"/>
-          </p:cNvPicPr>
-          <p:nvPr/>
-        </p:nvPicPr>
-        <p:blipFill>
-          <a:blip r:embed="rId2"/>
-          <a:stretch>
-            <a:fillRect/>
-          </a:stretch>
-        </p:blipFill>
-        <p:spPr bwMode="auto">
-          <a:xfrm>
-            <a:off x="4864100" y="1193800"/>
-            <a:ext cx="3733800" cy="3733800"/>
-          </a:xfrm>
-          <a:prstGeom prst="rect">
-            <a:avLst/>
-          </a:prstGeom>
-          <a:noFill/>
-          <a:ln w="9525">
-            <a:noFill/>
-            <a:headEnd/>
-            <a:tailEnd/>
-          </a:ln>
-        </p:spPr>
-      </p:pic>
+            <a:pPr lvl="0"/>
+            <a:r>
+              <a:rPr/>
+              <a:t>Jejunostomy tube feeds for 16 hours (6pm to 10am)</a:t>
+            </a:r>
+          </a:p>
+          <a:p>
+            <a:pPr lvl="1"/>
+            <a:r>
+              <a:rPr/>
+              <a:t>Men: 75mL/hour x 16 hours = 5 cartons</a:t>
+            </a:r>
+          </a:p>
+          <a:p>
+            <a:pPr lvl="1"/>
+            <a:r>
+              <a:rPr/>
+              <a:t>Women: 60mL/hour x 16 hours = 4 cartons</a:t>
+            </a:r>
+          </a:p>
+          <a:p>
+            <a:pPr lvl="0"/>
+            <a:r>
+              <a:rPr/>
+              <a:t>Water 240ml (8oz) via syringe 4x/day</a:t>
+            </a:r>
+          </a:p>
+          <a:p>
+            <a:pPr lvl="0" indent="0" marL="0">
+              <a:buNone/>
+            </a:pPr>
+            <a:r>
+              <a:rPr/>
+              <a:t>Hospital nurses will teach use of the feeding tube pump</a:t>
+            </a:r>
+          </a:p>
+        </p:txBody>
+      </p:sp>
     </p:spTree>
   </p:cSld>
 </p:sld>
@@ -7139,7 +7103,7 @@
             </a:pPr>
             <a:r>
               <a:rPr/>
-              <a:t>Activity</a:t>
+              <a:t>Jejunostomy Feeds with Diabetes</a:t>
             </a:r>
           </a:p>
         </p:txBody>
@@ -7159,38 +7123,56 @@
           <a:bodyPr/>
           <a:lstStyle/>
           <a:p>
-            <a:pPr lvl="0"/>
-            <a:r>
-              <a:rPr/>
-              <a:t>Up in chair most of the day</a:t>
-            </a:r>
-          </a:p>
-          <a:p>
-            <a:pPr lvl="0"/>
-            <a:r>
-              <a:rPr/>
-              <a:t>Walking with help from nurse/Physical Therapist</a:t>
-            </a:r>
-          </a:p>
-          <a:p>
-            <a:pPr lvl="0"/>
-            <a:r>
-              <a:rPr/>
-              <a:t>Goals:</a:t>
-            </a:r>
-          </a:p>
-          <a:p>
-            <a:pPr lvl="1"/>
-            <a:r>
-              <a:rPr/>
-              <a:t>Improve lung function</a:t>
-            </a:r>
-          </a:p>
-          <a:p>
-            <a:pPr lvl="1"/>
-            <a:r>
-              <a:rPr/>
-              <a:t>Prevent muscle loss</a:t>
+            <a:pPr lvl="0" indent="0" marL="0">
+              <a:buNone/>
+            </a:pPr>
+            <a:r>
+              <a:rPr/>
+              <a:t>Jejunostomy feedings elevate blood sugars</a:t>
+            </a:r>
+          </a:p>
+          <a:p>
+            <a:pPr lvl="0"/>
+            <a:r>
+              <a:rPr/>
+              <a:t>Insulin may be required along with feeds</a:t>
+            </a:r>
+          </a:p>
+          <a:p>
+            <a:pPr lvl="0" indent="0" marL="0">
+              <a:buNone/>
+            </a:pPr>
+            <a:r>
+              <a:rPr/>
+              <a:t>Typical Pattern for tube feeds</a:t>
+            </a:r>
+          </a:p>
+          <a:p>
+            <a:pPr lvl="0"/>
+            <a:r>
+              <a:rPr/>
+              <a:t>Feeds run via pump from 6pm to 10am</a:t>
+            </a:r>
+          </a:p>
+          <a:p>
+            <a:pPr lvl="0"/>
+            <a:r>
+              <a:rPr/>
+              <a:t>Insulin at 6pm (70/30 insulin)</a:t>
+            </a:r>
+          </a:p>
+          <a:p>
+            <a:pPr lvl="0"/>
+            <a:r>
+              <a:rPr/>
+              <a:t>Insulin at Midnight (70/30 insulin)</a:t>
+            </a:r>
+          </a:p>
+          <a:p>
+            <a:pPr lvl="0"/>
+            <a:r>
+              <a:rPr/>
+              <a:t>No insulin if tube feedings are not run</a:t>
             </a:r>
           </a:p>
         </p:txBody>
@@ -7327,6 +7309,216 @@
 </file>
 
 <file path=ppt/slides/slide40.xml><?xml version="1.0" encoding="utf-8"?>
+<p:sld xmlns:a="http://schemas.openxmlformats.org/drawingml/2006/main" xmlns:r="http://schemas.openxmlformats.org/officeDocument/2006/relationships" xmlns:p="http://schemas.openxmlformats.org/presentationml/2006/main">
+  <p:cSld>
+    <p:spTree>
+      <p:nvGrpSpPr>
+        <p:cNvPr id="1" name=""/>
+        <p:cNvGrpSpPr/>
+        <p:nvPr/>
+      </p:nvGrpSpPr>
+      <p:grpSpPr>
+        <a:xfrm>
+          <a:off x="0" y="0"/>
+          <a:ext cx="0" cy="0"/>
+          <a:chOff x="0" y="0"/>
+          <a:chExt cx="0" cy="0"/>
+        </a:xfrm>
+      </p:grpSpPr>
+      <p:sp>
+        <p:nvSpPr>
+          <p:cNvPr id="2" name="Title 1"/>
+          <p:cNvSpPr>
+            <a:spLocks noGrp="1"/>
+          </p:cNvSpPr>
+          <p:nvPr>
+            <p:ph type="title"/>
+          </p:nvPr>
+        </p:nvSpPr>
+        <p:spPr>
+          <a:xfrm>
+            <a:off x="315045" y="205979"/>
+            <a:ext cx="8529278" cy="857250"/>
+          </a:xfrm>
+        </p:spPr>
+        <p:txBody>
+          <a:bodyPr/>
+          <a:lstStyle/>
+          <a:p>
+            <a:pPr lvl="0" indent="0" marL="0">
+              <a:buNone/>
+            </a:pPr>
+            <a:r>
+              <a:rPr/>
+              <a:t>Feeding Jejunostomy</a:t>
+            </a:r>
+          </a:p>
+        </p:txBody>
+      </p:sp>
+      <p:sp>
+        <p:nvSpPr>
+          <p:cNvPr id="3" name="Content Placeholder 2"/>
+          <p:cNvSpPr>
+            <a:spLocks noGrp="1"/>
+          </p:cNvSpPr>
+          <p:nvPr>
+            <p:ph idx="1" sz="half"/>
+          </p:nvPr>
+        </p:nvSpPr>
+        <p:spPr/>
+        <p:txBody>
+          <a:bodyPr/>
+          <a:lstStyle/>
+          <a:p>
+            <a:pPr lvl="0" indent="0" marL="0">
+              <a:buNone/>
+            </a:pPr>
+            <a:r>
+              <a:rPr/>
+              <a:t>Video shows how to set up and run the jejunostomy tube pump</a:t>
+            </a:r>
+          </a:p>
+        </p:txBody>
+      </p:sp>
+      <p:pic>
+        <p:nvPicPr>
+          <p:cNvPr descr="https://deidt7p41jzcy.cloudfront.net/jtubevideo_qr.png" id="0" name="Picture 1"/>
+          <p:cNvPicPr>
+            <a:picLocks noGrp="1" noChangeAspect="1"/>
+          </p:cNvPicPr>
+          <p:nvPr/>
+        </p:nvPicPr>
+        <p:blipFill>
+          <a:blip r:embed="rId2"/>
+          <a:stretch>
+            <a:fillRect/>
+          </a:stretch>
+        </p:blipFill>
+        <p:spPr bwMode="auto">
+          <a:xfrm>
+            <a:off x="4864100" y="1193800"/>
+            <a:ext cx="3733800" cy="3733800"/>
+          </a:xfrm>
+          <a:prstGeom prst="rect">
+            <a:avLst/>
+          </a:prstGeom>
+          <a:noFill/>
+          <a:ln w="9525">
+            <a:noFill/>
+            <a:headEnd/>
+            <a:tailEnd/>
+          </a:ln>
+        </p:spPr>
+      </p:pic>
+    </p:spTree>
+  </p:cSld>
+</p:sld>
+</file>
+
+<file path=ppt/slides/slide41.xml><?xml version="1.0" encoding="utf-8"?>
+<p:sld xmlns:a="http://schemas.openxmlformats.org/drawingml/2006/main" xmlns:r="http://schemas.openxmlformats.org/officeDocument/2006/relationships" xmlns:p="http://schemas.openxmlformats.org/presentationml/2006/main">
+  <p:cSld>
+    <p:spTree>
+      <p:nvGrpSpPr>
+        <p:cNvPr id="1" name=""/>
+        <p:cNvGrpSpPr/>
+        <p:nvPr/>
+      </p:nvGrpSpPr>
+      <p:grpSpPr>
+        <a:xfrm>
+          <a:off x="0" y="0"/>
+          <a:ext cx="0" cy="0"/>
+          <a:chOff x="0" y="0"/>
+          <a:chExt cx="0" cy="0"/>
+        </a:xfrm>
+      </p:grpSpPr>
+      <p:sp>
+        <p:nvSpPr>
+          <p:cNvPr id="2" name="Title 1"/>
+          <p:cNvSpPr>
+            <a:spLocks noGrp="1"/>
+          </p:cNvSpPr>
+          <p:nvPr>
+            <p:ph type="title"/>
+          </p:nvPr>
+        </p:nvSpPr>
+        <p:spPr>
+          <a:xfrm>
+            <a:off x="284309" y="205979"/>
+            <a:ext cx="8552330" cy="662317"/>
+          </a:xfrm>
+        </p:spPr>
+        <p:txBody>
+          <a:bodyPr/>
+          <a:lstStyle/>
+          <a:p>
+            <a:pPr lvl="0" indent="0" marL="0">
+              <a:buNone/>
+            </a:pPr>
+            <a:r>
+              <a:rPr/>
+              <a:t>Activity</a:t>
+            </a:r>
+          </a:p>
+        </p:txBody>
+      </p:sp>
+      <p:sp>
+        <p:nvSpPr>
+          <p:cNvPr id="3" name="Content Placeholder 2"/>
+          <p:cNvSpPr>
+            <a:spLocks noGrp="1"/>
+          </p:cNvSpPr>
+          <p:nvPr>
+            <p:ph idx="1"/>
+          </p:nvPr>
+        </p:nvSpPr>
+        <p:spPr/>
+        <p:txBody>
+          <a:bodyPr/>
+          <a:lstStyle/>
+          <a:p>
+            <a:pPr lvl="0"/>
+            <a:r>
+              <a:rPr/>
+              <a:t>Up in chair most of the day</a:t>
+            </a:r>
+          </a:p>
+          <a:p>
+            <a:pPr lvl="0"/>
+            <a:r>
+              <a:rPr/>
+              <a:t>Walking with help from nurse/Physical Therapist</a:t>
+            </a:r>
+          </a:p>
+          <a:p>
+            <a:pPr lvl="0"/>
+            <a:r>
+              <a:rPr/>
+              <a:t>Goals:</a:t>
+            </a:r>
+          </a:p>
+          <a:p>
+            <a:pPr lvl="1"/>
+            <a:r>
+              <a:rPr/>
+              <a:t>Improve lung function</a:t>
+            </a:r>
+          </a:p>
+          <a:p>
+            <a:pPr lvl="1"/>
+            <a:r>
+              <a:rPr/>
+              <a:t>Prevent muscle loss</a:t>
+            </a:r>
+          </a:p>
+        </p:txBody>
+      </p:sp>
+    </p:spTree>
+  </p:cSld>
+</p:sld>
+</file>
+
+<file path=ppt/slides/slide42.xml><?xml version="1.0" encoding="utf-8"?>
 <p:sld xmlns:a="http://schemas.openxmlformats.org/drawingml/2006/main" xmlns:r="http://schemas.openxmlformats.org/officeDocument/2006/relationships" xmlns:p="http://schemas.openxmlformats.org/presentationml/2006/main">
   <p:cSld>
     <p:spTree>
@@ -7458,7 +7650,7 @@
 </p:sld>
 </file>
 
-<file path=ppt/slides/slide41.xml><?xml version="1.0" encoding="utf-8"?>
+<file path=ppt/slides/slide43.xml><?xml version="1.0" encoding="utf-8"?>
 <p:sld xmlns:a="http://schemas.openxmlformats.org/drawingml/2006/main" xmlns:r="http://schemas.openxmlformats.org/officeDocument/2006/relationships" xmlns:p="http://schemas.openxmlformats.org/presentationml/2006/main">
   <p:cSld>
     <p:spTree>
@@ -7583,233 +7775,6 @@
 </p:sld>
 </file>
 
-<file path=ppt/slides/slide42.xml><?xml version="1.0" encoding="utf-8"?>
-<p:sld xmlns:a="http://schemas.openxmlformats.org/drawingml/2006/main" xmlns:r="http://schemas.openxmlformats.org/officeDocument/2006/relationships" xmlns:p="http://schemas.openxmlformats.org/presentationml/2006/main">
-  <p:cSld>
-    <p:spTree>
-      <p:nvGrpSpPr>
-        <p:cNvPr id="1" name=""/>
-        <p:cNvGrpSpPr/>
-        <p:nvPr/>
-      </p:nvGrpSpPr>
-      <p:grpSpPr>
-        <a:xfrm>
-          <a:off x="0" y="0"/>
-          <a:ext cx="0" cy="0"/>
-          <a:chOff x="0" y="0"/>
-          <a:chExt cx="0" cy="0"/>
-        </a:xfrm>
-      </p:grpSpPr>
-      <p:sp>
-        <p:nvSpPr>
-          <p:cNvPr id="2" name="Title 1"/>
-          <p:cNvSpPr>
-            <a:spLocks noGrp="1"/>
-          </p:cNvSpPr>
-          <p:nvPr>
-            <p:ph type="title"/>
-          </p:nvPr>
-        </p:nvSpPr>
-        <p:spPr>
-          <a:xfrm>
-            <a:off x="284309" y="205979"/>
-            <a:ext cx="8552330" cy="662317"/>
-          </a:xfrm>
-        </p:spPr>
-        <p:txBody>
-          <a:bodyPr/>
-          <a:lstStyle/>
-          <a:p>
-            <a:pPr lvl="0" indent="0" marL="0">
-              <a:buNone/>
-            </a:pPr>
-            <a:r>
-              <a:rPr/>
-              <a:t>Protein Shakes</a:t>
-            </a:r>
-          </a:p>
-        </p:txBody>
-      </p:sp>
-      <p:sp>
-        <p:nvSpPr>
-          <p:cNvPr id="3" name="Content Placeholder 2"/>
-          <p:cNvSpPr>
-            <a:spLocks noGrp="1"/>
-          </p:cNvSpPr>
-          <p:nvPr>
-            <p:ph idx="1"/>
-          </p:nvPr>
-        </p:nvSpPr>
-        <p:spPr/>
-        <p:txBody>
-          <a:bodyPr/>
-          <a:lstStyle/>
-          <a:p>
-            <a:pPr lvl="0" indent="0" marL="0">
-              <a:buNone/>
-            </a:pPr>
-            <a:r>
-              <a:rPr/>
-              <a:t>Most are taking protein shakes when they go home</a:t>
-            </a:r>
-          </a:p>
-          <a:p>
-            <a:pPr lvl="0" indent="0" marL="0">
-              <a:buNone/>
-            </a:pPr>
-            <a:r>
-              <a:rPr/>
-              <a:t>Protein shakes are started after tolerating water</a:t>
-            </a:r>
-            <a:br/>
-          </a:p>
-          <a:p>
-            <a:pPr lvl="0"/>
-            <a:r>
-              <a:rPr/>
-              <a:t>2 oz per hour to start</a:t>
-            </a:r>
-          </a:p>
-          <a:p>
-            <a:pPr lvl="0"/>
-            <a:r>
-              <a:rPr/>
-              <a:t>4 oz per hour if 2oz are tolerated well</a:t>
-            </a:r>
-          </a:p>
-        </p:txBody>
-      </p:sp>
-    </p:spTree>
-  </p:cSld>
-</p:sld>
-</file>
-
-<file path=ppt/slides/slide43.xml><?xml version="1.0" encoding="utf-8"?>
-<p:sld xmlns:a="http://schemas.openxmlformats.org/drawingml/2006/main" xmlns:r="http://schemas.openxmlformats.org/officeDocument/2006/relationships" xmlns:p="http://schemas.openxmlformats.org/presentationml/2006/main">
-  <p:cSld>
-    <p:spTree>
-      <p:nvGrpSpPr>
-        <p:cNvPr id="1" name=""/>
-        <p:cNvGrpSpPr/>
-        <p:nvPr/>
-      </p:nvGrpSpPr>
-      <p:grpSpPr>
-        <a:xfrm>
-          <a:off x="0" y="0"/>
-          <a:ext cx="0" cy="0"/>
-          <a:chOff x="0" y="0"/>
-          <a:chExt cx="0" cy="0"/>
-        </a:xfrm>
-      </p:grpSpPr>
-      <p:sp>
-        <p:nvSpPr>
-          <p:cNvPr id="2" name="Title 1"/>
-          <p:cNvSpPr>
-            <a:spLocks noGrp="1"/>
-          </p:cNvSpPr>
-          <p:nvPr>
-            <p:ph type="title"/>
-          </p:nvPr>
-        </p:nvSpPr>
-        <p:spPr>
-          <a:xfrm>
-            <a:off x="284309" y="205979"/>
-            <a:ext cx="8552330" cy="662317"/>
-          </a:xfrm>
-        </p:spPr>
-        <p:txBody>
-          <a:bodyPr/>
-          <a:lstStyle/>
-          <a:p>
-            <a:pPr lvl="0" indent="0" marL="0">
-              <a:buNone/>
-            </a:pPr>
-            <a:r>
-              <a:rPr/>
-              <a:t>Discharge</a:t>
-            </a:r>
-          </a:p>
-        </p:txBody>
-      </p:sp>
-      <p:sp>
-        <p:nvSpPr>
-          <p:cNvPr id="3" name="Content Placeholder 2"/>
-          <p:cNvSpPr>
-            <a:spLocks noGrp="1"/>
-          </p:cNvSpPr>
-          <p:nvPr>
-            <p:ph idx="1"/>
-          </p:nvPr>
-        </p:nvSpPr>
-        <p:spPr/>
-        <p:txBody>
-          <a:bodyPr/>
-          <a:lstStyle/>
-          <a:p>
-            <a:pPr lvl="0" indent="0" marL="0">
-              <a:buNone/>
-            </a:pPr>
-            <a:r>
-              <a:rPr/>
-              <a:t>Goal: ready to leave day #6/7 after surgery</a:t>
-            </a:r>
-          </a:p>
-          <a:p>
-            <a:pPr lvl="0"/>
-            <a:r>
-              <a:rPr/>
-              <a:t>Night-time tube feedings (6pm to 10am)</a:t>
-            </a:r>
-          </a:p>
-          <a:p>
-            <a:pPr lvl="0"/>
-            <a:r>
-              <a:rPr/>
-              <a:t>Nutrition by mouth (70% of patients)</a:t>
-            </a:r>
-          </a:p>
-          <a:p>
-            <a:pPr lvl="1"/>
-            <a:r>
-              <a:rPr/>
-              <a:t>1 oz of water per hour by mouth OR</a:t>
-            </a:r>
-          </a:p>
-          <a:p>
-            <a:pPr lvl="1"/>
-            <a:r>
-              <a:rPr/>
-              <a:t>Protein shakes 4oz every 2 hours</a:t>
-            </a:r>
-          </a:p>
-          <a:p>
-            <a:pPr lvl="0"/>
-            <a:r>
-              <a:rPr/>
-              <a:t>Water through tube 8oz four times per day</a:t>
-            </a:r>
-          </a:p>
-          <a:p>
-            <a:pPr lvl="0"/>
-            <a:r>
-              <a:rPr/>
-              <a:t>Home care nursing (feeding tube teaching)</a:t>
-            </a:r>
-          </a:p>
-          <a:p>
-            <a:pPr lvl="0"/>
-            <a:r>
-              <a:rPr/>
-              <a:t>Home infusion (tube feeding supplies)</a:t>
-            </a:r>
-          </a:p>
-        </p:txBody>
-      </p:sp>
-    </p:spTree>
-  </p:cSld>
-</p:sld>
-</file>
-
 <file path=ppt/slides/slide44.xml><?xml version="1.0" encoding="utf-8"?>
 <p:sld xmlns:a="http://schemas.openxmlformats.org/drawingml/2006/main" xmlns:r="http://schemas.openxmlformats.org/officeDocument/2006/relationships" xmlns:p="http://schemas.openxmlformats.org/presentationml/2006/main">
   <p:cSld>
@@ -7852,7 +7817,7 @@
             </a:pPr>
             <a:r>
               <a:rPr/>
-              <a:t>Nutrition after Surgery</a:t>
+              <a:t>Protein Shakes</a:t>
             </a:r>
           </a:p>
         </p:txBody>
@@ -7877,55 +7842,31 @@
             </a:pPr>
             <a:r>
               <a:rPr/>
-              <a:t>At discharge home:</a:t>
-            </a:r>
-          </a:p>
-          <a:p>
-            <a:pPr lvl="0"/>
-            <a:r>
-              <a:rPr/>
-              <a:t>Protein shakes 4oz every 2 hrs</a:t>
-            </a:r>
-          </a:p>
-          <a:p>
-            <a:pPr lvl="0"/>
-            <a:r>
-              <a:rPr/>
-              <a:t>Tube feeds 4-5 cans at night (6pm-10am)</a:t>
-            </a:r>
-          </a:p>
-          <a:p>
-            <a:pPr lvl="0" indent="0" marL="0">
-              <a:buNone/>
-            </a:pPr>
-            <a:r>
-              <a:rPr/>
-              <a:t>10-12 Days: Increase protein shakes</a:t>
-            </a:r>
-          </a:p>
-          <a:p>
-            <a:pPr lvl="0"/>
-            <a:r>
-              <a:rPr/>
-              <a:t>Tube feeds 3-4 cans at night</a:t>
-            </a:r>
-          </a:p>
-          <a:p>
-            <a:pPr lvl="0" indent="0" marL="0">
-              <a:buNone/>
-            </a:pPr>
-            <a:r>
-              <a:rPr/>
-              <a:t>Three weeks: Post-esophagectomy Diet</a:t>
-            </a:r>
-          </a:p>
-          <a:p>
-            <a:pPr lvl="0" indent="0" marL="0">
-              <a:buNone/>
-            </a:pPr>
-            <a:r>
-              <a:rPr/>
-              <a:t>8-12 weeks: Remove feeding tube (in office)</a:t>
+              <a:t>Most are taking protein shakes when they go home</a:t>
+            </a:r>
+          </a:p>
+          <a:p>
+            <a:pPr lvl="0" indent="0" marL="0">
+              <a:buNone/>
+            </a:pPr>
+            <a:r>
+              <a:rPr/>
+              <a:t>Protein shakes are started after tolerating water</a:t>
+            </a:r>
+            <a:br/>
+          </a:p>
+          <a:p>
+            <a:pPr lvl="0"/>
+            <a:r>
+              <a:rPr/>
+              <a:t>2 oz per hour to start</a:t>
+            </a:r>
+          </a:p>
+          <a:p>
+            <a:pPr lvl="0"/>
+            <a:r>
+              <a:rPr/>
+              <a:t>4 oz per hour if 2oz are tolerated well</a:t>
             </a:r>
           </a:p>
         </p:txBody>
@@ -7936,6 +7877,257 @@
 </file>
 
 <file path=ppt/slides/slide45.xml><?xml version="1.0" encoding="utf-8"?>
+<p:sld xmlns:a="http://schemas.openxmlformats.org/drawingml/2006/main" xmlns:r="http://schemas.openxmlformats.org/officeDocument/2006/relationships" xmlns:p="http://schemas.openxmlformats.org/presentationml/2006/main">
+  <p:cSld>
+    <p:spTree>
+      <p:nvGrpSpPr>
+        <p:cNvPr id="1" name=""/>
+        <p:cNvGrpSpPr/>
+        <p:nvPr/>
+      </p:nvGrpSpPr>
+      <p:grpSpPr>
+        <a:xfrm>
+          <a:off x="0" y="0"/>
+          <a:ext cx="0" cy="0"/>
+          <a:chOff x="0" y="0"/>
+          <a:chExt cx="0" cy="0"/>
+        </a:xfrm>
+      </p:grpSpPr>
+      <p:sp>
+        <p:nvSpPr>
+          <p:cNvPr id="2" name="Title 1"/>
+          <p:cNvSpPr>
+            <a:spLocks noGrp="1"/>
+          </p:cNvSpPr>
+          <p:nvPr>
+            <p:ph type="title"/>
+          </p:nvPr>
+        </p:nvSpPr>
+        <p:spPr>
+          <a:xfrm>
+            <a:off x="284309" y="205979"/>
+            <a:ext cx="8552330" cy="662317"/>
+          </a:xfrm>
+        </p:spPr>
+        <p:txBody>
+          <a:bodyPr/>
+          <a:lstStyle/>
+          <a:p>
+            <a:pPr lvl="0" indent="0" marL="0">
+              <a:buNone/>
+            </a:pPr>
+            <a:r>
+              <a:rPr/>
+              <a:t>Discharge</a:t>
+            </a:r>
+          </a:p>
+        </p:txBody>
+      </p:sp>
+      <p:sp>
+        <p:nvSpPr>
+          <p:cNvPr id="3" name="Content Placeholder 2"/>
+          <p:cNvSpPr>
+            <a:spLocks noGrp="1"/>
+          </p:cNvSpPr>
+          <p:nvPr>
+            <p:ph idx="1"/>
+          </p:nvPr>
+        </p:nvSpPr>
+        <p:spPr/>
+        <p:txBody>
+          <a:bodyPr/>
+          <a:lstStyle/>
+          <a:p>
+            <a:pPr lvl="0" indent="0" marL="0">
+              <a:buNone/>
+            </a:pPr>
+            <a:r>
+              <a:rPr/>
+              <a:t>Goal: ready to leave day #6/7 after surgery</a:t>
+            </a:r>
+          </a:p>
+          <a:p>
+            <a:pPr lvl="0"/>
+            <a:r>
+              <a:rPr/>
+              <a:t>Night-time tube feedings (6pm to 10am)</a:t>
+            </a:r>
+          </a:p>
+          <a:p>
+            <a:pPr lvl="0"/>
+            <a:r>
+              <a:rPr/>
+              <a:t>Nutrition by mouth (70% of patients)</a:t>
+            </a:r>
+          </a:p>
+          <a:p>
+            <a:pPr lvl="1"/>
+            <a:r>
+              <a:rPr/>
+              <a:t>1 oz of water per hour by mouth OR</a:t>
+            </a:r>
+          </a:p>
+          <a:p>
+            <a:pPr lvl="1"/>
+            <a:r>
+              <a:rPr/>
+              <a:t>Protein shakes 4oz every 2 hours</a:t>
+            </a:r>
+          </a:p>
+          <a:p>
+            <a:pPr lvl="0"/>
+            <a:r>
+              <a:rPr/>
+              <a:t>Water through tube 8oz four times per day</a:t>
+            </a:r>
+          </a:p>
+          <a:p>
+            <a:pPr lvl="0"/>
+            <a:r>
+              <a:rPr/>
+              <a:t>Home care nursing (feeding tube teaching)</a:t>
+            </a:r>
+          </a:p>
+          <a:p>
+            <a:pPr lvl="0"/>
+            <a:r>
+              <a:rPr/>
+              <a:t>Home infusion (tube feeding supplies)</a:t>
+            </a:r>
+          </a:p>
+        </p:txBody>
+      </p:sp>
+    </p:spTree>
+  </p:cSld>
+</p:sld>
+</file>
+
+<file path=ppt/slides/slide46.xml><?xml version="1.0" encoding="utf-8"?>
+<p:sld xmlns:a="http://schemas.openxmlformats.org/drawingml/2006/main" xmlns:r="http://schemas.openxmlformats.org/officeDocument/2006/relationships" xmlns:p="http://schemas.openxmlformats.org/presentationml/2006/main">
+  <p:cSld>
+    <p:spTree>
+      <p:nvGrpSpPr>
+        <p:cNvPr id="1" name=""/>
+        <p:cNvGrpSpPr/>
+        <p:nvPr/>
+      </p:nvGrpSpPr>
+      <p:grpSpPr>
+        <a:xfrm>
+          <a:off x="0" y="0"/>
+          <a:ext cx="0" cy="0"/>
+          <a:chOff x="0" y="0"/>
+          <a:chExt cx="0" cy="0"/>
+        </a:xfrm>
+      </p:grpSpPr>
+      <p:sp>
+        <p:nvSpPr>
+          <p:cNvPr id="2" name="Title 1"/>
+          <p:cNvSpPr>
+            <a:spLocks noGrp="1"/>
+          </p:cNvSpPr>
+          <p:nvPr>
+            <p:ph type="title"/>
+          </p:nvPr>
+        </p:nvSpPr>
+        <p:spPr>
+          <a:xfrm>
+            <a:off x="284309" y="205979"/>
+            <a:ext cx="8552330" cy="662317"/>
+          </a:xfrm>
+        </p:spPr>
+        <p:txBody>
+          <a:bodyPr/>
+          <a:lstStyle/>
+          <a:p>
+            <a:pPr lvl="0" indent="0" marL="0">
+              <a:buNone/>
+            </a:pPr>
+            <a:r>
+              <a:rPr/>
+              <a:t>Nutrition after Surgery</a:t>
+            </a:r>
+          </a:p>
+        </p:txBody>
+      </p:sp>
+      <p:sp>
+        <p:nvSpPr>
+          <p:cNvPr id="3" name="Content Placeholder 2"/>
+          <p:cNvSpPr>
+            <a:spLocks noGrp="1"/>
+          </p:cNvSpPr>
+          <p:nvPr>
+            <p:ph idx="1"/>
+          </p:nvPr>
+        </p:nvSpPr>
+        <p:spPr/>
+        <p:txBody>
+          <a:bodyPr/>
+          <a:lstStyle/>
+          <a:p>
+            <a:pPr lvl="0" indent="0" marL="0">
+              <a:buNone/>
+            </a:pPr>
+            <a:r>
+              <a:rPr/>
+              <a:t>At discharge home:</a:t>
+            </a:r>
+          </a:p>
+          <a:p>
+            <a:pPr lvl="0"/>
+            <a:r>
+              <a:rPr/>
+              <a:t>Protein shakes 4oz every 2 hrs</a:t>
+            </a:r>
+          </a:p>
+          <a:p>
+            <a:pPr lvl="0"/>
+            <a:r>
+              <a:rPr/>
+              <a:t>Tube feeds 4-5 cans at night (6pm-10am)</a:t>
+            </a:r>
+          </a:p>
+          <a:p>
+            <a:pPr lvl="0" indent="0" marL="0">
+              <a:buNone/>
+            </a:pPr>
+            <a:r>
+              <a:rPr/>
+              <a:t>10-12 Days: Increase protein shakes</a:t>
+            </a:r>
+          </a:p>
+          <a:p>
+            <a:pPr lvl="0"/>
+            <a:r>
+              <a:rPr/>
+              <a:t>Tube feeds 3-4 cans at night</a:t>
+            </a:r>
+          </a:p>
+          <a:p>
+            <a:pPr lvl="0" indent="0" marL="0">
+              <a:buNone/>
+            </a:pPr>
+            <a:r>
+              <a:rPr/>
+              <a:t>Three weeks: Post-esophagectomy Diet</a:t>
+            </a:r>
+          </a:p>
+          <a:p>
+            <a:pPr lvl="0" indent="0" marL="0">
+              <a:buNone/>
+            </a:pPr>
+            <a:r>
+              <a:rPr/>
+              <a:t>8-12 weeks: Remove feeding tube (in office)</a:t>
+            </a:r>
+          </a:p>
+        </p:txBody>
+      </p:sp>
+    </p:spTree>
+  </p:cSld>
+</p:sld>
+</file>
+
+<file path=ppt/slides/slide47.xml><?xml version="1.0" encoding="utf-8"?>
 <p:sld xmlns:a="http://schemas.openxmlformats.org/drawingml/2006/main" xmlns:r="http://schemas.openxmlformats.org/officeDocument/2006/relationships" xmlns:p="http://schemas.openxmlformats.org/presentationml/2006/main">
   <p:cSld>
     <p:spTree>
@@ -8074,253 +8266,6 @@
 </p:sld>
 </file>
 
-<file path=ppt/slides/slide46.xml><?xml version="1.0" encoding="utf-8"?>
-<p:sld xmlns:a="http://schemas.openxmlformats.org/drawingml/2006/main" xmlns:r="http://schemas.openxmlformats.org/officeDocument/2006/relationships" xmlns:p="http://schemas.openxmlformats.org/presentationml/2006/main">
-  <p:cSld>
-    <p:spTree>
-      <p:nvGrpSpPr>
-        <p:cNvPr id="1" name=""/>
-        <p:cNvGrpSpPr/>
-        <p:nvPr/>
-      </p:nvGrpSpPr>
-      <p:grpSpPr>
-        <a:xfrm>
-          <a:off x="0" y="0"/>
-          <a:ext cx="0" cy="0"/>
-          <a:chOff x="0" y="0"/>
-          <a:chExt cx="0" cy="0"/>
-        </a:xfrm>
-      </p:grpSpPr>
-      <p:sp>
-        <p:nvSpPr>
-          <p:cNvPr id="2" name="Title 1"/>
-          <p:cNvSpPr>
-            <a:spLocks noGrp="1"/>
-          </p:cNvSpPr>
-          <p:nvPr>
-            <p:ph type="title"/>
-          </p:nvPr>
-        </p:nvSpPr>
-        <p:spPr>
-          <a:xfrm>
-            <a:off x="284309" y="205979"/>
-            <a:ext cx="8552330" cy="662317"/>
-          </a:xfrm>
-        </p:spPr>
-        <p:txBody>
-          <a:bodyPr/>
-          <a:lstStyle/>
-          <a:p>
-            <a:pPr lvl="0" indent="0" marL="0">
-              <a:buNone/>
-            </a:pPr>
-            <a:r>
-              <a:rPr/>
-              <a:t>Post-esophagectomy Diet</a:t>
-            </a:r>
-          </a:p>
-        </p:txBody>
-      </p:sp>
-      <p:sp>
-        <p:nvSpPr>
-          <p:cNvPr id="3" name="Content Placeholder 2"/>
-          <p:cNvSpPr>
-            <a:spLocks noGrp="1"/>
-          </p:cNvSpPr>
-          <p:nvPr>
-            <p:ph idx="1"/>
-          </p:nvPr>
-        </p:nvSpPr>
-        <p:spPr/>
-        <p:txBody>
-          <a:bodyPr/>
-          <a:lstStyle/>
-          <a:p>
-            <a:pPr lvl="0"/>
-            <a:r>
-              <a:rPr/>
-              <a:t>Soft Consistency</a:t>
-            </a:r>
-          </a:p>
-          <a:p>
-            <a:pPr lvl="0"/>
-            <a:r>
-              <a:rPr/>
-              <a:t>High Protein</a:t>
-            </a:r>
-          </a:p>
-          <a:p>
-            <a:pPr lvl="0"/>
-            <a:r>
-              <a:rPr/>
-              <a:t>Avoid sugary liquids (can cause ‘dumping’)</a:t>
-            </a:r>
-          </a:p>
-          <a:p>
-            <a:pPr lvl="0"/>
-            <a:r>
-              <a:rPr/>
-              <a:t>Avoid raw vegetables (and salads)</a:t>
-            </a:r>
-          </a:p>
-          <a:p>
-            <a:pPr lvl="0"/>
-            <a:r>
-              <a:rPr/>
-              <a:t>Eating</a:t>
-            </a:r>
-          </a:p>
-          <a:p>
-            <a:pPr lvl="1"/>
-            <a:r>
-              <a:rPr/>
-              <a:t>Small, frequent meals</a:t>
-            </a:r>
-          </a:p>
-          <a:p>
-            <a:pPr lvl="1"/>
-            <a:r>
-              <a:rPr/>
-              <a:t>Sit up for 30-45 minutes after eating</a:t>
-            </a:r>
-          </a:p>
-          <a:p>
-            <a:pPr lvl="1"/>
-            <a:r>
-              <a:rPr/>
-              <a:t>Avoid eating within 2 hours of bedtime</a:t>
-            </a:r>
-          </a:p>
-        </p:txBody>
-      </p:sp>
-    </p:spTree>
-  </p:cSld>
-</p:sld>
-</file>
-
-<file path=ppt/slides/slide47.xml><?xml version="1.0" encoding="utf-8"?>
-<p:sld xmlns:a="http://schemas.openxmlformats.org/drawingml/2006/main" xmlns:r="http://schemas.openxmlformats.org/officeDocument/2006/relationships" xmlns:p="http://schemas.openxmlformats.org/presentationml/2006/main">
-  <p:cSld>
-    <p:spTree>
-      <p:nvGrpSpPr>
-        <p:cNvPr id="1" name=""/>
-        <p:cNvGrpSpPr/>
-        <p:nvPr/>
-      </p:nvGrpSpPr>
-      <p:grpSpPr>
-        <a:xfrm>
-          <a:off x="0" y="0"/>
-          <a:ext cx="0" cy="0"/>
-          <a:chOff x="0" y="0"/>
-          <a:chExt cx="0" cy="0"/>
-        </a:xfrm>
-      </p:grpSpPr>
-      <p:sp>
-        <p:nvSpPr>
-          <p:cNvPr id="2" name="Title 1"/>
-          <p:cNvSpPr>
-            <a:spLocks noGrp="1"/>
-          </p:cNvSpPr>
-          <p:nvPr>
-            <p:ph type="title"/>
-          </p:nvPr>
-        </p:nvSpPr>
-        <p:spPr>
-          <a:xfrm>
-            <a:off x="284309" y="205979"/>
-            <a:ext cx="8552330" cy="662317"/>
-          </a:xfrm>
-        </p:spPr>
-        <p:txBody>
-          <a:bodyPr/>
-          <a:lstStyle/>
-          <a:p>
-            <a:pPr lvl="0" indent="0" marL="0">
-              <a:buNone/>
-            </a:pPr>
-            <a:r>
-              <a:rPr/>
-              <a:t>Medicines at Home - Pain</a:t>
-            </a:r>
-          </a:p>
-        </p:txBody>
-      </p:sp>
-      <p:sp>
-        <p:nvSpPr>
-          <p:cNvPr id="3" name="Content Placeholder 2"/>
-          <p:cNvSpPr>
-            <a:spLocks noGrp="1"/>
-          </p:cNvSpPr>
-          <p:nvPr>
-            <p:ph idx="1"/>
-          </p:nvPr>
-        </p:nvSpPr>
-        <p:spPr/>
-        <p:txBody>
-          <a:bodyPr/>
-          <a:lstStyle/>
-          <a:p>
-            <a:pPr lvl="0" indent="0" marL="0">
-              <a:buNone/>
-            </a:pPr>
-            <a:r>
-              <a:rPr/>
-              <a:t>Acetaminophen (Tylenol) 4000mg/day (1000mg 4x/day)</a:t>
-            </a:r>
-          </a:p>
-          <a:p>
-            <a:pPr lvl="0" indent="0" marL="0">
-              <a:buNone/>
-            </a:pPr>
-            <a:r>
-              <a:rPr/>
-              <a:t>Gabapentin 300mg 3 times/day (works best if taken daily)</a:t>
-            </a:r>
-          </a:p>
-          <a:p>
-            <a:pPr lvl="0" indent="0" marL="0">
-              <a:buNone/>
-            </a:pPr>
-            <a:r>
-              <a:rPr/>
-              <a:t>Oxycodone</a:t>
-            </a:r>
-          </a:p>
-          <a:p>
-            <a:pPr lvl="0"/>
-            <a:r>
-              <a:rPr/>
-              <a:t>Take as needed in addition to Tylenol and gabapentin</a:t>
-            </a:r>
-          </a:p>
-          <a:p>
-            <a:pPr lvl="0"/>
-            <a:r>
-              <a:rPr/>
-              <a:t>Will begin reducing dosage at first postoperative visit</a:t>
-            </a:r>
-          </a:p>
-          <a:p>
-            <a:pPr lvl="0"/>
-            <a:r>
-              <a:rPr/>
-              <a:t>Most patients can discontinue by 4 weeks after surgery</a:t>
-            </a:r>
-          </a:p>
-          <a:p>
-            <a:pPr lvl="0"/>
-            <a:r>
-              <a:rPr/>
-              <a:t>NO DRIVING WHILE ON OXYCODONE</a:t>
-            </a:r>
-          </a:p>
-        </p:txBody>
-      </p:sp>
-    </p:spTree>
-  </p:cSld>
-</p:sld>
-</file>
-
 <file path=ppt/slides/slide48.xml><?xml version="1.0" encoding="utf-8"?>
 <p:sld xmlns:a="http://schemas.openxmlformats.org/drawingml/2006/main" xmlns:r="http://schemas.openxmlformats.org/officeDocument/2006/relationships" xmlns:p="http://schemas.openxmlformats.org/presentationml/2006/main">
   <p:cSld>
@@ -8363,7 +8308,7 @@
             </a:pPr>
             <a:r>
               <a:rPr/>
-              <a:t>Medicines at Home - Non-steroidals</a:t>
+              <a:t>Post-esophagectomy Diet</a:t>
             </a:r>
           </a:p>
         </p:txBody>
@@ -8383,35 +8328,59 @@
           <a:bodyPr/>
           <a:lstStyle/>
           <a:p>
-            <a:pPr lvl="0" indent="0" marL="0">
-              <a:buNone/>
-            </a:pPr>
-            <a:r>
-              <a:rPr/>
-              <a:t>Non-steroidal anti-inflammatories (Celebrex)</a:t>
-            </a:r>
-          </a:p>
-          <a:p>
-            <a:pPr lvl="0"/>
-            <a:r>
-              <a:rPr/>
-              <a:t>200 mg every 12 hours starting 2 weeks after surgery</a:t>
-            </a:r>
-          </a:p>
-          <a:p>
-            <a:pPr lvl="0" indent="0" marL="0">
-              <a:buNone/>
-            </a:pPr>
-            <a:r>
-              <a:rPr/>
-              <a:t>NO GOODY POWDERS OR BCs</a:t>
-            </a:r>
-          </a:p>
-          <a:p>
-            <a:pPr lvl="0"/>
-            <a:r>
-              <a:rPr/>
-              <a:t>(Can cause permanent scarring at the surgery site)</a:t>
+            <a:pPr lvl="0"/>
+            <a:r>
+              <a:rPr/>
+              <a:t>Soft Consistency</a:t>
+            </a:r>
+          </a:p>
+          <a:p>
+            <a:pPr lvl="0"/>
+            <a:r>
+              <a:rPr/>
+              <a:t>High Protein</a:t>
+            </a:r>
+          </a:p>
+          <a:p>
+            <a:pPr lvl="0"/>
+            <a:r>
+              <a:rPr/>
+              <a:t>Avoid sugary liquids (can cause ‘dumping’)</a:t>
+            </a:r>
+          </a:p>
+          <a:p>
+            <a:pPr lvl="0"/>
+            <a:r>
+              <a:rPr/>
+              <a:t>Avoid raw vegetables (and salads)</a:t>
+            </a:r>
+          </a:p>
+          <a:p>
+            <a:pPr lvl="0"/>
+            <a:r>
+              <a:rPr/>
+              <a:t>Eating</a:t>
+            </a:r>
+          </a:p>
+          <a:p>
+            <a:pPr lvl="1"/>
+            <a:r>
+              <a:rPr/>
+              <a:t>Small, frequent meals</a:t>
+            </a:r>
+          </a:p>
+          <a:p>
+            <a:pPr lvl="1"/>
+            <a:r>
+              <a:rPr/>
+              <a:t>Sit up for 30-45 minutes after eating</a:t>
+            </a:r>
+          </a:p>
+          <a:p>
+            <a:pPr lvl="1"/>
+            <a:r>
+              <a:rPr/>
+              <a:t>Avoid eating within 2 hours of bedtime</a:t>
             </a:r>
           </a:p>
         </p:txBody>
@@ -8463,7 +8432,7 @@
             </a:pPr>
             <a:r>
               <a:rPr/>
-              <a:t>Medicines at Home - Acid Blockers</a:t>
+              <a:t>Medicines at Home - Pain</a:t>
             </a:r>
           </a:p>
         </p:txBody>
@@ -8488,28 +8457,53 @@
             </a:pPr>
             <a:r>
               <a:rPr/>
-              <a:t>Acid blocker (Omeprazole, Nexium,etc)</a:t>
-            </a:r>
-          </a:p>
-          <a:p>
-            <a:pPr lvl="0"/>
-            <a:r>
-              <a:rPr/>
-              <a:t>Will stay on for at 1-2 years to prevent acid reflux</a:t>
-            </a:r>
-          </a:p>
-          <a:p>
-            <a:pPr lvl="0"/>
-            <a:r>
-              <a:rPr/>
-              <a:t>Important in preventing scarring at anastomosis (new connection between esophagus and stomach)</a:t>
-            </a:r>
-          </a:p>
-          <a:p>
-            <a:pPr lvl="0"/>
-            <a:r>
-              <a:rPr/>
-              <a:t>To administer through feeding tube, open capsule and resuspend beads in 60mL (2oz) of water</a:t>
+              <a:t>Acetaminophen (Tylenol) 4000mg/day (1000mg 4x/day)</a:t>
+            </a:r>
+          </a:p>
+          <a:p>
+            <a:pPr lvl="0" indent="0" marL="0">
+              <a:buNone/>
+            </a:pPr>
+            <a:r>
+              <a:rPr/>
+              <a:t>Gabapentin 300mg 3 times/day (works best if taken daily)</a:t>
+            </a:r>
+          </a:p>
+          <a:p>
+            <a:pPr lvl="0" indent="0" marL="0">
+              <a:buNone/>
+            </a:pPr>
+            <a:r>
+              <a:rPr/>
+              <a:t>Oxycodone</a:t>
+            </a:r>
+          </a:p>
+          <a:p>
+            <a:pPr lvl="0"/>
+            <a:r>
+              <a:rPr/>
+              <a:t>Take as needed in addition to Tylenol and gabapentin</a:t>
+            </a:r>
+          </a:p>
+          <a:p>
+            <a:pPr lvl="0"/>
+            <a:r>
+              <a:rPr/>
+              <a:t>Will begin reducing dosage at first postoperative visit</a:t>
+            </a:r>
+          </a:p>
+          <a:p>
+            <a:pPr lvl="0"/>
+            <a:r>
+              <a:rPr/>
+              <a:t>Most patients can discontinue by 4 weeks after surgery</a:t>
+            </a:r>
+          </a:p>
+          <a:p>
+            <a:pPr lvl="0"/>
+            <a:r>
+              <a:rPr/>
+              <a:t>NO DRIVING WHILE ON OXYCODONE</a:t>
             </a:r>
           </a:p>
         </p:txBody>
@@ -8668,7 +8662,7 @@
             </a:pPr>
             <a:r>
               <a:rPr/>
-              <a:t>Medicines at Home</a:t>
+              <a:t>Non-steroidals Anti Inflammatory (NSAID)</a:t>
             </a:r>
           </a:p>
         </p:txBody>
@@ -8693,51 +8687,30 @@
             </a:pPr>
             <a:r>
               <a:rPr/>
-              <a:t>Reglan – Helps stomach empty</a:t>
-            </a:r>
-          </a:p>
-          <a:p>
-            <a:pPr lvl="0"/>
-            <a:r>
-              <a:rPr/>
-              <a:t>Will plan to stop after six weeks</a:t>
-            </a:r>
-          </a:p>
-          <a:p>
-            <a:pPr lvl="0"/>
-            <a:r>
-              <a:rPr/>
-              <a:t>0.1% risk of tardive dyskinesia (nervous tic)</a:t>
-            </a:r>
-          </a:p>
-          <a:p>
-            <a:pPr lvl="0" indent="0" marL="0">
-              <a:buNone/>
-            </a:pPr>
-            <a:r>
-              <a:rPr/>
-              <a:t>Remeron – Helps improve appetite</a:t>
-            </a:r>
-          </a:p>
-          <a:p>
-            <a:pPr lvl="0"/>
-            <a:r>
-              <a:rPr/>
-              <a:t>Can cause vivid dreams</a:t>
-            </a:r>
-          </a:p>
-          <a:p>
-            <a:pPr lvl="0"/>
-            <a:r>
-              <a:rPr/>
-              <a:t>Used for several weeks after surgery</a:t>
-            </a:r>
-          </a:p>
-          <a:p>
-            <a:pPr lvl="0"/>
-            <a:r>
-              <a:rPr/>
-              <a:t>Will stop within first three months of surgery</a:t>
+              <a:t>Non-steroidal anti-inflammatories (Celebrex)</a:t>
+            </a:r>
+          </a:p>
+          <a:p>
+            <a:pPr lvl="0"/>
+            <a:r>
+              <a:rPr/>
+              <a:t>200 mg every 12 hours starting 2 weeks after surgery</a:t>
+            </a:r>
+          </a:p>
+          <a:p>
+            <a:pPr lvl="0" indent="0" marL="0">
+              <a:buNone/>
+            </a:pPr>
+            <a:r>
+              <a:rPr/>
+              <a:t>NO GOODY POWDERS OR BCs</a:t>
+            </a:r>
+          </a:p>
+          <a:p>
+            <a:pPr lvl="0"/>
+            <a:r>
+              <a:rPr/>
+              <a:t>(Can cause permanent scarring at the surgery site)</a:t>
             </a:r>
           </a:p>
         </p:txBody>
@@ -8789,7 +8762,226 @@
             </a:pPr>
             <a:r>
               <a:rPr/>
-              <a:t>Medicines at Home - Metoprolol = Beta Blockers</a:t>
+              <a:t>Acid Blockers</a:t>
+            </a:r>
+          </a:p>
+        </p:txBody>
+      </p:sp>
+      <p:sp>
+        <p:nvSpPr>
+          <p:cNvPr id="3" name="Content Placeholder 2"/>
+          <p:cNvSpPr>
+            <a:spLocks noGrp="1"/>
+          </p:cNvSpPr>
+          <p:nvPr>
+            <p:ph idx="1"/>
+          </p:nvPr>
+        </p:nvSpPr>
+        <p:spPr/>
+        <p:txBody>
+          <a:bodyPr/>
+          <a:lstStyle/>
+          <a:p>
+            <a:pPr lvl="0" indent="0" marL="0">
+              <a:buNone/>
+            </a:pPr>
+            <a:r>
+              <a:rPr/>
+              <a:t>Acid blocker = Proton Pump Inhibitors (Omeprazole, Nexium,etc)</a:t>
+            </a:r>
+          </a:p>
+          <a:p>
+            <a:pPr lvl="0"/>
+            <a:r>
+              <a:rPr/>
+              <a:t>Will stay on for at 1-2 years to prevent acid reflux</a:t>
+            </a:r>
+          </a:p>
+          <a:p>
+            <a:pPr lvl="0"/>
+            <a:r>
+              <a:rPr/>
+              <a:t>Important in preventing scarring at anastomosis (new connection between esophagus and stomach)</a:t>
+            </a:r>
+          </a:p>
+          <a:p>
+            <a:pPr lvl="0"/>
+            <a:r>
+              <a:rPr/>
+              <a:t>To administer through feeding tube, open capsule and resuspend beads in 60mL (2oz) of water</a:t>
+            </a:r>
+          </a:p>
+        </p:txBody>
+      </p:sp>
+    </p:spTree>
+  </p:cSld>
+</p:sld>
+</file>
+
+<file path=ppt/slides/slide52.xml><?xml version="1.0" encoding="utf-8"?>
+<p:sld xmlns:a="http://schemas.openxmlformats.org/drawingml/2006/main" xmlns:r="http://schemas.openxmlformats.org/officeDocument/2006/relationships" xmlns:p="http://schemas.openxmlformats.org/presentationml/2006/main">
+  <p:cSld>
+    <p:spTree>
+      <p:nvGrpSpPr>
+        <p:cNvPr id="1" name=""/>
+        <p:cNvGrpSpPr/>
+        <p:nvPr/>
+      </p:nvGrpSpPr>
+      <p:grpSpPr>
+        <a:xfrm>
+          <a:off x="0" y="0"/>
+          <a:ext cx="0" cy="0"/>
+          <a:chOff x="0" y="0"/>
+          <a:chExt cx="0" cy="0"/>
+        </a:xfrm>
+      </p:grpSpPr>
+      <p:sp>
+        <p:nvSpPr>
+          <p:cNvPr id="2" name="Title 1"/>
+          <p:cNvSpPr>
+            <a:spLocks noGrp="1"/>
+          </p:cNvSpPr>
+          <p:nvPr>
+            <p:ph type="title"/>
+          </p:nvPr>
+        </p:nvSpPr>
+        <p:spPr>
+          <a:xfrm>
+            <a:off x="284309" y="205979"/>
+            <a:ext cx="8552330" cy="662317"/>
+          </a:xfrm>
+        </p:spPr>
+        <p:txBody>
+          <a:bodyPr/>
+          <a:lstStyle/>
+          <a:p>
+            <a:pPr lvl="0" indent="0" marL="0">
+              <a:buNone/>
+            </a:pPr>
+            <a:r>
+              <a:rPr/>
+              <a:t>Medicines at Home</a:t>
+            </a:r>
+          </a:p>
+        </p:txBody>
+      </p:sp>
+      <p:sp>
+        <p:nvSpPr>
+          <p:cNvPr id="3" name="Content Placeholder 2"/>
+          <p:cNvSpPr>
+            <a:spLocks noGrp="1"/>
+          </p:cNvSpPr>
+          <p:nvPr>
+            <p:ph idx="1"/>
+          </p:nvPr>
+        </p:nvSpPr>
+        <p:spPr/>
+        <p:txBody>
+          <a:bodyPr/>
+          <a:lstStyle/>
+          <a:p>
+            <a:pPr lvl="0" indent="0" marL="0">
+              <a:buNone/>
+            </a:pPr>
+            <a:r>
+              <a:rPr/>
+              <a:t>Reglan – Helps stomach empty</a:t>
+            </a:r>
+          </a:p>
+          <a:p>
+            <a:pPr lvl="0"/>
+            <a:r>
+              <a:rPr/>
+              <a:t>Will plan to stop after six weeks</a:t>
+            </a:r>
+          </a:p>
+          <a:p>
+            <a:pPr lvl="0"/>
+            <a:r>
+              <a:rPr/>
+              <a:t>0.1% risk of tardive dyskinesia (nervous tic)</a:t>
+            </a:r>
+          </a:p>
+          <a:p>
+            <a:pPr lvl="0" indent="0" marL="0">
+              <a:buNone/>
+            </a:pPr>
+            <a:r>
+              <a:rPr/>
+              <a:t>Remeron – Helps improve appetite</a:t>
+            </a:r>
+          </a:p>
+          <a:p>
+            <a:pPr lvl="0"/>
+            <a:r>
+              <a:rPr/>
+              <a:t>Can cause vivid dreams</a:t>
+            </a:r>
+          </a:p>
+          <a:p>
+            <a:pPr lvl="0"/>
+            <a:r>
+              <a:rPr/>
+              <a:t>Used for several weeks after surgery</a:t>
+            </a:r>
+          </a:p>
+          <a:p>
+            <a:pPr lvl="0"/>
+            <a:r>
+              <a:rPr/>
+              <a:t>Will stop within first three months of surgery</a:t>
+            </a:r>
+          </a:p>
+        </p:txBody>
+      </p:sp>
+    </p:spTree>
+  </p:cSld>
+</p:sld>
+</file>
+
+<file path=ppt/slides/slide53.xml><?xml version="1.0" encoding="utf-8"?>
+<p:sld xmlns:a="http://schemas.openxmlformats.org/drawingml/2006/main" xmlns:r="http://schemas.openxmlformats.org/officeDocument/2006/relationships" xmlns:p="http://schemas.openxmlformats.org/presentationml/2006/main">
+  <p:cSld>
+    <p:spTree>
+      <p:nvGrpSpPr>
+        <p:cNvPr id="1" name=""/>
+        <p:cNvGrpSpPr/>
+        <p:nvPr/>
+      </p:nvGrpSpPr>
+      <p:grpSpPr>
+        <a:xfrm>
+          <a:off x="0" y="0"/>
+          <a:ext cx="0" cy="0"/>
+          <a:chOff x="0" y="0"/>
+          <a:chExt cx="0" cy="0"/>
+        </a:xfrm>
+      </p:grpSpPr>
+      <p:sp>
+        <p:nvSpPr>
+          <p:cNvPr id="2" name="Title 1"/>
+          <p:cNvSpPr>
+            <a:spLocks noGrp="1"/>
+          </p:cNvSpPr>
+          <p:nvPr>
+            <p:ph type="title"/>
+          </p:nvPr>
+        </p:nvSpPr>
+        <p:spPr>
+          <a:xfrm>
+            <a:off x="284309" y="205979"/>
+            <a:ext cx="8552330" cy="662317"/>
+          </a:xfrm>
+        </p:spPr>
+        <p:txBody>
+          <a:bodyPr/>
+          <a:lstStyle/>
+          <a:p>
+            <a:pPr lvl="0" indent="0" marL="0">
+              <a:buNone/>
+            </a:pPr>
+            <a:r>
+              <a:rPr/>
+              <a:t>Metoprolol = Beta Blockers</a:t>
             </a:r>
           </a:p>
         </p:txBody>
@@ -8822,7 +9014,7 @@
                 <a:pPr lvl="0"/>
                 <a:r>
                   <a:rPr/>
-                  <a:t>Used prevent rapid heart rate</a:t>
+                  <a:t>Used to prevent rapid heart rate</a:t>
                 </a:r>
               </a:p>
               <a:p>
@@ -8876,256 +9068,6 @@
 </p:sld>
 </file>
 
-<file path=ppt/slides/slide52.xml><?xml version="1.0" encoding="utf-8"?>
-<p:sld xmlns:a="http://schemas.openxmlformats.org/drawingml/2006/main" xmlns:r="http://schemas.openxmlformats.org/officeDocument/2006/relationships" xmlns:p="http://schemas.openxmlformats.org/presentationml/2006/main">
-  <p:cSld>
-    <p:spTree>
-      <p:nvGrpSpPr>
-        <p:cNvPr id="1" name=""/>
-        <p:cNvGrpSpPr/>
-        <p:nvPr/>
-      </p:nvGrpSpPr>
-      <p:grpSpPr>
-        <a:xfrm>
-          <a:off x="0" y="0"/>
-          <a:ext cx="0" cy="0"/>
-          <a:chOff x="0" y="0"/>
-          <a:chExt cx="0" cy="0"/>
-        </a:xfrm>
-      </p:grpSpPr>
-      <p:sp>
-        <p:nvSpPr>
-          <p:cNvPr id="2" name="Title 1"/>
-          <p:cNvSpPr>
-            <a:spLocks noGrp="1"/>
-          </p:cNvSpPr>
-          <p:nvPr>
-            <p:ph type="title"/>
-          </p:nvPr>
-        </p:nvSpPr>
-        <p:spPr>
-          <a:xfrm>
-            <a:off x="315045" y="205979"/>
-            <a:ext cx="8529278" cy="857250"/>
-          </a:xfrm>
-        </p:spPr>
-        <p:txBody>
-          <a:bodyPr/>
-          <a:lstStyle/>
-          <a:p>
-            <a:pPr lvl="0" indent="0" marL="0">
-              <a:buNone/>
-            </a:pPr>
-            <a:r>
-              <a:rPr/>
-              <a:t>Sleeping</a:t>
-            </a:r>
-          </a:p>
-        </p:txBody>
-      </p:sp>
-      <p:sp>
-        <p:nvSpPr>
-          <p:cNvPr id="3" name="Content Placeholder 2"/>
-          <p:cNvSpPr>
-            <a:spLocks noGrp="1"/>
-          </p:cNvSpPr>
-          <p:nvPr>
-            <p:ph idx="1" sz="half"/>
-          </p:nvPr>
-        </p:nvSpPr>
-        <p:spPr/>
-        <p:txBody>
-          <a:bodyPr/>
-          <a:lstStyle/>
-          <a:p>
-            <a:pPr lvl="0" indent="0" marL="0">
-              <a:buNone/>
-            </a:pPr>
-            <a:r>
-              <a:rPr/>
-              <a:t>Reflux can occur the first few weeks/months after surgery</a:t>
-            </a:r>
-          </a:p>
-          <a:p>
-            <a:pPr lvl="0" indent="0" marL="0">
-              <a:buNone/>
-            </a:pPr>
-            <a:r>
-              <a:rPr/>
-              <a:t>This improves over the first few months</a:t>
-            </a:r>
-          </a:p>
-          <a:p>
-            <a:pPr lvl="0" indent="0" marL="0">
-              <a:buNone/>
-            </a:pPr>
-            <a:r>
-              <a:rPr/>
-              <a:t>A wedge pillow can be helpful for sleep</a:t>
-            </a:r>
-          </a:p>
-        </p:txBody>
-      </p:sp>
-      <p:pic>
-        <p:nvPicPr>
-          <p:cNvPr descr="https://deidt7p41jzcy.cloudfront.net/wedge_pillow_comm.jpg" id="0" name="Picture 1"/>
-          <p:cNvPicPr>
-            <a:picLocks noGrp="1" noChangeAspect="1"/>
-          </p:cNvPicPr>
-          <p:nvPr/>
-        </p:nvPicPr>
-        <p:blipFill>
-          <a:blip r:embed="rId2"/>
-          <a:stretch>
-            <a:fillRect/>
-          </a:stretch>
-        </p:blipFill>
-        <p:spPr bwMode="auto">
-          <a:xfrm>
-            <a:off x="4864100" y="1193800"/>
-            <a:ext cx="3733800" cy="3733800"/>
-          </a:xfrm>
-          <a:prstGeom prst="rect">
-            <a:avLst/>
-          </a:prstGeom>
-          <a:noFill/>
-          <a:ln w="9525">
-            <a:noFill/>
-            <a:headEnd/>
-            <a:tailEnd/>
-          </a:ln>
-        </p:spPr>
-      </p:pic>
-    </p:spTree>
-  </p:cSld>
-</p:sld>
-</file>
-
-<file path=ppt/slides/slide53.xml><?xml version="1.0" encoding="utf-8"?>
-<p:sld xmlns:a="http://schemas.openxmlformats.org/drawingml/2006/main" xmlns:r="http://schemas.openxmlformats.org/officeDocument/2006/relationships" xmlns:p="http://schemas.openxmlformats.org/presentationml/2006/main">
-  <p:cSld>
-    <p:spTree>
-      <p:nvGrpSpPr>
-        <p:cNvPr id="1" name=""/>
-        <p:cNvGrpSpPr/>
-        <p:nvPr/>
-      </p:nvGrpSpPr>
-      <p:grpSpPr>
-        <a:xfrm>
-          <a:off x="0" y="0"/>
-          <a:ext cx="0" cy="0"/>
-          <a:chOff x="0" y="0"/>
-          <a:chExt cx="0" cy="0"/>
-        </a:xfrm>
-      </p:grpSpPr>
-      <p:sp>
-        <p:nvSpPr>
-          <p:cNvPr id="2" name="Title 1"/>
-          <p:cNvSpPr>
-            <a:spLocks noGrp="1"/>
-          </p:cNvSpPr>
-          <p:nvPr>
-            <p:ph type="title"/>
-          </p:nvPr>
-        </p:nvSpPr>
-        <p:spPr>
-          <a:xfrm>
-            <a:off x="284309" y="205979"/>
-            <a:ext cx="8552330" cy="662317"/>
-          </a:xfrm>
-        </p:spPr>
-        <p:txBody>
-          <a:bodyPr/>
-          <a:lstStyle/>
-          <a:p>
-            <a:pPr lvl="0" indent="0" marL="0">
-              <a:buNone/>
-            </a:pPr>
-            <a:r>
-              <a:rPr/>
-              <a:t>Postoperative Visit</a:t>
-            </a:r>
-          </a:p>
-        </p:txBody>
-      </p:sp>
-      <p:sp>
-        <p:nvSpPr>
-          <p:cNvPr id="3" name="Content Placeholder 2"/>
-          <p:cNvSpPr>
-            <a:spLocks noGrp="1"/>
-          </p:cNvSpPr>
-          <p:nvPr>
-            <p:ph idx="1"/>
-          </p:nvPr>
-        </p:nvSpPr>
-        <p:spPr/>
-        <p:txBody>
-          <a:bodyPr/>
-          <a:lstStyle/>
-          <a:p>
-            <a:pPr lvl="0" indent="0" marL="0">
-              <a:buNone/>
-            </a:pPr>
-            <a:r>
-              <a:rPr/>
-              <a:t>Check surgical site</a:t>
-            </a:r>
-          </a:p>
-          <a:p>
-            <a:pPr lvl="0"/>
-            <a:r>
-              <a:rPr/>
-              <a:t>Remove staples (if needed)</a:t>
-            </a:r>
-          </a:p>
-          <a:p>
-            <a:pPr lvl="0" indent="0" marL="0">
-              <a:buNone/>
-            </a:pPr>
-            <a:r>
-              <a:rPr/>
-              <a:t>Adjust medicines as needed</a:t>
-            </a:r>
-          </a:p>
-          <a:p>
-            <a:pPr lvl="0"/>
-            <a:r>
-              <a:rPr/>
-              <a:t>Insulin (for diabetic patients on insulin)</a:t>
-            </a:r>
-          </a:p>
-          <a:p>
-            <a:pPr lvl="0"/>
-            <a:r>
-              <a:rPr/>
-              <a:t>Reduce beta blocker medicines</a:t>
-            </a:r>
-          </a:p>
-          <a:p>
-            <a:pPr lvl="0" indent="0" marL="0">
-              <a:buNone/>
-            </a:pPr>
-            <a:r>
-              <a:rPr/>
-              <a:t>Advance diet</a:t>
-            </a:r>
-          </a:p>
-          <a:p>
-            <a:pPr lvl="0" indent="0" marL="0">
-              <a:buNone/>
-            </a:pPr>
-            <a:r>
-              <a:rPr/>
-              <a:t>Reduce tube feeds</a:t>
-            </a:r>
-          </a:p>
-        </p:txBody>
-      </p:sp>
-    </p:spTree>
-  </p:cSld>
-</p:sld>
-</file>
-
 <file path=ppt/slides/slide54.xml><?xml version="1.0" encoding="utf-8"?>
 <p:sld xmlns:a="http://schemas.openxmlformats.org/drawingml/2006/main" xmlns:r="http://schemas.openxmlformats.org/officeDocument/2006/relationships" xmlns:p="http://schemas.openxmlformats.org/presentationml/2006/main">
   <p:cSld>
@@ -9155,20 +9097,20 @@
         </p:nvSpPr>
         <p:spPr>
           <a:xfrm>
-            <a:off x="284309" y="205979"/>
-            <a:ext cx="8552330" cy="662317"/>
-          </a:xfrm>
-        </p:spPr>
-        <p:txBody>
-          <a:bodyPr/>
-          <a:lstStyle/>
-          <a:p>
-            <a:pPr lvl="0" indent="0" marL="0">
-              <a:buNone/>
-            </a:pPr>
-            <a:r>
-              <a:rPr/>
-              <a:t>After surgery</a:t>
+            <a:off x="315045" y="205979"/>
+            <a:ext cx="8529278" cy="857250"/>
+          </a:xfrm>
+        </p:spPr>
+        <p:txBody>
+          <a:bodyPr/>
+          <a:lstStyle/>
+          <a:p>
+            <a:pPr lvl="0" indent="0" marL="0">
+              <a:buNone/>
+            </a:pPr>
+            <a:r>
+              <a:rPr/>
+              <a:t>Sleeping</a:t>
             </a:r>
           </a:p>
         </p:txBody>
@@ -9180,7 +9122,7 @@
             <a:spLocks noGrp="1"/>
           </p:cNvSpPr>
           <p:nvPr>
-            <p:ph idx="1"/>
+            <p:ph idx="1" sz="half"/>
           </p:nvPr>
         </p:nvSpPr>
         <p:spPr/>
@@ -9193,41 +9135,59 @@
             </a:pPr>
             <a:r>
               <a:rPr/>
-              <a:t>Wean off medicines added after surgery</a:t>
-            </a:r>
-          </a:p>
-          <a:p>
-            <a:pPr lvl="0"/>
-            <a:r>
-              <a:rPr/>
-              <a:t>Pain medicines</a:t>
-            </a:r>
-          </a:p>
-          <a:p>
-            <a:pPr lvl="0"/>
-            <a:r>
-              <a:rPr/>
-              <a:t>Beta-blockers</a:t>
-            </a:r>
-          </a:p>
-          <a:p>
-            <a:pPr lvl="0"/>
-            <a:r>
-              <a:rPr/>
-              <a:t>Reglan and Remeron</a:t>
-            </a:r>
-          </a:p>
-          <a:p>
-            <a:pPr lvl="0" indent="0" marL="0">
-              <a:buNone/>
-            </a:pPr>
-            <a:r>
-              <a:rPr/>
-              <a:t>Continue acid blockers for at least 1 year</a:t>
-            </a:r>
-          </a:p>
-        </p:txBody>
-      </p:sp>
+              <a:t>Reflux can occur the first few weeks/months after surgery</a:t>
+            </a:r>
+          </a:p>
+          <a:p>
+            <a:pPr lvl="0" indent="0" marL="0">
+              <a:buNone/>
+            </a:pPr>
+            <a:r>
+              <a:rPr/>
+              <a:t>This improves over the first few months</a:t>
+            </a:r>
+          </a:p>
+          <a:p>
+            <a:pPr lvl="0" indent="0" marL="0">
+              <a:buNone/>
+            </a:pPr>
+            <a:r>
+              <a:rPr/>
+              <a:t>A wedge pillow can be helpful for sleep</a:t>
+            </a:r>
+          </a:p>
+        </p:txBody>
+      </p:sp>
+      <p:pic>
+        <p:nvPicPr>
+          <p:cNvPr descr="https://deidt7p41jzcy.cloudfront.net/wedge_pillow_comm.jpg" id="0" name="Picture 1"/>
+          <p:cNvPicPr>
+            <a:picLocks noGrp="1" noChangeAspect="1"/>
+          </p:cNvPicPr>
+          <p:nvPr/>
+        </p:nvPicPr>
+        <p:blipFill>
+          <a:blip r:embed="rId2"/>
+          <a:stretch>
+            <a:fillRect/>
+          </a:stretch>
+        </p:blipFill>
+        <p:spPr bwMode="auto">
+          <a:xfrm>
+            <a:off x="4864100" y="1193800"/>
+            <a:ext cx="3733800" cy="3733800"/>
+          </a:xfrm>
+          <a:prstGeom prst="rect">
+            <a:avLst/>
+          </a:prstGeom>
+          <a:noFill/>
+          <a:ln w="9525">
+            <a:noFill/>
+            <a:headEnd/>
+            <a:tailEnd/>
+          </a:ln>
+        </p:spPr>
+      </p:pic>
     </p:spTree>
   </p:cSld>
 </p:sld>
@@ -9275,7 +9235,7 @@
             </a:pPr>
             <a:r>
               <a:rPr/>
-              <a:t>Jejunostomy Removal (8 weeks after surgery)</a:t>
+              <a:t>Postoperative Visit</a:t>
             </a:r>
           </a:p>
         </p:txBody>
@@ -9300,16 +9260,55 @@
             </a:pPr>
             <a:r>
               <a:rPr/>
-              <a:t>Jejunostomy tube is removed in the office once you can take in enough nutrients by mouth</a:t>
-            </a:r>
-          </a:p>
-          <a:p>
-            <a:pPr lvl="0" indent="0" marL="0">
-              <a:buNone/>
-            </a:pPr>
-            <a:r>
-              <a:rPr/>
-              <a:t>May take 30 minutes and some local anesthetic to loosen up the tube for removal.</a:t>
+              <a:t>Check surgical site</a:t>
+            </a:r>
+          </a:p>
+          <a:p>
+            <a:pPr lvl="0"/>
+            <a:r>
+              <a:rPr/>
+              <a:t>Remove staples (if needed)</a:t>
+            </a:r>
+          </a:p>
+          <a:p>
+            <a:pPr lvl="0" indent="0" marL="0">
+              <a:buNone/>
+            </a:pPr>
+            <a:r>
+              <a:rPr/>
+              <a:t>Adjust medicines as needed</a:t>
+            </a:r>
+          </a:p>
+          <a:p>
+            <a:pPr lvl="0"/>
+            <a:r>
+              <a:rPr/>
+              <a:t>Insulin (for diabetic patients on insulin)</a:t>
+            </a:r>
+          </a:p>
+          <a:p>
+            <a:pPr lvl="0"/>
+            <a:r>
+              <a:rPr/>
+              <a:t>Reduce beta blocker medicines</a:t>
+            </a:r>
+          </a:p>
+          <a:p>
+            <a:pPr lvl="0" indent="0" marL="0">
+              <a:buNone/>
+            </a:pPr>
+            <a:r>
+              <a:rPr/>
+              <a:t>Advance diet</a:t>
+            </a:r>
+          </a:p>
+          <a:p>
+            <a:pPr lvl="0" indent="0" marL="0">
+              <a:buNone/>
+            </a:pPr>
+            <a:r>
+              <a:rPr/>
+              <a:t>Reduce tube feeds</a:t>
             </a:r>
           </a:p>
         </p:txBody>
@@ -9361,7 +9360,7 @@
             </a:pPr>
             <a:r>
               <a:rPr/>
-              <a:t>Nutritional Monitoring after Surgery</a:t>
+              <a:t>After surgery</a:t>
             </a:r>
           </a:p>
         </p:txBody>
@@ -9386,28 +9385,37 @@
             </a:pPr>
             <a:r>
               <a:rPr/>
-              <a:t>You may have some difficulty absorbing some nutrients:</a:t>
-            </a:r>
-          </a:p>
-          <a:p>
-            <a:pPr lvl="0"/>
-            <a:r>
-              <a:rPr/>
-              <a:t>Iron</a:t>
-            </a:r>
-          </a:p>
-          <a:p>
-            <a:pPr lvl="0"/>
-            <a:r>
-              <a:rPr/>
-              <a:t>Vitamin B12</a:t>
-            </a:r>
-          </a:p>
-          <a:p>
-            <a:pPr lvl="0"/>
-            <a:r>
-              <a:rPr/>
-              <a:t>Vitamin D</a:t>
+              <a:t>Wean off medicines added after surgery</a:t>
+            </a:r>
+          </a:p>
+          <a:p>
+            <a:pPr lvl="0"/>
+            <a:r>
+              <a:rPr/>
+              <a:t>Pain medicines</a:t>
+            </a:r>
+          </a:p>
+          <a:p>
+            <a:pPr lvl="0"/>
+            <a:r>
+              <a:rPr/>
+              <a:t>Beta-blockers</a:t>
+            </a:r>
+          </a:p>
+          <a:p>
+            <a:pPr lvl="0"/>
+            <a:r>
+              <a:rPr/>
+              <a:t>Reglan and Remeron</a:t>
+            </a:r>
+          </a:p>
+          <a:p>
+            <a:pPr lvl="0" indent="0" marL="0">
+              <a:buNone/>
+            </a:pPr>
+            <a:r>
+              <a:rPr/>
+              <a:t>Continue acid blockers for at least 1 year</a:t>
             </a:r>
           </a:p>
         </p:txBody>
@@ -9459,7 +9467,7 @@
             </a:pPr>
             <a:r>
               <a:rPr/>
-              <a:t>Nutritional Monitoring after Surgery</a:t>
+              <a:t>Jejunostomy Removal (8 weeks after surgery)</a:t>
             </a:r>
           </a:p>
         </p:txBody>
@@ -9484,28 +9492,16 @@
             </a:pPr>
             <a:r>
               <a:rPr/>
-              <a:t>About 3 months after the jejunostomy tube is removed, we will check blood levels:</a:t>
-            </a:r>
-          </a:p>
-          <a:p>
-            <a:pPr lvl="0"/>
-            <a:r>
-              <a:rPr/>
-              <a:t>Iron (ferritin)</a:t>
-            </a:r>
-          </a:p>
-          <a:p>
-            <a:pPr lvl="0"/>
-            <a:r>
-              <a:rPr/>
-              <a:t>Vitamin B12</a:t>
-            </a:r>
-          </a:p>
-          <a:p>
-            <a:pPr lvl="0"/>
-            <a:r>
-              <a:rPr/>
-              <a:t>Vitamin D.</a:t>
+              <a:t>Jejunostomy tube is removed in the office once you can take in enough nutrients by mouth</a:t>
+            </a:r>
+          </a:p>
+          <a:p>
+            <a:pPr lvl="0" indent="0" marL="0">
+              <a:buNone/>
+            </a:pPr>
+            <a:r>
+              <a:rPr/>
+              <a:t>May take 30 minutes and some local anesthetic to loosen up the tube for removal.</a:t>
             </a:r>
           </a:p>
         </p:txBody>
@@ -9557,7 +9553,7 @@
             </a:pPr>
             <a:r>
               <a:rPr/>
-              <a:t>Nutritional Replacements after Surgery</a:t>
+              <a:t>Nutritional Monitoring after Surgery</a:t>
             </a:r>
           </a:p>
         </p:txBody>
@@ -9582,16 +9578,28 @@
             </a:pPr>
             <a:r>
               <a:rPr/>
-              <a:t>Vitamin or iron replacements can be ordered by your primary care physician, medical oncologist, or surgeon</a:t>
-            </a:r>
-          </a:p>
-          <a:p>
-            <a:pPr lvl="0" indent="0" marL="0">
-              <a:buNone/>
-            </a:pPr>
-            <a:r>
-              <a:rPr/>
-              <a:t>If levels are low, repeat testing in several months may be needed.</a:t>
+              <a:t>You may have some difficulty absorbing some nutrients:</a:t>
+            </a:r>
+          </a:p>
+          <a:p>
+            <a:pPr lvl="0"/>
+            <a:r>
+              <a:rPr/>
+              <a:t>Iron</a:t>
+            </a:r>
+          </a:p>
+          <a:p>
+            <a:pPr lvl="0"/>
+            <a:r>
+              <a:rPr/>
+              <a:t>Vitamin B12</a:t>
+            </a:r>
+          </a:p>
+          <a:p>
+            <a:pPr lvl="0"/>
+            <a:r>
+              <a:rPr/>
+              <a:t>Vitamin D</a:t>
             </a:r>
           </a:p>
         </p:txBody>
@@ -9643,7 +9651,7 @@
             </a:pPr>
             <a:r>
               <a:rPr/>
-              <a:t>Team Members</a:t>
+              <a:t>Nutritional Monitoring after Surgery</a:t>
             </a:r>
           </a:p>
         </p:txBody>
@@ -9668,91 +9676,28 @@
             </a:pPr>
             <a:r>
               <a:rPr/>
-              <a:t>Primary Care Provider</a:t>
-            </a:r>
-          </a:p>
-          <a:p>
-            <a:pPr lvl="0" indent="0" marL="0">
-              <a:buNone/>
-            </a:pPr>
-            <a:r>
-              <a:rPr/>
-              <a:t>Gastroenterologist</a:t>
-            </a:r>
-          </a:p>
-          <a:p>
-            <a:pPr lvl="0" indent="0" marL="0">
-              <a:buNone/>
-            </a:pPr>
-            <a:r>
-              <a:rPr/>
-              <a:t>Medical Oncologist (chemotherapy)</a:t>
-            </a:r>
-          </a:p>
-          <a:p>
-            <a:pPr lvl="0" indent="0" marL="0">
-              <a:buNone/>
-            </a:pPr>
-            <a:r>
-              <a:rPr/>
-              <a:t>Radiation Oncologist (radiation)</a:t>
-            </a:r>
-          </a:p>
-          <a:p>
-            <a:pPr lvl="0" indent="0" marL="0">
-              <a:buNone/>
-            </a:pPr>
-            <a:r>
-              <a:rPr/>
-              <a:t>Surgeons</a:t>
-            </a:r>
-          </a:p>
-          <a:p>
-            <a:pPr lvl="0"/>
-            <a:r>
-              <a:rPr/>
-              <a:t>Jonathan Salo</a:t>
-            </a:r>
-          </a:p>
-          <a:p>
-            <a:pPr lvl="0"/>
-            <a:r>
-              <a:rPr/>
-              <a:t>Jeffrey Hagen</a:t>
-            </a:r>
-          </a:p>
-          <a:p>
-            <a:pPr lvl="0"/>
-            <a:r>
-              <a:rPr/>
-              <a:t>Michael Roach</a:t>
-            </a:r>
-          </a:p>
-          <a:p>
-            <a:pPr lvl="0" indent="0" marL="0">
-              <a:buNone/>
-            </a:pPr>
-            <a:r>
-              <a:rPr/>
-              <a:t>Dietitian - Liz Koch</a:t>
-            </a:r>
-          </a:p>
-          <a:p>
-            <a:pPr lvl="0" indent="0" marL="0">
-              <a:buNone/>
-            </a:pPr>
-            <a:r>
-              <a:rPr/>
-              <a:t>Nurses - Brandon Galloway &amp; Kit Sluder</a:t>
-            </a:r>
-          </a:p>
-          <a:p>
-            <a:pPr lvl="0" indent="0" marL="0">
-              <a:buNone/>
-            </a:pPr>
-            <a:r>
-              <a:rPr/>
-              <a:t>Schedulers - Stacey Singleton &amp; Toney Bethea</a:t>
+              <a:t>About 3 months after the jejunostomy tube is removed, we will check blood levels:</a:t>
+            </a:r>
+          </a:p>
+          <a:p>
+            <a:pPr lvl="0"/>
+            <a:r>
+              <a:rPr/>
+              <a:t>Iron (ferritin)</a:t>
+            </a:r>
+          </a:p>
+          <a:p>
+            <a:pPr lvl="0"/>
+            <a:r>
+              <a:rPr/>
+              <a:t>Vitamin B12</a:t>
+            </a:r>
+          </a:p>
+          <a:p>
+            <a:pPr lvl="0"/>
+            <a:r>
+              <a:rPr/>
+              <a:t>Vitamin D.</a:t>
             </a:r>
           </a:p>
         </p:txBody>
@@ -9872,6 +9817,330 @@
           </a:ln>
         </p:spPr>
       </p:pic>
+    </p:spTree>
+  </p:cSld>
+</p:sld>
+</file>
+
+<file path=ppt/slides/slide60.xml><?xml version="1.0" encoding="utf-8"?>
+<p:sld xmlns:a="http://schemas.openxmlformats.org/drawingml/2006/main" xmlns:r="http://schemas.openxmlformats.org/officeDocument/2006/relationships" xmlns:p="http://schemas.openxmlformats.org/presentationml/2006/main">
+  <p:cSld>
+    <p:spTree>
+      <p:nvGrpSpPr>
+        <p:cNvPr id="1" name=""/>
+        <p:cNvGrpSpPr/>
+        <p:nvPr/>
+      </p:nvGrpSpPr>
+      <p:grpSpPr>
+        <a:xfrm>
+          <a:off x="0" y="0"/>
+          <a:ext cx="0" cy="0"/>
+          <a:chOff x="0" y="0"/>
+          <a:chExt cx="0" cy="0"/>
+        </a:xfrm>
+      </p:grpSpPr>
+      <p:sp>
+        <p:nvSpPr>
+          <p:cNvPr id="2" name="Title 1"/>
+          <p:cNvSpPr>
+            <a:spLocks noGrp="1"/>
+          </p:cNvSpPr>
+          <p:nvPr>
+            <p:ph type="title"/>
+          </p:nvPr>
+        </p:nvSpPr>
+        <p:spPr>
+          <a:xfrm>
+            <a:off x="284309" y="205979"/>
+            <a:ext cx="8552330" cy="662317"/>
+          </a:xfrm>
+        </p:spPr>
+        <p:txBody>
+          <a:bodyPr/>
+          <a:lstStyle/>
+          <a:p>
+            <a:pPr lvl="0" indent="0" marL="0">
+              <a:buNone/>
+            </a:pPr>
+            <a:r>
+              <a:rPr/>
+              <a:t>Nutritional Replacements after Surgery</a:t>
+            </a:r>
+          </a:p>
+        </p:txBody>
+      </p:sp>
+      <p:sp>
+        <p:nvSpPr>
+          <p:cNvPr id="3" name="Content Placeholder 2"/>
+          <p:cNvSpPr>
+            <a:spLocks noGrp="1"/>
+          </p:cNvSpPr>
+          <p:nvPr>
+            <p:ph idx="1"/>
+          </p:nvPr>
+        </p:nvSpPr>
+        <p:spPr/>
+        <p:txBody>
+          <a:bodyPr/>
+          <a:lstStyle/>
+          <a:p>
+            <a:pPr lvl="0" indent="0" marL="0">
+              <a:buNone/>
+            </a:pPr>
+            <a:r>
+              <a:rPr/>
+              <a:t>Vitamin or iron replacements can be ordered by your primary care physician, medical oncologist, or surgeon</a:t>
+            </a:r>
+          </a:p>
+          <a:p>
+            <a:pPr lvl="0" indent="0" marL="0">
+              <a:buNone/>
+            </a:pPr>
+            <a:r>
+              <a:rPr/>
+              <a:t>If levels are low, repeat testing in several months may be needed.</a:t>
+            </a:r>
+          </a:p>
+        </p:txBody>
+      </p:sp>
+    </p:spTree>
+  </p:cSld>
+</p:sld>
+</file>
+
+<file path=ppt/slides/slide61.xml><?xml version="1.0" encoding="utf-8"?>
+<p:sld xmlns:a="http://schemas.openxmlformats.org/drawingml/2006/main" xmlns:r="http://schemas.openxmlformats.org/officeDocument/2006/relationships" xmlns:p="http://schemas.openxmlformats.org/presentationml/2006/main">
+  <p:cSld>
+    <p:spTree>
+      <p:nvGrpSpPr>
+        <p:cNvPr id="1" name=""/>
+        <p:cNvGrpSpPr/>
+        <p:nvPr/>
+      </p:nvGrpSpPr>
+      <p:grpSpPr>
+        <a:xfrm>
+          <a:off x="0" y="0"/>
+          <a:ext cx="0" cy="0"/>
+          <a:chOff x="0" y="0"/>
+          <a:chExt cx="0" cy="0"/>
+        </a:xfrm>
+      </p:grpSpPr>
+      <p:sp>
+        <p:nvSpPr>
+          <p:cNvPr id="2" name="Title 1"/>
+          <p:cNvSpPr>
+            <a:spLocks noGrp="1"/>
+          </p:cNvSpPr>
+          <p:nvPr>
+            <p:ph type="title"/>
+          </p:nvPr>
+        </p:nvSpPr>
+        <p:spPr>
+          <a:xfrm>
+            <a:off x="284309" y="205979"/>
+            <a:ext cx="8552330" cy="662317"/>
+          </a:xfrm>
+        </p:spPr>
+        <p:txBody>
+          <a:bodyPr/>
+          <a:lstStyle/>
+          <a:p>
+            <a:pPr lvl="0" indent="0" marL="0">
+              <a:buNone/>
+            </a:pPr>
+            <a:r>
+              <a:rPr/>
+              <a:t>Team Members - Physicians</a:t>
+            </a:r>
+          </a:p>
+        </p:txBody>
+      </p:sp>
+      <p:sp>
+        <p:nvSpPr>
+          <p:cNvPr id="3" name="Content Placeholder 2"/>
+          <p:cNvSpPr>
+            <a:spLocks noGrp="1"/>
+          </p:cNvSpPr>
+          <p:nvPr>
+            <p:ph idx="1"/>
+          </p:nvPr>
+        </p:nvSpPr>
+        <p:spPr/>
+        <p:txBody>
+          <a:bodyPr/>
+          <a:lstStyle/>
+          <a:p>
+            <a:pPr lvl="0" indent="0" marL="0">
+              <a:buNone/>
+            </a:pPr>
+            <a:r>
+              <a:rPr/>
+              <a:t>Primary Care Provider</a:t>
+            </a:r>
+          </a:p>
+          <a:p>
+            <a:pPr lvl="0" indent="0" marL="0">
+              <a:buNone/>
+            </a:pPr>
+            <a:r>
+              <a:rPr/>
+              <a:t>Gastroenterologist</a:t>
+            </a:r>
+          </a:p>
+          <a:p>
+            <a:pPr lvl="0" indent="0" marL="0">
+              <a:buNone/>
+            </a:pPr>
+            <a:r>
+              <a:rPr/>
+              <a:t>Medical Oncologist (chemotherapy)</a:t>
+            </a:r>
+          </a:p>
+          <a:p>
+            <a:pPr lvl="0" indent="0" marL="0">
+              <a:buNone/>
+            </a:pPr>
+            <a:r>
+              <a:rPr/>
+              <a:t>Radiation Oncologist (radiation)</a:t>
+            </a:r>
+          </a:p>
+          <a:p>
+            <a:pPr lvl="0" indent="0" marL="0">
+              <a:buNone/>
+            </a:pPr>
+            <a:r>
+              <a:rPr/>
+              <a:t>Surgeons</a:t>
+            </a:r>
+          </a:p>
+          <a:p>
+            <a:pPr lvl="0"/>
+            <a:r>
+              <a:rPr/>
+              <a:t>Jonathan Salo</a:t>
+            </a:r>
+          </a:p>
+          <a:p>
+            <a:pPr lvl="0"/>
+            <a:r>
+              <a:rPr/>
+              <a:t>Jeffrey Hagen</a:t>
+            </a:r>
+          </a:p>
+          <a:p>
+            <a:pPr lvl="0"/>
+            <a:r>
+              <a:rPr/>
+              <a:t>Michael Roach</a:t>
+            </a:r>
+          </a:p>
+        </p:txBody>
+      </p:sp>
+    </p:spTree>
+  </p:cSld>
+</p:sld>
+</file>
+
+<file path=ppt/slides/slide62.xml><?xml version="1.0" encoding="utf-8"?>
+<p:sld xmlns:a="http://schemas.openxmlformats.org/drawingml/2006/main" xmlns:r="http://schemas.openxmlformats.org/officeDocument/2006/relationships" xmlns:p="http://schemas.openxmlformats.org/presentationml/2006/main">
+  <p:cSld>
+    <p:spTree>
+      <p:nvGrpSpPr>
+        <p:cNvPr id="1" name=""/>
+        <p:cNvGrpSpPr/>
+        <p:nvPr/>
+      </p:nvGrpSpPr>
+      <p:grpSpPr>
+        <a:xfrm>
+          <a:off x="0" y="0"/>
+          <a:ext cx="0" cy="0"/>
+          <a:chOff x="0" y="0"/>
+          <a:chExt cx="0" cy="0"/>
+        </a:xfrm>
+      </p:grpSpPr>
+      <p:sp>
+        <p:nvSpPr>
+          <p:cNvPr id="2" name="Title 1"/>
+          <p:cNvSpPr>
+            <a:spLocks noGrp="1"/>
+          </p:cNvSpPr>
+          <p:nvPr>
+            <p:ph type="title"/>
+          </p:nvPr>
+        </p:nvSpPr>
+        <p:spPr>
+          <a:xfrm>
+            <a:off x="284309" y="205979"/>
+            <a:ext cx="8552330" cy="662317"/>
+          </a:xfrm>
+        </p:spPr>
+        <p:txBody>
+          <a:bodyPr/>
+          <a:lstStyle/>
+          <a:p>
+            <a:pPr lvl="0" indent="0" marL="0">
+              <a:buNone/>
+            </a:pPr>
+            <a:r>
+              <a:rPr/>
+              <a:t>Team Members - Support Staff</a:t>
+            </a:r>
+          </a:p>
+        </p:txBody>
+      </p:sp>
+      <p:sp>
+        <p:nvSpPr>
+          <p:cNvPr id="3" name="Content Placeholder 2"/>
+          <p:cNvSpPr>
+            <a:spLocks noGrp="1"/>
+          </p:cNvSpPr>
+          <p:nvPr>
+            <p:ph idx="1"/>
+          </p:nvPr>
+        </p:nvSpPr>
+        <p:spPr/>
+        <p:txBody>
+          <a:bodyPr/>
+          <a:lstStyle/>
+          <a:p>
+            <a:pPr lvl="0" indent="0" marL="0">
+              <a:buNone/>
+            </a:pPr>
+            <a:r>
+              <a:rPr/>
+              <a:t>Dietitian - Liz Koch</a:t>
+            </a:r>
+          </a:p>
+          <a:p>
+            <a:pPr lvl="0" indent="0" marL="0">
+              <a:buNone/>
+            </a:pPr>
+            <a:r>
+              <a:rPr/>
+              <a:t>Nurses - Brandon Galloway &amp; Kit Sluder &amp; Rebecca Wicks</a:t>
+            </a:r>
+          </a:p>
+          <a:p>
+            <a:pPr lvl="0" indent="0" marL="0">
+              <a:buNone/>
+            </a:pPr>
+            <a:r>
+              <a:rPr/>
+              <a:t>Schedulers - Stacey Singleton &amp; Tony Bethea</a:t>
+            </a:r>
+          </a:p>
+          <a:p>
+            <a:pPr lvl="0" indent="0" marL="0">
+              <a:buNone/>
+            </a:pPr>
+            <a:r>
+              <a:rPr/>
+              <a:t>Navigator - Laura Swift</a:t>
+            </a:r>
+          </a:p>
+        </p:txBody>
+      </p:sp>
     </p:spTree>
   </p:cSld>
 </p:sld>

--- a/lci_surgery.pptx
+++ b/lci_surgery.pptx
@@ -8762,7 +8762,7 @@
             </a:pPr>
             <a:r>
               <a:rPr/>
-              <a:t>Acid Blockers</a:t>
+              <a:t>Acid Blockers = Proton Pump Inhibitors</a:t>
             </a:r>
           </a:p>
         </p:txBody>
@@ -8787,7 +8787,7 @@
             </a:pPr>
             <a:r>
               <a:rPr/>
-              <a:t>Acid blocker = Proton Pump Inhibitors (Omeprazole, Nexium,etc)</a:t>
+              <a:t>Examples include ompeprazole and pantoprazole</a:t>
             </a:r>
           </a:p>
           <a:p>
@@ -9467,7 +9467,7 @@
             </a:pPr>
             <a:r>
               <a:rPr/>
-              <a:t>Jejunostomy Removal (8 weeks after surgery)</a:t>
+              <a:t>Jejunostomy Removal</a:t>
             </a:r>
           </a:p>
         </p:txBody>
@@ -9493,6 +9493,15 @@
             <a:r>
               <a:rPr/>
               <a:t>Jejunostomy tube is removed in the office once you can take in enough nutrients by mouth</a:t>
+            </a:r>
+          </a:p>
+          <a:p>
+            <a:pPr lvl="0" indent="0" marL="0">
+              <a:buNone/>
+            </a:pPr>
+            <a:r>
+              <a:rPr/>
+              <a:t>Removal usually around 8 weeks after surgery</a:t>
             </a:r>
           </a:p>
           <a:p>
@@ -9578,7 +9587,7 @@
             </a:pPr>
             <a:r>
               <a:rPr/>
-              <a:t>You may have some difficulty absorbing some nutrients:</a:t>
+              <a:t>You may have difficulty absorbing some nutrients:</a:t>
             </a:r>
           </a:p>
           <a:p>
@@ -9697,7 +9706,7 @@
             <a:pPr lvl="0"/>
             <a:r>
               <a:rPr/>
-              <a:t>Vitamin D.</a:t>
+              <a:t>Vitamin D</a:t>
             </a:r>
           </a:p>
         </p:txBody>
@@ -9889,16 +9898,51 @@
             </a:pPr>
             <a:r>
               <a:rPr/>
-              <a:t>Vitamin or iron replacements can be ordered by your primary care physician, medical oncologist, or surgeon</a:t>
-            </a:r>
-          </a:p>
-          <a:p>
-            <a:pPr lvl="0" indent="0" marL="0">
-              <a:buNone/>
-            </a:pPr>
-            <a:r>
-              <a:rPr/>
-              <a:t>If levels are low, repeat testing in several months may be needed.</a:t>
+              <a:t>Vitamin or iron replacements can be ordered by:</a:t>
+            </a:r>
+          </a:p>
+          <a:p>
+            <a:pPr lvl="0"/>
+            <a:r>
+              <a:rPr/>
+              <a:t>Primary Care Provider (PCP)</a:t>
+            </a:r>
+          </a:p>
+          <a:p>
+            <a:pPr lvl="0"/>
+            <a:r>
+              <a:rPr/>
+              <a:t>Medical Oncologist</a:t>
+            </a:r>
+          </a:p>
+          <a:p>
+            <a:pPr lvl="0"/>
+            <a:r>
+              <a:rPr/>
+              <a:t>Surgeon</a:t>
+            </a:r>
+          </a:p>
+          <a:p>
+            <a:pPr lvl="0" indent="0" marL="0">
+              <a:buNone/>
+            </a:pPr>
+            <a:r>
+              <a:rPr/>
+              <a:t>If levels are low</a:t>
+            </a:r>
+          </a:p>
+          <a:p>
+            <a:pPr lvl="0"/>
+            <a:r>
+              <a:rPr/>
+              <a:t>Replacement</a:t>
+            </a:r>
+          </a:p>
+          <a:p>
+            <a:pPr lvl="0"/>
+            <a:r>
+              <a:rPr/>
+              <a:t>Repeat testing in 3-6 months</a:t>
             </a:r>
           </a:p>
         </p:txBody>

--- a/lci_surgery.pptx
+++ b/lci_surgery.pptx
@@ -61,12 +61,6 @@
     <p:sldId id="309" r:id="rId55"/>
     <p:sldId id="310" r:id="rId56"/>
     <p:sldId id="311" r:id="rId57"/>
-    <p:sldId id="312" r:id="rId58"/>
-    <p:sldId id="313" r:id="rId59"/>
-    <p:sldId id="314" r:id="rId60"/>
-    <p:sldId id="315" r:id="rId61"/>
-    <p:sldId id="316" r:id="rId62"/>
-    <p:sldId id="317" r:id="rId63"/>
   </p:sldIdLst>
   <p:sldSz cx="9144000" cy="5143500" type="screen16x9"/>
   <p:notesSz cx="6858000" cy="9144000"/>
@@ -3633,7 +3627,7 @@
             </a:pPr>
             <a:r>
               <a:rPr/>
-              <a:t>Total Esophagectomy</a:t>
+              <a:t>McKeown Esophagectomy</a:t>
             </a:r>
           </a:p>
         </p:txBody>
@@ -3658,41 +3652,36 @@
             </a:pPr>
             <a:r>
               <a:rPr/>
-              <a:t>For patients with tumors in the upper esophagus, we need to remove more of the esophagus</a:t>
-            </a:r>
-          </a:p>
-        </p:txBody>
-      </p:sp>
-      <p:pic>
-        <p:nvPicPr>
-          <p:cNvPr descr="https://deidt7p41jzcy.cloudfront.net/Eso_ProxTumorArtboard.png" id="0" name="Picture 1"/>
-          <p:cNvPicPr>
-            <a:picLocks noGrp="1" noChangeAspect="1"/>
-          </p:cNvPicPr>
-          <p:nvPr/>
-        </p:nvPicPr>
-        <p:blipFill>
-          <a:blip r:embed="rId2"/>
-          <a:stretch>
-            <a:fillRect/>
-          </a:stretch>
-        </p:blipFill>
-        <p:spPr bwMode="auto">
-          <a:xfrm>
-            <a:off x="4914900" y="1193800"/>
-            <a:ext cx="3632200" cy="3733800"/>
-          </a:xfrm>
-          <a:prstGeom prst="rect">
-            <a:avLst/>
-          </a:prstGeom>
-          <a:noFill/>
-          <a:ln w="9525">
-            <a:noFill/>
-            <a:headEnd/>
-            <a:tailEnd/>
-          </a:ln>
-        </p:spPr>
-      </p:pic>
+              <a:t>All of esophagus removed </a:t>
+            </a:r>
+          </a:p>
+        </p:txBody>
+      </p:sp>
+      <p:sp>
+        <p:nvSpPr>
+          <p:cNvPr id="4" name="Content Placeholder 3"/>
+          <p:cNvSpPr>
+            <a:spLocks noGrp="1"/>
+          </p:cNvSpPr>
+          <p:nvPr>
+            <p:ph idx="2" sz="half"/>
+          </p:nvPr>
+        </p:nvSpPr>
+        <p:spPr/>
+        <p:txBody>
+          <a:bodyPr/>
+          <a:lstStyle/>
+          <a:p>
+            <a:pPr lvl="0" indent="0" marL="0">
+              <a:buNone/>
+            </a:pPr>
+            <a:r>
+              <a:rPr/>
+              <a:t>Connection made in the neck </a:t>
+            </a:r>
+          </a:p>
+        </p:txBody>
+      </p:sp>
     </p:spTree>
   </p:cSld>
 </p:sld>
@@ -3740,7 +3729,7 @@
             </a:pPr>
             <a:r>
               <a:rPr/>
-              <a:t>Total Esophagectomy</a:t>
+              <a:t>Colon Interposition</a:t>
             </a:r>
           </a:p>
         </p:txBody>
@@ -3765,14 +3754,14 @@
             </a:pPr>
             <a:r>
               <a:rPr/>
-              <a:t>For those patients, we need to remove the whole esophagus, including the portion in the neck.</a:t>
+              <a:t>If the stomach is not suitable to make a new esophagus, the colon can be used to replace the esophagus</a:t>
             </a:r>
           </a:p>
         </p:txBody>
       </p:sp>
       <p:pic>
         <p:nvPicPr>
-          <p:cNvPr descr="https://deidt7p41jzcy.cloudfront.net/Eso_ResectionTotalArtboard.png" id="0" name="Picture 1"/>
+          <p:cNvPr descr="https://deidt7p41jzcy.cloudfront.net/colon-interposition2.jpg" id="0" name="Picture 1"/>
           <p:cNvPicPr>
             <a:picLocks noGrp="1" noChangeAspect="1"/>
           </p:cNvPicPr>
@@ -3786,8 +3775,8 @@
         </p:blipFill>
         <p:spPr bwMode="auto">
           <a:xfrm>
-            <a:off x="4914900" y="1193800"/>
-            <a:ext cx="3632200" cy="3733800"/>
+            <a:off x="5041900" y="1193800"/>
+            <a:ext cx="3378200" cy="3733800"/>
           </a:xfrm>
           <a:prstGeom prst="rect">
             <a:avLst/>
@@ -3834,52 +3823,27 @@
         </p:nvSpPr>
         <p:spPr>
           <a:xfrm>
-            <a:off x="315045" y="205979"/>
-            <a:ext cx="8529278" cy="857250"/>
-          </a:xfrm>
-        </p:spPr>
-        <p:txBody>
-          <a:bodyPr/>
-          <a:lstStyle/>
-          <a:p>
-            <a:pPr lvl="0" indent="0" marL="0">
-              <a:buNone/>
-            </a:pPr>
-            <a:r>
-              <a:rPr/>
-              <a:t>Minimally-invasive McKeown Esophagectomy</a:t>
-            </a:r>
-          </a:p>
-        </p:txBody>
-      </p:sp>
-      <p:sp>
-        <p:nvSpPr>
-          <p:cNvPr id="3" name="Content Placeholder 2"/>
-          <p:cNvSpPr>
-            <a:spLocks noGrp="1"/>
-          </p:cNvSpPr>
-          <p:nvPr>
-            <p:ph idx="1" sz="half"/>
-          </p:nvPr>
-        </p:nvSpPr>
-        <p:spPr/>
-        <p:txBody>
-          <a:bodyPr/>
-          <a:lstStyle/>
-          <a:p>
-            <a:pPr lvl="0" indent="0" marL="0">
-              <a:buNone/>
-            </a:pPr>
-            <a:r>
-              <a:rPr/>
-              <a:t>In this case, a connection between the esophagus and the stomach is made in the neck.</a:t>
+            <a:off x="284309" y="205979"/>
+            <a:ext cx="8552330" cy="662317"/>
+          </a:xfrm>
+        </p:spPr>
+        <p:txBody>
+          <a:bodyPr/>
+          <a:lstStyle/>
+          <a:p>
+            <a:pPr lvl="0" indent="0" marL="0">
+              <a:buNone/>
+            </a:pPr>
+            <a:r>
+              <a:rPr/>
+              <a:t>Colon Interposition</a:t>
             </a:r>
           </a:p>
         </p:txBody>
       </p:sp>
       <p:pic>
         <p:nvPicPr>
-          <p:cNvPr descr="https://deidt7p41jzcy.cloudfront.net/Eso_MIE_McKeownArtboard.png" id="0" name="Picture 1"/>
+          <p:cNvPr descr="https://deidt7p41jzcy.cloudfront.net/colon_interposition_elseiver.jpg" id="0" name="Picture 1"/>
           <p:cNvPicPr>
             <a:picLocks noGrp="1" noChangeAspect="1"/>
           </p:cNvPicPr>
@@ -3893,8 +3857,8 @@
         </p:blipFill>
         <p:spPr bwMode="auto">
           <a:xfrm>
-            <a:off x="4914900" y="1193800"/>
-            <a:ext cx="3632200" cy="3733800"/>
+            <a:off x="1866900" y="952500"/>
+            <a:ext cx="5359400" cy="3975100"/>
           </a:xfrm>
           <a:prstGeom prst="rect">
             <a:avLst/>
@@ -3941,20 +3905,20 @@
         </p:nvSpPr>
         <p:spPr>
           <a:xfrm>
-            <a:off x="315045" y="205979"/>
-            <a:ext cx="8529278" cy="857250"/>
-          </a:xfrm>
-        </p:spPr>
-        <p:txBody>
-          <a:bodyPr/>
-          <a:lstStyle/>
-          <a:p>
-            <a:pPr lvl="0" indent="0" marL="0">
-              <a:buNone/>
-            </a:pPr>
-            <a:r>
-              <a:rPr/>
-              <a:t>Colon Interposition</a:t>
+            <a:off x="284309" y="205979"/>
+            <a:ext cx="8552330" cy="662317"/>
+          </a:xfrm>
+        </p:spPr>
+        <p:txBody>
+          <a:bodyPr/>
+          <a:lstStyle/>
+          <a:p>
+            <a:pPr lvl="0" indent="0" marL="0">
+              <a:buNone/>
+            </a:pPr>
+            <a:r>
+              <a:rPr/>
+              <a:t>Risks of Surgery</a:t>
             </a:r>
           </a:p>
         </p:txBody>
@@ -3966,7 +3930,7 @@
             <a:spLocks noGrp="1"/>
           </p:cNvSpPr>
           <p:nvPr>
-            <p:ph idx="1" sz="half"/>
+            <p:ph idx="1"/>
           </p:nvPr>
         </p:nvSpPr>
         <p:spPr/>
@@ -3979,41 +3943,25 @@
             </a:pPr>
             <a:r>
               <a:rPr/>
-              <a:t>If the stomach is not suitable to make a new esophagus, the colon can be used to replace the esophagus</a:t>
-            </a:r>
-          </a:p>
-        </p:txBody>
-      </p:sp>
-      <p:pic>
-        <p:nvPicPr>
-          <p:cNvPr descr="https://deidt7p41jzcy.cloudfront.net/colon-interposition2.jpg" id="0" name="Picture 1"/>
-          <p:cNvPicPr>
-            <a:picLocks noGrp="1" noChangeAspect="1"/>
-          </p:cNvPicPr>
-          <p:nvPr/>
-        </p:nvPicPr>
-        <p:blipFill>
-          <a:blip r:embed="rId2"/>
-          <a:stretch>
-            <a:fillRect/>
-          </a:stretch>
-        </p:blipFill>
-        <p:spPr bwMode="auto">
-          <a:xfrm>
-            <a:off x="5041900" y="1193800"/>
-            <a:ext cx="3378200" cy="3733800"/>
-          </a:xfrm>
-          <a:prstGeom prst="rect">
-            <a:avLst/>
-          </a:prstGeom>
-          <a:noFill/>
-          <a:ln w="9525">
-            <a:noFill/>
-            <a:headEnd/>
-            <a:tailEnd/>
-          </a:ln>
-        </p:spPr>
-      </p:pic>
+              <a:t>An esophagectomy is a substantial operation, and in some cases there can be postoperative complications. We’re going to talk about two of these complications and what you can do to reduce your risk of complications:</a:t>
+            </a:r>
+          </a:p>
+          <a:p>
+            <a:pPr lvl="0"/>
+            <a:r>
+              <a:rPr/>
+              <a:t>Anastomotic leak</a:t>
+            </a:r>
+          </a:p>
+          <a:p>
+            <a:pPr lvl="0"/>
+            <a:r>
+              <a:rPr/>
+              <a:t>Pneumonia</a:t>
+            </a:r>
+          </a:p>
+        </p:txBody>
+      </p:sp>
     </p:spTree>
   </p:cSld>
 </p:sld>
@@ -4048,27 +3996,52 @@
         </p:nvSpPr>
         <p:spPr>
           <a:xfrm>
-            <a:off x="284309" y="205979"/>
-            <a:ext cx="8552330" cy="662317"/>
-          </a:xfrm>
-        </p:spPr>
-        <p:txBody>
-          <a:bodyPr/>
-          <a:lstStyle/>
-          <a:p>
-            <a:pPr lvl="0" indent="0" marL="0">
-              <a:buNone/>
-            </a:pPr>
-            <a:r>
-              <a:rPr/>
-              <a:t>Colon Interposition</a:t>
+            <a:off x="315045" y="205979"/>
+            <a:ext cx="8529278" cy="857250"/>
+          </a:xfrm>
+        </p:spPr>
+        <p:txBody>
+          <a:bodyPr/>
+          <a:lstStyle/>
+          <a:p>
+            <a:pPr lvl="0" indent="0" marL="0">
+              <a:buNone/>
+            </a:pPr>
+            <a:r>
+              <a:rPr/>
+              <a:t>Anastomotic Leak</a:t>
+            </a:r>
+          </a:p>
+        </p:txBody>
+      </p:sp>
+      <p:sp>
+        <p:nvSpPr>
+          <p:cNvPr id="3" name="Content Placeholder 2"/>
+          <p:cNvSpPr>
+            <a:spLocks noGrp="1"/>
+          </p:cNvSpPr>
+          <p:nvPr>
+            <p:ph idx="1" sz="half"/>
+          </p:nvPr>
+        </p:nvSpPr>
+        <p:spPr/>
+        <p:txBody>
+          <a:bodyPr/>
+          <a:lstStyle/>
+          <a:p>
+            <a:pPr lvl="0" indent="0" marL="0">
+              <a:buNone/>
+            </a:pPr>
+            <a:r>
+              <a:rPr/>
+              <a:t>The anastomosis is surgical connection between the esophagus and the stomach.</a:t>
             </a:r>
           </a:p>
         </p:txBody>
       </p:sp>
       <p:pic>
         <p:nvPicPr>
-          <p:cNvPr descr="https://deidt7p41jzcy.cloudfront.net/colon_interposition_elseiver.jpg" id="0" name="Picture 1"/>
+          <p:cNvPr descr="https://deidt7p41jzcy.cloudfront.net/Eso_IvorLewis_Anastomosis.png" id="0" name="Picture 1"/>
           <p:cNvPicPr>
             <a:picLocks noGrp="1" noChangeAspect="1"/>
           </p:cNvPicPr>
@@ -4082,8 +4055,8 @@
         </p:blipFill>
         <p:spPr bwMode="auto">
           <a:xfrm>
-            <a:off x="1866900" y="952500"/>
-            <a:ext cx="5359400" cy="3975100"/>
+            <a:off x="4914900" y="1193800"/>
+            <a:ext cx="3632200" cy="3733800"/>
           </a:xfrm>
           <a:prstGeom prst="rect">
             <a:avLst/>
@@ -4130,20 +4103,20 @@
         </p:nvSpPr>
         <p:spPr>
           <a:xfrm>
-            <a:off x="284309" y="205979"/>
-            <a:ext cx="8552330" cy="662317"/>
-          </a:xfrm>
-        </p:spPr>
-        <p:txBody>
-          <a:bodyPr/>
-          <a:lstStyle/>
-          <a:p>
-            <a:pPr lvl="0" indent="0" marL="0">
-              <a:buNone/>
-            </a:pPr>
-            <a:r>
-              <a:rPr/>
-              <a:t>Risks of Surgery</a:t>
+            <a:off x="315045" y="205979"/>
+            <a:ext cx="8529278" cy="857250"/>
+          </a:xfrm>
+        </p:spPr>
+        <p:txBody>
+          <a:bodyPr/>
+          <a:lstStyle/>
+          <a:p>
+            <a:pPr lvl="0" indent="0" marL="0">
+              <a:buNone/>
+            </a:pPr>
+            <a:r>
+              <a:rPr/>
+              <a:t>Anastomotic Leak</a:t>
             </a:r>
           </a:p>
         </p:txBody>
@@ -4155,7 +4128,7 @@
             <a:spLocks noGrp="1"/>
           </p:cNvSpPr>
           <p:nvPr>
-            <p:ph idx="1"/>
+            <p:ph idx="1" sz="half"/>
           </p:nvPr>
         </p:nvSpPr>
         <p:spPr/>
@@ -4168,25 +4141,62 @@
             </a:pPr>
             <a:r>
               <a:rPr/>
-              <a:t>An esophagectomy is a substantial operation, and in some cases there can be postoperative complications. We’re going to talk about two of these complications and what you can do to reduce your risk of complications:</a:t>
-            </a:r>
-          </a:p>
-          <a:p>
-            <a:pPr lvl="0"/>
-            <a:r>
-              <a:rPr/>
-              <a:t>Anastomotic leak</a:t>
-            </a:r>
-          </a:p>
-          <a:p>
-            <a:pPr lvl="0"/>
-            <a:r>
-              <a:rPr/>
-              <a:t>Pneumonia</a:t>
-            </a:r>
-          </a:p>
-        </p:txBody>
-      </p:sp>
+              <a:t>If anastomosis does not heal:</a:t>
+            </a:r>
+          </a:p>
+          <a:p>
+            <a:pPr lvl="0"/>
+            <a:r>
+              <a:rPr/>
+              <a:t>Leakage of fluid from the esophagus</a:t>
+            </a:r>
+          </a:p>
+          <a:p>
+            <a:pPr lvl="0"/>
+            <a:r>
+              <a:rPr/>
+              <a:t>Infection in the space between the lungs</a:t>
+            </a:r>
+          </a:p>
+          <a:p>
+            <a:pPr lvl="0"/>
+            <a:r>
+              <a:rPr/>
+              <a:t>Requires additional time in the hospital</a:t>
+            </a:r>
+          </a:p>
+        </p:txBody>
+      </p:sp>
+      <p:pic>
+        <p:nvPicPr>
+          <p:cNvPr descr="https://deidt7p41jzcy.cloudfront.net/Eso_IvorLewis_Leak.png" id="0" name="Picture 1"/>
+          <p:cNvPicPr>
+            <a:picLocks noGrp="1" noChangeAspect="1"/>
+          </p:cNvPicPr>
+          <p:nvPr/>
+        </p:nvPicPr>
+        <p:blipFill>
+          <a:blip r:embed="rId2"/>
+          <a:stretch>
+            <a:fillRect/>
+          </a:stretch>
+        </p:blipFill>
+        <p:spPr bwMode="auto">
+          <a:xfrm>
+            <a:off x="4914900" y="1193800"/>
+            <a:ext cx="3632200" cy="3733800"/>
+          </a:xfrm>
+          <a:prstGeom prst="rect">
+            <a:avLst/>
+          </a:prstGeom>
+          <a:noFill/>
+          <a:ln w="9525">
+            <a:noFill/>
+            <a:headEnd/>
+            <a:tailEnd/>
+          </a:ln>
+        </p:spPr>
+      </p:pic>
     </p:spTree>
   </p:cSld>
 </p:sld>
@@ -4259,14 +4269,35 @@
             </a:pPr>
             <a:r>
               <a:rPr/>
-              <a:t>The anastomosis is surgical connection between the esophagus and the stomach.</a:t>
+              <a:t>If an anastomotic leak occurs:</a:t>
+            </a:r>
+          </a:p>
+          <a:p>
+            <a:pPr lvl="0"/>
+            <a:r>
+              <a:rPr/>
+              <a:t>Some leaks will seal on their own</a:t>
+            </a:r>
+          </a:p>
+          <a:p>
+            <a:pPr lvl="0"/>
+            <a:r>
+              <a:rPr/>
+              <a:t>A stent may be required to help healing</a:t>
+            </a:r>
+          </a:p>
+          <a:p>
+            <a:pPr lvl="0"/>
+            <a:r>
+              <a:rPr/>
+              <a:t>Occasionally additional surgey is required</a:t>
             </a:r>
           </a:p>
         </p:txBody>
       </p:sp>
       <p:pic>
         <p:nvPicPr>
-          <p:cNvPr descr="https://deidt7p41jzcy.cloudfront.net/Eso_IvorLewis_Anastomosis.png" id="0" name="Picture 1"/>
+          <p:cNvPr descr="https://deidt7p41jzcy.cloudfront.net/Eso_IvorLewis_Leak.png" id="0" name="Picture 1"/>
           <p:cNvPicPr>
             <a:picLocks noGrp="1" noChangeAspect="1"/>
           </p:cNvPicPr>
@@ -4366,28 +4397,28 @@
             </a:pPr>
             <a:r>
               <a:rPr/>
-              <a:t>If anastomosis does not heal properly:</a:t>
-            </a:r>
-          </a:p>
-          <a:p>
-            <a:pPr lvl="0"/>
-            <a:r>
-              <a:rPr/>
-              <a:t>Leakage of fluid from the esophagus</a:t>
-            </a:r>
-          </a:p>
-          <a:p>
-            <a:pPr lvl="0"/>
-            <a:r>
-              <a:rPr/>
-              <a:t>Infection in the space between the lungs</a:t>
-            </a:r>
-          </a:p>
-          <a:p>
-            <a:pPr lvl="0"/>
-            <a:r>
-              <a:rPr/>
-              <a:t>Requires additional time in the hospital</a:t>
+              <a:t>Risk of a leak depends upon:</a:t>
+            </a:r>
+          </a:p>
+          <a:p>
+            <a:pPr lvl="0"/>
+            <a:r>
+              <a:rPr/>
+              <a:t>Type of operation performed</a:t>
+            </a:r>
+          </a:p>
+          <a:p>
+            <a:pPr lvl="0"/>
+            <a:r>
+              <a:rPr/>
+              <a:t>Overall nutritional status of patient</a:t>
+            </a:r>
+          </a:p>
+          <a:p>
+            <a:pPr lvl="0"/>
+            <a:r>
+              <a:rPr/>
+              <a:t>Experience of the surgeon</a:t>
             </a:r>
           </a:p>
         </p:txBody>
@@ -4469,7 +4500,7 @@
             </a:pPr>
             <a:r>
               <a:rPr/>
-              <a:t>Anastomotic Leak</a:t>
+              <a:t>Pneumonia</a:t>
             </a:r>
           </a:p>
         </p:txBody>
@@ -4494,35 +4525,23 @@
             </a:pPr>
             <a:r>
               <a:rPr/>
-              <a:t>If an anastomotic leak does occur:</a:t>
-            </a:r>
-          </a:p>
-          <a:p>
-            <a:pPr lvl="0"/>
-            <a:r>
-              <a:rPr/>
-              <a:t>Some leaks will seal on their own</a:t>
-            </a:r>
-          </a:p>
-          <a:p>
-            <a:pPr lvl="0"/>
-            <a:r>
-              <a:rPr/>
-              <a:t>A stent may be required to help healing</a:t>
-            </a:r>
-          </a:p>
-          <a:p>
-            <a:pPr lvl="0"/>
-            <a:r>
-              <a:rPr/>
-              <a:t>Occasionally additional surgey is required</a:t>
+              <a:t>Pneumonia can occurs in about 10-15% of patients after esophagectomy.</a:t>
+            </a:r>
+          </a:p>
+          <a:p>
+            <a:pPr lvl="0" indent="0" marL="0">
+              <a:buNone/>
+            </a:pPr>
+            <a:r>
+              <a:rPr/>
+              <a:t>Pneumonia requires treatment with antibiotics and frequently requires a longer hospitalization.</a:t>
             </a:r>
           </a:p>
         </p:txBody>
       </p:sp>
       <p:pic>
         <p:nvPicPr>
-          <p:cNvPr descr="https://deidt7p41jzcy.cloudfront.net/Eso_IvorLewis_Leak.png" id="0" name="Picture 1"/>
+          <p:cNvPr descr="https://deidt7p41jzcy.cloudfront.net/Eso_LungsArtboard.png" id="0" name="Picture 1"/>
           <p:cNvPicPr>
             <a:picLocks noGrp="1" noChangeAspect="1"/>
           </p:cNvPicPr>
@@ -4584,20 +4603,20 @@
         </p:nvSpPr>
         <p:spPr>
           <a:xfrm>
-            <a:off x="315045" y="205979"/>
-            <a:ext cx="8529278" cy="857250"/>
-          </a:xfrm>
-        </p:spPr>
-        <p:txBody>
-          <a:bodyPr/>
-          <a:lstStyle/>
-          <a:p>
-            <a:pPr lvl="0" indent="0" marL="0">
-              <a:buNone/>
-            </a:pPr>
-            <a:r>
-              <a:rPr/>
-              <a:t>Anastomotic Leak</a:t>
+            <a:off x="284309" y="205979"/>
+            <a:ext cx="8552330" cy="662317"/>
+          </a:xfrm>
+        </p:spPr>
+        <p:txBody>
+          <a:bodyPr/>
+          <a:lstStyle/>
+          <a:p>
+            <a:pPr lvl="0" indent="0" marL="0">
+              <a:buNone/>
+            </a:pPr>
+            <a:r>
+              <a:rPr/>
+              <a:t>Preventing Pneumonia</a:t>
             </a:r>
           </a:p>
         </p:txBody>
@@ -4609,7 +4628,7 @@
             <a:spLocks noGrp="1"/>
           </p:cNvSpPr>
           <p:nvPr>
-            <p:ph idx="1" sz="half"/>
+            <p:ph idx="1"/>
           </p:nvPr>
         </p:nvSpPr>
         <p:spPr/>
@@ -4622,62 +4641,55 @@
             </a:pPr>
             <a:r>
               <a:rPr/>
-              <a:t>Risk of a leak depends upon:</a:t>
-            </a:r>
-          </a:p>
-          <a:p>
-            <a:pPr lvl="0"/>
-            <a:r>
-              <a:rPr/>
-              <a:t>Type of operation performed</a:t>
-            </a:r>
-          </a:p>
-          <a:p>
-            <a:pPr lvl="0"/>
-            <a:r>
-              <a:rPr/>
-              <a:t>Overall nutritional status of patient</a:t>
-            </a:r>
-          </a:p>
-          <a:p>
-            <a:pPr lvl="0"/>
-            <a:r>
-              <a:rPr/>
-              <a:t>Experience of the surgeon</a:t>
-            </a:r>
-          </a:p>
-        </p:txBody>
-      </p:sp>
-      <p:pic>
-        <p:nvPicPr>
-          <p:cNvPr descr="https://deidt7p41jzcy.cloudfront.net/Eso_IvorLewis_Leak.png" id="0" name="Picture 1"/>
-          <p:cNvPicPr>
-            <a:picLocks noGrp="1" noChangeAspect="1"/>
-          </p:cNvPicPr>
-          <p:nvPr/>
-        </p:nvPicPr>
-        <p:blipFill>
-          <a:blip r:embed="rId2"/>
-          <a:stretch>
-            <a:fillRect/>
-          </a:stretch>
-        </p:blipFill>
-        <p:spPr bwMode="auto">
-          <a:xfrm>
-            <a:off x="4914900" y="1193800"/>
-            <a:ext cx="3632200" cy="3733800"/>
-          </a:xfrm>
-          <a:prstGeom prst="rect">
-            <a:avLst/>
-          </a:prstGeom>
-          <a:noFill/>
-          <a:ln w="9525">
-            <a:noFill/>
-            <a:headEnd/>
-            <a:tailEnd/>
-          </a:ln>
-        </p:spPr>
-      </p:pic>
+              <a:t>Several ways to help prevent pneumonia after surgery:</a:t>
+            </a:r>
+          </a:p>
+          <a:p>
+            <a:pPr lvl="0"/>
+            <a:r>
+              <a:rPr/>
+              <a:t>Deep breathing</a:t>
+            </a:r>
+          </a:p>
+          <a:p>
+            <a:pPr lvl="0"/>
+            <a:r>
+              <a:rPr/>
+              <a:t>Coughing</a:t>
+            </a:r>
+          </a:p>
+          <a:p>
+            <a:pPr lvl="0"/>
+            <a:r>
+              <a:rPr/>
+              <a:t>Walking</a:t>
+            </a:r>
+          </a:p>
+          <a:p>
+            <a:pPr lvl="0" indent="0" marL="0">
+              <a:buNone/>
+            </a:pPr>
+            <a:r>
+              <a:rPr/>
+              <a:t>After surgery, this means:</a:t>
+            </a:r>
+          </a:p>
+          <a:p>
+            <a:pPr lvl="0"/>
+            <a:r>
+              <a:rPr/>
+              <a:t>Sitting in a chair most of the day</a:t>
+            </a:r>
+          </a:p>
+          <a:p>
+            <a:pPr lvl="0"/>
+            <a:r>
+              <a:rPr/>
+              <a:t>Walking in the halls as soon as possible</a:t>
+            </a:r>
+          </a:p>
+        </p:txBody>
+      </p:sp>
     </p:spTree>
   </p:cSld>
 </p:sld>
@@ -4750,7 +4762,7 @@
             </a:pPr>
             <a:r>
               <a:rPr/>
-              <a:t>Surgery for esophageal cancer is performed in several situations:</a:t>
+              <a:t>Surgery for esophageal cancer is performed for:</a:t>
             </a:r>
           </a:p>
           <a:p>
@@ -4823,48 +4835,14 @@
             </a:pPr>
             <a:r>
               <a:rPr/>
-              <a:t>Pneumonia</a:t>
-            </a:r>
-          </a:p>
-        </p:txBody>
-      </p:sp>
-      <p:sp>
-        <p:nvSpPr>
-          <p:cNvPr id="3" name="Content Placeholder 2"/>
-          <p:cNvSpPr>
-            <a:spLocks noGrp="1"/>
-          </p:cNvSpPr>
-          <p:nvPr>
-            <p:ph idx="1" sz="half"/>
-          </p:nvPr>
-        </p:nvSpPr>
-        <p:spPr/>
-        <p:txBody>
-          <a:bodyPr/>
-          <a:lstStyle/>
-          <a:p>
-            <a:pPr lvl="0" indent="0" marL="0">
-              <a:buNone/>
-            </a:pPr>
-            <a:r>
-              <a:rPr/>
-              <a:t>Pneumonia can occurs in about 10-15% of patients after esophagectomy.</a:t>
-            </a:r>
-          </a:p>
-          <a:p>
-            <a:pPr lvl="0" indent="0" marL="0">
-              <a:buNone/>
-            </a:pPr>
-            <a:r>
-              <a:rPr/>
-              <a:t>Pneumonia requires treatment with antibiotics and frequently requires a longer hospitalization.</a:t>
+              <a:t>Minimally-invasive Esophagectomy</a:t>
             </a:r>
           </a:p>
         </p:txBody>
       </p:sp>
       <p:pic>
         <p:nvPicPr>
-          <p:cNvPr descr="https://deidt7p41jzcy.cloudfront.net/Eso_LungsArtboard.png" id="0" name="Picture 1"/>
+          <p:cNvPr descr="https://deidt7p41jzcy.cloudfront.net/mie_abd.png" id="0" name="Picture 1"/>
           <p:cNvPicPr>
             <a:picLocks noGrp="1" noChangeAspect="1"/>
           </p:cNvPicPr>
@@ -4878,8 +4856,38 @@
         </p:blipFill>
         <p:spPr bwMode="auto">
           <a:xfrm>
-            <a:off x="4914900" y="1193800"/>
-            <a:ext cx="3632200" cy="3733800"/>
+            <a:off x="304800" y="1498600"/>
+            <a:ext cx="4178300" cy="3136900"/>
+          </a:xfrm>
+          <a:prstGeom prst="rect">
+            <a:avLst/>
+          </a:prstGeom>
+          <a:noFill/>
+          <a:ln w="9525">
+            <a:noFill/>
+            <a:headEnd/>
+            <a:tailEnd/>
+          </a:ln>
+        </p:spPr>
+      </p:pic>
+      <p:pic>
+        <p:nvPicPr>
+          <p:cNvPr descr="https://deidt7p41jzcy.cloudfront.net/mie_chest.png" id="0" name="Picture 1"/>
+          <p:cNvPicPr>
+            <a:picLocks noGrp="1" noChangeAspect="1"/>
+          </p:cNvPicPr>
+          <p:nvPr/>
+        </p:nvPicPr>
+        <p:blipFill>
+          <a:blip r:embed="rId3"/>
+          <a:stretch>
+            <a:fillRect/>
+          </a:stretch>
+        </p:blipFill>
+        <p:spPr bwMode="auto">
+          <a:xfrm>
+            <a:off x="4635500" y="1485900"/>
+            <a:ext cx="4191000" cy="3149600"/>
           </a:xfrm>
           <a:prstGeom prst="rect">
             <a:avLst/>
@@ -4939,7 +4947,7 @@
             </a:pPr>
             <a:r>
               <a:rPr/>
-              <a:t>Preventing Pneumonia</a:t>
+              <a:t>Risks of Surgery</a:t>
             </a:r>
           </a:p>
         </p:txBody>
@@ -4964,51 +4972,42 @@
             </a:pPr>
             <a:r>
               <a:rPr/>
-              <a:t>Several ways to help prevent pneumonia after surgery:</a:t>
-            </a:r>
-          </a:p>
-          <a:p>
-            <a:pPr lvl="0"/>
-            <a:r>
-              <a:rPr/>
-              <a:t>Deep breathing</a:t>
-            </a:r>
-          </a:p>
-          <a:p>
-            <a:pPr lvl="0"/>
-            <a:r>
-              <a:rPr/>
-              <a:t>Coughing</a:t>
-            </a:r>
-          </a:p>
-          <a:p>
-            <a:pPr lvl="0"/>
-            <a:r>
-              <a:rPr/>
-              <a:t>Walking</a:t>
-            </a:r>
-          </a:p>
-          <a:p>
-            <a:pPr lvl="0" indent="0" marL="0">
-              <a:buNone/>
-            </a:pPr>
-            <a:r>
-              <a:rPr/>
-              <a:t>After surgery, this means:</a:t>
-            </a:r>
-          </a:p>
-          <a:p>
-            <a:pPr lvl="0"/>
-            <a:r>
-              <a:rPr/>
-              <a:t>Sitting in a chair most of the day</a:t>
-            </a:r>
-          </a:p>
-          <a:p>
-            <a:pPr lvl="0"/>
-            <a:r>
-              <a:rPr/>
-              <a:t>Walking in the halls as soon as possible</a:t>
+              <a:t>Risks related to anesthesia</a:t>
+            </a:r>
+          </a:p>
+          <a:p>
+            <a:pPr lvl="0"/>
+            <a:r>
+              <a:rPr/>
+              <a:t>Heart attack (5%)</a:t>
+            </a:r>
+          </a:p>
+          <a:p>
+            <a:pPr lvl="0"/>
+            <a:r>
+              <a:rPr/>
+              <a:t>Irregular heart rhythm (15%)</a:t>
+            </a:r>
+          </a:p>
+          <a:p>
+            <a:pPr lvl="0"/>
+            <a:r>
+              <a:rPr/>
+              <a:t>Pneumonia (10%)</a:t>
+            </a:r>
+          </a:p>
+          <a:p>
+            <a:pPr lvl="0"/>
+            <a:r>
+              <a:rPr/>
+              <a:t>Blood clots in legs (&lt;5%)</a:t>
+            </a:r>
+          </a:p>
+          <a:p>
+            <a:pPr lvl="0"/>
+            <a:r>
+              <a:rPr/>
+              <a:t>Pulmonary embolism (2%)</a:t>
             </a:r>
           </a:p>
         </p:txBody>
@@ -5047,321 +5046,97 @@
         </p:nvSpPr>
         <p:spPr>
           <a:xfrm>
-            <a:off x="315045" y="205979"/>
-            <a:ext cx="8529278" cy="857250"/>
-          </a:xfrm>
-        </p:spPr>
-        <p:txBody>
-          <a:bodyPr/>
-          <a:lstStyle/>
-          <a:p>
-            <a:pPr lvl="0" indent="0" marL="0">
-              <a:buNone/>
-            </a:pPr>
-            <a:r>
-              <a:rPr/>
-              <a:t>Minimally-invasive Esophagectomy</a:t>
-            </a:r>
-          </a:p>
-        </p:txBody>
-      </p:sp>
-      <p:pic>
-        <p:nvPicPr>
-          <p:cNvPr descr="https://deidt7p41jzcy.cloudfront.net/mie_abd.png" id="0" name="Picture 1"/>
-          <p:cNvPicPr>
-            <a:picLocks noGrp="1" noChangeAspect="1"/>
-          </p:cNvPicPr>
-          <p:nvPr/>
-        </p:nvPicPr>
-        <p:blipFill>
-          <a:blip r:embed="rId2"/>
-          <a:stretch>
-            <a:fillRect/>
-          </a:stretch>
-        </p:blipFill>
-        <p:spPr bwMode="auto">
-          <a:xfrm>
-            <a:off x="304800" y="1498600"/>
-            <a:ext cx="4178300" cy="3136900"/>
-          </a:xfrm>
-          <a:prstGeom prst="rect">
-            <a:avLst/>
-          </a:prstGeom>
-          <a:noFill/>
-          <a:ln w="9525">
-            <a:noFill/>
-            <a:headEnd/>
-            <a:tailEnd/>
-          </a:ln>
-        </p:spPr>
-      </p:pic>
-      <p:pic>
-        <p:nvPicPr>
-          <p:cNvPr descr="https://deidt7p41jzcy.cloudfront.net/mie_chest.png" id="0" name="Picture 1"/>
-          <p:cNvPicPr>
-            <a:picLocks noGrp="1" noChangeAspect="1"/>
-          </p:cNvPicPr>
-          <p:nvPr/>
-        </p:nvPicPr>
-        <p:blipFill>
-          <a:blip r:embed="rId3"/>
-          <a:stretch>
-            <a:fillRect/>
-          </a:stretch>
-        </p:blipFill>
-        <p:spPr bwMode="auto">
-          <a:xfrm>
-            <a:off x="4635500" y="1485900"/>
-            <a:ext cx="4191000" cy="3149600"/>
-          </a:xfrm>
-          <a:prstGeom prst="rect">
-            <a:avLst/>
-          </a:prstGeom>
-          <a:noFill/>
-          <a:ln w="9525">
-            <a:noFill/>
-            <a:headEnd/>
-            <a:tailEnd/>
-          </a:ln>
-        </p:spPr>
-      </p:pic>
+            <a:off x="284309" y="205979"/>
+            <a:ext cx="8552330" cy="662317"/>
+          </a:xfrm>
+        </p:spPr>
+        <p:txBody>
+          <a:bodyPr/>
+          <a:lstStyle/>
+          <a:p>
+            <a:pPr lvl="0" indent="0" marL="0">
+              <a:buNone/>
+            </a:pPr>
+            <a:r>
+              <a:rPr/>
+              <a:t>Risks of Surgery</a:t>
+            </a:r>
+          </a:p>
+        </p:txBody>
+      </p:sp>
+      <p:sp>
+        <p:nvSpPr>
+          <p:cNvPr id="3" name="Content Placeholder 2"/>
+          <p:cNvSpPr>
+            <a:spLocks noGrp="1"/>
+          </p:cNvSpPr>
+          <p:nvPr>
+            <p:ph idx="1"/>
+          </p:nvPr>
+        </p:nvSpPr>
+        <p:spPr/>
+        <p:txBody>
+          <a:bodyPr/>
+          <a:lstStyle/>
+          <a:p>
+            <a:pPr lvl="0" indent="0" marL="0">
+              <a:buNone/>
+            </a:pPr>
+            <a:r>
+              <a:rPr/>
+              <a:t>Risks related to Surgery</a:t>
+            </a:r>
+          </a:p>
+          <a:p>
+            <a:pPr lvl="0"/>
+            <a:r>
+              <a:rPr/>
+              <a:t>Anastomotic leak (5%)</a:t>
+            </a:r>
+          </a:p>
+          <a:p>
+            <a:pPr lvl="0"/>
+            <a:r>
+              <a:rPr/>
+              <a:t>Stricture at anastomosis (15%)</a:t>
+            </a:r>
+          </a:p>
+          <a:p>
+            <a:pPr lvl="0"/>
+            <a:r>
+              <a:rPr/>
+              <a:t>Death within 90 days of surgery</a:t>
+            </a:r>
+          </a:p>
+          <a:p>
+            <a:pPr lvl="1"/>
+            <a:r>
+              <a:rPr/>
+              <a:t>Low risk patients = 2%</a:t>
+            </a:r>
+          </a:p>
+          <a:p>
+            <a:pPr lvl="1"/>
+            <a:r>
+              <a:rPr/>
+              <a:t>Intermediate risk = 10%</a:t>
+            </a:r>
+          </a:p>
+          <a:p>
+            <a:pPr lvl="1"/>
+            <a:r>
+              <a:rPr/>
+              <a:t>High risk = 30%</a:t>
+            </a:r>
+          </a:p>
+        </p:txBody>
+      </p:sp>
     </p:spTree>
   </p:cSld>
 </p:sld>
 </file>
 
 <file path=ppt/slides/slide23.xml><?xml version="1.0" encoding="utf-8"?>
-<p:sld xmlns:a="http://schemas.openxmlformats.org/drawingml/2006/main" xmlns:r="http://schemas.openxmlformats.org/officeDocument/2006/relationships" xmlns:p="http://schemas.openxmlformats.org/presentationml/2006/main">
-  <p:cSld>
-    <p:spTree>
-      <p:nvGrpSpPr>
-        <p:cNvPr id="1" name=""/>
-        <p:cNvGrpSpPr/>
-        <p:nvPr/>
-      </p:nvGrpSpPr>
-      <p:grpSpPr>
-        <a:xfrm>
-          <a:off x="0" y="0"/>
-          <a:ext cx="0" cy="0"/>
-          <a:chOff x="0" y="0"/>
-          <a:chExt cx="0" cy="0"/>
-        </a:xfrm>
-      </p:grpSpPr>
-      <p:sp>
-        <p:nvSpPr>
-          <p:cNvPr id="2" name="Title 1"/>
-          <p:cNvSpPr>
-            <a:spLocks noGrp="1"/>
-          </p:cNvSpPr>
-          <p:nvPr>
-            <p:ph type="title"/>
-          </p:nvPr>
-        </p:nvSpPr>
-        <p:spPr>
-          <a:xfrm>
-            <a:off x="284309" y="205979"/>
-            <a:ext cx="8552330" cy="662317"/>
-          </a:xfrm>
-        </p:spPr>
-        <p:txBody>
-          <a:bodyPr/>
-          <a:lstStyle/>
-          <a:p>
-            <a:pPr lvl="0" indent="0" marL="0">
-              <a:buNone/>
-            </a:pPr>
-            <a:r>
-              <a:rPr/>
-              <a:t>Risks of Surgery</a:t>
-            </a:r>
-          </a:p>
-        </p:txBody>
-      </p:sp>
-      <p:sp>
-        <p:nvSpPr>
-          <p:cNvPr id="3" name="Content Placeholder 2"/>
-          <p:cNvSpPr>
-            <a:spLocks noGrp="1"/>
-          </p:cNvSpPr>
-          <p:nvPr>
-            <p:ph idx="1"/>
-          </p:nvPr>
-        </p:nvSpPr>
-        <p:spPr/>
-        <p:txBody>
-          <a:bodyPr/>
-          <a:lstStyle/>
-          <a:p>
-            <a:pPr lvl="0" indent="0" marL="0">
-              <a:buNone/>
-            </a:pPr>
-            <a:r>
-              <a:rPr/>
-              <a:t>Risks related to anesthesia</a:t>
-            </a:r>
-          </a:p>
-          <a:p>
-            <a:pPr lvl="0"/>
-            <a:r>
-              <a:rPr/>
-              <a:t>Heart attack (5%)</a:t>
-            </a:r>
-          </a:p>
-          <a:p>
-            <a:pPr lvl="0"/>
-            <a:r>
-              <a:rPr/>
-              <a:t>Irregular heart rhythm (15%)</a:t>
-            </a:r>
-          </a:p>
-          <a:p>
-            <a:pPr lvl="0"/>
-            <a:r>
-              <a:rPr/>
-              <a:t>Pneumonia (10%)</a:t>
-            </a:r>
-          </a:p>
-          <a:p>
-            <a:pPr lvl="0"/>
-            <a:r>
-              <a:rPr/>
-              <a:t>Blood clots in legs (&lt;5%)</a:t>
-            </a:r>
-          </a:p>
-          <a:p>
-            <a:pPr lvl="0"/>
-            <a:r>
-              <a:rPr/>
-              <a:t>Pulmonary embolism (2%)</a:t>
-            </a:r>
-          </a:p>
-        </p:txBody>
-      </p:sp>
-    </p:spTree>
-  </p:cSld>
-</p:sld>
-</file>
-
-<file path=ppt/slides/slide24.xml><?xml version="1.0" encoding="utf-8"?>
-<p:sld xmlns:a="http://schemas.openxmlformats.org/drawingml/2006/main" xmlns:r="http://schemas.openxmlformats.org/officeDocument/2006/relationships" xmlns:p="http://schemas.openxmlformats.org/presentationml/2006/main">
-  <p:cSld>
-    <p:spTree>
-      <p:nvGrpSpPr>
-        <p:cNvPr id="1" name=""/>
-        <p:cNvGrpSpPr/>
-        <p:nvPr/>
-      </p:nvGrpSpPr>
-      <p:grpSpPr>
-        <a:xfrm>
-          <a:off x="0" y="0"/>
-          <a:ext cx="0" cy="0"/>
-          <a:chOff x="0" y="0"/>
-          <a:chExt cx="0" cy="0"/>
-        </a:xfrm>
-      </p:grpSpPr>
-      <p:sp>
-        <p:nvSpPr>
-          <p:cNvPr id="2" name="Title 1"/>
-          <p:cNvSpPr>
-            <a:spLocks noGrp="1"/>
-          </p:cNvSpPr>
-          <p:nvPr>
-            <p:ph type="title"/>
-          </p:nvPr>
-        </p:nvSpPr>
-        <p:spPr>
-          <a:xfrm>
-            <a:off x="284309" y="205979"/>
-            <a:ext cx="8552330" cy="662317"/>
-          </a:xfrm>
-        </p:spPr>
-        <p:txBody>
-          <a:bodyPr/>
-          <a:lstStyle/>
-          <a:p>
-            <a:pPr lvl="0" indent="0" marL="0">
-              <a:buNone/>
-            </a:pPr>
-            <a:r>
-              <a:rPr/>
-              <a:t>Risks of Surgery</a:t>
-            </a:r>
-          </a:p>
-        </p:txBody>
-      </p:sp>
-      <p:sp>
-        <p:nvSpPr>
-          <p:cNvPr id="3" name="Content Placeholder 2"/>
-          <p:cNvSpPr>
-            <a:spLocks noGrp="1"/>
-          </p:cNvSpPr>
-          <p:nvPr>
-            <p:ph idx="1"/>
-          </p:nvPr>
-        </p:nvSpPr>
-        <p:spPr/>
-        <p:txBody>
-          <a:bodyPr/>
-          <a:lstStyle/>
-          <a:p>
-            <a:pPr lvl="0" indent="0" marL="0">
-              <a:buNone/>
-            </a:pPr>
-            <a:r>
-              <a:rPr/>
-              <a:t>Risks related to Surgery</a:t>
-            </a:r>
-          </a:p>
-          <a:p>
-            <a:pPr lvl="0"/>
-            <a:r>
-              <a:rPr/>
-              <a:t>Anastomotic leak (5%)</a:t>
-            </a:r>
-          </a:p>
-          <a:p>
-            <a:pPr lvl="0"/>
-            <a:r>
-              <a:rPr/>
-              <a:t>Stricture at anastomosis (15%)</a:t>
-            </a:r>
-          </a:p>
-          <a:p>
-            <a:pPr lvl="0"/>
-            <a:r>
-              <a:rPr/>
-              <a:t>Death within 90 days of surgery</a:t>
-            </a:r>
-          </a:p>
-          <a:p>
-            <a:pPr lvl="1"/>
-            <a:r>
-              <a:rPr/>
-              <a:t>Low risk patients = 2%</a:t>
-            </a:r>
-          </a:p>
-          <a:p>
-            <a:pPr lvl="1"/>
-            <a:r>
-              <a:rPr/>
-              <a:t>Intermediate risk = 10%</a:t>
-            </a:r>
-          </a:p>
-          <a:p>
-            <a:pPr lvl="1"/>
-            <a:r>
-              <a:rPr/>
-              <a:t>High risk = 30%</a:t>
-            </a:r>
-          </a:p>
-        </p:txBody>
-      </p:sp>
-    </p:spTree>
-  </p:cSld>
-</p:sld>
-</file>
-
-<file path=ppt/slides/slide25.xml><?xml version="1.0" encoding="utf-8"?>
 <p:sld xmlns:a="http://schemas.openxmlformats.org/drawingml/2006/main" xmlns:r="http://schemas.openxmlformats.org/officeDocument/2006/relationships" xmlns:p="http://schemas.openxmlformats.org/presentationml/2006/main">
   <p:cSld>
     <p:spTree>
@@ -5610,6 +5385,206 @@
 </p:sld>
 </file>
 
+<file path=ppt/slides/slide24.xml><?xml version="1.0" encoding="utf-8"?>
+<p:sld xmlns:a="http://schemas.openxmlformats.org/drawingml/2006/main" xmlns:r="http://schemas.openxmlformats.org/officeDocument/2006/relationships" xmlns:p="http://schemas.openxmlformats.org/presentationml/2006/main">
+  <p:cSld>
+    <p:spTree>
+      <p:nvGrpSpPr>
+        <p:cNvPr id="1" name=""/>
+        <p:cNvGrpSpPr/>
+        <p:nvPr/>
+      </p:nvGrpSpPr>
+      <p:grpSpPr>
+        <a:xfrm>
+          <a:off x="0" y="0"/>
+          <a:ext cx="0" cy="0"/>
+          <a:chOff x="0" y="0"/>
+          <a:chExt cx="0" cy="0"/>
+        </a:xfrm>
+      </p:grpSpPr>
+      <p:sp>
+        <p:nvSpPr>
+          <p:cNvPr id="2" name="Title 1"/>
+          <p:cNvSpPr>
+            <a:spLocks noGrp="1"/>
+          </p:cNvSpPr>
+          <p:nvPr>
+            <p:ph type="title"/>
+          </p:nvPr>
+        </p:nvSpPr>
+        <p:spPr>
+          <a:xfrm>
+            <a:off x="284309" y="205979"/>
+            <a:ext cx="8552330" cy="662317"/>
+          </a:xfrm>
+        </p:spPr>
+        <p:txBody>
+          <a:bodyPr/>
+          <a:lstStyle/>
+          <a:p>
+            <a:pPr lvl="0" indent="0" marL="0">
+              <a:buNone/>
+            </a:pPr>
+            <a:r>
+              <a:rPr/>
+              <a:t>Day Prior to Surgery</a:t>
+            </a:r>
+          </a:p>
+        </p:txBody>
+      </p:sp>
+      <p:sp>
+        <p:nvSpPr>
+          <p:cNvPr id="3" name="Content Placeholder 2"/>
+          <p:cNvSpPr>
+            <a:spLocks noGrp="1"/>
+          </p:cNvSpPr>
+          <p:nvPr>
+            <p:ph idx="1"/>
+          </p:nvPr>
+        </p:nvSpPr>
+        <p:spPr/>
+        <p:txBody>
+          <a:bodyPr/>
+          <a:lstStyle/>
+          <a:p>
+            <a:pPr lvl="0"/>
+            <a:r>
+              <a:rPr/>
+              <a:t>Clear liquids for 24 hours prior to surgery</a:t>
+            </a:r>
+          </a:p>
+          <a:p>
+            <a:pPr lvl="0"/>
+            <a:r>
+              <a:rPr/>
+              <a:t>Check with Pre-op nurse regarding medicines day prior to surgery</a:t>
+            </a:r>
+          </a:p>
+          <a:p>
+            <a:pPr lvl="0"/>
+            <a:r>
+              <a:rPr/>
+              <a:t>No tube feedings the night before surgery</a:t>
+            </a:r>
+          </a:p>
+        </p:txBody>
+      </p:sp>
+    </p:spTree>
+  </p:cSld>
+</p:sld>
+</file>
+
+<file path=ppt/slides/slide25.xml><?xml version="1.0" encoding="utf-8"?>
+<p:sld xmlns:a="http://schemas.openxmlformats.org/drawingml/2006/main" xmlns:r="http://schemas.openxmlformats.org/officeDocument/2006/relationships" xmlns:p="http://schemas.openxmlformats.org/presentationml/2006/main">
+  <p:cSld>
+    <p:spTree>
+      <p:nvGrpSpPr>
+        <p:cNvPr id="1" name=""/>
+        <p:cNvGrpSpPr/>
+        <p:nvPr/>
+      </p:nvGrpSpPr>
+      <p:grpSpPr>
+        <a:xfrm>
+          <a:off x="0" y="0"/>
+          <a:ext cx="0" cy="0"/>
+          <a:chOff x="0" y="0"/>
+          <a:chExt cx="0" cy="0"/>
+        </a:xfrm>
+      </p:grpSpPr>
+      <p:sp>
+        <p:nvSpPr>
+          <p:cNvPr id="2" name="Title 1"/>
+          <p:cNvSpPr>
+            <a:spLocks noGrp="1"/>
+          </p:cNvSpPr>
+          <p:nvPr>
+            <p:ph type="title"/>
+          </p:nvPr>
+        </p:nvSpPr>
+        <p:spPr>
+          <a:xfrm>
+            <a:off x="284309" y="205979"/>
+            <a:ext cx="8552330" cy="662317"/>
+          </a:xfrm>
+        </p:spPr>
+        <p:txBody>
+          <a:bodyPr/>
+          <a:lstStyle/>
+          <a:p>
+            <a:pPr lvl="0" indent="0" marL="0">
+              <a:buNone/>
+            </a:pPr>
+            <a:r>
+              <a:rPr/>
+              <a:t>Day of Surgery</a:t>
+            </a:r>
+          </a:p>
+        </p:txBody>
+      </p:sp>
+      <p:sp>
+        <p:nvSpPr>
+          <p:cNvPr id="3" name="Content Placeholder 2"/>
+          <p:cNvSpPr>
+            <a:spLocks noGrp="1"/>
+          </p:cNvSpPr>
+          <p:nvPr>
+            <p:ph idx="1"/>
+          </p:nvPr>
+        </p:nvSpPr>
+        <p:spPr/>
+        <p:txBody>
+          <a:bodyPr/>
+          <a:lstStyle/>
+          <a:p>
+            <a:pPr lvl="0"/>
+            <a:r>
+              <a:rPr/>
+              <a:t>Arrive at 5am – nothing to eat or drink after midnight.</a:t>
+            </a:r>
+          </a:p>
+          <a:p>
+            <a:pPr lvl="0"/>
+            <a:r>
+              <a:rPr/>
+              <a:t>Medicines w/ a sip of water (or black coffee) but </a:t>
+            </a:r>
+            <a:r>
+              <a:rPr b="1"/>
+              <a:t>no cream</a:t>
+            </a:r>
+            <a:r>
+              <a:rPr/>
+              <a:t>.</a:t>
+            </a:r>
+          </a:p>
+          <a:p>
+            <a:pPr lvl="0"/>
+            <a:r>
+              <a:rPr/>
+              <a:t>Surgery will be cancelled if you have cream/milk</a:t>
+            </a:r>
+          </a:p>
+          <a:p>
+            <a:pPr lvl="0"/>
+            <a:r>
+              <a:rPr/>
+              <a:t>Waiting room for family and friends on 5th floor</a:t>
+            </a:r>
+          </a:p>
+          <a:p>
+            <a:pPr lvl="0"/>
+            <a:r>
+              <a:rPr/>
+              <a:t>Post-operative care in STICU (11th floor)</a:t>
+            </a:r>
+          </a:p>
+        </p:txBody>
+      </p:sp>
+    </p:spTree>
+  </p:cSld>
+</p:sld>
+</file>
+
 <file path=ppt/slides/slide26.xml><?xml version="1.0" encoding="utf-8"?>
 <p:sld xmlns:a="http://schemas.openxmlformats.org/drawingml/2006/main" xmlns:r="http://schemas.openxmlformats.org/officeDocument/2006/relationships" xmlns:p="http://schemas.openxmlformats.org/presentationml/2006/main">
   <p:cSld>
@@ -5652,7 +5627,7 @@
             </a:pPr>
             <a:r>
               <a:rPr/>
-              <a:t>Preparing for Cancer Treatment</a:t>
+              <a:t>Epidural Catheter for Pain Control</a:t>
             </a:r>
           </a:p>
         </p:txBody>
@@ -5675,28 +5650,35 @@
             <a:pPr lvl="0"/>
             <a:r>
               <a:rPr/>
-              <a:t>Primary Care Physician</a:t>
-            </a:r>
-          </a:p>
-          <a:p>
-            <a:pPr lvl="0"/>
-            <a:r>
-              <a:rPr/>
-              <a:t>MyAtrium Portal</a:t>
-            </a:r>
-          </a:p>
-          <a:p>
-            <a:pPr lvl="0"/>
-            <a:r>
-              <a:rPr/>
-              <a:t>Exercise</a:t>
-            </a:r>
-          </a:p>
-          <a:p>
-            <a:pPr lvl="0"/>
-            <a:r>
-              <a:rPr/>
-              <a:t>Smoking Cessation</a:t>
+              <a:t>Remains in place for 2-5 days</a:t>
+            </a:r>
+          </a:p>
+          <a:p>
+            <a:pPr lvl="0"/>
+            <a:r>
+              <a:rPr/>
+              <a:t>Dosage can be adjusted as needed</a:t>
+            </a:r>
+          </a:p>
+          <a:p>
+            <a:pPr lvl="0"/>
+            <a:r>
+              <a:rPr/>
+              <a:t>Can make it more difficult to urinate</a:t>
+            </a:r>
+          </a:p>
+          <a:p>
+            <a:pPr lvl="0"/>
+            <a:r>
+              <a:rPr/>
+              <a:t>May require foley catheter in bladder</a:t>
+            </a:r>
+          </a:p>
+          <a:p>
+            <a:pPr lvl="0"/>
+            <a:r>
+              <a:rPr/>
+              <a:t>Foley catheter removed after epidural removed</a:t>
             </a:r>
           </a:p>
         </p:txBody>
@@ -5748,7 +5730,7 @@
             </a:pPr>
             <a:r>
               <a:rPr/>
-              <a:t>Primary Care Practitioner (PCP)</a:t>
+              <a:t>ICU Stay (2-4 days)</a:t>
             </a:r>
           </a:p>
         </p:txBody>
@@ -5768,30 +5750,38 @@
           <a:bodyPr/>
           <a:lstStyle/>
           <a:p>
-            <a:pPr lvl="0" indent="0" marL="0">
-              <a:buNone/>
-            </a:pPr>
-            <a:r>
-              <a:rPr/>
-              <a:t>A PCP is critical to coordinate care between specialists.</a:t>
-            </a:r>
-          </a:p>
-          <a:p>
-            <a:pPr lvl="0" indent="0" marL="0">
-              <a:buNone/>
-            </a:pPr>
-            <a:r>
-              <a:rPr/>
-              <a:t>We will update your PCP after each visit</a:t>
-            </a:r>
-          </a:p>
-          <a:p>
-            <a:pPr lvl="0" indent="0" marL="0">
-              <a:buNone/>
-            </a:pPr>
-            <a:r>
-              <a:rPr/>
-              <a:t>Call our referral line at (844) 235-6998 if you need a PCP</a:t>
+            <a:pPr lvl="0"/>
+            <a:r>
+              <a:rPr/>
+              <a:t>NG tube in nose to drain stomach and esophagus</a:t>
+            </a:r>
+          </a:p>
+          <a:p>
+            <a:pPr lvl="0"/>
+            <a:r>
+              <a:rPr/>
+              <a:t>Catheter in bladder</a:t>
+            </a:r>
+          </a:p>
+          <a:p>
+            <a:pPr lvl="0"/>
+            <a:r>
+              <a:rPr/>
+              <a:t>Chest tube right chest</a:t>
+            </a:r>
+          </a:p>
+          <a:p>
+            <a:pPr lvl="0"/>
+            <a:r>
+              <a:rPr/>
+              <a:t>Abdominal drains (usually 2)</a:t>
+            </a:r>
+          </a:p>
+          <a:p>
+            <a:pPr lvl="0"/>
+            <a:r>
+              <a:rPr/>
+              <a:t>Feeding jejunostomy (usually stays in 8 wks)</a:t>
             </a:r>
           </a:p>
         </p:txBody>
@@ -5843,9 +5833,8 @@
             </a:pPr>
             <a:r>
               <a:rPr/>
-              <a:t>My Atrium Patient Portal</a:t>
-            </a:r>
-            <a:br/>
+              <a:t>ICU</a:t>
+            </a:r>
           </a:p>
         </p:txBody>
       </p:sp>
@@ -5867,21 +5856,35 @@
             <a:pPr lvl="0"/>
             <a:r>
               <a:rPr/>
-              <a:t>Critical to good communication with your care team</a:t>
-            </a:r>
-          </a:p>
-          <a:p>
-            <a:pPr lvl="0"/>
-            <a:r>
-              <a:rPr/>
-              <a:t>Available for desktop or laptop or phone</a:t>
-            </a:r>
-          </a:p>
-          <a:p>
-            <a:pPr lvl="0"/>
-            <a:r>
-              <a:rPr/>
-              <a:t>Sign up at my.atriumhealth.org</a:t>
+              <a:t>Bladder catheter removed → check that bladder empties properly</a:t>
+            </a:r>
+          </a:p>
+          <a:p>
+            <a:pPr lvl="0"/>
+            <a:r>
+              <a:rPr/>
+              <a:t>Chest tube removed (day 2-4) → follow-up chest x-ray</a:t>
+            </a:r>
+          </a:p>
+          <a:p>
+            <a:pPr lvl="0"/>
+            <a:r>
+              <a:rPr/>
+              <a:t>Fluid emptied from drains every few hours</a:t>
+            </a:r>
+          </a:p>
+          <a:p>
+            <a:pPr lvl="0"/>
+            <a:r>
+              <a:rPr/>
+              <a:t>Start tube feedings by feeding</a:t>
+            </a:r>
+          </a:p>
+          <a:p>
+            <a:pPr lvl="0"/>
+            <a:r>
+              <a:rPr/>
+              <a:t>Feeding jejunostomy (stays in 8 weeks)</a:t>
             </a:r>
           </a:p>
         </p:txBody>
@@ -5933,7 +5936,7 @@
             </a:pPr>
             <a:r>
               <a:rPr/>
-              <a:t>Exercise</a:t>
+              <a:t>Ward - 6Tower</a:t>
             </a:r>
           </a:p>
         </p:txBody>
@@ -5956,35 +5959,42 @@
             <a:pPr lvl="0"/>
             <a:r>
               <a:rPr/>
-              <a:t>Reduces risk of complications from treatment</a:t>
-            </a:r>
-          </a:p>
-          <a:p>
-            <a:pPr lvl="0"/>
-            <a:r>
-              <a:rPr/>
-              <a:t>Goal is 30min/day of vigorous exercise 6 days/week</a:t>
+              <a:t>Jejunostomy feeds started</a:t>
+            </a:r>
+          </a:p>
+          <a:p>
+            <a:pPr lvl="0"/>
+            <a:r>
+              <a:rPr/>
+              <a:t>Up in a chair most of the day</a:t>
+            </a:r>
+          </a:p>
+          <a:p>
+            <a:pPr lvl="0"/>
+            <a:r>
+              <a:rPr/>
+              <a:t>Walking in the halls</a:t>
             </a:r>
           </a:p>
           <a:p>
             <a:pPr lvl="1"/>
             <a:r>
               <a:rPr/>
-              <a:t>Working hard enough that you can’t converse</a:t>
+              <a:t>Start with assistance</a:t>
             </a:r>
           </a:p>
           <a:p>
             <a:pPr lvl="1"/>
             <a:r>
               <a:rPr/>
-              <a:t>Start slowly and build up</a:t>
+              <a:t>Improves lung function</a:t>
             </a:r>
           </a:p>
           <a:p>
             <a:pPr lvl="1"/>
             <a:r>
               <a:rPr/>
-              <a:t>Every day counts! (Aim for some activity every day)</a:t>
+              <a:t>Prevents loss of muscle strength</a:t>
             </a:r>
           </a:p>
         </p:txBody>
@@ -6155,7 +6165,7 @@
             </a:pPr>
             <a:r>
               <a:rPr/>
-              <a:t>Smoking Cessation</a:t>
+              <a:t>Jejunostomy Feeds</a:t>
             </a:r>
           </a:p>
         </p:txBody>
@@ -6175,45 +6185,49 @@
           <a:bodyPr/>
           <a:lstStyle/>
           <a:p>
-            <a:pPr lvl="0"/>
-            <a:r>
-              <a:rPr/>
-              <a:t>Smoking makes cancer treatment more difficult</a:t>
-            </a:r>
-          </a:p>
-          <a:p>
-            <a:pPr lvl="1"/>
-            <a:r>
-              <a:rPr/>
-              <a:t>Increases risk of complications after surgery</a:t>
-            </a:r>
-          </a:p>
-          <a:p>
-            <a:pPr lvl="0"/>
-            <a:r>
-              <a:rPr/>
-              <a:t>Options for help with smoking cessation:</a:t>
-            </a:r>
-          </a:p>
-          <a:p>
-            <a:pPr lvl="1"/>
-            <a:r>
-              <a:rPr/>
-              <a:t>NC Quit Line 1-800-QUIT-NOW (1-800-784-8669)</a:t>
-            </a:r>
-          </a:p>
-          <a:p>
-            <a:pPr lvl="1"/>
-            <a:r>
-              <a:rPr/>
-              <a:t>American Lung Assn www.freddomfromsmoking.org</a:t>
-            </a:r>
-          </a:p>
-          <a:p>
-            <a:pPr lvl="1"/>
-            <a:r>
-              <a:rPr/>
-              <a:t>Smoking Cessation Counseling (Metro Charlotte)</a:t>
+            <a:pPr lvl="0" indent="0" marL="0">
+              <a:buNone/>
+            </a:pPr>
+            <a:r>
+              <a:rPr/>
+              <a:t>Jejunostomy tube feeds</a:t>
+            </a:r>
+          </a:p>
+          <a:p>
+            <a:pPr lvl="0"/>
+            <a:r>
+              <a:rPr/>
+              <a:t>Start continuous (24 hours)</a:t>
+            </a:r>
+          </a:p>
+          <a:p>
+            <a:pPr lvl="0"/>
+            <a:r>
+              <a:rPr/>
+              <a:t>Convert to night-time only (16 hours)</a:t>
+            </a:r>
+          </a:p>
+          <a:p>
+            <a:pPr lvl="0" indent="0" marL="0">
+              <a:buNone/>
+            </a:pPr>
+            <a:r>
+              <a:rPr/>
+              <a:t>Water administered through feeding tube</a:t>
+            </a:r>
+          </a:p>
+          <a:p>
+            <a:pPr lvl="0"/>
+            <a:r>
+              <a:rPr/>
+              <a:t>Usually 8oz 4 times/day</a:t>
+            </a:r>
+          </a:p>
+          <a:p>
+            <a:pPr lvl="0"/>
+            <a:r>
+              <a:rPr/>
+              <a:t>Important to prevent dehydration</a:t>
             </a:r>
           </a:p>
         </p:txBody>
@@ -6252,20 +6266,20 @@
         </p:nvSpPr>
         <p:spPr>
           <a:xfrm>
-            <a:off x="284309" y="205979"/>
-            <a:ext cx="8552330" cy="662317"/>
-          </a:xfrm>
-        </p:spPr>
-        <p:txBody>
-          <a:bodyPr/>
-          <a:lstStyle/>
-          <a:p>
-            <a:pPr lvl="0" indent="0" marL="0">
-              <a:buNone/>
-            </a:pPr>
-            <a:r>
-              <a:rPr/>
-              <a:t>Day Prior to Surgery</a:t>
+            <a:off x="315045" y="205979"/>
+            <a:ext cx="8529278" cy="857250"/>
+          </a:xfrm>
+        </p:spPr>
+        <p:txBody>
+          <a:bodyPr/>
+          <a:lstStyle/>
+          <a:p>
+            <a:pPr lvl="0" indent="0" marL="0">
+              <a:buNone/>
+            </a:pPr>
+            <a:r>
+              <a:rPr/>
+              <a:t>Jejunostomy Tube</a:t>
             </a:r>
           </a:p>
         </p:txBody>
@@ -6277,7 +6291,7 @@
             <a:spLocks noGrp="1"/>
           </p:cNvSpPr>
           <p:nvPr>
-            <p:ph idx="1"/>
+            <p:ph idx="1" sz="half"/>
           </p:nvPr>
         </p:nvSpPr>
         <p:spPr/>
@@ -6288,21 +6302,53 @@
             <a:pPr lvl="0"/>
             <a:r>
               <a:rPr/>
-              <a:t>Clear liquids for 24 hours prior to surgery</a:t>
-            </a:r>
-          </a:p>
-          <a:p>
-            <a:pPr lvl="0"/>
-            <a:r>
-              <a:rPr/>
-              <a:t>Check with Pre-op nurse regarding medicines day prior to surgery</a:t>
-            </a:r>
-          </a:p>
-          <a:p>
-            <a:pPr lvl="0"/>
-            <a:r>
-              <a:rPr/>
-              <a:t>No tube feedings the night before surgery</a:t>
+              <a:t>Allows nutrition to bypass the esophagus and stomach</a:t>
+            </a:r>
+          </a:p>
+          <a:p>
+            <a:pPr lvl="0"/>
+            <a:r>
+              <a:rPr/>
+              <a:t>Tube placed in small intestine</a:t>
+            </a:r>
+          </a:p>
+          <a:p>
+            <a:pPr lvl="0"/>
+            <a:r>
+              <a:rPr/>
+              <a:t>Requires a pump to adminster feedings slowly</a:t>
+            </a:r>
+          </a:p>
+          <a:p>
+            <a:pPr lvl="0"/>
+            <a:r>
+              <a:rPr/>
+              <a:t>Feeding usually done at night</a:t>
+            </a:r>
+          </a:p>
+        </p:txBody>
+      </p:sp>
+      <p:sp>
+        <p:nvSpPr>
+          <p:cNvPr id="4" name="Content Placeholder 3"/>
+          <p:cNvSpPr>
+            <a:spLocks noGrp="1"/>
+          </p:cNvSpPr>
+          <p:nvPr>
+            <p:ph idx="2" sz="half"/>
+          </p:nvPr>
+        </p:nvSpPr>
+        <p:spPr/>
+        <p:txBody>
+          <a:bodyPr/>
+          <a:lstStyle/>
+          <a:p>
+            <a:pPr lvl="0" indent="0" marL="0">
+              <a:buNone/>
+            </a:pPr>
+            <a:r>
+              <a:rPr/>
+              <a:t>Jejunostomy = Small Intestine </a:t>
             </a:r>
           </a:p>
         </p:txBody>
@@ -6354,7 +6400,7 @@
             </a:pPr>
             <a:r>
               <a:rPr/>
-              <a:t>Day of Surgery</a:t>
+              <a:t>Jejunostomy Typical Regimen</a:t>
             </a:r>
           </a:p>
         </p:txBody>
@@ -6377,43 +6423,37 @@
             <a:pPr lvl="0"/>
             <a:r>
               <a:rPr/>
-              <a:t>Arrive at 5am – nothing to eat or drink after midnight.</a:t>
-            </a:r>
-          </a:p>
-          <a:p>
-            <a:pPr lvl="0"/>
-            <a:r>
-              <a:rPr/>
-              <a:t>Medicines w/ a sip of water (or black coffee) but </a:t>
-            </a:r>
-            <a:r>
-              <a:rPr b="1"/>
-              <a:t>no cream</a:t>
-            </a:r>
-            <a:r>
-              <a:rPr/>
-              <a:t>.</a:t>
-            </a:r>
-          </a:p>
-          <a:p>
-            <a:pPr lvl="0"/>
-            <a:r>
-              <a:rPr/>
-              <a:t>Surgery will be cancelled if you have cream/milk</a:t>
-            </a:r>
-          </a:p>
-          <a:p>
-            <a:pPr lvl="0"/>
-            <a:r>
-              <a:rPr/>
-              <a:t>Waiting room for family and friends on 5th floor</a:t>
-            </a:r>
-          </a:p>
-          <a:p>
-            <a:pPr lvl="0"/>
-            <a:r>
-              <a:rPr/>
-              <a:t>Post-operative care in STICU (11th floor)</a:t>
+              <a:t>Jejunostomy tube feeds for 16 hours (6pm to 10am)</a:t>
+            </a:r>
+          </a:p>
+          <a:p>
+            <a:pPr lvl="1"/>
+            <a:r>
+              <a:rPr/>
+              <a:t>Men: 75mL/hour x 16 hours = 5 cartons</a:t>
+            </a:r>
+          </a:p>
+          <a:p>
+            <a:pPr lvl="1"/>
+            <a:r>
+              <a:rPr/>
+              <a:t>Women: 60mL/hour x 16 hours = 4 cartons</a:t>
+            </a:r>
+          </a:p>
+          <a:p>
+            <a:pPr lvl="0"/>
+            <a:r>
+              <a:rPr/>
+              <a:t>Water 240ml (8oz) via syringe 4x/day</a:t>
+            </a:r>
+          </a:p>
+          <a:p>
+            <a:pPr lvl="0" indent="0" marL="0">
+              <a:buNone/>
+            </a:pPr>
+            <a:r>
+              <a:rPr/>
+              <a:t>Hospital nurses will teach use of the feeding tube pump</a:t>
             </a:r>
           </a:p>
         </p:txBody>
@@ -6465,7 +6505,7 @@
             </a:pPr>
             <a:r>
               <a:rPr/>
-              <a:t>Epidural Catheter for Pain Control</a:t>
+              <a:t>Jejunostomy Feeds with Diabetes</a:t>
             </a:r>
           </a:p>
         </p:txBody>
@@ -6485,38 +6525,56 @@
           <a:bodyPr/>
           <a:lstStyle/>
           <a:p>
-            <a:pPr lvl="0"/>
-            <a:r>
-              <a:rPr/>
-              <a:t>Remains in place for 2-5 days</a:t>
-            </a:r>
-          </a:p>
-          <a:p>
-            <a:pPr lvl="0"/>
-            <a:r>
-              <a:rPr/>
-              <a:t>Dosage can be adjusted as needed</a:t>
-            </a:r>
-          </a:p>
-          <a:p>
-            <a:pPr lvl="0"/>
-            <a:r>
-              <a:rPr/>
-              <a:t>Can make it more difficult to urinate</a:t>
-            </a:r>
-          </a:p>
-          <a:p>
-            <a:pPr lvl="0"/>
-            <a:r>
-              <a:rPr/>
-              <a:t>May require foley catheter in bladder</a:t>
-            </a:r>
-          </a:p>
-          <a:p>
-            <a:pPr lvl="0"/>
-            <a:r>
-              <a:rPr/>
-              <a:t>Foley catheter removed after epidural removed</a:t>
+            <a:pPr lvl="0" indent="0" marL="0">
+              <a:buNone/>
+            </a:pPr>
+            <a:r>
+              <a:rPr/>
+              <a:t>Jejunostomy feedings elevate blood sugars</a:t>
+            </a:r>
+          </a:p>
+          <a:p>
+            <a:pPr lvl="0"/>
+            <a:r>
+              <a:rPr/>
+              <a:t>Insulin may be required along with feeds</a:t>
+            </a:r>
+          </a:p>
+          <a:p>
+            <a:pPr lvl="0" indent="0" marL="0">
+              <a:buNone/>
+            </a:pPr>
+            <a:r>
+              <a:rPr/>
+              <a:t>Typical Pattern for tube feeds</a:t>
+            </a:r>
+          </a:p>
+          <a:p>
+            <a:pPr lvl="0"/>
+            <a:r>
+              <a:rPr/>
+              <a:t>Feeds run via pump from 6pm to 10am</a:t>
+            </a:r>
+          </a:p>
+          <a:p>
+            <a:pPr lvl="0"/>
+            <a:r>
+              <a:rPr/>
+              <a:t>Insulin at 6pm (70/30 insulin)</a:t>
+            </a:r>
+          </a:p>
+          <a:p>
+            <a:pPr lvl="0"/>
+            <a:r>
+              <a:rPr/>
+              <a:t>Insulin at Midnight (70/30 insulin)</a:t>
+            </a:r>
+          </a:p>
+          <a:p>
+            <a:pPr lvl="0"/>
+            <a:r>
+              <a:rPr/>
+              <a:t>No insulin if tube feedings are not run</a:t>
             </a:r>
           </a:p>
         </p:txBody>
@@ -6555,20 +6613,20 @@
         </p:nvSpPr>
         <p:spPr>
           <a:xfrm>
-            <a:off x="284309" y="205979"/>
-            <a:ext cx="8552330" cy="662317"/>
-          </a:xfrm>
-        </p:spPr>
-        <p:txBody>
-          <a:bodyPr/>
-          <a:lstStyle/>
-          <a:p>
-            <a:pPr lvl="0" indent="0" marL="0">
-              <a:buNone/>
-            </a:pPr>
-            <a:r>
-              <a:rPr/>
-              <a:t>ICU Stay (2-4 days)</a:t>
+            <a:off x="315045" y="205979"/>
+            <a:ext cx="8529278" cy="857250"/>
+          </a:xfrm>
+        </p:spPr>
+        <p:txBody>
+          <a:bodyPr/>
+          <a:lstStyle/>
+          <a:p>
+            <a:pPr lvl="0" indent="0" marL="0">
+              <a:buNone/>
+            </a:pPr>
+            <a:r>
+              <a:rPr/>
+              <a:t>Jejunostomy Video</a:t>
             </a:r>
           </a:p>
         </p:txBody>
@@ -6580,7 +6638,7 @@
             <a:spLocks noGrp="1"/>
           </p:cNvSpPr>
           <p:nvPr>
-            <p:ph idx="1"/>
+            <p:ph idx="1" sz="half"/>
           </p:nvPr>
         </p:nvSpPr>
         <p:spPr/>
@@ -6588,42 +6646,46 @@
           <a:bodyPr/>
           <a:lstStyle/>
           <a:p>
-            <a:pPr lvl="0"/>
-            <a:r>
-              <a:rPr/>
-              <a:t>NG tube in nose to drain stomach and esophagus</a:t>
-            </a:r>
-          </a:p>
-          <a:p>
-            <a:pPr lvl="0"/>
-            <a:r>
-              <a:rPr/>
-              <a:t>Catheter in bladder</a:t>
-            </a:r>
-          </a:p>
-          <a:p>
-            <a:pPr lvl="0"/>
-            <a:r>
-              <a:rPr/>
-              <a:t>Chest tube right chest</a:t>
-            </a:r>
-          </a:p>
-          <a:p>
-            <a:pPr lvl="0"/>
-            <a:r>
-              <a:rPr/>
-              <a:t>Abdominal drains (usually 2)</a:t>
-            </a:r>
-          </a:p>
-          <a:p>
-            <a:pPr lvl="0"/>
-            <a:r>
-              <a:rPr/>
-              <a:t>Feeding jejunostomy (usually stays in 8 wks)</a:t>
-            </a:r>
-          </a:p>
-        </p:txBody>
-      </p:sp>
+            <a:pPr lvl="0" indent="0" marL="0">
+              <a:buNone/>
+            </a:pPr>
+            <a:r>
+              <a:rPr/>
+              <a:t>A video is available to help become familiar with the feeding jejunostomy</a:t>
+            </a:r>
+          </a:p>
+        </p:txBody>
+      </p:sp>
+      <p:pic>
+        <p:nvPicPr>
+          <p:cNvPr descr="https://deidt7p41jzcy.cloudfront.net/jejunostomy_qrcode.png" id="0" name="Picture 1"/>
+          <p:cNvPicPr>
+            <a:picLocks noGrp="1" noChangeAspect="1"/>
+          </p:cNvPicPr>
+          <p:nvPr/>
+        </p:nvPicPr>
+        <p:blipFill>
+          <a:blip r:embed="rId2"/>
+          <a:stretch>
+            <a:fillRect/>
+          </a:stretch>
+        </p:blipFill>
+        <p:spPr bwMode="auto">
+          <a:xfrm>
+            <a:off x="5067300" y="1193800"/>
+            <a:ext cx="3327400" cy="3733800"/>
+          </a:xfrm>
+          <a:prstGeom prst="rect">
+            <a:avLst/>
+          </a:prstGeom>
+          <a:noFill/>
+          <a:ln w="9525">
+            <a:noFill/>
+            <a:headEnd/>
+            <a:tailEnd/>
+          </a:ln>
+        </p:spPr>
+      </p:pic>
     </p:spTree>
   </p:cSld>
 </p:sld>
@@ -6671,7 +6733,7 @@
             </a:pPr>
             <a:r>
               <a:rPr/>
-              <a:t>ICU</a:t>
+              <a:t>Activity</a:t>
             </a:r>
           </a:p>
         </p:txBody>
@@ -6694,35 +6756,35 @@
             <a:pPr lvl="0"/>
             <a:r>
               <a:rPr/>
-              <a:t>Bladder catheter removed → check that bladder empties properly</a:t>
-            </a:r>
-          </a:p>
-          <a:p>
-            <a:pPr lvl="0"/>
-            <a:r>
-              <a:rPr/>
-              <a:t>Chest tube removed (day 2-4) → follow-up chest x-ray</a:t>
-            </a:r>
-          </a:p>
-          <a:p>
-            <a:pPr lvl="0"/>
-            <a:r>
-              <a:rPr/>
-              <a:t>Fluid emptied from drains every few hours</a:t>
-            </a:r>
-          </a:p>
-          <a:p>
-            <a:pPr lvl="0"/>
-            <a:r>
-              <a:rPr/>
-              <a:t>Start tube feedings by feeding</a:t>
-            </a:r>
-          </a:p>
-          <a:p>
-            <a:pPr lvl="0"/>
-            <a:r>
-              <a:rPr/>
-              <a:t>Feeding jejunostomy (stays in 8 weeks)</a:t>
+              <a:t>Up in chair most of the day</a:t>
+            </a:r>
+          </a:p>
+          <a:p>
+            <a:pPr lvl="0"/>
+            <a:r>
+              <a:rPr/>
+              <a:t>Walking with help from nurse/Physical Therapist</a:t>
+            </a:r>
+          </a:p>
+          <a:p>
+            <a:pPr lvl="0"/>
+            <a:r>
+              <a:rPr/>
+              <a:t>Goals:</a:t>
+            </a:r>
+          </a:p>
+          <a:p>
+            <a:pPr lvl="1"/>
+            <a:r>
+              <a:rPr/>
+              <a:t>Improve lung function</a:t>
+            </a:r>
+          </a:p>
+          <a:p>
+            <a:pPr lvl="1"/>
+            <a:r>
+              <a:rPr/>
+              <a:t>Prevent muscle loss</a:t>
             </a:r>
           </a:p>
         </p:txBody>
@@ -6733,792 +6795,6 @@
 </file>
 
 <file path=ppt/slides/slide36.xml><?xml version="1.0" encoding="utf-8"?>
-<p:sld xmlns:a="http://schemas.openxmlformats.org/drawingml/2006/main" xmlns:r="http://schemas.openxmlformats.org/officeDocument/2006/relationships" xmlns:p="http://schemas.openxmlformats.org/presentationml/2006/main">
-  <p:cSld>
-    <p:spTree>
-      <p:nvGrpSpPr>
-        <p:cNvPr id="1" name=""/>
-        <p:cNvGrpSpPr/>
-        <p:nvPr/>
-      </p:nvGrpSpPr>
-      <p:grpSpPr>
-        <a:xfrm>
-          <a:off x="0" y="0"/>
-          <a:ext cx="0" cy="0"/>
-          <a:chOff x="0" y="0"/>
-          <a:chExt cx="0" cy="0"/>
-        </a:xfrm>
-      </p:grpSpPr>
-      <p:sp>
-        <p:nvSpPr>
-          <p:cNvPr id="2" name="Title 1"/>
-          <p:cNvSpPr>
-            <a:spLocks noGrp="1"/>
-          </p:cNvSpPr>
-          <p:nvPr>
-            <p:ph type="title"/>
-          </p:nvPr>
-        </p:nvSpPr>
-        <p:spPr>
-          <a:xfrm>
-            <a:off x="284309" y="205979"/>
-            <a:ext cx="8552330" cy="662317"/>
-          </a:xfrm>
-        </p:spPr>
-        <p:txBody>
-          <a:bodyPr/>
-          <a:lstStyle/>
-          <a:p>
-            <a:pPr lvl="0" indent="0" marL="0">
-              <a:buNone/>
-            </a:pPr>
-            <a:r>
-              <a:rPr/>
-              <a:t>Ward - 6Tower</a:t>
-            </a:r>
-          </a:p>
-        </p:txBody>
-      </p:sp>
-      <p:sp>
-        <p:nvSpPr>
-          <p:cNvPr id="3" name="Content Placeholder 2"/>
-          <p:cNvSpPr>
-            <a:spLocks noGrp="1"/>
-          </p:cNvSpPr>
-          <p:nvPr>
-            <p:ph idx="1"/>
-          </p:nvPr>
-        </p:nvSpPr>
-        <p:spPr/>
-        <p:txBody>
-          <a:bodyPr/>
-          <a:lstStyle/>
-          <a:p>
-            <a:pPr lvl="0"/>
-            <a:r>
-              <a:rPr/>
-              <a:t>Jejunostomy feeds started</a:t>
-            </a:r>
-          </a:p>
-          <a:p>
-            <a:pPr lvl="0"/>
-            <a:r>
-              <a:rPr/>
-              <a:t>Up in a chair most of the day</a:t>
-            </a:r>
-          </a:p>
-          <a:p>
-            <a:pPr lvl="0"/>
-            <a:r>
-              <a:rPr/>
-              <a:t>Walking in the halls</a:t>
-            </a:r>
-          </a:p>
-          <a:p>
-            <a:pPr lvl="1"/>
-            <a:r>
-              <a:rPr/>
-              <a:t>Start with assistance</a:t>
-            </a:r>
-          </a:p>
-          <a:p>
-            <a:pPr lvl="1"/>
-            <a:r>
-              <a:rPr/>
-              <a:t>Improves lung function</a:t>
-            </a:r>
-          </a:p>
-          <a:p>
-            <a:pPr lvl="1"/>
-            <a:r>
-              <a:rPr/>
-              <a:t>Prevents loss of muscle strength</a:t>
-            </a:r>
-          </a:p>
-        </p:txBody>
-      </p:sp>
-    </p:spTree>
-  </p:cSld>
-</p:sld>
-</file>
-
-<file path=ppt/slides/slide37.xml><?xml version="1.0" encoding="utf-8"?>
-<p:sld xmlns:a="http://schemas.openxmlformats.org/drawingml/2006/main" xmlns:r="http://schemas.openxmlformats.org/officeDocument/2006/relationships" xmlns:p="http://schemas.openxmlformats.org/presentationml/2006/main">
-  <p:cSld>
-    <p:spTree>
-      <p:nvGrpSpPr>
-        <p:cNvPr id="1" name=""/>
-        <p:cNvGrpSpPr/>
-        <p:nvPr/>
-      </p:nvGrpSpPr>
-      <p:grpSpPr>
-        <a:xfrm>
-          <a:off x="0" y="0"/>
-          <a:ext cx="0" cy="0"/>
-          <a:chOff x="0" y="0"/>
-          <a:chExt cx="0" cy="0"/>
-        </a:xfrm>
-      </p:grpSpPr>
-      <p:sp>
-        <p:nvSpPr>
-          <p:cNvPr id="2" name="Title 1"/>
-          <p:cNvSpPr>
-            <a:spLocks noGrp="1"/>
-          </p:cNvSpPr>
-          <p:nvPr>
-            <p:ph type="title"/>
-          </p:nvPr>
-        </p:nvSpPr>
-        <p:spPr>
-          <a:xfrm>
-            <a:off x="284309" y="205979"/>
-            <a:ext cx="8552330" cy="662317"/>
-          </a:xfrm>
-        </p:spPr>
-        <p:txBody>
-          <a:bodyPr/>
-          <a:lstStyle/>
-          <a:p>
-            <a:pPr lvl="0" indent="0" marL="0">
-              <a:buNone/>
-            </a:pPr>
-            <a:r>
-              <a:rPr/>
-              <a:t>Jejunostomy Feeds</a:t>
-            </a:r>
-          </a:p>
-        </p:txBody>
-      </p:sp>
-      <p:sp>
-        <p:nvSpPr>
-          <p:cNvPr id="3" name="Content Placeholder 2"/>
-          <p:cNvSpPr>
-            <a:spLocks noGrp="1"/>
-          </p:cNvSpPr>
-          <p:nvPr>
-            <p:ph idx="1"/>
-          </p:nvPr>
-        </p:nvSpPr>
-        <p:spPr/>
-        <p:txBody>
-          <a:bodyPr/>
-          <a:lstStyle/>
-          <a:p>
-            <a:pPr lvl="0" indent="0" marL="0">
-              <a:buNone/>
-            </a:pPr>
-            <a:r>
-              <a:rPr/>
-              <a:t>Jejunostomy tube feeds</a:t>
-            </a:r>
-          </a:p>
-          <a:p>
-            <a:pPr lvl="0"/>
-            <a:r>
-              <a:rPr/>
-              <a:t>Start continuous (24 hours)</a:t>
-            </a:r>
-          </a:p>
-          <a:p>
-            <a:pPr lvl="0"/>
-            <a:r>
-              <a:rPr/>
-              <a:t>Convert to night-time only (16 hours)</a:t>
-            </a:r>
-          </a:p>
-          <a:p>
-            <a:pPr lvl="0" indent="0" marL="0">
-              <a:buNone/>
-            </a:pPr>
-            <a:r>
-              <a:rPr/>
-              <a:t>Water administered through feeding tube</a:t>
-            </a:r>
-          </a:p>
-          <a:p>
-            <a:pPr lvl="0"/>
-            <a:r>
-              <a:rPr/>
-              <a:t>Usually 8oz 4 times/day</a:t>
-            </a:r>
-          </a:p>
-          <a:p>
-            <a:pPr lvl="0"/>
-            <a:r>
-              <a:rPr/>
-              <a:t>Important to prevent dehydration</a:t>
-            </a:r>
-          </a:p>
-        </p:txBody>
-      </p:sp>
-    </p:spTree>
-  </p:cSld>
-</p:sld>
-</file>
-
-<file path=ppt/slides/slide38.xml><?xml version="1.0" encoding="utf-8"?>
-<p:sld xmlns:a="http://schemas.openxmlformats.org/drawingml/2006/main" xmlns:r="http://schemas.openxmlformats.org/officeDocument/2006/relationships" xmlns:p="http://schemas.openxmlformats.org/presentationml/2006/main">
-  <p:cSld>
-    <p:spTree>
-      <p:nvGrpSpPr>
-        <p:cNvPr id="1" name=""/>
-        <p:cNvGrpSpPr/>
-        <p:nvPr/>
-      </p:nvGrpSpPr>
-      <p:grpSpPr>
-        <a:xfrm>
-          <a:off x="0" y="0"/>
-          <a:ext cx="0" cy="0"/>
-          <a:chOff x="0" y="0"/>
-          <a:chExt cx="0" cy="0"/>
-        </a:xfrm>
-      </p:grpSpPr>
-      <p:sp>
-        <p:nvSpPr>
-          <p:cNvPr id="2" name="Title 1"/>
-          <p:cNvSpPr>
-            <a:spLocks noGrp="1"/>
-          </p:cNvSpPr>
-          <p:nvPr>
-            <p:ph type="title"/>
-          </p:nvPr>
-        </p:nvSpPr>
-        <p:spPr>
-          <a:xfrm>
-            <a:off x="284309" y="205979"/>
-            <a:ext cx="8552330" cy="662317"/>
-          </a:xfrm>
-        </p:spPr>
-        <p:txBody>
-          <a:bodyPr/>
-          <a:lstStyle/>
-          <a:p>
-            <a:pPr lvl="0" indent="0" marL="0">
-              <a:buNone/>
-            </a:pPr>
-            <a:r>
-              <a:rPr/>
-              <a:t>Feeding Jejunostomy - Typical Regimen</a:t>
-            </a:r>
-          </a:p>
-        </p:txBody>
-      </p:sp>
-      <p:sp>
-        <p:nvSpPr>
-          <p:cNvPr id="3" name="Content Placeholder 2"/>
-          <p:cNvSpPr>
-            <a:spLocks noGrp="1"/>
-          </p:cNvSpPr>
-          <p:nvPr>
-            <p:ph idx="1"/>
-          </p:nvPr>
-        </p:nvSpPr>
-        <p:spPr/>
-        <p:txBody>
-          <a:bodyPr/>
-          <a:lstStyle/>
-          <a:p>
-            <a:pPr lvl="0"/>
-            <a:r>
-              <a:rPr/>
-              <a:t>Jejunostomy tube feeds for 16 hours (6pm to 10am)</a:t>
-            </a:r>
-          </a:p>
-          <a:p>
-            <a:pPr lvl="1"/>
-            <a:r>
-              <a:rPr/>
-              <a:t>Men: 75mL/hour x 16 hours = 5 cartons</a:t>
-            </a:r>
-          </a:p>
-          <a:p>
-            <a:pPr lvl="1"/>
-            <a:r>
-              <a:rPr/>
-              <a:t>Women: 60mL/hour x 16 hours = 4 cartons</a:t>
-            </a:r>
-          </a:p>
-          <a:p>
-            <a:pPr lvl="0"/>
-            <a:r>
-              <a:rPr/>
-              <a:t>Water 240ml (8oz) via syringe 4x/day</a:t>
-            </a:r>
-          </a:p>
-          <a:p>
-            <a:pPr lvl="0" indent="0" marL="0">
-              <a:buNone/>
-            </a:pPr>
-            <a:r>
-              <a:rPr/>
-              <a:t>Hospital nurses will teach use of the feeding tube pump</a:t>
-            </a:r>
-          </a:p>
-        </p:txBody>
-      </p:sp>
-    </p:spTree>
-  </p:cSld>
-</p:sld>
-</file>
-
-<file path=ppt/slides/slide39.xml><?xml version="1.0" encoding="utf-8"?>
-<p:sld xmlns:a="http://schemas.openxmlformats.org/drawingml/2006/main" xmlns:r="http://schemas.openxmlformats.org/officeDocument/2006/relationships" xmlns:p="http://schemas.openxmlformats.org/presentationml/2006/main">
-  <p:cSld>
-    <p:spTree>
-      <p:nvGrpSpPr>
-        <p:cNvPr id="1" name=""/>
-        <p:cNvGrpSpPr/>
-        <p:nvPr/>
-      </p:nvGrpSpPr>
-      <p:grpSpPr>
-        <a:xfrm>
-          <a:off x="0" y="0"/>
-          <a:ext cx="0" cy="0"/>
-          <a:chOff x="0" y="0"/>
-          <a:chExt cx="0" cy="0"/>
-        </a:xfrm>
-      </p:grpSpPr>
-      <p:sp>
-        <p:nvSpPr>
-          <p:cNvPr id="2" name="Title 1"/>
-          <p:cNvSpPr>
-            <a:spLocks noGrp="1"/>
-          </p:cNvSpPr>
-          <p:nvPr>
-            <p:ph type="title"/>
-          </p:nvPr>
-        </p:nvSpPr>
-        <p:spPr>
-          <a:xfrm>
-            <a:off x="284309" y="205979"/>
-            <a:ext cx="8552330" cy="662317"/>
-          </a:xfrm>
-        </p:spPr>
-        <p:txBody>
-          <a:bodyPr/>
-          <a:lstStyle/>
-          <a:p>
-            <a:pPr lvl="0" indent="0" marL="0">
-              <a:buNone/>
-            </a:pPr>
-            <a:r>
-              <a:rPr/>
-              <a:t>Jejunostomy Feeds with Diabetes</a:t>
-            </a:r>
-          </a:p>
-        </p:txBody>
-      </p:sp>
-      <p:sp>
-        <p:nvSpPr>
-          <p:cNvPr id="3" name="Content Placeholder 2"/>
-          <p:cNvSpPr>
-            <a:spLocks noGrp="1"/>
-          </p:cNvSpPr>
-          <p:nvPr>
-            <p:ph idx="1"/>
-          </p:nvPr>
-        </p:nvSpPr>
-        <p:spPr/>
-        <p:txBody>
-          <a:bodyPr/>
-          <a:lstStyle/>
-          <a:p>
-            <a:pPr lvl="0" indent="0" marL="0">
-              <a:buNone/>
-            </a:pPr>
-            <a:r>
-              <a:rPr/>
-              <a:t>Jejunostomy feedings elevate blood sugars</a:t>
-            </a:r>
-          </a:p>
-          <a:p>
-            <a:pPr lvl="0"/>
-            <a:r>
-              <a:rPr/>
-              <a:t>Insulin may be required along with feeds</a:t>
-            </a:r>
-          </a:p>
-          <a:p>
-            <a:pPr lvl="0" indent="0" marL="0">
-              <a:buNone/>
-            </a:pPr>
-            <a:r>
-              <a:rPr/>
-              <a:t>Typical Pattern for tube feeds</a:t>
-            </a:r>
-          </a:p>
-          <a:p>
-            <a:pPr lvl="0"/>
-            <a:r>
-              <a:rPr/>
-              <a:t>Feeds run via pump from 6pm to 10am</a:t>
-            </a:r>
-          </a:p>
-          <a:p>
-            <a:pPr lvl="0"/>
-            <a:r>
-              <a:rPr/>
-              <a:t>Insulin at 6pm (70/30 insulin)</a:t>
-            </a:r>
-          </a:p>
-          <a:p>
-            <a:pPr lvl="0"/>
-            <a:r>
-              <a:rPr/>
-              <a:t>Insulin at Midnight (70/30 insulin)</a:t>
-            </a:r>
-          </a:p>
-          <a:p>
-            <a:pPr lvl="0"/>
-            <a:r>
-              <a:rPr/>
-              <a:t>No insulin if tube feedings are not run</a:t>
-            </a:r>
-          </a:p>
-        </p:txBody>
-      </p:sp>
-    </p:spTree>
-  </p:cSld>
-</p:sld>
-</file>
-
-<file path=ppt/slides/slide4.xml><?xml version="1.0" encoding="utf-8"?>
-<p:sld xmlns:a="http://schemas.openxmlformats.org/drawingml/2006/main" xmlns:r="http://schemas.openxmlformats.org/officeDocument/2006/relationships" xmlns:p="http://schemas.openxmlformats.org/presentationml/2006/main">
-  <p:cSld>
-    <p:spTree>
-      <p:nvGrpSpPr>
-        <p:cNvPr id="1" name=""/>
-        <p:cNvGrpSpPr/>
-        <p:nvPr/>
-      </p:nvGrpSpPr>
-      <p:grpSpPr>
-        <a:xfrm>
-          <a:off x="0" y="0"/>
-          <a:ext cx="0" cy="0"/>
-          <a:chOff x="0" y="0"/>
-          <a:chExt cx="0" cy="0"/>
-        </a:xfrm>
-      </p:grpSpPr>
-      <p:sp>
-        <p:nvSpPr>
-          <p:cNvPr id="2" name="Title 1"/>
-          <p:cNvSpPr>
-            <a:spLocks noGrp="1"/>
-          </p:cNvSpPr>
-          <p:nvPr>
-            <p:ph type="title"/>
-          </p:nvPr>
-        </p:nvSpPr>
-        <p:spPr>
-          <a:xfrm>
-            <a:off x="315045" y="205979"/>
-            <a:ext cx="8529278" cy="857250"/>
-          </a:xfrm>
-        </p:spPr>
-        <p:txBody>
-          <a:bodyPr/>
-          <a:lstStyle/>
-          <a:p>
-            <a:pPr lvl="0" indent="0" marL="0">
-              <a:buNone/>
-            </a:pPr>
-            <a:r>
-              <a:rPr/>
-              <a:t>Ivor Lewis (Transthoracic) Esophagectomy</a:t>
-            </a:r>
-          </a:p>
-        </p:txBody>
-      </p:sp>
-      <p:sp>
-        <p:nvSpPr>
-          <p:cNvPr id="3" name="Content Placeholder 2"/>
-          <p:cNvSpPr>
-            <a:spLocks noGrp="1"/>
-          </p:cNvSpPr>
-          <p:nvPr>
-            <p:ph idx="1" sz="half"/>
-          </p:nvPr>
-        </p:nvSpPr>
-        <p:spPr/>
-        <p:txBody>
-          <a:bodyPr/>
-          <a:lstStyle/>
-          <a:p>
-            <a:pPr lvl="0"/>
-            <a:r>
-              <a:rPr/>
-              <a:t>Removes tumor</a:t>
-            </a:r>
-          </a:p>
-          <a:p>
-            <a:pPr lvl="0"/>
-            <a:r>
-              <a:rPr/>
-              <a:t>Removes lower 1/3 of esophagus</a:t>
-            </a:r>
-          </a:p>
-          <a:p>
-            <a:pPr lvl="0"/>
-            <a:r>
-              <a:rPr/>
-              <a:t>Removes surrounding lymph nodes</a:t>
-            </a:r>
-          </a:p>
-          <a:p>
-            <a:pPr lvl="0"/>
-            <a:r>
-              <a:rPr/>
-              <a:t>Reconstruction of GI tract</a:t>
-            </a:r>
-          </a:p>
-        </p:txBody>
-      </p:sp>
-      <p:pic>
-        <p:nvPicPr>
-          <p:cNvPr descr="https://deidt7p41jzcy.cloudfront.net/Eso_Resection2_ai.png" id="0" name="Picture 1"/>
-          <p:cNvPicPr>
-            <a:picLocks noGrp="1" noChangeAspect="1"/>
-          </p:cNvPicPr>
-          <p:nvPr/>
-        </p:nvPicPr>
-        <p:blipFill>
-          <a:blip r:embed="rId2"/>
-          <a:stretch>
-            <a:fillRect/>
-          </a:stretch>
-        </p:blipFill>
-        <p:spPr bwMode="auto">
-          <a:xfrm>
-            <a:off x="4914900" y="1193800"/>
-            <a:ext cx="3632200" cy="3733800"/>
-          </a:xfrm>
-          <a:prstGeom prst="rect">
-            <a:avLst/>
-          </a:prstGeom>
-          <a:noFill/>
-          <a:ln w="9525">
-            <a:noFill/>
-            <a:headEnd/>
-            <a:tailEnd/>
-          </a:ln>
-        </p:spPr>
-      </p:pic>
-    </p:spTree>
-  </p:cSld>
-</p:sld>
-</file>
-
-<file path=ppt/slides/slide40.xml><?xml version="1.0" encoding="utf-8"?>
-<p:sld xmlns:a="http://schemas.openxmlformats.org/drawingml/2006/main" xmlns:r="http://schemas.openxmlformats.org/officeDocument/2006/relationships" xmlns:p="http://schemas.openxmlformats.org/presentationml/2006/main">
-  <p:cSld>
-    <p:spTree>
-      <p:nvGrpSpPr>
-        <p:cNvPr id="1" name=""/>
-        <p:cNvGrpSpPr/>
-        <p:nvPr/>
-      </p:nvGrpSpPr>
-      <p:grpSpPr>
-        <a:xfrm>
-          <a:off x="0" y="0"/>
-          <a:ext cx="0" cy="0"/>
-          <a:chOff x="0" y="0"/>
-          <a:chExt cx="0" cy="0"/>
-        </a:xfrm>
-      </p:grpSpPr>
-      <p:sp>
-        <p:nvSpPr>
-          <p:cNvPr id="2" name="Title 1"/>
-          <p:cNvSpPr>
-            <a:spLocks noGrp="1"/>
-          </p:cNvSpPr>
-          <p:nvPr>
-            <p:ph type="title"/>
-          </p:nvPr>
-        </p:nvSpPr>
-        <p:spPr>
-          <a:xfrm>
-            <a:off x="315045" y="205979"/>
-            <a:ext cx="8529278" cy="857250"/>
-          </a:xfrm>
-        </p:spPr>
-        <p:txBody>
-          <a:bodyPr/>
-          <a:lstStyle/>
-          <a:p>
-            <a:pPr lvl="0" indent="0" marL="0">
-              <a:buNone/>
-            </a:pPr>
-            <a:r>
-              <a:rPr/>
-              <a:t>Feeding Jejunostomy</a:t>
-            </a:r>
-          </a:p>
-        </p:txBody>
-      </p:sp>
-      <p:sp>
-        <p:nvSpPr>
-          <p:cNvPr id="3" name="Content Placeholder 2"/>
-          <p:cNvSpPr>
-            <a:spLocks noGrp="1"/>
-          </p:cNvSpPr>
-          <p:nvPr>
-            <p:ph idx="1" sz="half"/>
-          </p:nvPr>
-        </p:nvSpPr>
-        <p:spPr/>
-        <p:txBody>
-          <a:bodyPr/>
-          <a:lstStyle/>
-          <a:p>
-            <a:pPr lvl="0" indent="0" marL="0">
-              <a:buNone/>
-            </a:pPr>
-            <a:r>
-              <a:rPr/>
-              <a:t>Video shows how to set up and run the jejunostomy tube pump</a:t>
-            </a:r>
-          </a:p>
-        </p:txBody>
-      </p:sp>
-      <p:pic>
-        <p:nvPicPr>
-          <p:cNvPr descr="https://deidt7p41jzcy.cloudfront.net/jtubevideo_qr.png" id="0" name="Picture 1"/>
-          <p:cNvPicPr>
-            <a:picLocks noGrp="1" noChangeAspect="1"/>
-          </p:cNvPicPr>
-          <p:nvPr/>
-        </p:nvPicPr>
-        <p:blipFill>
-          <a:blip r:embed="rId2"/>
-          <a:stretch>
-            <a:fillRect/>
-          </a:stretch>
-        </p:blipFill>
-        <p:spPr bwMode="auto">
-          <a:xfrm>
-            <a:off x="4864100" y="1193800"/>
-            <a:ext cx="3733800" cy="3733800"/>
-          </a:xfrm>
-          <a:prstGeom prst="rect">
-            <a:avLst/>
-          </a:prstGeom>
-          <a:noFill/>
-          <a:ln w="9525">
-            <a:noFill/>
-            <a:headEnd/>
-            <a:tailEnd/>
-          </a:ln>
-        </p:spPr>
-      </p:pic>
-    </p:spTree>
-  </p:cSld>
-</p:sld>
-</file>
-
-<file path=ppt/slides/slide41.xml><?xml version="1.0" encoding="utf-8"?>
-<p:sld xmlns:a="http://schemas.openxmlformats.org/drawingml/2006/main" xmlns:r="http://schemas.openxmlformats.org/officeDocument/2006/relationships" xmlns:p="http://schemas.openxmlformats.org/presentationml/2006/main">
-  <p:cSld>
-    <p:spTree>
-      <p:nvGrpSpPr>
-        <p:cNvPr id="1" name=""/>
-        <p:cNvGrpSpPr/>
-        <p:nvPr/>
-      </p:nvGrpSpPr>
-      <p:grpSpPr>
-        <a:xfrm>
-          <a:off x="0" y="0"/>
-          <a:ext cx="0" cy="0"/>
-          <a:chOff x="0" y="0"/>
-          <a:chExt cx="0" cy="0"/>
-        </a:xfrm>
-      </p:grpSpPr>
-      <p:sp>
-        <p:nvSpPr>
-          <p:cNvPr id="2" name="Title 1"/>
-          <p:cNvSpPr>
-            <a:spLocks noGrp="1"/>
-          </p:cNvSpPr>
-          <p:nvPr>
-            <p:ph type="title"/>
-          </p:nvPr>
-        </p:nvSpPr>
-        <p:spPr>
-          <a:xfrm>
-            <a:off x="284309" y="205979"/>
-            <a:ext cx="8552330" cy="662317"/>
-          </a:xfrm>
-        </p:spPr>
-        <p:txBody>
-          <a:bodyPr/>
-          <a:lstStyle/>
-          <a:p>
-            <a:pPr lvl="0" indent="0" marL="0">
-              <a:buNone/>
-            </a:pPr>
-            <a:r>
-              <a:rPr/>
-              <a:t>Activity</a:t>
-            </a:r>
-          </a:p>
-        </p:txBody>
-      </p:sp>
-      <p:sp>
-        <p:nvSpPr>
-          <p:cNvPr id="3" name="Content Placeholder 2"/>
-          <p:cNvSpPr>
-            <a:spLocks noGrp="1"/>
-          </p:cNvSpPr>
-          <p:nvPr>
-            <p:ph idx="1"/>
-          </p:nvPr>
-        </p:nvSpPr>
-        <p:spPr/>
-        <p:txBody>
-          <a:bodyPr/>
-          <a:lstStyle/>
-          <a:p>
-            <a:pPr lvl="0"/>
-            <a:r>
-              <a:rPr/>
-              <a:t>Up in chair most of the day</a:t>
-            </a:r>
-          </a:p>
-          <a:p>
-            <a:pPr lvl="0"/>
-            <a:r>
-              <a:rPr/>
-              <a:t>Walking with help from nurse/Physical Therapist</a:t>
-            </a:r>
-          </a:p>
-          <a:p>
-            <a:pPr lvl="0"/>
-            <a:r>
-              <a:rPr/>
-              <a:t>Goals:</a:t>
-            </a:r>
-          </a:p>
-          <a:p>
-            <a:pPr lvl="1"/>
-            <a:r>
-              <a:rPr/>
-              <a:t>Improve lung function</a:t>
-            </a:r>
-          </a:p>
-          <a:p>
-            <a:pPr lvl="1"/>
-            <a:r>
-              <a:rPr/>
-              <a:t>Prevent muscle loss</a:t>
-            </a:r>
-          </a:p>
-        </p:txBody>
-      </p:sp>
-    </p:spTree>
-  </p:cSld>
-</p:sld>
-</file>
-
-<file path=ppt/slides/slide42.xml><?xml version="1.0" encoding="utf-8"?>
 <p:sld xmlns:a="http://schemas.openxmlformats.org/drawingml/2006/main" xmlns:r="http://schemas.openxmlformats.org/officeDocument/2006/relationships" xmlns:p="http://schemas.openxmlformats.org/presentationml/2006/main">
   <p:cSld>
     <p:spTree>
@@ -7650,7 +6926,7 @@
 </p:sld>
 </file>
 
-<file path=ppt/slides/slide43.xml><?xml version="1.0" encoding="utf-8"?>
+<file path=ppt/slides/slide37.xml><?xml version="1.0" encoding="utf-8"?>
 <p:sld xmlns:a="http://schemas.openxmlformats.org/drawingml/2006/main" xmlns:r="http://schemas.openxmlformats.org/officeDocument/2006/relationships" xmlns:p="http://schemas.openxmlformats.org/presentationml/2006/main">
   <p:cSld>
     <p:spTree>
@@ -7775,7 +7051,7 @@
 </p:sld>
 </file>
 
-<file path=ppt/slides/slide44.xml><?xml version="1.0" encoding="utf-8"?>
+<file path=ppt/slides/slide38.xml><?xml version="1.0" encoding="utf-8"?>
 <p:sld xmlns:a="http://schemas.openxmlformats.org/drawingml/2006/main" xmlns:r="http://schemas.openxmlformats.org/officeDocument/2006/relationships" xmlns:p="http://schemas.openxmlformats.org/presentationml/2006/main">
   <p:cSld>
     <p:spTree>
@@ -7876,7 +7152,7 @@
 </p:sld>
 </file>
 
-<file path=ppt/slides/slide45.xml><?xml version="1.0" encoding="utf-8"?>
+<file path=ppt/slides/slide39.xml><?xml version="1.0" encoding="utf-8"?>
 <p:sld xmlns:a="http://schemas.openxmlformats.org/drawingml/2006/main" xmlns:r="http://schemas.openxmlformats.org/officeDocument/2006/relationships" xmlns:p="http://schemas.openxmlformats.org/presentationml/2006/main">
   <p:cSld>
     <p:spTree>
@@ -8002,7 +7278,7 @@
 </p:sld>
 </file>
 
-<file path=ppt/slides/slide46.xml><?xml version="1.0" encoding="utf-8"?>
+<file path=ppt/slides/slide4.xml><?xml version="1.0" encoding="utf-8"?>
 <p:sld xmlns:a="http://schemas.openxmlformats.org/drawingml/2006/main" xmlns:r="http://schemas.openxmlformats.org/officeDocument/2006/relationships" xmlns:p="http://schemas.openxmlformats.org/presentationml/2006/main">
   <p:cSld>
     <p:spTree>
@@ -8031,20 +7307,20 @@
         </p:nvSpPr>
         <p:spPr>
           <a:xfrm>
-            <a:off x="284309" y="205979"/>
-            <a:ext cx="8552330" cy="662317"/>
-          </a:xfrm>
-        </p:spPr>
-        <p:txBody>
-          <a:bodyPr/>
-          <a:lstStyle/>
-          <a:p>
-            <a:pPr lvl="0" indent="0" marL="0">
-              <a:buNone/>
-            </a:pPr>
-            <a:r>
-              <a:rPr/>
-              <a:t>Nutrition after Surgery</a:t>
+            <a:off x="315045" y="205979"/>
+            <a:ext cx="8529278" cy="857250"/>
+          </a:xfrm>
+        </p:spPr>
+        <p:txBody>
+          <a:bodyPr/>
+          <a:lstStyle/>
+          <a:p>
+            <a:pPr lvl="0" indent="0" marL="0">
+              <a:buNone/>
+            </a:pPr>
+            <a:r>
+              <a:rPr/>
+              <a:t>Ivor Lewis (Transthoracic) Esophagectomy</a:t>
             </a:r>
           </a:p>
         </p:txBody>
@@ -8056,7 +7332,7 @@
             <a:spLocks noGrp="1"/>
           </p:cNvSpPr>
           <p:nvPr>
-            <p:ph idx="1"/>
+            <p:ph idx="1" sz="half"/>
           </p:nvPr>
         </p:nvSpPr>
         <p:spPr/>
@@ -8064,70 +7340,196 @@
           <a:bodyPr/>
           <a:lstStyle/>
           <a:p>
-            <a:pPr lvl="0" indent="0" marL="0">
-              <a:buNone/>
-            </a:pPr>
-            <a:r>
-              <a:rPr/>
-              <a:t>At discharge home:</a:t>
-            </a:r>
-          </a:p>
-          <a:p>
-            <a:pPr lvl="0"/>
-            <a:r>
-              <a:rPr/>
-              <a:t>Protein shakes 4oz every 2 hrs</a:t>
-            </a:r>
-          </a:p>
-          <a:p>
-            <a:pPr lvl="0"/>
-            <a:r>
-              <a:rPr/>
-              <a:t>Tube feeds 4-5 cans at night (6pm-10am)</a:t>
-            </a:r>
-          </a:p>
-          <a:p>
-            <a:pPr lvl="0" indent="0" marL="0">
-              <a:buNone/>
-            </a:pPr>
-            <a:r>
-              <a:rPr/>
-              <a:t>10-12 Days: Increase protein shakes</a:t>
-            </a:r>
-          </a:p>
-          <a:p>
-            <a:pPr lvl="0"/>
-            <a:r>
-              <a:rPr/>
-              <a:t>Tube feeds 3-4 cans at night</a:t>
-            </a:r>
-          </a:p>
-          <a:p>
-            <a:pPr lvl="0" indent="0" marL="0">
-              <a:buNone/>
-            </a:pPr>
-            <a:r>
-              <a:rPr/>
-              <a:t>Three weeks: Post-esophagectomy Diet</a:t>
-            </a:r>
-          </a:p>
-          <a:p>
-            <a:pPr lvl="0" indent="0" marL="0">
-              <a:buNone/>
-            </a:pPr>
-            <a:r>
-              <a:rPr/>
-              <a:t>8-12 weeks: Remove feeding tube (in office)</a:t>
-            </a:r>
-          </a:p>
-        </p:txBody>
-      </p:sp>
+            <a:pPr lvl="0"/>
+            <a:r>
+              <a:rPr/>
+              <a:t>Removes tumor</a:t>
+            </a:r>
+          </a:p>
+          <a:p>
+            <a:pPr lvl="0"/>
+            <a:r>
+              <a:rPr/>
+              <a:t>Removes lower 1/3 of esophagus</a:t>
+            </a:r>
+          </a:p>
+          <a:p>
+            <a:pPr lvl="0"/>
+            <a:r>
+              <a:rPr/>
+              <a:t>Removes surrounding lymph nodes</a:t>
+            </a:r>
+          </a:p>
+          <a:p>
+            <a:pPr lvl="0"/>
+            <a:r>
+              <a:rPr/>
+              <a:t>Reconstruction of GI tract</a:t>
+            </a:r>
+          </a:p>
+        </p:txBody>
+      </p:sp>
+      <p:pic>
+        <p:nvPicPr>
+          <p:cNvPr descr="https://deidt7p41jzcy.cloudfront.net/Eso_Resection2_ai.png" id="0" name="Picture 1"/>
+          <p:cNvPicPr>
+            <a:picLocks noGrp="1" noChangeAspect="1"/>
+          </p:cNvPicPr>
+          <p:nvPr/>
+        </p:nvPicPr>
+        <p:blipFill>
+          <a:blip r:embed="rId2"/>
+          <a:stretch>
+            <a:fillRect/>
+          </a:stretch>
+        </p:blipFill>
+        <p:spPr bwMode="auto">
+          <a:xfrm>
+            <a:off x="4914900" y="1193800"/>
+            <a:ext cx="3632200" cy="3733800"/>
+          </a:xfrm>
+          <a:prstGeom prst="rect">
+            <a:avLst/>
+          </a:prstGeom>
+          <a:noFill/>
+          <a:ln w="9525">
+            <a:noFill/>
+            <a:headEnd/>
+            <a:tailEnd/>
+          </a:ln>
+        </p:spPr>
+      </p:pic>
     </p:spTree>
   </p:cSld>
 </p:sld>
 </file>
 
-<file path=ppt/slides/slide47.xml><?xml version="1.0" encoding="utf-8"?>
+<file path=ppt/slides/slide40.xml><?xml version="1.0" encoding="utf-8"?>
+<p:sld xmlns:a="http://schemas.openxmlformats.org/drawingml/2006/main" xmlns:r="http://schemas.openxmlformats.org/officeDocument/2006/relationships" xmlns:p="http://schemas.openxmlformats.org/presentationml/2006/main">
+  <p:cSld>
+    <p:spTree>
+      <p:nvGrpSpPr>
+        <p:cNvPr id="1" name=""/>
+        <p:cNvGrpSpPr/>
+        <p:nvPr/>
+      </p:nvGrpSpPr>
+      <p:grpSpPr>
+        <a:xfrm>
+          <a:off x="0" y="0"/>
+          <a:ext cx="0" cy="0"/>
+          <a:chOff x="0" y="0"/>
+          <a:chExt cx="0" cy="0"/>
+        </a:xfrm>
+      </p:grpSpPr>
+      <p:sp>
+        <p:nvSpPr>
+          <p:cNvPr id="2" name="Title 1"/>
+          <p:cNvSpPr>
+            <a:spLocks noGrp="1"/>
+          </p:cNvSpPr>
+          <p:nvPr>
+            <p:ph type="title"/>
+          </p:nvPr>
+        </p:nvSpPr>
+        <p:spPr>
+          <a:xfrm>
+            <a:off x="284309" y="205979"/>
+            <a:ext cx="8552330" cy="662317"/>
+          </a:xfrm>
+        </p:spPr>
+        <p:txBody>
+          <a:bodyPr/>
+          <a:lstStyle/>
+          <a:p>
+            <a:pPr lvl="0" indent="0" marL="0">
+              <a:buNone/>
+            </a:pPr>
+            <a:r>
+              <a:rPr/>
+              <a:t>Nutrition after Surgery</a:t>
+            </a:r>
+          </a:p>
+        </p:txBody>
+      </p:sp>
+      <p:sp>
+        <p:nvSpPr>
+          <p:cNvPr id="3" name="Content Placeholder 2"/>
+          <p:cNvSpPr>
+            <a:spLocks noGrp="1"/>
+          </p:cNvSpPr>
+          <p:nvPr>
+            <p:ph idx="1"/>
+          </p:nvPr>
+        </p:nvSpPr>
+        <p:spPr/>
+        <p:txBody>
+          <a:bodyPr/>
+          <a:lstStyle/>
+          <a:p>
+            <a:pPr lvl="0" indent="0" marL="0">
+              <a:buNone/>
+            </a:pPr>
+            <a:r>
+              <a:rPr/>
+              <a:t>At discharge home:</a:t>
+            </a:r>
+          </a:p>
+          <a:p>
+            <a:pPr lvl="0"/>
+            <a:r>
+              <a:rPr/>
+              <a:t>Protein shakes 4oz every 2 hrs</a:t>
+            </a:r>
+          </a:p>
+          <a:p>
+            <a:pPr lvl="0"/>
+            <a:r>
+              <a:rPr/>
+              <a:t>Tube feeds 4-5 cans at night (6pm-10am)</a:t>
+            </a:r>
+          </a:p>
+          <a:p>
+            <a:pPr lvl="0" indent="0" marL="0">
+              <a:buNone/>
+            </a:pPr>
+            <a:r>
+              <a:rPr/>
+              <a:t>10-12 Days: Increase protein shakes</a:t>
+            </a:r>
+          </a:p>
+          <a:p>
+            <a:pPr lvl="0"/>
+            <a:r>
+              <a:rPr/>
+              <a:t>Tube feeds 3-4 cans at night</a:t>
+            </a:r>
+          </a:p>
+          <a:p>
+            <a:pPr lvl="0" indent="0" marL="0">
+              <a:buNone/>
+            </a:pPr>
+            <a:r>
+              <a:rPr/>
+              <a:t>Three weeks: Post-esophagectomy Diet</a:t>
+            </a:r>
+          </a:p>
+          <a:p>
+            <a:pPr lvl="0" indent="0" marL="0">
+              <a:buNone/>
+            </a:pPr>
+            <a:r>
+              <a:rPr/>
+              <a:t>8-12 weeks: Remove feeding tube (in office)</a:t>
+            </a:r>
+          </a:p>
+        </p:txBody>
+      </p:sp>
+    </p:spTree>
+  </p:cSld>
+</p:sld>
+</file>
+
+<file path=ppt/slides/slide41.xml><?xml version="1.0" encoding="utf-8"?>
 <p:sld xmlns:a="http://schemas.openxmlformats.org/drawingml/2006/main" xmlns:r="http://schemas.openxmlformats.org/officeDocument/2006/relationships" xmlns:p="http://schemas.openxmlformats.org/presentationml/2006/main">
   <p:cSld>
     <p:spTree>
@@ -8266,7 +7668,7 @@
 </p:sld>
 </file>
 
-<file path=ppt/slides/slide48.xml><?xml version="1.0" encoding="utf-8"?>
+<file path=ppt/slides/slide42.xml><?xml version="1.0" encoding="utf-8"?>
 <p:sld xmlns:a="http://schemas.openxmlformats.org/drawingml/2006/main" xmlns:r="http://schemas.openxmlformats.org/officeDocument/2006/relationships" xmlns:p="http://schemas.openxmlformats.org/presentationml/2006/main">
   <p:cSld>
     <p:spTree>
@@ -8390,7 +7792,7 @@
 </p:sld>
 </file>
 
-<file path=ppt/slides/slide49.xml><?xml version="1.0" encoding="utf-8"?>
+<file path=ppt/slides/slide43.xml><?xml version="1.0" encoding="utf-8"?>
 <p:sld xmlns:a="http://schemas.openxmlformats.org/drawingml/2006/main" xmlns:r="http://schemas.openxmlformats.org/officeDocument/2006/relationships" xmlns:p="http://schemas.openxmlformats.org/presentationml/2006/main">
   <p:cSld>
     <p:spTree>
@@ -8457,16 +7859,16 @@
             </a:pPr>
             <a:r>
               <a:rPr/>
-              <a:t>Acetaminophen (Tylenol) 4000mg/day (1000mg 4x/day)</a:t>
-            </a:r>
-          </a:p>
-          <a:p>
-            <a:pPr lvl="0" indent="0" marL="0">
-              <a:buNone/>
-            </a:pPr>
-            <a:r>
-              <a:rPr/>
-              <a:t>Gabapentin 300mg 3 times/day (works best if taken daily)</a:t>
+              <a:t>Acetaminophen (Tylenol) 1000mg 4x/day</a:t>
+            </a:r>
+          </a:p>
+          <a:p>
+            <a:pPr lvl="0" indent="0" marL="0">
+              <a:buNone/>
+            </a:pPr>
+            <a:r>
+              <a:rPr/>
+              <a:t>Gabapentin 300mg 3 times/day</a:t>
             </a:r>
           </a:p>
           <a:p>
@@ -8482,21 +7884,21 @@
             <a:pPr lvl="0"/>
             <a:r>
               <a:rPr/>
-              <a:t>Take as needed in addition to Tylenol and gabapentin</a:t>
-            </a:r>
-          </a:p>
-          <a:p>
-            <a:pPr lvl="0"/>
-            <a:r>
-              <a:rPr/>
-              <a:t>Will begin reducing dosage at first postoperative visit</a:t>
-            </a:r>
-          </a:p>
-          <a:p>
-            <a:pPr lvl="0"/>
-            <a:r>
-              <a:rPr/>
-              <a:t>Most patients can discontinue by 4 weeks after surgery</a:t>
+              <a:t>As needed in addition to Tylenol/gabapentin</a:t>
+            </a:r>
+          </a:p>
+          <a:p>
+            <a:pPr lvl="0"/>
+            <a:r>
+              <a:rPr/>
+              <a:t>Will begin reducing dose at first postop visit</a:t>
+            </a:r>
+          </a:p>
+          <a:p>
+            <a:pPr lvl="0"/>
+            <a:r>
+              <a:rPr/>
+              <a:t>Can usually discontinue by 4 weeks</a:t>
             </a:r>
           </a:p>
           <a:p>
@@ -8513,7 +7915,7 @@
 </p:sld>
 </file>
 
-<file path=ppt/slides/slide5.xml><?xml version="1.0" encoding="utf-8"?>
+<file path=ppt/slides/slide44.xml><?xml version="1.0" encoding="utf-8"?>
 <p:sld xmlns:a="http://schemas.openxmlformats.org/drawingml/2006/main" xmlns:r="http://schemas.openxmlformats.org/officeDocument/2006/relationships" xmlns:p="http://schemas.openxmlformats.org/presentationml/2006/main">
   <p:cSld>
     <p:spTree>
@@ -8542,20 +7944,20 @@
         </p:nvSpPr>
         <p:spPr>
           <a:xfrm>
-            <a:off x="315045" y="205979"/>
-            <a:ext cx="8529278" cy="857250"/>
-          </a:xfrm>
-        </p:spPr>
-        <p:txBody>
-          <a:bodyPr/>
-          <a:lstStyle/>
-          <a:p>
-            <a:pPr lvl="0" indent="0" marL="0">
-              <a:buNone/>
-            </a:pPr>
-            <a:r>
-              <a:rPr/>
-              <a:t>Reconstruction</a:t>
+            <a:off x="284309" y="205979"/>
+            <a:ext cx="8552330" cy="662317"/>
+          </a:xfrm>
+        </p:spPr>
+        <p:txBody>
+          <a:bodyPr/>
+          <a:lstStyle/>
+          <a:p>
+            <a:pPr lvl="0" indent="0" marL="0">
+              <a:buNone/>
+            </a:pPr>
+            <a:r>
+              <a:rPr/>
+              <a:t>Non-steroidals Anti Inflammatory (NSAID)</a:t>
             </a:r>
           </a:p>
         </p:txBody>
@@ -8567,7 +7969,7 @@
             <a:spLocks noGrp="1"/>
           </p:cNvSpPr>
           <p:nvPr>
-            <p:ph idx="1" sz="half"/>
+            <p:ph idx="1"/>
           </p:nvPr>
         </p:nvSpPr>
         <p:spPr/>
@@ -8580,47 +7982,40 @@
             </a:pPr>
             <a:r>
               <a:rPr/>
-              <a:t>A new esophagus is created from the stomach in the abdomen by fashioning it into a tube.</a:t>
-            </a:r>
-          </a:p>
-        </p:txBody>
-      </p:sp>
-      <p:pic>
-        <p:nvPicPr>
-          <p:cNvPr descr="https://deidt7p41jzcy.cloudfront.net/Eso_Resection3_ai.png" id="0" name="Picture 1"/>
-          <p:cNvPicPr>
-            <a:picLocks noGrp="1" noChangeAspect="1"/>
-          </p:cNvPicPr>
-          <p:nvPr/>
-        </p:nvPicPr>
-        <p:blipFill>
-          <a:blip r:embed="rId2"/>
-          <a:stretch>
-            <a:fillRect/>
-          </a:stretch>
-        </p:blipFill>
-        <p:spPr bwMode="auto">
-          <a:xfrm>
-            <a:off x="4914900" y="1193800"/>
-            <a:ext cx="3632200" cy="3733800"/>
-          </a:xfrm>
-          <a:prstGeom prst="rect">
-            <a:avLst/>
-          </a:prstGeom>
-          <a:noFill/>
-          <a:ln w="9525">
-            <a:noFill/>
-            <a:headEnd/>
-            <a:tailEnd/>
-          </a:ln>
-        </p:spPr>
-      </p:pic>
+              <a:t>Non-steroidal anti-inflammatories (Celebrex)</a:t>
+            </a:r>
+          </a:p>
+          <a:p>
+            <a:pPr lvl="0"/>
+            <a:r>
+              <a:rPr/>
+              <a:t>200 mg every 12 hours starting at 2 weeks</a:t>
+            </a:r>
+          </a:p>
+          <a:p>
+            <a:pPr lvl="0" indent="0" marL="0">
+              <a:buNone/>
+            </a:pPr>
+            <a:r>
+              <a:rPr/>
+              <a:t>NO GOODY POWDERS OR BCs</a:t>
+            </a:r>
+          </a:p>
+          <a:p>
+            <a:pPr lvl="0"/>
+            <a:r>
+              <a:rPr/>
+              <a:t>(Can cause permanent scarring at the surgery site)</a:t>
+            </a:r>
+          </a:p>
+        </p:txBody>
+      </p:sp>
     </p:spTree>
   </p:cSld>
 </p:sld>
 </file>
 
-<file path=ppt/slides/slide50.xml><?xml version="1.0" encoding="utf-8"?>
+<file path=ppt/slides/slide45.xml><?xml version="1.0" encoding="utf-8"?>
 <p:sld xmlns:a="http://schemas.openxmlformats.org/drawingml/2006/main" xmlns:r="http://schemas.openxmlformats.org/officeDocument/2006/relationships" xmlns:p="http://schemas.openxmlformats.org/presentationml/2006/main">
   <p:cSld>
     <p:spTree>
@@ -8662,7 +8057,7 @@
             </a:pPr>
             <a:r>
               <a:rPr/>
-              <a:t>Non-steroidals Anti Inflammatory (NSAID)</a:t>
+              <a:t>Acid Blockers = Proton Pump Inhibitors</a:t>
             </a:r>
           </a:p>
         </p:txBody>
@@ -8687,30 +8082,28 @@
             </a:pPr>
             <a:r>
               <a:rPr/>
-              <a:t>Non-steroidal anti-inflammatories (Celebrex)</a:t>
-            </a:r>
-          </a:p>
-          <a:p>
-            <a:pPr lvl="0"/>
-            <a:r>
-              <a:rPr/>
-              <a:t>200 mg every 12 hours starting 2 weeks after surgery</a:t>
-            </a:r>
-          </a:p>
-          <a:p>
-            <a:pPr lvl="0" indent="0" marL="0">
-              <a:buNone/>
-            </a:pPr>
-            <a:r>
-              <a:rPr/>
-              <a:t>NO GOODY POWDERS OR BCs</a:t>
-            </a:r>
-          </a:p>
-          <a:p>
-            <a:pPr lvl="0"/>
-            <a:r>
-              <a:rPr/>
-              <a:t>(Can cause permanent scarring at the surgery site)</a:t>
+              <a:t>Examples include ompeprazole and pantoprazole</a:t>
+            </a:r>
+          </a:p>
+          <a:p>
+            <a:pPr lvl="0"/>
+            <a:r>
+              <a:rPr/>
+              <a:t>Will stay on for at 1-2 years to prevent acid reflux</a:t>
+            </a:r>
+          </a:p>
+          <a:p>
+            <a:pPr lvl="0"/>
+            <a:r>
+              <a:rPr/>
+              <a:t>Important in preventing scarring at anastomosis (new connection between esophagus and stomach)</a:t>
+            </a:r>
+          </a:p>
+          <a:p>
+            <a:pPr lvl="0"/>
+            <a:r>
+              <a:rPr/>
+              <a:t>To administer through feeding tube, open capsule and resuspend beads in 60mL (2oz) of water</a:t>
             </a:r>
           </a:p>
         </p:txBody>
@@ -8720,7 +8113,7 @@
 </p:sld>
 </file>
 
-<file path=ppt/slides/slide51.xml><?xml version="1.0" encoding="utf-8"?>
+<file path=ppt/slides/slide46.xml><?xml version="1.0" encoding="utf-8"?>
 <p:sld xmlns:a="http://schemas.openxmlformats.org/drawingml/2006/main" xmlns:r="http://schemas.openxmlformats.org/officeDocument/2006/relationships" xmlns:p="http://schemas.openxmlformats.org/presentationml/2006/main">
   <p:cSld>
     <p:spTree>
@@ -8762,7 +8155,7 @@
             </a:pPr>
             <a:r>
               <a:rPr/>
-              <a:t>Acid Blockers = Proton Pump Inhibitors</a:t>
+              <a:t>Medicines at Home</a:t>
             </a:r>
           </a:p>
         </p:txBody>
@@ -8787,28 +8180,51 @@
             </a:pPr>
             <a:r>
               <a:rPr/>
-              <a:t>Examples include ompeprazole and pantoprazole</a:t>
-            </a:r>
-          </a:p>
-          <a:p>
-            <a:pPr lvl="0"/>
-            <a:r>
-              <a:rPr/>
-              <a:t>Will stay on for at 1-2 years to prevent acid reflux</a:t>
-            </a:r>
-          </a:p>
-          <a:p>
-            <a:pPr lvl="0"/>
-            <a:r>
-              <a:rPr/>
-              <a:t>Important in preventing scarring at anastomosis (new connection between esophagus and stomach)</a:t>
-            </a:r>
-          </a:p>
-          <a:p>
-            <a:pPr lvl="0"/>
-            <a:r>
-              <a:rPr/>
-              <a:t>To administer through feeding tube, open capsule and resuspend beads in 60mL (2oz) of water</a:t>
+              <a:t>Reglan – Helps stomach empty</a:t>
+            </a:r>
+          </a:p>
+          <a:p>
+            <a:pPr lvl="0"/>
+            <a:r>
+              <a:rPr/>
+              <a:t>Will plan to stop after six weeks</a:t>
+            </a:r>
+          </a:p>
+          <a:p>
+            <a:pPr lvl="0"/>
+            <a:r>
+              <a:rPr/>
+              <a:t>0.1% risk of tardive dyskinesia (nervous tic)</a:t>
+            </a:r>
+          </a:p>
+          <a:p>
+            <a:pPr lvl="0" indent="0" marL="0">
+              <a:buNone/>
+            </a:pPr>
+            <a:r>
+              <a:rPr/>
+              <a:t>Remeron – Helps improve appetite</a:t>
+            </a:r>
+          </a:p>
+          <a:p>
+            <a:pPr lvl="0"/>
+            <a:r>
+              <a:rPr/>
+              <a:t>Can cause vivid dreams</a:t>
+            </a:r>
+          </a:p>
+          <a:p>
+            <a:pPr lvl="0"/>
+            <a:r>
+              <a:rPr/>
+              <a:t>Used for several weeks after surgery</a:t>
+            </a:r>
+          </a:p>
+          <a:p>
+            <a:pPr lvl="0"/>
+            <a:r>
+              <a:rPr/>
+              <a:t>Will stop within first three months of surgery</a:t>
             </a:r>
           </a:p>
         </p:txBody>
@@ -8818,128 +8234,7 @@
 </p:sld>
 </file>
 
-<file path=ppt/slides/slide52.xml><?xml version="1.0" encoding="utf-8"?>
-<p:sld xmlns:a="http://schemas.openxmlformats.org/drawingml/2006/main" xmlns:r="http://schemas.openxmlformats.org/officeDocument/2006/relationships" xmlns:p="http://schemas.openxmlformats.org/presentationml/2006/main">
-  <p:cSld>
-    <p:spTree>
-      <p:nvGrpSpPr>
-        <p:cNvPr id="1" name=""/>
-        <p:cNvGrpSpPr/>
-        <p:nvPr/>
-      </p:nvGrpSpPr>
-      <p:grpSpPr>
-        <a:xfrm>
-          <a:off x="0" y="0"/>
-          <a:ext cx="0" cy="0"/>
-          <a:chOff x="0" y="0"/>
-          <a:chExt cx="0" cy="0"/>
-        </a:xfrm>
-      </p:grpSpPr>
-      <p:sp>
-        <p:nvSpPr>
-          <p:cNvPr id="2" name="Title 1"/>
-          <p:cNvSpPr>
-            <a:spLocks noGrp="1"/>
-          </p:cNvSpPr>
-          <p:nvPr>
-            <p:ph type="title"/>
-          </p:nvPr>
-        </p:nvSpPr>
-        <p:spPr>
-          <a:xfrm>
-            <a:off x="284309" y="205979"/>
-            <a:ext cx="8552330" cy="662317"/>
-          </a:xfrm>
-        </p:spPr>
-        <p:txBody>
-          <a:bodyPr/>
-          <a:lstStyle/>
-          <a:p>
-            <a:pPr lvl="0" indent="0" marL="0">
-              <a:buNone/>
-            </a:pPr>
-            <a:r>
-              <a:rPr/>
-              <a:t>Medicines at Home</a:t>
-            </a:r>
-          </a:p>
-        </p:txBody>
-      </p:sp>
-      <p:sp>
-        <p:nvSpPr>
-          <p:cNvPr id="3" name="Content Placeholder 2"/>
-          <p:cNvSpPr>
-            <a:spLocks noGrp="1"/>
-          </p:cNvSpPr>
-          <p:nvPr>
-            <p:ph idx="1"/>
-          </p:nvPr>
-        </p:nvSpPr>
-        <p:spPr/>
-        <p:txBody>
-          <a:bodyPr/>
-          <a:lstStyle/>
-          <a:p>
-            <a:pPr lvl="0" indent="0" marL="0">
-              <a:buNone/>
-            </a:pPr>
-            <a:r>
-              <a:rPr/>
-              <a:t>Reglan – Helps stomach empty</a:t>
-            </a:r>
-          </a:p>
-          <a:p>
-            <a:pPr lvl="0"/>
-            <a:r>
-              <a:rPr/>
-              <a:t>Will plan to stop after six weeks</a:t>
-            </a:r>
-          </a:p>
-          <a:p>
-            <a:pPr lvl="0"/>
-            <a:r>
-              <a:rPr/>
-              <a:t>0.1% risk of tardive dyskinesia (nervous tic)</a:t>
-            </a:r>
-          </a:p>
-          <a:p>
-            <a:pPr lvl="0" indent="0" marL="0">
-              <a:buNone/>
-            </a:pPr>
-            <a:r>
-              <a:rPr/>
-              <a:t>Remeron – Helps improve appetite</a:t>
-            </a:r>
-          </a:p>
-          <a:p>
-            <a:pPr lvl="0"/>
-            <a:r>
-              <a:rPr/>
-              <a:t>Can cause vivid dreams</a:t>
-            </a:r>
-          </a:p>
-          <a:p>
-            <a:pPr lvl="0"/>
-            <a:r>
-              <a:rPr/>
-              <a:t>Used for several weeks after surgery</a:t>
-            </a:r>
-          </a:p>
-          <a:p>
-            <a:pPr lvl="0"/>
-            <a:r>
-              <a:rPr/>
-              <a:t>Will stop within first three months of surgery</a:t>
-            </a:r>
-          </a:p>
-        </p:txBody>
-      </p:sp>
-    </p:spTree>
-  </p:cSld>
-</p:sld>
-</file>
-
-<file path=ppt/slides/slide53.xml><?xml version="1.0" encoding="utf-8"?>
+<file path=ppt/slides/slide47.xml><?xml version="1.0" encoding="utf-8"?>
 <p:sld xmlns:a="http://schemas.openxmlformats.org/drawingml/2006/main" xmlns:r="http://schemas.openxmlformats.org/officeDocument/2006/relationships" xmlns:p="http://schemas.openxmlformats.org/presentationml/2006/main">
   <p:cSld>
     <p:spTree>
@@ -9068,6 +8363,761 @@
 </p:sld>
 </file>
 
+<file path=ppt/slides/slide48.xml><?xml version="1.0" encoding="utf-8"?>
+<p:sld xmlns:a="http://schemas.openxmlformats.org/drawingml/2006/main" xmlns:r="http://schemas.openxmlformats.org/officeDocument/2006/relationships" xmlns:p="http://schemas.openxmlformats.org/presentationml/2006/main">
+  <p:cSld>
+    <p:spTree>
+      <p:nvGrpSpPr>
+        <p:cNvPr id="1" name=""/>
+        <p:cNvGrpSpPr/>
+        <p:nvPr/>
+      </p:nvGrpSpPr>
+      <p:grpSpPr>
+        <a:xfrm>
+          <a:off x="0" y="0"/>
+          <a:ext cx="0" cy="0"/>
+          <a:chOff x="0" y="0"/>
+          <a:chExt cx="0" cy="0"/>
+        </a:xfrm>
+      </p:grpSpPr>
+      <p:sp>
+        <p:nvSpPr>
+          <p:cNvPr id="2" name="Title 1"/>
+          <p:cNvSpPr>
+            <a:spLocks noGrp="1"/>
+          </p:cNvSpPr>
+          <p:nvPr>
+            <p:ph type="title"/>
+          </p:nvPr>
+        </p:nvSpPr>
+        <p:spPr>
+          <a:xfrm>
+            <a:off x="315045" y="205979"/>
+            <a:ext cx="8529278" cy="857250"/>
+          </a:xfrm>
+        </p:spPr>
+        <p:txBody>
+          <a:bodyPr/>
+          <a:lstStyle/>
+          <a:p>
+            <a:pPr lvl="0" indent="0" marL="0">
+              <a:buNone/>
+            </a:pPr>
+            <a:r>
+              <a:rPr/>
+              <a:t>Sleeping</a:t>
+            </a:r>
+          </a:p>
+        </p:txBody>
+      </p:sp>
+      <p:sp>
+        <p:nvSpPr>
+          <p:cNvPr id="3" name="Content Placeholder 2"/>
+          <p:cNvSpPr>
+            <a:spLocks noGrp="1"/>
+          </p:cNvSpPr>
+          <p:nvPr>
+            <p:ph idx="1" sz="half"/>
+          </p:nvPr>
+        </p:nvSpPr>
+        <p:spPr/>
+        <p:txBody>
+          <a:bodyPr/>
+          <a:lstStyle/>
+          <a:p>
+            <a:pPr lvl="0" indent="0" marL="0">
+              <a:buNone/>
+            </a:pPr>
+            <a:r>
+              <a:rPr/>
+              <a:t>Reflux can occur the first few weeks/months after surgery</a:t>
+            </a:r>
+          </a:p>
+          <a:p>
+            <a:pPr lvl="0" indent="0" marL="0">
+              <a:buNone/>
+            </a:pPr>
+            <a:r>
+              <a:rPr/>
+              <a:t>This improves over the first few months</a:t>
+            </a:r>
+          </a:p>
+          <a:p>
+            <a:pPr lvl="0" indent="0" marL="0">
+              <a:buNone/>
+            </a:pPr>
+            <a:r>
+              <a:rPr/>
+              <a:t>A wedge pillow can be helpful for sleep</a:t>
+            </a:r>
+          </a:p>
+        </p:txBody>
+      </p:sp>
+      <p:pic>
+        <p:nvPicPr>
+          <p:cNvPr descr="https://deidt7p41jzcy.cloudfront.net/wedge_pillow_comm.jpg" id="0" name="Picture 1"/>
+          <p:cNvPicPr>
+            <a:picLocks noGrp="1" noChangeAspect="1"/>
+          </p:cNvPicPr>
+          <p:nvPr/>
+        </p:nvPicPr>
+        <p:blipFill>
+          <a:blip r:embed="rId2"/>
+          <a:stretch>
+            <a:fillRect/>
+          </a:stretch>
+        </p:blipFill>
+        <p:spPr bwMode="auto">
+          <a:xfrm>
+            <a:off x="4864100" y="1193800"/>
+            <a:ext cx="3733800" cy="3733800"/>
+          </a:xfrm>
+          <a:prstGeom prst="rect">
+            <a:avLst/>
+          </a:prstGeom>
+          <a:noFill/>
+          <a:ln w="9525">
+            <a:noFill/>
+            <a:headEnd/>
+            <a:tailEnd/>
+          </a:ln>
+        </p:spPr>
+      </p:pic>
+    </p:spTree>
+  </p:cSld>
+</p:sld>
+</file>
+
+<file path=ppt/slides/slide49.xml><?xml version="1.0" encoding="utf-8"?>
+<p:sld xmlns:a="http://schemas.openxmlformats.org/drawingml/2006/main" xmlns:r="http://schemas.openxmlformats.org/officeDocument/2006/relationships" xmlns:p="http://schemas.openxmlformats.org/presentationml/2006/main">
+  <p:cSld>
+    <p:spTree>
+      <p:nvGrpSpPr>
+        <p:cNvPr id="1" name=""/>
+        <p:cNvGrpSpPr/>
+        <p:nvPr/>
+      </p:nvGrpSpPr>
+      <p:grpSpPr>
+        <a:xfrm>
+          <a:off x="0" y="0"/>
+          <a:ext cx="0" cy="0"/>
+          <a:chOff x="0" y="0"/>
+          <a:chExt cx="0" cy="0"/>
+        </a:xfrm>
+      </p:grpSpPr>
+      <p:sp>
+        <p:nvSpPr>
+          <p:cNvPr id="2" name="Title 1"/>
+          <p:cNvSpPr>
+            <a:spLocks noGrp="1"/>
+          </p:cNvSpPr>
+          <p:nvPr>
+            <p:ph type="title"/>
+          </p:nvPr>
+        </p:nvSpPr>
+        <p:spPr>
+          <a:xfrm>
+            <a:off x="284309" y="205979"/>
+            <a:ext cx="8552330" cy="662317"/>
+          </a:xfrm>
+        </p:spPr>
+        <p:txBody>
+          <a:bodyPr/>
+          <a:lstStyle/>
+          <a:p>
+            <a:pPr lvl="0" indent="0" marL="0">
+              <a:buNone/>
+            </a:pPr>
+            <a:r>
+              <a:rPr/>
+              <a:t>Postoperative Visit</a:t>
+            </a:r>
+          </a:p>
+        </p:txBody>
+      </p:sp>
+      <p:sp>
+        <p:nvSpPr>
+          <p:cNvPr id="3" name="Content Placeholder 2"/>
+          <p:cNvSpPr>
+            <a:spLocks noGrp="1"/>
+          </p:cNvSpPr>
+          <p:nvPr>
+            <p:ph idx="1"/>
+          </p:nvPr>
+        </p:nvSpPr>
+        <p:spPr/>
+        <p:txBody>
+          <a:bodyPr/>
+          <a:lstStyle/>
+          <a:p>
+            <a:pPr lvl="0" indent="0" marL="0">
+              <a:buNone/>
+            </a:pPr>
+            <a:r>
+              <a:rPr/>
+              <a:t>Check surgical site</a:t>
+            </a:r>
+          </a:p>
+          <a:p>
+            <a:pPr lvl="0"/>
+            <a:r>
+              <a:rPr/>
+              <a:t>Remove staples (if needed)</a:t>
+            </a:r>
+          </a:p>
+          <a:p>
+            <a:pPr lvl="0" indent="0" marL="0">
+              <a:buNone/>
+            </a:pPr>
+            <a:r>
+              <a:rPr/>
+              <a:t>Adjust medicines as needed</a:t>
+            </a:r>
+          </a:p>
+          <a:p>
+            <a:pPr lvl="0"/>
+            <a:r>
+              <a:rPr/>
+              <a:t>Insulin (for diabetic patients on insulin)</a:t>
+            </a:r>
+          </a:p>
+          <a:p>
+            <a:pPr lvl="0"/>
+            <a:r>
+              <a:rPr/>
+              <a:t>Reduce beta blocker medicines</a:t>
+            </a:r>
+          </a:p>
+          <a:p>
+            <a:pPr lvl="0" indent="0" marL="0">
+              <a:buNone/>
+            </a:pPr>
+            <a:r>
+              <a:rPr/>
+              <a:t>Advance diet</a:t>
+            </a:r>
+          </a:p>
+          <a:p>
+            <a:pPr lvl="0" indent="0" marL="0">
+              <a:buNone/>
+            </a:pPr>
+            <a:r>
+              <a:rPr/>
+              <a:t>Reduce tube feeds</a:t>
+            </a:r>
+          </a:p>
+        </p:txBody>
+      </p:sp>
+    </p:spTree>
+  </p:cSld>
+</p:sld>
+</file>
+
+<file path=ppt/slides/slide5.xml><?xml version="1.0" encoding="utf-8"?>
+<p:sld xmlns:a="http://schemas.openxmlformats.org/drawingml/2006/main" xmlns:r="http://schemas.openxmlformats.org/officeDocument/2006/relationships" xmlns:p="http://schemas.openxmlformats.org/presentationml/2006/main">
+  <p:cSld>
+    <p:spTree>
+      <p:nvGrpSpPr>
+        <p:cNvPr id="1" name=""/>
+        <p:cNvGrpSpPr/>
+        <p:nvPr/>
+      </p:nvGrpSpPr>
+      <p:grpSpPr>
+        <a:xfrm>
+          <a:off x="0" y="0"/>
+          <a:ext cx="0" cy="0"/>
+          <a:chOff x="0" y="0"/>
+          <a:chExt cx="0" cy="0"/>
+        </a:xfrm>
+      </p:grpSpPr>
+      <p:sp>
+        <p:nvSpPr>
+          <p:cNvPr id="2" name="Title 1"/>
+          <p:cNvSpPr>
+            <a:spLocks noGrp="1"/>
+          </p:cNvSpPr>
+          <p:nvPr>
+            <p:ph type="title"/>
+          </p:nvPr>
+        </p:nvSpPr>
+        <p:spPr>
+          <a:xfrm>
+            <a:off x="315045" y="205979"/>
+            <a:ext cx="8529278" cy="857250"/>
+          </a:xfrm>
+        </p:spPr>
+        <p:txBody>
+          <a:bodyPr/>
+          <a:lstStyle/>
+          <a:p>
+            <a:pPr lvl="0" indent="0" marL="0">
+              <a:buNone/>
+            </a:pPr>
+            <a:r>
+              <a:rPr/>
+              <a:t>Reconstruction</a:t>
+            </a:r>
+          </a:p>
+        </p:txBody>
+      </p:sp>
+      <p:sp>
+        <p:nvSpPr>
+          <p:cNvPr id="3" name="Content Placeholder 2"/>
+          <p:cNvSpPr>
+            <a:spLocks noGrp="1"/>
+          </p:cNvSpPr>
+          <p:nvPr>
+            <p:ph idx="1" sz="half"/>
+          </p:nvPr>
+        </p:nvSpPr>
+        <p:spPr/>
+        <p:txBody>
+          <a:bodyPr/>
+          <a:lstStyle/>
+          <a:p>
+            <a:pPr lvl="0" indent="0" marL="0">
+              <a:buNone/>
+            </a:pPr>
+            <a:r>
+              <a:rPr/>
+              <a:t>A new esophagus is created from the stomach in the abdomen by fashioning it into a tube.</a:t>
+            </a:r>
+          </a:p>
+        </p:txBody>
+      </p:sp>
+      <p:pic>
+        <p:nvPicPr>
+          <p:cNvPr descr="https://deidt7p41jzcy.cloudfront.net/Eso_Resection3_ai.png" id="0" name="Picture 1"/>
+          <p:cNvPicPr>
+            <a:picLocks noGrp="1" noChangeAspect="1"/>
+          </p:cNvPicPr>
+          <p:nvPr/>
+        </p:nvPicPr>
+        <p:blipFill>
+          <a:blip r:embed="rId2"/>
+          <a:stretch>
+            <a:fillRect/>
+          </a:stretch>
+        </p:blipFill>
+        <p:spPr bwMode="auto">
+          <a:xfrm>
+            <a:off x="4914900" y="1193800"/>
+            <a:ext cx="3632200" cy="3733800"/>
+          </a:xfrm>
+          <a:prstGeom prst="rect">
+            <a:avLst/>
+          </a:prstGeom>
+          <a:noFill/>
+          <a:ln w="9525">
+            <a:noFill/>
+            <a:headEnd/>
+            <a:tailEnd/>
+          </a:ln>
+        </p:spPr>
+      </p:pic>
+    </p:spTree>
+  </p:cSld>
+</p:sld>
+</file>
+
+<file path=ppt/slides/slide50.xml><?xml version="1.0" encoding="utf-8"?>
+<p:sld xmlns:a="http://schemas.openxmlformats.org/drawingml/2006/main" xmlns:r="http://schemas.openxmlformats.org/officeDocument/2006/relationships" xmlns:p="http://schemas.openxmlformats.org/presentationml/2006/main">
+  <p:cSld>
+    <p:spTree>
+      <p:nvGrpSpPr>
+        <p:cNvPr id="1" name=""/>
+        <p:cNvGrpSpPr/>
+        <p:nvPr/>
+      </p:nvGrpSpPr>
+      <p:grpSpPr>
+        <a:xfrm>
+          <a:off x="0" y="0"/>
+          <a:ext cx="0" cy="0"/>
+          <a:chOff x="0" y="0"/>
+          <a:chExt cx="0" cy="0"/>
+        </a:xfrm>
+      </p:grpSpPr>
+      <p:sp>
+        <p:nvSpPr>
+          <p:cNvPr id="2" name="Title 1"/>
+          <p:cNvSpPr>
+            <a:spLocks noGrp="1"/>
+          </p:cNvSpPr>
+          <p:nvPr>
+            <p:ph type="title"/>
+          </p:nvPr>
+        </p:nvSpPr>
+        <p:spPr>
+          <a:xfrm>
+            <a:off x="284309" y="205979"/>
+            <a:ext cx="8552330" cy="662317"/>
+          </a:xfrm>
+        </p:spPr>
+        <p:txBody>
+          <a:bodyPr/>
+          <a:lstStyle/>
+          <a:p>
+            <a:pPr lvl="0" indent="0" marL="0">
+              <a:buNone/>
+            </a:pPr>
+            <a:r>
+              <a:rPr/>
+              <a:t>After surgery</a:t>
+            </a:r>
+          </a:p>
+        </p:txBody>
+      </p:sp>
+      <p:sp>
+        <p:nvSpPr>
+          <p:cNvPr id="3" name="Content Placeholder 2"/>
+          <p:cNvSpPr>
+            <a:spLocks noGrp="1"/>
+          </p:cNvSpPr>
+          <p:nvPr>
+            <p:ph idx="1"/>
+          </p:nvPr>
+        </p:nvSpPr>
+        <p:spPr/>
+        <p:txBody>
+          <a:bodyPr/>
+          <a:lstStyle/>
+          <a:p>
+            <a:pPr lvl="0" indent="0" marL="0">
+              <a:buNone/>
+            </a:pPr>
+            <a:r>
+              <a:rPr/>
+              <a:t>Wean off medicines added after surgery</a:t>
+            </a:r>
+          </a:p>
+          <a:p>
+            <a:pPr lvl="0"/>
+            <a:r>
+              <a:rPr/>
+              <a:t>Pain medicines</a:t>
+            </a:r>
+          </a:p>
+          <a:p>
+            <a:pPr lvl="0"/>
+            <a:r>
+              <a:rPr/>
+              <a:t>Beta-blockers</a:t>
+            </a:r>
+          </a:p>
+          <a:p>
+            <a:pPr lvl="0"/>
+            <a:r>
+              <a:rPr/>
+              <a:t>Reglan and Remeron</a:t>
+            </a:r>
+          </a:p>
+          <a:p>
+            <a:pPr lvl="0" indent="0" marL="0">
+              <a:buNone/>
+            </a:pPr>
+            <a:r>
+              <a:rPr/>
+              <a:t>Continue acid blockers for at least 1 year</a:t>
+            </a:r>
+          </a:p>
+        </p:txBody>
+      </p:sp>
+    </p:spTree>
+  </p:cSld>
+</p:sld>
+</file>
+
+<file path=ppt/slides/slide51.xml><?xml version="1.0" encoding="utf-8"?>
+<p:sld xmlns:a="http://schemas.openxmlformats.org/drawingml/2006/main" xmlns:r="http://schemas.openxmlformats.org/officeDocument/2006/relationships" xmlns:p="http://schemas.openxmlformats.org/presentationml/2006/main">
+  <p:cSld>
+    <p:spTree>
+      <p:nvGrpSpPr>
+        <p:cNvPr id="1" name=""/>
+        <p:cNvGrpSpPr/>
+        <p:nvPr/>
+      </p:nvGrpSpPr>
+      <p:grpSpPr>
+        <a:xfrm>
+          <a:off x="0" y="0"/>
+          <a:ext cx="0" cy="0"/>
+          <a:chOff x="0" y="0"/>
+          <a:chExt cx="0" cy="0"/>
+        </a:xfrm>
+      </p:grpSpPr>
+      <p:sp>
+        <p:nvSpPr>
+          <p:cNvPr id="2" name="Title 1"/>
+          <p:cNvSpPr>
+            <a:spLocks noGrp="1"/>
+          </p:cNvSpPr>
+          <p:nvPr>
+            <p:ph type="title"/>
+          </p:nvPr>
+        </p:nvSpPr>
+        <p:spPr>
+          <a:xfrm>
+            <a:off x="284309" y="205979"/>
+            <a:ext cx="8552330" cy="662317"/>
+          </a:xfrm>
+        </p:spPr>
+        <p:txBody>
+          <a:bodyPr/>
+          <a:lstStyle/>
+          <a:p>
+            <a:pPr lvl="0" indent="0" marL="0">
+              <a:buNone/>
+            </a:pPr>
+            <a:r>
+              <a:rPr/>
+              <a:t>Jejunostomy Removal</a:t>
+            </a:r>
+          </a:p>
+        </p:txBody>
+      </p:sp>
+      <p:sp>
+        <p:nvSpPr>
+          <p:cNvPr id="3" name="Content Placeholder 2"/>
+          <p:cNvSpPr>
+            <a:spLocks noGrp="1"/>
+          </p:cNvSpPr>
+          <p:nvPr>
+            <p:ph idx="1"/>
+          </p:nvPr>
+        </p:nvSpPr>
+        <p:spPr/>
+        <p:txBody>
+          <a:bodyPr/>
+          <a:lstStyle/>
+          <a:p>
+            <a:pPr lvl="0" indent="0" marL="0">
+              <a:buNone/>
+            </a:pPr>
+            <a:r>
+              <a:rPr/>
+              <a:t>Jejunostomy tube is removed in the office once you can take in enough nutrients by mouth</a:t>
+            </a:r>
+          </a:p>
+          <a:p>
+            <a:pPr lvl="0" indent="0" marL="0">
+              <a:buNone/>
+            </a:pPr>
+            <a:r>
+              <a:rPr/>
+              <a:t>Removal usually around 8 weeks after surgery</a:t>
+            </a:r>
+          </a:p>
+          <a:p>
+            <a:pPr lvl="0" indent="0" marL="0">
+              <a:buNone/>
+            </a:pPr>
+            <a:r>
+              <a:rPr/>
+              <a:t>May take 30 minutes and some local anesthetic to loosen up the tube for removal.</a:t>
+            </a:r>
+          </a:p>
+        </p:txBody>
+      </p:sp>
+    </p:spTree>
+  </p:cSld>
+</p:sld>
+</file>
+
+<file path=ppt/slides/slide52.xml><?xml version="1.0" encoding="utf-8"?>
+<p:sld xmlns:a="http://schemas.openxmlformats.org/drawingml/2006/main" xmlns:r="http://schemas.openxmlformats.org/officeDocument/2006/relationships" xmlns:p="http://schemas.openxmlformats.org/presentationml/2006/main">
+  <p:cSld>
+    <p:spTree>
+      <p:nvGrpSpPr>
+        <p:cNvPr id="1" name=""/>
+        <p:cNvGrpSpPr/>
+        <p:nvPr/>
+      </p:nvGrpSpPr>
+      <p:grpSpPr>
+        <a:xfrm>
+          <a:off x="0" y="0"/>
+          <a:ext cx="0" cy="0"/>
+          <a:chOff x="0" y="0"/>
+          <a:chExt cx="0" cy="0"/>
+        </a:xfrm>
+      </p:grpSpPr>
+      <p:sp>
+        <p:nvSpPr>
+          <p:cNvPr id="2" name="Title 1"/>
+          <p:cNvSpPr>
+            <a:spLocks noGrp="1"/>
+          </p:cNvSpPr>
+          <p:nvPr>
+            <p:ph type="title"/>
+          </p:nvPr>
+        </p:nvSpPr>
+        <p:spPr>
+          <a:xfrm>
+            <a:off x="284309" y="205979"/>
+            <a:ext cx="8552330" cy="662317"/>
+          </a:xfrm>
+        </p:spPr>
+        <p:txBody>
+          <a:bodyPr/>
+          <a:lstStyle/>
+          <a:p>
+            <a:pPr lvl="0" indent="0" marL="0">
+              <a:buNone/>
+            </a:pPr>
+            <a:r>
+              <a:rPr/>
+              <a:t>Nutritional Monitoring after Surgery</a:t>
+            </a:r>
+          </a:p>
+        </p:txBody>
+      </p:sp>
+      <p:sp>
+        <p:nvSpPr>
+          <p:cNvPr id="3" name="Content Placeholder 2"/>
+          <p:cNvSpPr>
+            <a:spLocks noGrp="1"/>
+          </p:cNvSpPr>
+          <p:nvPr>
+            <p:ph idx="1"/>
+          </p:nvPr>
+        </p:nvSpPr>
+        <p:spPr/>
+        <p:txBody>
+          <a:bodyPr/>
+          <a:lstStyle/>
+          <a:p>
+            <a:pPr lvl="0" indent="0" marL="0">
+              <a:buNone/>
+            </a:pPr>
+            <a:r>
+              <a:rPr/>
+              <a:t>You may have difficulty absorbing some nutrients:</a:t>
+            </a:r>
+          </a:p>
+          <a:p>
+            <a:pPr lvl="0"/>
+            <a:r>
+              <a:rPr/>
+              <a:t>Iron</a:t>
+            </a:r>
+          </a:p>
+          <a:p>
+            <a:pPr lvl="0"/>
+            <a:r>
+              <a:rPr/>
+              <a:t>Vitamin B12</a:t>
+            </a:r>
+          </a:p>
+          <a:p>
+            <a:pPr lvl="0"/>
+            <a:r>
+              <a:rPr/>
+              <a:t>Vitamin D</a:t>
+            </a:r>
+          </a:p>
+        </p:txBody>
+      </p:sp>
+    </p:spTree>
+  </p:cSld>
+</p:sld>
+</file>
+
+<file path=ppt/slides/slide53.xml><?xml version="1.0" encoding="utf-8"?>
+<p:sld xmlns:a="http://schemas.openxmlformats.org/drawingml/2006/main" xmlns:r="http://schemas.openxmlformats.org/officeDocument/2006/relationships" xmlns:p="http://schemas.openxmlformats.org/presentationml/2006/main">
+  <p:cSld>
+    <p:spTree>
+      <p:nvGrpSpPr>
+        <p:cNvPr id="1" name=""/>
+        <p:cNvGrpSpPr/>
+        <p:nvPr/>
+      </p:nvGrpSpPr>
+      <p:grpSpPr>
+        <a:xfrm>
+          <a:off x="0" y="0"/>
+          <a:ext cx="0" cy="0"/>
+          <a:chOff x="0" y="0"/>
+          <a:chExt cx="0" cy="0"/>
+        </a:xfrm>
+      </p:grpSpPr>
+      <p:sp>
+        <p:nvSpPr>
+          <p:cNvPr id="2" name="Title 1"/>
+          <p:cNvSpPr>
+            <a:spLocks noGrp="1"/>
+          </p:cNvSpPr>
+          <p:nvPr>
+            <p:ph type="title"/>
+          </p:nvPr>
+        </p:nvSpPr>
+        <p:spPr>
+          <a:xfrm>
+            <a:off x="284309" y="205979"/>
+            <a:ext cx="8552330" cy="662317"/>
+          </a:xfrm>
+        </p:spPr>
+        <p:txBody>
+          <a:bodyPr/>
+          <a:lstStyle/>
+          <a:p>
+            <a:pPr lvl="0" indent="0" marL="0">
+              <a:buNone/>
+            </a:pPr>
+            <a:r>
+              <a:rPr/>
+              <a:t>Nutritional Monitoring after Surgery</a:t>
+            </a:r>
+          </a:p>
+        </p:txBody>
+      </p:sp>
+      <p:sp>
+        <p:nvSpPr>
+          <p:cNvPr id="3" name="Content Placeholder 2"/>
+          <p:cNvSpPr>
+            <a:spLocks noGrp="1"/>
+          </p:cNvSpPr>
+          <p:nvPr>
+            <p:ph idx="1"/>
+          </p:nvPr>
+        </p:nvSpPr>
+        <p:spPr/>
+        <p:txBody>
+          <a:bodyPr/>
+          <a:lstStyle/>
+          <a:p>
+            <a:pPr lvl="0" indent="0" marL="0">
+              <a:buNone/>
+            </a:pPr>
+            <a:r>
+              <a:rPr/>
+              <a:t>About 3 months after the jejunostomy tube is removed, we will check blood levels:</a:t>
+            </a:r>
+          </a:p>
+          <a:p>
+            <a:pPr lvl="0"/>
+            <a:r>
+              <a:rPr/>
+              <a:t>Iron (ferritin)</a:t>
+            </a:r>
+          </a:p>
+          <a:p>
+            <a:pPr lvl="0"/>
+            <a:r>
+              <a:rPr/>
+              <a:t>Vitamin B12</a:t>
+            </a:r>
+          </a:p>
+          <a:p>
+            <a:pPr lvl="0"/>
+            <a:r>
+              <a:rPr/>
+              <a:t>Vitamin D</a:t>
+            </a:r>
+          </a:p>
+        </p:txBody>
+      </p:sp>
+    </p:spTree>
+  </p:cSld>
+</p:sld>
+</file>
+
 <file path=ppt/slides/slide54.xml><?xml version="1.0" encoding="utf-8"?>
 <p:sld xmlns:a="http://schemas.openxmlformats.org/drawingml/2006/main" xmlns:r="http://schemas.openxmlformats.org/officeDocument/2006/relationships" xmlns:p="http://schemas.openxmlformats.org/presentationml/2006/main">
   <p:cSld>
@@ -9097,20 +9147,20 @@
         </p:nvSpPr>
         <p:spPr>
           <a:xfrm>
-            <a:off x="315045" y="205979"/>
-            <a:ext cx="8529278" cy="857250"/>
-          </a:xfrm>
-        </p:spPr>
-        <p:txBody>
-          <a:bodyPr/>
-          <a:lstStyle/>
-          <a:p>
-            <a:pPr lvl="0" indent="0" marL="0">
-              <a:buNone/>
-            </a:pPr>
-            <a:r>
-              <a:rPr/>
-              <a:t>Sleeping</a:t>
+            <a:off x="284309" y="205979"/>
+            <a:ext cx="8552330" cy="662317"/>
+          </a:xfrm>
+        </p:spPr>
+        <p:txBody>
+          <a:bodyPr/>
+          <a:lstStyle/>
+          <a:p>
+            <a:pPr lvl="0" indent="0" marL="0">
+              <a:buNone/>
+            </a:pPr>
+            <a:r>
+              <a:rPr/>
+              <a:t>Nutritional Replacements after Surgery</a:t>
             </a:r>
           </a:p>
         </p:txBody>
@@ -9122,7 +9172,7 @@
             <a:spLocks noGrp="1"/>
           </p:cNvSpPr>
           <p:nvPr>
-            <p:ph idx="1" sz="half"/>
+            <p:ph idx="1"/>
           </p:nvPr>
         </p:nvSpPr>
         <p:spPr/>
@@ -9135,59 +9185,55 @@
             </a:pPr>
             <a:r>
               <a:rPr/>
-              <a:t>Reflux can occur the first few weeks/months after surgery</a:t>
-            </a:r>
-          </a:p>
-          <a:p>
-            <a:pPr lvl="0" indent="0" marL="0">
-              <a:buNone/>
-            </a:pPr>
-            <a:r>
-              <a:rPr/>
-              <a:t>This improves over the first few months</a:t>
-            </a:r>
-          </a:p>
-          <a:p>
-            <a:pPr lvl="0" indent="0" marL="0">
-              <a:buNone/>
-            </a:pPr>
-            <a:r>
-              <a:rPr/>
-              <a:t>A wedge pillow can be helpful for sleep</a:t>
-            </a:r>
-          </a:p>
-        </p:txBody>
-      </p:sp>
-      <p:pic>
-        <p:nvPicPr>
-          <p:cNvPr descr="https://deidt7p41jzcy.cloudfront.net/wedge_pillow_comm.jpg" id="0" name="Picture 1"/>
-          <p:cNvPicPr>
-            <a:picLocks noGrp="1" noChangeAspect="1"/>
-          </p:cNvPicPr>
-          <p:nvPr/>
-        </p:nvPicPr>
-        <p:blipFill>
-          <a:blip r:embed="rId2"/>
-          <a:stretch>
-            <a:fillRect/>
-          </a:stretch>
-        </p:blipFill>
-        <p:spPr bwMode="auto">
-          <a:xfrm>
-            <a:off x="4864100" y="1193800"/>
-            <a:ext cx="3733800" cy="3733800"/>
-          </a:xfrm>
-          <a:prstGeom prst="rect">
-            <a:avLst/>
-          </a:prstGeom>
-          <a:noFill/>
-          <a:ln w="9525">
-            <a:noFill/>
-            <a:headEnd/>
-            <a:tailEnd/>
-          </a:ln>
-        </p:spPr>
-      </p:pic>
+              <a:t>Vitamin or iron replacements can be ordered by:</a:t>
+            </a:r>
+          </a:p>
+          <a:p>
+            <a:pPr lvl="0"/>
+            <a:r>
+              <a:rPr/>
+              <a:t>Primary Care Provider (PCP)</a:t>
+            </a:r>
+          </a:p>
+          <a:p>
+            <a:pPr lvl="0"/>
+            <a:r>
+              <a:rPr/>
+              <a:t>Medical Oncologist</a:t>
+            </a:r>
+          </a:p>
+          <a:p>
+            <a:pPr lvl="0"/>
+            <a:r>
+              <a:rPr/>
+              <a:t>Surgeon</a:t>
+            </a:r>
+          </a:p>
+          <a:p>
+            <a:pPr lvl="0" indent="0" marL="0">
+              <a:buNone/>
+            </a:pPr>
+            <a:r>
+              <a:rPr/>
+              <a:t>If levels are low</a:t>
+            </a:r>
+          </a:p>
+          <a:p>
+            <a:pPr lvl="0"/>
+            <a:r>
+              <a:rPr/>
+              <a:t>Replacement</a:t>
+            </a:r>
+          </a:p>
+          <a:p>
+            <a:pPr lvl="0"/>
+            <a:r>
+              <a:rPr/>
+              <a:t>Repeat testing in 3-6 months</a:t>
+            </a:r>
+          </a:p>
+        </p:txBody>
+      </p:sp>
     </p:spTree>
   </p:cSld>
 </p:sld>
@@ -9235,7 +9281,7 @@
             </a:pPr>
             <a:r>
               <a:rPr/>
-              <a:t>Postoperative Visit</a:t>
+              <a:t>Team Members - Physicians</a:t>
             </a:r>
           </a:p>
         </p:txBody>
@@ -9260,55 +9306,64 @@
             </a:pPr>
             <a:r>
               <a:rPr/>
-              <a:t>Check surgical site</a:t>
-            </a:r>
-          </a:p>
-          <a:p>
-            <a:pPr lvl="0"/>
-            <a:r>
-              <a:rPr/>
-              <a:t>Remove staples (if needed)</a:t>
-            </a:r>
-          </a:p>
-          <a:p>
-            <a:pPr lvl="0" indent="0" marL="0">
-              <a:buNone/>
-            </a:pPr>
-            <a:r>
-              <a:rPr/>
-              <a:t>Adjust medicines as needed</a:t>
-            </a:r>
-          </a:p>
-          <a:p>
-            <a:pPr lvl="0"/>
-            <a:r>
-              <a:rPr/>
-              <a:t>Insulin (for diabetic patients on insulin)</a:t>
-            </a:r>
-          </a:p>
-          <a:p>
-            <a:pPr lvl="0"/>
-            <a:r>
-              <a:rPr/>
-              <a:t>Reduce beta blocker medicines</a:t>
-            </a:r>
-          </a:p>
-          <a:p>
-            <a:pPr lvl="0" indent="0" marL="0">
-              <a:buNone/>
-            </a:pPr>
-            <a:r>
-              <a:rPr/>
-              <a:t>Advance diet</a:t>
-            </a:r>
-          </a:p>
-          <a:p>
-            <a:pPr lvl="0" indent="0" marL="0">
-              <a:buNone/>
-            </a:pPr>
-            <a:r>
-              <a:rPr/>
-              <a:t>Reduce tube feeds</a:t>
+              <a:t>Primary Care Provider</a:t>
+            </a:r>
+          </a:p>
+          <a:p>
+            <a:pPr lvl="0" indent="0" marL="0">
+              <a:buNone/>
+            </a:pPr>
+            <a:r>
+              <a:rPr/>
+              <a:t>Gastroenterologist</a:t>
+            </a:r>
+          </a:p>
+          <a:p>
+            <a:pPr lvl="0" indent="0" marL="0">
+              <a:buNone/>
+            </a:pPr>
+            <a:r>
+              <a:rPr/>
+              <a:t>Medical Oncologist (chemotherapy)</a:t>
+            </a:r>
+          </a:p>
+          <a:p>
+            <a:pPr lvl="0" indent="0" marL="0">
+              <a:buNone/>
+            </a:pPr>
+            <a:r>
+              <a:rPr/>
+              <a:t>Radiation Oncologist (radiation)</a:t>
+            </a:r>
+          </a:p>
+          <a:p>
+            <a:pPr lvl="0" indent="0" marL="0">
+              <a:buNone/>
+            </a:pPr>
+            <a:r>
+              <a:rPr/>
+              <a:t>Surgeons</a:t>
+            </a:r>
+          </a:p>
+          <a:p>
+            <a:pPr lvl="0"/>
+            <a:r>
+              <a:rPr/>
+              <a:t>Jonathan Salo</a:t>
+            </a:r>
+          </a:p>
+          <a:p>
+            <a:pPr lvl="0"/>
+            <a:r>
+              <a:rPr/>
+              <a:t>Jeffrey Hagen</a:t>
+            </a:r>
+          </a:p>
+          <a:p>
+            <a:pPr lvl="0"/>
+            <a:r>
+              <a:rPr/>
+              <a:t>Michael Roach</a:t>
             </a:r>
           </a:p>
         </p:txBody>
@@ -9360,7 +9415,7 @@
             </a:pPr>
             <a:r>
               <a:rPr/>
-              <a:t>After surgery</a:t>
+              <a:t>Team Members - Support Staff</a:t>
             </a:r>
           </a:p>
         </p:txBody>
@@ -9385,328 +9440,34 @@
             </a:pPr>
             <a:r>
               <a:rPr/>
-              <a:t>Wean off medicines added after surgery</a:t>
-            </a:r>
-          </a:p>
-          <a:p>
-            <a:pPr lvl="0"/>
-            <a:r>
-              <a:rPr/>
-              <a:t>Pain medicines</a:t>
-            </a:r>
-          </a:p>
-          <a:p>
-            <a:pPr lvl="0"/>
-            <a:r>
-              <a:rPr/>
-              <a:t>Beta-blockers</a:t>
-            </a:r>
-          </a:p>
-          <a:p>
-            <a:pPr lvl="0"/>
-            <a:r>
-              <a:rPr/>
-              <a:t>Reglan and Remeron</a:t>
-            </a:r>
-          </a:p>
-          <a:p>
-            <a:pPr lvl="0" indent="0" marL="0">
-              <a:buNone/>
-            </a:pPr>
-            <a:r>
-              <a:rPr/>
-              <a:t>Continue acid blockers for at least 1 year</a:t>
-            </a:r>
-          </a:p>
-        </p:txBody>
-      </p:sp>
-    </p:spTree>
-  </p:cSld>
-</p:sld>
-</file>
-
-<file path=ppt/slides/slide57.xml><?xml version="1.0" encoding="utf-8"?>
-<p:sld xmlns:a="http://schemas.openxmlformats.org/drawingml/2006/main" xmlns:r="http://schemas.openxmlformats.org/officeDocument/2006/relationships" xmlns:p="http://schemas.openxmlformats.org/presentationml/2006/main">
-  <p:cSld>
-    <p:spTree>
-      <p:nvGrpSpPr>
-        <p:cNvPr id="1" name=""/>
-        <p:cNvGrpSpPr/>
-        <p:nvPr/>
-      </p:nvGrpSpPr>
-      <p:grpSpPr>
-        <a:xfrm>
-          <a:off x="0" y="0"/>
-          <a:ext cx="0" cy="0"/>
-          <a:chOff x="0" y="0"/>
-          <a:chExt cx="0" cy="0"/>
-        </a:xfrm>
-      </p:grpSpPr>
-      <p:sp>
-        <p:nvSpPr>
-          <p:cNvPr id="2" name="Title 1"/>
-          <p:cNvSpPr>
-            <a:spLocks noGrp="1"/>
-          </p:cNvSpPr>
-          <p:nvPr>
-            <p:ph type="title"/>
-          </p:nvPr>
-        </p:nvSpPr>
-        <p:spPr>
-          <a:xfrm>
-            <a:off x="284309" y="205979"/>
-            <a:ext cx="8552330" cy="662317"/>
-          </a:xfrm>
-        </p:spPr>
-        <p:txBody>
-          <a:bodyPr/>
-          <a:lstStyle/>
-          <a:p>
-            <a:pPr lvl="0" indent="0" marL="0">
-              <a:buNone/>
-            </a:pPr>
-            <a:r>
-              <a:rPr/>
-              <a:t>Jejunostomy Removal</a:t>
-            </a:r>
-          </a:p>
-        </p:txBody>
-      </p:sp>
-      <p:sp>
-        <p:nvSpPr>
-          <p:cNvPr id="3" name="Content Placeholder 2"/>
-          <p:cNvSpPr>
-            <a:spLocks noGrp="1"/>
-          </p:cNvSpPr>
-          <p:nvPr>
-            <p:ph idx="1"/>
-          </p:nvPr>
-        </p:nvSpPr>
-        <p:spPr/>
-        <p:txBody>
-          <a:bodyPr/>
-          <a:lstStyle/>
-          <a:p>
-            <a:pPr lvl="0" indent="0" marL="0">
-              <a:buNone/>
-            </a:pPr>
-            <a:r>
-              <a:rPr/>
-              <a:t>Jejunostomy tube is removed in the office once you can take in enough nutrients by mouth</a:t>
-            </a:r>
-          </a:p>
-          <a:p>
-            <a:pPr lvl="0" indent="0" marL="0">
-              <a:buNone/>
-            </a:pPr>
-            <a:r>
-              <a:rPr/>
-              <a:t>Removal usually around 8 weeks after surgery</a:t>
-            </a:r>
-          </a:p>
-          <a:p>
-            <a:pPr lvl="0" indent="0" marL="0">
-              <a:buNone/>
-            </a:pPr>
-            <a:r>
-              <a:rPr/>
-              <a:t>May take 30 minutes and some local anesthetic to loosen up the tube for removal.</a:t>
-            </a:r>
-          </a:p>
-        </p:txBody>
-      </p:sp>
-    </p:spTree>
-  </p:cSld>
-</p:sld>
-</file>
-
-<file path=ppt/slides/slide58.xml><?xml version="1.0" encoding="utf-8"?>
-<p:sld xmlns:a="http://schemas.openxmlformats.org/drawingml/2006/main" xmlns:r="http://schemas.openxmlformats.org/officeDocument/2006/relationships" xmlns:p="http://schemas.openxmlformats.org/presentationml/2006/main">
-  <p:cSld>
-    <p:spTree>
-      <p:nvGrpSpPr>
-        <p:cNvPr id="1" name=""/>
-        <p:cNvGrpSpPr/>
-        <p:nvPr/>
-      </p:nvGrpSpPr>
-      <p:grpSpPr>
-        <a:xfrm>
-          <a:off x="0" y="0"/>
-          <a:ext cx="0" cy="0"/>
-          <a:chOff x="0" y="0"/>
-          <a:chExt cx="0" cy="0"/>
-        </a:xfrm>
-      </p:grpSpPr>
-      <p:sp>
-        <p:nvSpPr>
-          <p:cNvPr id="2" name="Title 1"/>
-          <p:cNvSpPr>
-            <a:spLocks noGrp="1"/>
-          </p:cNvSpPr>
-          <p:nvPr>
-            <p:ph type="title"/>
-          </p:nvPr>
-        </p:nvSpPr>
-        <p:spPr>
-          <a:xfrm>
-            <a:off x="284309" y="205979"/>
-            <a:ext cx="8552330" cy="662317"/>
-          </a:xfrm>
-        </p:spPr>
-        <p:txBody>
-          <a:bodyPr/>
-          <a:lstStyle/>
-          <a:p>
-            <a:pPr lvl="0" indent="0" marL="0">
-              <a:buNone/>
-            </a:pPr>
-            <a:r>
-              <a:rPr/>
-              <a:t>Nutritional Monitoring after Surgery</a:t>
-            </a:r>
-          </a:p>
-        </p:txBody>
-      </p:sp>
-      <p:sp>
-        <p:nvSpPr>
-          <p:cNvPr id="3" name="Content Placeholder 2"/>
-          <p:cNvSpPr>
-            <a:spLocks noGrp="1"/>
-          </p:cNvSpPr>
-          <p:nvPr>
-            <p:ph idx="1"/>
-          </p:nvPr>
-        </p:nvSpPr>
-        <p:spPr/>
-        <p:txBody>
-          <a:bodyPr/>
-          <a:lstStyle/>
-          <a:p>
-            <a:pPr lvl="0" indent="0" marL="0">
-              <a:buNone/>
-            </a:pPr>
-            <a:r>
-              <a:rPr/>
-              <a:t>You may have difficulty absorbing some nutrients:</a:t>
-            </a:r>
-          </a:p>
-          <a:p>
-            <a:pPr lvl="0"/>
-            <a:r>
-              <a:rPr/>
-              <a:t>Iron</a:t>
-            </a:r>
-          </a:p>
-          <a:p>
-            <a:pPr lvl="0"/>
-            <a:r>
-              <a:rPr/>
-              <a:t>Vitamin B12</a:t>
-            </a:r>
-          </a:p>
-          <a:p>
-            <a:pPr lvl="0"/>
-            <a:r>
-              <a:rPr/>
-              <a:t>Vitamin D</a:t>
-            </a:r>
-          </a:p>
-        </p:txBody>
-      </p:sp>
-    </p:spTree>
-  </p:cSld>
-</p:sld>
-</file>
-
-<file path=ppt/slides/slide59.xml><?xml version="1.0" encoding="utf-8"?>
-<p:sld xmlns:a="http://schemas.openxmlformats.org/drawingml/2006/main" xmlns:r="http://schemas.openxmlformats.org/officeDocument/2006/relationships" xmlns:p="http://schemas.openxmlformats.org/presentationml/2006/main">
-  <p:cSld>
-    <p:spTree>
-      <p:nvGrpSpPr>
-        <p:cNvPr id="1" name=""/>
-        <p:cNvGrpSpPr/>
-        <p:nvPr/>
-      </p:nvGrpSpPr>
-      <p:grpSpPr>
-        <a:xfrm>
-          <a:off x="0" y="0"/>
-          <a:ext cx="0" cy="0"/>
-          <a:chOff x="0" y="0"/>
-          <a:chExt cx="0" cy="0"/>
-        </a:xfrm>
-      </p:grpSpPr>
-      <p:sp>
-        <p:nvSpPr>
-          <p:cNvPr id="2" name="Title 1"/>
-          <p:cNvSpPr>
-            <a:spLocks noGrp="1"/>
-          </p:cNvSpPr>
-          <p:nvPr>
-            <p:ph type="title"/>
-          </p:nvPr>
-        </p:nvSpPr>
-        <p:spPr>
-          <a:xfrm>
-            <a:off x="284309" y="205979"/>
-            <a:ext cx="8552330" cy="662317"/>
-          </a:xfrm>
-        </p:spPr>
-        <p:txBody>
-          <a:bodyPr/>
-          <a:lstStyle/>
-          <a:p>
-            <a:pPr lvl="0" indent="0" marL="0">
-              <a:buNone/>
-            </a:pPr>
-            <a:r>
-              <a:rPr/>
-              <a:t>Nutritional Monitoring after Surgery</a:t>
-            </a:r>
-          </a:p>
-        </p:txBody>
-      </p:sp>
-      <p:sp>
-        <p:nvSpPr>
-          <p:cNvPr id="3" name="Content Placeholder 2"/>
-          <p:cNvSpPr>
-            <a:spLocks noGrp="1"/>
-          </p:cNvSpPr>
-          <p:nvPr>
-            <p:ph idx="1"/>
-          </p:nvPr>
-        </p:nvSpPr>
-        <p:spPr/>
-        <p:txBody>
-          <a:bodyPr/>
-          <a:lstStyle/>
-          <a:p>
-            <a:pPr lvl="0" indent="0" marL="0">
-              <a:buNone/>
-            </a:pPr>
-            <a:r>
-              <a:rPr/>
-              <a:t>About 3 months after the jejunostomy tube is removed, we will check blood levels:</a:t>
-            </a:r>
-          </a:p>
-          <a:p>
-            <a:pPr lvl="0"/>
-            <a:r>
-              <a:rPr/>
-              <a:t>Iron (ferritin)</a:t>
-            </a:r>
-          </a:p>
-          <a:p>
-            <a:pPr lvl="0"/>
-            <a:r>
-              <a:rPr/>
-              <a:t>Vitamin B12</a:t>
-            </a:r>
-          </a:p>
-          <a:p>
-            <a:pPr lvl="0"/>
-            <a:r>
-              <a:rPr/>
-              <a:t>Vitamin D</a:t>
+              <a:t>Dietitian - Liz Koch</a:t>
+            </a:r>
+          </a:p>
+          <a:p>
+            <a:pPr lvl="0" indent="0" marL="0">
+              <a:buNone/>
+            </a:pPr>
+            <a:r>
+              <a:rPr/>
+              <a:t>Nurses - Brandon Galloway &amp; Kit Sluder &amp; Rebecca Wicks</a:t>
+            </a:r>
+          </a:p>
+          <a:p>
+            <a:pPr lvl="0" indent="0" marL="0">
+              <a:buNone/>
+            </a:pPr>
+            <a:r>
+              <a:rPr/>
+              <a:t>Schedulers - Stacey Singleton &amp; Tony Bethea</a:t>
+            </a:r>
+          </a:p>
+          <a:p>
+            <a:pPr lvl="0" indent="0" marL="0">
+              <a:buNone/>
+            </a:pPr>
+            <a:r>
+              <a:rPr/>
+              <a:t>Navigator - Laura Swift</a:t>
             </a:r>
           </a:p>
         </p:txBody>
@@ -9826,365 +9587,6 @@
           </a:ln>
         </p:spPr>
       </p:pic>
-    </p:spTree>
-  </p:cSld>
-</p:sld>
-</file>
-
-<file path=ppt/slides/slide60.xml><?xml version="1.0" encoding="utf-8"?>
-<p:sld xmlns:a="http://schemas.openxmlformats.org/drawingml/2006/main" xmlns:r="http://schemas.openxmlformats.org/officeDocument/2006/relationships" xmlns:p="http://schemas.openxmlformats.org/presentationml/2006/main">
-  <p:cSld>
-    <p:spTree>
-      <p:nvGrpSpPr>
-        <p:cNvPr id="1" name=""/>
-        <p:cNvGrpSpPr/>
-        <p:nvPr/>
-      </p:nvGrpSpPr>
-      <p:grpSpPr>
-        <a:xfrm>
-          <a:off x="0" y="0"/>
-          <a:ext cx="0" cy="0"/>
-          <a:chOff x="0" y="0"/>
-          <a:chExt cx="0" cy="0"/>
-        </a:xfrm>
-      </p:grpSpPr>
-      <p:sp>
-        <p:nvSpPr>
-          <p:cNvPr id="2" name="Title 1"/>
-          <p:cNvSpPr>
-            <a:spLocks noGrp="1"/>
-          </p:cNvSpPr>
-          <p:nvPr>
-            <p:ph type="title"/>
-          </p:nvPr>
-        </p:nvSpPr>
-        <p:spPr>
-          <a:xfrm>
-            <a:off x="284309" y="205979"/>
-            <a:ext cx="8552330" cy="662317"/>
-          </a:xfrm>
-        </p:spPr>
-        <p:txBody>
-          <a:bodyPr/>
-          <a:lstStyle/>
-          <a:p>
-            <a:pPr lvl="0" indent="0" marL="0">
-              <a:buNone/>
-            </a:pPr>
-            <a:r>
-              <a:rPr/>
-              <a:t>Nutritional Replacements after Surgery</a:t>
-            </a:r>
-          </a:p>
-        </p:txBody>
-      </p:sp>
-      <p:sp>
-        <p:nvSpPr>
-          <p:cNvPr id="3" name="Content Placeholder 2"/>
-          <p:cNvSpPr>
-            <a:spLocks noGrp="1"/>
-          </p:cNvSpPr>
-          <p:nvPr>
-            <p:ph idx="1"/>
-          </p:nvPr>
-        </p:nvSpPr>
-        <p:spPr/>
-        <p:txBody>
-          <a:bodyPr/>
-          <a:lstStyle/>
-          <a:p>
-            <a:pPr lvl="0" indent="0" marL="0">
-              <a:buNone/>
-            </a:pPr>
-            <a:r>
-              <a:rPr/>
-              <a:t>Vitamin or iron replacements can be ordered by:</a:t>
-            </a:r>
-          </a:p>
-          <a:p>
-            <a:pPr lvl="0"/>
-            <a:r>
-              <a:rPr/>
-              <a:t>Primary Care Provider (PCP)</a:t>
-            </a:r>
-          </a:p>
-          <a:p>
-            <a:pPr lvl="0"/>
-            <a:r>
-              <a:rPr/>
-              <a:t>Medical Oncologist</a:t>
-            </a:r>
-          </a:p>
-          <a:p>
-            <a:pPr lvl="0"/>
-            <a:r>
-              <a:rPr/>
-              <a:t>Surgeon</a:t>
-            </a:r>
-          </a:p>
-          <a:p>
-            <a:pPr lvl="0" indent="0" marL="0">
-              <a:buNone/>
-            </a:pPr>
-            <a:r>
-              <a:rPr/>
-              <a:t>If levels are low</a:t>
-            </a:r>
-          </a:p>
-          <a:p>
-            <a:pPr lvl="0"/>
-            <a:r>
-              <a:rPr/>
-              <a:t>Replacement</a:t>
-            </a:r>
-          </a:p>
-          <a:p>
-            <a:pPr lvl="0"/>
-            <a:r>
-              <a:rPr/>
-              <a:t>Repeat testing in 3-6 months</a:t>
-            </a:r>
-          </a:p>
-        </p:txBody>
-      </p:sp>
-    </p:spTree>
-  </p:cSld>
-</p:sld>
-</file>
-
-<file path=ppt/slides/slide61.xml><?xml version="1.0" encoding="utf-8"?>
-<p:sld xmlns:a="http://schemas.openxmlformats.org/drawingml/2006/main" xmlns:r="http://schemas.openxmlformats.org/officeDocument/2006/relationships" xmlns:p="http://schemas.openxmlformats.org/presentationml/2006/main">
-  <p:cSld>
-    <p:spTree>
-      <p:nvGrpSpPr>
-        <p:cNvPr id="1" name=""/>
-        <p:cNvGrpSpPr/>
-        <p:nvPr/>
-      </p:nvGrpSpPr>
-      <p:grpSpPr>
-        <a:xfrm>
-          <a:off x="0" y="0"/>
-          <a:ext cx="0" cy="0"/>
-          <a:chOff x="0" y="0"/>
-          <a:chExt cx="0" cy="0"/>
-        </a:xfrm>
-      </p:grpSpPr>
-      <p:sp>
-        <p:nvSpPr>
-          <p:cNvPr id="2" name="Title 1"/>
-          <p:cNvSpPr>
-            <a:spLocks noGrp="1"/>
-          </p:cNvSpPr>
-          <p:nvPr>
-            <p:ph type="title"/>
-          </p:nvPr>
-        </p:nvSpPr>
-        <p:spPr>
-          <a:xfrm>
-            <a:off x="284309" y="205979"/>
-            <a:ext cx="8552330" cy="662317"/>
-          </a:xfrm>
-        </p:spPr>
-        <p:txBody>
-          <a:bodyPr/>
-          <a:lstStyle/>
-          <a:p>
-            <a:pPr lvl="0" indent="0" marL="0">
-              <a:buNone/>
-            </a:pPr>
-            <a:r>
-              <a:rPr/>
-              <a:t>Team Members - Physicians</a:t>
-            </a:r>
-          </a:p>
-        </p:txBody>
-      </p:sp>
-      <p:sp>
-        <p:nvSpPr>
-          <p:cNvPr id="3" name="Content Placeholder 2"/>
-          <p:cNvSpPr>
-            <a:spLocks noGrp="1"/>
-          </p:cNvSpPr>
-          <p:nvPr>
-            <p:ph idx="1"/>
-          </p:nvPr>
-        </p:nvSpPr>
-        <p:spPr/>
-        <p:txBody>
-          <a:bodyPr/>
-          <a:lstStyle/>
-          <a:p>
-            <a:pPr lvl="0" indent="0" marL="0">
-              <a:buNone/>
-            </a:pPr>
-            <a:r>
-              <a:rPr/>
-              <a:t>Primary Care Provider</a:t>
-            </a:r>
-          </a:p>
-          <a:p>
-            <a:pPr lvl="0" indent="0" marL="0">
-              <a:buNone/>
-            </a:pPr>
-            <a:r>
-              <a:rPr/>
-              <a:t>Gastroenterologist</a:t>
-            </a:r>
-          </a:p>
-          <a:p>
-            <a:pPr lvl="0" indent="0" marL="0">
-              <a:buNone/>
-            </a:pPr>
-            <a:r>
-              <a:rPr/>
-              <a:t>Medical Oncologist (chemotherapy)</a:t>
-            </a:r>
-          </a:p>
-          <a:p>
-            <a:pPr lvl="0" indent="0" marL="0">
-              <a:buNone/>
-            </a:pPr>
-            <a:r>
-              <a:rPr/>
-              <a:t>Radiation Oncologist (radiation)</a:t>
-            </a:r>
-          </a:p>
-          <a:p>
-            <a:pPr lvl="0" indent="0" marL="0">
-              <a:buNone/>
-            </a:pPr>
-            <a:r>
-              <a:rPr/>
-              <a:t>Surgeons</a:t>
-            </a:r>
-          </a:p>
-          <a:p>
-            <a:pPr lvl="0"/>
-            <a:r>
-              <a:rPr/>
-              <a:t>Jonathan Salo</a:t>
-            </a:r>
-          </a:p>
-          <a:p>
-            <a:pPr lvl="0"/>
-            <a:r>
-              <a:rPr/>
-              <a:t>Jeffrey Hagen</a:t>
-            </a:r>
-          </a:p>
-          <a:p>
-            <a:pPr lvl="0"/>
-            <a:r>
-              <a:rPr/>
-              <a:t>Michael Roach</a:t>
-            </a:r>
-          </a:p>
-        </p:txBody>
-      </p:sp>
-    </p:spTree>
-  </p:cSld>
-</p:sld>
-</file>
-
-<file path=ppt/slides/slide62.xml><?xml version="1.0" encoding="utf-8"?>
-<p:sld xmlns:a="http://schemas.openxmlformats.org/drawingml/2006/main" xmlns:r="http://schemas.openxmlformats.org/officeDocument/2006/relationships" xmlns:p="http://schemas.openxmlformats.org/presentationml/2006/main">
-  <p:cSld>
-    <p:spTree>
-      <p:nvGrpSpPr>
-        <p:cNvPr id="1" name=""/>
-        <p:cNvGrpSpPr/>
-        <p:nvPr/>
-      </p:nvGrpSpPr>
-      <p:grpSpPr>
-        <a:xfrm>
-          <a:off x="0" y="0"/>
-          <a:ext cx="0" cy="0"/>
-          <a:chOff x="0" y="0"/>
-          <a:chExt cx="0" cy="0"/>
-        </a:xfrm>
-      </p:grpSpPr>
-      <p:sp>
-        <p:nvSpPr>
-          <p:cNvPr id="2" name="Title 1"/>
-          <p:cNvSpPr>
-            <a:spLocks noGrp="1"/>
-          </p:cNvSpPr>
-          <p:nvPr>
-            <p:ph type="title"/>
-          </p:nvPr>
-        </p:nvSpPr>
-        <p:spPr>
-          <a:xfrm>
-            <a:off x="284309" y="205979"/>
-            <a:ext cx="8552330" cy="662317"/>
-          </a:xfrm>
-        </p:spPr>
-        <p:txBody>
-          <a:bodyPr/>
-          <a:lstStyle/>
-          <a:p>
-            <a:pPr lvl="0" indent="0" marL="0">
-              <a:buNone/>
-            </a:pPr>
-            <a:r>
-              <a:rPr/>
-              <a:t>Team Members - Support Staff</a:t>
-            </a:r>
-          </a:p>
-        </p:txBody>
-      </p:sp>
-      <p:sp>
-        <p:nvSpPr>
-          <p:cNvPr id="3" name="Content Placeholder 2"/>
-          <p:cNvSpPr>
-            <a:spLocks noGrp="1"/>
-          </p:cNvSpPr>
-          <p:nvPr>
-            <p:ph idx="1"/>
-          </p:nvPr>
-        </p:nvSpPr>
-        <p:spPr/>
-        <p:txBody>
-          <a:bodyPr/>
-          <a:lstStyle/>
-          <a:p>
-            <a:pPr lvl="0" indent="0" marL="0">
-              <a:buNone/>
-            </a:pPr>
-            <a:r>
-              <a:rPr/>
-              <a:t>Dietitian - Liz Koch</a:t>
-            </a:r>
-          </a:p>
-          <a:p>
-            <a:pPr lvl="0" indent="0" marL="0">
-              <a:buNone/>
-            </a:pPr>
-            <a:r>
-              <a:rPr/>
-              <a:t>Nurses - Brandon Galloway &amp; Kit Sluder &amp; Rebecca Wicks</a:t>
-            </a:r>
-          </a:p>
-          <a:p>
-            <a:pPr lvl="0" indent="0" marL="0">
-              <a:buNone/>
-            </a:pPr>
-            <a:r>
-              <a:rPr/>
-              <a:t>Schedulers - Stacey Singleton &amp; Tony Bethea</a:t>
-            </a:r>
-          </a:p>
-          <a:p>
-            <a:pPr lvl="0" indent="0" marL="0">
-              <a:buNone/>
-            </a:pPr>
-            <a:r>
-              <a:rPr/>
-              <a:t>Navigator - Laura Swift</a:t>
-            </a:r>
-          </a:p>
-        </p:txBody>
-      </p:sp>
     </p:spTree>
   </p:cSld>
 </p:sld>
@@ -10369,7 +9771,7 @@
             </a:pPr>
             <a:r>
               <a:rPr/>
-              <a:t>Minimally-invasive Ivor Lewis</a:t>
+              <a:t>Open Ivor Lewis</a:t>
             </a:r>
           </a:p>
         </p:txBody>
@@ -10394,14 +9796,23 @@
             </a:pPr>
             <a:r>
               <a:rPr/>
-              <a:t>We have found this is the best option for most of our patients. In some cases, an open approach is still necessary.</a:t>
+              <a:t>We use the mininally-invasive approach in 95% of cases</a:t>
+            </a:r>
+          </a:p>
+          <a:p>
+            <a:pPr lvl="0" indent="0" marL="0">
+              <a:buNone/>
+            </a:pPr>
+            <a:r>
+              <a:rPr/>
+              <a:t>In some cases, an open approach is still necessary.</a:t>
             </a:r>
           </a:p>
         </p:txBody>
       </p:sp>
       <p:pic>
         <p:nvPicPr>
-          <p:cNvPr descr="https://deidt7p41jzcy.cloudfront.net/MIE_IvorLewisArtboard.png" id="0" name="Picture 1"/>
+          <p:cNvPr descr="https://deidt7p41jzcy.cloudfront.net/IvorLewisArtboard.png" id="0" name="Picture 1"/>
           <p:cNvPicPr>
             <a:picLocks noGrp="1" noChangeAspect="1"/>
           </p:cNvPicPr>
@@ -10476,7 +9887,7 @@
             </a:pPr>
             <a:r>
               <a:rPr/>
-              <a:t>Open Ivor Lewis</a:t>
+              <a:t>Total Esophagectomy</a:t>
             </a:r>
           </a:p>
         </p:txBody>
@@ -10501,14 +9912,23 @@
             </a:pPr>
             <a:r>
               <a:rPr/>
-              <a:t>In some cases, an open approach is still necessary.</a:t>
+              <a:t>For patients with tumors in the upper esophagus, we need to remove more of the esophagus</a:t>
+            </a:r>
+          </a:p>
+          <a:p>
+            <a:pPr lvl="0" indent="0" marL="0">
+              <a:buNone/>
+            </a:pPr>
+            <a:r>
+              <a:rPr/>
+              <a:t>We need to remove the whole esophagus, including the portion in the neck</a:t>
             </a:r>
           </a:p>
         </p:txBody>
       </p:sp>
       <p:pic>
         <p:nvPicPr>
-          <p:cNvPr descr="https://deidt7p41jzcy.cloudfront.net/IvorLewisArtboard.png" id="0" name="Picture 1"/>
+          <p:cNvPr descr="https://deidt7p41jzcy.cloudfront.net/Eso_ProxTumorArtboard.png" id="0" name="Picture 1"/>
           <p:cNvPicPr>
             <a:picLocks noGrp="1" noChangeAspect="1"/>
           </p:cNvPicPr>

--- a/lci_surgery.pptx
+++ b/lci_surgery.pptx
@@ -3632,56 +3632,66 @@
           </a:p>
         </p:txBody>
       </p:sp>
-      <p:sp>
-        <p:nvSpPr>
-          <p:cNvPr id="3" name="Content Placeholder 2"/>
-          <p:cNvSpPr>
-            <a:spLocks noGrp="1"/>
-          </p:cNvSpPr>
-          <p:nvPr>
-            <p:ph idx="1" sz="half"/>
-          </p:nvPr>
-        </p:nvSpPr>
-        <p:spPr/>
-        <p:txBody>
-          <a:bodyPr/>
-          <a:lstStyle/>
-          <a:p>
-            <a:pPr lvl="0" indent="0" marL="0">
-              <a:buNone/>
-            </a:pPr>
-            <a:r>
-              <a:rPr/>
-              <a:t>All of esophagus removed </a:t>
-            </a:r>
-          </a:p>
-        </p:txBody>
-      </p:sp>
-      <p:sp>
-        <p:nvSpPr>
-          <p:cNvPr id="4" name="Content Placeholder 3"/>
-          <p:cNvSpPr>
-            <a:spLocks noGrp="1"/>
-          </p:cNvSpPr>
-          <p:nvPr>
-            <p:ph idx="2" sz="half"/>
-          </p:nvPr>
-        </p:nvSpPr>
-        <p:spPr/>
-        <p:txBody>
-          <a:bodyPr/>
-          <a:lstStyle/>
-          <a:p>
-            <a:pPr lvl="0" indent="0" marL="0">
-              <a:buNone/>
-            </a:pPr>
-            <a:r>
-              <a:rPr/>
-              <a:t>Connection made in the neck </a:t>
-            </a:r>
-          </a:p>
-        </p:txBody>
-      </p:sp>
+      <p:pic>
+        <p:nvPicPr>
+          <p:cNvPr descr="https://deidt7p41jzcy.cloudfront.net/Eso_ResectionTotalArtboard.png" id="0" name="Picture 1"/>
+          <p:cNvPicPr>
+            <a:picLocks noGrp="1" noChangeAspect="1"/>
+          </p:cNvPicPr>
+          <p:nvPr/>
+        </p:nvPicPr>
+        <p:blipFill>
+          <a:blip r:embed="rId2"/>
+          <a:stretch>
+            <a:fillRect/>
+          </a:stretch>
+        </p:blipFill>
+        <p:spPr bwMode="auto">
+          <a:xfrm>
+            <a:off x="571500" y="1193800"/>
+            <a:ext cx="3632200" cy="3733800"/>
+          </a:xfrm>
+          <a:prstGeom prst="rect">
+            <a:avLst/>
+          </a:prstGeom>
+          <a:noFill/>
+          <a:ln w="9525">
+            <a:noFill/>
+            <a:headEnd/>
+            <a:tailEnd/>
+          </a:ln>
+        </p:spPr>
+      </p:pic>
+      <p:pic>
+        <p:nvPicPr>
+          <p:cNvPr descr="https://deidt7p41jzcy.cloudfront.net/Eso_MIE_McKeownArtboard.png" id="0" name="Picture 1"/>
+          <p:cNvPicPr>
+            <a:picLocks noGrp="1" noChangeAspect="1"/>
+          </p:cNvPicPr>
+          <p:nvPr/>
+        </p:nvPicPr>
+        <p:blipFill>
+          <a:blip r:embed="rId3"/>
+          <a:stretch>
+            <a:fillRect/>
+          </a:stretch>
+        </p:blipFill>
+        <p:spPr bwMode="auto">
+          <a:xfrm>
+            <a:off x="4914900" y="1193800"/>
+            <a:ext cx="3632200" cy="3733800"/>
+          </a:xfrm>
+          <a:prstGeom prst="rect">
+            <a:avLst/>
+          </a:prstGeom>
+          <a:noFill/>
+          <a:ln w="9525">
+            <a:noFill/>
+            <a:headEnd/>
+            <a:tailEnd/>
+          </a:ln>
+        </p:spPr>
+      </p:pic>
     </p:spTree>
   </p:cSld>
 </p:sld>
@@ -4141,7 +4151,7 @@
             </a:pPr>
             <a:r>
               <a:rPr/>
-              <a:t>If anastomosis does not heal:</a:t>
+              <a:t>If anastomosis doesn’t heal:</a:t>
             </a:r>
           </a:p>
           <a:p>
@@ -4525,16 +4535,16 @@
             </a:pPr>
             <a:r>
               <a:rPr/>
-              <a:t>Pneumonia can occurs in about 10-15% of patients after esophagectomy.</a:t>
-            </a:r>
-          </a:p>
-          <a:p>
-            <a:pPr lvl="0" indent="0" marL="0">
-              <a:buNone/>
-            </a:pPr>
-            <a:r>
-              <a:rPr/>
-              <a:t>Pneumonia requires treatment with antibiotics and frequently requires a longer hospitalization.</a:t>
+              <a:t>Can occur in 10-15% of patients after esophagectomy.</a:t>
+            </a:r>
+          </a:p>
+          <a:p>
+            <a:pPr lvl="0" indent="0" marL="0">
+              <a:buNone/>
+            </a:pPr>
+            <a:r>
+              <a:rPr/>
+              <a:t>Requires treatment with antibiotics and frequently requires a longer hospitalization.</a:t>
             </a:r>
           </a:p>
         </p:txBody>
@@ -4641,7 +4651,7 @@
             </a:pPr>
             <a:r>
               <a:rPr/>
-              <a:t>Several ways to help prevent pneumonia after surgery:</a:t>
+              <a:t>Several ways to help prevent pneumonia:</a:t>
             </a:r>
           </a:p>
           <a:p>
@@ -6302,21 +6312,21 @@
             <a:pPr lvl="0"/>
             <a:r>
               <a:rPr/>
-              <a:t>Allows nutrition to bypass the esophagus and stomach</a:t>
-            </a:r>
-          </a:p>
-          <a:p>
-            <a:pPr lvl="0"/>
-            <a:r>
-              <a:rPr/>
-              <a:t>Tube placed in small intestine</a:t>
-            </a:r>
-          </a:p>
-          <a:p>
-            <a:pPr lvl="0"/>
-            <a:r>
-              <a:rPr/>
-              <a:t>Requires a pump to adminster feedings slowly</a:t>
+              <a:t>Nutrition to bypasses the esophagus and stomach</a:t>
+            </a:r>
+          </a:p>
+          <a:p>
+            <a:pPr lvl="0"/>
+            <a:r>
+              <a:rPr/>
+              <a:t>Placed in small intestine</a:t>
+            </a:r>
+          </a:p>
+          <a:p>
+            <a:pPr lvl="0"/>
+            <a:r>
+              <a:rPr/>
+              <a:t>Pump administers feedings slowly</a:t>
             </a:r>
           </a:p>
           <a:p>
@@ -6328,31 +6338,36 @@
           </a:p>
         </p:txBody>
       </p:sp>
-      <p:sp>
-        <p:nvSpPr>
-          <p:cNvPr id="4" name="Content Placeholder 3"/>
-          <p:cNvSpPr>
-            <a:spLocks noGrp="1"/>
-          </p:cNvSpPr>
-          <p:nvPr>
-            <p:ph idx="2" sz="half"/>
-          </p:nvPr>
-        </p:nvSpPr>
-        <p:spPr/>
-        <p:txBody>
-          <a:bodyPr/>
-          <a:lstStyle/>
-          <a:p>
-            <a:pPr lvl="0" indent="0" marL="0">
-              <a:buNone/>
-            </a:pPr>
-            <a:r>
-              <a:rPr/>
-              <a:t>Jejunostomy = Small Intestine </a:t>
-            </a:r>
-          </a:p>
-        </p:txBody>
-      </p:sp>
+      <p:pic>
+        <p:nvPicPr>
+          <p:cNvPr descr="https://deidt7p41jzcy.cloudfront.net/jtube_ai.png" id="0" name="Picture 1"/>
+          <p:cNvPicPr>
+            <a:picLocks noGrp="1" noChangeAspect="1"/>
+          </p:cNvPicPr>
+          <p:nvPr/>
+        </p:nvPicPr>
+        <p:blipFill>
+          <a:blip r:embed="rId2"/>
+          <a:stretch>
+            <a:fillRect/>
+          </a:stretch>
+        </p:blipFill>
+        <p:spPr bwMode="auto">
+          <a:xfrm>
+            <a:off x="4902200" y="1193800"/>
+            <a:ext cx="3644900" cy="3733800"/>
+          </a:xfrm>
+          <a:prstGeom prst="rect">
+            <a:avLst/>
+          </a:prstGeom>
+          <a:noFill/>
+          <a:ln w="9525">
+            <a:noFill/>
+            <a:headEnd/>
+            <a:tailEnd/>
+          </a:ln>
+        </p:spPr>
+      </p:pic>
     </p:spTree>
   </p:cSld>
 </p:sld>
@@ -6423,7 +6438,7 @@
             <a:pPr lvl="0"/>
             <a:r>
               <a:rPr/>
-              <a:t>Jejunostomy tube feeds for 16 hours (6pm to 10am)</a:t>
+              <a:t>Jejunostomy tube feeds for 16 hours (6pm-10am)</a:t>
             </a:r>
           </a:p>
           <a:p>
@@ -6453,7 +6468,7 @@
             </a:pPr>
             <a:r>
               <a:rPr/>
-              <a:t>Hospital nurses will teach use of the feeding tube pump</a:t>
+              <a:t>Hospital nurses will teach use of the feeding tube</a:t>
             </a:r>
           </a:p>
         </p:txBody>

--- a/lci_surgery.pptx
+++ b/lci_surgery.pptx
@@ -371,7 +371,7 @@
           <a:p>
             <a:fld id="{241EB5C9-1307-BA42-ABA2-0BC069CD8E7F}" type="datetimeFigureOut">
               <a:rPr lang="en-US" smtClean="0"/>
-              <a:t>1/11/25</a:t>
+              <a:t>2/24/25</a:t>
             </a:fld>
             <a:endParaRPr lang="en-US"/>
           </a:p>
@@ -563,7 +563,7 @@
           <a:p>
             <a:fld id="{241EB5C9-1307-BA42-ABA2-0BC069CD8E7F}" type="datetimeFigureOut">
               <a:rPr lang="en-US" smtClean="0"/>
-              <a:t>1/11/25</a:t>
+              <a:t>2/24/25</a:t>
             </a:fld>
             <a:endParaRPr lang="en-US"/>
           </a:p>
@@ -765,7 +765,7 @@
           <a:p>
             <a:fld id="{241EB5C9-1307-BA42-ABA2-0BC069CD8E7F}" type="datetimeFigureOut">
               <a:rPr lang="en-US" smtClean="0"/>
-              <a:t>1/11/25</a:t>
+              <a:t>2/24/25</a:t>
             </a:fld>
             <a:endParaRPr lang="en-US"/>
           </a:p>
@@ -967,7 +967,7 @@
           <a:p>
             <a:fld id="{241EB5C9-1307-BA42-ABA2-0BC069CD8E7F}" type="datetimeFigureOut">
               <a:rPr lang="en-US" smtClean="0"/>
-              <a:t>1/11/25</a:t>
+              <a:t>2/24/25</a:t>
             </a:fld>
             <a:endParaRPr lang="en-US"/>
           </a:p>
@@ -1507,7 +1507,7 @@
           <a:p>
             <a:fld id="{241EB5C9-1307-BA42-ABA2-0BC069CD8E7F}" type="datetimeFigureOut">
               <a:rPr lang="en-US" smtClean="0"/>
-              <a:t>1/11/25</a:t>
+              <a:t>2/24/25</a:t>
             </a:fld>
             <a:endParaRPr lang="en-US"/>
           </a:p>
@@ -2181,7 +2181,7 @@
           <a:p>
             <a:fld id="{241EB5C9-1307-BA42-ABA2-0BC069CD8E7F}" type="datetimeFigureOut">
               <a:rPr lang="en-US" smtClean="0"/>
-              <a:t>1/11/25</a:t>
+              <a:t>2/24/25</a:t>
             </a:fld>
             <a:endParaRPr lang="en-US"/>
           </a:p>
@@ -2328,7 +2328,7 @@
           <a:p>
             <a:fld id="{241EB5C9-1307-BA42-ABA2-0BC069CD8E7F}" type="datetimeFigureOut">
               <a:rPr lang="en-US" smtClean="0"/>
-              <a:t>1/11/25</a:t>
+              <a:t>2/24/25</a:t>
             </a:fld>
             <a:endParaRPr lang="en-US"/>
           </a:p>
@@ -2447,7 +2447,7 @@
           <a:p>
             <a:fld id="{241EB5C9-1307-BA42-ABA2-0BC069CD8E7F}" type="datetimeFigureOut">
               <a:rPr lang="en-US" smtClean="0"/>
-              <a:t>1/11/25</a:t>
+              <a:t>2/24/25</a:t>
             </a:fld>
             <a:endParaRPr lang="en-US"/>
           </a:p>
@@ -2746,7 +2746,7 @@
           <a:p>
             <a:fld id="{241EB5C9-1307-BA42-ABA2-0BC069CD8E7F}" type="datetimeFigureOut">
               <a:rPr lang="en-US" smtClean="0"/>
-              <a:t>1/11/25</a:t>
+              <a:t>2/24/25</a:t>
             </a:fld>
             <a:endParaRPr lang="en-US"/>
           </a:p>
@@ -3022,7 +3022,7 @@
           <a:p>
             <a:fld id="{241EB5C9-1307-BA42-ABA2-0BC069CD8E7F}" type="datetimeFigureOut">
               <a:rPr lang="en-US" smtClean="0"/>
-              <a:t>1/11/25</a:t>
+              <a:t>2/24/25</a:t>
             </a:fld>
             <a:endParaRPr lang="en-US"/>
           </a:p>
@@ -3275,7 +3275,7 @@
         </a:spcBef>
         <a:buFont typeface="Arial"/>
         <a:buChar char="–"/>
-        <a:defRPr baseline="0" kern="1200" sz="2100">
+        <a:defRPr baseline="0" kern="1200" sz="2400">
           <a:solidFill>
             <a:schemeClr val="tx1"/>
           </a:solidFill>
@@ -3290,7 +3290,7 @@
         </a:spcBef>
         <a:buFont typeface="Arial"/>
         <a:buChar char="•"/>
-        <a:defRPr kern="1200" sz="1800">
+        <a:defRPr kern="1200" sz="2400">
           <a:solidFill>
             <a:schemeClr val="tx1"/>
           </a:solidFill>
@@ -3305,7 +3305,7 @@
         </a:spcBef>
         <a:buFont typeface="Arial"/>
         <a:buChar char="–"/>
-        <a:defRPr kern="1200" sz="1500">
+        <a:defRPr kern="1200" sz="2400">
           <a:solidFill>
             <a:schemeClr val="tx1"/>
           </a:solidFill>

--- a/lci_surgery.pptx
+++ b/lci_surgery.pptx
@@ -4786,14 +4786,14 @@
             <a:pPr lvl="0"/>
             <a:r>
               <a:rPr/>
-              <a:t>Localized Tumors (T2N0)</a:t>
-            </a:r>
-          </a:p>
-          <a:p>
-            <a:pPr lvl="0"/>
-            <a:r>
-              <a:rPr/>
-              <a:t>Locally Advanced (T3) after preoperative therapy.</a:t>
+              <a:t>Localized Tumors (T2N0M0)</a:t>
+            </a:r>
+          </a:p>
+          <a:p>
+            <a:pPr lvl="0"/>
+            <a:r>
+              <a:rPr/>
+              <a:t>Locally Advanced (T3M0) after preoperative therapy.</a:t>
             </a:r>
           </a:p>
         </p:txBody>
@@ -8695,7 +8695,7 @@
             </a:pPr>
             <a:r>
               <a:rPr/>
-              <a:t>A new esophagus is created from the stomach in the abdomen by fashioning it into a tube.</a:t>
+              <a:t>New esophagus is created from the stomach in the abdomen by fashioning it into a tube.</a:t>
             </a:r>
           </a:p>
         </p:txBody>
